--- a/topic09/talk-0/mongoDB-2020.pptx
+++ b/topic09/talk-0/mongoDB-2020.pptx
@@ -5,7 +5,7 @@
     <p:sldMasterId id="2147483648" r:id="rId1"/>
   </p:sldMasterIdLst>
   <p:notesMasterIdLst>
-    <p:notesMasterId r:id="rId43"/>
+    <p:notesMasterId r:id="rId44"/>
   </p:notesMasterIdLst>
   <p:sldIdLst>
     <p:sldId id="256" r:id="rId2"/>
@@ -31,24 +31,25 @@
     <p:sldId id="298" r:id="rId22"/>
     <p:sldId id="326" r:id="rId23"/>
     <p:sldId id="296" r:id="rId24"/>
-    <p:sldId id="297" r:id="rId25"/>
-    <p:sldId id="327" r:id="rId26"/>
-    <p:sldId id="299" r:id="rId27"/>
-    <p:sldId id="328" r:id="rId28"/>
-    <p:sldId id="329" r:id="rId29"/>
-    <p:sldId id="302" r:id="rId30"/>
-    <p:sldId id="330" r:id="rId31"/>
-    <p:sldId id="304" r:id="rId32"/>
-    <p:sldId id="331" r:id="rId33"/>
-    <p:sldId id="315" r:id="rId34"/>
-    <p:sldId id="318" r:id="rId35"/>
-    <p:sldId id="325" r:id="rId36"/>
-    <p:sldId id="317" r:id="rId37"/>
-    <p:sldId id="319" r:id="rId38"/>
-    <p:sldId id="320" r:id="rId39"/>
-    <p:sldId id="321" r:id="rId40"/>
-    <p:sldId id="323" r:id="rId41"/>
-    <p:sldId id="324" r:id="rId42"/>
+    <p:sldId id="332" r:id="rId25"/>
+    <p:sldId id="297" r:id="rId26"/>
+    <p:sldId id="327" r:id="rId27"/>
+    <p:sldId id="299" r:id="rId28"/>
+    <p:sldId id="328" r:id="rId29"/>
+    <p:sldId id="329" r:id="rId30"/>
+    <p:sldId id="302" r:id="rId31"/>
+    <p:sldId id="330" r:id="rId32"/>
+    <p:sldId id="304" r:id="rId33"/>
+    <p:sldId id="331" r:id="rId34"/>
+    <p:sldId id="315" r:id="rId35"/>
+    <p:sldId id="318" r:id="rId36"/>
+    <p:sldId id="325" r:id="rId37"/>
+    <p:sldId id="317" r:id="rId38"/>
+    <p:sldId id="319" r:id="rId39"/>
+    <p:sldId id="320" r:id="rId40"/>
+    <p:sldId id="321" r:id="rId41"/>
+    <p:sldId id="323" r:id="rId42"/>
+    <p:sldId id="324" r:id="rId43"/>
   </p:sldIdLst>
   <p:sldSz cx="12192000" cy="6858000"/>
   <p:notesSz cx="6858000" cy="9144000"/>
@@ -338,7 +339,7 @@
           <a:p>
             <a:fld id="{E753CC8B-2C22-4294-82AF-E18635F6C8A8}" type="datetimeFigureOut">
               <a:rPr lang="en-US" smtClean="0"/>
-              <a:t>3/24/2020</a:t>
+              <a:t>11/30/2020</a:t>
             </a:fld>
             <a:endParaRPr lang="en-US"/>
           </a:p>
@@ -1190,6 +1191,16 @@
           <a:bodyPr/>
           <a:lstStyle/>
           <a:p>
+            <a:r>
+              <a:rPr lang="en-GB" b="0" i="0" dirty="0">
+                <a:solidFill>
+                  <a:srgbClr val="0A0A23"/>
+                </a:solidFill>
+                <a:effectLst/>
+                <a:latin typeface="Lato"/>
+              </a:rPr>
+              <a:t>A Mongoose model is a wrapper on the Mongoose schema. A Mongoose schema defines the structure of the document, default values, validators, etc., whereas a Mongoose model provides an interface to the database for creating, querying, updating, deleting records, etc.</a:t>
+            </a:r>
             <a:endParaRPr lang="en-IE" dirty="0"/>
           </a:p>
         </p:txBody>
@@ -1211,7 +1222,7 @@
           <a:p>
             <a:fld id="{F41A18DF-4A92-427C-AD9F-04E22FE0E9C0}" type="slidenum">
               <a:rPr lang="en-US" smtClean="0"/>
-              <a:t>25</a:t>
+              <a:t>20</a:t>
             </a:fld>
             <a:endParaRPr lang="en-US"/>
           </a:p>
@@ -1220,7 +1231,7 @@
     </p:spTree>
     <p:extLst>
       <p:ext uri="{BB962C8B-B14F-4D97-AF65-F5344CB8AC3E}">
-        <p14:creationId xmlns:p14="http://schemas.microsoft.com/office/powerpoint/2010/main" val="363450933"/>
+        <p14:creationId xmlns:p14="http://schemas.microsoft.com/office/powerpoint/2010/main" val="4163100979"/>
       </p:ext>
     </p:extLst>
   </p:cSld>
@@ -1295,7 +1306,91 @@
           <a:p>
             <a:fld id="{F41A18DF-4A92-427C-AD9F-04E22FE0E9C0}" type="slidenum">
               <a:rPr lang="en-US" smtClean="0"/>
-              <a:t>36</a:t>
+              <a:t>26</a:t>
+            </a:fld>
+            <a:endParaRPr lang="en-US"/>
+          </a:p>
+        </p:txBody>
+      </p:sp>
+    </p:spTree>
+    <p:extLst>
+      <p:ext uri="{BB962C8B-B14F-4D97-AF65-F5344CB8AC3E}">
+        <p14:creationId xmlns:p14="http://schemas.microsoft.com/office/powerpoint/2010/main" val="363450933"/>
+      </p:ext>
+    </p:extLst>
+  </p:cSld>
+  <p:clrMapOvr>
+    <a:masterClrMapping/>
+  </p:clrMapOvr>
+</p:notes>
+</file>
+
+<file path=ppt/notesSlides/notesSlide8.xml><?xml version="1.0" encoding="utf-8"?>
+<p:notes xmlns:a="http://schemas.openxmlformats.org/drawingml/2006/main" xmlns:r="http://schemas.openxmlformats.org/officeDocument/2006/relationships" xmlns:p="http://schemas.openxmlformats.org/presentationml/2006/main">
+  <p:cSld>
+    <p:spTree>
+      <p:nvGrpSpPr>
+        <p:cNvPr id="1" name=""/>
+        <p:cNvGrpSpPr/>
+        <p:nvPr/>
+      </p:nvGrpSpPr>
+      <p:grpSpPr>
+        <a:xfrm>
+          <a:off x="0" y="0"/>
+          <a:ext cx="0" cy="0"/>
+          <a:chOff x="0" y="0"/>
+          <a:chExt cx="0" cy="0"/>
+        </a:xfrm>
+      </p:grpSpPr>
+      <p:sp>
+        <p:nvSpPr>
+          <p:cNvPr id="2" name="Slide Image Placeholder 1"/>
+          <p:cNvSpPr>
+            <a:spLocks noGrp="1" noRot="1" noChangeAspect="1"/>
+          </p:cNvSpPr>
+          <p:nvPr>
+            <p:ph type="sldImg"/>
+          </p:nvPr>
+        </p:nvSpPr>
+        <p:spPr/>
+      </p:sp>
+      <p:sp>
+        <p:nvSpPr>
+          <p:cNvPr id="3" name="Notes Placeholder 2"/>
+          <p:cNvSpPr>
+            <a:spLocks noGrp="1"/>
+          </p:cNvSpPr>
+          <p:nvPr>
+            <p:ph type="body" idx="1"/>
+          </p:nvPr>
+        </p:nvSpPr>
+        <p:spPr/>
+        <p:txBody>
+          <a:bodyPr/>
+          <a:lstStyle/>
+          <a:p>
+            <a:endParaRPr lang="en-IE" dirty="0"/>
+          </a:p>
+        </p:txBody>
+      </p:sp>
+      <p:sp>
+        <p:nvSpPr>
+          <p:cNvPr id="4" name="Slide Number Placeholder 3"/>
+          <p:cNvSpPr>
+            <a:spLocks noGrp="1"/>
+          </p:cNvSpPr>
+          <p:nvPr>
+            <p:ph type="sldNum" sz="quarter" idx="5"/>
+          </p:nvPr>
+        </p:nvSpPr>
+        <p:spPr/>
+        <p:txBody>
+          <a:bodyPr/>
+          <a:lstStyle/>
+          <a:p>
+            <a:fld id="{F41A18DF-4A92-427C-AD9F-04E22FE0E9C0}" type="slidenum">
+              <a:rPr lang="en-US" smtClean="0"/>
+              <a:t>37</a:t>
             </a:fld>
             <a:endParaRPr lang="en-US"/>
           </a:p>
@@ -1493,7 +1588,7 @@
           <a:p>
             <a:fld id="{B9A3E4E1-EAAE-4738-8551-BAE8BA49A08B}" type="datetimeFigureOut">
               <a:rPr lang="en-US" smtClean="0"/>
-              <a:t>3/24/2020</a:t>
+              <a:t>11/30/2020</a:t>
             </a:fld>
             <a:endParaRPr lang="en-US"/>
           </a:p>
@@ -1661,7 +1756,7 @@
           <a:p>
             <a:fld id="{B9A3E4E1-EAAE-4738-8551-BAE8BA49A08B}" type="datetimeFigureOut">
               <a:rPr lang="en-US" smtClean="0"/>
-              <a:t>3/24/2020</a:t>
+              <a:t>11/30/2020</a:t>
             </a:fld>
             <a:endParaRPr lang="en-US"/>
           </a:p>
@@ -1839,7 +1934,7 @@
           <a:p>
             <a:fld id="{B9A3E4E1-EAAE-4738-8551-BAE8BA49A08B}" type="datetimeFigureOut">
               <a:rPr lang="en-US" smtClean="0"/>
-              <a:t>3/24/2020</a:t>
+              <a:t>11/30/2020</a:t>
             </a:fld>
             <a:endParaRPr lang="en-US"/>
           </a:p>
@@ -2007,7 +2102,7 @@
           <a:p>
             <a:fld id="{B9A3E4E1-EAAE-4738-8551-BAE8BA49A08B}" type="datetimeFigureOut">
               <a:rPr lang="en-US" smtClean="0"/>
-              <a:t>3/24/2020</a:t>
+              <a:t>11/30/2020</a:t>
             </a:fld>
             <a:endParaRPr lang="en-US"/>
           </a:p>
@@ -2252,7 +2347,7 @@
           <a:p>
             <a:fld id="{B9A3E4E1-EAAE-4738-8551-BAE8BA49A08B}" type="datetimeFigureOut">
               <a:rPr lang="en-US" smtClean="0"/>
-              <a:t>3/24/2020</a:t>
+              <a:t>11/30/2020</a:t>
             </a:fld>
             <a:endParaRPr lang="en-US"/>
           </a:p>
@@ -2537,7 +2632,7 @@
           <a:p>
             <a:fld id="{B9A3E4E1-EAAE-4738-8551-BAE8BA49A08B}" type="datetimeFigureOut">
               <a:rPr lang="en-US" smtClean="0"/>
-              <a:t>3/24/2020</a:t>
+              <a:t>11/30/2020</a:t>
             </a:fld>
             <a:endParaRPr lang="en-US"/>
           </a:p>
@@ -2956,7 +3051,7 @@
           <a:p>
             <a:fld id="{B9A3E4E1-EAAE-4738-8551-BAE8BA49A08B}" type="datetimeFigureOut">
               <a:rPr lang="en-US" smtClean="0"/>
-              <a:t>3/24/2020</a:t>
+              <a:t>11/30/2020</a:t>
             </a:fld>
             <a:endParaRPr lang="en-US"/>
           </a:p>
@@ -3073,7 +3168,7 @@
           <a:p>
             <a:fld id="{B9A3E4E1-EAAE-4738-8551-BAE8BA49A08B}" type="datetimeFigureOut">
               <a:rPr lang="en-US" smtClean="0"/>
-              <a:t>3/24/2020</a:t>
+              <a:t>11/30/2020</a:t>
             </a:fld>
             <a:endParaRPr lang="en-US"/>
           </a:p>
@@ -3168,7 +3263,7 @@
           <a:p>
             <a:fld id="{B9A3E4E1-EAAE-4738-8551-BAE8BA49A08B}" type="datetimeFigureOut">
               <a:rPr lang="en-US" smtClean="0"/>
-              <a:t>3/24/2020</a:t>
+              <a:t>11/30/2020</a:t>
             </a:fld>
             <a:endParaRPr lang="en-US"/>
           </a:p>
@@ -3443,7 +3538,7 @@
           <a:p>
             <a:fld id="{B9A3E4E1-EAAE-4738-8551-BAE8BA49A08B}" type="datetimeFigureOut">
               <a:rPr lang="en-US" smtClean="0"/>
-              <a:t>3/24/2020</a:t>
+              <a:t>11/30/2020</a:t>
             </a:fld>
             <a:endParaRPr lang="en-US"/>
           </a:p>
@@ -3695,7 +3790,7 @@
           <a:p>
             <a:fld id="{B9A3E4E1-EAAE-4738-8551-BAE8BA49A08B}" type="datetimeFigureOut">
               <a:rPr lang="en-US" smtClean="0"/>
-              <a:t>3/24/2020</a:t>
+              <a:t>11/30/2020</a:t>
             </a:fld>
             <a:endParaRPr lang="en-US"/>
           </a:p>
@@ -3906,7 +4001,7 @@
           <a:p>
             <a:fld id="{B9A3E4E1-EAAE-4738-8551-BAE8BA49A08B}" type="datetimeFigureOut">
               <a:rPr lang="en-US" smtClean="0"/>
-              <a:t>3/24/2020</a:t>
+              <a:t>11/30/2020</a:t>
             </a:fld>
             <a:endParaRPr lang="en-US"/>
           </a:p>
@@ -7013,7 +7108,15 @@
           <a:p>
             <a:r>
               <a:rPr lang="en-GB" dirty="0"/>
-              <a:t>MongoDB stores data records as BSON documents. </a:t>
+              <a:t>MongoDB stores data records as </a:t>
+            </a:r>
+            <a:r>
+              <a:rPr lang="en-GB" b="1" dirty="0"/>
+              <a:t>BSON</a:t>
+            </a:r>
+            <a:r>
+              <a:rPr lang="en-GB" dirty="0"/>
+              <a:t> documents. </a:t>
             </a:r>
           </a:p>
           <a:p>
@@ -10596,46 +10699,71 @@
         <p:spPr>
           <a:xfrm>
             <a:off x="1981200" y="1600201"/>
-            <a:ext cx="8229600" cy="1981200"/>
+            <a:ext cx="9371610" cy="1981200"/>
           </a:xfrm>
         </p:spPr>
         <p:txBody>
           <a:bodyPr>
-            <a:normAutofit fontScale="92500" lnSpcReduction="20000"/>
+            <a:normAutofit fontScale="77500" lnSpcReduction="20000"/>
           </a:bodyPr>
           <a:lstStyle/>
           <a:p>
             <a:r>
-              <a:rPr lang="en-IE"/>
-              <a:t>Mongoose supports models </a:t>
+              <a:rPr lang="en-GB" b="0" i="0" dirty="0">
+                <a:solidFill>
+                  <a:srgbClr val="0A0A23"/>
+                </a:solidFill>
+                <a:effectLst/>
+                <a:latin typeface="Lato"/>
+              </a:rPr>
+              <a:t>A Mongoose schema defines the structure of the document</a:t>
             </a:r>
           </a:p>
           <a:p>
             <a:pPr lvl="1"/>
             <a:r>
-              <a:rPr lang="en-IE"/>
-              <a:t>i.e. fixed types of documents </a:t>
+              <a:rPr lang="en-GB" dirty="0">
+                <a:solidFill>
+                  <a:srgbClr val="0A0A23"/>
+                </a:solidFill>
+                <a:latin typeface="Lato"/>
+              </a:rPr>
+              <a:t>Properties,</a:t>
+            </a:r>
+            <a:r>
+              <a:rPr lang="en-GB" b="0" i="0" dirty="0">
+                <a:solidFill>
+                  <a:srgbClr val="0A0A23"/>
+                </a:solidFill>
+                <a:effectLst/>
+                <a:latin typeface="Lato"/>
+              </a:rPr>
+              <a:t> default values, validation etc.</a:t>
+            </a:r>
+          </a:p>
+          <a:p>
+            <a:r>
+              <a:rPr lang="en-GB" b="0" i="0" dirty="0">
+                <a:solidFill>
+                  <a:srgbClr val="0A0A23"/>
+                </a:solidFill>
+                <a:effectLst/>
+                <a:latin typeface="Lato"/>
+              </a:rPr>
+              <a:t>A Mongoose model is a “wrapper” on the Mongoose schema.</a:t>
             </a:r>
           </a:p>
           <a:p>
             <a:pPr lvl="1"/>
             <a:r>
-              <a:rPr lang="en-IE"/>
-              <a:t>Needs a mongoose.Schema </a:t>
-            </a:r>
-          </a:p>
-          <a:p>
-            <a:pPr lvl="1"/>
-            <a:r>
-              <a:rPr lang="en-IE"/>
-              <a:t>Each of the properties must have a type</a:t>
-            </a:r>
-          </a:p>
-          <a:p>
-            <a:pPr lvl="2"/>
-            <a:r>
-              <a:rPr lang="en-IE"/>
-              <a:t>Number, String, Boolean, array, object</a:t>
+              <a:rPr lang="en-GB" b="0" i="0" dirty="0">
+                <a:solidFill>
+                  <a:srgbClr val="0A0A23"/>
+                </a:solidFill>
+                <a:effectLst/>
+                <a:latin typeface="Lato"/>
+              </a:rPr>
+              <a:t>provides an interface to the database for creating, querying, updating, deleting records, etc</a:t>
             </a:r>
           </a:p>
           <a:p>
@@ -10658,7 +10786,7 @@
           <p:nvPr/>
         </p:nvPicPr>
         <p:blipFill>
-          <a:blip r:embed="rId2"/>
+          <a:blip r:embed="rId3"/>
           <a:stretch>
             <a:fillRect/>
           </a:stretch>
@@ -10719,8 +10847,8 @@
         </p:blipFill>
         <p:spPr>
           <a:xfrm>
-            <a:off x="3025494" y="1617427"/>
-            <a:ext cx="6962980" cy="4739652"/>
+            <a:off x="4868821" y="2036527"/>
+            <a:ext cx="5787206" cy="3939311"/>
           </a:xfrm>
           <a:prstGeom prst="rect">
             <a:avLst/>
@@ -10760,7 +10888,7 @@
         </p:nvSpPr>
         <p:spPr>
           <a:xfrm>
-            <a:off x="7787392" y="1198327"/>
+            <a:off x="9398727" y="1061131"/>
             <a:ext cx="2514600" cy="838200"/>
           </a:xfrm>
           <a:prstGeom prst="borderCallout1">
@@ -10805,6 +10933,71 @@
           </a:p>
         </p:txBody>
       </p:sp>
+      <p:sp>
+        <p:nvSpPr>
+          <p:cNvPr id="3" name="TextBox 2">
+            <a:extLst>
+              <a:ext uri="{FF2B5EF4-FFF2-40B4-BE49-F238E27FC236}">
+                <a16:creationId xmlns:a16="http://schemas.microsoft.com/office/drawing/2014/main" id="{FB78A5EE-54F5-41A0-B11F-96A984184CAD}"/>
+              </a:ext>
+            </a:extLst>
+          </p:cNvPr>
+          <p:cNvSpPr txBox="1"/>
+          <p:nvPr/>
+        </p:nvSpPr>
+        <p:spPr>
+          <a:xfrm>
+            <a:off x="949569" y="1148201"/>
+            <a:ext cx="5804731" cy="369332"/>
+          </a:xfrm>
+          <a:prstGeom prst="rect">
+            <a:avLst/>
+          </a:prstGeom>
+          <a:noFill/>
+        </p:spPr>
+        <p:txBody>
+          <a:bodyPr wrap="none" rtlCol="0">
+            <a:spAutoFit/>
+          </a:bodyPr>
+          <a:lstStyle/>
+          <a:p>
+            <a:r>
+              <a:rPr lang="en-IE" dirty="0"/>
+              <a:t>Example: Data Model for supports user Posts on a web site:  </a:t>
+            </a:r>
+          </a:p>
+        </p:txBody>
+      </p:sp>
+      <p:pic>
+        <p:nvPicPr>
+          <p:cNvPr id="4" name="Picture 3">
+            <a:extLst>
+              <a:ext uri="{FF2B5EF4-FFF2-40B4-BE49-F238E27FC236}">
+                <a16:creationId xmlns:a16="http://schemas.microsoft.com/office/drawing/2014/main" id="{9E648DBA-A061-4FA0-85E4-4460C2745BA6}"/>
+              </a:ext>
+            </a:extLst>
+          </p:cNvPr>
+          <p:cNvPicPr>
+            <a:picLocks noChangeAspect="1"/>
+          </p:cNvPicPr>
+          <p:nvPr/>
+        </p:nvPicPr>
+        <p:blipFill>
+          <a:blip r:embed="rId3"/>
+          <a:stretch>
+            <a:fillRect/>
+          </a:stretch>
+        </p:blipFill>
+        <p:spPr>
+          <a:xfrm>
+            <a:off x="730664" y="1973934"/>
+            <a:ext cx="4138157" cy="4026637"/>
+          </a:xfrm>
+          <a:prstGeom prst="rect">
+            <a:avLst/>
+          </a:prstGeom>
+        </p:spPr>
+      </p:pic>
     </p:spTree>
     <p:extLst>
       <p:ext uri="{BB962C8B-B14F-4D97-AF65-F5344CB8AC3E}">
@@ -10836,7 +11029,7 @@
                             </p:stCondLst>
                             <p:childTnLst>
                               <p:par>
-                                <p:cTn id="5" presetID="10" presetClass="entr" presetSubtype="0" fill="hold" grpId="0" nodeType="clickEffect">
+                                <p:cTn id="5" presetID="10" presetClass="entr" presetSubtype="0" fill="hold" nodeType="clickEffect">
                                   <p:stCondLst>
                                     <p:cond delay="0"/>
                                   </p:stCondLst>
@@ -10849,7 +11042,7 @@
                                           </p:stCondLst>
                                         </p:cTn>
                                         <p:tgtEl>
-                                          <p:spTgt spid="5"/>
+                                          <p:spTgt spid="4"/>
                                         </p:tgtEl>
                                         <p:attrNameLst>
                                           <p:attrName>style.visibility</p:attrName>
@@ -10862,6 +11055,112 @@
                                     <p:animEffect transition="in" filter="fade">
                                       <p:cBhvr>
                                         <p:cTn id="7" dur="500"/>
+                                        <p:tgtEl>
+                                          <p:spTgt spid="4"/>
+                                        </p:tgtEl>
+                                      </p:cBhvr>
+                                    </p:animEffect>
+                                  </p:childTnLst>
+                                </p:cTn>
+                              </p:par>
+                            </p:childTnLst>
+                          </p:cTn>
+                        </p:par>
+                      </p:childTnLst>
+                    </p:cTn>
+                  </p:par>
+                  <p:par>
+                    <p:cTn id="8" fill="hold">
+                      <p:stCondLst>
+                        <p:cond delay="indefinite"/>
+                      </p:stCondLst>
+                      <p:childTnLst>
+                        <p:par>
+                          <p:cTn id="9" fill="hold">
+                            <p:stCondLst>
+                              <p:cond delay="0"/>
+                            </p:stCondLst>
+                            <p:childTnLst>
+                              <p:par>
+                                <p:cTn id="10" presetID="10" presetClass="entr" presetSubtype="0" fill="hold" nodeType="clickEffect">
+                                  <p:stCondLst>
+                                    <p:cond delay="0"/>
+                                  </p:stCondLst>
+                                  <p:childTnLst>
+                                    <p:set>
+                                      <p:cBhvr>
+                                        <p:cTn id="11" dur="1" fill="hold">
+                                          <p:stCondLst>
+                                            <p:cond delay="0"/>
+                                          </p:stCondLst>
+                                        </p:cTn>
+                                        <p:tgtEl>
+                                          <p:spTgt spid="8"/>
+                                        </p:tgtEl>
+                                        <p:attrNameLst>
+                                          <p:attrName>style.visibility</p:attrName>
+                                        </p:attrNameLst>
+                                      </p:cBhvr>
+                                      <p:to>
+                                        <p:strVal val="visible"/>
+                                      </p:to>
+                                    </p:set>
+                                    <p:animEffect transition="in" filter="fade">
+                                      <p:cBhvr>
+                                        <p:cTn id="12" dur="500"/>
+                                        <p:tgtEl>
+                                          <p:spTgt spid="8"/>
+                                        </p:tgtEl>
+                                      </p:cBhvr>
+                                    </p:animEffect>
+                                  </p:childTnLst>
+                                </p:cTn>
+                              </p:par>
+                            </p:childTnLst>
+                          </p:cTn>
+                        </p:par>
+                      </p:childTnLst>
+                    </p:cTn>
+                  </p:par>
+                  <p:par>
+                    <p:cTn id="13" fill="hold">
+                      <p:stCondLst>
+                        <p:cond delay="indefinite"/>
+                      </p:stCondLst>
+                      <p:childTnLst>
+                        <p:par>
+                          <p:cTn id="14" fill="hold">
+                            <p:stCondLst>
+                              <p:cond delay="0"/>
+                            </p:stCondLst>
+                            <p:childTnLst>
+                              <p:par>
+                                <p:cTn id="15" presetID="10" presetClass="entr" presetSubtype="0" fill="hold" grpId="0" nodeType="clickEffect">
+                                  <p:stCondLst>
+                                    <p:cond delay="0"/>
+                                  </p:stCondLst>
+                                  <p:childTnLst>
+                                    <p:set>
+                                      <p:cBhvr>
+                                        <p:cTn id="16" dur="1" fill="hold">
+                                          <p:stCondLst>
+                                            <p:cond delay="0"/>
+                                          </p:stCondLst>
+                                        </p:cTn>
+                                        <p:tgtEl>
+                                          <p:spTgt spid="5"/>
+                                        </p:tgtEl>
+                                        <p:attrNameLst>
+                                          <p:attrName>style.visibility</p:attrName>
+                                        </p:attrNameLst>
+                                      </p:cBhvr>
+                                      <p:to>
+                                        <p:strVal val="visible"/>
+                                      </p:to>
+                                    </p:set>
+                                    <p:animEffect transition="in" filter="fade">
+                                      <p:cBhvr>
+                                        <p:cTn id="17" dur="500"/>
                                         <p:tgtEl>
                                           <p:spTgt spid="5"/>
                                         </p:tgtEl>
@@ -11406,6 +11705,184 @@
       </p:grpSpPr>
       <p:sp>
         <p:nvSpPr>
+          <p:cNvPr id="2" name="Title 1">
+            <a:extLst>
+              <a:ext uri="{FF2B5EF4-FFF2-40B4-BE49-F238E27FC236}">
+                <a16:creationId xmlns:a16="http://schemas.microsoft.com/office/drawing/2014/main" id="{46707F46-8595-4485-ACC7-21BAB5D3F45C}"/>
+              </a:ext>
+            </a:extLst>
+          </p:cNvPr>
+          <p:cNvSpPr>
+            <a:spLocks noGrp="1"/>
+          </p:cNvSpPr>
+          <p:nvPr>
+            <p:ph type="title"/>
+          </p:nvPr>
+        </p:nvSpPr>
+        <p:spPr/>
+        <p:txBody>
+          <a:bodyPr/>
+          <a:lstStyle/>
+          <a:p>
+            <a:r>
+              <a:rPr lang="en-IE" dirty="0"/>
+              <a:t>Demo</a:t>
+            </a:r>
+          </a:p>
+        </p:txBody>
+      </p:sp>
+      <p:sp>
+        <p:nvSpPr>
+          <p:cNvPr id="3" name="Content Placeholder 2">
+            <a:extLst>
+              <a:ext uri="{FF2B5EF4-FFF2-40B4-BE49-F238E27FC236}">
+                <a16:creationId xmlns:a16="http://schemas.microsoft.com/office/drawing/2014/main" id="{F8C89FE9-F11F-4127-8D34-1DD7595D3D7F}"/>
+              </a:ext>
+            </a:extLst>
+          </p:cNvPr>
+          <p:cNvSpPr>
+            <a:spLocks noGrp="1"/>
+          </p:cNvSpPr>
+          <p:nvPr>
+            <p:ph idx="1"/>
+          </p:nvPr>
+        </p:nvSpPr>
+        <p:spPr/>
+        <p:txBody>
+          <a:bodyPr>
+            <a:normAutofit fontScale="92500" lnSpcReduction="20000"/>
+          </a:bodyPr>
+          <a:lstStyle/>
+          <a:p>
+            <a:r>
+              <a:rPr lang="en-IE" dirty="0"/>
+              <a:t>Contacts API: Manage contact details…</a:t>
+            </a:r>
+          </a:p>
+          <a:p>
+            <a:pPr marL="0" indent="0">
+              <a:buNone/>
+            </a:pPr>
+            <a:endParaRPr lang="en-IE" dirty="0"/>
+          </a:p>
+          <a:p>
+            <a:pPr marL="0" indent="0">
+              <a:buNone/>
+            </a:pPr>
+            <a:r>
+              <a:rPr lang="en-IE" b="1" dirty="0"/>
+              <a:t>Contacts Schema:</a:t>
+            </a:r>
+          </a:p>
+          <a:p>
+            <a:pPr marL="0" indent="0">
+              <a:buNone/>
+            </a:pPr>
+            <a:r>
+              <a:rPr lang="en-IE" b="1" dirty="0"/>
+              <a:t>	</a:t>
+            </a:r>
+            <a:r>
+              <a:rPr lang="en-IE" b="1" dirty="0">
+                <a:latin typeface="Courier New" panose="02070309020205020404" pitchFamily="49" charset="0"/>
+                <a:cs typeface="Courier New" panose="02070309020205020404" pitchFamily="49" charset="0"/>
+              </a:rPr>
+              <a:t>name: String</a:t>
+            </a:r>
+          </a:p>
+          <a:p>
+            <a:pPr marL="0" indent="0">
+              <a:buNone/>
+            </a:pPr>
+            <a:r>
+              <a:rPr lang="en-IE" b="1" dirty="0">
+                <a:latin typeface="Courier New" panose="02070309020205020404" pitchFamily="49" charset="0"/>
+                <a:cs typeface="Courier New" panose="02070309020205020404" pitchFamily="49" charset="0"/>
+              </a:rPr>
+              <a:t>	address: String</a:t>
+            </a:r>
+          </a:p>
+          <a:p>
+            <a:pPr marL="0" indent="0">
+              <a:buNone/>
+            </a:pPr>
+            <a:r>
+              <a:rPr lang="en-IE" b="1" dirty="0">
+                <a:latin typeface="Courier New" panose="02070309020205020404" pitchFamily="49" charset="0"/>
+                <a:cs typeface="Courier New" panose="02070309020205020404" pitchFamily="49" charset="0"/>
+              </a:rPr>
+              <a:t>	age: Number</a:t>
+            </a:r>
+          </a:p>
+          <a:p>
+            <a:pPr marL="0" indent="0">
+              <a:buNone/>
+            </a:pPr>
+            <a:r>
+              <a:rPr lang="en-IE" b="1" dirty="0">
+                <a:latin typeface="Courier New" panose="02070309020205020404" pitchFamily="49" charset="0"/>
+                <a:cs typeface="Courier New" panose="02070309020205020404" pitchFamily="49" charset="0"/>
+              </a:rPr>
+              <a:t>	email: String</a:t>
+            </a:r>
+          </a:p>
+          <a:p>
+            <a:pPr marL="0" indent="0">
+              <a:buNone/>
+            </a:pPr>
+            <a:r>
+              <a:rPr lang="en-IE" b="1" dirty="0">
+                <a:latin typeface="Courier New" panose="02070309020205020404" pitchFamily="49" charset="0"/>
+                <a:cs typeface="Courier New" panose="02070309020205020404" pitchFamily="49" charset="0"/>
+              </a:rPr>
+              <a:t>	updated: Date</a:t>
+            </a:r>
+          </a:p>
+          <a:p>
+            <a:pPr marL="0" indent="0">
+              <a:buNone/>
+            </a:pPr>
+            <a:r>
+              <a:rPr lang="en-IE" dirty="0">
+                <a:cs typeface="Courier New" panose="02070309020205020404" pitchFamily="49" charset="0"/>
+              </a:rPr>
+              <a:t>Solution in Code Examples…</a:t>
+            </a:r>
+          </a:p>
+        </p:txBody>
+      </p:sp>
+    </p:spTree>
+    <p:extLst>
+      <p:ext uri="{BB962C8B-B14F-4D97-AF65-F5344CB8AC3E}">
+        <p14:creationId xmlns:p14="http://schemas.microsoft.com/office/powerpoint/2010/main" val="1501939560"/>
+      </p:ext>
+    </p:extLst>
+  </p:cSld>
+  <p:clrMapOvr>
+    <a:masterClrMapping/>
+  </p:clrMapOvr>
+</p:sld>
+</file>
+
+<file path=ppt/slides/slide25.xml><?xml version="1.0" encoding="utf-8"?>
+<p:sld xmlns:a="http://schemas.openxmlformats.org/drawingml/2006/main" xmlns:r="http://schemas.openxmlformats.org/officeDocument/2006/relationships" xmlns:p="http://schemas.openxmlformats.org/presentationml/2006/main">
+  <p:cSld>
+    <p:spTree>
+      <p:nvGrpSpPr>
+        <p:cNvPr id="1" name=""/>
+        <p:cNvGrpSpPr/>
+        <p:nvPr/>
+      </p:nvGrpSpPr>
+      <p:grpSpPr>
+        <a:xfrm>
+          <a:off x="0" y="0"/>
+          <a:ext cx="0" cy="0"/>
+          <a:chOff x="0" y="0"/>
+          <a:chExt cx="0" cy="0"/>
+        </a:xfrm>
+      </p:grpSpPr>
+      <p:sp>
+        <p:nvSpPr>
           <p:cNvPr id="2" name="Title 1"/>
           <p:cNvSpPr>
             <a:spLocks noGrp="1"/>
@@ -11643,7 +12120,7 @@
 </p:sld>
 </file>
 
-<file path=ppt/slides/slide25.xml><?xml version="1.0" encoding="utf-8"?>
+<file path=ppt/slides/slide26.xml><?xml version="1.0" encoding="utf-8"?>
 <p:sld xmlns:a="http://schemas.openxmlformats.org/drawingml/2006/main" xmlns:r="http://schemas.openxmlformats.org/officeDocument/2006/relationships" xmlns:p="http://schemas.openxmlformats.org/presentationml/2006/main">
   <p:cSld>
     <p:spTree>
@@ -11747,7 +12224,7 @@
 </p:sld>
 </file>
 
-<file path=ppt/slides/slide26.xml><?xml version="1.0" encoding="utf-8"?>
+<file path=ppt/slides/slide27.xml><?xml version="1.0" encoding="utf-8"?>
 <p:sld xmlns:a="http://schemas.openxmlformats.org/drawingml/2006/main" xmlns:r="http://schemas.openxmlformats.org/officeDocument/2006/relationships" xmlns:p="http://schemas.openxmlformats.org/presentationml/2006/main">
   <p:cSld>
     <p:spTree>
@@ -12337,7 +12814,7 @@
 </p:sld>
 </file>
 
-<file path=ppt/slides/slide27.xml><?xml version="1.0" encoding="utf-8"?>
+<file path=ppt/slides/slide28.xml><?xml version="1.0" encoding="utf-8"?>
 <p:sld xmlns:a="http://schemas.openxmlformats.org/drawingml/2006/main" xmlns:r="http://schemas.openxmlformats.org/officeDocument/2006/relationships" xmlns:p="http://schemas.openxmlformats.org/presentationml/2006/main">
   <p:cSld>
     <p:spTree>
@@ -12657,7 +13134,7 @@
 </p:sld>
 </file>
 
-<file path=ppt/slides/slide28.xml><?xml version="1.0" encoding="utf-8"?>
+<file path=ppt/slides/slide29.xml><?xml version="1.0" encoding="utf-8"?>
 <p:sld xmlns:a="http://schemas.openxmlformats.org/drawingml/2006/main" xmlns:r="http://schemas.openxmlformats.org/officeDocument/2006/relationships" xmlns:p="http://schemas.openxmlformats.org/presentationml/2006/main">
   <p:cSld>
     <p:spTree>
@@ -12755,147 +13232,6 @@
     <p:extLst>
       <p:ext uri="{BB962C8B-B14F-4D97-AF65-F5344CB8AC3E}">
         <p14:creationId xmlns:p14="http://schemas.microsoft.com/office/powerpoint/2010/main" val="148236095"/>
-      </p:ext>
-    </p:extLst>
-  </p:cSld>
-  <p:clrMapOvr>
-    <a:masterClrMapping/>
-  </p:clrMapOvr>
-</p:sld>
-</file>
-
-<file path=ppt/slides/slide29.xml><?xml version="1.0" encoding="utf-8"?>
-<p:sld xmlns:a="http://schemas.openxmlformats.org/drawingml/2006/main" xmlns:r="http://schemas.openxmlformats.org/officeDocument/2006/relationships" xmlns:p="http://schemas.openxmlformats.org/presentationml/2006/main">
-  <p:cSld>
-    <p:spTree>
-      <p:nvGrpSpPr>
-        <p:cNvPr id="1" name=""/>
-        <p:cNvGrpSpPr/>
-        <p:nvPr/>
-      </p:nvGrpSpPr>
-      <p:grpSpPr>
-        <a:xfrm>
-          <a:off x="0" y="0"/>
-          <a:ext cx="0" cy="0"/>
-          <a:chOff x="0" y="0"/>
-          <a:chExt cx="0" cy="0"/>
-        </a:xfrm>
-      </p:grpSpPr>
-      <p:sp>
-        <p:nvSpPr>
-          <p:cNvPr id="2" name="Title 1"/>
-          <p:cNvSpPr>
-            <a:spLocks noGrp="1"/>
-          </p:cNvSpPr>
-          <p:nvPr>
-            <p:ph type="title"/>
-          </p:nvPr>
-        </p:nvSpPr>
-        <p:spPr/>
-        <p:txBody>
-          <a:bodyPr>
-            <a:normAutofit/>
-          </a:bodyPr>
-          <a:lstStyle/>
-          <a:p>
-            <a:r>
-              <a:rPr lang="en-IE" b="1"/>
-              <a:t>Mongoose Queries </a:t>
-            </a:r>
-            <a:endParaRPr lang="en-IE"/>
-          </a:p>
-        </p:txBody>
-      </p:sp>
-      <p:sp>
-        <p:nvSpPr>
-          <p:cNvPr id="3" name="Content Placeholder 2"/>
-          <p:cNvSpPr>
-            <a:spLocks noGrp="1"/>
-          </p:cNvSpPr>
-          <p:nvPr>
-            <p:ph idx="1"/>
-          </p:nvPr>
-        </p:nvSpPr>
-        <p:spPr/>
-        <p:txBody>
-          <a:bodyPr>
-            <a:normAutofit/>
-          </a:bodyPr>
-          <a:lstStyle/>
-          <a:p>
-            <a:r>
-              <a:rPr lang="en-IE" dirty="0"/>
-              <a:t>Mongoose provides a more expressive version of the native MongoDB</a:t>
-            </a:r>
-          </a:p>
-          <a:p>
-            <a:pPr lvl="1"/>
-            <a:r>
-              <a:rPr lang="en-IE" dirty="0"/>
-              <a:t>Instead of:</a:t>
-            </a:r>
-            <a:br>
-              <a:rPr lang="en-IE" dirty="0"/>
-            </a:br>
-            <a:r>
-              <a:rPr lang="en-IE" dirty="0"/>
-              <a:t>	{$or: [{</a:t>
-            </a:r>
-            <a:r>
-              <a:rPr lang="en-IE" dirty="0" err="1"/>
-              <a:t>conditionOne</a:t>
-            </a:r>
-            <a:r>
-              <a:rPr lang="en-IE" dirty="0"/>
-              <a:t>: true}, {</a:t>
-            </a:r>
-            <a:r>
-              <a:rPr lang="en-IE" dirty="0" err="1"/>
-              <a:t>conditionTwo</a:t>
-            </a:r>
-            <a:r>
-              <a:rPr lang="en-IE" dirty="0"/>
-              <a:t>: true}] </a:t>
-            </a:r>
-          </a:p>
-          <a:p>
-            <a:pPr lvl="1"/>
-            <a:r>
-              <a:rPr lang="en-IE" dirty="0"/>
-              <a:t>Do:    .where({</a:t>
-            </a:r>
-            <a:r>
-              <a:rPr lang="en-IE" dirty="0" err="1"/>
-              <a:t>conditionOne:true</a:t>
-            </a:r>
-            <a:r>
-              <a:rPr lang="en-IE" dirty="0"/>
-              <a:t>}).or({</a:t>
-            </a:r>
-            <a:r>
-              <a:rPr lang="en-IE" dirty="0" err="1"/>
-              <a:t>conditionTwo</a:t>
-            </a:r>
-            <a:r>
-              <a:rPr lang="en-IE" dirty="0"/>
-              <a:t>: true}) </a:t>
-            </a:r>
-          </a:p>
-          <a:p>
-            <a:pPr marL="457200" lvl="1" indent="0">
-              <a:buNone/>
-            </a:pPr>
-            <a:endParaRPr lang="en-IE" dirty="0"/>
-          </a:p>
-          <a:p>
-            <a:endParaRPr lang="en-IE" dirty="0"/>
-          </a:p>
-        </p:txBody>
-      </p:sp>
-    </p:spTree>
-    <p:extLst>
-      <p:ext uri="{BB962C8B-B14F-4D97-AF65-F5344CB8AC3E}">
-        <p14:creationId xmlns:p14="http://schemas.microsoft.com/office/powerpoint/2010/main" val="2504938953"/>
       </p:ext>
     </p:extLst>
   </p:cSld>
@@ -13636,6 +13972,147 @@
         </p:nvSpPr>
         <p:spPr/>
         <p:txBody>
+          <a:bodyPr>
+            <a:normAutofit/>
+          </a:bodyPr>
+          <a:lstStyle/>
+          <a:p>
+            <a:r>
+              <a:rPr lang="en-IE" b="1"/>
+              <a:t>Mongoose Queries </a:t>
+            </a:r>
+            <a:endParaRPr lang="en-IE"/>
+          </a:p>
+        </p:txBody>
+      </p:sp>
+      <p:sp>
+        <p:nvSpPr>
+          <p:cNvPr id="3" name="Content Placeholder 2"/>
+          <p:cNvSpPr>
+            <a:spLocks noGrp="1"/>
+          </p:cNvSpPr>
+          <p:nvPr>
+            <p:ph idx="1"/>
+          </p:nvPr>
+        </p:nvSpPr>
+        <p:spPr/>
+        <p:txBody>
+          <a:bodyPr>
+            <a:normAutofit/>
+          </a:bodyPr>
+          <a:lstStyle/>
+          <a:p>
+            <a:r>
+              <a:rPr lang="en-IE" dirty="0"/>
+              <a:t>Mongoose provides a more expressive version of the native MongoDB</a:t>
+            </a:r>
+          </a:p>
+          <a:p>
+            <a:pPr lvl="1"/>
+            <a:r>
+              <a:rPr lang="en-IE" dirty="0"/>
+              <a:t>Instead of:</a:t>
+            </a:r>
+            <a:br>
+              <a:rPr lang="en-IE" dirty="0"/>
+            </a:br>
+            <a:r>
+              <a:rPr lang="en-IE" dirty="0"/>
+              <a:t>	{$or: [{</a:t>
+            </a:r>
+            <a:r>
+              <a:rPr lang="en-IE" dirty="0" err="1"/>
+              <a:t>conditionOne</a:t>
+            </a:r>
+            <a:r>
+              <a:rPr lang="en-IE" dirty="0"/>
+              <a:t>: true}, {</a:t>
+            </a:r>
+            <a:r>
+              <a:rPr lang="en-IE" dirty="0" err="1"/>
+              <a:t>conditionTwo</a:t>
+            </a:r>
+            <a:r>
+              <a:rPr lang="en-IE" dirty="0"/>
+              <a:t>: true}] </a:t>
+            </a:r>
+          </a:p>
+          <a:p>
+            <a:pPr lvl="1"/>
+            <a:r>
+              <a:rPr lang="en-IE" dirty="0"/>
+              <a:t>Do:    .where({</a:t>
+            </a:r>
+            <a:r>
+              <a:rPr lang="en-IE" dirty="0" err="1"/>
+              <a:t>conditionOne:true</a:t>
+            </a:r>
+            <a:r>
+              <a:rPr lang="en-IE" dirty="0"/>
+              <a:t>}).or({</a:t>
+            </a:r>
+            <a:r>
+              <a:rPr lang="en-IE" dirty="0" err="1"/>
+              <a:t>conditionTwo</a:t>
+            </a:r>
+            <a:r>
+              <a:rPr lang="en-IE" dirty="0"/>
+              <a:t>: true}) </a:t>
+            </a:r>
+          </a:p>
+          <a:p>
+            <a:pPr marL="457200" lvl="1" indent="0">
+              <a:buNone/>
+            </a:pPr>
+            <a:endParaRPr lang="en-IE" dirty="0"/>
+          </a:p>
+          <a:p>
+            <a:endParaRPr lang="en-IE" dirty="0"/>
+          </a:p>
+        </p:txBody>
+      </p:sp>
+    </p:spTree>
+    <p:extLst>
+      <p:ext uri="{BB962C8B-B14F-4D97-AF65-F5344CB8AC3E}">
+        <p14:creationId xmlns:p14="http://schemas.microsoft.com/office/powerpoint/2010/main" val="2504938953"/>
+      </p:ext>
+    </p:extLst>
+  </p:cSld>
+  <p:clrMapOvr>
+    <a:masterClrMapping/>
+  </p:clrMapOvr>
+</p:sld>
+</file>
+
+<file path=ppt/slides/slide31.xml><?xml version="1.0" encoding="utf-8"?>
+<p:sld xmlns:a="http://schemas.openxmlformats.org/drawingml/2006/main" xmlns:r="http://schemas.openxmlformats.org/officeDocument/2006/relationships" xmlns:p="http://schemas.openxmlformats.org/presentationml/2006/main">
+  <p:cSld>
+    <p:spTree>
+      <p:nvGrpSpPr>
+        <p:cNvPr id="1" name=""/>
+        <p:cNvGrpSpPr/>
+        <p:nvPr/>
+      </p:nvGrpSpPr>
+      <p:grpSpPr>
+        <a:xfrm>
+          <a:off x="0" y="0"/>
+          <a:ext cx="0" cy="0"/>
+          <a:chOff x="0" y="0"/>
+          <a:chExt cx="0" cy="0"/>
+        </a:xfrm>
+      </p:grpSpPr>
+      <p:sp>
+        <p:nvSpPr>
+          <p:cNvPr id="2" name="Title 1"/>
+          <p:cNvSpPr>
+            <a:spLocks noGrp="1"/>
+          </p:cNvSpPr>
+          <p:nvPr>
+            <p:ph type="title"/>
+          </p:nvPr>
+        </p:nvSpPr>
+        <p:spPr/>
+        <p:txBody>
           <a:bodyPr/>
           <a:lstStyle/>
           <a:p>
@@ -13800,7 +14277,7 @@
 </p:sld>
 </file>
 
-<file path=ppt/slides/slide31.xml><?xml version="1.0" encoding="utf-8"?>
+<file path=ppt/slides/slide32.xml><?xml version="1.0" encoding="utf-8"?>
 <p:sld xmlns:a="http://schemas.openxmlformats.org/drawingml/2006/main" xmlns:r="http://schemas.openxmlformats.org/officeDocument/2006/relationships" xmlns:p="http://schemas.openxmlformats.org/presentationml/2006/main">
   <p:cSld>
     <p:spTree>
@@ -13915,7 +14392,7 @@
 </p:sld>
 </file>
 
-<file path=ppt/slides/slide32.xml><?xml version="1.0" encoding="utf-8"?>
+<file path=ppt/slides/slide33.xml><?xml version="1.0" encoding="utf-8"?>
 <p:sld xmlns:a="http://schemas.openxmlformats.org/drawingml/2006/main" xmlns:r="http://schemas.openxmlformats.org/officeDocument/2006/relationships" xmlns:p="http://schemas.openxmlformats.org/presentationml/2006/main">
   <p:cSld>
     <p:spTree>
@@ -14035,7 +14512,7 @@
 </p:sld>
 </file>
 
-<file path=ppt/slides/slide33.xml><?xml version="1.0" encoding="utf-8"?>
+<file path=ppt/slides/slide34.xml><?xml version="1.0" encoding="utf-8"?>
 <p:sld xmlns:a="http://schemas.openxmlformats.org/drawingml/2006/main" xmlns:r="http://schemas.openxmlformats.org/officeDocument/2006/relationships" xmlns:p="http://schemas.openxmlformats.org/presentationml/2006/main">
   <p:cSld>
     <p:spTree>
@@ -14118,7 +14595,7 @@
 </p:sld>
 </file>
 
-<file path=ppt/slides/slide34.xml><?xml version="1.0" encoding="utf-8"?>
+<file path=ppt/slides/slide35.xml><?xml version="1.0" encoding="utf-8"?>
 <p:sld xmlns:a="http://schemas.openxmlformats.org/drawingml/2006/main" xmlns:r="http://schemas.openxmlformats.org/officeDocument/2006/relationships" xmlns:p="http://schemas.openxmlformats.org/presentationml/2006/main">
   <p:cSld>
     <p:spTree>
@@ -14264,7 +14741,7 @@
 </p:sld>
 </file>
 
-<file path=ppt/slides/slide35.xml><?xml version="1.0" encoding="utf-8"?>
+<file path=ppt/slides/slide36.xml><?xml version="1.0" encoding="utf-8"?>
 <p:sld xmlns:a="http://schemas.openxmlformats.org/drawingml/2006/main" xmlns:r="http://schemas.openxmlformats.org/officeDocument/2006/relationships" xmlns:p="http://schemas.openxmlformats.org/presentationml/2006/main">
   <p:cSld>
     <p:bg>
@@ -14994,7 +15471,7 @@
 </p:sld>
 </file>
 
-<file path=ppt/slides/slide36.xml><?xml version="1.0" encoding="utf-8"?>
+<file path=ppt/slides/slide37.xml><?xml version="1.0" encoding="utf-8"?>
 <p:sld xmlns:a="http://schemas.openxmlformats.org/drawingml/2006/main" xmlns:r="http://schemas.openxmlformats.org/officeDocument/2006/relationships" xmlns:p="http://schemas.openxmlformats.org/presentationml/2006/main">
   <p:cSld>
     <p:spTree>
@@ -15340,7 +15817,7 @@
 </p:sld>
 </file>
 
-<file path=ppt/slides/slide37.xml><?xml version="1.0" encoding="utf-8"?>
+<file path=ppt/slides/slide38.xml><?xml version="1.0" encoding="utf-8"?>
 <p:sld xmlns:a="http://schemas.openxmlformats.org/drawingml/2006/main" xmlns:r="http://schemas.openxmlformats.org/officeDocument/2006/relationships" xmlns:p="http://schemas.openxmlformats.org/presentationml/2006/main">
   <p:cSld>
     <p:spTree>
@@ -15775,7 +16252,7 @@
 </p:sld>
 </file>
 
-<file path=ppt/slides/slide38.xml><?xml version="1.0" encoding="utf-8"?>
+<file path=ppt/slides/slide39.xml><?xml version="1.0" encoding="utf-8"?>
 <p:sld xmlns:a="http://schemas.openxmlformats.org/drawingml/2006/main" xmlns:r="http://schemas.openxmlformats.org/officeDocument/2006/relationships" xmlns:p="http://schemas.openxmlformats.org/presentationml/2006/main">
   <p:cSld>
     <p:spTree>
@@ -16271,593 +16748,6 @@
     <p:bldLst>
       <p:bldP spid="6" grpId="0" animBg="1"/>
       <p:bldP spid="7" grpId="0" animBg="1"/>
-    </p:bldLst>
-  </p:timing>
-</p:sld>
-</file>
-
-<file path=ppt/slides/slide39.xml><?xml version="1.0" encoding="utf-8"?>
-<p:sld xmlns:a="http://schemas.openxmlformats.org/drawingml/2006/main" xmlns:r="http://schemas.openxmlformats.org/officeDocument/2006/relationships" xmlns:p="http://schemas.openxmlformats.org/presentationml/2006/main">
-  <p:cSld>
-    <p:spTree>
-      <p:nvGrpSpPr>
-        <p:cNvPr id="1" name=""/>
-        <p:cNvGrpSpPr/>
-        <p:nvPr/>
-      </p:nvGrpSpPr>
-      <p:grpSpPr>
-        <a:xfrm>
-          <a:off x="0" y="0"/>
-          <a:ext cx="0" cy="0"/>
-          <a:chOff x="0" y="0"/>
-          <a:chExt cx="0" cy="0"/>
-        </a:xfrm>
-      </p:grpSpPr>
-      <p:sp>
-        <p:nvSpPr>
-          <p:cNvPr id="2" name="Title 1">
-            <a:extLst>
-              <a:ext uri="{FF2B5EF4-FFF2-40B4-BE49-F238E27FC236}">
-                <a16:creationId xmlns:a16="http://schemas.microsoft.com/office/drawing/2014/main" id="{E1B66BB1-BAB6-4DDB-B3C3-A2BDC8760C6A}"/>
-              </a:ext>
-            </a:extLst>
-          </p:cNvPr>
-          <p:cNvSpPr>
-            <a:spLocks noGrp="1"/>
-          </p:cNvSpPr>
-          <p:nvPr>
-            <p:ph type="title"/>
-          </p:nvPr>
-        </p:nvSpPr>
-        <p:spPr/>
-        <p:txBody>
-          <a:bodyPr/>
-          <a:lstStyle/>
-          <a:p>
-            <a:r>
-              <a:rPr lang="en-IE" dirty="0"/>
-              <a:t>Authentication Middleware</a:t>
-            </a:r>
-          </a:p>
-        </p:txBody>
-      </p:sp>
-      <p:pic>
-        <p:nvPicPr>
-          <p:cNvPr id="4" name="Content Placeholder 3">
-            <a:extLst>
-              <a:ext uri="{FF2B5EF4-FFF2-40B4-BE49-F238E27FC236}">
-                <a16:creationId xmlns:a16="http://schemas.microsoft.com/office/drawing/2014/main" id="{8B65D523-CD74-4C68-9358-28894F2E10BF}"/>
-              </a:ext>
-            </a:extLst>
-          </p:cNvPr>
-          <p:cNvPicPr>
-            <a:picLocks noGrp="1" noChangeAspect="1"/>
-          </p:cNvPicPr>
-          <p:nvPr>
-            <p:ph idx="1"/>
-          </p:nvPr>
-        </p:nvPicPr>
-        <p:blipFill>
-          <a:blip r:embed="rId2"/>
-          <a:stretch>
-            <a:fillRect/>
-          </a:stretch>
-        </p:blipFill>
-        <p:spPr>
-          <a:xfrm>
-            <a:off x="939539" y="1417638"/>
-            <a:ext cx="5366994" cy="2707918"/>
-          </a:xfrm>
-          <a:prstGeom prst="rect">
-            <a:avLst/>
-          </a:prstGeom>
-        </p:spPr>
-      </p:pic>
-      <p:sp>
-        <p:nvSpPr>
-          <p:cNvPr id="5" name="Callout: Line 4">
-            <a:extLst>
-              <a:ext uri="{FF2B5EF4-FFF2-40B4-BE49-F238E27FC236}">
-                <a16:creationId xmlns:a16="http://schemas.microsoft.com/office/drawing/2014/main" id="{713FFE3B-1D5D-455C-8E3C-AE540AE1DBEA}"/>
-              </a:ext>
-            </a:extLst>
-          </p:cNvPr>
-          <p:cNvSpPr/>
-          <p:nvPr/>
-        </p:nvSpPr>
-        <p:spPr>
-          <a:xfrm>
-            <a:off x="7732622" y="1417638"/>
-            <a:ext cx="2762054" cy="1781666"/>
-          </a:xfrm>
-          <a:prstGeom prst="borderCallout1">
-            <a:avLst>
-              <a:gd name="adj1" fmla="val 18750"/>
-              <a:gd name="adj2" fmla="val -8333"/>
-              <a:gd name="adj3" fmla="val 50679"/>
-              <a:gd name="adj4" fmla="val -60404"/>
-            </a:avLst>
-          </a:prstGeom>
-          <a:ln>
-            <a:solidFill>
-              <a:srgbClr val="FF0000"/>
-            </a:solidFill>
-          </a:ln>
-        </p:spPr>
-        <p:style>
-          <a:lnRef idx="2">
-            <a:schemeClr val="accent1">
-              <a:shade val="50000"/>
-            </a:schemeClr>
-          </a:lnRef>
-          <a:fillRef idx="1">
-            <a:schemeClr val="accent1"/>
-          </a:fillRef>
-          <a:effectRef idx="0">
-            <a:schemeClr val="accent1"/>
-          </a:effectRef>
-          <a:fontRef idx="minor">
-            <a:schemeClr val="lt1"/>
-          </a:fontRef>
-        </p:style>
-        <p:txBody>
-          <a:bodyPr rtlCol="0" anchor="ctr"/>
-          <a:lstStyle/>
-          <a:p>
-            <a:pPr algn="ctr"/>
-            <a:r>
-              <a:rPr lang="en-IE" dirty="0"/>
-              <a:t>Checks for user ID in session object. </a:t>
-            </a:r>
-            <a:br>
-              <a:rPr lang="en-IE" dirty="0"/>
-            </a:br>
-            <a:r>
-              <a:rPr lang="en-IE" dirty="0"/>
-              <a:t>If exists, called next middleware function, otherwise end </a:t>
-            </a:r>
-            <a:r>
-              <a:rPr lang="en-IE" dirty="0" err="1"/>
-              <a:t>req</a:t>
-            </a:r>
-            <a:r>
-              <a:rPr lang="en-IE" dirty="0"/>
-              <a:t>/res cycle with 401</a:t>
-            </a:r>
-          </a:p>
-        </p:txBody>
-      </p:sp>
-      <p:pic>
-        <p:nvPicPr>
-          <p:cNvPr id="6" name="Picture 5">
-            <a:extLst>
-              <a:ext uri="{FF2B5EF4-FFF2-40B4-BE49-F238E27FC236}">
-                <a16:creationId xmlns:a16="http://schemas.microsoft.com/office/drawing/2014/main" id="{5102E9F2-3DCB-486E-B7F5-56157CF48821}"/>
-              </a:ext>
-            </a:extLst>
-          </p:cNvPr>
-          <p:cNvPicPr>
-            <a:picLocks noChangeAspect="1"/>
-          </p:cNvPicPr>
-          <p:nvPr/>
-        </p:nvPicPr>
-        <p:blipFill>
-          <a:blip r:embed="rId3"/>
-          <a:stretch>
-            <a:fillRect/>
-          </a:stretch>
-        </p:blipFill>
-        <p:spPr>
-          <a:xfrm>
-            <a:off x="939539" y="4897437"/>
-            <a:ext cx="6657975" cy="542925"/>
-          </a:xfrm>
-          <a:prstGeom prst="rect">
-            <a:avLst/>
-          </a:prstGeom>
-        </p:spPr>
-      </p:pic>
-      <p:pic>
-        <p:nvPicPr>
-          <p:cNvPr id="7" name="Picture 6">
-            <a:extLst>
-              <a:ext uri="{FF2B5EF4-FFF2-40B4-BE49-F238E27FC236}">
-                <a16:creationId xmlns:a16="http://schemas.microsoft.com/office/drawing/2014/main" id="{9A8228FA-3072-431E-ABC6-7D77A26C26E3}"/>
-              </a:ext>
-            </a:extLst>
-          </p:cNvPr>
-          <p:cNvPicPr>
-            <a:picLocks noChangeAspect="1"/>
-          </p:cNvPicPr>
-          <p:nvPr/>
-        </p:nvPicPr>
-        <p:blipFill>
-          <a:blip r:embed="rId4"/>
-          <a:stretch>
-            <a:fillRect/>
-          </a:stretch>
-        </p:blipFill>
-        <p:spPr>
-          <a:xfrm>
-            <a:off x="939539" y="5558771"/>
-            <a:ext cx="7581900" cy="485775"/>
-          </a:xfrm>
-          <a:prstGeom prst="rect">
-            <a:avLst/>
-          </a:prstGeom>
-        </p:spPr>
-      </p:pic>
-      <p:sp>
-        <p:nvSpPr>
-          <p:cNvPr id="8" name="TextBox 7">
-            <a:extLst>
-              <a:ext uri="{FF2B5EF4-FFF2-40B4-BE49-F238E27FC236}">
-                <a16:creationId xmlns:a16="http://schemas.microsoft.com/office/drawing/2014/main" id="{8BDA3EC1-DBFC-46D5-8737-81CE69DBC9F4}"/>
-              </a:ext>
-            </a:extLst>
-          </p:cNvPr>
-          <p:cNvSpPr txBox="1"/>
-          <p:nvPr/>
-        </p:nvSpPr>
-        <p:spPr>
-          <a:xfrm>
-            <a:off x="1697324" y="1048306"/>
-            <a:ext cx="1577035" cy="369332"/>
-          </a:xfrm>
-          <a:prstGeom prst="rect">
-            <a:avLst/>
-          </a:prstGeom>
-          <a:noFill/>
-        </p:spPr>
-        <p:txBody>
-          <a:bodyPr wrap="none" rtlCol="0">
-            <a:spAutoFit/>
-          </a:bodyPr>
-          <a:lstStyle/>
-          <a:p>
-            <a:r>
-              <a:rPr lang="en-IE" dirty="0"/>
-              <a:t>authenticate.js</a:t>
-            </a:r>
-          </a:p>
-        </p:txBody>
-      </p:sp>
-      <p:sp>
-        <p:nvSpPr>
-          <p:cNvPr id="9" name="TextBox 8">
-            <a:extLst>
-              <a:ext uri="{FF2B5EF4-FFF2-40B4-BE49-F238E27FC236}">
-                <a16:creationId xmlns:a16="http://schemas.microsoft.com/office/drawing/2014/main" id="{6A64EA2D-7FB2-4424-81DE-A84FB093AE0D}"/>
-              </a:ext>
-            </a:extLst>
-          </p:cNvPr>
-          <p:cNvSpPr txBox="1"/>
-          <p:nvPr/>
-        </p:nvSpPr>
-        <p:spPr>
-          <a:xfrm>
-            <a:off x="1143142" y="4494888"/>
-            <a:ext cx="894540" cy="369332"/>
-          </a:xfrm>
-          <a:prstGeom prst="rect">
-            <a:avLst/>
-          </a:prstGeom>
-          <a:noFill/>
-        </p:spPr>
-        <p:txBody>
-          <a:bodyPr wrap="none" rtlCol="0">
-            <a:spAutoFit/>
-          </a:bodyPr>
-          <a:lstStyle/>
-          <a:p>
-            <a:r>
-              <a:rPr lang="en-IE" dirty="0"/>
-              <a:t>index.js</a:t>
-            </a:r>
-          </a:p>
-        </p:txBody>
-      </p:sp>
-      <p:sp>
-        <p:nvSpPr>
-          <p:cNvPr id="10" name="Rectangle 9">
-            <a:extLst>
-              <a:ext uri="{FF2B5EF4-FFF2-40B4-BE49-F238E27FC236}">
-                <a16:creationId xmlns:a16="http://schemas.microsoft.com/office/drawing/2014/main" id="{D52F84E0-840D-4347-A1F3-85B6B8B04FAB}"/>
-              </a:ext>
-            </a:extLst>
-          </p:cNvPr>
-          <p:cNvSpPr/>
-          <p:nvPr/>
-        </p:nvSpPr>
-        <p:spPr>
-          <a:xfrm>
-            <a:off x="4268526" y="5558771"/>
-            <a:ext cx="1972947" cy="426393"/>
-          </a:xfrm>
-          <a:prstGeom prst="rect">
-            <a:avLst/>
-          </a:prstGeom>
-          <a:noFill/>
-          <a:ln>
-            <a:solidFill>
-              <a:srgbClr val="FF0000"/>
-            </a:solidFill>
-          </a:ln>
-        </p:spPr>
-        <p:style>
-          <a:lnRef idx="2">
-            <a:schemeClr val="accent6"/>
-          </a:lnRef>
-          <a:fillRef idx="1">
-            <a:schemeClr val="lt1"/>
-          </a:fillRef>
-          <a:effectRef idx="0">
-            <a:schemeClr val="accent6"/>
-          </a:effectRef>
-          <a:fontRef idx="minor">
-            <a:schemeClr val="dk1"/>
-          </a:fontRef>
-        </p:style>
-        <p:txBody>
-          <a:bodyPr rtlCol="0" anchor="ctr"/>
-          <a:lstStyle/>
-          <a:p>
-            <a:pPr algn="ctr"/>
-            <a:endParaRPr lang="en-IE"/>
-          </a:p>
-        </p:txBody>
-      </p:sp>
-      <p:sp>
-        <p:nvSpPr>
-          <p:cNvPr id="11" name="Callout: Line 10">
-            <a:extLst>
-              <a:ext uri="{FF2B5EF4-FFF2-40B4-BE49-F238E27FC236}">
-                <a16:creationId xmlns:a16="http://schemas.microsoft.com/office/drawing/2014/main" id="{C252A6BF-6D7D-4BEF-A4E7-54D53CC84B55}"/>
-              </a:ext>
-            </a:extLst>
-          </p:cNvPr>
-          <p:cNvSpPr/>
-          <p:nvPr/>
-        </p:nvSpPr>
-        <p:spPr>
-          <a:xfrm>
-            <a:off x="8820346" y="4549529"/>
-            <a:ext cx="2762054" cy="1781666"/>
-          </a:xfrm>
-          <a:prstGeom prst="borderCallout1">
-            <a:avLst>
-              <a:gd name="adj1" fmla="val 18750"/>
-              <a:gd name="adj2" fmla="val -8333"/>
-              <a:gd name="adj3" fmla="val 58844"/>
-              <a:gd name="adj4" fmla="val -94262"/>
-            </a:avLst>
-          </a:prstGeom>
-          <a:ln>
-            <a:solidFill>
-              <a:srgbClr val="FF0000"/>
-            </a:solidFill>
-          </a:ln>
-        </p:spPr>
-        <p:style>
-          <a:lnRef idx="2">
-            <a:schemeClr val="accent1">
-              <a:shade val="50000"/>
-            </a:schemeClr>
-          </a:lnRef>
-          <a:fillRef idx="1">
-            <a:schemeClr val="accent1"/>
-          </a:fillRef>
-          <a:effectRef idx="0">
-            <a:schemeClr val="accent1"/>
-          </a:effectRef>
-          <a:fontRef idx="minor">
-            <a:schemeClr val="lt1"/>
-          </a:fontRef>
-        </p:style>
-        <p:txBody>
-          <a:bodyPr rtlCol="0" anchor="ctr"/>
-          <a:lstStyle/>
-          <a:p>
-            <a:pPr algn="ctr"/>
-            <a:r>
-              <a:rPr lang="en-IE" dirty="0"/>
-              <a:t>Authentication middleware applied  on /</a:t>
-            </a:r>
-            <a:r>
-              <a:rPr lang="en-IE" dirty="0" err="1"/>
-              <a:t>api</a:t>
-            </a:r>
-            <a:r>
-              <a:rPr lang="en-IE" dirty="0"/>
-              <a:t>/posts route.</a:t>
-            </a:r>
-          </a:p>
-        </p:txBody>
-      </p:sp>
-    </p:spTree>
-    <p:extLst>
-      <p:ext uri="{BB962C8B-B14F-4D97-AF65-F5344CB8AC3E}">
-        <p14:creationId xmlns:p14="http://schemas.microsoft.com/office/powerpoint/2010/main" val="4113954374"/>
-      </p:ext>
-    </p:extLst>
-  </p:cSld>
-  <p:clrMapOvr>
-    <a:masterClrMapping/>
-  </p:clrMapOvr>
-  <p:timing>
-    <p:tnLst>
-      <p:par>
-        <p:cTn id="1" dur="indefinite" restart="never" nodeType="tmRoot">
-          <p:childTnLst>
-            <p:seq concurrent="1" nextAc="seek">
-              <p:cTn id="2" dur="indefinite" nodeType="mainSeq">
-                <p:childTnLst>
-                  <p:par>
-                    <p:cTn id="3" fill="hold">
-                      <p:stCondLst>
-                        <p:cond delay="indefinite"/>
-                      </p:stCondLst>
-                      <p:childTnLst>
-                        <p:par>
-                          <p:cTn id="4" fill="hold">
-                            <p:stCondLst>
-                              <p:cond delay="0"/>
-                            </p:stCondLst>
-                            <p:childTnLst>
-                              <p:par>
-                                <p:cTn id="5" presetID="10" presetClass="entr" presetSubtype="0" fill="hold" grpId="0" nodeType="clickEffect">
-                                  <p:stCondLst>
-                                    <p:cond delay="0"/>
-                                  </p:stCondLst>
-                                  <p:childTnLst>
-                                    <p:set>
-                                      <p:cBhvr>
-                                        <p:cTn id="6" dur="1" fill="hold">
-                                          <p:stCondLst>
-                                            <p:cond delay="0"/>
-                                          </p:stCondLst>
-                                        </p:cTn>
-                                        <p:tgtEl>
-                                          <p:spTgt spid="5"/>
-                                        </p:tgtEl>
-                                        <p:attrNameLst>
-                                          <p:attrName>style.visibility</p:attrName>
-                                        </p:attrNameLst>
-                                      </p:cBhvr>
-                                      <p:to>
-                                        <p:strVal val="visible"/>
-                                      </p:to>
-                                    </p:set>
-                                    <p:animEffect transition="in" filter="fade">
-                                      <p:cBhvr>
-                                        <p:cTn id="7" dur="500"/>
-                                        <p:tgtEl>
-                                          <p:spTgt spid="5"/>
-                                        </p:tgtEl>
-                                      </p:cBhvr>
-                                    </p:animEffect>
-                                  </p:childTnLst>
-                                </p:cTn>
-                              </p:par>
-                            </p:childTnLst>
-                          </p:cTn>
-                        </p:par>
-                      </p:childTnLst>
-                    </p:cTn>
-                  </p:par>
-                  <p:par>
-                    <p:cTn id="8" fill="hold">
-                      <p:stCondLst>
-                        <p:cond delay="indefinite"/>
-                      </p:stCondLst>
-                      <p:childTnLst>
-                        <p:par>
-                          <p:cTn id="9" fill="hold">
-                            <p:stCondLst>
-                              <p:cond delay="0"/>
-                            </p:stCondLst>
-                            <p:childTnLst>
-                              <p:par>
-                                <p:cTn id="10" presetID="10" presetClass="entr" presetSubtype="0" fill="hold" grpId="0" nodeType="clickEffect">
-                                  <p:stCondLst>
-                                    <p:cond delay="0"/>
-                                  </p:stCondLst>
-                                  <p:childTnLst>
-                                    <p:set>
-                                      <p:cBhvr>
-                                        <p:cTn id="11" dur="1" fill="hold">
-                                          <p:stCondLst>
-                                            <p:cond delay="0"/>
-                                          </p:stCondLst>
-                                        </p:cTn>
-                                        <p:tgtEl>
-                                          <p:spTgt spid="10"/>
-                                        </p:tgtEl>
-                                        <p:attrNameLst>
-                                          <p:attrName>style.visibility</p:attrName>
-                                        </p:attrNameLst>
-                                      </p:cBhvr>
-                                      <p:to>
-                                        <p:strVal val="visible"/>
-                                      </p:to>
-                                    </p:set>
-                                    <p:animEffect transition="in" filter="fade">
-                                      <p:cBhvr>
-                                        <p:cTn id="12" dur="500"/>
-                                        <p:tgtEl>
-                                          <p:spTgt spid="10"/>
-                                        </p:tgtEl>
-                                      </p:cBhvr>
-                                    </p:animEffect>
-                                  </p:childTnLst>
-                                </p:cTn>
-                              </p:par>
-                              <p:par>
-                                <p:cTn id="13" presetID="10" presetClass="entr" presetSubtype="0" fill="hold" grpId="0" nodeType="withEffect">
-                                  <p:stCondLst>
-                                    <p:cond delay="0"/>
-                                  </p:stCondLst>
-                                  <p:childTnLst>
-                                    <p:set>
-                                      <p:cBhvr>
-                                        <p:cTn id="14" dur="1" fill="hold">
-                                          <p:stCondLst>
-                                            <p:cond delay="0"/>
-                                          </p:stCondLst>
-                                        </p:cTn>
-                                        <p:tgtEl>
-                                          <p:spTgt spid="11"/>
-                                        </p:tgtEl>
-                                        <p:attrNameLst>
-                                          <p:attrName>style.visibility</p:attrName>
-                                        </p:attrNameLst>
-                                      </p:cBhvr>
-                                      <p:to>
-                                        <p:strVal val="visible"/>
-                                      </p:to>
-                                    </p:set>
-                                    <p:animEffect transition="in" filter="fade">
-                                      <p:cBhvr>
-                                        <p:cTn id="15" dur="500"/>
-                                        <p:tgtEl>
-                                          <p:spTgt spid="11"/>
-                                        </p:tgtEl>
-                                      </p:cBhvr>
-                                    </p:animEffect>
-                                  </p:childTnLst>
-                                </p:cTn>
-                              </p:par>
-                            </p:childTnLst>
-                          </p:cTn>
-                        </p:par>
-                      </p:childTnLst>
-                    </p:cTn>
-                  </p:par>
-                </p:childTnLst>
-              </p:cTn>
-              <p:prevCondLst>
-                <p:cond evt="onPrev" delay="0">
-                  <p:tgtEl>
-                    <p:sldTgt/>
-                  </p:tgtEl>
-                </p:cond>
-              </p:prevCondLst>
-              <p:nextCondLst>
-                <p:cond evt="onNext" delay="0">
-                  <p:tgtEl>
-                    <p:sldTgt/>
-                  </p:tgtEl>
-                </p:cond>
-              </p:nextCondLst>
-            </p:seq>
-          </p:childTnLst>
-        </p:cTn>
-      </p:par>
-    </p:tnLst>
-    <p:bldLst>
-      <p:bldP spid="5" grpId="0" animBg="1"/>
-      <p:bldP spid="10" grpId="0" animBg="1"/>
-      <p:bldP spid="11" grpId="0" animBg="1"/>
     </p:bldLst>
   </p:timing>
 </p:sld>
@@ -18210,6 +18100,593 @@
           <a:chExt cx="0" cy="0"/>
         </a:xfrm>
       </p:grpSpPr>
+      <p:sp>
+        <p:nvSpPr>
+          <p:cNvPr id="2" name="Title 1">
+            <a:extLst>
+              <a:ext uri="{FF2B5EF4-FFF2-40B4-BE49-F238E27FC236}">
+                <a16:creationId xmlns:a16="http://schemas.microsoft.com/office/drawing/2014/main" id="{E1B66BB1-BAB6-4DDB-B3C3-A2BDC8760C6A}"/>
+              </a:ext>
+            </a:extLst>
+          </p:cNvPr>
+          <p:cNvSpPr>
+            <a:spLocks noGrp="1"/>
+          </p:cNvSpPr>
+          <p:nvPr>
+            <p:ph type="title"/>
+          </p:nvPr>
+        </p:nvSpPr>
+        <p:spPr/>
+        <p:txBody>
+          <a:bodyPr/>
+          <a:lstStyle/>
+          <a:p>
+            <a:r>
+              <a:rPr lang="en-IE" dirty="0"/>
+              <a:t>Authentication Middleware</a:t>
+            </a:r>
+          </a:p>
+        </p:txBody>
+      </p:sp>
+      <p:pic>
+        <p:nvPicPr>
+          <p:cNvPr id="4" name="Content Placeholder 3">
+            <a:extLst>
+              <a:ext uri="{FF2B5EF4-FFF2-40B4-BE49-F238E27FC236}">
+                <a16:creationId xmlns:a16="http://schemas.microsoft.com/office/drawing/2014/main" id="{8B65D523-CD74-4C68-9358-28894F2E10BF}"/>
+              </a:ext>
+            </a:extLst>
+          </p:cNvPr>
+          <p:cNvPicPr>
+            <a:picLocks noGrp="1" noChangeAspect="1"/>
+          </p:cNvPicPr>
+          <p:nvPr>
+            <p:ph idx="1"/>
+          </p:nvPr>
+        </p:nvPicPr>
+        <p:blipFill>
+          <a:blip r:embed="rId2"/>
+          <a:stretch>
+            <a:fillRect/>
+          </a:stretch>
+        </p:blipFill>
+        <p:spPr>
+          <a:xfrm>
+            <a:off x="939539" y="1417638"/>
+            <a:ext cx="5366994" cy="2707918"/>
+          </a:xfrm>
+          <a:prstGeom prst="rect">
+            <a:avLst/>
+          </a:prstGeom>
+        </p:spPr>
+      </p:pic>
+      <p:sp>
+        <p:nvSpPr>
+          <p:cNvPr id="5" name="Callout: Line 4">
+            <a:extLst>
+              <a:ext uri="{FF2B5EF4-FFF2-40B4-BE49-F238E27FC236}">
+                <a16:creationId xmlns:a16="http://schemas.microsoft.com/office/drawing/2014/main" id="{713FFE3B-1D5D-455C-8E3C-AE540AE1DBEA}"/>
+              </a:ext>
+            </a:extLst>
+          </p:cNvPr>
+          <p:cNvSpPr/>
+          <p:nvPr/>
+        </p:nvSpPr>
+        <p:spPr>
+          <a:xfrm>
+            <a:off x="7732622" y="1417638"/>
+            <a:ext cx="2762054" cy="1781666"/>
+          </a:xfrm>
+          <a:prstGeom prst="borderCallout1">
+            <a:avLst>
+              <a:gd name="adj1" fmla="val 18750"/>
+              <a:gd name="adj2" fmla="val -8333"/>
+              <a:gd name="adj3" fmla="val 50679"/>
+              <a:gd name="adj4" fmla="val -60404"/>
+            </a:avLst>
+          </a:prstGeom>
+          <a:ln>
+            <a:solidFill>
+              <a:srgbClr val="FF0000"/>
+            </a:solidFill>
+          </a:ln>
+        </p:spPr>
+        <p:style>
+          <a:lnRef idx="2">
+            <a:schemeClr val="accent1">
+              <a:shade val="50000"/>
+            </a:schemeClr>
+          </a:lnRef>
+          <a:fillRef idx="1">
+            <a:schemeClr val="accent1"/>
+          </a:fillRef>
+          <a:effectRef idx="0">
+            <a:schemeClr val="accent1"/>
+          </a:effectRef>
+          <a:fontRef idx="minor">
+            <a:schemeClr val="lt1"/>
+          </a:fontRef>
+        </p:style>
+        <p:txBody>
+          <a:bodyPr rtlCol="0" anchor="ctr"/>
+          <a:lstStyle/>
+          <a:p>
+            <a:pPr algn="ctr"/>
+            <a:r>
+              <a:rPr lang="en-IE" dirty="0"/>
+              <a:t>Checks for user ID in session object. </a:t>
+            </a:r>
+            <a:br>
+              <a:rPr lang="en-IE" dirty="0"/>
+            </a:br>
+            <a:r>
+              <a:rPr lang="en-IE" dirty="0"/>
+              <a:t>If exists, called next middleware function, otherwise end </a:t>
+            </a:r>
+            <a:r>
+              <a:rPr lang="en-IE" dirty="0" err="1"/>
+              <a:t>req</a:t>
+            </a:r>
+            <a:r>
+              <a:rPr lang="en-IE" dirty="0"/>
+              <a:t>/res cycle with 401</a:t>
+            </a:r>
+          </a:p>
+        </p:txBody>
+      </p:sp>
+      <p:pic>
+        <p:nvPicPr>
+          <p:cNvPr id="6" name="Picture 5">
+            <a:extLst>
+              <a:ext uri="{FF2B5EF4-FFF2-40B4-BE49-F238E27FC236}">
+                <a16:creationId xmlns:a16="http://schemas.microsoft.com/office/drawing/2014/main" id="{5102E9F2-3DCB-486E-B7F5-56157CF48821}"/>
+              </a:ext>
+            </a:extLst>
+          </p:cNvPr>
+          <p:cNvPicPr>
+            <a:picLocks noChangeAspect="1"/>
+          </p:cNvPicPr>
+          <p:nvPr/>
+        </p:nvPicPr>
+        <p:blipFill>
+          <a:blip r:embed="rId3"/>
+          <a:stretch>
+            <a:fillRect/>
+          </a:stretch>
+        </p:blipFill>
+        <p:spPr>
+          <a:xfrm>
+            <a:off x="939539" y="4897437"/>
+            <a:ext cx="6657975" cy="542925"/>
+          </a:xfrm>
+          <a:prstGeom prst="rect">
+            <a:avLst/>
+          </a:prstGeom>
+        </p:spPr>
+      </p:pic>
+      <p:pic>
+        <p:nvPicPr>
+          <p:cNvPr id="7" name="Picture 6">
+            <a:extLst>
+              <a:ext uri="{FF2B5EF4-FFF2-40B4-BE49-F238E27FC236}">
+                <a16:creationId xmlns:a16="http://schemas.microsoft.com/office/drawing/2014/main" id="{9A8228FA-3072-431E-ABC6-7D77A26C26E3}"/>
+              </a:ext>
+            </a:extLst>
+          </p:cNvPr>
+          <p:cNvPicPr>
+            <a:picLocks noChangeAspect="1"/>
+          </p:cNvPicPr>
+          <p:nvPr/>
+        </p:nvPicPr>
+        <p:blipFill>
+          <a:blip r:embed="rId4"/>
+          <a:stretch>
+            <a:fillRect/>
+          </a:stretch>
+        </p:blipFill>
+        <p:spPr>
+          <a:xfrm>
+            <a:off x="939539" y="5558771"/>
+            <a:ext cx="7581900" cy="485775"/>
+          </a:xfrm>
+          <a:prstGeom prst="rect">
+            <a:avLst/>
+          </a:prstGeom>
+        </p:spPr>
+      </p:pic>
+      <p:sp>
+        <p:nvSpPr>
+          <p:cNvPr id="8" name="TextBox 7">
+            <a:extLst>
+              <a:ext uri="{FF2B5EF4-FFF2-40B4-BE49-F238E27FC236}">
+                <a16:creationId xmlns:a16="http://schemas.microsoft.com/office/drawing/2014/main" id="{8BDA3EC1-DBFC-46D5-8737-81CE69DBC9F4}"/>
+              </a:ext>
+            </a:extLst>
+          </p:cNvPr>
+          <p:cNvSpPr txBox="1"/>
+          <p:nvPr/>
+        </p:nvSpPr>
+        <p:spPr>
+          <a:xfrm>
+            <a:off x="1697324" y="1048306"/>
+            <a:ext cx="1577035" cy="369332"/>
+          </a:xfrm>
+          <a:prstGeom prst="rect">
+            <a:avLst/>
+          </a:prstGeom>
+          <a:noFill/>
+        </p:spPr>
+        <p:txBody>
+          <a:bodyPr wrap="none" rtlCol="0">
+            <a:spAutoFit/>
+          </a:bodyPr>
+          <a:lstStyle/>
+          <a:p>
+            <a:r>
+              <a:rPr lang="en-IE" dirty="0"/>
+              <a:t>authenticate.js</a:t>
+            </a:r>
+          </a:p>
+        </p:txBody>
+      </p:sp>
+      <p:sp>
+        <p:nvSpPr>
+          <p:cNvPr id="9" name="TextBox 8">
+            <a:extLst>
+              <a:ext uri="{FF2B5EF4-FFF2-40B4-BE49-F238E27FC236}">
+                <a16:creationId xmlns:a16="http://schemas.microsoft.com/office/drawing/2014/main" id="{6A64EA2D-7FB2-4424-81DE-A84FB093AE0D}"/>
+              </a:ext>
+            </a:extLst>
+          </p:cNvPr>
+          <p:cNvSpPr txBox="1"/>
+          <p:nvPr/>
+        </p:nvSpPr>
+        <p:spPr>
+          <a:xfrm>
+            <a:off x="1143142" y="4494888"/>
+            <a:ext cx="894540" cy="369332"/>
+          </a:xfrm>
+          <a:prstGeom prst="rect">
+            <a:avLst/>
+          </a:prstGeom>
+          <a:noFill/>
+        </p:spPr>
+        <p:txBody>
+          <a:bodyPr wrap="none" rtlCol="0">
+            <a:spAutoFit/>
+          </a:bodyPr>
+          <a:lstStyle/>
+          <a:p>
+            <a:r>
+              <a:rPr lang="en-IE" dirty="0"/>
+              <a:t>index.js</a:t>
+            </a:r>
+          </a:p>
+        </p:txBody>
+      </p:sp>
+      <p:sp>
+        <p:nvSpPr>
+          <p:cNvPr id="10" name="Rectangle 9">
+            <a:extLst>
+              <a:ext uri="{FF2B5EF4-FFF2-40B4-BE49-F238E27FC236}">
+                <a16:creationId xmlns:a16="http://schemas.microsoft.com/office/drawing/2014/main" id="{D52F84E0-840D-4347-A1F3-85B6B8B04FAB}"/>
+              </a:ext>
+            </a:extLst>
+          </p:cNvPr>
+          <p:cNvSpPr/>
+          <p:nvPr/>
+        </p:nvSpPr>
+        <p:spPr>
+          <a:xfrm>
+            <a:off x="4268526" y="5558771"/>
+            <a:ext cx="1972947" cy="426393"/>
+          </a:xfrm>
+          <a:prstGeom prst="rect">
+            <a:avLst/>
+          </a:prstGeom>
+          <a:noFill/>
+          <a:ln>
+            <a:solidFill>
+              <a:srgbClr val="FF0000"/>
+            </a:solidFill>
+          </a:ln>
+        </p:spPr>
+        <p:style>
+          <a:lnRef idx="2">
+            <a:schemeClr val="accent6"/>
+          </a:lnRef>
+          <a:fillRef idx="1">
+            <a:schemeClr val="lt1"/>
+          </a:fillRef>
+          <a:effectRef idx="0">
+            <a:schemeClr val="accent6"/>
+          </a:effectRef>
+          <a:fontRef idx="minor">
+            <a:schemeClr val="dk1"/>
+          </a:fontRef>
+        </p:style>
+        <p:txBody>
+          <a:bodyPr rtlCol="0" anchor="ctr"/>
+          <a:lstStyle/>
+          <a:p>
+            <a:pPr algn="ctr"/>
+            <a:endParaRPr lang="en-IE"/>
+          </a:p>
+        </p:txBody>
+      </p:sp>
+      <p:sp>
+        <p:nvSpPr>
+          <p:cNvPr id="11" name="Callout: Line 10">
+            <a:extLst>
+              <a:ext uri="{FF2B5EF4-FFF2-40B4-BE49-F238E27FC236}">
+                <a16:creationId xmlns:a16="http://schemas.microsoft.com/office/drawing/2014/main" id="{C252A6BF-6D7D-4BEF-A4E7-54D53CC84B55}"/>
+              </a:ext>
+            </a:extLst>
+          </p:cNvPr>
+          <p:cNvSpPr/>
+          <p:nvPr/>
+        </p:nvSpPr>
+        <p:spPr>
+          <a:xfrm>
+            <a:off x="8820346" y="4549529"/>
+            <a:ext cx="2762054" cy="1781666"/>
+          </a:xfrm>
+          <a:prstGeom prst="borderCallout1">
+            <a:avLst>
+              <a:gd name="adj1" fmla="val 18750"/>
+              <a:gd name="adj2" fmla="val -8333"/>
+              <a:gd name="adj3" fmla="val 58844"/>
+              <a:gd name="adj4" fmla="val -94262"/>
+            </a:avLst>
+          </a:prstGeom>
+          <a:ln>
+            <a:solidFill>
+              <a:srgbClr val="FF0000"/>
+            </a:solidFill>
+          </a:ln>
+        </p:spPr>
+        <p:style>
+          <a:lnRef idx="2">
+            <a:schemeClr val="accent1">
+              <a:shade val="50000"/>
+            </a:schemeClr>
+          </a:lnRef>
+          <a:fillRef idx="1">
+            <a:schemeClr val="accent1"/>
+          </a:fillRef>
+          <a:effectRef idx="0">
+            <a:schemeClr val="accent1"/>
+          </a:effectRef>
+          <a:fontRef idx="minor">
+            <a:schemeClr val="lt1"/>
+          </a:fontRef>
+        </p:style>
+        <p:txBody>
+          <a:bodyPr rtlCol="0" anchor="ctr"/>
+          <a:lstStyle/>
+          <a:p>
+            <a:pPr algn="ctr"/>
+            <a:r>
+              <a:rPr lang="en-IE" dirty="0"/>
+              <a:t>Authentication middleware applied  on /</a:t>
+            </a:r>
+            <a:r>
+              <a:rPr lang="en-IE" dirty="0" err="1"/>
+              <a:t>api</a:t>
+            </a:r>
+            <a:r>
+              <a:rPr lang="en-IE" dirty="0"/>
+              <a:t>/posts route.</a:t>
+            </a:r>
+          </a:p>
+        </p:txBody>
+      </p:sp>
+    </p:spTree>
+    <p:extLst>
+      <p:ext uri="{BB962C8B-B14F-4D97-AF65-F5344CB8AC3E}">
+        <p14:creationId xmlns:p14="http://schemas.microsoft.com/office/powerpoint/2010/main" val="4113954374"/>
+      </p:ext>
+    </p:extLst>
+  </p:cSld>
+  <p:clrMapOvr>
+    <a:masterClrMapping/>
+  </p:clrMapOvr>
+  <p:timing>
+    <p:tnLst>
+      <p:par>
+        <p:cTn id="1" dur="indefinite" restart="never" nodeType="tmRoot">
+          <p:childTnLst>
+            <p:seq concurrent="1" nextAc="seek">
+              <p:cTn id="2" dur="indefinite" nodeType="mainSeq">
+                <p:childTnLst>
+                  <p:par>
+                    <p:cTn id="3" fill="hold">
+                      <p:stCondLst>
+                        <p:cond delay="indefinite"/>
+                      </p:stCondLst>
+                      <p:childTnLst>
+                        <p:par>
+                          <p:cTn id="4" fill="hold">
+                            <p:stCondLst>
+                              <p:cond delay="0"/>
+                            </p:stCondLst>
+                            <p:childTnLst>
+                              <p:par>
+                                <p:cTn id="5" presetID="10" presetClass="entr" presetSubtype="0" fill="hold" grpId="0" nodeType="clickEffect">
+                                  <p:stCondLst>
+                                    <p:cond delay="0"/>
+                                  </p:stCondLst>
+                                  <p:childTnLst>
+                                    <p:set>
+                                      <p:cBhvr>
+                                        <p:cTn id="6" dur="1" fill="hold">
+                                          <p:stCondLst>
+                                            <p:cond delay="0"/>
+                                          </p:stCondLst>
+                                        </p:cTn>
+                                        <p:tgtEl>
+                                          <p:spTgt spid="5"/>
+                                        </p:tgtEl>
+                                        <p:attrNameLst>
+                                          <p:attrName>style.visibility</p:attrName>
+                                        </p:attrNameLst>
+                                      </p:cBhvr>
+                                      <p:to>
+                                        <p:strVal val="visible"/>
+                                      </p:to>
+                                    </p:set>
+                                    <p:animEffect transition="in" filter="fade">
+                                      <p:cBhvr>
+                                        <p:cTn id="7" dur="500"/>
+                                        <p:tgtEl>
+                                          <p:spTgt spid="5"/>
+                                        </p:tgtEl>
+                                      </p:cBhvr>
+                                    </p:animEffect>
+                                  </p:childTnLst>
+                                </p:cTn>
+                              </p:par>
+                            </p:childTnLst>
+                          </p:cTn>
+                        </p:par>
+                      </p:childTnLst>
+                    </p:cTn>
+                  </p:par>
+                  <p:par>
+                    <p:cTn id="8" fill="hold">
+                      <p:stCondLst>
+                        <p:cond delay="indefinite"/>
+                      </p:stCondLst>
+                      <p:childTnLst>
+                        <p:par>
+                          <p:cTn id="9" fill="hold">
+                            <p:stCondLst>
+                              <p:cond delay="0"/>
+                            </p:stCondLst>
+                            <p:childTnLst>
+                              <p:par>
+                                <p:cTn id="10" presetID="10" presetClass="entr" presetSubtype="0" fill="hold" grpId="0" nodeType="clickEffect">
+                                  <p:stCondLst>
+                                    <p:cond delay="0"/>
+                                  </p:stCondLst>
+                                  <p:childTnLst>
+                                    <p:set>
+                                      <p:cBhvr>
+                                        <p:cTn id="11" dur="1" fill="hold">
+                                          <p:stCondLst>
+                                            <p:cond delay="0"/>
+                                          </p:stCondLst>
+                                        </p:cTn>
+                                        <p:tgtEl>
+                                          <p:spTgt spid="10"/>
+                                        </p:tgtEl>
+                                        <p:attrNameLst>
+                                          <p:attrName>style.visibility</p:attrName>
+                                        </p:attrNameLst>
+                                      </p:cBhvr>
+                                      <p:to>
+                                        <p:strVal val="visible"/>
+                                      </p:to>
+                                    </p:set>
+                                    <p:animEffect transition="in" filter="fade">
+                                      <p:cBhvr>
+                                        <p:cTn id="12" dur="500"/>
+                                        <p:tgtEl>
+                                          <p:spTgt spid="10"/>
+                                        </p:tgtEl>
+                                      </p:cBhvr>
+                                    </p:animEffect>
+                                  </p:childTnLst>
+                                </p:cTn>
+                              </p:par>
+                              <p:par>
+                                <p:cTn id="13" presetID="10" presetClass="entr" presetSubtype="0" fill="hold" grpId="0" nodeType="withEffect">
+                                  <p:stCondLst>
+                                    <p:cond delay="0"/>
+                                  </p:stCondLst>
+                                  <p:childTnLst>
+                                    <p:set>
+                                      <p:cBhvr>
+                                        <p:cTn id="14" dur="1" fill="hold">
+                                          <p:stCondLst>
+                                            <p:cond delay="0"/>
+                                          </p:stCondLst>
+                                        </p:cTn>
+                                        <p:tgtEl>
+                                          <p:spTgt spid="11"/>
+                                        </p:tgtEl>
+                                        <p:attrNameLst>
+                                          <p:attrName>style.visibility</p:attrName>
+                                        </p:attrNameLst>
+                                      </p:cBhvr>
+                                      <p:to>
+                                        <p:strVal val="visible"/>
+                                      </p:to>
+                                    </p:set>
+                                    <p:animEffect transition="in" filter="fade">
+                                      <p:cBhvr>
+                                        <p:cTn id="15" dur="500"/>
+                                        <p:tgtEl>
+                                          <p:spTgt spid="11"/>
+                                        </p:tgtEl>
+                                      </p:cBhvr>
+                                    </p:animEffect>
+                                  </p:childTnLst>
+                                </p:cTn>
+                              </p:par>
+                            </p:childTnLst>
+                          </p:cTn>
+                        </p:par>
+                      </p:childTnLst>
+                    </p:cTn>
+                  </p:par>
+                </p:childTnLst>
+              </p:cTn>
+              <p:prevCondLst>
+                <p:cond evt="onPrev" delay="0">
+                  <p:tgtEl>
+                    <p:sldTgt/>
+                  </p:tgtEl>
+                </p:cond>
+              </p:prevCondLst>
+              <p:nextCondLst>
+                <p:cond evt="onNext" delay="0">
+                  <p:tgtEl>
+                    <p:sldTgt/>
+                  </p:tgtEl>
+                </p:cond>
+              </p:nextCondLst>
+            </p:seq>
+          </p:childTnLst>
+        </p:cTn>
+      </p:par>
+    </p:tnLst>
+    <p:bldLst>
+      <p:bldP spid="5" grpId="0" animBg="1"/>
+      <p:bldP spid="10" grpId="0" animBg="1"/>
+      <p:bldP spid="11" grpId="0" animBg="1"/>
+    </p:bldLst>
+  </p:timing>
+</p:sld>
+</file>
+
+<file path=ppt/slides/slide41.xml><?xml version="1.0" encoding="utf-8"?>
+<p:sld xmlns:a="http://schemas.openxmlformats.org/drawingml/2006/main" xmlns:r="http://schemas.openxmlformats.org/officeDocument/2006/relationships" xmlns:p="http://schemas.openxmlformats.org/presentationml/2006/main">
+  <p:cSld>
+    <p:spTree>
+      <p:nvGrpSpPr>
+        <p:cNvPr id="1" name=""/>
+        <p:cNvGrpSpPr/>
+        <p:nvPr/>
+      </p:nvGrpSpPr>
+      <p:grpSpPr>
+        <a:xfrm>
+          <a:off x="0" y="0"/>
+          <a:ext cx="0" cy="0"/>
+          <a:chOff x="0" y="0"/>
+          <a:chExt cx="0" cy="0"/>
+        </a:xfrm>
+      </p:grpSpPr>
       <p:pic>
         <p:nvPicPr>
           <p:cNvPr id="10" name="Picture 9">
@@ -18530,7 +19007,7 @@
 </p:sld>
 </file>
 
-<file path=ppt/slides/slide41.xml><?xml version="1.0" encoding="utf-8"?>
+<file path=ppt/slides/slide42.xml><?xml version="1.0" encoding="utf-8"?>
 <p:sld xmlns:a="http://schemas.openxmlformats.org/drawingml/2006/main" xmlns:r="http://schemas.openxmlformats.org/officeDocument/2006/relationships" xmlns:p="http://schemas.openxmlformats.org/presentationml/2006/main">
   <p:cSld>
     <p:spTree>

--- a/topic09/talk-0/mongoDB-2020.pptx
+++ b/topic09/talk-0/mongoDB-2020.pptx
@@ -5,7 +5,7 @@
     <p:sldMasterId id="2147483648" r:id="rId1"/>
   </p:sldMasterIdLst>
   <p:notesMasterIdLst>
-    <p:notesMasterId r:id="rId44"/>
+    <p:notesMasterId r:id="rId43"/>
   </p:notesMasterIdLst>
   <p:sldIdLst>
     <p:sldId id="256" r:id="rId2"/>
@@ -28,28 +28,27 @@
     <p:sldId id="314" r:id="rId19"/>
     <p:sldId id="294" r:id="rId20"/>
     <p:sldId id="295" r:id="rId21"/>
-    <p:sldId id="298" r:id="rId22"/>
-    <p:sldId id="326" r:id="rId23"/>
-    <p:sldId id="296" r:id="rId24"/>
-    <p:sldId id="332" r:id="rId25"/>
-    <p:sldId id="297" r:id="rId26"/>
-    <p:sldId id="327" r:id="rId27"/>
+    <p:sldId id="332" r:id="rId22"/>
+    <p:sldId id="334" r:id="rId23"/>
+    <p:sldId id="298" r:id="rId24"/>
+    <p:sldId id="326" r:id="rId25"/>
+    <p:sldId id="296" r:id="rId26"/>
+    <p:sldId id="297" r:id="rId27"/>
     <p:sldId id="299" r:id="rId28"/>
     <p:sldId id="328" r:id="rId29"/>
-    <p:sldId id="329" r:id="rId30"/>
-    <p:sldId id="302" r:id="rId31"/>
+    <p:sldId id="333" r:id="rId30"/>
+    <p:sldId id="329" r:id="rId31"/>
     <p:sldId id="330" r:id="rId32"/>
     <p:sldId id="304" r:id="rId33"/>
-    <p:sldId id="331" r:id="rId34"/>
-    <p:sldId id="315" r:id="rId35"/>
-    <p:sldId id="318" r:id="rId36"/>
-    <p:sldId id="325" r:id="rId37"/>
-    <p:sldId id="317" r:id="rId38"/>
-    <p:sldId id="319" r:id="rId39"/>
-    <p:sldId id="320" r:id="rId40"/>
-    <p:sldId id="321" r:id="rId41"/>
-    <p:sldId id="323" r:id="rId42"/>
-    <p:sldId id="324" r:id="rId43"/>
+    <p:sldId id="323" r:id="rId34"/>
+    <p:sldId id="324" r:id="rId35"/>
+    <p:sldId id="315" r:id="rId36"/>
+    <p:sldId id="318" r:id="rId37"/>
+    <p:sldId id="325" r:id="rId38"/>
+    <p:sldId id="317" r:id="rId39"/>
+    <p:sldId id="319" r:id="rId40"/>
+    <p:sldId id="320" r:id="rId41"/>
+    <p:sldId id="321" r:id="rId42"/>
   </p:sldIdLst>
   <p:sldSz cx="12192000" cy="6858000"/>
   <p:notesSz cx="6858000" cy="9144000"/>
@@ -213,15 +212,15 @@
           <inkml:channelProperty channel="OE" name="resolution" value="1000" units="1/deg"/>
         </inkml:channelProperties>
       </inkml:inkSource>
-      <inkml:timestamp xml:id="ts0" timeString="2020-03-24T07:57:14.184"/>
+      <inkml:timestamp xml:id="ts0" timeString="2020-12-02T14:40:17.200"/>
     </inkml:context>
     <inkml:brush xml:id="br0">
       <inkml:brushProperty name="width" value="0.05" units="cm"/>
       <inkml:brushProperty name="height" value="0.05" units="cm"/>
-      <inkml:brushProperty name="color" value="#E71224"/>
+      <inkml:brushProperty name="color" value="#849398"/>
     </inkml:brush>
   </inkml:definitions>
-  <inkml:trace contextRef="#ctx0" brushRef="#br0">6826 1474 4232 0 0,'0'0'191'0'0,"0"0"74"0"0,0 0 207 0 0,0 0 82 0 0,-33 0 2746 0 0,30 1-3159 0 0,0-1 0 0 0,-1 1 0 0 0,1 0-1 0 0,0 0 1 0 0,0 0 0 0 0,0 0 0 0 0,0 1 0 0 0,0-1-1 0 0,0 1 1 0 0,0 0-141 0 0,-1 0 100 0 0,1 0 0 0 0,0 0 0 0 0,0-1 0 0 0,-1 1 0 0 0,1-1 0 0 0,-1 0 0 0 0,1 0 0 0 0,-1 0 0 0 0,1 0 0 0 0,-4-1-100 0 0,-4 1 327 0 0,0 0 1 0 0,0 1-1 0 0,1 0 0 0 0,-11 3-327 0 0,11-2 167 0 0,-1-1 1 0 0,1 0-1 0 0,-1 0 1 0 0,-9-1-168 0 0,-11 0 327 0 0,18 0-294 0 0,0-1 0 0 0,0 0 1 0 0,0-1-1 0 0,0-1 0 0 0,-4-1-33 0 0,-90-20 673 0 0,-92-23 432 0 0,93 21-248 0 0,-20 1-857 0 0,30 6 377 0 0,-59-19-377 0 0,-14-8 107 0 0,66 19-57 0 0,-19-10-50 0 0,-48-21 4 0 0,-116-42 174 0 0,-64-21 14 0 0,77 4 76 0 0,4 1-284 0 0,165 72-85 0 0,48 18 103 0 0,-1 3-1 0 0,-36-8-1 0 0,-228-74 0 0 0,231 77 306 0 0,48 14 241 0 0,0 1 0 0 0,-11 0-547 0 0,-445-61-776 0 0,346 53 1657 0 0,-153-13-450 0 0,205 23-2051 0 0,-43-13 1620 0 0,-76-8-316 0 0,161 26 1537 0 0,18 0-1457 0 0,0 2 0 0 0,-1 1 0 0 0,1 2 0 0 0,0 2-1 0 0,-31 6 237 0 0,48-4-46 0 0,1-2-1 0 0,-1-1 0 0 0,-19-1 47 0 0,22-1 3 0 0,0 2-1 0 0,0 0 1 0 0,0 1-1 0 0,0 1 0 0 0,-6 2-2 0 0,-35 1 165 0 0,52-6-131 0 0,1 0 0 0 0,0 0 0 0 0,-1 1 0 0 0,1 0 1 0 0,0 1-1 0 0,0 0 0 0 0,-1 0 0 0 0,2 1 0 0 0,-2 0-34 0 0,2 0 0 0 0,-1-1 0 0 0,0 0 0 0 0,1 0 0 0 0,-1-1 0 0 0,0 1 0 0 0,0-2 0 0 0,0 1 0 0 0,-49 8 0 0 0,51-7-34 0 0,1-1-1 0 0,-1 0 0 0 0,0 0 0 0 0,0-1 0 0 0,0 1 0 0 0,0-1 0 0 0,0-1 0 0 0,0 1 0 0 0,0-1 0 0 0,0 0 0 0 0,-4-1 35 0 0,6 2-106 0 0,-5 2 84 0 0,-1-1 22 0 0,-14-3 0 0 0,-9 5 0 0 0,20 1 14 0 0,-1-2 728 0 0,-17-3 456 0 0,-50 4-3120 0 0,23 6 1922 0 0,55-10 0 0 0,0 1 0 0 0,0-1 0 0 0,0 1 0 0 0,0 0 0 0 0,0 0 0 0 0,-1 0 0 0 0,1 0 0 0 0,0 1 0 0 0,0-1 0 0 0,-1 1 0 0 0,-12-1 0 0 0,-25 8 422 0 0,41-7-474 0 0,-18-4-318 0 0,3 6 592 0 0,0-1 0 0 0,1 0 0 0 0,-1-1 0 0 0,0 0 0 0 0,0-1 0 0 0,-4-2-222 0 0,-7 2-414 0 0,3-3 793 0 0,19 2-505 0 0,1 0-1 0 0,-1 0 1 0 0,0 1-1 0 0,0 0 1 0 0,0-1-1 0 0,0 2 1 0 0,0-1-1 0 0,0 0 1 0 0,0 1-1 0 0,-1 0 127 0 0,3 1 0 0 0,-3-2 0 0 0,-19 0 0 0 0,5-5-5 0 0,-2-5 74 0 0,3 9 537 0 0,10 1-1312 0 0,16-13 742 0 0,12-6-7 0 0,0 0-1 0 0,1 1 1 0 0,9-5-29 0 0,5-4-6 0 0,42-22 6 0 0,-26 14 245 0 0,-41 30-12 0 0,-1 0 0 0 0,0-1-1 0 0,-1 0 1 0 0,1-1 0 0 0,-1 0 0 0 0,0 0 0 0 0,-1-1-233 0 0,0 2-111 0 0,0-1 1 0 0,1 2-1 0 0,0-1 0 0 0,0 1 0 0 0,0 0 0 0 0,1 0 1 0 0,-1 1-1 0 0,1 1 0 0 0,0-1 0 0 0,0 1 0 0 0,3 0 111 0 0,-11 3-16 0 0,0 0-1 0 0,0 0 1 0 0,0 0-1 0 0,0 0 1 0 0,0 0-1 0 0,0 0 1 0 0,-1 0-1 0 0,1-1 0 0 0,0 1 1 0 0,0 0-1 0 0,0 0 1 0 0,0-1-1 0 0,-1 1 1 0 0,1-1-1 0 0,0 1 0 0 0,0-1 1 0 0,-1 1-1 0 0,1-1 1 0 0,0 1-1 0 0,-1-1 1 0 0,1 1-1 0 0,0-1 1 0 0,-1 0-1 0 0,1 0 0 0 0,-1 0 17 0 0,1-1-4 0 0,1 1 84 0 0,0 0-47 0 0,-1 1 0 0 0,0 0 0 0 0,0 0 0 0 0,0 0 0 0 0,0 0 0 0 0,0 0 0 0 0,0 0 0 0 0,1 0 0 0 0,-1 0 0 0 0,0 1 0 0 0,0-1 0 0 0,0 0-1 0 0,0 1 1 0 0,0-1 0 0 0,1 1-33 0 0,-6 6-111 0 0,-1 0-1 0 0,0 0 0 0 0,0-1 0 0 0,-1 1 0 0 0,0-1 1 0 0,0 0-1 0 0,0-1 0 0 0,-4 3 112 0 0,-12 12-256 0 0,-65 66-102 0 0,-14 6 358 0 0,49-40-64 0 0,-55 30 64 0 0,2-8-53 0 0,105-74 53 0 0,-2 1-3 0 0,0 1 0 0 0,-1-1 0 0 0,1 1 0 0 0,0 0 0 0 0,0-1 0 0 0,0 1 0 0 0,1 0 1 0 0,-1 1-1 0 0,0-1 0 0 0,1 0 0 0 0,0 0 0 0 0,-1 1 0 0 0,1-1 0 0 0,0 0 0 0 0,0 1 0 0 0,0-1 1 0 0,0 1-1 0 0,1 0 0 0 0,-1-1 0 0 0,1 1 0 0 0,-1 0 0 0 0,1 0 3 0 0,0 1-3 0 0,0-1 0 0 0,0 1 0 0 0,1 0 0 0 0,-1-1 0 0 0,1 1 0 0 0,0-1 0 0 0,-1 1 0 0 0,2-1 0 0 0,-1 0 0 0 0,0 1 0 0 0,1-1 0 0 0,-1 0 0 0 0,1 0 0 0 0,0 0 0 0 0,0 0 0 0 0,0 0 0 0 0,1-1 0 0 0,-1 1 0 0 0,1 0 0 0 0,-1-1 0 0 0,1 0 0 0 0,0 0 0 0 0,0 0 0 0 0,0 0 0 0 0,0 0 0 0 0,2 0 3 0 0,6 6 5 0 0,1-2-1 0 0,0 0 1 0 0,0 0 0 0 0,1-1 0 0 0,-1 0 0 0 0,8 0-5 0 0,23 2 208 0 0,0-1 0 0 0,0-3 1 0 0,0-2-1 0 0,27-2-208 0 0,-2 0 209 0 0,20 4-209 0 0,120 15-53 0 0,-187-14-6177 0 0</inkml:trace>
+  <inkml:trace contextRef="#ctx0" brushRef="#br0">29 4931 2760 0 0,'0'0'125'0'0,"-1"3"-3"0"0,-12 24-451 0 0,5-8 1541 0 0,2-5 7008 0 0,20 1-8018 0 0,-8-12-87 0 0,1 0 1 0 0,0 0 0 0 0,0-1 0 0 0,0 0-1 0 0,0 0 1 0 0,0 0 0 0 0,0-1 0 0 0,9 1-1 0 0,0-1 187 0 0,0-1 1 0 0,25-3-1 0 0,-32 1-167 0 0,-1 0 1 0 0,0 0 0 0 0,0-1 0 0 0,0 0 0 0 0,12-6 0 0 0,16-6 253 0 0,-7 5 47 0 0,52-24 0 0 0,-39 15-239 0 0,-24 11-146 0 0,0 0-1 0 0,23-15 1 0 0,-23 12 75 0 0,26-12 0 0 0,-25 14 5 0 0,26-17 0 0 0,48-34 250 0 0,-45 31-268 0 0,-1-3-1 0 0,54-46 1 0 0,-29 21 75 0 0,-47 39-49 0 0,34-31-1 0 0,112-111 305 0 0,-41 47-323 0 0,-29 28-51 0 0,-21 21-35 0 0,-6 5-4 0 0,-18 5-5 0 0,24-20 14 0 0,99-82-39 0 0,-149 133 0 0 0,-9 8 0 0 0,-2-1 0 0 0,32-33 0 0 0,-30 29 0 0 0,0 0 0 0 0,37-26 0 0 0,-34 27 0 0 0,9-4 0 0 0,16-16 0 0 0,24-20 24 0 0,-47 40-10 0 0,-1-2-1 0 0,25-26 0 0 0,52-50 66 0 0,-9 9-30 0 0,27-28 21 0 0,-65 64-76 0 0,-43 42 6 0 0,1 0 0 0 0,23-14 0 0 0,-22 16 0 0 0,-1-1 0 0 0,19-17 0 0 0,-15 12 0 0 0,0 0 0 0 0,26-14 0 0 0,-25 16 0 0 0,0 0 0 0 0,20-18 0 0 0,-28 21 0 0 0,0 1 0 0 0,1 1 0 0 0,16-9 0 0 0,25-18 0 0 0,-35 21-3 0 0,31-17-1 0 0,-15 10 171 0 0,13-3-149 0 0,-35 18-36 0 0,0 0 0 0 0,-1 0 0 0 0,0-1 0 0 0,11-9 0 0 0,78-57 82 0 0,-62 46 109 0 0,52-27-1 0 0,-59 36-154 0 0,12-4-212 0 0,-31 17 207 0 0,-1-1-1 0 0,0 0 0 0 0,0-1 0 0 0,-1 0 0 0 0,13-10 0 0 0,4-6 22 0 0,41-25 1 0 0,-12 9-270 0 0,-20 13 214 0 0,-7 5 22 0 0,35-31-1 0 0,-47 37 0 0 0,30-20 0 0 0,-5 4 0 0 0,-20 15 48 0 0,33-18 0 0 0,17-11 87 0 0,-49 28-154 0 0,44-26 1 0 0,-17 15 40 0 0,-31 15 30 0 0,1 2 0 0 0,0 0 0 0 0,38-13 0 0 0,-52 21-52 0 0,-1 1 0 0 0,0-1 0 0 0,1-1 0 0 0,-1 1 0 0 0,7-6 0 0 0,5-2 0 0 0,1-4-28 0 0,-6 8-42 0 0,10-1 19 0 0,27-12 1 0 0,-15 5 15 0 0,1 2 0 0 0,37-9 0 0 0,17-13 35 0 0,-76 30 8 0 0,0-1 0 0 0,-1-1 1 0 0,0 0-1 0 0,0 0 0 0 0,-1-1 0 0 0,16-14 0 0 0,-22 18-5 0 0,15-7 10 0 0,-16 9-6 0 0,0 0 1 0 0,0 0-1 0 0,-1-1 1 0 0,1 1-1 0 0,-1-1 1 0 0,1 0-1 0 0,2-2 0 0 0,4-4 13 0 0,0 1-1 0 0,0 1 0 0 0,19-11 0 0 0,10-7-1 0 0,-30 18 6 0 0,5-4 33 0 0,0 0 0 0 0,1 1 0 0 0,0 1 0 0 0,28-13 0 0 0,23-12-57 0 0,-63 32 0 0 0,16-5 0 0 0,0-1 0 0 0,0-1 0 0 0,-1 0 0 0 0,30-20 0 0 0,-18 8 0 0 0,1 3 0 0 0,40-19 0 0 0,7-2 0 0 0,92-37 61 0 0,-138 62-47 0 0,3 0 25 0 0,-2 0 0 0 0,39-20 0 0 0,192-87 196 0 0,-117 68-118 0 0,-44 17-42 0 0,-35 14-37 0 0,-13 4-23 0 0,-4 0 4 0 0,-6 2 46 0 0,64-32-1 0 0,-16 6 56 0 0,-62 26-89 0 0,0 2-1 0 0,39-11 1 0 0,-58 20-39 0 0,82-39-185 0 0,-83 40 246 0 0,0 1 0 0 0,0 1 0 0 0,13-1 1 0 0,-13 2-27 0 0,-1-1 0 0 0,1-1 0 0 0,12-2 0 0 0,82-33-27 0 0,-66 25 0 0 0,-18 5 0 0 0,30-12 0 0 0,-42 15 0 0 0,1 1 0 0 0,0 0 0 0 0,0 1 0 0 0,14-2 0 0 0,17-5 0 0 0,63-26 64 0 0,28 2 0 0 0,-22 13-64 0 0,-64 14 59 0 0,-21 3 40 0 0,28-7 1 0 0,78-14-279 0 0,-84 15 153 0 0,-22 4 28 0 0,47-14-1 0 0,47-15-1 0 0,-99 28 0 0 0,7 1 26 0 0,47-3 0 0 0,-37 5-3 0 0,73-4 230 0 0,-88 6-226 0 0,0-1 0 0 0,23-6 0 0 0,-24 5-11 0 0,0 0 0 0 0,22 0-1 0 0,47-8-167 0 0,-67 11 115 0 0,19 0 10 0 0,-27 2 27 0 0,12 2 0 0 0,38 1 0 0 0,-38-2 0 0 0,19 3 0 0 0,-42-5 0 0 0,0-1 0 0 0,1 1 0 0 0,-1 0-1 0 0,0-1 1 0 0,0 0 0 0 0,0 1-1 0 0,1-1 1 0 0,5-1 0 0 0,17-1 13 0 0,-23 2-10 0 0,20 0 38 0 0,0-1 0 0 0,24-3-1 0 0,-37 2-8 0 0,0 1-1 0 0,0 1 0 0 0,16 1 0 0 0,-16 0-12 0 0,-5-2-19 0 0,-1 1 0 0 0,0 0 0 0 0,0 1 0 0 0,0-1 0 0 0,0 1 0 0 0,0 0 0 0 0,0 0 0 0 0,5 2 0 0 0,-8-3 0 0 0,0 0 0 0 0,0 1 0 0 0,0-1 0 0 0,0 0 0 0 0,0 1 0 0 0,0-1 0 0 0,0 0 0 0 0,0 0 0 0 0,0 0 0 0 0,0 0 0 0 0,0 0 0 0 0,1 0 0 0 0,-1 0 0 0 0,0-1 0 0 0,0 1 0 0 0,1-1 0 0 0,7 1 10 0 0,-1 0-1 0 0,0 0 1 0 0,0 1 0 0 0,0 0-1 0 0,0 0 1 0 0,0 1-1 0 0,0 0 1 0 0,0 0 0 0 0,-1 1-1 0 0,9 4 1 0 0,-3-3 2 0 0,-7-2-1 0 0,1 0 1 0 0,-1-1 0 0 0,1 0 0 0 0,9 0-1 0 0,-10-1-10 0 0,0 1 0 0 0,0-1-1 0 0,0 1 1 0 0,-1 1 0 0 0,8 1-1 0 0,6 2-61 0 0,3-2 62 0 0,69 15-1 0 0,-14 2 0 0 0,-69-18 0 0 0,38 6 0 0 0,-36-8 0 0 0,-7 0 0 0 0,1 0 0 0 0,-1 0 0 0 0,0 1 0 0 0,1-1 0 0 0,-1 1 0 0 0,0 0 0 0 0,0 0 0 0 0,6 2 0 0 0,-4 0 0 0 0,18 1 0 0 0,12-1 0 0 0,-18 1 0 0 0,-4 0 0 0 0,66 26 0 0 0,-75-31 0 0 0,20 8 0 0 0,-15-2 0 0 0,-6-4 0 0 0,0 1 0 0 0,-1-1 0 0 0,1 0 0 0 0,0 0 0 0 0,0 0 0 0 0,0-1 0 0 0,-1 1 0 0 0,6 0 0 0 0,41 4 11 0 0,-45-7 1 0 0,-3 2-9 0 0,1 0-1 0 0,-1-1 0 0 0,0 1 0 0 0,0 0 1 0 0,0 0-1 0 0,0 0 0 0 0,1 0 1 0 0,-1 0-1 0 0,0 0 0 0 0,0 0 0 0 0,0 0 1 0 0,1 1-1 0 0,-1-1 0 0 0,0 0 0 0 0,0 1 1 0 0,0-1-1 0 0,2 2 0 0 0,33 6-2 0 0,-23-4 0 0 0,0 0 0 0 0,0 1 0 0 0,0 0 0 0 0,12 7 0 0 0,10 3 0 0 0,-33-14 0 0 0,-1 0 0 0 0,1 0 0 0 0,0 0 0 0 0,0-1 0 0 0,0 1 0 0 0,0 0 0 0 0,0-1 0 0 0,0 1 0 0 0,4-1 0 0 0,2 3 0 0 0,3 0 0 0 0,0-1 0 0 0,27 6 0 0 0,-16-7 0 0 0,30 3 124 0 0,-27-4-112 0 0,-24 0-12 0 0,1-1 0 0 0,0 1 0 0 0,0 0-1 0 0,0 0 1 0 0,0 0 0 0 0,0 1 0 0 0,0-1-1 0 0,0 0 1 0 0,0 1 0 0 0,0-1 0 0 0,-1 1-1 0 0,1-1 1 0 0,0 1 0 0 0,2 1 0 0 0,5 0 5 0 0,26-8 57 0 0,-24 5-51 0 0,-7 1 32 0 0,9 0-33 0 0,-1 0 1 0 0,2 0 32 0 0,0 0-33 0 0,23 4-10 0 0,-28-7 11 0 0,-7 4 32 0 0,2 5-22 0 0,-1-3 22 0 0,6 2-33 0 0,2-2-10 0 0,-1-1 0 0 0,1 2 0 0 0,1 4 0 0 0,3-6 0 0 0,-4 3 0 0 0,-1-1 11 0 0,-6-3 32 0 0,7 2-22 0 0,-8-3 510 0 0,-2 0-524 0 0,-1-1 1 0 0,1 1-1 0 0,0-1 1 0 0,-1 1 0 0 0,1-1-1 0 0,-1 0 1 0 0,1 1-1 0 0,-1-1 1 0 0,1 0 0 0 0,-1 0-1 0 0,1 1 1 0 0,-1-1-1 0 0,1 0 1 0 0,-1 0 0 0 0,0 0-1 0 0,0 1 1 0 0,1-1-1 0 0,-1 0 1 0 0,0 0 0 0 0,0 0-1 0 0,0 0 1 0 0,0-1 0 0 0,-2-23 75 0 0,1 11 44 0 0,-1 3-76 0 0,0 1-1 0 0,-1 0 1 0 0,0 0 0 0 0,-1 0-1 0 0,0 1 1 0 0,0-1 0 0 0,-9-12-1 0 0,10 17-35 0 0,-8-15 53 0 0,-1 0 1 0 0,-15-18-1 0 0,2-1 46 0 0,19 29-78 0 0,0 0-1 0 0,-1 0 1 0 0,-14-16-1 0 0,8 13-20 0 0,2 3-11 0 0,1-1 0 0 0,-10-13 0 0 0,12 14 9 0 0,-1 0 0 0 0,-17-15 0 0 0,-9-10 1 0 0,26 26-14 0 0,-1 0 0 0 0,0 1 0 0 0,0 0 0 0 0,-18-10 0 0 0,17 11 0 0 0,-1-1 0 0 0,1 0 0 0 0,0 0 0 0 0,-11-13 0 0 0,16 12 0 0 0,5 7 0 0 0,0 1 0 0 0,0-1 0 0 0,0 0 0 0 0,0 1 0 0 0,0 0 0 0 0,0-1 0 0 0,-1 1 0 0 0,1 0 0 0 0,-1 0 0 0 0,1-1 0 0 0,-1 1 0 0 0,1 0 0 0 0,-1 0 0 0 0,-3-1 0 0 0,5 2-1 0 0,0 0 0 0 0,-1 0 1 0 0,1-1-1 0 0,0 1 0 0 0,0 0 0 0 0,-1 0 0 0 0,1 0 0 0 0,0 0 0 0 0,0 0 0 0 0,-1-1 0 0 0,1 1 1 0 0,0 0-1 0 0,-1 0 0 0 0,1 0 0 0 0,0 0 0 0 0,0 0 0 0 0,-1 0 0 0 0,1 0 0 0 0,0 0 0 0 0,-1 0 1 0 0,1 0-1 0 0,0 0 0 0 0,-1 0 0 0 0,1 0 0 0 0,0 0 0 0 0,0 0 0 0 0,-1 1 0 0 0,1-1 0 0 0,0 0 1 0 0,-1 0-1 0 0,1 0 0 0 0,0 0 0 0 0,0 1 0 0 0,-1-1 0 0 0,1 0 0 0 0,0 0 0 0 0,0 0 0 0 0,0 1 1 0 0,-1-1-1 0 0,1 0 0 0 0,0 0 0 0 0,0 1 0 0 0,0-1 0 0 0,0 0 0 0 0,-1 0 0 0 0,1 1 0 0 0,-2 21-93 0 0,3-14 54 0 0,0 0 0 0 0,0 1 0 0 0,5 13 0 0 0,-3-14-3 0 0,-1-1-1 0 0,0 1 1 0 0,0-1-1 0 0,0 13 0 0 0,-2-16 19 0 0,1 1 0 0 0,-1-1 0 0 0,1 0 0 0 0,-1 1 0 0 0,1-1-1 0 0,1 0 1 0 0,-1 0 0 0 0,0 0 0 0 0,1 1 0 0 0,0-1 0 0 0,0-1-1 0 0,0 1 1 0 0,1 0 0 0 0,-1-1 0 0 0,1 1 0 0 0,0-1 0 0 0,0 1-1 0 0,3 2 1 0 0,42 33-107 0 0,61 66 0 0 0,-39-47 132 0 0,-4 0 0 0 0,-48-41-1 0 0,10 7 17 0 0,-26-22 209 0 0,-20 5-31 0 0,2 1-108 0 0,-54 1 178 0 0,30 1-128 0 0,17-6-96 0 0,-39 15 0 0 0,11 1-45 0 0,-66 28 16 0 0,101-39-24 0 0,-1 0 0 0 0,1 1 0 0 0,1 0-1 0 0,-25 21 1 0 0,-29 27-37 0 0,43-38-124 0 0,-42 42 0 0 0,-31 34-4257 0 0,83-80 2552 0 0</inkml:trace>
 </inkml:ink>
 </file>
 
@@ -245,15 +244,79 @@
           <inkml:channelProperty channel="OE" name="resolution" value="1000" units="1/deg"/>
         </inkml:channelProperties>
       </inkml:inkSource>
-      <inkml:timestamp xml:id="ts0" timeString="2020-03-24T07:57:17.020"/>
+      <inkml:timestamp xml:id="ts0" timeString="2020-12-02T14:40:27.320"/>
     </inkml:context>
     <inkml:brush xml:id="br0">
       <inkml:brushProperty name="width" value="0.05" units="cm"/>
       <inkml:brushProperty name="height" value="0.05" units="cm"/>
-      <inkml:brushProperty name="color" value="#E71224"/>
+      <inkml:brushProperty name="color" value="#849398"/>
     </inkml:brush>
   </inkml:definitions>
-  <inkml:trace contextRef="#ctx0" brushRef="#br0">270 270 3624 0 0,'-37'-15'165'0'0,"35"14"-153"0"0,1 1 0 0 0,-1-1 1 0 0,1 0-1 0 0,-1 0 0 0 0,1 0 0 0 0,-1 0 0 0 0,1 0 0 0 0,-1 0 0 0 0,1 0 1 0 0,0-1-1 0 0,0 1 0 0 0,0 0 0 0 0,0-1 0 0 0,0 1 0 0 0,0-1 0 0 0,-1 0-12 0 0,2 0 3 0 0,-1 1 0 0 0,0 0-1 0 0,1 0 1 0 0,-1-1-1 0 0,0 1 1 0 0,0 0-1 0 0,0 0 1 0 0,0 0-1 0 0,0 0 1 0 0,0 0-1 0 0,0 0 1 0 0,0 1-1 0 0,-1-1 1 0 0,1 0-1 0 0,0 1 1 0 0,0-1 0 0 0,-2 0-3 0 0,-53-22 1523 0 0,56 23-1515 0 0,0 0-1 0 0,-1 0 0 0 0,1 1 0 0 0,0-1 0 0 0,0 0 1 0 0,0 0-1 0 0,-1 0 0 0 0,1 0 0 0 0,0 0 0 0 0,0 0 0 0 0,-1 0 1 0 0,1 0-1 0 0,0 0 0 0 0,0 0 0 0 0,0 0 0 0 0,-1 0 0 0 0,1 0 1 0 0,0 0-1 0 0,0 0 0 0 0,0 0 0 0 0,-1-1 0 0 0,1 1 0 0 0,0 0 1 0 0,0 0-1 0 0,0 0 0 0 0,-1 0 0 0 0,1 0 0 0 0,0 0 1 0 0,0-1-1 0 0,0 1 0 0 0,0 0 0 0 0,-1 0 0 0 0,1 0 0 0 0,0 0 1 0 0,0-1-1 0 0,0 1 0 0 0,0 0 0 0 0,0 0 0 0 0,0 0 0 0 0,0-1 1 0 0,0 1-1 0 0,-1 0 0 0 0,1 0 0 0 0,0 0 0 0 0,0-1 0 0 0,0 1 1 0 0,0 0-1 0 0,0 0 0 0 0,0-1 0 0 0,0 1 0 0 0,0 0 1 0 0,0 0-1 0 0,1-1-7 0 0,-1 1 9 0 0,0 0 0 0 0,0 0 1 0 0,0 0-1 0 0,0 0 0 0 0,0-1 1 0 0,0 1-1 0 0,0 0 0 0 0,0 0 0 0 0,0 0 1 0 0,0-1-1 0 0,0 1 0 0 0,0 0 1 0 0,0 0-1 0 0,0 0 0 0 0,0 0 1 0 0,-1-1-1 0 0,1 1 0 0 0,0 0 0 0 0,0 0 1 0 0,0 0-1 0 0,0 0 0 0 0,0-1 1 0 0,0 1-1 0 0,0 0 0 0 0,0 0 1 0 0,-1 0-1 0 0,1 0 0 0 0,0 0 1 0 0,0 0-1 0 0,0-1 0 0 0,0 1 0 0 0,0 0 1 0 0,-1 0-1 0 0,1 0 0 0 0,0 0 1 0 0,0 0-1 0 0,0 0 0 0 0,0 0 1 0 0,-1 0-1 0 0,1 0 0 0 0,0 0 0 0 0,0 0 1 0 0,0 0-1 0 0,-1 0 0 0 0,1 0 1 0 0,0 0-1 0 0,0 0 0 0 0,0 0 1 0 0,0 0-1 0 0,-1 0 0 0 0,1 0 1 0 0,0 0-1 0 0,0 0 0 0 0,0 0-9 0 0,-6 0 141 0 0,5 0-98 0 0,0 0-1 0 0,0 0 1 0 0,0 0-1 0 0,0 0 1 0 0,0 0-1 0 0,0 0 0 0 0,0 0 1 0 0,0 0-1 0 0,0 0 1 0 0,0-1-1 0 0,0 1 1 0 0,0 0-1 0 0,0-1 1 0 0,0 1-1 0 0,0-1 0 0 0,0 1 1 0 0,0-1-1 0 0,0 1 1 0 0,0-1-1 0 0,1 0 1 0 0,-1 1-1 0 0,0-1 0 0 0,0 0 1 0 0,1 0-1 0 0,-1 1 1 0 0,0-1-1 0 0,1 0 1 0 0,-1 0-1 0 0,1 0 1 0 0,-1 0-1 0 0,1 0 0 0 0,0 0 1 0 0,-1 0-1 0 0,1 0 1 0 0,0 0-43 0 0,0 0 437 0 0,-14-9 725 0 0,-11-2 897 0 0,-13-1-276 0 0,28 7-1721 0 0,13 0-33 0 0,14-3 29 0 0,7 8-23 0 0,-1-1 0 0 0,0-2 0 0 0,0 0 0 0 0,-1-2 0 0 0,2 0-35 0 0,66-15 219 0 0,294-18 145 0 0,-283 30-275 0 0,41 4-89 0 0,-60 3 28 0 0,223-6 47 0 0,301 32-75 0 0,-364-2-6 0 0,346 40 140 0 0,-324-19-222 0 0,185 58 88 0 0,-446-100 0 0 0,97 26 0 0 0,-1 3 0 0 0,70 35 0 0 0,-56-12-45 0 0,21 18 45 0 0,-84-42-7 0 0,-2 3 1 0 0,-1 2 0 0 0,33 30 6 0 0,182 172 0 0 0,-232-203 0 0 0,-1 1 1 0 0,12 18-1 0 0,-14-16 9 0 0,-1 3 64 0 0,-2 0 0 0 0,-2 1-1 0 0,-1 2 1 0 0,8 26-73 0 0,-11-17 39 0 0,-2 2 1 0 0,-2 0-1 0 0,-1 12-39 0 0,-11-59-14 0 0,7 48 63 0 0,-1 1-1 0 0,-3 0 1 0 0,-3 0 0 0 0,-2 0-1 0 0,-2 0 1 0 0,-3 0 0 0 0,-2 0-1 0 0,-14 52-48 0 0,15-76 50 0 0,-2 0 0 0 0,-2-1 0 0 0,0 0-1 0 0,-2 0 1 0 0,-2-2 0 0 0,-13 24-50 0 0,-32 38 183 0 0,-4-4-1 0 0,-3-2 1 0 0,-4-3 0 0 0,-24 18-183 0 0,33-31 55 0 0,46-49-39 0 0,0-1 0 0 0,-2 0 0 0 0,0-2 0 0 0,-1 0 1 0 0,-10 7-17 0 0,-76 65 83 0 0,-56 21-17 0 0,-48 37-72 0 0,-145 142 70 0 0,187-153-10 0 0,138-111-48 0 0,-1-2 0 0 0,-12 6-6 0 0,16-12-1 0 0,0 1 1 0 0,2 2 0 0 0,0 0-1 0 0,0 3 1 0 0,-68 68 0 0 0,-20 9 0 0 0,17-16 0 0 0,-25 38 0 0 0,4 4 0 0 0,-48 76 0 0 0,114-139 0 0 0,-31 28 0 0 0,48-55 0 0 0,1 1 0 0 0,2 1 0 0 0,-11 19 0 0 0,1 8 0 0 0,-24 38 0 0 0,-1 15 0 0 0,-1-9 0 0 0,44-77 0 0 0,2 1 0 0 0,-14 31 0 0 0,22-32 0 0 0,-5 10 0 0 0,-57 102 0 0 0,28-44 0 0 0,34-66 0 0 0,-2 6 0 0 0,7-29-2 0 0,-21 31 28 0 0,2 2 0 0 0,2 0-1 0 0,-4 13-25 0 0,3-18 54 0 0,20-34-46 0 0,1 1-1 0 0,-1-1 0 0 0,1 1 1 0 0,0 0-1 0 0,1-1 1 0 0,-1 1-1 0 0,1 0 0 0 0,-1 4-7 0 0,-12 25 13 0 0,13-31-13 0 0,1-1 0 0 0,-1 1 0 0 0,1-1 0 0 0,0 1 0 0 0,-1-1 0 0 0,1 1 0 0 0,0 0 0 0 0,1 0 0 0 0,-1 0 0 0 0,1-1 0 0 0,-1 1 0 0 0,1 0 0 0 0,0 0 0 0 0,0 0 0 0 0,0 0 0 0 0,0 0 0 0 0,0 0 0 0 0,1-1-1 0 0,0 2 1 0 0,-1-2 1 0 0,0 0-1 0 0,1 1 1 0 0,-1-1-1 0 0,0 0 0 0 0,0 0 1 0 0,0 0-1 0 0,0 0 1 0 0,-1 0-1 0 0,1 1 0 0 0,0-1 1 0 0,-1 0-1 0 0,0 0 1 0 0,1 0-1 0 0,-1 0 0 0 0,0 0 1 0 0,0 0-1 0 0,0-1 1 0 0,-1 1-1 0 0,1 0 2 0 0,0 0 0 0 0,1-1 1 0 0,-1 1-1 0 0,0-1 1 0 0,0 1-1 0 0,1 0 0 0 0,-1 0 1 0 0,1-1-1 0 0,-1 1 0 0 0,1 0 1 0 0,0 0-1 0 0,0 0 0 0 0,-1-1 1 0 0,1 1-1 0 0,1 0 1 0 0,-1 0-1 0 0,0 0 0 0 0,0-1 1 0 0,1 1-1 0 0,-1 0 0 0 0,1 0 1 0 0,-1-1-1 0 0,1 1 1 0 0,0 0-4 0 0,0-1 1 0 0,-1 0 0 0 0,0 0 0 0 0,1 1 0 0 0,-1-1 0 0 0,0 0 0 0 0,0 0 0 0 0,1 0 0 0 0,-1 0 0 0 0,0 0 0 0 0,0 1 0 0 0,0-1 0 0 0,-1 0 0 0 0,1 0 0 0 0,0 0 0 0 0,0 0 0 0 0,0 0 0 0 0,-1 1 0 0 0,1-1 0 0 0,-1 0 0 0 0,1 0 0 0 0,-1 0 0 0 0,1 0 0 0 0,-1 0 0 0 0,0 0 0 0 0,0 0 0 0 0,1 0 0 0 0,-1 0 0 0 0,0 0 0 0 0,1 0 0 0 0,-1 0 0 0 0,1 1 0 0 0,-1-1 0 0 0,1 0 0 0 0,0 0 0 0 0,0 0 0 0 0,-1 0 0 0 0,1 1 0 0 0,0-1 0 0 0,0 0 0 0 0,0 0 0 0 0,0 0 0 0 0,0 1 0 0 0,1-1 0 0 0,-1 0 0 0 0,0 0 0 0 0,0 0 0 0 0,1 0 0 0 0,-1 1 0 0 0,0 1 0 0 0,0 0 0 0 0,-1 0 0 0 0,0 0-1 0 0,1 0 1 0 0,-1-1 0 0 0,0 1 0 0 0,-1 0-1 0 0,1 0 1 0 0,0-1 0 0 0,-1 1 0 0 0,1-1-1 0 0,-1 1 1 0 0,-9 19 57 0 0,10-19-46 0 0,0 0 1 0 0,0-1 0 0 0,-1 1-1 0 0,1 0 1 0 0,-1-1 0 0 0,1 1-1 0 0,-1-1 1 0 0,0 0-1 0 0,0 0 1 0 0,-1 2-12 0 0,-15 20 1350 0 0,1-7-777 0 0,16-16-572 0 0,0-1 1 0 0,1 1-1 0 0,-1-1 0 0 0,0 1 0 0 0,0 0 0 0 0,0-1 0 0 0,0 1 1 0 0,0 0-1 0 0,1 0 0 0 0,-1 0 0 0 0,0 0 0 0 0,1-1 0 0 0,-1 1 1 0 0,0 0-1 0 0,1 0 0 0 0,0 0 0 0 0,-1 0 0 0 0,1 0 1 0 0,-1 0-1 0 0,1 1 0 0 0,0-1 0 0 0,0 0 0 0 0,0 0 0 0 0,-1 0 1 0 0,1 0-1 0 0,0 0 0 0 0,0 0 0 0 0,1 0 0 0 0,-1 0 0 0 0,0 1-1 0 0,0-1 0 0 0,0 0 0 0 0,1 0 0 0 0,-1 0-1 0 0,0 0 1 0 0,0 0 0 0 0,0 1 0 0 0,-1-1-1 0 0,1 0 1 0 0,0 0 0 0 0,0 0-1 0 0,-1 0 1 0 0,1 0 0 0 0,0 0 0 0 0,-1 0-1 0 0,1 0 1 0 0,-1 0 0 0 0,1 0 0 0 0,-1 0-1 0 0,1-1 1 0 0,-1 1 0 0 0,0 0-1 0 0,0 0 1 0 0,1 0 0 0 0,-1-1 0 0 0,-1 1 0 0 0,1 1 8 0 0,-1-1 0 0 0,1 1 0 0 0,0-1 0 0 0,-1 1 0 0 0,1 0 0 0 0,0-1 0 0 0,0 1 0 0 0,0 0 0 0 0,0 0 0 0 0,0 0 0 0 0,1 0 1 0 0,-1 0-1 0 0,1 0 0 0 0,-1 0 0 0 0,1 0 0 0 0,-1 0 0 0 0,1 0 0 0 0,0 0 0 0 0,0 0-8 0 0,0-1-10 0 0,0-1 1 0 0,0 1-1 0 0,0 0 0 0 0,1-1 1 0 0,-1 1-1 0 0,0-1 0 0 0,0 1 1 0 0,0-1-1 0 0,1 1 0 0 0,-1-1 1 0 0,0 1-1 0 0,0-1 0 0 0,1 0 1 0 0,-1 1-1 0 0,0-1 0 0 0,1 1 1 0 0,-1-1-1 0 0,1 0 0 0 0,-1 1 1 0 0,0-1-1 0 0,1 0 0 0 0,-1 1 1 0 0,1-1-1 0 0,-1 0 0 0 0,1 0 1 0 0,-1 1-1 0 0,1-1 0 0 0,-1 0 1 0 0,1 0-1 0 0,-1 0 0 0 0,1 0 10 0 0,5 5-339 0 0,-12 6 38 0 0,5-9 284 0 0,0-1-1 0 0,-1 1 0 0 0,1 0 1 0 0,-1-1-1 0 0,1 1 1 0 0,-1-1-1 0 0,1 0 1 0 0,-1 0-1 0 0,0 1 1 0 0,0-1-1 0 0,0 0 1 0 0,1-1-1 0 0,-1 1 0 0 0,0 0 1 0 0,0 0-1 0 0,0-1 1 0 0,0 1-1 0 0,0-1 1 0 0,-2 0 17 0 0,12 0 26 0 0,-7 1-7 0 0,0-1 0 0 0,0 0-1 0 0,0-1 1 0 0,0 1 0 0 0,0 0-1 0 0,0 0 1 0 0,0 0 0 0 0,0-1-1 0 0,0 1 1 0 0,0 0 0 0 0,0-1-1 0 0,0 1 1 0 0,0-1 0 0 0,0 1-1 0 0,0-1 1 0 0,0 0 0 0 0,0 1-1 0 0,0-1 1 0 0,-1 0 0 0 0,1 1-1 0 0,0-1 1 0 0,-1 0 0 0 0,1 0-1 0 0,0 0 1 0 0,-1 0 0 0 0,1 0-1 0 0,-1 0 1 0 0,1 0 0 0 0,-1 0-1 0 0,0 0 1 0 0,1 0 0 0 0,-1 0-1 0 0,0 0 1 0 0,0 0 0 0 0,0 0-1 0 0,0 0 1 0 0,0 0-19 0 0,-4-49 398 0 0,0 18-99 0 0,5 27-254 0 0,0 0-1 0 0,-1 1 0 0 0,1-1 0 0 0,-1 0 0 0 0,0 0 0 0 0,-1 0 0 0 0,1 0 0 0 0,-1 1 0 0 0,0-1 1 0 0,0 0-1 0 0,-1 1 0 0 0,0-4-44 0 0,1 6 26 0 0,0 0 1 0 0,1-1-1 0 0,0 1 0 0 0,-1-1 1 0 0,1 1-1 0 0,0 0 1 0 0,0-1-1 0 0,0 1 1 0 0,1-1-1 0 0,-1 1 0 0 0,1-1 1 0 0,-1 1-1 0 0,1 0 1 0 0,0-1-1 0 0,0-1-26 0 0,5-23 189 0 0,-11-61 136 0 0,6 62-276 0 0,-1 1 0 0 0,-1-1 0 0 0,-3-7-49 0 0,2 5 13 0 0,2 23-13 0 0,0 0 0 0 0,0 0 0 0 0,1 0 0 0 0,-1 0 0 0 0,1 0 0 0 0,0 0 0 0 0,1 0 0 0 0,-1 1 0 0 0,1-1 0 0 0,1-1 0 0 0,-1 2 0 0 0,-1-1 0 0 0,1 1 0 0 0,-1 0 0 0 0,0-1 0 0 0,0 1 0 0 0,0-1 0 0 0,0 1 0 0 0,-1-1 0 0 0,0 0 0 0 0,0 1 0 0 0,0-2 0 0 0,0 4 0 0 0,-2-10-2 0 0,0 0 0 0 0,1-1-1 0 0,1 1 1 0 0,0 0 0 0 0,1 0 0 0 0,0-1-1 0 0,3-9 3 0 0,-3 12-30 0 0,0-1-1 0 0,0 0 1 0 0,-1 0 0 0 0,-1 0-1 0 0,-1-9 31 0 0,0 7-54 0 0,1 0 0 0 0,1 1-1 0 0,0-1 1 0 0,2-11 54 0 0,-1 15-53 0 0,-1-1-1 0 0,0 1 1 0 0,0-1-1 0 0,-1 1 1 0 0,-2-8 53 0 0,-1-25-204 0 0,4 40 187 0 0,1-1-1 0 0,-1 1 1 0 0,1 0-1 0 0,-1-1 0 0 0,1 1 1 0 0,0-1-1 0 0,0 1 1 0 0,0 0-1 0 0,0 0 0 0 0,0 0 1 0 0,0-1-1 0 0,2-1 18 0 0,9-22-325 0 0,-12 25 308 0 0,0 1-1 0 0,-1 0 0 0 0,1 0 1 0 0,0 0-1 0 0,0 0 1 0 0,0-1-1 0 0,-1 1 0 0 0,1 0 1 0 0,0 0-1 0 0,0 0 0 0 0,0 0 1 0 0,-1 0-1 0 0,1 0 0 0 0,0 0 1 0 0,0 0-1 0 0,-1 0 1 0 0,1-1-1 0 0,0 1 0 0 0,0 0 1 0 0,-1 0-1 0 0,1 0 0 0 0,0 0 1 0 0,0 0-1 0 0,-1 0 0 0 0,1 1 1 0 0,0-1-1 0 0,0 0 0 0 0,0 0 1 0 0,-1 0-1 0 0,1 0 1 0 0,0 0-1 0 0,0 0 0 0 0,-1 0 1 0 0,1 0-1 0 0,0 1 0 0 0,0-1 1 0 0,0 0-1 0 0,0 0 0 0 0,-1 0 18 0 0,6 20-105 0 0,-1 1 0 0 0,0-1-1 0 0,-2 1 1 0 0,-1 0 0 0 0,0-1-1 0 0,-2 18 106 0 0,4 20-148 0 0,-2-52 134 0 0,0 0 0 0 0,0 0 0 0 0,-1 1-1 0 0,1-1 1 0 0,-1 0 0 0 0,-1 0 0 0 0,1 0 0 0 0,-1 0 0 0 0,0 1 0 0 0,-1-1-1 0 0,0 3 15 0 0,0-3-5 0 0,1 0 0 0 0,0 0-1 0 0,0 1 1 0 0,0-1-1 0 0,1 1 1 0 0,0-1 0 0 0,1 0-1 0 0,-1 1 1 0 0,1-1-1 0 0,0 0 1 0 0,1 1-1 0 0,0-1 1 0 0,0 0 0 0 0,1 3 5 0 0,0-2 0 0 0,-1 1 0 0 0,0 0 1 0 0,0 1-1 0 0,-1-1 1 0 0,0 0-1 0 0,0 0 1 0 0,-1 1-1 0 0,0-1 0 0 0,0 3 0 0 0,-2-2 0 0 0,0 0 0 0 0,1 0 0 0 0,0 0 0 0 0,1 0 0 0 0,0 0 0 0 0,1 0 0 0 0,-1 0 0 0 0,2 0 0 0 0,-1 0 0 0 0,1 0 0 0 0,3 6 0 0 0,-2-7-9 0 0,-1 0-1 0 0,0 1 0 0 0,-1-1 0 0 0,1 1 0 0 0,-1 4 10 0 0,-1-6-26 0 0,1 0 0 0 0,0-1 0 0 0,0 1 1 0 0,0-1-1 0 0,1 0 0 0 0,0 1 0 0 0,1-1 0 0 0,1 5 26 0 0,15 43-17 0 0,-18-46 48 0 0,1-1 0 0 0,0-1 0 0 0,0 1 1 0 0,1 0-1 0 0,0 0 0 0 0,0-1 0 0 0,0 1 0 0 0,2 1-31 0 0,-4-7 2 0 0,1 1-1 0 0,0-1-1 0 0,-1 1 1 0 0,1 0-1 0 0,-1 0 1 0 0,0 0 0 0 0,1 0-1 0 0,-1 0 1 0 0,0 0-1 0 0,0 0 1 0 0,0 0 0 0 0,-1 0-1 0 0,1 0 1 0 0,0 1-1 0 0,-1-1 1 0 0,1 0 0 0 0,-1 0-1 0 0,0 1 1 0 0,0-1-1 0 0,0 0 1 0 0,0 1 0 0 0,0-1-1 0 0,0 0 1 0 0,-1 1-1 0 0,0 0 0 0 0,1-1 2 0 0,0 0-1 0 0,0-1 1 0 0,0 1-1 0 0,0 0 1 0 0,0 0-1 0 0,0-1 1 0 0,0 1-1 0 0,1 0 1 0 0,-1 0-1 0 0,1-1 1 0 0,-1 1-1 0 0,1 0 1 0 0,0-1-1 0 0,0 1 0 0 0,-1 0 1 0 0,1-1-1 0 0,0 1 1 0 0,0-1-1 0 0,1 0 1 0 0,-1 1-2 0 0,0-2 22 0 0,0 1 1 0 0,0-1-1 0 0,-1 1 1 0 0,1-1-1 0 0,0 0 1 0 0,0 0-1 0 0,0 1 1 0 0,0-1-1 0 0,0 0 1 0 0,0 0-1 0 0,0 0 0 0 0,0 0 1 0 0,0 0-1 0 0,0 0 1 0 0,0 0-1 0 0,0 0 1 0 0,0-1-1 0 0,0 1 1 0 0,0 0-1 0 0,0 0 1 0 0,0-1-1 0 0,0 1 1 0 0,0-1-1 0 0,-1 1 1 0 0,1-1-1 0 0,0 1 1 0 0,0-1-23 0 0,20-26 1058 0 0,-13 16-854 0 0,24-53 950 0 0,-1 0-521 0 0,-10 33-396 0 0,118-171 243 0 0,-108 162-579 0 0,2 1-1 0 0,2 1 0 0 0,32-25 100 0 0,-24 24-218 0 0,-11 10-404 0 0,0 1 0 0 0,2 2 0 0 0,1 0 1 0 0,1 3-1 0 0,1 1 0 0 0,16-5 622 0 0,24-8-1364 0 0,-10 0-10 0 0</inkml:trace>
+  <inkml:trace contextRef="#ctx0" brushRef="#br0">1 0 1376 0 0,'0'0'7653'0'0,"2"1"-7492"0"0,14 7 71 0 0,0-1-1 0 0,0-1 0 0 0,0 0 0 0 0,28 5 0 0 0,-32-8-56 0 0,31 6 591 0 0,-29-7-576 0 0,-1 1 1 0 0,0 0-1 0 0,-1 1 0 0 0,1 0 1 0 0,18 10-1 0 0,0-1-2 0 0,-25-11-161 0 0,-1 0 0 0 0,1 1 0 0 0,0-1 0 0 0,-1 1 0 0 0,8 6 1 0 0,3 1 6 0 0,0-1 0 0 0,32 14 0 0 0,-15-7-12 0 0,6 1-8 0 0,-23-9 8 0 0,0-1 0 0 0,22 15 0 0 0,-11-5 77 0 0,2-2 0 0 0,33 14 0 0 0,38 21 220 0 0,39 26-180 0 0,1 0 55 0 0,-111-58-161 0 0,-2 1 0 0 0,46 40 0 0 0,12 12-45 0 0,21 20 13 0 0,-63-47 25 0 0,71 78 47 0 0,-25-16-90 0 0,137 183-54 0 0,-117-139 67 0 0,-37-52 24 0 0,-15-23 134 0 0,-29-41-19 0 0,39 65 0 0 0,-10 14 96 0 0,34 55 78 0 0,-51-100-198 0 0,31 72 0 0 0,-57-111-95 0 0,7 20 16 0 0,-2 0 0 0 0,-2 2 0 0 0,10 52-1 0 0,21 161 94 0 0,-40-216-71 0 0,2 12 60 0 0,-3 0 1 0 0,-2 1 0 0 0,-3 0-1 0 0,-9 95 1 0 0,1-113 94 0 0,-14 78 340 0 0,-69 165 41 0 0,73-238-526 0 0,10-28-33 0 0,-14 32 0 0 0,-12 41-19 0 0,6-34 32 0 0,13-30 19 0 0,0 0 0 0 0,2 1-1 0 0,1 1 1 0 0,-11 57 0 0 0,18-66-37 0 0,-2 0 0 0 0,-1 0 0 0 0,0 0 0 0 0,-16 34 0 0 0,-50 81 84 0 0,-52 44 645 0 0,67-102-382 0 0,-1-2-240 0 0,-79 150 256 0 0,-34 35-133 0 0,140-216-218 0 0,-71 76 0 0 0,63-77-23 0 0,-59 62 50 0 0,32-35 62 0 0,37-40-89 0 0,21-24-28 0 0,1 0 0 0 0,-1 0 0 0 0,-5 10-1 0 0,-26 39 55 0 0,-30 49 168 0 0,-1 25 24 0 0,61-115-239 0 0,0 0 1 0 0,-11 14-1 0 0,3-4-5 0 0,-38 40-12 0 0,51-61 0 0 0,0 0 0 0 0,-1 0 0 0 0,1 0 0 0 0,-1-1 0 0 0,-9 7 0 0 0,10-8 0 0 0,0 0 0 0 0,0 0 0 0 0,0 1 0 0 0,1-1 0 0 0,-1 1 0 0 0,1 0 0 0 0,-5 6 0 0 0,6-6 0 0 0,0 0 0 0 0,-1 0 0 0 0,0 0 0 0 0,0-1 0 0 0,0 1 0 0 0,0-1 0 0 0,0 0 0 0 0,-1 0 0 0 0,-5 4 0 0 0,-4 3 0 0 0,-20 22 0 0 0,29-29 2 0 0,-1 3 18 0 0,-10 21 12 0 0,15-27-32 0 0,-1 1 1 0 0,1-1-1 0 0,0 1 1 0 0,-1-1-1 0 0,1 1 1 0 0,0-1-1 0 0,-1 1 1 0 0,1-1-1 0 0,0 1 1 0 0,0 0-1 0 0,-1-1 1 0 0,1 1-1 0 0,0-1 1 0 0,0 1-1 0 0,0 0 1 0 0,0-1-1 0 0,0 1 1 0 0,0 0-1 0 0,0-1 1 0 0,0 1-1 0 0,0-1 1 0 0,0 2-1 0 0,0-2 0 0 0,0 1 0 0 0,0-1 0 0 0,0 1 0 0 0,0-1 0 0 0,0 0 0 0 0,0 1 0 0 0,0-1 0 0 0,-1 1 0 0 0,1-1 0 0 0,0 0 0 0 0,0 1 0 0 0,0-1 0 0 0,-1 0 0 0 0,1 1 0 0 0,0-1 0 0 0,0 0 0 0 0,-1 1 0 0 0,1-1 0 0 0,0 0 0 0 0,-1 0 0 0 0,1 1 0 0 0,0-1 0 0 0,-1 0 0 0 0,1 0 0 0 0,0 1 0 0 0,-1-1-1 0 0,1 0 1 0 0,0 0 0 0 0,-1 0 0 0 0,-6 9 0 0 0,9 0-12 0 0,-1-5-36 0 0,1 6 36 0 0,6-3 12 0 0,-7-4-8 0 0,-1-3 7 0 0,1 1-1 0 0,-1 0 0 0 0,0-1 0 0 0,1 1 0 0 0,-1 0 1 0 0,1-1-1 0 0,-1 1 0 0 0,1 0 0 0 0,-1-1 0 0 0,1 1 0 0 0,-1-1 1 0 0,1 1-1 0 0,0-1 0 0 0,-1 1 0 0 0,1-1 0 0 0,0 0 1 0 0,-1 1-1 0 0,1-1 0 0 0,0 0 0 0 0,-1 1 0 0 0,1-1 0 0 0,0 0 1 0 0,0 0-1 0 0,1 0 0 0 0,8 6-9 0 0,-3 2 11 0 0,1-4 0 0 0,-6-7 0 0 0,-2-3 0 0 0,-27-67 60 0 0,14 22-2 0 0,8 31-37 0 0,0 1 0 0 0,1 0 1 0 0,1-1-1 0 0,0-21 0 0 0,-6-65 29 0 0,5 75-45 0 0,1-1 0 0 0,2-40-1 0 0,1 58-4 0 0,-1 0 0 0 0,0 0 0 0 0,-1 0 0 0 0,-3-14 0 0 0,1 12 0 0 0,2 0 0 0 0,-2-25 0 0 0,4 16 0 0 0,1 11-18 0 0,-1 0 1 0 0,-4-26-1 0 0,0 7-18 0 0,2 0-1 0 0,1-48 1 0 0,2 39-6 0 0,-4 1-21 0 0,1 31-10 0 0,2 0 0 0 0,-1 0 0 0 0,1 0 0 0 0,2-15 0 0 0,-2 23 48 0 0,0 0-1 0 0,0 1 0 0 0,0-1 1 0 0,0 0-1 0 0,0 0 0 0 0,0 0 1 0 0,-1 0-1 0 0,1 1 0 0 0,-1-1 1 0 0,1 0-1 0 0,-1 0 0 0 0,0 1 0 0 0,0-1 1 0 0,0 1-1 0 0,-2-4 0 0 0,2 2-27 0 0,0 2-115 0 0,2 2-150 0 0,5 10 248 0 0,-1-1 1 0 0,-1 0 0 0 0,1 1-1 0 0,-1 0 1 0 0,-1 0 0 0 0,0 0-1 0 0,-1 1 1 0 0,2 16 0 0 0,-3-3-8 0 0,1-1 0 0 0,6 26 1 0 0,-3-26 13 0 0,-2 1 1 0 0,1 27-1 0 0,-2 9-10 0 0,-3 52 56 0 0,-1-74 5 0 0,-1 5-2 0 0,-1-1 0 0 0,-13 56 0 0 0,8-53 14 0 0,7-33 0 0 0,0 1 0 0 0,-7 20 0 0 0,7-28 9 0 0,0 0 0 0 0,1 1-1 0 0,0-1 1 0 0,0 0 0 0 0,1 1-1 0 0,0 11 1 0 0,0-9-6 0 0,0-7 2 0 0,0-1 0 0 0,0 0 0 0 0,0 0 0 0 0,0 1-1 0 0,0-1 1 0 0,0 0 0 0 0,0 0 0 0 0,1 0 0 0 0,-1 0 0 0 0,0 1-1 0 0,1-1 1 0 0,-1 0 0 0 0,1 0 0 0 0,0 0 0 0 0,-1 0-1 0 0,1 0 1 0 0,0 0 0 0 0,-1 0 0 0 0,1 0 0 0 0,0 0-1 0 0,0 0 1 0 0,0 0 0 0 0,0-1 0 0 0,0 1 0 0 0,0 0-1 0 0,0-1 1 0 0,0 1 0 0 0,0-1 0 0 0,2 1 0 0 0,0 0 25 0 0,0 0 0 0 0,0-1 1 0 0,0 1-1 0 0,0-1 0 0 0,0 0 1 0 0,1 0-1 0 0,3-1 1 0 0,-2 1 16 0 0,0 0 6 0 0,-1-1 0 0 0,1 0 0 0 0,0 0 0 0 0,-1 0 0 0 0,0 0 0 0 0,1-1 0 0 0,-1 1 0 0 0,5-4 1 0 0,18-5 137 0 0,12-3 116 0 0,0-1 0 0 0,63-33 0 0 0,41-16-40 0 0,-46 29-237 0 0,195-41 0 0 0,-170 63-72 0 0,-73 8 18 0 0,-31 4-58 0 0,1 0 1 0 0,0 2 0 0 0,22 3-1 0 0,-17-1-898 0 0,35 0 0 0 0,-22-4-3625 0 0,1 0-1421 0 0</inkml:trace>
+</inkml:ink>
+</file>
+
+<file path=ppt/ink/ink3.xml><?xml version="1.0" encoding="utf-8"?>
+<inkml:ink xmlns:inkml="http://www.w3.org/2003/InkML">
+  <inkml:definitions>
+    <inkml:context xml:id="ctx0">
+      <inkml:inkSource xml:id="inkSrc0">
+        <inkml:traceFormat>
+          <inkml:channel name="X" type="integer" min="-2.14748E9" max="2.14748E9" units="cm"/>
+          <inkml:channel name="Y" type="integer" min="-2.14748E9" max="2.14748E9" units="cm"/>
+          <inkml:channel name="F" type="integer" max="32767" units="dev"/>
+          <inkml:channel name="OA" type="integer" max="360" units="deg"/>
+          <inkml:channel name="OE" type="integer" max="90" units="deg"/>
+        </inkml:traceFormat>
+        <inkml:channelProperties>
+          <inkml:channelProperty channel="X" name="resolution" value="1000" units="1/cm"/>
+          <inkml:channelProperty channel="Y" name="resolution" value="1000" units="1/cm"/>
+          <inkml:channelProperty channel="F" name="resolution" value="0" units="1/dev"/>
+          <inkml:channelProperty channel="OA" name="resolution" value="1000" units="1/deg"/>
+          <inkml:channelProperty channel="OE" name="resolution" value="1000" units="1/deg"/>
+        </inkml:channelProperties>
+      </inkml:inkSource>
+      <inkml:timestamp xml:id="ts0" timeString="2020-12-02T14:40:17.200"/>
+    </inkml:context>
+    <inkml:brush xml:id="br0">
+      <inkml:brushProperty name="width" value="0.05" units="cm"/>
+      <inkml:brushProperty name="height" value="0.05" units="cm"/>
+      <inkml:brushProperty name="color" value="#849398"/>
+    </inkml:brush>
+  </inkml:definitions>
+  <inkml:trace contextRef="#ctx0" brushRef="#br0">29 4931 2760 0 0,'0'0'125'0'0,"-1"3"-3"0"0,-12 24-451 0 0,5-8 1541 0 0,2-5 7008 0 0,20 1-8018 0 0,-8-12-87 0 0,1 0 1 0 0,0 0 0 0 0,0-1 0 0 0,0 0-1 0 0,0 0 1 0 0,0 0 0 0 0,0-1 0 0 0,9 1-1 0 0,0-1 187 0 0,0-1 1 0 0,25-3-1 0 0,-32 1-167 0 0,-1 0 1 0 0,0 0 0 0 0,0-1 0 0 0,0 0 0 0 0,12-6 0 0 0,16-6 253 0 0,-7 5 47 0 0,52-24 0 0 0,-39 15-239 0 0,-24 11-146 0 0,0 0-1 0 0,23-15 1 0 0,-23 12 75 0 0,26-12 0 0 0,-25 14 5 0 0,26-17 0 0 0,48-34 250 0 0,-45 31-268 0 0,-1-3-1 0 0,54-46 1 0 0,-29 21 75 0 0,-47 39-49 0 0,34-31-1 0 0,112-111 305 0 0,-41 47-323 0 0,-29 28-51 0 0,-21 21-35 0 0,-6 5-4 0 0,-18 5-5 0 0,24-20 14 0 0,99-82-39 0 0,-149 133 0 0 0,-9 8 0 0 0,-2-1 0 0 0,32-33 0 0 0,-30 29 0 0 0,0 0 0 0 0,37-26 0 0 0,-34 27 0 0 0,9-4 0 0 0,16-16 0 0 0,24-20 24 0 0,-47 40-10 0 0,-1-2-1 0 0,25-26 0 0 0,52-50 66 0 0,-9 9-30 0 0,27-28 21 0 0,-65 64-76 0 0,-43 42 6 0 0,1 0 0 0 0,23-14 0 0 0,-22 16 0 0 0,-1-1 0 0 0,19-17 0 0 0,-15 12 0 0 0,0 0 0 0 0,26-14 0 0 0,-25 16 0 0 0,0 0 0 0 0,20-18 0 0 0,-28 21 0 0 0,0 1 0 0 0,1 1 0 0 0,16-9 0 0 0,25-18 0 0 0,-35 21-3 0 0,31-17-1 0 0,-15 10 171 0 0,13-3-149 0 0,-35 18-36 0 0,0 0 0 0 0,-1 0 0 0 0,0-1 0 0 0,11-9 0 0 0,78-57 82 0 0,-62 46 109 0 0,52-27-1 0 0,-59 36-154 0 0,12-4-212 0 0,-31 17 207 0 0,-1-1-1 0 0,0 0 0 0 0,0-1 0 0 0,-1 0 0 0 0,13-10 0 0 0,4-6 22 0 0,41-25 1 0 0,-12 9-270 0 0,-20 13 214 0 0,-7 5 22 0 0,35-31-1 0 0,-47 37 0 0 0,30-20 0 0 0,-5 4 0 0 0,-20 15 48 0 0,33-18 0 0 0,17-11 87 0 0,-49 28-154 0 0,44-26 1 0 0,-17 15 40 0 0,-31 15 30 0 0,1 2 0 0 0,0 0 0 0 0,38-13 0 0 0,-52 21-52 0 0,-1 1 0 0 0,0-1 0 0 0,1-1 0 0 0,-1 1 0 0 0,7-6 0 0 0,5-2 0 0 0,1-4-28 0 0,-6 8-42 0 0,10-1 19 0 0,27-12 1 0 0,-15 5 15 0 0,1 2 0 0 0,37-9 0 0 0,17-13 35 0 0,-76 30 8 0 0,0-1 0 0 0,-1-1 1 0 0,0 0-1 0 0,0 0 0 0 0,-1-1 0 0 0,16-14 0 0 0,-22 18-5 0 0,15-7 10 0 0,-16 9-6 0 0,0 0 1 0 0,0 0-1 0 0,-1-1 1 0 0,1 1-1 0 0,-1-1 1 0 0,1 0-1 0 0,2-2 0 0 0,4-4 13 0 0,0 1-1 0 0,0 1 0 0 0,19-11 0 0 0,10-7-1 0 0,-30 18 6 0 0,5-4 33 0 0,0 0 0 0 0,1 1 0 0 0,0 1 0 0 0,28-13 0 0 0,23-12-57 0 0,-63 32 0 0 0,16-5 0 0 0,0-1 0 0 0,0-1 0 0 0,-1 0 0 0 0,30-20 0 0 0,-18 8 0 0 0,1 3 0 0 0,40-19 0 0 0,7-2 0 0 0,92-37 61 0 0,-138 62-47 0 0,3 0 25 0 0,-2 0 0 0 0,39-20 0 0 0,192-87 196 0 0,-117 68-118 0 0,-44 17-42 0 0,-35 14-37 0 0,-13 4-23 0 0,-4 0 4 0 0,-6 2 46 0 0,64-32-1 0 0,-16 6 56 0 0,-62 26-89 0 0,0 2-1 0 0,39-11 1 0 0,-58 20-39 0 0,82-39-185 0 0,-83 40 246 0 0,0 1 0 0 0,0 1 0 0 0,13-1 1 0 0,-13 2-27 0 0,-1-1 0 0 0,1-1 0 0 0,12-2 0 0 0,82-33-27 0 0,-66 25 0 0 0,-18 5 0 0 0,30-12 0 0 0,-42 15 0 0 0,1 1 0 0 0,0 0 0 0 0,0 1 0 0 0,14-2 0 0 0,17-5 0 0 0,63-26 64 0 0,28 2 0 0 0,-22 13-64 0 0,-64 14 59 0 0,-21 3 40 0 0,28-7 1 0 0,78-14-279 0 0,-84 15 153 0 0,-22 4 28 0 0,47-14-1 0 0,47-15-1 0 0,-99 28 0 0 0,7 1 26 0 0,47-3 0 0 0,-37 5-3 0 0,73-4 230 0 0,-88 6-226 0 0,0-1 0 0 0,23-6 0 0 0,-24 5-11 0 0,0 0 0 0 0,22 0-1 0 0,47-8-167 0 0,-67 11 115 0 0,19 0 10 0 0,-27 2 27 0 0,12 2 0 0 0,38 1 0 0 0,-38-2 0 0 0,19 3 0 0 0,-42-5 0 0 0,0-1 0 0 0,1 1 0 0 0,-1 0-1 0 0,0-1 1 0 0,0 0 0 0 0,0 1-1 0 0,1-1 1 0 0,5-1 0 0 0,17-1 13 0 0,-23 2-10 0 0,20 0 38 0 0,0-1 0 0 0,24-3-1 0 0,-37 2-8 0 0,0 1-1 0 0,0 1 0 0 0,16 1 0 0 0,-16 0-12 0 0,-5-2-19 0 0,-1 1 0 0 0,0 0 0 0 0,0 1 0 0 0,0-1 0 0 0,0 1 0 0 0,0 0 0 0 0,0 0 0 0 0,5 2 0 0 0,-8-3 0 0 0,0 0 0 0 0,0 1 0 0 0,0-1 0 0 0,0 0 0 0 0,0 1 0 0 0,0-1 0 0 0,0 0 0 0 0,0 0 0 0 0,0 0 0 0 0,0 0 0 0 0,0 0 0 0 0,1 0 0 0 0,-1 0 0 0 0,0-1 0 0 0,0 1 0 0 0,1-1 0 0 0,7 1 10 0 0,-1 0-1 0 0,0 0 1 0 0,0 1 0 0 0,0 0-1 0 0,0 0 1 0 0,0 1-1 0 0,0 0 1 0 0,0 0 0 0 0,-1 1-1 0 0,9 4 1 0 0,-3-3 2 0 0,-7-2-1 0 0,1 0 1 0 0,-1-1 0 0 0,1 0 0 0 0,9 0-1 0 0,-10-1-10 0 0,0 1 0 0 0,0-1-1 0 0,0 1 1 0 0,-1 1 0 0 0,8 1-1 0 0,6 2-61 0 0,3-2 62 0 0,69 15-1 0 0,-14 2 0 0 0,-69-18 0 0 0,38 6 0 0 0,-36-8 0 0 0,-7 0 0 0 0,1 0 0 0 0,-1 0 0 0 0,0 1 0 0 0,1-1 0 0 0,-1 1 0 0 0,0 0 0 0 0,0 0 0 0 0,6 2 0 0 0,-4 0 0 0 0,18 1 0 0 0,12-1 0 0 0,-18 1 0 0 0,-4 0 0 0 0,66 26 0 0 0,-75-31 0 0 0,20 8 0 0 0,-15-2 0 0 0,-6-4 0 0 0,0 1 0 0 0,-1-1 0 0 0,1 0 0 0 0,0 0 0 0 0,0 0 0 0 0,0-1 0 0 0,-1 1 0 0 0,6 0 0 0 0,41 4 11 0 0,-45-7 1 0 0,-3 2-9 0 0,1 0-1 0 0,-1-1 0 0 0,0 1 0 0 0,0 0 1 0 0,0 0-1 0 0,0 0 0 0 0,1 0 1 0 0,-1 0-1 0 0,0 0 0 0 0,0 0 0 0 0,0 0 1 0 0,1 1-1 0 0,-1-1 0 0 0,0 0 0 0 0,0 1 1 0 0,0-1-1 0 0,2 2 0 0 0,33 6-2 0 0,-23-4 0 0 0,0 0 0 0 0,0 1 0 0 0,0 0 0 0 0,12 7 0 0 0,10 3 0 0 0,-33-14 0 0 0,-1 0 0 0 0,1 0 0 0 0,0 0 0 0 0,0-1 0 0 0,0 1 0 0 0,0 0 0 0 0,0-1 0 0 0,0 1 0 0 0,4-1 0 0 0,2 3 0 0 0,3 0 0 0 0,0-1 0 0 0,27 6 0 0 0,-16-7 0 0 0,30 3 124 0 0,-27-4-112 0 0,-24 0-12 0 0,1-1 0 0 0,0 1 0 0 0,0 0-1 0 0,0 0 1 0 0,0 0 0 0 0,0 1 0 0 0,0-1-1 0 0,0 0 1 0 0,0 1 0 0 0,0-1 0 0 0,-1 1-1 0 0,1-1 1 0 0,0 1 0 0 0,2 1 0 0 0,5 0 5 0 0,26-8 57 0 0,-24 5-51 0 0,-7 1 32 0 0,9 0-33 0 0,-1 0 1 0 0,2 0 32 0 0,0 0-33 0 0,23 4-10 0 0,-28-7 11 0 0,-7 4 32 0 0,2 5-22 0 0,-1-3 22 0 0,6 2-33 0 0,2-2-10 0 0,-1-1 0 0 0,1 2 0 0 0,1 4 0 0 0,3-6 0 0 0,-4 3 0 0 0,-1-1 11 0 0,-6-3 32 0 0,7 2-22 0 0,-8-3 510 0 0,-2 0-524 0 0,-1-1 1 0 0,1 1-1 0 0,0-1 1 0 0,-1 1 0 0 0,1-1-1 0 0,-1 0 1 0 0,1 1-1 0 0,-1-1 1 0 0,1 0 0 0 0,-1 0-1 0 0,1 1 1 0 0,-1-1-1 0 0,1 0 1 0 0,-1 0 0 0 0,0 0-1 0 0,0 1 1 0 0,1-1-1 0 0,-1 0 1 0 0,0 0 0 0 0,0 0-1 0 0,0 0 1 0 0,0-1 0 0 0,-2-23 75 0 0,1 11 44 0 0,-1 3-76 0 0,0 1-1 0 0,-1 0 1 0 0,0 0 0 0 0,-1 0-1 0 0,0 1 1 0 0,0-1 0 0 0,-9-12-1 0 0,10 17-35 0 0,-8-15 53 0 0,-1 0 1 0 0,-15-18-1 0 0,2-1 46 0 0,19 29-78 0 0,0 0-1 0 0,-1 0 1 0 0,-14-16-1 0 0,8 13-20 0 0,2 3-11 0 0,1-1 0 0 0,-10-13 0 0 0,12 14 9 0 0,-1 0 0 0 0,-17-15 0 0 0,-9-10 1 0 0,26 26-14 0 0,-1 0 0 0 0,0 1 0 0 0,0 0 0 0 0,-18-10 0 0 0,17 11 0 0 0,-1-1 0 0 0,1 0 0 0 0,0 0 0 0 0,-11-13 0 0 0,16 12 0 0 0,5 7 0 0 0,0 1 0 0 0,0-1 0 0 0,0 0 0 0 0,0 1 0 0 0,0 0 0 0 0,0-1 0 0 0,-1 1 0 0 0,1 0 0 0 0,-1 0 0 0 0,1-1 0 0 0,-1 1 0 0 0,1 0 0 0 0,-1 0 0 0 0,-3-1 0 0 0,5 2-1 0 0,0 0 0 0 0,-1 0 1 0 0,1-1-1 0 0,0 1 0 0 0,0 0 0 0 0,-1 0 0 0 0,1 0 0 0 0,0 0 0 0 0,0 0 0 0 0,-1-1 0 0 0,1 1 1 0 0,0 0-1 0 0,-1 0 0 0 0,1 0 0 0 0,0 0 0 0 0,0 0 0 0 0,-1 0 0 0 0,1 0 0 0 0,0 0 0 0 0,-1 0 1 0 0,1 0-1 0 0,0 0 0 0 0,-1 0 0 0 0,1 0 0 0 0,0 0 0 0 0,0 0 0 0 0,-1 1 0 0 0,1-1 0 0 0,0 0 1 0 0,-1 0-1 0 0,1 0 0 0 0,0 0 0 0 0,0 1 0 0 0,-1-1 0 0 0,1 0 0 0 0,0 0 0 0 0,0 0 0 0 0,0 1 1 0 0,-1-1-1 0 0,1 0 0 0 0,0 0 0 0 0,0 1 0 0 0,0-1 0 0 0,0 0 0 0 0,-1 0 0 0 0,1 1 0 0 0,-2 21-93 0 0,3-14 54 0 0,0 0 0 0 0,0 1 0 0 0,5 13 0 0 0,-3-14-3 0 0,-1-1-1 0 0,0 1 1 0 0,0-1-1 0 0,0 13 0 0 0,-2-16 19 0 0,1 1 0 0 0,-1-1 0 0 0,1 0 0 0 0,-1 1 0 0 0,1-1-1 0 0,1 0 1 0 0,-1 0 0 0 0,0 0 0 0 0,1 1 0 0 0,0-1 0 0 0,0-1-1 0 0,0 1 1 0 0,1 0 0 0 0,-1-1 0 0 0,1 1 0 0 0,0-1 0 0 0,0 1-1 0 0,3 2 1 0 0,42 33-107 0 0,61 66 0 0 0,-39-47 132 0 0,-4 0 0 0 0,-48-41-1 0 0,10 7 17 0 0,-26-22 209 0 0,-20 5-31 0 0,2 1-108 0 0,-54 1 178 0 0,30 1-128 0 0,17-6-96 0 0,-39 15 0 0 0,11 1-45 0 0,-66 28 16 0 0,101-39-24 0 0,-1 0 0 0 0,1 1 0 0 0,1 0-1 0 0,-25 21 1 0 0,-29 27-37 0 0,43-38-124 0 0,-42 42 0 0 0,-31 34-4257 0 0,83-80 2552 0 0</inkml:trace>
+</inkml:ink>
+</file>
+
+<file path=ppt/ink/ink4.xml><?xml version="1.0" encoding="utf-8"?>
+<inkml:ink xmlns:inkml="http://www.w3.org/2003/InkML">
+  <inkml:definitions>
+    <inkml:context xml:id="ctx0">
+      <inkml:inkSource xml:id="inkSrc0">
+        <inkml:traceFormat>
+          <inkml:channel name="X" type="integer" min="-2.14748E9" max="2.14748E9" units="cm"/>
+          <inkml:channel name="Y" type="integer" min="-2.14748E9" max="2.14748E9" units="cm"/>
+          <inkml:channel name="F" type="integer" max="32767" units="dev"/>
+          <inkml:channel name="OA" type="integer" max="360" units="deg"/>
+          <inkml:channel name="OE" type="integer" max="90" units="deg"/>
+        </inkml:traceFormat>
+        <inkml:channelProperties>
+          <inkml:channelProperty channel="X" name="resolution" value="1000" units="1/cm"/>
+          <inkml:channelProperty channel="Y" name="resolution" value="1000" units="1/cm"/>
+          <inkml:channelProperty channel="F" name="resolution" value="0" units="1/dev"/>
+          <inkml:channelProperty channel="OA" name="resolution" value="1000" units="1/deg"/>
+          <inkml:channelProperty channel="OE" name="resolution" value="1000" units="1/deg"/>
+        </inkml:channelProperties>
+      </inkml:inkSource>
+      <inkml:timestamp xml:id="ts0" timeString="2020-12-02T14:40:27.320"/>
+    </inkml:context>
+    <inkml:brush xml:id="br0">
+      <inkml:brushProperty name="width" value="0.05" units="cm"/>
+      <inkml:brushProperty name="height" value="0.05" units="cm"/>
+      <inkml:brushProperty name="color" value="#849398"/>
+    </inkml:brush>
+  </inkml:definitions>
+  <inkml:trace contextRef="#ctx0" brushRef="#br0">1 0 1376 0 0,'0'0'7653'0'0,"2"1"-7492"0"0,14 7 71 0 0,0-1-1 0 0,0-1 0 0 0,0 0 0 0 0,28 5 0 0 0,-32-8-56 0 0,31 6 591 0 0,-29-7-576 0 0,-1 1 1 0 0,0 0-1 0 0,-1 1 0 0 0,1 0 1 0 0,18 10-1 0 0,0-1-2 0 0,-25-11-161 0 0,-1 0 0 0 0,1 1 0 0 0,0-1 0 0 0,-1 1 0 0 0,8 6 1 0 0,3 1 6 0 0,0-1 0 0 0,32 14 0 0 0,-15-7-12 0 0,6 1-8 0 0,-23-9 8 0 0,0-1 0 0 0,22 15 0 0 0,-11-5 77 0 0,2-2 0 0 0,33 14 0 0 0,38 21 220 0 0,39 26-180 0 0,1 0 55 0 0,-111-58-161 0 0,-2 1 0 0 0,46 40 0 0 0,12 12-45 0 0,21 20 13 0 0,-63-47 25 0 0,71 78 47 0 0,-25-16-90 0 0,137 183-54 0 0,-117-139 67 0 0,-37-52 24 0 0,-15-23 134 0 0,-29-41-19 0 0,39 65 0 0 0,-10 14 96 0 0,34 55 78 0 0,-51-100-198 0 0,31 72 0 0 0,-57-111-95 0 0,7 20 16 0 0,-2 0 0 0 0,-2 2 0 0 0,10 52-1 0 0,21 161 94 0 0,-40-216-71 0 0,2 12 60 0 0,-3 0 1 0 0,-2 1 0 0 0,-3 0-1 0 0,-9 95 1 0 0,1-113 94 0 0,-14 78 340 0 0,-69 165 41 0 0,73-238-526 0 0,10-28-33 0 0,-14 32 0 0 0,-12 41-19 0 0,6-34 32 0 0,13-30 19 0 0,0 0 0 0 0,2 1-1 0 0,1 1 1 0 0,-11 57 0 0 0,18-66-37 0 0,-2 0 0 0 0,-1 0 0 0 0,0 0 0 0 0,-16 34 0 0 0,-50 81 84 0 0,-52 44 645 0 0,67-102-382 0 0,-1-2-240 0 0,-79 150 256 0 0,-34 35-133 0 0,140-216-218 0 0,-71 76 0 0 0,63-77-23 0 0,-59 62 50 0 0,32-35 62 0 0,37-40-89 0 0,21-24-28 0 0,1 0 0 0 0,-1 0 0 0 0,-5 10-1 0 0,-26 39 55 0 0,-30 49 168 0 0,-1 25 24 0 0,61-115-239 0 0,0 0 1 0 0,-11 14-1 0 0,3-4-5 0 0,-38 40-12 0 0,51-61 0 0 0,0 0 0 0 0,-1 0 0 0 0,1 0 0 0 0,-1-1 0 0 0,-9 7 0 0 0,10-8 0 0 0,0 0 0 0 0,0 0 0 0 0,0 1 0 0 0,1-1 0 0 0,-1 1 0 0 0,1 0 0 0 0,-5 6 0 0 0,6-6 0 0 0,0 0 0 0 0,-1 0 0 0 0,0 0 0 0 0,0-1 0 0 0,0 1 0 0 0,0-1 0 0 0,0 0 0 0 0,-1 0 0 0 0,-5 4 0 0 0,-4 3 0 0 0,-20 22 0 0 0,29-29 2 0 0,-1 3 18 0 0,-10 21 12 0 0,15-27-32 0 0,-1 1 1 0 0,1-1-1 0 0,0 1 1 0 0,-1-1-1 0 0,1 1 1 0 0,0-1-1 0 0,-1 1 1 0 0,1-1-1 0 0,0 1 1 0 0,0 0-1 0 0,-1-1 1 0 0,1 1-1 0 0,0-1 1 0 0,0 1-1 0 0,0 0 1 0 0,0-1-1 0 0,0 1 1 0 0,0 0-1 0 0,0-1 1 0 0,0 1-1 0 0,0-1 1 0 0,0 2-1 0 0,0-2 0 0 0,0 1 0 0 0,0-1 0 0 0,0 1 0 0 0,0-1 0 0 0,0 0 0 0 0,0 1 0 0 0,0-1 0 0 0,-1 1 0 0 0,1-1 0 0 0,0 0 0 0 0,0 1 0 0 0,0-1 0 0 0,-1 0 0 0 0,1 1 0 0 0,0-1 0 0 0,0 0 0 0 0,-1 1 0 0 0,1-1 0 0 0,0 0 0 0 0,-1 0 0 0 0,1 1 0 0 0,0-1 0 0 0,-1 0 0 0 0,1 0 0 0 0,0 1 0 0 0,-1-1-1 0 0,1 0 1 0 0,0 0 0 0 0,-1 0 0 0 0,-6 9 0 0 0,9 0-12 0 0,-1-5-36 0 0,1 6 36 0 0,6-3 12 0 0,-7-4-8 0 0,-1-3 7 0 0,1 1-1 0 0,-1 0 0 0 0,0-1 0 0 0,1 1 0 0 0,-1 0 1 0 0,1-1-1 0 0,-1 1 0 0 0,1 0 0 0 0,-1-1 0 0 0,1 1 0 0 0,-1-1 1 0 0,1 1-1 0 0,0-1 0 0 0,-1 1 0 0 0,1-1 0 0 0,0 0 1 0 0,-1 1-1 0 0,1-1 0 0 0,0 0 0 0 0,-1 1 0 0 0,1-1 0 0 0,0 0 1 0 0,0 0-1 0 0,1 0 0 0 0,8 6-9 0 0,-3 2 11 0 0,1-4 0 0 0,-6-7 0 0 0,-2-3 0 0 0,-27-67 60 0 0,14 22-2 0 0,8 31-37 0 0,0 1 0 0 0,1 0 1 0 0,1-1-1 0 0,0-21 0 0 0,-6-65 29 0 0,5 75-45 0 0,1-1 0 0 0,2-40-1 0 0,1 58-4 0 0,-1 0 0 0 0,0 0 0 0 0,-1 0 0 0 0,-3-14 0 0 0,1 12 0 0 0,2 0 0 0 0,-2-25 0 0 0,4 16 0 0 0,1 11-18 0 0,-1 0 1 0 0,-4-26-1 0 0,0 7-18 0 0,2 0-1 0 0,1-48 1 0 0,2 39-6 0 0,-4 1-21 0 0,1 31-10 0 0,2 0 0 0 0,-1 0 0 0 0,1 0 0 0 0,2-15 0 0 0,-2 23 48 0 0,0 0-1 0 0,0 1 0 0 0,0-1 1 0 0,0 0-1 0 0,0 0 0 0 0,0 0 1 0 0,-1 0-1 0 0,1 1 0 0 0,-1-1 1 0 0,1 0-1 0 0,-1 0 0 0 0,0 1 0 0 0,0-1 1 0 0,0 1-1 0 0,-2-4 0 0 0,2 2-27 0 0,0 2-115 0 0,2 2-150 0 0,5 10 248 0 0,-1-1 1 0 0,-1 0 0 0 0,1 1-1 0 0,-1 0 1 0 0,-1 0 0 0 0,0 0-1 0 0,-1 1 1 0 0,2 16 0 0 0,-3-3-8 0 0,1-1 0 0 0,6 26 1 0 0,-3-26 13 0 0,-2 1 1 0 0,1 27-1 0 0,-2 9-10 0 0,-3 52 56 0 0,-1-74 5 0 0,-1 5-2 0 0,-1-1 0 0 0,-13 56 0 0 0,8-53 14 0 0,7-33 0 0 0,0 1 0 0 0,-7 20 0 0 0,7-28 9 0 0,0 0 0 0 0,1 1-1 0 0,0-1 1 0 0,0 0 0 0 0,1 1-1 0 0,0 11 1 0 0,0-9-6 0 0,0-7 2 0 0,0-1 0 0 0,0 0 0 0 0,0 0 0 0 0,0 1-1 0 0,0-1 1 0 0,0 0 0 0 0,0 0 0 0 0,1 0 0 0 0,-1 0 0 0 0,0 1-1 0 0,1-1 1 0 0,-1 0 0 0 0,1 0 0 0 0,0 0 0 0 0,-1 0-1 0 0,1 0 1 0 0,0 0 0 0 0,-1 0 0 0 0,1 0 0 0 0,0 0-1 0 0,0 0 1 0 0,0 0 0 0 0,0-1 0 0 0,0 1 0 0 0,0 0-1 0 0,0-1 1 0 0,0 1 0 0 0,0-1 0 0 0,2 1 0 0 0,0 0 25 0 0,0 0 0 0 0,0-1 1 0 0,0 1-1 0 0,0-1 0 0 0,0 0 1 0 0,1 0-1 0 0,3-1 1 0 0,-2 1 16 0 0,0 0 6 0 0,-1-1 0 0 0,1 0 0 0 0,0 0 0 0 0,-1 0 0 0 0,0 0 0 0 0,1-1 0 0 0,-1 1 0 0 0,5-4 1 0 0,18-5 137 0 0,12-3 116 0 0,0-1 0 0 0,63-33 0 0 0,41-16-40 0 0,-46 29-237 0 0,195-41 0 0 0,-170 63-72 0 0,-73 8 18 0 0,-31 4-58 0 0,1 0 1 0 0,0 2 0 0 0,22 3-1 0 0,-17-1-898 0 0,35 0 0 0 0,-22-4-3625 0 0,1 0-1421 0 0</inkml:trace>
 </inkml:ink>
 </file>
 
@@ -339,7 +402,7 @@
           <a:p>
             <a:fld id="{E753CC8B-2C22-4294-82AF-E18635F6C8A8}" type="datetimeFigureOut">
               <a:rPr lang="en-US" smtClean="0"/>
-              <a:t>11/30/2020</a:t>
+              <a:t>12/3/2020</a:t>
             </a:fld>
             <a:endParaRPr lang="en-US"/>
           </a:p>
@@ -1306,91 +1369,7 @@
           <a:p>
             <a:fld id="{F41A18DF-4A92-427C-AD9F-04E22FE0E9C0}" type="slidenum">
               <a:rPr lang="en-US" smtClean="0"/>
-              <a:t>26</a:t>
-            </a:fld>
-            <a:endParaRPr lang="en-US"/>
-          </a:p>
-        </p:txBody>
-      </p:sp>
-    </p:spTree>
-    <p:extLst>
-      <p:ext uri="{BB962C8B-B14F-4D97-AF65-F5344CB8AC3E}">
-        <p14:creationId xmlns:p14="http://schemas.microsoft.com/office/powerpoint/2010/main" val="363450933"/>
-      </p:ext>
-    </p:extLst>
-  </p:cSld>
-  <p:clrMapOvr>
-    <a:masterClrMapping/>
-  </p:clrMapOvr>
-</p:notes>
-</file>
-
-<file path=ppt/notesSlides/notesSlide8.xml><?xml version="1.0" encoding="utf-8"?>
-<p:notes xmlns:a="http://schemas.openxmlformats.org/drawingml/2006/main" xmlns:r="http://schemas.openxmlformats.org/officeDocument/2006/relationships" xmlns:p="http://schemas.openxmlformats.org/presentationml/2006/main">
-  <p:cSld>
-    <p:spTree>
-      <p:nvGrpSpPr>
-        <p:cNvPr id="1" name=""/>
-        <p:cNvGrpSpPr/>
-        <p:nvPr/>
-      </p:nvGrpSpPr>
-      <p:grpSpPr>
-        <a:xfrm>
-          <a:off x="0" y="0"/>
-          <a:ext cx="0" cy="0"/>
-          <a:chOff x="0" y="0"/>
-          <a:chExt cx="0" cy="0"/>
-        </a:xfrm>
-      </p:grpSpPr>
-      <p:sp>
-        <p:nvSpPr>
-          <p:cNvPr id="2" name="Slide Image Placeholder 1"/>
-          <p:cNvSpPr>
-            <a:spLocks noGrp="1" noRot="1" noChangeAspect="1"/>
-          </p:cNvSpPr>
-          <p:nvPr>
-            <p:ph type="sldImg"/>
-          </p:nvPr>
-        </p:nvSpPr>
-        <p:spPr/>
-      </p:sp>
-      <p:sp>
-        <p:nvSpPr>
-          <p:cNvPr id="3" name="Notes Placeholder 2"/>
-          <p:cNvSpPr>
-            <a:spLocks noGrp="1"/>
-          </p:cNvSpPr>
-          <p:nvPr>
-            <p:ph type="body" idx="1"/>
-          </p:nvPr>
-        </p:nvSpPr>
-        <p:spPr/>
-        <p:txBody>
-          <a:bodyPr/>
-          <a:lstStyle/>
-          <a:p>
-            <a:endParaRPr lang="en-IE" dirty="0"/>
-          </a:p>
-        </p:txBody>
-      </p:sp>
-      <p:sp>
-        <p:nvSpPr>
-          <p:cNvPr id="4" name="Slide Number Placeholder 3"/>
-          <p:cNvSpPr>
-            <a:spLocks noGrp="1"/>
-          </p:cNvSpPr>
-          <p:nvPr>
-            <p:ph type="sldNum" sz="quarter" idx="5"/>
-          </p:nvPr>
-        </p:nvSpPr>
-        <p:spPr/>
-        <p:txBody>
-          <a:bodyPr/>
-          <a:lstStyle/>
-          <a:p>
-            <a:fld id="{F41A18DF-4A92-427C-AD9F-04E22FE0E9C0}" type="slidenum">
-              <a:rPr lang="en-US" smtClean="0"/>
-              <a:t>37</a:t>
+              <a:t>38</a:t>
             </a:fld>
             <a:endParaRPr lang="en-US"/>
           </a:p>
@@ -1588,7 +1567,7 @@
           <a:p>
             <a:fld id="{B9A3E4E1-EAAE-4738-8551-BAE8BA49A08B}" type="datetimeFigureOut">
               <a:rPr lang="en-US" smtClean="0"/>
-              <a:t>11/30/2020</a:t>
+              <a:t>12/3/2020</a:t>
             </a:fld>
             <a:endParaRPr lang="en-US"/>
           </a:p>
@@ -1756,7 +1735,7 @@
           <a:p>
             <a:fld id="{B9A3E4E1-EAAE-4738-8551-BAE8BA49A08B}" type="datetimeFigureOut">
               <a:rPr lang="en-US" smtClean="0"/>
-              <a:t>11/30/2020</a:t>
+              <a:t>12/3/2020</a:t>
             </a:fld>
             <a:endParaRPr lang="en-US"/>
           </a:p>
@@ -1934,7 +1913,7 @@
           <a:p>
             <a:fld id="{B9A3E4E1-EAAE-4738-8551-BAE8BA49A08B}" type="datetimeFigureOut">
               <a:rPr lang="en-US" smtClean="0"/>
-              <a:t>11/30/2020</a:t>
+              <a:t>12/3/2020</a:t>
             </a:fld>
             <a:endParaRPr lang="en-US"/>
           </a:p>
@@ -2102,7 +2081,7 @@
           <a:p>
             <a:fld id="{B9A3E4E1-EAAE-4738-8551-BAE8BA49A08B}" type="datetimeFigureOut">
               <a:rPr lang="en-US" smtClean="0"/>
-              <a:t>11/30/2020</a:t>
+              <a:t>12/3/2020</a:t>
             </a:fld>
             <a:endParaRPr lang="en-US"/>
           </a:p>
@@ -2347,7 +2326,7 @@
           <a:p>
             <a:fld id="{B9A3E4E1-EAAE-4738-8551-BAE8BA49A08B}" type="datetimeFigureOut">
               <a:rPr lang="en-US" smtClean="0"/>
-              <a:t>11/30/2020</a:t>
+              <a:t>12/3/2020</a:t>
             </a:fld>
             <a:endParaRPr lang="en-US"/>
           </a:p>
@@ -2632,7 +2611,7 @@
           <a:p>
             <a:fld id="{B9A3E4E1-EAAE-4738-8551-BAE8BA49A08B}" type="datetimeFigureOut">
               <a:rPr lang="en-US" smtClean="0"/>
-              <a:t>11/30/2020</a:t>
+              <a:t>12/3/2020</a:t>
             </a:fld>
             <a:endParaRPr lang="en-US"/>
           </a:p>
@@ -3051,7 +3030,7 @@
           <a:p>
             <a:fld id="{B9A3E4E1-EAAE-4738-8551-BAE8BA49A08B}" type="datetimeFigureOut">
               <a:rPr lang="en-US" smtClean="0"/>
-              <a:t>11/30/2020</a:t>
+              <a:t>12/3/2020</a:t>
             </a:fld>
             <a:endParaRPr lang="en-US"/>
           </a:p>
@@ -3168,7 +3147,7 @@
           <a:p>
             <a:fld id="{B9A3E4E1-EAAE-4738-8551-BAE8BA49A08B}" type="datetimeFigureOut">
               <a:rPr lang="en-US" smtClean="0"/>
-              <a:t>11/30/2020</a:t>
+              <a:t>12/3/2020</a:t>
             </a:fld>
             <a:endParaRPr lang="en-US"/>
           </a:p>
@@ -3263,7 +3242,7 @@
           <a:p>
             <a:fld id="{B9A3E4E1-EAAE-4738-8551-BAE8BA49A08B}" type="datetimeFigureOut">
               <a:rPr lang="en-US" smtClean="0"/>
-              <a:t>11/30/2020</a:t>
+              <a:t>12/3/2020</a:t>
             </a:fld>
             <a:endParaRPr lang="en-US"/>
           </a:p>
@@ -3538,7 +3517,7 @@
           <a:p>
             <a:fld id="{B9A3E4E1-EAAE-4738-8551-BAE8BA49A08B}" type="datetimeFigureOut">
               <a:rPr lang="en-US" smtClean="0"/>
-              <a:t>11/30/2020</a:t>
+              <a:t>12/3/2020</a:t>
             </a:fld>
             <a:endParaRPr lang="en-US"/>
           </a:p>
@@ -3790,7 +3769,7 @@
           <a:p>
             <a:fld id="{B9A3E4E1-EAAE-4738-8551-BAE8BA49A08B}" type="datetimeFigureOut">
               <a:rPr lang="en-US" smtClean="0"/>
-              <a:t>11/30/2020</a:t>
+              <a:t>12/3/2020</a:t>
             </a:fld>
             <a:endParaRPr lang="en-US"/>
           </a:p>
@@ -4001,7 +3980,7 @@
           <a:p>
             <a:fld id="{B9A3E4E1-EAAE-4738-8551-BAE8BA49A08B}" type="datetimeFigureOut">
               <a:rPr lang="en-US" smtClean="0"/>
-              <a:t>11/30/2020</a:t>
+              <a:t>12/3/2020</a:t>
             </a:fld>
             <a:endParaRPr lang="en-US"/>
           </a:p>
@@ -10831,6 +10810,288 @@
           <a:chExt cx="0" cy="0"/>
         </a:xfrm>
       </p:grpSpPr>
+      <p:sp>
+        <p:nvSpPr>
+          <p:cNvPr id="2" name="Title 1">
+            <a:extLst>
+              <a:ext uri="{FF2B5EF4-FFF2-40B4-BE49-F238E27FC236}">
+                <a16:creationId xmlns:a16="http://schemas.microsoft.com/office/drawing/2014/main" id="{46707F46-8595-4485-ACC7-21BAB5D3F45C}"/>
+              </a:ext>
+            </a:extLst>
+          </p:cNvPr>
+          <p:cNvSpPr>
+            <a:spLocks noGrp="1"/>
+          </p:cNvSpPr>
+          <p:nvPr>
+            <p:ph type="title"/>
+          </p:nvPr>
+        </p:nvSpPr>
+        <p:spPr/>
+        <p:txBody>
+          <a:bodyPr/>
+          <a:lstStyle/>
+          <a:p>
+            <a:r>
+              <a:rPr lang="en-IE" dirty="0"/>
+              <a:t>Demo</a:t>
+            </a:r>
+          </a:p>
+        </p:txBody>
+      </p:sp>
+      <p:sp>
+        <p:nvSpPr>
+          <p:cNvPr id="3" name="Content Placeholder 2">
+            <a:extLst>
+              <a:ext uri="{FF2B5EF4-FFF2-40B4-BE49-F238E27FC236}">
+                <a16:creationId xmlns:a16="http://schemas.microsoft.com/office/drawing/2014/main" id="{F8C89FE9-F11F-4127-8D34-1DD7595D3D7F}"/>
+              </a:ext>
+            </a:extLst>
+          </p:cNvPr>
+          <p:cNvSpPr>
+            <a:spLocks noGrp="1"/>
+          </p:cNvSpPr>
+          <p:nvPr>
+            <p:ph idx="1"/>
+          </p:nvPr>
+        </p:nvSpPr>
+        <p:spPr/>
+        <p:txBody>
+          <a:bodyPr>
+            <a:normAutofit fontScale="92500" lnSpcReduction="20000"/>
+          </a:bodyPr>
+          <a:lstStyle/>
+          <a:p>
+            <a:r>
+              <a:rPr lang="en-IE" dirty="0"/>
+              <a:t>Contacts API: Manage contact details…</a:t>
+            </a:r>
+          </a:p>
+          <a:p>
+            <a:pPr marL="0" indent="0">
+              <a:buNone/>
+            </a:pPr>
+            <a:endParaRPr lang="en-IE" dirty="0"/>
+          </a:p>
+          <a:p>
+            <a:pPr marL="0" indent="0">
+              <a:buNone/>
+            </a:pPr>
+            <a:r>
+              <a:rPr lang="en-IE" b="1" dirty="0"/>
+              <a:t>Contacts Schema:</a:t>
+            </a:r>
+          </a:p>
+          <a:p>
+            <a:pPr marL="0" indent="0">
+              <a:buNone/>
+            </a:pPr>
+            <a:r>
+              <a:rPr lang="en-IE" b="1" dirty="0"/>
+              <a:t>	</a:t>
+            </a:r>
+            <a:r>
+              <a:rPr lang="en-IE" b="1" dirty="0">
+                <a:latin typeface="Courier New" panose="02070309020205020404" pitchFamily="49" charset="0"/>
+                <a:cs typeface="Courier New" panose="02070309020205020404" pitchFamily="49" charset="0"/>
+              </a:rPr>
+              <a:t>name: String</a:t>
+            </a:r>
+          </a:p>
+          <a:p>
+            <a:pPr marL="0" indent="0">
+              <a:buNone/>
+            </a:pPr>
+            <a:r>
+              <a:rPr lang="en-IE" b="1" dirty="0">
+                <a:latin typeface="Courier New" panose="02070309020205020404" pitchFamily="49" charset="0"/>
+                <a:cs typeface="Courier New" panose="02070309020205020404" pitchFamily="49" charset="0"/>
+              </a:rPr>
+              <a:t>	address: String</a:t>
+            </a:r>
+          </a:p>
+          <a:p>
+            <a:pPr marL="0" indent="0">
+              <a:buNone/>
+            </a:pPr>
+            <a:r>
+              <a:rPr lang="en-IE" b="1" dirty="0">
+                <a:latin typeface="Courier New" panose="02070309020205020404" pitchFamily="49" charset="0"/>
+                <a:cs typeface="Courier New" panose="02070309020205020404" pitchFamily="49" charset="0"/>
+              </a:rPr>
+              <a:t>	age: Number</a:t>
+            </a:r>
+          </a:p>
+          <a:p>
+            <a:pPr marL="0" indent="0">
+              <a:buNone/>
+            </a:pPr>
+            <a:r>
+              <a:rPr lang="en-IE" b="1" dirty="0">
+                <a:latin typeface="Courier New" panose="02070309020205020404" pitchFamily="49" charset="0"/>
+                <a:cs typeface="Courier New" panose="02070309020205020404" pitchFamily="49" charset="0"/>
+              </a:rPr>
+              <a:t>	email: String</a:t>
+            </a:r>
+          </a:p>
+          <a:p>
+            <a:pPr marL="0" indent="0">
+              <a:buNone/>
+            </a:pPr>
+            <a:r>
+              <a:rPr lang="en-IE" b="1" dirty="0">
+                <a:latin typeface="Courier New" panose="02070309020205020404" pitchFamily="49" charset="0"/>
+                <a:cs typeface="Courier New" panose="02070309020205020404" pitchFamily="49" charset="0"/>
+              </a:rPr>
+              <a:t>	updated: Date</a:t>
+            </a:r>
+          </a:p>
+          <a:p>
+            <a:pPr marL="0" indent="0">
+              <a:buNone/>
+            </a:pPr>
+            <a:r>
+              <a:rPr lang="en-IE" dirty="0">
+                <a:cs typeface="Courier New" panose="02070309020205020404" pitchFamily="49" charset="0"/>
+              </a:rPr>
+              <a:t>Solution in Code Examples…</a:t>
+            </a:r>
+          </a:p>
+        </p:txBody>
+      </p:sp>
+    </p:spTree>
+    <p:extLst>
+      <p:ext uri="{BB962C8B-B14F-4D97-AF65-F5344CB8AC3E}">
+        <p14:creationId xmlns:p14="http://schemas.microsoft.com/office/powerpoint/2010/main" val="1501939560"/>
+      </p:ext>
+    </p:extLst>
+  </p:cSld>
+  <p:clrMapOvr>
+    <a:masterClrMapping/>
+  </p:clrMapOvr>
+</p:sld>
+</file>
+
+<file path=ppt/slides/slide22.xml><?xml version="1.0" encoding="utf-8"?>
+<p:sld xmlns:a="http://schemas.openxmlformats.org/drawingml/2006/main" xmlns:r="http://schemas.openxmlformats.org/officeDocument/2006/relationships" xmlns:p="http://schemas.openxmlformats.org/presentationml/2006/main">
+  <p:cSld>
+    <p:spTree>
+      <p:nvGrpSpPr>
+        <p:cNvPr id="1" name=""/>
+        <p:cNvGrpSpPr/>
+        <p:nvPr/>
+      </p:nvGrpSpPr>
+      <p:grpSpPr>
+        <a:xfrm>
+          <a:off x="0" y="0"/>
+          <a:ext cx="0" cy="0"/>
+          <a:chOff x="0" y="0"/>
+          <a:chExt cx="0" cy="0"/>
+        </a:xfrm>
+      </p:grpSpPr>
+      <p:sp>
+        <p:nvSpPr>
+          <p:cNvPr id="2" name="Title 1">
+            <a:extLst>
+              <a:ext uri="{FF2B5EF4-FFF2-40B4-BE49-F238E27FC236}">
+                <a16:creationId xmlns:a16="http://schemas.microsoft.com/office/drawing/2014/main" id="{F1CE6858-9699-49BA-8542-04B96EE7DA47}"/>
+              </a:ext>
+            </a:extLst>
+          </p:cNvPr>
+          <p:cNvSpPr>
+            <a:spLocks noGrp="1"/>
+          </p:cNvSpPr>
+          <p:nvPr>
+            <p:ph type="title"/>
+          </p:nvPr>
+        </p:nvSpPr>
+        <p:spPr/>
+        <p:txBody>
+          <a:bodyPr/>
+          <a:lstStyle/>
+          <a:p>
+            <a:r>
+              <a:rPr lang="en-IE" dirty="0"/>
+              <a:t>Lecture 2</a:t>
+            </a:r>
+          </a:p>
+        </p:txBody>
+      </p:sp>
+      <p:sp>
+        <p:nvSpPr>
+          <p:cNvPr id="3" name="Text Placeholder 2">
+            <a:extLst>
+              <a:ext uri="{FF2B5EF4-FFF2-40B4-BE49-F238E27FC236}">
+                <a16:creationId xmlns:a16="http://schemas.microsoft.com/office/drawing/2014/main" id="{B1CEA23D-5FED-4D6C-A64E-50E2368FF2A5}"/>
+              </a:ext>
+            </a:extLst>
+          </p:cNvPr>
+          <p:cNvSpPr>
+            <a:spLocks noGrp="1"/>
+          </p:cNvSpPr>
+          <p:nvPr>
+            <p:ph type="body" idx="1"/>
+          </p:nvPr>
+        </p:nvSpPr>
+        <p:spPr/>
+        <p:txBody>
+          <a:bodyPr/>
+          <a:lstStyle/>
+          <a:p>
+            <a:r>
+              <a:rPr lang="en-IE" dirty="0"/>
+              <a:t>Sub Documents</a:t>
+            </a:r>
+          </a:p>
+          <a:p>
+            <a:r>
+              <a:rPr lang="en-IE" dirty="0"/>
+              <a:t>Validators</a:t>
+            </a:r>
+          </a:p>
+          <a:p>
+            <a:r>
+              <a:rPr lang="en-IE" dirty="0"/>
+              <a:t>Queries</a:t>
+            </a:r>
+          </a:p>
+          <a:p>
+            <a:r>
+              <a:rPr lang="en-IE" dirty="0"/>
+              <a:t>Object Refs.</a:t>
+            </a:r>
+          </a:p>
+        </p:txBody>
+      </p:sp>
+    </p:spTree>
+    <p:extLst>
+      <p:ext uri="{BB962C8B-B14F-4D97-AF65-F5344CB8AC3E}">
+        <p14:creationId xmlns:p14="http://schemas.microsoft.com/office/powerpoint/2010/main" val="3986355174"/>
+      </p:ext>
+    </p:extLst>
+  </p:cSld>
+  <p:clrMapOvr>
+    <a:masterClrMapping/>
+  </p:clrMapOvr>
+</p:sld>
+</file>
+
+<file path=ppt/slides/slide23.xml><?xml version="1.0" encoding="utf-8"?>
+<p:sld xmlns:a="http://schemas.openxmlformats.org/drawingml/2006/main" xmlns:r="http://schemas.openxmlformats.org/officeDocument/2006/relationships" xmlns:p="http://schemas.openxmlformats.org/presentationml/2006/main">
+  <p:cSld>
+    <p:spTree>
+      <p:nvGrpSpPr>
+        <p:cNvPr id="1" name=""/>
+        <p:cNvGrpSpPr/>
+        <p:nvPr/>
+      </p:nvGrpSpPr>
+      <p:grpSpPr>
+        <a:xfrm>
+          <a:off x="0" y="0"/>
+          <a:ext cx="0" cy="0"/>
+          <a:chOff x="0" y="0"/>
+          <a:chExt cx="0" cy="0"/>
+        </a:xfrm>
+      </p:grpSpPr>
       <p:pic>
         <p:nvPicPr>
           <p:cNvPr id="8" name="Picture 7"/>
@@ -11203,7 +11464,7 @@
 </p:sld>
 </file>
 
-<file path=ppt/slides/slide22.xml><?xml version="1.0" encoding="utf-8"?>
+<file path=ppt/slides/slide24.xml><?xml version="1.0" encoding="utf-8"?>
 <p:sld xmlns:a="http://schemas.openxmlformats.org/drawingml/2006/main" xmlns:r="http://schemas.openxmlformats.org/officeDocument/2006/relationships" xmlns:p="http://schemas.openxmlformats.org/presentationml/2006/main">
   <p:cSld>
     <p:spTree>
@@ -11339,7 +11600,7 @@
 </p:sld>
 </file>
 
-<file path=ppt/slides/slide23.xml><?xml version="1.0" encoding="utf-8"?>
+<file path=ppt/slides/slide25.xml><?xml version="1.0" encoding="utf-8"?>
 <p:sld xmlns:a="http://schemas.openxmlformats.org/drawingml/2006/main" xmlns:r="http://schemas.openxmlformats.org/officeDocument/2006/relationships" xmlns:p="http://schemas.openxmlformats.org/presentationml/2006/main">
   <p:cSld>
     <p:bg>
@@ -11673,6 +11934,41 @@
           </a:prstGeom>
         </p:spPr>
       </p:pic>
+      <p:sp>
+        <p:nvSpPr>
+          <p:cNvPr id="10" name="TextBox 9">
+            <a:extLst>
+              <a:ext uri="{FF2B5EF4-FFF2-40B4-BE49-F238E27FC236}">
+                <a16:creationId xmlns:a16="http://schemas.microsoft.com/office/drawing/2014/main" id="{48F0FFAD-EE7F-4DE2-AD49-B0BD16C1142E}"/>
+              </a:ext>
+            </a:extLst>
+          </p:cNvPr>
+          <p:cNvSpPr txBox="1"/>
+          <p:nvPr/>
+        </p:nvSpPr>
+        <p:spPr>
+          <a:xfrm>
+            <a:off x="3906478" y="6424455"/>
+            <a:ext cx="6096000" cy="369332"/>
+          </a:xfrm>
+          <a:prstGeom prst="rect">
+            <a:avLst/>
+          </a:prstGeom>
+          <a:noFill/>
+        </p:spPr>
+        <p:txBody>
+          <a:bodyPr wrap="square">
+            <a:spAutoFit/>
+          </a:bodyPr>
+          <a:lstStyle/>
+          <a:p>
+            <a:r>
+              <a:rPr lang="en-IE" dirty="0"/>
+              <a:t>https://mongoosejs.com/docs/validation.html</a:t>
+            </a:r>
+          </a:p>
+        </p:txBody>
+      </p:sp>
     </p:spTree>
     <p:extLst>
       <p:ext uri="{BB962C8B-B14F-4D97-AF65-F5344CB8AC3E}">
@@ -11686,7 +11982,7 @@
 </p:sld>
 </file>
 
-<file path=ppt/slides/slide24.xml><?xml version="1.0" encoding="utf-8"?>
+<file path=ppt/slides/slide26.xml><?xml version="1.0" encoding="utf-8"?>
 <p:sld xmlns:a="http://schemas.openxmlformats.org/drawingml/2006/main" xmlns:r="http://schemas.openxmlformats.org/officeDocument/2006/relationships" xmlns:p="http://schemas.openxmlformats.org/presentationml/2006/main">
   <p:cSld>
     <p:spTree>
@@ -11703,184 +11999,36 @@
           <a:chExt cx="0" cy="0"/>
         </a:xfrm>
       </p:grpSpPr>
-      <p:sp>
-        <p:nvSpPr>
-          <p:cNvPr id="2" name="Title 1">
+      <p:pic>
+        <p:nvPicPr>
+          <p:cNvPr id="4" name="Picture 3">
             <a:extLst>
               <a:ext uri="{FF2B5EF4-FFF2-40B4-BE49-F238E27FC236}">
-                <a16:creationId xmlns:a16="http://schemas.microsoft.com/office/drawing/2014/main" id="{46707F46-8595-4485-ACC7-21BAB5D3F45C}"/>
+                <a16:creationId xmlns:a16="http://schemas.microsoft.com/office/drawing/2014/main" id="{550D13E6-4DB3-4392-B49B-97C56C244CF5}"/>
               </a:ext>
             </a:extLst>
           </p:cNvPr>
-          <p:cNvSpPr>
-            <a:spLocks noGrp="1"/>
-          </p:cNvSpPr>
-          <p:nvPr>
-            <p:ph type="title"/>
-          </p:nvPr>
-        </p:nvSpPr>
-        <p:spPr/>
-        <p:txBody>
-          <a:bodyPr/>
-          <a:lstStyle/>
-          <a:p>
-            <a:r>
-              <a:rPr lang="en-IE" dirty="0"/>
-              <a:t>Demo</a:t>
-            </a:r>
-          </a:p>
-        </p:txBody>
-      </p:sp>
-      <p:sp>
-        <p:nvSpPr>
-          <p:cNvPr id="3" name="Content Placeholder 2">
-            <a:extLst>
-              <a:ext uri="{FF2B5EF4-FFF2-40B4-BE49-F238E27FC236}">
-                <a16:creationId xmlns:a16="http://schemas.microsoft.com/office/drawing/2014/main" id="{F8C89FE9-F11F-4127-8D34-1DD7595D3D7F}"/>
-              </a:ext>
-            </a:extLst>
-          </p:cNvPr>
-          <p:cNvSpPr>
-            <a:spLocks noGrp="1"/>
-          </p:cNvSpPr>
-          <p:nvPr>
-            <p:ph idx="1"/>
-          </p:nvPr>
-        </p:nvSpPr>
-        <p:spPr/>
-        <p:txBody>
-          <a:bodyPr>
-            <a:normAutofit fontScale="92500" lnSpcReduction="20000"/>
-          </a:bodyPr>
-          <a:lstStyle/>
-          <a:p>
-            <a:r>
-              <a:rPr lang="en-IE" dirty="0"/>
-              <a:t>Contacts API: Manage contact details…</a:t>
-            </a:r>
-          </a:p>
-          <a:p>
-            <a:pPr marL="0" indent="0">
-              <a:buNone/>
-            </a:pPr>
-            <a:endParaRPr lang="en-IE" dirty="0"/>
-          </a:p>
-          <a:p>
-            <a:pPr marL="0" indent="0">
-              <a:buNone/>
-            </a:pPr>
-            <a:r>
-              <a:rPr lang="en-IE" b="1" dirty="0"/>
-              <a:t>Contacts Schema:</a:t>
-            </a:r>
-          </a:p>
-          <a:p>
-            <a:pPr marL="0" indent="0">
-              <a:buNone/>
-            </a:pPr>
-            <a:r>
-              <a:rPr lang="en-IE" b="1" dirty="0"/>
-              <a:t>	</a:t>
-            </a:r>
-            <a:r>
-              <a:rPr lang="en-IE" b="1" dirty="0">
-                <a:latin typeface="Courier New" panose="02070309020205020404" pitchFamily="49" charset="0"/>
-                <a:cs typeface="Courier New" panose="02070309020205020404" pitchFamily="49" charset="0"/>
-              </a:rPr>
-              <a:t>name: String</a:t>
-            </a:r>
-          </a:p>
-          <a:p>
-            <a:pPr marL="0" indent="0">
-              <a:buNone/>
-            </a:pPr>
-            <a:r>
-              <a:rPr lang="en-IE" b="1" dirty="0">
-                <a:latin typeface="Courier New" panose="02070309020205020404" pitchFamily="49" charset="0"/>
-                <a:cs typeface="Courier New" panose="02070309020205020404" pitchFamily="49" charset="0"/>
-              </a:rPr>
-              <a:t>	address: String</a:t>
-            </a:r>
-          </a:p>
-          <a:p>
-            <a:pPr marL="0" indent="0">
-              <a:buNone/>
-            </a:pPr>
-            <a:r>
-              <a:rPr lang="en-IE" b="1" dirty="0">
-                <a:latin typeface="Courier New" panose="02070309020205020404" pitchFamily="49" charset="0"/>
-                <a:cs typeface="Courier New" panose="02070309020205020404" pitchFamily="49" charset="0"/>
-              </a:rPr>
-              <a:t>	age: Number</a:t>
-            </a:r>
-          </a:p>
-          <a:p>
-            <a:pPr marL="0" indent="0">
-              <a:buNone/>
-            </a:pPr>
-            <a:r>
-              <a:rPr lang="en-IE" b="1" dirty="0">
-                <a:latin typeface="Courier New" panose="02070309020205020404" pitchFamily="49" charset="0"/>
-                <a:cs typeface="Courier New" panose="02070309020205020404" pitchFamily="49" charset="0"/>
-              </a:rPr>
-              <a:t>	email: String</a:t>
-            </a:r>
-          </a:p>
-          <a:p>
-            <a:pPr marL="0" indent="0">
-              <a:buNone/>
-            </a:pPr>
-            <a:r>
-              <a:rPr lang="en-IE" b="1" dirty="0">
-                <a:latin typeface="Courier New" panose="02070309020205020404" pitchFamily="49" charset="0"/>
-                <a:cs typeface="Courier New" panose="02070309020205020404" pitchFamily="49" charset="0"/>
-              </a:rPr>
-              <a:t>	updated: Date</a:t>
-            </a:r>
-          </a:p>
-          <a:p>
-            <a:pPr marL="0" indent="0">
-              <a:buNone/>
-            </a:pPr>
-            <a:r>
-              <a:rPr lang="en-IE" dirty="0">
-                <a:cs typeface="Courier New" panose="02070309020205020404" pitchFamily="49" charset="0"/>
-              </a:rPr>
-              <a:t>Solution in Code Examples…</a:t>
-            </a:r>
-          </a:p>
-        </p:txBody>
-      </p:sp>
-    </p:spTree>
-    <p:extLst>
-      <p:ext uri="{BB962C8B-B14F-4D97-AF65-F5344CB8AC3E}">
-        <p14:creationId xmlns:p14="http://schemas.microsoft.com/office/powerpoint/2010/main" val="1501939560"/>
-      </p:ext>
-    </p:extLst>
-  </p:cSld>
-  <p:clrMapOvr>
-    <a:masterClrMapping/>
-  </p:clrMapOvr>
-</p:sld>
-</file>
-
-<file path=ppt/slides/slide25.xml><?xml version="1.0" encoding="utf-8"?>
-<p:sld xmlns:a="http://schemas.openxmlformats.org/drawingml/2006/main" xmlns:r="http://schemas.openxmlformats.org/officeDocument/2006/relationships" xmlns:p="http://schemas.openxmlformats.org/presentationml/2006/main">
-  <p:cSld>
-    <p:spTree>
-      <p:nvGrpSpPr>
-        <p:cNvPr id="1" name=""/>
-        <p:cNvGrpSpPr/>
-        <p:nvPr/>
-      </p:nvGrpSpPr>
-      <p:grpSpPr>
-        <a:xfrm>
-          <a:off x="0" y="0"/>
-          <a:ext cx="0" cy="0"/>
-          <a:chOff x="0" y="0"/>
-          <a:chExt cx="0" cy="0"/>
-        </a:xfrm>
-      </p:grpSpPr>
+          <p:cNvPicPr>
+            <a:picLocks noChangeAspect="1"/>
+          </p:cNvPicPr>
+          <p:nvPr/>
+        </p:nvPicPr>
+        <p:blipFill>
+          <a:blip r:embed="rId2"/>
+          <a:stretch>
+            <a:fillRect/>
+          </a:stretch>
+        </p:blipFill>
+        <p:spPr>
+          <a:xfrm>
+            <a:off x="1113526" y="2720684"/>
+            <a:ext cx="7709342" cy="2294447"/>
+          </a:xfrm>
+          <a:prstGeom prst="rect">
+            <a:avLst/>
+          </a:prstGeom>
+        </p:spPr>
+      </p:pic>
       <p:sp>
         <p:nvSpPr>
           <p:cNvPr id="2" name="Title 1"/>
@@ -11920,41 +12068,11 @@
           <a:p>
             <a:r>
               <a:rPr lang="en-IE" dirty="0"/>
-              <a:t>Developers can define custom validation on their properties (e.g. validate email field is correct format) </a:t>
+              <a:t>Developers can define custom validation on their properties (e.g. validate name field is correct format) </a:t>
             </a:r>
           </a:p>
         </p:txBody>
       </p:sp>
-      <p:pic>
-        <p:nvPicPr>
-          <p:cNvPr id="8" name="Picture 7">
-            <a:extLst>
-              <a:ext uri="{FF2B5EF4-FFF2-40B4-BE49-F238E27FC236}">
-                <a16:creationId xmlns:a16="http://schemas.microsoft.com/office/drawing/2014/main" id="{0125251D-E3B3-4DCF-8403-FAB5240F0914}"/>
-              </a:ext>
-            </a:extLst>
-          </p:cNvPr>
-          <p:cNvPicPr>
-            <a:picLocks noChangeAspect="1"/>
-          </p:cNvPicPr>
-          <p:nvPr/>
-        </p:nvPicPr>
-        <p:blipFill>
-          <a:blip r:embed="rId2"/>
-          <a:stretch>
-            <a:fillRect/>
-          </a:stretch>
-        </p:blipFill>
-        <p:spPr>
-          <a:xfrm>
-            <a:off x="855924" y="3089635"/>
-            <a:ext cx="7908205" cy="1529499"/>
-          </a:xfrm>
-          <a:prstGeom prst="rect">
-            <a:avLst/>
-          </a:prstGeom>
-        </p:spPr>
-      </p:pic>
       <p:sp>
         <p:nvSpPr>
           <p:cNvPr id="10" name="Callout: Line 9">
@@ -11969,8 +12087,8 @@
         </p:nvSpPr>
         <p:spPr>
           <a:xfrm>
-            <a:off x="9122537" y="2344882"/>
-            <a:ext cx="2951017" cy="2168236"/>
+            <a:off x="9122537" y="2344881"/>
+            <a:ext cx="2951017" cy="2623933"/>
           </a:xfrm>
           <a:prstGeom prst="borderCallout1">
             <a:avLst>
@@ -12009,14 +12127,56 @@
             <a:pPr algn="ctr"/>
             <a:r>
               <a:rPr lang="en-IE" dirty="0"/>
-              <a:t>Using Regular Expression (regex) to test for a valid email. If you’ve not come across them before check out </a:t>
+              <a:t>Using Regular Expression (regex) to test for a valid name format, for example begins with a capital letter. </a:t>
             </a:r>
             <a:br>
               <a:rPr lang="en-IE" dirty="0"/>
             </a:br>
             <a:r>
               <a:rPr lang="en-IE" dirty="0"/>
+              <a:t>If you’ve not come across them before check out </a:t>
+            </a:r>
+            <a:br>
+              <a:rPr lang="en-IE" dirty="0"/>
+            </a:br>
+            <a:r>
+              <a:rPr lang="en-IE" dirty="0"/>
               <a:t>https://www.w3schools.com/jsref/jsref_obj_regexp.asp</a:t>
+            </a:r>
+          </a:p>
+        </p:txBody>
+      </p:sp>
+      <p:sp>
+        <p:nvSpPr>
+          <p:cNvPr id="7" name="TextBox 6">
+            <a:extLst>
+              <a:ext uri="{FF2B5EF4-FFF2-40B4-BE49-F238E27FC236}">
+                <a16:creationId xmlns:a16="http://schemas.microsoft.com/office/drawing/2014/main" id="{EE0B3FC6-BBB7-4E59-99A4-633A8C4C602E}"/>
+              </a:ext>
+            </a:extLst>
+          </p:cNvPr>
+          <p:cNvSpPr txBox="1"/>
+          <p:nvPr/>
+        </p:nvSpPr>
+        <p:spPr>
+          <a:xfrm>
+            <a:off x="3180272" y="6259265"/>
+            <a:ext cx="6096000" cy="369332"/>
+          </a:xfrm>
+          <a:prstGeom prst="rect">
+            <a:avLst/>
+          </a:prstGeom>
+          <a:noFill/>
+        </p:spPr>
+        <p:txBody>
+          <a:bodyPr wrap="square">
+            <a:spAutoFit/>
+          </a:bodyPr>
+          <a:lstStyle/>
+          <a:p>
+            <a:r>
+              <a:rPr lang="en-IE" dirty="0"/>
+              <a:t>https://mongoosejs.com/docs/validation.html</a:t>
             </a:r>
           </a:p>
         </p:txBody>
@@ -12120,110 +12280,6 @@
 </p:sld>
 </file>
 
-<file path=ppt/slides/slide26.xml><?xml version="1.0" encoding="utf-8"?>
-<p:sld xmlns:a="http://schemas.openxmlformats.org/drawingml/2006/main" xmlns:r="http://schemas.openxmlformats.org/officeDocument/2006/relationships" xmlns:p="http://schemas.openxmlformats.org/presentationml/2006/main">
-  <p:cSld>
-    <p:spTree>
-      <p:nvGrpSpPr>
-        <p:cNvPr id="1" name=""/>
-        <p:cNvGrpSpPr/>
-        <p:nvPr/>
-      </p:nvGrpSpPr>
-      <p:grpSpPr>
-        <a:xfrm>
-          <a:off x="0" y="0"/>
-          <a:ext cx="0" cy="0"/>
-          <a:chOff x="0" y="0"/>
-          <a:chExt cx="0" cy="0"/>
-        </a:xfrm>
-      </p:grpSpPr>
-      <p:sp>
-        <p:nvSpPr>
-          <p:cNvPr id="2" name="Title 1"/>
-          <p:cNvSpPr>
-            <a:spLocks noGrp="1"/>
-          </p:cNvSpPr>
-          <p:nvPr>
-            <p:ph type="title"/>
-          </p:nvPr>
-        </p:nvSpPr>
-        <p:spPr/>
-        <p:txBody>
-          <a:bodyPr/>
-          <a:lstStyle/>
-          <a:p>
-            <a:r>
-              <a:rPr lang="en-IE"/>
-              <a:t>Mongoose Custom Validation</a:t>
-            </a:r>
-          </a:p>
-        </p:txBody>
-      </p:sp>
-      <p:sp>
-        <p:nvSpPr>
-          <p:cNvPr id="3" name="Content Placeholder 2"/>
-          <p:cNvSpPr>
-            <a:spLocks noGrp="1"/>
-          </p:cNvSpPr>
-          <p:nvPr>
-            <p:ph idx="1"/>
-          </p:nvPr>
-        </p:nvSpPr>
-        <p:spPr/>
-        <p:txBody>
-          <a:bodyPr/>
-          <a:lstStyle/>
-          <a:p>
-            <a:r>
-              <a:rPr lang="en-IE" dirty="0"/>
-              <a:t>Developers can define custom validation on their properties (e.g. validate length of username when trying to save) </a:t>
-            </a:r>
-          </a:p>
-        </p:txBody>
-      </p:sp>
-      <p:pic>
-        <p:nvPicPr>
-          <p:cNvPr id="5" name="Picture 4">
-            <a:extLst>
-              <a:ext uri="{FF2B5EF4-FFF2-40B4-BE49-F238E27FC236}">
-                <a16:creationId xmlns:a16="http://schemas.microsoft.com/office/drawing/2014/main" id="{E6BDD2E2-3F9D-45DF-8072-C8FD60F6DFF3}"/>
-              </a:ext>
-            </a:extLst>
-          </p:cNvPr>
-          <p:cNvPicPr>
-            <a:picLocks noChangeAspect="1"/>
-          </p:cNvPicPr>
-          <p:nvPr/>
-        </p:nvPicPr>
-        <p:blipFill>
-          <a:blip r:embed="rId3"/>
-          <a:stretch>
-            <a:fillRect/>
-          </a:stretch>
-        </p:blipFill>
-        <p:spPr>
-          <a:xfrm>
-            <a:off x="2499040" y="3687083"/>
-            <a:ext cx="5987735" cy="1931940"/>
-          </a:xfrm>
-          <a:prstGeom prst="rect">
-            <a:avLst/>
-          </a:prstGeom>
-        </p:spPr>
-      </p:pic>
-    </p:spTree>
-    <p:extLst>
-      <p:ext uri="{BB962C8B-B14F-4D97-AF65-F5344CB8AC3E}">
-        <p14:creationId xmlns:p14="http://schemas.microsoft.com/office/powerpoint/2010/main" val="3854155357"/>
-      </p:ext>
-    </p:extLst>
-  </p:cSld>
-  <p:clrMapOvr>
-    <a:masterClrMapping/>
-  </p:clrMapOvr>
-</p:sld>
-</file>
-
 <file path=ppt/slides/slide27.xml><?xml version="1.0" encoding="utf-8"?>
 <p:sld xmlns:a="http://schemas.openxmlformats.org/drawingml/2006/main" xmlns:r="http://schemas.openxmlformats.org/officeDocument/2006/relationships" xmlns:p="http://schemas.openxmlformats.org/presentationml/2006/main">
   <p:cSld>
@@ -12291,8 +12347,12 @@
           <a:p>
             <a:pPr lvl="1"/>
             <a:r>
+              <a:rPr lang="en-IE" b="1" dirty="0"/>
+              <a:t>Create</a:t>
+            </a:r>
+            <a:r>
               <a:rPr lang="en-IE" dirty="0"/>
-              <a:t>Create –&gt; </a:t>
+              <a:t> –&gt; </a:t>
             </a:r>
             <a:r>
               <a:rPr lang="en-IE" dirty="0" err="1"/>
@@ -12300,7 +12360,7 @@
             </a:r>
             <a:r>
               <a:rPr lang="en-IE" dirty="0"/>
-              <a:t>() </a:t>
+              <a:t>(docs) or new Model(doc).save()</a:t>
             </a:r>
             <a:endParaRPr lang="en-IE" dirty="0">
               <a:cs typeface="Calibri"/>
@@ -12309,8 +12369,12 @@
           <a:p>
             <a:pPr lvl="1"/>
             <a:r>
+              <a:rPr lang="en-IE" b="1" dirty="0"/>
+              <a:t>Read </a:t>
+            </a:r>
+            <a:r>
               <a:rPr lang="en-IE" dirty="0"/>
-              <a:t>Read –&gt; </a:t>
+              <a:t>–&gt; </a:t>
             </a:r>
             <a:r>
               <a:rPr lang="en-IE" dirty="0" err="1"/>
@@ -12318,7 +12382,7 @@
             </a:r>
             <a:r>
               <a:rPr lang="en-IE" dirty="0"/>
-              <a:t>()</a:t>
+              <a:t>(conditions)</a:t>
             </a:r>
             <a:endParaRPr lang="en-IE" dirty="0">
               <a:cs typeface="Calibri"/>
@@ -12327,8 +12391,12 @@
           <a:p>
             <a:pPr lvl="1"/>
             <a:r>
+              <a:rPr lang="en-IE" b="1" dirty="0"/>
+              <a:t>Update </a:t>
+            </a:r>
+            <a:r>
               <a:rPr lang="en-IE" dirty="0"/>
-              <a:t>Update –&gt; </a:t>
+              <a:t>–&gt; </a:t>
             </a:r>
             <a:r>
               <a:rPr lang="en-IE" dirty="0" err="1"/>
@@ -12336,22 +12404,18 @@
             </a:r>
             <a:r>
               <a:rPr lang="en-IE" dirty="0"/>
-              <a:t>(condition, props, </a:t>
-            </a:r>
-            <a:r>
-              <a:rPr lang="en-IE" dirty="0" err="1"/>
-              <a:t>cb</a:t>
+              <a:t>(conditions, props) </a:t>
+            </a:r>
+          </a:p>
+          <a:p>
+            <a:pPr lvl="1"/>
+            <a:r>
+              <a:rPr lang="en-IE" b="1" dirty="0"/>
+              <a:t>Remove</a:t>
             </a:r>
             <a:r>
               <a:rPr lang="en-IE" dirty="0"/>
-              <a:t>) </a:t>
-            </a:r>
-          </a:p>
-          <a:p>
-            <a:pPr lvl="1"/>
-            <a:r>
-              <a:rPr lang="en-IE" dirty="0"/>
-              <a:t>Remove –&gt; </a:t>
+              <a:t> –&gt; </a:t>
             </a:r>
             <a:r>
               <a:rPr lang="en-IE" dirty="0" err="1"/>
@@ -12359,7 +12423,7 @@
             </a:r>
             <a:r>
               <a:rPr lang="en-IE" dirty="0"/>
-              <a:t>() </a:t>
+              <a:t>(conditions) </a:t>
             </a:r>
             <a:endParaRPr lang="en-IE" dirty="0">
               <a:cs typeface="Calibri"/>
@@ -12394,7 +12458,7 @@
               <a:rPr lang="en-IE" dirty="0">
                 <a:cs typeface="Calibri"/>
               </a:rPr>
-              <a:t> or promises. </a:t>
+              <a:t>, promises, pr async-await </a:t>
             </a:r>
           </a:p>
           <a:p>
@@ -12831,6 +12895,66 @@
           <a:chExt cx="0" cy="0"/>
         </a:xfrm>
       </p:grpSpPr>
+      <p:pic>
+        <p:nvPicPr>
+          <p:cNvPr id="8" name="Picture 7">
+            <a:extLst>
+              <a:ext uri="{FF2B5EF4-FFF2-40B4-BE49-F238E27FC236}">
+                <a16:creationId xmlns:a16="http://schemas.microsoft.com/office/drawing/2014/main" id="{C10296C3-E5CE-4734-9439-91CE38904DFA}"/>
+              </a:ext>
+            </a:extLst>
+          </p:cNvPr>
+          <p:cNvPicPr>
+            <a:picLocks noChangeAspect="1"/>
+          </p:cNvPicPr>
+          <p:nvPr/>
+        </p:nvPicPr>
+        <p:blipFill>
+          <a:blip r:embed="rId2"/>
+          <a:stretch>
+            <a:fillRect/>
+          </a:stretch>
+        </p:blipFill>
+        <p:spPr>
+          <a:xfrm>
+            <a:off x="7557010" y="1704531"/>
+            <a:ext cx="3186760" cy="1301103"/>
+          </a:xfrm>
+          <a:prstGeom prst="rect">
+            <a:avLst/>
+          </a:prstGeom>
+        </p:spPr>
+      </p:pic>
+      <p:pic>
+        <p:nvPicPr>
+          <p:cNvPr id="6" name="Picture 5">
+            <a:extLst>
+              <a:ext uri="{FF2B5EF4-FFF2-40B4-BE49-F238E27FC236}">
+                <a16:creationId xmlns:a16="http://schemas.microsoft.com/office/drawing/2014/main" id="{43B19642-BD90-42D5-89F7-EB7D6BE596CB}"/>
+              </a:ext>
+            </a:extLst>
+          </p:cNvPr>
+          <p:cNvPicPr>
+            <a:picLocks noChangeAspect="1"/>
+          </p:cNvPicPr>
+          <p:nvPr/>
+        </p:nvPicPr>
+        <p:blipFill>
+          <a:blip r:embed="rId3"/>
+          <a:stretch>
+            <a:fillRect/>
+          </a:stretch>
+        </p:blipFill>
+        <p:spPr>
+          <a:xfrm>
+            <a:off x="6171930" y="4406899"/>
+            <a:ext cx="4943475" cy="2066925"/>
+          </a:xfrm>
+          <a:prstGeom prst="rect">
+            <a:avLst/>
+          </a:prstGeom>
+        </p:spPr>
+      </p:pic>
       <p:sp>
         <p:nvSpPr>
           <p:cNvPr id="2" name="Title 1"/>
@@ -12848,7 +12972,7 @@
           <a:p>
             <a:r>
               <a:rPr lang="en-IE" dirty="0"/>
-              <a:t>Create with Mongoose</a:t>
+              <a:t>Create with Mongoose (async-await)</a:t>
             </a:r>
           </a:p>
         </p:txBody>
@@ -12880,70 +13004,10 @@
       </p:sp>
       <p:pic>
         <p:nvPicPr>
-          <p:cNvPr id="5" name="Picture 4">
+          <p:cNvPr id="9" name="Picture 8">
             <a:extLst>
               <a:ext uri="{FF2B5EF4-FFF2-40B4-BE49-F238E27FC236}">
-                <a16:creationId xmlns:a16="http://schemas.microsoft.com/office/drawing/2014/main" id="{63FDA922-4E0D-46EB-91F9-0BAB0471D97A}"/>
-              </a:ext>
-            </a:extLst>
-          </p:cNvPr>
-          <p:cNvPicPr>
-            <a:picLocks noChangeAspect="1"/>
-          </p:cNvPicPr>
-          <p:nvPr/>
-        </p:nvPicPr>
-        <p:blipFill>
-          <a:blip r:embed="rId2"/>
-          <a:stretch>
-            <a:fillRect/>
-          </a:stretch>
-        </p:blipFill>
-        <p:spPr>
-          <a:xfrm>
-            <a:off x="702906" y="1417638"/>
-            <a:ext cx="4739264" cy="3640674"/>
-          </a:xfrm>
-          <a:prstGeom prst="rect">
-            <a:avLst/>
-          </a:prstGeom>
-        </p:spPr>
-      </p:pic>
-      <p:pic>
-        <p:nvPicPr>
-          <p:cNvPr id="3" name="Picture 2">
-            <a:extLst>
-              <a:ext uri="{FF2B5EF4-FFF2-40B4-BE49-F238E27FC236}">
-                <a16:creationId xmlns:a16="http://schemas.microsoft.com/office/drawing/2014/main" id="{236416EE-CEC8-4E9F-A953-622194DD51B2}"/>
-              </a:ext>
-            </a:extLst>
-          </p:cNvPr>
-          <p:cNvPicPr>
-            <a:picLocks noChangeAspect="1"/>
-          </p:cNvPicPr>
-          <p:nvPr/>
-        </p:nvPicPr>
-        <p:blipFill>
-          <a:blip r:embed="rId3"/>
-          <a:stretch>
-            <a:fillRect/>
-          </a:stretch>
-        </p:blipFill>
-        <p:spPr>
-          <a:xfrm>
-            <a:off x="6483705" y="5139274"/>
-            <a:ext cx="4524375" cy="981075"/>
-          </a:xfrm>
-          <a:prstGeom prst="rect">
-            <a:avLst/>
-          </a:prstGeom>
-        </p:spPr>
-      </p:pic>
-      <p:pic>
-        <p:nvPicPr>
-          <p:cNvPr id="4" name="Picture 3">
-            <a:extLst>
-              <a:ext uri="{FF2B5EF4-FFF2-40B4-BE49-F238E27FC236}">
-                <a16:creationId xmlns:a16="http://schemas.microsoft.com/office/drawing/2014/main" id="{C4EC0ACE-D1D0-4E69-A75B-C26299F8C475}"/>
+                <a16:creationId xmlns:a16="http://schemas.microsoft.com/office/drawing/2014/main" id="{D8001621-5C18-4376-824B-DE189FEE0EBA}"/>
               </a:ext>
             </a:extLst>
           </p:cNvPr>
@@ -12960,8 +13024,8 @@
         </p:blipFill>
         <p:spPr>
           <a:xfrm>
-            <a:off x="702906" y="5058312"/>
-            <a:ext cx="3581400" cy="571500"/>
+            <a:off x="795966" y="1828471"/>
+            <a:ext cx="3801598" cy="3801598"/>
           </a:xfrm>
           <a:prstGeom prst="rect">
             <a:avLst/>
@@ -12970,10 +13034,10 @@
       </p:pic>
       <p:pic>
         <p:nvPicPr>
-          <p:cNvPr id="11" name="Picture 10">
+          <p:cNvPr id="10" name="Picture 9">
             <a:extLst>
               <a:ext uri="{FF2B5EF4-FFF2-40B4-BE49-F238E27FC236}">
-                <a16:creationId xmlns:a16="http://schemas.microsoft.com/office/drawing/2014/main" id="{88CCD983-17AC-4F5B-B4FF-B37FABE827A4}"/>
+                <a16:creationId xmlns:a16="http://schemas.microsoft.com/office/drawing/2014/main" id="{08FABEA0-5A6A-4947-84DB-F65A262DA3CD}"/>
               </a:ext>
             </a:extLst>
           </p:cNvPr>
@@ -12990,137 +13054,116 @@
         </p:blipFill>
         <p:spPr>
           <a:xfrm>
-            <a:off x="7389846" y="1417638"/>
-            <a:ext cx="3110690" cy="1983326"/>
+            <a:off x="795966" y="5630069"/>
+            <a:ext cx="4438650" cy="323850"/>
           </a:xfrm>
           <a:prstGeom prst="rect">
             <a:avLst/>
           </a:prstGeom>
         </p:spPr>
       </p:pic>
-      <p:grpSp>
-        <p:nvGrpSpPr>
-          <p:cNvPr id="14" name="Group 13">
-            <a:extLst>
-              <a:ext uri="{FF2B5EF4-FFF2-40B4-BE49-F238E27FC236}">
-                <a16:creationId xmlns:a16="http://schemas.microsoft.com/office/drawing/2014/main" id="{506348A2-FC49-43EB-A47B-B4456625D6FA}"/>
-              </a:ext>
-            </a:extLst>
-          </p:cNvPr>
-          <p:cNvGrpSpPr/>
-          <p:nvPr/>
-        </p:nvGrpSpPr>
-        <p:grpSpPr>
-          <a:xfrm>
-            <a:off x="5220705" y="2648682"/>
-            <a:ext cx="5468400" cy="2451240"/>
-            <a:chOff x="5220705" y="2648682"/>
-            <a:chExt cx="5468400" cy="2451240"/>
-          </a:xfrm>
-        </p:grpSpPr>
-        <mc:AlternateContent xmlns:mc="http://schemas.openxmlformats.org/markup-compatibility/2006" xmlns:p14="http://schemas.microsoft.com/office/powerpoint/2010/main">
-          <mc:Choice Requires="p14">
-            <p:contentPart p14:bwMode="auto" r:id="rId6">
-              <p14:nvContentPartPr>
-                <p14:cNvPr id="12" name="Ink 11">
-                  <a:extLst>
-                    <a:ext uri="{FF2B5EF4-FFF2-40B4-BE49-F238E27FC236}">
-                      <a16:creationId xmlns:a16="http://schemas.microsoft.com/office/drawing/2014/main" id="{C14CABD8-3F25-4EA6-B13E-37B50AD0C226}"/>
-                    </a:ext>
-                  </a:extLst>
-                </p14:cNvPr>
-                <p14:cNvContentPartPr/>
-                <p14:nvPr/>
-              </p14:nvContentPartPr>
-              <p14:xfrm>
-                <a:off x="5220705" y="2648682"/>
-                <a:ext cx="2457720" cy="548640"/>
-              </p14:xfrm>
-            </p:contentPart>
-          </mc:Choice>
-          <mc:Fallback xmlns="">
-            <p:pic>
-              <p:nvPicPr>
-                <p:cNvPr id="12" name="Ink 11">
-                  <a:extLst>
-                    <a:ext uri="{FF2B5EF4-FFF2-40B4-BE49-F238E27FC236}">
-                      <a16:creationId xmlns:a16="http://schemas.microsoft.com/office/drawing/2014/main" id="{C14CABD8-3F25-4EA6-B13E-37B50AD0C226}"/>
-                    </a:ext>
-                  </a:extLst>
-                </p:cNvPr>
-                <p:cNvPicPr/>
-                <p:nvPr/>
-              </p:nvPicPr>
-              <p:blipFill>
-                <a:blip r:embed="rId7"/>
-                <a:stretch>
-                  <a:fillRect/>
-                </a:stretch>
-              </p:blipFill>
-              <p:spPr>
-                <a:xfrm>
-                  <a:off x="5211705" y="2640042"/>
-                  <a:ext cx="2475360" cy="566280"/>
-                </a:xfrm>
-                <a:prstGeom prst="rect">
-                  <a:avLst/>
-                </a:prstGeom>
-              </p:spPr>
-            </p:pic>
-          </mc:Fallback>
-        </mc:AlternateContent>
-        <mc:AlternateContent xmlns:mc="http://schemas.openxmlformats.org/markup-compatibility/2006" xmlns:p14="http://schemas.microsoft.com/office/powerpoint/2010/main">
-          <mc:Choice Requires="p14">
-            <p:contentPart p14:bwMode="auto" r:id="rId8">
-              <p14:nvContentPartPr>
-                <p14:cNvPr id="13" name="Ink 12">
-                  <a:extLst>
-                    <a:ext uri="{FF2B5EF4-FFF2-40B4-BE49-F238E27FC236}">
-                      <a16:creationId xmlns:a16="http://schemas.microsoft.com/office/drawing/2014/main" id="{94AB1B77-946F-410A-B812-8AF3D565BEAC}"/>
-                    </a:ext>
-                  </a:extLst>
-                </p14:cNvPr>
-                <p14:cNvContentPartPr/>
-                <p14:nvPr/>
-              </p14:nvContentPartPr>
-              <p14:xfrm>
-                <a:off x="8941305" y="2743002"/>
-                <a:ext cx="1747800" cy="2356920"/>
-              </p14:xfrm>
-            </p:contentPart>
-          </mc:Choice>
-          <mc:Fallback xmlns="">
-            <p:pic>
-              <p:nvPicPr>
-                <p:cNvPr id="13" name="Ink 12">
-                  <a:extLst>
-                    <a:ext uri="{FF2B5EF4-FFF2-40B4-BE49-F238E27FC236}">
-                      <a16:creationId xmlns:a16="http://schemas.microsoft.com/office/drawing/2014/main" id="{94AB1B77-946F-410A-B812-8AF3D565BEAC}"/>
-                    </a:ext>
-                  </a:extLst>
-                </p:cNvPr>
-                <p:cNvPicPr/>
-                <p:nvPr/>
-              </p:nvPicPr>
-              <p:blipFill>
-                <a:blip r:embed="rId9"/>
-                <a:stretch>
-                  <a:fillRect/>
-                </a:stretch>
-              </p:blipFill>
-              <p:spPr>
-                <a:xfrm>
-                  <a:off x="8932665" y="2734002"/>
-                  <a:ext cx="1765440" cy="2374560"/>
-                </a:xfrm>
-                <a:prstGeom prst="rect">
-                  <a:avLst/>
-                </a:prstGeom>
-              </p:spPr>
-            </p:pic>
-          </mc:Fallback>
-        </mc:AlternateContent>
-      </p:grpSp>
+      <mc:AlternateContent xmlns:mc="http://schemas.openxmlformats.org/markup-compatibility/2006" xmlns:p14="http://schemas.microsoft.com/office/powerpoint/2010/main">
+        <mc:Choice Requires="p14">
+          <p:contentPart p14:bwMode="auto" r:id="rId6">
+            <p14:nvContentPartPr>
+              <p14:cNvPr id="15" name="Ink 14">
+                <a:extLst>
+                  <a:ext uri="{FF2B5EF4-FFF2-40B4-BE49-F238E27FC236}">
+                    <a16:creationId xmlns:a16="http://schemas.microsoft.com/office/drawing/2014/main" id="{AF006D39-63A9-4391-BE36-F7686942E841}"/>
+                  </a:ext>
+                </a:extLst>
+              </p14:cNvPr>
+              <p14:cNvContentPartPr/>
+              <p14:nvPr/>
+            </p14:nvContentPartPr>
+            <p14:xfrm>
+              <a:off x="3729151" y="2069962"/>
+              <a:ext cx="3924000" cy="1811160"/>
+            </p14:xfrm>
+          </p:contentPart>
+        </mc:Choice>
+        <mc:Fallback xmlns="">
+          <p:pic>
+            <p:nvPicPr>
+              <p:cNvPr id="15" name="Ink 14">
+                <a:extLst>
+                  <a:ext uri="{FF2B5EF4-FFF2-40B4-BE49-F238E27FC236}">
+                    <a16:creationId xmlns:a16="http://schemas.microsoft.com/office/drawing/2014/main" id="{AF006D39-63A9-4391-BE36-F7686942E841}"/>
+                  </a:ext>
+                </a:extLst>
+              </p:cNvPr>
+              <p:cNvPicPr/>
+              <p:nvPr/>
+            </p:nvPicPr>
+            <p:blipFill>
+              <a:blip r:embed="rId7"/>
+              <a:stretch>
+                <a:fillRect/>
+              </a:stretch>
+            </p:blipFill>
+            <p:spPr>
+              <a:xfrm>
+                <a:off x="3720511" y="2060962"/>
+                <a:ext cx="3941640" cy="1828800"/>
+              </a:xfrm>
+              <a:prstGeom prst="rect">
+                <a:avLst/>
+              </a:prstGeom>
+            </p:spPr>
+          </p:pic>
+        </mc:Fallback>
+      </mc:AlternateContent>
+      <mc:AlternateContent xmlns:mc="http://schemas.openxmlformats.org/markup-compatibility/2006" xmlns:p14="http://schemas.microsoft.com/office/powerpoint/2010/main">
+        <mc:Choice Requires="p14">
+          <p:contentPart p14:bwMode="auto" r:id="rId8">
+            <p14:nvContentPartPr>
+              <p14:cNvPr id="16" name="Ink 15">
+                <a:extLst>
+                  <a:ext uri="{FF2B5EF4-FFF2-40B4-BE49-F238E27FC236}">
+                    <a16:creationId xmlns:a16="http://schemas.microsoft.com/office/drawing/2014/main" id="{071ADC95-B420-4942-BBB6-822A84A8A7A3}"/>
+                  </a:ext>
+                </a:extLst>
+              </p14:cNvPr>
+              <p14:cNvContentPartPr/>
+              <p14:nvPr/>
+            </p14:nvContentPartPr>
+            <p14:xfrm>
+              <a:off x="9081631" y="2790322"/>
+              <a:ext cx="941400" cy="2331360"/>
+            </p14:xfrm>
+          </p:contentPart>
+        </mc:Choice>
+        <mc:Fallback xmlns="">
+          <p:pic>
+            <p:nvPicPr>
+              <p:cNvPr id="16" name="Ink 15">
+                <a:extLst>
+                  <a:ext uri="{FF2B5EF4-FFF2-40B4-BE49-F238E27FC236}">
+                    <a16:creationId xmlns:a16="http://schemas.microsoft.com/office/drawing/2014/main" id="{071ADC95-B420-4942-BBB6-822A84A8A7A3}"/>
+                  </a:ext>
+                </a:extLst>
+              </p:cNvPr>
+              <p:cNvPicPr/>
+              <p:nvPr/>
+            </p:nvPicPr>
+            <p:blipFill>
+              <a:blip r:embed="rId9"/>
+              <a:stretch>
+                <a:fillRect/>
+              </a:stretch>
+            </p:blipFill>
+            <p:spPr>
+              <a:xfrm>
+                <a:off x="9072991" y="2781322"/>
+                <a:ext cx="959040" cy="2349000"/>
+              </a:xfrm>
+              <a:prstGeom prst="rect">
+                <a:avLst/>
+              </a:prstGeom>
+            </p:spPr>
+          </p:pic>
+        </mc:Fallback>
+      </mc:AlternateContent>
     </p:spTree>
     <p:extLst>
       <p:ext uri="{BB962C8B-B14F-4D97-AF65-F5344CB8AC3E}">
@@ -13151,59 +13194,12 @@
           <a:chExt cx="0" cy="0"/>
         </a:xfrm>
       </p:grpSpPr>
-      <p:sp>
-        <p:nvSpPr>
-          <p:cNvPr id="2" name="Title 1"/>
-          <p:cNvSpPr>
-            <a:spLocks noGrp="1"/>
-          </p:cNvSpPr>
-          <p:nvPr>
-            <p:ph type="title"/>
-          </p:nvPr>
-        </p:nvSpPr>
-        <p:spPr/>
-        <p:txBody>
-          <a:bodyPr/>
-          <a:lstStyle/>
-          <a:p>
-            <a:r>
-              <a:rPr lang="en-IE" dirty="0"/>
-              <a:t>Update with Mongoose</a:t>
-            </a:r>
-          </a:p>
-        </p:txBody>
-      </p:sp>
-      <p:sp>
-        <p:nvSpPr>
-          <p:cNvPr id="4" name="Content Placeholder 3">
+      <p:pic>
+        <p:nvPicPr>
+          <p:cNvPr id="3" name="Picture 2">
             <a:extLst>
               <a:ext uri="{FF2B5EF4-FFF2-40B4-BE49-F238E27FC236}">
-                <a16:creationId xmlns:a16="http://schemas.microsoft.com/office/drawing/2014/main" id="{F8AB79EB-7032-43A9-AC27-D5C5FE846300}"/>
-              </a:ext>
-            </a:extLst>
-          </p:cNvPr>
-          <p:cNvSpPr>
-            <a:spLocks noGrp="1"/>
-          </p:cNvSpPr>
-          <p:nvPr>
-            <p:ph idx="1"/>
-          </p:nvPr>
-        </p:nvSpPr>
-        <p:spPr/>
-        <p:txBody>
-          <a:bodyPr/>
-          <a:lstStyle/>
-          <a:p>
-            <a:endParaRPr lang="en-IE"/>
-          </a:p>
-        </p:txBody>
-      </p:sp>
-      <p:pic>
-        <p:nvPicPr>
-          <p:cNvPr id="5" name="Picture 4">
-            <a:extLst>
-              <a:ext uri="{FF2B5EF4-FFF2-40B4-BE49-F238E27FC236}">
-                <a16:creationId xmlns:a16="http://schemas.microsoft.com/office/drawing/2014/main" id="{F2526521-AC7C-463E-ABCA-131AB1A6B1E4}"/>
+                <a16:creationId xmlns:a16="http://schemas.microsoft.com/office/drawing/2014/main" id="{CE5C4EFC-844D-47D1-BFF8-785E440C68AA}"/>
               </a:ext>
             </a:extLst>
           </p:cNvPr>
@@ -13220,18 +13216,257 @@
         </p:blipFill>
         <p:spPr>
           <a:xfrm>
-            <a:off x="1900565" y="1711302"/>
-            <a:ext cx="8225381" cy="2930500"/>
+            <a:off x="6446311" y="4239769"/>
+            <a:ext cx="4772025" cy="1990725"/>
           </a:xfrm>
           <a:prstGeom prst="rect">
             <a:avLst/>
           </a:prstGeom>
         </p:spPr>
       </p:pic>
+      <p:pic>
+        <p:nvPicPr>
+          <p:cNvPr id="8" name="Picture 7">
+            <a:extLst>
+              <a:ext uri="{FF2B5EF4-FFF2-40B4-BE49-F238E27FC236}">
+                <a16:creationId xmlns:a16="http://schemas.microsoft.com/office/drawing/2014/main" id="{C10296C3-E5CE-4734-9439-91CE38904DFA}"/>
+              </a:ext>
+            </a:extLst>
+          </p:cNvPr>
+          <p:cNvPicPr>
+            <a:picLocks noChangeAspect="1"/>
+          </p:cNvPicPr>
+          <p:nvPr/>
+        </p:nvPicPr>
+        <p:blipFill>
+          <a:blip r:embed="rId3"/>
+          <a:stretch>
+            <a:fillRect/>
+          </a:stretch>
+        </p:blipFill>
+        <p:spPr>
+          <a:xfrm>
+            <a:off x="7557010" y="1704531"/>
+            <a:ext cx="3186760" cy="1301103"/>
+          </a:xfrm>
+          <a:prstGeom prst="rect">
+            <a:avLst/>
+          </a:prstGeom>
+        </p:spPr>
+      </p:pic>
+      <p:sp>
+        <p:nvSpPr>
+          <p:cNvPr id="2" name="Title 1"/>
+          <p:cNvSpPr>
+            <a:spLocks noGrp="1"/>
+          </p:cNvSpPr>
+          <p:nvPr>
+            <p:ph type="title"/>
+          </p:nvPr>
+        </p:nvSpPr>
+        <p:spPr/>
+        <p:txBody>
+          <a:bodyPr/>
+          <a:lstStyle/>
+          <a:p>
+            <a:r>
+              <a:rPr lang="en-IE" dirty="0"/>
+              <a:t>Create with Mongoose (promise)</a:t>
+            </a:r>
+          </a:p>
+        </p:txBody>
+      </p:sp>
+      <p:sp>
+        <p:nvSpPr>
+          <p:cNvPr id="7" name="Content Placeholder 6">
+            <a:extLst>
+              <a:ext uri="{FF2B5EF4-FFF2-40B4-BE49-F238E27FC236}">
+                <a16:creationId xmlns:a16="http://schemas.microsoft.com/office/drawing/2014/main" id="{1FDC1653-AC7C-4E6B-8F6C-B6462EB4EAFC}"/>
+              </a:ext>
+            </a:extLst>
+          </p:cNvPr>
+          <p:cNvSpPr>
+            <a:spLocks noGrp="1"/>
+          </p:cNvSpPr>
+          <p:nvPr>
+            <p:ph idx="1"/>
+          </p:nvPr>
+        </p:nvSpPr>
+        <p:spPr/>
+        <p:txBody>
+          <a:bodyPr/>
+          <a:lstStyle/>
+          <a:p>
+            <a:endParaRPr lang="en-IE" dirty="0"/>
+          </a:p>
+        </p:txBody>
+      </p:sp>
+      <p:pic>
+        <p:nvPicPr>
+          <p:cNvPr id="9" name="Picture 8">
+            <a:extLst>
+              <a:ext uri="{FF2B5EF4-FFF2-40B4-BE49-F238E27FC236}">
+                <a16:creationId xmlns:a16="http://schemas.microsoft.com/office/drawing/2014/main" id="{D8001621-5C18-4376-824B-DE189FEE0EBA}"/>
+              </a:ext>
+            </a:extLst>
+          </p:cNvPr>
+          <p:cNvPicPr>
+            <a:picLocks noChangeAspect="1"/>
+          </p:cNvPicPr>
+          <p:nvPr/>
+        </p:nvPicPr>
+        <p:blipFill>
+          <a:blip r:embed="rId4"/>
+          <a:stretch>
+            <a:fillRect/>
+          </a:stretch>
+        </p:blipFill>
+        <p:spPr>
+          <a:xfrm>
+            <a:off x="795966" y="1828471"/>
+            <a:ext cx="3801598" cy="3801598"/>
+          </a:xfrm>
+          <a:prstGeom prst="rect">
+            <a:avLst/>
+          </a:prstGeom>
+        </p:spPr>
+      </p:pic>
+      <p:pic>
+        <p:nvPicPr>
+          <p:cNvPr id="10" name="Picture 9">
+            <a:extLst>
+              <a:ext uri="{FF2B5EF4-FFF2-40B4-BE49-F238E27FC236}">
+                <a16:creationId xmlns:a16="http://schemas.microsoft.com/office/drawing/2014/main" id="{08FABEA0-5A6A-4947-84DB-F65A262DA3CD}"/>
+              </a:ext>
+            </a:extLst>
+          </p:cNvPr>
+          <p:cNvPicPr>
+            <a:picLocks noChangeAspect="1"/>
+          </p:cNvPicPr>
+          <p:nvPr/>
+        </p:nvPicPr>
+        <p:blipFill>
+          <a:blip r:embed="rId5"/>
+          <a:stretch>
+            <a:fillRect/>
+          </a:stretch>
+        </p:blipFill>
+        <p:spPr>
+          <a:xfrm>
+            <a:off x="795966" y="5630069"/>
+            <a:ext cx="4438650" cy="323850"/>
+          </a:xfrm>
+          <a:prstGeom prst="rect">
+            <a:avLst/>
+          </a:prstGeom>
+        </p:spPr>
+      </p:pic>
+      <mc:AlternateContent xmlns:mc="http://schemas.openxmlformats.org/markup-compatibility/2006" xmlns:p14="http://schemas.microsoft.com/office/powerpoint/2010/main">
+        <mc:Choice Requires="p14">
+          <p:contentPart p14:bwMode="auto" r:id="rId6">
+            <p14:nvContentPartPr>
+              <p14:cNvPr id="15" name="Ink 14">
+                <a:extLst>
+                  <a:ext uri="{FF2B5EF4-FFF2-40B4-BE49-F238E27FC236}">
+                    <a16:creationId xmlns:a16="http://schemas.microsoft.com/office/drawing/2014/main" id="{AF006D39-63A9-4391-BE36-F7686942E841}"/>
+                  </a:ext>
+                </a:extLst>
+              </p14:cNvPr>
+              <p14:cNvContentPartPr/>
+              <p14:nvPr/>
+            </p14:nvContentPartPr>
+            <p14:xfrm>
+              <a:off x="3729151" y="2069962"/>
+              <a:ext cx="3924000" cy="1811160"/>
+            </p14:xfrm>
+          </p:contentPart>
+        </mc:Choice>
+        <mc:Fallback xmlns="">
+          <p:pic>
+            <p:nvPicPr>
+              <p:cNvPr id="15" name="Ink 14">
+                <a:extLst>
+                  <a:ext uri="{FF2B5EF4-FFF2-40B4-BE49-F238E27FC236}">
+                    <a16:creationId xmlns:a16="http://schemas.microsoft.com/office/drawing/2014/main" id="{AF006D39-63A9-4391-BE36-F7686942E841}"/>
+                  </a:ext>
+                </a:extLst>
+              </p:cNvPr>
+              <p:cNvPicPr/>
+              <p:nvPr/>
+            </p:nvPicPr>
+            <p:blipFill>
+              <a:blip r:embed="rId7"/>
+              <a:stretch>
+                <a:fillRect/>
+              </a:stretch>
+            </p:blipFill>
+            <p:spPr>
+              <a:xfrm>
+                <a:off x="3720511" y="2060962"/>
+                <a:ext cx="3941640" cy="1828800"/>
+              </a:xfrm>
+              <a:prstGeom prst="rect">
+                <a:avLst/>
+              </a:prstGeom>
+            </p:spPr>
+          </p:pic>
+        </mc:Fallback>
+      </mc:AlternateContent>
+      <mc:AlternateContent xmlns:mc="http://schemas.openxmlformats.org/markup-compatibility/2006" xmlns:p14="http://schemas.microsoft.com/office/powerpoint/2010/main">
+        <mc:Choice Requires="p14">
+          <p:contentPart p14:bwMode="auto" r:id="rId8">
+            <p14:nvContentPartPr>
+              <p14:cNvPr id="16" name="Ink 15">
+                <a:extLst>
+                  <a:ext uri="{FF2B5EF4-FFF2-40B4-BE49-F238E27FC236}">
+                    <a16:creationId xmlns:a16="http://schemas.microsoft.com/office/drawing/2014/main" id="{071ADC95-B420-4942-BBB6-822A84A8A7A3}"/>
+                  </a:ext>
+                </a:extLst>
+              </p14:cNvPr>
+              <p14:cNvContentPartPr/>
+              <p14:nvPr/>
+            </p14:nvContentPartPr>
+            <p14:xfrm>
+              <a:off x="9081631" y="2790322"/>
+              <a:ext cx="941400" cy="2331360"/>
+            </p14:xfrm>
+          </p:contentPart>
+        </mc:Choice>
+        <mc:Fallback xmlns="">
+          <p:pic>
+            <p:nvPicPr>
+              <p:cNvPr id="16" name="Ink 15">
+                <a:extLst>
+                  <a:ext uri="{FF2B5EF4-FFF2-40B4-BE49-F238E27FC236}">
+                    <a16:creationId xmlns:a16="http://schemas.microsoft.com/office/drawing/2014/main" id="{071ADC95-B420-4942-BBB6-822A84A8A7A3}"/>
+                  </a:ext>
+                </a:extLst>
+              </p:cNvPr>
+              <p:cNvPicPr/>
+              <p:nvPr/>
+            </p:nvPicPr>
+            <p:blipFill>
+              <a:blip r:embed="rId9"/>
+              <a:stretch>
+                <a:fillRect/>
+              </a:stretch>
+            </p:blipFill>
+            <p:spPr>
+              <a:xfrm>
+                <a:off x="9072991" y="2781322"/>
+                <a:ext cx="959040" cy="2349000"/>
+              </a:xfrm>
+              <a:prstGeom prst="rect">
+                <a:avLst/>
+              </a:prstGeom>
+            </p:spPr>
+          </p:pic>
+        </mc:Fallback>
+      </mc:AlternateContent>
     </p:spTree>
     <p:extLst>
       <p:ext uri="{BB962C8B-B14F-4D97-AF65-F5344CB8AC3E}">
-        <p14:creationId xmlns:p14="http://schemas.microsoft.com/office/powerpoint/2010/main" val="148236095"/>
+        <p14:creationId xmlns:p14="http://schemas.microsoft.com/office/powerpoint/2010/main" val="2810430215"/>
       </p:ext>
     </p:extLst>
   </p:cSld>
@@ -13972,22 +14207,25 @@
         </p:nvSpPr>
         <p:spPr/>
         <p:txBody>
-          <a:bodyPr>
-            <a:normAutofit/>
-          </a:bodyPr>
+          <a:bodyPr/>
           <a:lstStyle/>
           <a:p>
             <a:r>
-              <a:rPr lang="en-IE" b="1"/>
-              <a:t>Mongoose Queries </a:t>
-            </a:r>
-            <a:endParaRPr lang="en-IE"/>
+              <a:rPr lang="en-IE" dirty="0"/>
+              <a:t>Update with Mongoose</a:t>
+            </a:r>
           </a:p>
         </p:txBody>
       </p:sp>
       <p:sp>
         <p:nvSpPr>
-          <p:cNvPr id="3" name="Content Placeholder 2"/>
+          <p:cNvPr id="4" name="Content Placeholder 3">
+            <a:extLst>
+              <a:ext uri="{FF2B5EF4-FFF2-40B4-BE49-F238E27FC236}">
+                <a16:creationId xmlns:a16="http://schemas.microsoft.com/office/drawing/2014/main" id="{F8AB79EB-7032-43A9-AC27-D5C5FE846300}"/>
+              </a:ext>
+            </a:extLst>
+          </p:cNvPr>
           <p:cNvSpPr>
             <a:spLocks noGrp="1"/>
           </p:cNvSpPr>
@@ -13997,84 +14235,93 @@
         </p:nvSpPr>
         <p:spPr/>
         <p:txBody>
-          <a:bodyPr>
-            <a:normAutofit/>
-          </a:bodyPr>
+          <a:bodyPr/>
           <a:lstStyle/>
           <a:p>
             <a:r>
               <a:rPr lang="en-IE" dirty="0"/>
-              <a:t>Mongoose provides a more expressive version of the native MongoDB</a:t>
-            </a:r>
-          </a:p>
-          <a:p>
-            <a:pPr lvl="1"/>
+              <a:t>Async-Await Syntax</a:t>
+            </a:r>
+          </a:p>
+          <a:p>
+            <a:endParaRPr lang="en-IE" dirty="0"/>
+          </a:p>
+          <a:p>
+            <a:endParaRPr lang="en-IE" dirty="0"/>
+          </a:p>
+          <a:p>
+            <a:endParaRPr lang="en-IE" dirty="0"/>
+          </a:p>
+          <a:p>
             <a:r>
               <a:rPr lang="en-IE" dirty="0"/>
-              <a:t>Instead of:</a:t>
-            </a:r>
-            <a:br>
-              <a:rPr lang="en-IE" dirty="0"/>
-            </a:br>
-            <a:r>
-              <a:rPr lang="en-IE" dirty="0"/>
-              <a:t>	{$or: [{</a:t>
-            </a:r>
-            <a:r>
-              <a:rPr lang="en-IE" dirty="0" err="1"/>
-              <a:t>conditionOne</a:t>
-            </a:r>
-            <a:r>
-              <a:rPr lang="en-IE" dirty="0"/>
-              <a:t>: true}, {</a:t>
-            </a:r>
-            <a:r>
-              <a:rPr lang="en-IE" dirty="0" err="1"/>
-              <a:t>conditionTwo</a:t>
-            </a:r>
-            <a:r>
-              <a:rPr lang="en-IE" dirty="0"/>
-              <a:t>: true}] </a:t>
-            </a:r>
-          </a:p>
-          <a:p>
-            <a:pPr lvl="1"/>
-            <a:r>
-              <a:rPr lang="en-IE" dirty="0"/>
-              <a:t>Do:    .where({</a:t>
-            </a:r>
-            <a:r>
-              <a:rPr lang="en-IE" dirty="0" err="1"/>
-              <a:t>conditionOne:true</a:t>
-            </a:r>
-            <a:r>
-              <a:rPr lang="en-IE" dirty="0"/>
-              <a:t>}).or({</a:t>
-            </a:r>
-            <a:r>
-              <a:rPr lang="en-IE" dirty="0" err="1"/>
-              <a:t>conditionTwo</a:t>
-            </a:r>
-            <a:r>
-              <a:rPr lang="en-IE" dirty="0"/>
-              <a:t>: true}) </a:t>
-            </a:r>
-          </a:p>
-          <a:p>
-            <a:pPr marL="457200" lvl="1" indent="0">
-              <a:buNone/>
-            </a:pPr>
-            <a:endParaRPr lang="en-IE" dirty="0"/>
-          </a:p>
-          <a:p>
-            <a:endParaRPr lang="en-IE" dirty="0"/>
+              <a:t>Promise Syntax</a:t>
+            </a:r>
           </a:p>
         </p:txBody>
       </p:sp>
+      <p:pic>
+        <p:nvPicPr>
+          <p:cNvPr id="3" name="Picture 2">
+            <a:extLst>
+              <a:ext uri="{FF2B5EF4-FFF2-40B4-BE49-F238E27FC236}">
+                <a16:creationId xmlns:a16="http://schemas.microsoft.com/office/drawing/2014/main" id="{72BE78BA-2FD1-46F6-8F90-BE12264B1772}"/>
+              </a:ext>
+            </a:extLst>
+          </p:cNvPr>
+          <p:cNvPicPr>
+            <a:picLocks noChangeAspect="1"/>
+          </p:cNvPicPr>
+          <p:nvPr/>
+        </p:nvPicPr>
+        <p:blipFill rotWithShape="1">
+          <a:blip r:embed="rId2"/>
+          <a:srcRect t="10802"/>
+          <a:stretch/>
+        </p:blipFill>
+        <p:spPr>
+          <a:xfrm>
+            <a:off x="984942" y="4625280"/>
+            <a:ext cx="6000750" cy="1282904"/>
+          </a:xfrm>
+          <a:prstGeom prst="rect">
+            <a:avLst/>
+          </a:prstGeom>
+        </p:spPr>
+      </p:pic>
+      <p:pic>
+        <p:nvPicPr>
+          <p:cNvPr id="6" name="Picture 5">
+            <a:extLst>
+              <a:ext uri="{FF2B5EF4-FFF2-40B4-BE49-F238E27FC236}">
+                <a16:creationId xmlns:a16="http://schemas.microsoft.com/office/drawing/2014/main" id="{828D860F-B86B-4452-A47F-385473CB548C}"/>
+              </a:ext>
+            </a:extLst>
+          </p:cNvPr>
+          <p:cNvPicPr>
+            <a:picLocks noChangeAspect="1"/>
+          </p:cNvPicPr>
+          <p:nvPr/>
+        </p:nvPicPr>
+        <p:blipFill rotWithShape="1">
+          <a:blip r:embed="rId3"/>
+          <a:srcRect t="11606"/>
+          <a:stretch/>
+        </p:blipFill>
+        <p:spPr>
+          <a:xfrm>
+            <a:off x="1040266" y="2428875"/>
+            <a:ext cx="4886325" cy="1574453"/>
+          </a:xfrm>
+          <a:prstGeom prst="rect">
+            <a:avLst/>
+          </a:prstGeom>
+        </p:spPr>
+      </p:pic>
     </p:spTree>
     <p:extLst>
       <p:ext uri="{BB962C8B-B14F-4D97-AF65-F5344CB8AC3E}">
-        <p14:creationId xmlns:p14="http://schemas.microsoft.com/office/powerpoint/2010/main" val="2504938953"/>
+        <p14:creationId xmlns:p14="http://schemas.microsoft.com/office/powerpoint/2010/main" val="148236095"/>
       </p:ext>
     </p:extLst>
   </p:cSld>
@@ -14135,13 +14382,13 @@
         </p:nvSpPr>
         <p:spPr>
           <a:xfrm>
-            <a:off x="1981200" y="1600201"/>
+            <a:off x="397485" y="2284561"/>
             <a:ext cx="8229600" cy="3048000"/>
           </a:xfrm>
         </p:spPr>
         <p:txBody>
           <a:bodyPr>
-            <a:normAutofit fontScale="70000" lnSpcReduction="20000"/>
+            <a:normAutofit fontScale="62500" lnSpcReduction="20000"/>
           </a:bodyPr>
           <a:lstStyle/>
           <a:p>
@@ -14180,16 +14427,8 @@
           </a:p>
           <a:p>
             <a:r>
-              <a:rPr lang="en-IE" dirty="0"/>
-              <a:t>All queries are executed over the object returned by </a:t>
-            </a:r>
-            <a:r>
-              <a:rPr lang="en-IE" dirty="0" err="1"/>
-              <a:t>Model.find</a:t>
-            </a:r>
-            <a:r>
-              <a:rPr lang="en-IE" dirty="0"/>
-              <a:t>*()</a:t>
+              <a:rPr lang="en-GB" dirty="0"/>
+              <a:t>Mongoose models provide several static helper functions for CRUD operations.</a:t>
             </a:r>
           </a:p>
           <a:p>
@@ -14239,7 +14478,7 @@
           <p:cNvPr id="4" name="Picture 3">
             <a:extLst>
               <a:ext uri="{FF2B5EF4-FFF2-40B4-BE49-F238E27FC236}">
-                <a16:creationId xmlns:a16="http://schemas.microsoft.com/office/drawing/2014/main" id="{6FA9FFAE-F748-4157-97CB-4E5B32E601E4}"/>
+                <a16:creationId xmlns:a16="http://schemas.microsoft.com/office/drawing/2014/main" id="{58DD5F58-E748-4910-B149-E81BFD26DC6F}"/>
               </a:ext>
             </a:extLst>
           </p:cNvPr>
@@ -14256,8 +14495,8 @@
         </p:blipFill>
         <p:spPr>
           <a:xfrm>
-            <a:off x="2376706" y="4535427"/>
-            <a:ext cx="6810375" cy="2533650"/>
+            <a:off x="7544608" y="1279674"/>
+            <a:ext cx="4981575" cy="5057775"/>
           </a:xfrm>
           <a:prstGeom prst="rect">
             <a:avLst/>
@@ -14409,72 +14648,12 @@
           <a:chExt cx="0" cy="0"/>
         </a:xfrm>
       </p:grpSpPr>
-      <p:sp>
-        <p:nvSpPr>
-          <p:cNvPr id="2" name="Title 1"/>
-          <p:cNvSpPr>
-            <a:spLocks noGrp="1"/>
-          </p:cNvSpPr>
-          <p:nvPr>
-            <p:ph type="title"/>
-          </p:nvPr>
-        </p:nvSpPr>
-        <p:spPr>
-          <a:xfrm>
-            <a:off x="1981200" y="274638"/>
-            <a:ext cx="8229600" cy="1143000"/>
-          </a:xfrm>
-        </p:spPr>
-        <p:txBody>
-          <a:bodyPr/>
-          <a:lstStyle/>
-          <a:p>
-            <a:r>
-              <a:rPr lang="en-IE"/>
-              <a:t>Mongoose Sub-Docs</a:t>
-            </a:r>
-          </a:p>
-        </p:txBody>
-      </p:sp>
-      <p:sp>
-        <p:nvSpPr>
-          <p:cNvPr id="3" name="Content Placeholder 2"/>
-          <p:cNvSpPr>
-            <a:spLocks noGrp="1"/>
-          </p:cNvSpPr>
-          <p:nvPr>
-            <p:ph idx="1"/>
-          </p:nvPr>
-        </p:nvSpPr>
-        <p:spPr>
-          <a:xfrm>
-            <a:off x="1981200" y="1600201"/>
-            <a:ext cx="8229600" cy="4525963"/>
-          </a:xfrm>
-        </p:spPr>
-        <p:txBody>
-          <a:bodyPr/>
-          <a:lstStyle/>
-          <a:p>
-            <a:r>
-              <a:rPr lang="en-IE" dirty="0"/>
-              <a:t>Ex: Movies – Adding a review to a favourite movie. </a:t>
-            </a:r>
-          </a:p>
-          <a:p>
-            <a:pPr marL="0" indent="0">
-              <a:buNone/>
-            </a:pPr>
-            <a:endParaRPr lang="en-IE" dirty="0"/>
-          </a:p>
-        </p:txBody>
-      </p:sp>
       <p:pic>
         <p:nvPicPr>
-          <p:cNvPr id="4" name="Picture 3">
+          <p:cNvPr id="3" name="Picture 2">
             <a:extLst>
               <a:ext uri="{FF2B5EF4-FFF2-40B4-BE49-F238E27FC236}">
-                <a16:creationId xmlns:a16="http://schemas.microsoft.com/office/drawing/2014/main" id="{F18226BF-2755-43B8-803A-62861BA27912}"/>
+                <a16:creationId xmlns:a16="http://schemas.microsoft.com/office/drawing/2014/main" id="{670B58E4-7D01-4B7A-BC02-61074769F2A8}"/>
               </a:ext>
             </a:extLst>
           </p:cNvPr>
@@ -14491,8 +14670,619 @@
         </p:blipFill>
         <p:spPr>
           <a:xfrm>
-            <a:off x="2293306" y="3294972"/>
-            <a:ext cx="7042357" cy="2012102"/>
+            <a:off x="4864579" y="2820927"/>
+            <a:ext cx="7086600" cy="3228975"/>
+          </a:xfrm>
+          <a:prstGeom prst="rect">
+            <a:avLst/>
+          </a:prstGeom>
+        </p:spPr>
+      </p:pic>
+      <p:sp>
+        <p:nvSpPr>
+          <p:cNvPr id="2" name="Title 1">
+            <a:extLst>
+              <a:ext uri="{FF2B5EF4-FFF2-40B4-BE49-F238E27FC236}">
+                <a16:creationId xmlns:a16="http://schemas.microsoft.com/office/drawing/2014/main" id="{D8DCE21E-E514-40E3-88C9-386AFC57F6A3}"/>
+              </a:ext>
+            </a:extLst>
+          </p:cNvPr>
+          <p:cNvSpPr>
+            <a:spLocks noGrp="1"/>
+          </p:cNvSpPr>
+          <p:nvPr>
+            <p:ph type="title"/>
+          </p:nvPr>
+        </p:nvSpPr>
+        <p:spPr/>
+        <p:txBody>
+          <a:bodyPr/>
+          <a:lstStyle/>
+          <a:p>
+            <a:r>
+              <a:rPr lang="en-IE" dirty="0"/>
+              <a:t>Object Referencing</a:t>
+            </a:r>
+          </a:p>
+        </p:txBody>
+      </p:sp>
+      <p:sp>
+        <p:nvSpPr>
+          <p:cNvPr id="7" name="Rectangle 6">
+            <a:extLst>
+              <a:ext uri="{FF2B5EF4-FFF2-40B4-BE49-F238E27FC236}">
+                <a16:creationId xmlns:a16="http://schemas.microsoft.com/office/drawing/2014/main" id="{1F9D4F40-C5C3-49B4-8FC5-A3701DDA9CFE}"/>
+              </a:ext>
+            </a:extLst>
+          </p:cNvPr>
+          <p:cNvSpPr/>
+          <p:nvPr/>
+        </p:nvSpPr>
+        <p:spPr>
+          <a:xfrm>
+            <a:off x="6347563" y="5029939"/>
+            <a:ext cx="5127339" cy="844732"/>
+          </a:xfrm>
+          <a:prstGeom prst="rect">
+            <a:avLst/>
+          </a:prstGeom>
+          <a:noFill/>
+          <a:ln>
+            <a:solidFill>
+              <a:srgbClr val="FF0000"/>
+            </a:solidFill>
+          </a:ln>
+        </p:spPr>
+        <p:style>
+          <a:lnRef idx="2">
+            <a:schemeClr val="accent6"/>
+          </a:lnRef>
+          <a:fillRef idx="1">
+            <a:schemeClr val="lt1"/>
+          </a:fillRef>
+          <a:effectRef idx="0">
+            <a:schemeClr val="accent6"/>
+          </a:effectRef>
+          <a:fontRef idx="minor">
+            <a:schemeClr val="dk1"/>
+          </a:fontRef>
+        </p:style>
+        <p:txBody>
+          <a:bodyPr rtlCol="0" anchor="ctr"/>
+          <a:lstStyle/>
+          <a:p>
+            <a:pPr algn="ctr"/>
+            <a:endParaRPr lang="en-IE"/>
+          </a:p>
+        </p:txBody>
+      </p:sp>
+      <p:sp>
+        <p:nvSpPr>
+          <p:cNvPr id="8" name="Callout: Line 7">
+            <a:extLst>
+              <a:ext uri="{FF2B5EF4-FFF2-40B4-BE49-F238E27FC236}">
+                <a16:creationId xmlns:a16="http://schemas.microsoft.com/office/drawing/2014/main" id="{26290D34-4086-4A5F-9A76-6393C7083CB3}"/>
+              </a:ext>
+            </a:extLst>
+          </p:cNvPr>
+          <p:cNvSpPr/>
+          <p:nvPr/>
+        </p:nvSpPr>
+        <p:spPr>
+          <a:xfrm>
+            <a:off x="9609662" y="1724297"/>
+            <a:ext cx="2124891" cy="1323703"/>
+          </a:xfrm>
+          <a:prstGeom prst="borderCallout1">
+            <a:avLst>
+              <a:gd name="adj1" fmla="val 18750"/>
+              <a:gd name="adj2" fmla="val -8333"/>
+              <a:gd name="adj3" fmla="val 238158"/>
+              <a:gd name="adj4" fmla="val -15792"/>
+            </a:avLst>
+          </a:prstGeom>
+          <a:ln>
+            <a:solidFill>
+              <a:srgbClr val="FF0000"/>
+            </a:solidFill>
+          </a:ln>
+        </p:spPr>
+        <p:style>
+          <a:lnRef idx="2">
+            <a:schemeClr val="accent1">
+              <a:shade val="50000"/>
+            </a:schemeClr>
+          </a:lnRef>
+          <a:fillRef idx="1">
+            <a:schemeClr val="accent1"/>
+          </a:fillRef>
+          <a:effectRef idx="0">
+            <a:schemeClr val="accent1"/>
+          </a:effectRef>
+          <a:fontRef idx="minor">
+            <a:schemeClr val="lt1"/>
+          </a:fontRef>
+        </p:style>
+        <p:txBody>
+          <a:bodyPr rtlCol="0" anchor="ctr"/>
+          <a:lstStyle/>
+          <a:p>
+            <a:pPr algn="ctr"/>
+            <a:r>
+              <a:rPr lang="en-IE" dirty="0"/>
+              <a:t>Using Object ID to reference a document in Products</a:t>
+            </a:r>
+          </a:p>
+        </p:txBody>
+      </p:sp>
+      <p:sp>
+        <p:nvSpPr>
+          <p:cNvPr id="4" name="TextBox 3">
+            <a:extLst>
+              <a:ext uri="{FF2B5EF4-FFF2-40B4-BE49-F238E27FC236}">
+                <a16:creationId xmlns:a16="http://schemas.microsoft.com/office/drawing/2014/main" id="{C6A872EA-9279-4C40-8B73-BD2AE7D97B15}"/>
+              </a:ext>
+            </a:extLst>
+          </p:cNvPr>
+          <p:cNvSpPr txBox="1"/>
+          <p:nvPr/>
+        </p:nvSpPr>
+        <p:spPr>
+          <a:xfrm>
+            <a:off x="505364" y="2820927"/>
+            <a:ext cx="4359215" cy="923330"/>
+          </a:xfrm>
+          <a:prstGeom prst="rect">
+            <a:avLst/>
+          </a:prstGeom>
+          <a:noFill/>
+        </p:spPr>
+        <p:txBody>
+          <a:bodyPr wrap="square" rtlCol="0">
+            <a:spAutoFit/>
+          </a:bodyPr>
+          <a:lstStyle/>
+          <a:p>
+            <a:pPr marL="285750" indent="-285750">
+              <a:buFont typeface="Arial" panose="020B0604020202020204" pitchFamily="34" charset="0"/>
+              <a:buChar char="•"/>
+            </a:pPr>
+            <a:r>
+              <a:rPr lang="en-IE" dirty="0"/>
+              <a:t>Can use Object Id to reference documents in other collections</a:t>
+            </a:r>
+          </a:p>
+          <a:p>
+            <a:pPr marL="285750" indent="-285750">
+              <a:buFont typeface="Arial" panose="020B0604020202020204" pitchFamily="34" charset="0"/>
+              <a:buChar char="•"/>
+            </a:pPr>
+            <a:r>
+              <a:rPr lang="en-IE" dirty="0"/>
+              <a:t>Similar to ‘foreign keys’ in SQL databases</a:t>
+            </a:r>
+          </a:p>
+        </p:txBody>
+      </p:sp>
+    </p:spTree>
+    <p:extLst>
+      <p:ext uri="{BB962C8B-B14F-4D97-AF65-F5344CB8AC3E}">
+        <p14:creationId xmlns:p14="http://schemas.microsoft.com/office/powerpoint/2010/main" val="2645496019"/>
+      </p:ext>
+    </p:extLst>
+  </p:cSld>
+  <p:clrMapOvr>
+    <a:masterClrMapping/>
+  </p:clrMapOvr>
+  <p:timing>
+    <p:tnLst>
+      <p:par>
+        <p:cTn id="1" dur="indefinite" restart="never" nodeType="tmRoot">
+          <p:childTnLst>
+            <p:seq concurrent="1" nextAc="seek">
+              <p:cTn id="2" dur="indefinite" nodeType="mainSeq">
+                <p:childTnLst>
+                  <p:par>
+                    <p:cTn id="3" fill="hold">
+                      <p:stCondLst>
+                        <p:cond delay="indefinite"/>
+                      </p:stCondLst>
+                      <p:childTnLst>
+                        <p:par>
+                          <p:cTn id="4" fill="hold">
+                            <p:stCondLst>
+                              <p:cond delay="0"/>
+                            </p:stCondLst>
+                            <p:childTnLst>
+                              <p:par>
+                                <p:cTn id="5" presetID="10" presetClass="entr" presetSubtype="0" fill="hold" grpId="0" nodeType="clickEffect">
+                                  <p:stCondLst>
+                                    <p:cond delay="0"/>
+                                  </p:stCondLst>
+                                  <p:childTnLst>
+                                    <p:set>
+                                      <p:cBhvr>
+                                        <p:cTn id="6" dur="1" fill="hold">
+                                          <p:stCondLst>
+                                            <p:cond delay="0"/>
+                                          </p:stCondLst>
+                                        </p:cTn>
+                                        <p:tgtEl>
+                                          <p:spTgt spid="7"/>
+                                        </p:tgtEl>
+                                        <p:attrNameLst>
+                                          <p:attrName>style.visibility</p:attrName>
+                                        </p:attrNameLst>
+                                      </p:cBhvr>
+                                      <p:to>
+                                        <p:strVal val="visible"/>
+                                      </p:to>
+                                    </p:set>
+                                    <p:animEffect transition="in" filter="fade">
+                                      <p:cBhvr>
+                                        <p:cTn id="7" dur="500"/>
+                                        <p:tgtEl>
+                                          <p:spTgt spid="7"/>
+                                        </p:tgtEl>
+                                      </p:cBhvr>
+                                    </p:animEffect>
+                                  </p:childTnLst>
+                                </p:cTn>
+                              </p:par>
+                            </p:childTnLst>
+                          </p:cTn>
+                        </p:par>
+                      </p:childTnLst>
+                    </p:cTn>
+                  </p:par>
+                  <p:par>
+                    <p:cTn id="8" fill="hold">
+                      <p:stCondLst>
+                        <p:cond delay="indefinite"/>
+                      </p:stCondLst>
+                      <p:childTnLst>
+                        <p:par>
+                          <p:cTn id="9" fill="hold">
+                            <p:stCondLst>
+                              <p:cond delay="0"/>
+                            </p:stCondLst>
+                            <p:childTnLst>
+                              <p:par>
+                                <p:cTn id="10" presetID="10" presetClass="entr" presetSubtype="0" fill="hold" grpId="0" nodeType="clickEffect">
+                                  <p:stCondLst>
+                                    <p:cond delay="0"/>
+                                  </p:stCondLst>
+                                  <p:childTnLst>
+                                    <p:set>
+                                      <p:cBhvr>
+                                        <p:cTn id="11" dur="1" fill="hold">
+                                          <p:stCondLst>
+                                            <p:cond delay="0"/>
+                                          </p:stCondLst>
+                                        </p:cTn>
+                                        <p:tgtEl>
+                                          <p:spTgt spid="8"/>
+                                        </p:tgtEl>
+                                        <p:attrNameLst>
+                                          <p:attrName>style.visibility</p:attrName>
+                                        </p:attrNameLst>
+                                      </p:cBhvr>
+                                      <p:to>
+                                        <p:strVal val="visible"/>
+                                      </p:to>
+                                    </p:set>
+                                    <p:animEffect transition="in" filter="fade">
+                                      <p:cBhvr>
+                                        <p:cTn id="12" dur="500"/>
+                                        <p:tgtEl>
+                                          <p:spTgt spid="8"/>
+                                        </p:tgtEl>
+                                      </p:cBhvr>
+                                    </p:animEffect>
+                                  </p:childTnLst>
+                                </p:cTn>
+                              </p:par>
+                            </p:childTnLst>
+                          </p:cTn>
+                        </p:par>
+                      </p:childTnLst>
+                    </p:cTn>
+                  </p:par>
+                </p:childTnLst>
+              </p:cTn>
+              <p:prevCondLst>
+                <p:cond evt="onPrev" delay="0">
+                  <p:tgtEl>
+                    <p:sldTgt/>
+                  </p:tgtEl>
+                </p:cond>
+              </p:prevCondLst>
+              <p:nextCondLst>
+                <p:cond evt="onNext" delay="0">
+                  <p:tgtEl>
+                    <p:sldTgt/>
+                  </p:tgtEl>
+                </p:cond>
+              </p:nextCondLst>
+            </p:seq>
+          </p:childTnLst>
+        </p:cTn>
+      </p:par>
+    </p:tnLst>
+    <p:bldLst>
+      <p:bldP spid="7" grpId="0" animBg="1"/>
+      <p:bldP spid="8" grpId="0" animBg="1"/>
+    </p:bldLst>
+  </p:timing>
+</p:sld>
+</file>
+
+<file path=ppt/slides/slide34.xml><?xml version="1.0" encoding="utf-8"?>
+<p:sld xmlns:a="http://schemas.openxmlformats.org/drawingml/2006/main" xmlns:r="http://schemas.openxmlformats.org/officeDocument/2006/relationships" xmlns:p="http://schemas.openxmlformats.org/presentationml/2006/main">
+  <p:cSld>
+    <p:spTree>
+      <p:nvGrpSpPr>
+        <p:cNvPr id="1" name=""/>
+        <p:cNvGrpSpPr/>
+        <p:nvPr/>
+      </p:nvGrpSpPr>
+      <p:grpSpPr>
+        <a:xfrm>
+          <a:off x="0" y="0"/>
+          <a:ext cx="0" cy="0"/>
+          <a:chOff x="0" y="0"/>
+          <a:chExt cx="0" cy="0"/>
+        </a:xfrm>
+      </p:grpSpPr>
+      <p:sp>
+        <p:nvSpPr>
+          <p:cNvPr id="2" name="Title 1">
+            <a:extLst>
+              <a:ext uri="{FF2B5EF4-FFF2-40B4-BE49-F238E27FC236}">
+                <a16:creationId xmlns:a16="http://schemas.microsoft.com/office/drawing/2014/main" id="{EE66B66F-5409-499F-9DF4-6CA18B23AC97}"/>
+              </a:ext>
+            </a:extLst>
+          </p:cNvPr>
+          <p:cNvSpPr>
+            <a:spLocks noGrp="1"/>
+          </p:cNvSpPr>
+          <p:nvPr>
+            <p:ph type="title"/>
+          </p:nvPr>
+        </p:nvSpPr>
+        <p:spPr/>
+        <p:txBody>
+          <a:bodyPr/>
+          <a:lstStyle/>
+          <a:p>
+            <a:r>
+              <a:rPr lang="en-IE" dirty="0"/>
+              <a:t>Query Population using Refs</a:t>
+            </a:r>
+          </a:p>
+        </p:txBody>
+      </p:sp>
+      <p:sp>
+        <p:nvSpPr>
+          <p:cNvPr id="3" name="Content Placeholder 2">
+            <a:extLst>
+              <a:ext uri="{FF2B5EF4-FFF2-40B4-BE49-F238E27FC236}">
+                <a16:creationId xmlns:a16="http://schemas.microsoft.com/office/drawing/2014/main" id="{16147343-8269-43E6-B02C-AF2F88FC8E84}"/>
+              </a:ext>
+            </a:extLst>
+          </p:cNvPr>
+          <p:cNvSpPr>
+            <a:spLocks noGrp="1"/>
+          </p:cNvSpPr>
+          <p:nvPr>
+            <p:ph idx="1"/>
+          </p:nvPr>
+        </p:nvSpPr>
+        <p:spPr/>
+        <p:txBody>
+          <a:bodyPr/>
+          <a:lstStyle/>
+          <a:p>
+            <a:r>
+              <a:rPr lang="en-IE" dirty="0"/>
+              <a:t>Allows you to </a:t>
+            </a:r>
+            <a:r>
+              <a:rPr lang="en-GB" dirty="0"/>
+              <a:t>automatically replace the speciﬁed paths in the document with document(s) from other collection(s). </a:t>
+            </a:r>
+            <a:endParaRPr lang="en-IE" dirty="0"/>
+          </a:p>
+        </p:txBody>
+      </p:sp>
+      <p:sp>
+        <p:nvSpPr>
+          <p:cNvPr id="6" name="Arrow: Right 5">
+            <a:extLst>
+              <a:ext uri="{FF2B5EF4-FFF2-40B4-BE49-F238E27FC236}">
+                <a16:creationId xmlns:a16="http://schemas.microsoft.com/office/drawing/2014/main" id="{86147879-164A-4FB5-B25B-B0982450EAB4}"/>
+              </a:ext>
+            </a:extLst>
+          </p:cNvPr>
+          <p:cNvSpPr/>
+          <p:nvPr/>
+        </p:nvSpPr>
+        <p:spPr>
+          <a:xfrm>
+            <a:off x="5407583" y="4104100"/>
+            <a:ext cx="1184326" cy="888642"/>
+          </a:xfrm>
+          <a:prstGeom prst="rightArrow">
+            <a:avLst/>
+          </a:prstGeom>
+        </p:spPr>
+        <p:style>
+          <a:lnRef idx="2">
+            <a:schemeClr val="accent1">
+              <a:shade val="50000"/>
+            </a:schemeClr>
+          </a:lnRef>
+          <a:fillRef idx="1">
+            <a:schemeClr val="accent1"/>
+          </a:fillRef>
+          <a:effectRef idx="0">
+            <a:schemeClr val="accent1"/>
+          </a:effectRef>
+          <a:fontRef idx="minor">
+            <a:schemeClr val="lt1"/>
+          </a:fontRef>
+        </p:style>
+        <p:txBody>
+          <a:bodyPr rtlCol="0" anchor="ctr"/>
+          <a:lstStyle/>
+          <a:p>
+            <a:pPr algn="ctr"/>
+            <a:r>
+              <a:rPr lang="en-IE" dirty="0"/>
+              <a:t>output</a:t>
+            </a:r>
+          </a:p>
+        </p:txBody>
+      </p:sp>
+      <p:graphicFrame>
+        <p:nvGraphicFramePr>
+          <p:cNvPr id="8" name="Table 7">
+            <a:extLst>
+              <a:ext uri="{FF2B5EF4-FFF2-40B4-BE49-F238E27FC236}">
+                <a16:creationId xmlns:a16="http://schemas.microsoft.com/office/drawing/2014/main" id="{80D859B3-C344-422B-99B1-D778CE27216B}"/>
+              </a:ext>
+            </a:extLst>
+          </p:cNvPr>
+          <p:cNvGraphicFramePr>
+            <a:graphicFrameLocks noGrp="1"/>
+          </p:cNvGraphicFramePr>
+          <p:nvPr/>
+        </p:nvGraphicFramePr>
+        <p:xfrm>
+          <a:off x="2954624" y="1291695"/>
+          <a:ext cx="10972800" cy="213043"/>
+        </p:xfrm>
+        <a:graphic>
+          <a:graphicData uri="http://schemas.openxmlformats.org/drawingml/2006/table">
+            <a:tbl>
+              <a:tblPr/>
+              <a:tblGrid>
+                <a:gridCol w="10972800">
+                  <a:extLst>
+                    <a:ext uri="{9D8B030D-6E8A-4147-A177-3AD203B41FA5}">
+                      <a16:colId xmlns:a16="http://schemas.microsoft.com/office/drawing/2014/main" val="1124328335"/>
+                    </a:ext>
+                  </a:extLst>
+                </a:gridCol>
+              </a:tblGrid>
+              <a:tr h="0">
+                <a:tc>
+                  <a:txBody>
+                    <a:bodyPr/>
+                    <a:lstStyle/>
+                    <a:p>
+                      <a:pPr marL="0" marR="0">
+                        <a:lnSpc>
+                          <a:spcPct val="105000"/>
+                        </a:lnSpc>
+                        <a:spcBef>
+                          <a:spcPts val="0"/>
+                        </a:spcBef>
+                        <a:spcAft>
+                          <a:spcPts val="0"/>
+                        </a:spcAft>
+                      </a:pPr>
+                      <a:r>
+                        <a:rPr lang="en-IE" sz="1400" dirty="0">
+                          <a:solidFill>
+                            <a:srgbClr val="BFBFBF"/>
+                          </a:solidFill>
+                          <a:effectLst/>
+                          <a:latin typeface="Lucida Console" panose="020B0609040504020204" pitchFamily="49" charset="0"/>
+                        </a:rPr>
+                        <a:t>https://github.com/fxwalsh/ewd-examples-2020.git </a:t>
+                      </a:r>
+                    </a:p>
+                  </a:txBody>
+                  <a:tcPr marL="0" marR="0" marT="0" marB="0" anchor="ctr">
+                    <a:lnL>
+                      <a:noFill/>
+                    </a:lnL>
+                    <a:lnR>
+                      <a:noFill/>
+                    </a:lnR>
+                    <a:lnT>
+                      <a:noFill/>
+                    </a:lnT>
+                    <a:lnB>
+                      <a:noFill/>
+                    </a:lnB>
+                  </a:tcPr>
+                </a:tc>
+                <a:extLst>
+                  <a:ext uri="{0D108BD9-81ED-4DB2-BD59-A6C34878D82A}">
+                    <a16:rowId xmlns:a16="http://schemas.microsoft.com/office/drawing/2014/main" val="2569582140"/>
+                  </a:ext>
+                </a:extLst>
+              </a:tr>
+            </a:tbl>
+          </a:graphicData>
+        </a:graphic>
+      </p:graphicFrame>
+      <p:pic>
+        <p:nvPicPr>
+          <p:cNvPr id="7" name="Picture 6">
+            <a:extLst>
+              <a:ext uri="{FF2B5EF4-FFF2-40B4-BE49-F238E27FC236}">
+                <a16:creationId xmlns:a16="http://schemas.microsoft.com/office/drawing/2014/main" id="{C5509699-381C-4952-A13F-1A262CCAAFDD}"/>
+              </a:ext>
+            </a:extLst>
+          </p:cNvPr>
+          <p:cNvPicPr>
+            <a:picLocks noChangeAspect="1"/>
+          </p:cNvPicPr>
+          <p:nvPr/>
+        </p:nvPicPr>
+        <p:blipFill>
+          <a:blip r:embed="rId2"/>
+          <a:stretch>
+            <a:fillRect/>
+          </a:stretch>
+        </p:blipFill>
+        <p:spPr>
+          <a:xfrm>
+            <a:off x="117655" y="3243776"/>
+            <a:ext cx="5176092" cy="2919671"/>
+          </a:xfrm>
+          <a:prstGeom prst="rect">
+            <a:avLst/>
+          </a:prstGeom>
+        </p:spPr>
+      </p:pic>
+      <p:pic>
+        <p:nvPicPr>
+          <p:cNvPr id="9" name="Picture 8">
+            <a:extLst>
+              <a:ext uri="{FF2B5EF4-FFF2-40B4-BE49-F238E27FC236}">
+                <a16:creationId xmlns:a16="http://schemas.microsoft.com/office/drawing/2014/main" id="{B15373C2-DD5B-4E88-BBFF-BC32DFE5D814}"/>
+              </a:ext>
+            </a:extLst>
+          </p:cNvPr>
+          <p:cNvPicPr>
+            <a:picLocks noChangeAspect="1"/>
+          </p:cNvPicPr>
+          <p:nvPr/>
+        </p:nvPicPr>
+        <p:blipFill>
+          <a:blip r:embed="rId3"/>
+          <a:stretch>
+            <a:fillRect/>
+          </a:stretch>
+        </p:blipFill>
+        <p:spPr>
+          <a:xfrm>
+            <a:off x="6657473" y="3500724"/>
+            <a:ext cx="4267200" cy="2524125"/>
           </a:xfrm>
           <a:prstGeom prst="rect">
             <a:avLst/>
@@ -14502,7 +15292,7 @@
     </p:spTree>
     <p:extLst>
       <p:ext uri="{BB962C8B-B14F-4D97-AF65-F5344CB8AC3E}">
-        <p14:creationId xmlns:p14="http://schemas.microsoft.com/office/powerpoint/2010/main" val="2200072294"/>
+        <p14:creationId xmlns:p14="http://schemas.microsoft.com/office/powerpoint/2010/main" val="324397840"/>
       </p:ext>
     </p:extLst>
   </p:cSld>
@@ -14512,7 +15302,7 @@
 </p:sld>
 </file>
 
-<file path=ppt/slides/slide34.xml><?xml version="1.0" encoding="utf-8"?>
+<file path=ppt/slides/slide35.xml><?xml version="1.0" encoding="utf-8"?>
 <p:sld xmlns:a="http://schemas.openxmlformats.org/drawingml/2006/main" xmlns:r="http://schemas.openxmlformats.org/officeDocument/2006/relationships" xmlns:p="http://schemas.openxmlformats.org/presentationml/2006/main">
   <p:cSld>
     <p:spTree>
@@ -14595,7 +15385,7 @@
 </p:sld>
 </file>
 
-<file path=ppt/slides/slide35.xml><?xml version="1.0" encoding="utf-8"?>
+<file path=ppt/slides/slide36.xml><?xml version="1.0" encoding="utf-8"?>
 <p:sld xmlns:a="http://schemas.openxmlformats.org/drawingml/2006/main" xmlns:r="http://schemas.openxmlformats.org/officeDocument/2006/relationships" xmlns:p="http://schemas.openxmlformats.org/presentationml/2006/main">
   <p:cSld>
     <p:spTree>
@@ -14665,7 +15455,7 @@
           <a:p>
             <a:r>
               <a:rPr lang="en-IE" dirty="0"/>
-              <a:t>Restrict access to Posts API (require authentication):</a:t>
+              <a:t>Restrict access to API (require authentication):</a:t>
             </a:r>
           </a:p>
           <a:p>
@@ -14741,7 +15531,7 @@
 </p:sld>
 </file>
 
-<file path=ppt/slides/slide36.xml><?xml version="1.0" encoding="utf-8"?>
+<file path=ppt/slides/slide37.xml><?xml version="1.0" encoding="utf-8"?>
 <p:sld xmlns:a="http://schemas.openxmlformats.org/drawingml/2006/main" xmlns:r="http://schemas.openxmlformats.org/officeDocument/2006/relationships" xmlns:p="http://schemas.openxmlformats.org/presentationml/2006/main">
   <p:cSld>
     <p:bg>
@@ -15471,7 +16261,7 @@
 </p:sld>
 </file>
 
-<file path=ppt/slides/slide37.xml><?xml version="1.0" encoding="utf-8"?>
+<file path=ppt/slides/slide38.xml><?xml version="1.0" encoding="utf-8"?>
 <p:sld xmlns:a="http://schemas.openxmlformats.org/drawingml/2006/main" xmlns:r="http://schemas.openxmlformats.org/officeDocument/2006/relationships" xmlns:p="http://schemas.openxmlformats.org/presentationml/2006/main">
   <p:cSld>
     <p:spTree>
@@ -15541,7 +16331,7 @@
           <a:p>
             <a:r>
               <a:rPr lang="en-IE" dirty="0"/>
-              <a:t>User Schema with Static &amp; Instance Methods</a:t>
+              <a:t>1. User Schema with Static &amp; Instance Methods</a:t>
             </a:r>
           </a:p>
         </p:txBody>
@@ -15817,7 +16607,7 @@
 </p:sld>
 </file>
 
-<file path=ppt/slides/slide38.xml><?xml version="1.0" encoding="utf-8"?>
+<file path=ppt/slides/slide39.xml><?xml version="1.0" encoding="utf-8"?>
 <p:sld xmlns:a="http://schemas.openxmlformats.org/drawingml/2006/main" xmlns:r="http://schemas.openxmlformats.org/officeDocument/2006/relationships" xmlns:p="http://schemas.openxmlformats.org/presentationml/2006/main">
   <p:cSld>
     <p:spTree>
@@ -15857,7 +16647,7 @@
           <a:p>
             <a:r>
               <a:rPr lang="en-IE" dirty="0"/>
-              <a:t>express-session middleware</a:t>
+              <a:t>2. express-session middleware</a:t>
             </a:r>
           </a:p>
         </p:txBody>
@@ -16248,507 +17038,6 @@
         </p:cTn>
       </p:par>
     </p:tnLst>
-  </p:timing>
-</p:sld>
-</file>
-
-<file path=ppt/slides/slide39.xml><?xml version="1.0" encoding="utf-8"?>
-<p:sld xmlns:a="http://schemas.openxmlformats.org/drawingml/2006/main" xmlns:r="http://schemas.openxmlformats.org/officeDocument/2006/relationships" xmlns:p="http://schemas.openxmlformats.org/presentationml/2006/main">
-  <p:cSld>
-    <p:spTree>
-      <p:nvGrpSpPr>
-        <p:cNvPr id="1" name=""/>
-        <p:cNvGrpSpPr/>
-        <p:nvPr/>
-      </p:nvGrpSpPr>
-      <p:grpSpPr>
-        <a:xfrm>
-          <a:off x="0" y="0"/>
-          <a:ext cx="0" cy="0"/>
-          <a:chOff x="0" y="0"/>
-          <a:chExt cx="0" cy="0"/>
-        </a:xfrm>
-      </p:grpSpPr>
-      <p:sp>
-        <p:nvSpPr>
-          <p:cNvPr id="2" name="Title 1">
-            <a:extLst>
-              <a:ext uri="{FF2B5EF4-FFF2-40B4-BE49-F238E27FC236}">
-                <a16:creationId xmlns:a16="http://schemas.microsoft.com/office/drawing/2014/main" id="{F20AF0F3-B2D4-4CC2-AF99-1BF235806B4D}"/>
-              </a:ext>
-            </a:extLst>
-          </p:cNvPr>
-          <p:cNvSpPr>
-            <a:spLocks noGrp="1"/>
-          </p:cNvSpPr>
-          <p:nvPr>
-            <p:ph type="title"/>
-          </p:nvPr>
-        </p:nvSpPr>
-        <p:spPr/>
-        <p:txBody>
-          <a:bodyPr/>
-          <a:lstStyle/>
-          <a:p>
-            <a:r>
-              <a:rPr lang="en-IE" dirty="0"/>
-              <a:t>Create User Route to authenticate</a:t>
-            </a:r>
-          </a:p>
-        </p:txBody>
-      </p:sp>
-      <p:sp>
-        <p:nvSpPr>
-          <p:cNvPr id="3" name="Content Placeholder 2">
-            <a:extLst>
-              <a:ext uri="{FF2B5EF4-FFF2-40B4-BE49-F238E27FC236}">
-                <a16:creationId xmlns:a16="http://schemas.microsoft.com/office/drawing/2014/main" id="{14B5DEF0-14EC-42AC-9590-43DF1E30DF28}"/>
-              </a:ext>
-            </a:extLst>
-          </p:cNvPr>
-          <p:cNvSpPr>
-            <a:spLocks noGrp="1"/>
-          </p:cNvSpPr>
-          <p:nvPr>
-            <p:ph idx="1"/>
-          </p:nvPr>
-        </p:nvSpPr>
-        <p:spPr/>
-        <p:txBody>
-          <a:bodyPr/>
-          <a:lstStyle/>
-          <a:p>
-            <a:r>
-              <a:rPr lang="en-IE" dirty="0"/>
-              <a:t>Use </a:t>
-            </a:r>
-            <a:r>
-              <a:rPr lang="en-IE" b="1" dirty="0"/>
-              <a:t>/</a:t>
-            </a:r>
-            <a:r>
-              <a:rPr lang="en-IE" b="1" dirty="0" err="1"/>
-              <a:t>api</a:t>
-            </a:r>
-            <a:r>
-              <a:rPr lang="en-IE" b="1" dirty="0"/>
-              <a:t>/user </a:t>
-            </a:r>
-            <a:r>
-              <a:rPr lang="en-IE" dirty="0"/>
-              <a:t>to authenticate, passing username and password in HTTP body</a:t>
-            </a:r>
-          </a:p>
-          <a:p>
-            <a:endParaRPr lang="en-IE" dirty="0"/>
-          </a:p>
-        </p:txBody>
-      </p:sp>
-      <p:pic>
-        <p:nvPicPr>
-          <p:cNvPr id="4" name="Picture 3">
-            <a:extLst>
-              <a:ext uri="{FF2B5EF4-FFF2-40B4-BE49-F238E27FC236}">
-                <a16:creationId xmlns:a16="http://schemas.microsoft.com/office/drawing/2014/main" id="{9062EB28-FD42-4ADF-9739-9DCC96406390}"/>
-              </a:ext>
-            </a:extLst>
-          </p:cNvPr>
-          <p:cNvPicPr>
-            <a:picLocks noChangeAspect="1"/>
-          </p:cNvPicPr>
-          <p:nvPr/>
-        </p:nvPicPr>
-        <p:blipFill>
-          <a:blip r:embed="rId2"/>
-          <a:stretch>
-            <a:fillRect/>
-          </a:stretch>
-        </p:blipFill>
-        <p:spPr>
-          <a:xfrm>
-            <a:off x="1026148" y="2906990"/>
-            <a:ext cx="6804515" cy="3951009"/>
-          </a:xfrm>
-          <a:prstGeom prst="rect">
-            <a:avLst/>
-          </a:prstGeom>
-        </p:spPr>
-      </p:pic>
-      <p:sp>
-        <p:nvSpPr>
-          <p:cNvPr id="5" name="TextBox 4">
-            <a:extLst>
-              <a:ext uri="{FF2B5EF4-FFF2-40B4-BE49-F238E27FC236}">
-                <a16:creationId xmlns:a16="http://schemas.microsoft.com/office/drawing/2014/main" id="{400C97FF-4C71-47CB-AB3D-44556CA2DC72}"/>
-              </a:ext>
-            </a:extLst>
-          </p:cNvPr>
-          <p:cNvSpPr txBox="1"/>
-          <p:nvPr/>
-        </p:nvSpPr>
-        <p:spPr>
-          <a:xfrm>
-            <a:off x="2450969" y="2537659"/>
-            <a:ext cx="1937966" cy="369332"/>
-          </a:xfrm>
-          <a:prstGeom prst="rect">
-            <a:avLst/>
-          </a:prstGeom>
-          <a:noFill/>
-        </p:spPr>
-        <p:txBody>
-          <a:bodyPr wrap="none" rtlCol="0">
-            <a:spAutoFit/>
-          </a:bodyPr>
-          <a:lstStyle/>
-          <a:p>
-            <a:r>
-              <a:rPr lang="en-IE" dirty="0"/>
-              <a:t>/</a:t>
-            </a:r>
-            <a:r>
-              <a:rPr lang="en-IE" dirty="0" err="1"/>
-              <a:t>api</a:t>
-            </a:r>
-            <a:r>
-              <a:rPr lang="en-IE" dirty="0"/>
-              <a:t>/users/index.js</a:t>
-            </a:r>
-          </a:p>
-        </p:txBody>
-      </p:sp>
-      <p:sp>
-        <p:nvSpPr>
-          <p:cNvPr id="6" name="Callout: Line 5">
-            <a:extLst>
-              <a:ext uri="{FF2B5EF4-FFF2-40B4-BE49-F238E27FC236}">
-                <a16:creationId xmlns:a16="http://schemas.microsoft.com/office/drawing/2014/main" id="{97C10921-AB65-4BB7-87C1-6DD43D8F23DC}"/>
-              </a:ext>
-            </a:extLst>
-          </p:cNvPr>
-          <p:cNvSpPr/>
-          <p:nvPr/>
-        </p:nvSpPr>
-        <p:spPr>
-          <a:xfrm>
-            <a:off x="8247211" y="2906990"/>
-            <a:ext cx="3553905" cy="1300899"/>
-          </a:xfrm>
-          <a:prstGeom prst="borderCallout1">
-            <a:avLst>
-              <a:gd name="adj1" fmla="val 18750"/>
-              <a:gd name="adj2" fmla="val -8333"/>
-              <a:gd name="adj3" fmla="val 99781"/>
-              <a:gd name="adj4" fmla="val -35883"/>
-            </a:avLst>
-          </a:prstGeom>
-          <a:ln>
-            <a:solidFill>
-              <a:srgbClr val="FF0000"/>
-            </a:solidFill>
-          </a:ln>
-        </p:spPr>
-        <p:style>
-          <a:lnRef idx="2">
-            <a:schemeClr val="accent1">
-              <a:shade val="50000"/>
-            </a:schemeClr>
-          </a:lnRef>
-          <a:fillRef idx="1">
-            <a:schemeClr val="accent1"/>
-          </a:fillRef>
-          <a:effectRef idx="0">
-            <a:schemeClr val="accent1"/>
-          </a:effectRef>
-          <a:fontRef idx="minor">
-            <a:schemeClr val="lt1"/>
-          </a:fontRef>
-        </p:style>
-        <p:txBody>
-          <a:bodyPr rtlCol="0" anchor="ctr"/>
-          <a:lstStyle/>
-          <a:p>
-            <a:pPr algn="ctr"/>
-            <a:r>
-              <a:rPr lang="en-IE" dirty="0"/>
-              <a:t>Using static method to find User document</a:t>
-            </a:r>
-          </a:p>
-        </p:txBody>
-      </p:sp>
-      <p:sp>
-        <p:nvSpPr>
-          <p:cNvPr id="7" name="Callout: Line 6">
-            <a:extLst>
-              <a:ext uri="{FF2B5EF4-FFF2-40B4-BE49-F238E27FC236}">
-                <a16:creationId xmlns:a16="http://schemas.microsoft.com/office/drawing/2014/main" id="{B5DD50ED-2CA8-4074-B126-7B5C56618020}"/>
-              </a:ext>
-            </a:extLst>
-          </p:cNvPr>
-          <p:cNvSpPr/>
-          <p:nvPr/>
-        </p:nvSpPr>
-        <p:spPr>
-          <a:xfrm>
-            <a:off x="8236769" y="4390452"/>
-            <a:ext cx="3553905" cy="1300899"/>
-          </a:xfrm>
-          <a:prstGeom prst="borderCallout1">
-            <a:avLst>
-              <a:gd name="adj1" fmla="val 18750"/>
-              <a:gd name="adj2" fmla="val -8333"/>
-              <a:gd name="adj3" fmla="val 31028"/>
-              <a:gd name="adj4" fmla="val -66986"/>
-            </a:avLst>
-          </a:prstGeom>
-          <a:ln>
-            <a:solidFill>
-              <a:srgbClr val="FF0000"/>
-            </a:solidFill>
-          </a:ln>
-        </p:spPr>
-        <p:style>
-          <a:lnRef idx="2">
-            <a:schemeClr val="accent1">
-              <a:shade val="50000"/>
-            </a:schemeClr>
-          </a:lnRef>
-          <a:fillRef idx="1">
-            <a:schemeClr val="accent1"/>
-          </a:fillRef>
-          <a:effectRef idx="0">
-            <a:schemeClr val="accent1"/>
-          </a:effectRef>
-          <a:fontRef idx="minor">
-            <a:schemeClr val="lt1"/>
-          </a:fontRef>
-        </p:style>
-        <p:txBody>
-          <a:bodyPr rtlCol="0" anchor="ctr"/>
-          <a:lstStyle/>
-          <a:p>
-            <a:pPr algn="ctr"/>
-            <a:r>
-              <a:rPr lang="en-IE" dirty="0"/>
-              <a:t>Using instance method to check password</a:t>
-            </a:r>
-          </a:p>
-        </p:txBody>
-      </p:sp>
-      <p:pic>
-        <p:nvPicPr>
-          <p:cNvPr id="8" name="Picture 7">
-            <a:extLst>
-              <a:ext uri="{FF2B5EF4-FFF2-40B4-BE49-F238E27FC236}">
-                <a16:creationId xmlns:a16="http://schemas.microsoft.com/office/drawing/2014/main" id="{98F42EFD-8038-4A9F-8B0B-11CBA7BE5B2F}"/>
-              </a:ext>
-            </a:extLst>
-          </p:cNvPr>
-          <p:cNvPicPr>
-            <a:picLocks noChangeAspect="1"/>
-          </p:cNvPicPr>
-          <p:nvPr/>
-        </p:nvPicPr>
-        <p:blipFill>
-          <a:blip r:embed="rId3"/>
-          <a:stretch>
-            <a:fillRect/>
-          </a:stretch>
-        </p:blipFill>
-        <p:spPr>
-          <a:xfrm>
-            <a:off x="8542508" y="6261322"/>
-            <a:ext cx="3258608" cy="322040"/>
-          </a:xfrm>
-          <a:prstGeom prst="rect">
-            <a:avLst/>
-          </a:prstGeom>
-        </p:spPr>
-      </p:pic>
-      <p:sp>
-        <p:nvSpPr>
-          <p:cNvPr id="9" name="TextBox 8">
-            <a:extLst>
-              <a:ext uri="{FF2B5EF4-FFF2-40B4-BE49-F238E27FC236}">
-                <a16:creationId xmlns:a16="http://schemas.microsoft.com/office/drawing/2014/main" id="{CBC77CCB-5110-40F7-9ECB-B916BABFBAF6}"/>
-              </a:ext>
-            </a:extLst>
-          </p:cNvPr>
-          <p:cNvSpPr txBox="1"/>
-          <p:nvPr/>
-        </p:nvSpPr>
-        <p:spPr>
-          <a:xfrm>
-            <a:off x="8779588" y="5908457"/>
-            <a:ext cx="984308" cy="369332"/>
-          </a:xfrm>
-          <a:prstGeom prst="rect">
-            <a:avLst/>
-          </a:prstGeom>
-          <a:noFill/>
-        </p:spPr>
-        <p:txBody>
-          <a:bodyPr wrap="none" rtlCol="0">
-            <a:spAutoFit/>
-          </a:bodyPr>
-          <a:lstStyle/>
-          <a:p>
-            <a:r>
-              <a:rPr lang="en-IE" dirty="0"/>
-              <a:t>/index.js</a:t>
-            </a:r>
-          </a:p>
-        </p:txBody>
-      </p:sp>
-    </p:spTree>
-    <p:extLst>
-      <p:ext uri="{BB962C8B-B14F-4D97-AF65-F5344CB8AC3E}">
-        <p14:creationId xmlns:p14="http://schemas.microsoft.com/office/powerpoint/2010/main" val="3391404695"/>
-      </p:ext>
-    </p:extLst>
-  </p:cSld>
-  <p:clrMapOvr>
-    <a:masterClrMapping/>
-  </p:clrMapOvr>
-  <p:timing>
-    <p:tnLst>
-      <p:par>
-        <p:cTn id="1" dur="indefinite" restart="never" nodeType="tmRoot">
-          <p:childTnLst>
-            <p:seq concurrent="1" nextAc="seek">
-              <p:cTn id="2" dur="indefinite" nodeType="mainSeq">
-                <p:childTnLst>
-                  <p:par>
-                    <p:cTn id="3" fill="hold">
-                      <p:stCondLst>
-                        <p:cond delay="indefinite"/>
-                      </p:stCondLst>
-                      <p:childTnLst>
-                        <p:par>
-                          <p:cTn id="4" fill="hold">
-                            <p:stCondLst>
-                              <p:cond delay="0"/>
-                            </p:stCondLst>
-                            <p:childTnLst>
-                              <p:par>
-                                <p:cTn id="5" presetID="10" presetClass="entr" presetSubtype="0" fill="hold" grpId="0" nodeType="clickEffect">
-                                  <p:stCondLst>
-                                    <p:cond delay="0"/>
-                                  </p:stCondLst>
-                                  <p:childTnLst>
-                                    <p:set>
-                                      <p:cBhvr>
-                                        <p:cTn id="6" dur="1" fill="hold">
-                                          <p:stCondLst>
-                                            <p:cond delay="0"/>
-                                          </p:stCondLst>
-                                        </p:cTn>
-                                        <p:tgtEl>
-                                          <p:spTgt spid="6"/>
-                                        </p:tgtEl>
-                                        <p:attrNameLst>
-                                          <p:attrName>style.visibility</p:attrName>
-                                        </p:attrNameLst>
-                                      </p:cBhvr>
-                                      <p:to>
-                                        <p:strVal val="visible"/>
-                                      </p:to>
-                                    </p:set>
-                                    <p:animEffect transition="in" filter="fade">
-                                      <p:cBhvr>
-                                        <p:cTn id="7" dur="500"/>
-                                        <p:tgtEl>
-                                          <p:spTgt spid="6"/>
-                                        </p:tgtEl>
-                                      </p:cBhvr>
-                                    </p:animEffect>
-                                  </p:childTnLst>
-                                </p:cTn>
-                              </p:par>
-                            </p:childTnLst>
-                          </p:cTn>
-                        </p:par>
-                      </p:childTnLst>
-                    </p:cTn>
-                  </p:par>
-                  <p:par>
-                    <p:cTn id="8" fill="hold">
-                      <p:stCondLst>
-                        <p:cond delay="indefinite"/>
-                      </p:stCondLst>
-                      <p:childTnLst>
-                        <p:par>
-                          <p:cTn id="9" fill="hold">
-                            <p:stCondLst>
-                              <p:cond delay="0"/>
-                            </p:stCondLst>
-                            <p:childTnLst>
-                              <p:par>
-                                <p:cTn id="10" presetID="10" presetClass="entr" presetSubtype="0" fill="hold" grpId="0" nodeType="clickEffect">
-                                  <p:stCondLst>
-                                    <p:cond delay="0"/>
-                                  </p:stCondLst>
-                                  <p:childTnLst>
-                                    <p:set>
-                                      <p:cBhvr>
-                                        <p:cTn id="11" dur="1" fill="hold">
-                                          <p:stCondLst>
-                                            <p:cond delay="0"/>
-                                          </p:stCondLst>
-                                        </p:cTn>
-                                        <p:tgtEl>
-                                          <p:spTgt spid="7"/>
-                                        </p:tgtEl>
-                                        <p:attrNameLst>
-                                          <p:attrName>style.visibility</p:attrName>
-                                        </p:attrNameLst>
-                                      </p:cBhvr>
-                                      <p:to>
-                                        <p:strVal val="visible"/>
-                                      </p:to>
-                                    </p:set>
-                                    <p:animEffect transition="in" filter="fade">
-                                      <p:cBhvr>
-                                        <p:cTn id="12" dur="500"/>
-                                        <p:tgtEl>
-                                          <p:spTgt spid="7"/>
-                                        </p:tgtEl>
-                                      </p:cBhvr>
-                                    </p:animEffect>
-                                  </p:childTnLst>
-                                </p:cTn>
-                              </p:par>
-                            </p:childTnLst>
-                          </p:cTn>
-                        </p:par>
-                      </p:childTnLst>
-                    </p:cTn>
-                  </p:par>
-                </p:childTnLst>
-              </p:cTn>
-              <p:prevCondLst>
-                <p:cond evt="onPrev" delay="0">
-                  <p:tgtEl>
-                    <p:sldTgt/>
-                  </p:tgtEl>
-                </p:cond>
-              </p:prevCondLst>
-              <p:nextCondLst>
-                <p:cond evt="onNext" delay="0">
-                  <p:tgtEl>
-                    <p:sldTgt/>
-                  </p:tgtEl>
-                </p:cond>
-              </p:nextCondLst>
-            </p:seq>
-          </p:childTnLst>
-        </p:cTn>
-      </p:par>
-    </p:tnLst>
-    <p:bldLst>
-      <p:bldP spid="6" grpId="0" animBg="1"/>
-      <p:bldP spid="7" grpId="0" animBg="1"/>
-    </p:bldLst>
   </p:timing>
 </p:sld>
 </file>
@@ -18105,6 +18394,537 @@
           <p:cNvPr id="2" name="Title 1">
             <a:extLst>
               <a:ext uri="{FF2B5EF4-FFF2-40B4-BE49-F238E27FC236}">
+                <a16:creationId xmlns:a16="http://schemas.microsoft.com/office/drawing/2014/main" id="{F20AF0F3-B2D4-4CC2-AF99-1BF235806B4D}"/>
+              </a:ext>
+            </a:extLst>
+          </p:cNvPr>
+          <p:cNvSpPr>
+            <a:spLocks noGrp="1"/>
+          </p:cNvSpPr>
+          <p:nvPr>
+            <p:ph type="title"/>
+          </p:nvPr>
+        </p:nvSpPr>
+        <p:spPr/>
+        <p:txBody>
+          <a:bodyPr/>
+          <a:lstStyle/>
+          <a:p>
+            <a:r>
+              <a:rPr lang="en-IE" dirty="0"/>
+              <a:t>3. Use User Route to authenticate</a:t>
+            </a:r>
+          </a:p>
+        </p:txBody>
+      </p:sp>
+      <p:sp>
+        <p:nvSpPr>
+          <p:cNvPr id="3" name="Content Placeholder 2">
+            <a:extLst>
+              <a:ext uri="{FF2B5EF4-FFF2-40B4-BE49-F238E27FC236}">
+                <a16:creationId xmlns:a16="http://schemas.microsoft.com/office/drawing/2014/main" id="{14B5DEF0-14EC-42AC-9590-43DF1E30DF28}"/>
+              </a:ext>
+            </a:extLst>
+          </p:cNvPr>
+          <p:cNvSpPr>
+            <a:spLocks noGrp="1"/>
+          </p:cNvSpPr>
+          <p:nvPr>
+            <p:ph idx="1"/>
+          </p:nvPr>
+        </p:nvSpPr>
+        <p:spPr/>
+        <p:txBody>
+          <a:bodyPr/>
+          <a:lstStyle/>
+          <a:p>
+            <a:r>
+              <a:rPr lang="en-IE" dirty="0"/>
+              <a:t>Use </a:t>
+            </a:r>
+            <a:r>
+              <a:rPr lang="en-IE" b="1" dirty="0"/>
+              <a:t>/</a:t>
+            </a:r>
+            <a:r>
+              <a:rPr lang="en-IE" b="1" dirty="0" err="1"/>
+              <a:t>api</a:t>
+            </a:r>
+            <a:r>
+              <a:rPr lang="en-IE" b="1" dirty="0"/>
+              <a:t>/user </a:t>
+            </a:r>
+            <a:r>
+              <a:rPr lang="en-IE" dirty="0"/>
+              <a:t>to authenticate, passing username and password in HTTP body</a:t>
+            </a:r>
+          </a:p>
+          <a:p>
+            <a:endParaRPr lang="en-IE" dirty="0"/>
+          </a:p>
+        </p:txBody>
+      </p:sp>
+      <p:pic>
+        <p:nvPicPr>
+          <p:cNvPr id="4" name="Picture 3">
+            <a:extLst>
+              <a:ext uri="{FF2B5EF4-FFF2-40B4-BE49-F238E27FC236}">
+                <a16:creationId xmlns:a16="http://schemas.microsoft.com/office/drawing/2014/main" id="{9062EB28-FD42-4ADF-9739-9DCC96406390}"/>
+              </a:ext>
+            </a:extLst>
+          </p:cNvPr>
+          <p:cNvPicPr>
+            <a:picLocks noChangeAspect="1"/>
+          </p:cNvPicPr>
+          <p:nvPr/>
+        </p:nvPicPr>
+        <p:blipFill>
+          <a:blip r:embed="rId2"/>
+          <a:stretch>
+            <a:fillRect/>
+          </a:stretch>
+        </p:blipFill>
+        <p:spPr>
+          <a:xfrm>
+            <a:off x="1026148" y="2906990"/>
+            <a:ext cx="6804515" cy="3951009"/>
+          </a:xfrm>
+          <a:prstGeom prst="rect">
+            <a:avLst/>
+          </a:prstGeom>
+        </p:spPr>
+      </p:pic>
+      <p:sp>
+        <p:nvSpPr>
+          <p:cNvPr id="5" name="TextBox 4">
+            <a:extLst>
+              <a:ext uri="{FF2B5EF4-FFF2-40B4-BE49-F238E27FC236}">
+                <a16:creationId xmlns:a16="http://schemas.microsoft.com/office/drawing/2014/main" id="{400C97FF-4C71-47CB-AB3D-44556CA2DC72}"/>
+              </a:ext>
+            </a:extLst>
+          </p:cNvPr>
+          <p:cNvSpPr txBox="1"/>
+          <p:nvPr/>
+        </p:nvSpPr>
+        <p:spPr>
+          <a:xfrm>
+            <a:off x="2450969" y="2537659"/>
+            <a:ext cx="1937966" cy="369332"/>
+          </a:xfrm>
+          <a:prstGeom prst="rect">
+            <a:avLst/>
+          </a:prstGeom>
+          <a:noFill/>
+        </p:spPr>
+        <p:txBody>
+          <a:bodyPr wrap="none" rtlCol="0">
+            <a:spAutoFit/>
+          </a:bodyPr>
+          <a:lstStyle/>
+          <a:p>
+            <a:r>
+              <a:rPr lang="en-IE" dirty="0"/>
+              <a:t>/</a:t>
+            </a:r>
+            <a:r>
+              <a:rPr lang="en-IE" dirty="0" err="1"/>
+              <a:t>api</a:t>
+            </a:r>
+            <a:r>
+              <a:rPr lang="en-IE" dirty="0"/>
+              <a:t>/users/index.js</a:t>
+            </a:r>
+          </a:p>
+        </p:txBody>
+      </p:sp>
+      <p:sp>
+        <p:nvSpPr>
+          <p:cNvPr id="6" name="Callout: Line 5">
+            <a:extLst>
+              <a:ext uri="{FF2B5EF4-FFF2-40B4-BE49-F238E27FC236}">
+                <a16:creationId xmlns:a16="http://schemas.microsoft.com/office/drawing/2014/main" id="{97C10921-AB65-4BB7-87C1-6DD43D8F23DC}"/>
+              </a:ext>
+            </a:extLst>
+          </p:cNvPr>
+          <p:cNvSpPr/>
+          <p:nvPr/>
+        </p:nvSpPr>
+        <p:spPr>
+          <a:xfrm>
+            <a:off x="8247211" y="2906990"/>
+            <a:ext cx="3553905" cy="1300899"/>
+          </a:xfrm>
+          <a:prstGeom prst="borderCallout1">
+            <a:avLst>
+              <a:gd name="adj1" fmla="val 18750"/>
+              <a:gd name="adj2" fmla="val -8333"/>
+              <a:gd name="adj3" fmla="val 99781"/>
+              <a:gd name="adj4" fmla="val -35883"/>
+            </a:avLst>
+          </a:prstGeom>
+          <a:ln>
+            <a:solidFill>
+              <a:srgbClr val="FF0000"/>
+            </a:solidFill>
+          </a:ln>
+        </p:spPr>
+        <p:style>
+          <a:lnRef idx="2">
+            <a:schemeClr val="accent1">
+              <a:shade val="50000"/>
+            </a:schemeClr>
+          </a:lnRef>
+          <a:fillRef idx="1">
+            <a:schemeClr val="accent1"/>
+          </a:fillRef>
+          <a:effectRef idx="0">
+            <a:schemeClr val="accent1"/>
+          </a:effectRef>
+          <a:fontRef idx="minor">
+            <a:schemeClr val="lt1"/>
+          </a:fontRef>
+        </p:style>
+        <p:txBody>
+          <a:bodyPr rtlCol="0" anchor="ctr"/>
+          <a:lstStyle/>
+          <a:p>
+            <a:pPr algn="ctr"/>
+            <a:r>
+              <a:rPr lang="en-IE" dirty="0"/>
+              <a:t>Using static method to find User document</a:t>
+            </a:r>
+          </a:p>
+        </p:txBody>
+      </p:sp>
+      <p:sp>
+        <p:nvSpPr>
+          <p:cNvPr id="7" name="Callout: Line 6">
+            <a:extLst>
+              <a:ext uri="{FF2B5EF4-FFF2-40B4-BE49-F238E27FC236}">
+                <a16:creationId xmlns:a16="http://schemas.microsoft.com/office/drawing/2014/main" id="{B5DD50ED-2CA8-4074-B126-7B5C56618020}"/>
+              </a:ext>
+            </a:extLst>
+          </p:cNvPr>
+          <p:cNvSpPr/>
+          <p:nvPr/>
+        </p:nvSpPr>
+        <p:spPr>
+          <a:xfrm>
+            <a:off x="8236769" y="4390452"/>
+            <a:ext cx="3553905" cy="1300899"/>
+          </a:xfrm>
+          <a:prstGeom prst="borderCallout1">
+            <a:avLst>
+              <a:gd name="adj1" fmla="val 18750"/>
+              <a:gd name="adj2" fmla="val -8333"/>
+              <a:gd name="adj3" fmla="val 31028"/>
+              <a:gd name="adj4" fmla="val -66986"/>
+            </a:avLst>
+          </a:prstGeom>
+          <a:ln>
+            <a:solidFill>
+              <a:srgbClr val="FF0000"/>
+            </a:solidFill>
+          </a:ln>
+        </p:spPr>
+        <p:style>
+          <a:lnRef idx="2">
+            <a:schemeClr val="accent1">
+              <a:shade val="50000"/>
+            </a:schemeClr>
+          </a:lnRef>
+          <a:fillRef idx="1">
+            <a:schemeClr val="accent1"/>
+          </a:fillRef>
+          <a:effectRef idx="0">
+            <a:schemeClr val="accent1"/>
+          </a:effectRef>
+          <a:fontRef idx="minor">
+            <a:schemeClr val="lt1"/>
+          </a:fontRef>
+        </p:style>
+        <p:txBody>
+          <a:bodyPr rtlCol="0" anchor="ctr"/>
+          <a:lstStyle/>
+          <a:p>
+            <a:pPr algn="ctr"/>
+            <a:r>
+              <a:rPr lang="en-IE" dirty="0"/>
+              <a:t>Using instance method to check password</a:t>
+            </a:r>
+          </a:p>
+        </p:txBody>
+      </p:sp>
+      <p:pic>
+        <p:nvPicPr>
+          <p:cNvPr id="8" name="Picture 7">
+            <a:extLst>
+              <a:ext uri="{FF2B5EF4-FFF2-40B4-BE49-F238E27FC236}">
+                <a16:creationId xmlns:a16="http://schemas.microsoft.com/office/drawing/2014/main" id="{98F42EFD-8038-4A9F-8B0B-11CBA7BE5B2F}"/>
+              </a:ext>
+            </a:extLst>
+          </p:cNvPr>
+          <p:cNvPicPr>
+            <a:picLocks noChangeAspect="1"/>
+          </p:cNvPicPr>
+          <p:nvPr/>
+        </p:nvPicPr>
+        <p:blipFill>
+          <a:blip r:embed="rId3"/>
+          <a:stretch>
+            <a:fillRect/>
+          </a:stretch>
+        </p:blipFill>
+        <p:spPr>
+          <a:xfrm>
+            <a:off x="8542508" y="6261322"/>
+            <a:ext cx="3258608" cy="322040"/>
+          </a:xfrm>
+          <a:prstGeom prst="rect">
+            <a:avLst/>
+          </a:prstGeom>
+        </p:spPr>
+      </p:pic>
+      <p:sp>
+        <p:nvSpPr>
+          <p:cNvPr id="9" name="TextBox 8">
+            <a:extLst>
+              <a:ext uri="{FF2B5EF4-FFF2-40B4-BE49-F238E27FC236}">
+                <a16:creationId xmlns:a16="http://schemas.microsoft.com/office/drawing/2014/main" id="{CBC77CCB-5110-40F7-9ECB-B916BABFBAF6}"/>
+              </a:ext>
+            </a:extLst>
+          </p:cNvPr>
+          <p:cNvSpPr txBox="1"/>
+          <p:nvPr/>
+        </p:nvSpPr>
+        <p:spPr>
+          <a:xfrm>
+            <a:off x="8779588" y="5908457"/>
+            <a:ext cx="984308" cy="369332"/>
+          </a:xfrm>
+          <a:prstGeom prst="rect">
+            <a:avLst/>
+          </a:prstGeom>
+          <a:noFill/>
+        </p:spPr>
+        <p:txBody>
+          <a:bodyPr wrap="none" rtlCol="0">
+            <a:spAutoFit/>
+          </a:bodyPr>
+          <a:lstStyle/>
+          <a:p>
+            <a:r>
+              <a:rPr lang="en-IE" dirty="0"/>
+              <a:t>/index.js</a:t>
+            </a:r>
+          </a:p>
+        </p:txBody>
+      </p:sp>
+    </p:spTree>
+    <p:extLst>
+      <p:ext uri="{BB962C8B-B14F-4D97-AF65-F5344CB8AC3E}">
+        <p14:creationId xmlns:p14="http://schemas.microsoft.com/office/powerpoint/2010/main" val="3391404695"/>
+      </p:ext>
+    </p:extLst>
+  </p:cSld>
+  <p:clrMapOvr>
+    <a:masterClrMapping/>
+  </p:clrMapOvr>
+  <p:timing>
+    <p:tnLst>
+      <p:par>
+        <p:cTn id="1" dur="indefinite" restart="never" nodeType="tmRoot">
+          <p:childTnLst>
+            <p:seq concurrent="1" nextAc="seek">
+              <p:cTn id="2" dur="indefinite" nodeType="mainSeq">
+                <p:childTnLst>
+                  <p:par>
+                    <p:cTn id="3" fill="hold">
+                      <p:stCondLst>
+                        <p:cond delay="indefinite"/>
+                      </p:stCondLst>
+                      <p:childTnLst>
+                        <p:par>
+                          <p:cTn id="4" fill="hold">
+                            <p:stCondLst>
+                              <p:cond delay="0"/>
+                            </p:stCondLst>
+                            <p:childTnLst>
+                              <p:par>
+                                <p:cTn id="5" presetID="10" presetClass="entr" presetSubtype="0" fill="hold" grpId="0" nodeType="clickEffect">
+                                  <p:stCondLst>
+                                    <p:cond delay="0"/>
+                                  </p:stCondLst>
+                                  <p:childTnLst>
+                                    <p:set>
+                                      <p:cBhvr>
+                                        <p:cTn id="6" dur="1" fill="hold">
+                                          <p:stCondLst>
+                                            <p:cond delay="0"/>
+                                          </p:stCondLst>
+                                        </p:cTn>
+                                        <p:tgtEl>
+                                          <p:spTgt spid="6"/>
+                                        </p:tgtEl>
+                                        <p:attrNameLst>
+                                          <p:attrName>style.visibility</p:attrName>
+                                        </p:attrNameLst>
+                                      </p:cBhvr>
+                                      <p:to>
+                                        <p:strVal val="visible"/>
+                                      </p:to>
+                                    </p:set>
+                                    <p:animEffect transition="in" filter="fade">
+                                      <p:cBhvr>
+                                        <p:cTn id="7" dur="500"/>
+                                        <p:tgtEl>
+                                          <p:spTgt spid="6"/>
+                                        </p:tgtEl>
+                                      </p:cBhvr>
+                                    </p:animEffect>
+                                  </p:childTnLst>
+                                </p:cTn>
+                              </p:par>
+                            </p:childTnLst>
+                          </p:cTn>
+                        </p:par>
+                      </p:childTnLst>
+                    </p:cTn>
+                  </p:par>
+                  <p:par>
+                    <p:cTn id="8" fill="hold">
+                      <p:stCondLst>
+                        <p:cond delay="indefinite"/>
+                      </p:stCondLst>
+                      <p:childTnLst>
+                        <p:par>
+                          <p:cTn id="9" fill="hold">
+                            <p:stCondLst>
+                              <p:cond delay="0"/>
+                            </p:stCondLst>
+                            <p:childTnLst>
+                              <p:par>
+                                <p:cTn id="10" presetID="10" presetClass="entr" presetSubtype="0" fill="hold" grpId="0" nodeType="clickEffect">
+                                  <p:stCondLst>
+                                    <p:cond delay="0"/>
+                                  </p:stCondLst>
+                                  <p:childTnLst>
+                                    <p:set>
+                                      <p:cBhvr>
+                                        <p:cTn id="11" dur="1" fill="hold">
+                                          <p:stCondLst>
+                                            <p:cond delay="0"/>
+                                          </p:stCondLst>
+                                        </p:cTn>
+                                        <p:tgtEl>
+                                          <p:spTgt spid="7"/>
+                                        </p:tgtEl>
+                                        <p:attrNameLst>
+                                          <p:attrName>style.visibility</p:attrName>
+                                        </p:attrNameLst>
+                                      </p:cBhvr>
+                                      <p:to>
+                                        <p:strVal val="visible"/>
+                                      </p:to>
+                                    </p:set>
+                                    <p:animEffect transition="in" filter="fade">
+                                      <p:cBhvr>
+                                        <p:cTn id="12" dur="500"/>
+                                        <p:tgtEl>
+                                          <p:spTgt spid="7"/>
+                                        </p:tgtEl>
+                                      </p:cBhvr>
+                                    </p:animEffect>
+                                  </p:childTnLst>
+                                </p:cTn>
+                              </p:par>
+                            </p:childTnLst>
+                          </p:cTn>
+                        </p:par>
+                      </p:childTnLst>
+                    </p:cTn>
+                  </p:par>
+                </p:childTnLst>
+              </p:cTn>
+              <p:prevCondLst>
+                <p:cond evt="onPrev" delay="0">
+                  <p:tgtEl>
+                    <p:sldTgt/>
+                  </p:tgtEl>
+                </p:cond>
+              </p:prevCondLst>
+              <p:nextCondLst>
+                <p:cond evt="onNext" delay="0">
+                  <p:tgtEl>
+                    <p:sldTgt/>
+                  </p:tgtEl>
+                </p:cond>
+              </p:nextCondLst>
+            </p:seq>
+          </p:childTnLst>
+        </p:cTn>
+      </p:par>
+    </p:tnLst>
+    <p:bldLst>
+      <p:bldP spid="6" grpId="0" animBg="1"/>
+      <p:bldP spid="7" grpId="0" animBg="1"/>
+    </p:bldLst>
+  </p:timing>
+</p:sld>
+</file>
+
+<file path=ppt/slides/slide41.xml><?xml version="1.0" encoding="utf-8"?>
+<p:sld xmlns:a="http://schemas.openxmlformats.org/drawingml/2006/main" xmlns:r="http://schemas.openxmlformats.org/officeDocument/2006/relationships" xmlns:p="http://schemas.openxmlformats.org/presentationml/2006/main">
+  <p:cSld>
+    <p:spTree>
+      <p:nvGrpSpPr>
+        <p:cNvPr id="1" name=""/>
+        <p:cNvGrpSpPr/>
+        <p:nvPr/>
+      </p:nvGrpSpPr>
+      <p:grpSpPr>
+        <a:xfrm>
+          <a:off x="0" y="0"/>
+          <a:ext cx="0" cy="0"/>
+          <a:chOff x="0" y="0"/>
+          <a:chExt cx="0" cy="0"/>
+        </a:xfrm>
+      </p:grpSpPr>
+      <p:pic>
+        <p:nvPicPr>
+          <p:cNvPr id="3" name="Picture 2">
+            <a:extLst>
+              <a:ext uri="{FF2B5EF4-FFF2-40B4-BE49-F238E27FC236}">
+                <a16:creationId xmlns:a16="http://schemas.microsoft.com/office/drawing/2014/main" id="{7BF25AA0-1298-413D-8A73-95F6D79CB401}"/>
+              </a:ext>
+            </a:extLst>
+          </p:cNvPr>
+          <p:cNvPicPr>
+            <a:picLocks noChangeAspect="1"/>
+          </p:cNvPicPr>
+          <p:nvPr/>
+        </p:nvPicPr>
+        <p:blipFill>
+          <a:blip r:embed="rId2"/>
+          <a:stretch>
+            <a:fillRect/>
+          </a:stretch>
+        </p:blipFill>
+        <p:spPr>
+          <a:xfrm>
+            <a:off x="939539" y="5558771"/>
+            <a:ext cx="7619458" cy="426393"/>
+          </a:xfrm>
+          <a:prstGeom prst="rect">
+            <a:avLst/>
+          </a:prstGeom>
+        </p:spPr>
+      </p:pic>
+      <p:sp>
+        <p:nvSpPr>
+          <p:cNvPr id="2" name="Title 1">
+            <a:extLst>
+              <a:ext uri="{FF2B5EF4-FFF2-40B4-BE49-F238E27FC236}">
                 <a16:creationId xmlns:a16="http://schemas.microsoft.com/office/drawing/2014/main" id="{E1B66BB1-BAB6-4DDB-B3C3-A2BDC8760C6A}"/>
               </a:ext>
             </a:extLst>
@@ -18123,7 +18943,7 @@
           <a:p>
             <a:r>
               <a:rPr lang="en-IE" dirty="0"/>
-              <a:t>Authentication Middleware</a:t>
+              <a:t>4. Add Authentication Middleware</a:t>
             </a:r>
           </a:p>
         </p:txBody>
@@ -18145,7 +18965,7 @@
           </p:nvPr>
         </p:nvPicPr>
         <p:blipFill>
-          <a:blip r:embed="rId2"/>
+          <a:blip r:embed="rId3"/>
           <a:stretch>
             <a:fillRect/>
           </a:stretch>
@@ -18249,7 +19069,7 @@
           <p:nvPr/>
         </p:nvPicPr>
         <p:blipFill>
-          <a:blip r:embed="rId3"/>
+          <a:blip r:embed="rId4"/>
           <a:stretch>
             <a:fillRect/>
           </a:stretch>
@@ -18258,36 +19078,6 @@
           <a:xfrm>
             <a:off x="939539" y="4897437"/>
             <a:ext cx="6657975" cy="542925"/>
-          </a:xfrm>
-          <a:prstGeom prst="rect">
-            <a:avLst/>
-          </a:prstGeom>
-        </p:spPr>
-      </p:pic>
-      <p:pic>
-        <p:nvPicPr>
-          <p:cNvPr id="7" name="Picture 6">
-            <a:extLst>
-              <a:ext uri="{FF2B5EF4-FFF2-40B4-BE49-F238E27FC236}">
-                <a16:creationId xmlns:a16="http://schemas.microsoft.com/office/drawing/2014/main" id="{9A8228FA-3072-431E-ABC6-7D77A26C26E3}"/>
-              </a:ext>
-            </a:extLst>
-          </p:cNvPr>
-          <p:cNvPicPr>
-            <a:picLocks noChangeAspect="1"/>
-          </p:cNvPicPr>
-          <p:nvPr/>
-        </p:nvPicPr>
-        <p:blipFill>
-          <a:blip r:embed="rId4"/>
-          <a:stretch>
-            <a:fillRect/>
-          </a:stretch>
-        </p:blipFill>
-        <p:spPr>
-          <a:xfrm>
-            <a:off x="939539" y="5558771"/>
-            <a:ext cx="7581900" cy="485775"/>
           </a:xfrm>
           <a:prstGeom prst="rect">
             <a:avLst/>
@@ -18476,7 +19266,7 @@
             </a:r>
             <a:r>
               <a:rPr lang="en-IE" dirty="0"/>
-              <a:t>/posts route.</a:t>
+              <a:t>/movies route.</a:t>
             </a:r>
           </a:p>
         </p:txBody>
@@ -18667,634 +19457,6 @@
       <p:bldP spid="11" grpId="0" animBg="1"/>
     </p:bldLst>
   </p:timing>
-</p:sld>
-</file>
-
-<file path=ppt/slides/slide41.xml><?xml version="1.0" encoding="utf-8"?>
-<p:sld xmlns:a="http://schemas.openxmlformats.org/drawingml/2006/main" xmlns:r="http://schemas.openxmlformats.org/officeDocument/2006/relationships" xmlns:p="http://schemas.openxmlformats.org/presentationml/2006/main">
-  <p:cSld>
-    <p:spTree>
-      <p:nvGrpSpPr>
-        <p:cNvPr id="1" name=""/>
-        <p:cNvGrpSpPr/>
-        <p:nvPr/>
-      </p:nvGrpSpPr>
-      <p:grpSpPr>
-        <a:xfrm>
-          <a:off x="0" y="0"/>
-          <a:ext cx="0" cy="0"/>
-          <a:chOff x="0" y="0"/>
-          <a:chExt cx="0" cy="0"/>
-        </a:xfrm>
-      </p:grpSpPr>
-      <p:pic>
-        <p:nvPicPr>
-          <p:cNvPr id="10" name="Picture 9">
-            <a:extLst>
-              <a:ext uri="{FF2B5EF4-FFF2-40B4-BE49-F238E27FC236}">
-                <a16:creationId xmlns:a16="http://schemas.microsoft.com/office/drawing/2014/main" id="{CBA330F1-5A2C-41AF-BB1E-A3DDE677C565}"/>
-              </a:ext>
-            </a:extLst>
-          </p:cNvPr>
-          <p:cNvPicPr>
-            <a:picLocks noChangeAspect="1"/>
-          </p:cNvPicPr>
-          <p:nvPr/>
-        </p:nvPicPr>
-        <p:blipFill>
-          <a:blip r:embed="rId2"/>
-          <a:stretch>
-            <a:fillRect/>
-          </a:stretch>
-        </p:blipFill>
-        <p:spPr>
-          <a:xfrm>
-            <a:off x="3382594" y="3825228"/>
-            <a:ext cx="9932306" cy="2468267"/>
-          </a:xfrm>
-          <a:prstGeom prst="rect">
-            <a:avLst/>
-          </a:prstGeom>
-        </p:spPr>
-      </p:pic>
-      <p:sp>
-        <p:nvSpPr>
-          <p:cNvPr id="2" name="Title 1">
-            <a:extLst>
-              <a:ext uri="{FF2B5EF4-FFF2-40B4-BE49-F238E27FC236}">
-                <a16:creationId xmlns:a16="http://schemas.microsoft.com/office/drawing/2014/main" id="{D8DCE21E-E514-40E3-88C9-386AFC57F6A3}"/>
-              </a:ext>
-            </a:extLst>
-          </p:cNvPr>
-          <p:cNvSpPr>
-            <a:spLocks noGrp="1"/>
-          </p:cNvSpPr>
-          <p:nvPr>
-            <p:ph type="title"/>
-          </p:nvPr>
-        </p:nvSpPr>
-        <p:spPr/>
-        <p:txBody>
-          <a:bodyPr/>
-          <a:lstStyle/>
-          <a:p>
-            <a:r>
-              <a:rPr lang="en-IE" dirty="0"/>
-              <a:t>Object Referencing</a:t>
-            </a:r>
-          </a:p>
-        </p:txBody>
-      </p:sp>
-      <p:sp>
-        <p:nvSpPr>
-          <p:cNvPr id="7" name="Rectangle 6">
-            <a:extLst>
-              <a:ext uri="{FF2B5EF4-FFF2-40B4-BE49-F238E27FC236}">
-                <a16:creationId xmlns:a16="http://schemas.microsoft.com/office/drawing/2014/main" id="{1F9D4F40-C5C3-49B4-8FC5-A3701DDA9CFE}"/>
-              </a:ext>
-            </a:extLst>
-          </p:cNvPr>
-          <p:cNvSpPr/>
-          <p:nvPr/>
-        </p:nvSpPr>
-        <p:spPr>
-          <a:xfrm>
-            <a:off x="5329646" y="4955177"/>
-            <a:ext cx="5127339" cy="844732"/>
-          </a:xfrm>
-          <a:prstGeom prst="rect">
-            <a:avLst/>
-          </a:prstGeom>
-          <a:noFill/>
-          <a:ln>
-            <a:solidFill>
-              <a:srgbClr val="FF0000"/>
-            </a:solidFill>
-          </a:ln>
-        </p:spPr>
-        <p:style>
-          <a:lnRef idx="2">
-            <a:schemeClr val="accent6"/>
-          </a:lnRef>
-          <a:fillRef idx="1">
-            <a:schemeClr val="lt1"/>
-          </a:fillRef>
-          <a:effectRef idx="0">
-            <a:schemeClr val="accent6"/>
-          </a:effectRef>
-          <a:fontRef idx="minor">
-            <a:schemeClr val="dk1"/>
-          </a:fontRef>
-        </p:style>
-        <p:txBody>
-          <a:bodyPr rtlCol="0" anchor="ctr"/>
-          <a:lstStyle/>
-          <a:p>
-            <a:pPr algn="ctr"/>
-            <a:endParaRPr lang="en-IE"/>
-          </a:p>
-        </p:txBody>
-      </p:sp>
-      <p:sp>
-        <p:nvSpPr>
-          <p:cNvPr id="8" name="Callout: Line 7">
-            <a:extLst>
-              <a:ext uri="{FF2B5EF4-FFF2-40B4-BE49-F238E27FC236}">
-                <a16:creationId xmlns:a16="http://schemas.microsoft.com/office/drawing/2014/main" id="{26290D34-4086-4A5F-9A76-6393C7083CB3}"/>
-              </a:ext>
-            </a:extLst>
-          </p:cNvPr>
-          <p:cNvSpPr/>
-          <p:nvPr/>
-        </p:nvSpPr>
-        <p:spPr>
-          <a:xfrm>
-            <a:off x="9126583" y="1724297"/>
-            <a:ext cx="2124891" cy="1323703"/>
-          </a:xfrm>
-          <a:prstGeom prst="borderCallout1">
-            <a:avLst>
-              <a:gd name="adj1" fmla="val 18750"/>
-              <a:gd name="adj2" fmla="val -8333"/>
-              <a:gd name="adj3" fmla="val 238158"/>
-              <a:gd name="adj4" fmla="val -15792"/>
-            </a:avLst>
-          </a:prstGeom>
-          <a:ln>
-            <a:solidFill>
-              <a:srgbClr val="FF0000"/>
-            </a:solidFill>
-          </a:ln>
-        </p:spPr>
-        <p:style>
-          <a:lnRef idx="2">
-            <a:schemeClr val="accent1">
-              <a:shade val="50000"/>
-            </a:schemeClr>
-          </a:lnRef>
-          <a:fillRef idx="1">
-            <a:schemeClr val="accent1"/>
-          </a:fillRef>
-          <a:effectRef idx="0">
-            <a:schemeClr val="accent1"/>
-          </a:effectRef>
-          <a:fontRef idx="minor">
-            <a:schemeClr val="lt1"/>
-          </a:fontRef>
-        </p:style>
-        <p:txBody>
-          <a:bodyPr rtlCol="0" anchor="ctr"/>
-          <a:lstStyle/>
-          <a:p>
-            <a:pPr algn="ctr"/>
-            <a:r>
-              <a:rPr lang="en-IE" dirty="0"/>
-              <a:t>Using Object ID to reference Movie document</a:t>
-            </a:r>
-          </a:p>
-        </p:txBody>
-      </p:sp>
-    </p:spTree>
-    <p:extLst>
-      <p:ext uri="{BB962C8B-B14F-4D97-AF65-F5344CB8AC3E}">
-        <p14:creationId xmlns:p14="http://schemas.microsoft.com/office/powerpoint/2010/main" val="2302261880"/>
-      </p:ext>
-    </p:extLst>
-  </p:cSld>
-  <p:clrMapOvr>
-    <a:masterClrMapping/>
-  </p:clrMapOvr>
-  <p:timing>
-    <p:tnLst>
-      <p:par>
-        <p:cTn id="1" dur="indefinite" restart="never" nodeType="tmRoot">
-          <p:childTnLst>
-            <p:seq concurrent="1" nextAc="seek">
-              <p:cTn id="2" dur="indefinite" nodeType="mainSeq">
-                <p:childTnLst>
-                  <p:par>
-                    <p:cTn id="3" fill="hold">
-                      <p:stCondLst>
-                        <p:cond delay="indefinite"/>
-                      </p:stCondLst>
-                      <p:childTnLst>
-                        <p:par>
-                          <p:cTn id="4" fill="hold">
-                            <p:stCondLst>
-                              <p:cond delay="0"/>
-                            </p:stCondLst>
-                            <p:childTnLst>
-                              <p:par>
-                                <p:cTn id="5" presetID="10" presetClass="entr" presetSubtype="0" fill="hold" grpId="0" nodeType="clickEffect">
-                                  <p:stCondLst>
-                                    <p:cond delay="0"/>
-                                  </p:stCondLst>
-                                  <p:childTnLst>
-                                    <p:set>
-                                      <p:cBhvr>
-                                        <p:cTn id="6" dur="1" fill="hold">
-                                          <p:stCondLst>
-                                            <p:cond delay="0"/>
-                                          </p:stCondLst>
-                                        </p:cTn>
-                                        <p:tgtEl>
-                                          <p:spTgt spid="7"/>
-                                        </p:tgtEl>
-                                        <p:attrNameLst>
-                                          <p:attrName>style.visibility</p:attrName>
-                                        </p:attrNameLst>
-                                      </p:cBhvr>
-                                      <p:to>
-                                        <p:strVal val="visible"/>
-                                      </p:to>
-                                    </p:set>
-                                    <p:animEffect transition="in" filter="fade">
-                                      <p:cBhvr>
-                                        <p:cTn id="7" dur="500"/>
-                                        <p:tgtEl>
-                                          <p:spTgt spid="7"/>
-                                        </p:tgtEl>
-                                      </p:cBhvr>
-                                    </p:animEffect>
-                                  </p:childTnLst>
-                                </p:cTn>
-                              </p:par>
-                            </p:childTnLst>
-                          </p:cTn>
-                        </p:par>
-                      </p:childTnLst>
-                    </p:cTn>
-                  </p:par>
-                  <p:par>
-                    <p:cTn id="8" fill="hold">
-                      <p:stCondLst>
-                        <p:cond delay="indefinite"/>
-                      </p:stCondLst>
-                      <p:childTnLst>
-                        <p:par>
-                          <p:cTn id="9" fill="hold">
-                            <p:stCondLst>
-                              <p:cond delay="0"/>
-                            </p:stCondLst>
-                            <p:childTnLst>
-                              <p:par>
-                                <p:cTn id="10" presetID="10" presetClass="entr" presetSubtype="0" fill="hold" grpId="0" nodeType="clickEffect">
-                                  <p:stCondLst>
-                                    <p:cond delay="0"/>
-                                  </p:stCondLst>
-                                  <p:childTnLst>
-                                    <p:set>
-                                      <p:cBhvr>
-                                        <p:cTn id="11" dur="1" fill="hold">
-                                          <p:stCondLst>
-                                            <p:cond delay="0"/>
-                                          </p:stCondLst>
-                                        </p:cTn>
-                                        <p:tgtEl>
-                                          <p:spTgt spid="8"/>
-                                        </p:tgtEl>
-                                        <p:attrNameLst>
-                                          <p:attrName>style.visibility</p:attrName>
-                                        </p:attrNameLst>
-                                      </p:cBhvr>
-                                      <p:to>
-                                        <p:strVal val="visible"/>
-                                      </p:to>
-                                    </p:set>
-                                    <p:animEffect transition="in" filter="fade">
-                                      <p:cBhvr>
-                                        <p:cTn id="12" dur="500"/>
-                                        <p:tgtEl>
-                                          <p:spTgt spid="8"/>
-                                        </p:tgtEl>
-                                      </p:cBhvr>
-                                    </p:animEffect>
-                                  </p:childTnLst>
-                                </p:cTn>
-                              </p:par>
-                            </p:childTnLst>
-                          </p:cTn>
-                        </p:par>
-                      </p:childTnLst>
-                    </p:cTn>
-                  </p:par>
-                </p:childTnLst>
-              </p:cTn>
-              <p:prevCondLst>
-                <p:cond evt="onPrev" delay="0">
-                  <p:tgtEl>
-                    <p:sldTgt/>
-                  </p:tgtEl>
-                </p:cond>
-              </p:prevCondLst>
-              <p:nextCondLst>
-                <p:cond evt="onNext" delay="0">
-                  <p:tgtEl>
-                    <p:sldTgt/>
-                  </p:tgtEl>
-                </p:cond>
-              </p:nextCondLst>
-            </p:seq>
-          </p:childTnLst>
-        </p:cTn>
-      </p:par>
-    </p:tnLst>
-    <p:bldLst>
-      <p:bldP spid="7" grpId="0" animBg="1"/>
-      <p:bldP spid="8" grpId="0" animBg="1"/>
-    </p:bldLst>
-  </p:timing>
-</p:sld>
-</file>
-
-<file path=ppt/slides/slide42.xml><?xml version="1.0" encoding="utf-8"?>
-<p:sld xmlns:a="http://schemas.openxmlformats.org/drawingml/2006/main" xmlns:r="http://schemas.openxmlformats.org/officeDocument/2006/relationships" xmlns:p="http://schemas.openxmlformats.org/presentationml/2006/main">
-  <p:cSld>
-    <p:spTree>
-      <p:nvGrpSpPr>
-        <p:cNvPr id="1" name=""/>
-        <p:cNvGrpSpPr/>
-        <p:nvPr/>
-      </p:nvGrpSpPr>
-      <p:grpSpPr>
-        <a:xfrm>
-          <a:off x="0" y="0"/>
-          <a:ext cx="0" cy="0"/>
-          <a:chOff x="0" y="0"/>
-          <a:chExt cx="0" cy="0"/>
-        </a:xfrm>
-      </p:grpSpPr>
-      <p:sp>
-        <p:nvSpPr>
-          <p:cNvPr id="2" name="Title 1">
-            <a:extLst>
-              <a:ext uri="{FF2B5EF4-FFF2-40B4-BE49-F238E27FC236}">
-                <a16:creationId xmlns:a16="http://schemas.microsoft.com/office/drawing/2014/main" id="{EE66B66F-5409-499F-9DF4-6CA18B23AC97}"/>
-              </a:ext>
-            </a:extLst>
-          </p:cNvPr>
-          <p:cNvSpPr>
-            <a:spLocks noGrp="1"/>
-          </p:cNvSpPr>
-          <p:nvPr>
-            <p:ph type="title"/>
-          </p:nvPr>
-        </p:nvSpPr>
-        <p:spPr/>
-        <p:txBody>
-          <a:bodyPr/>
-          <a:lstStyle/>
-          <a:p>
-            <a:r>
-              <a:rPr lang="en-IE" dirty="0"/>
-              <a:t>Query Population using Refs</a:t>
-            </a:r>
-          </a:p>
-        </p:txBody>
-      </p:sp>
-      <p:sp>
-        <p:nvSpPr>
-          <p:cNvPr id="3" name="Content Placeholder 2">
-            <a:extLst>
-              <a:ext uri="{FF2B5EF4-FFF2-40B4-BE49-F238E27FC236}">
-                <a16:creationId xmlns:a16="http://schemas.microsoft.com/office/drawing/2014/main" id="{16147343-8269-43E6-B02C-AF2F88FC8E84}"/>
-              </a:ext>
-            </a:extLst>
-          </p:cNvPr>
-          <p:cNvSpPr>
-            <a:spLocks noGrp="1"/>
-          </p:cNvSpPr>
-          <p:nvPr>
-            <p:ph idx="1"/>
-          </p:nvPr>
-        </p:nvSpPr>
-        <p:spPr/>
-        <p:txBody>
-          <a:bodyPr/>
-          <a:lstStyle/>
-          <a:p>
-            <a:r>
-              <a:rPr lang="en-IE" dirty="0"/>
-              <a:t>Allows you to </a:t>
-            </a:r>
-            <a:r>
-              <a:rPr lang="en-GB" dirty="0"/>
-              <a:t>automatically replace the speciﬁed paths in the document with document(s) from other collection(s). </a:t>
-            </a:r>
-            <a:endParaRPr lang="en-IE" dirty="0"/>
-          </a:p>
-        </p:txBody>
-      </p:sp>
-      <p:pic>
-        <p:nvPicPr>
-          <p:cNvPr id="4" name="Picture 3">
-            <a:extLst>
-              <a:ext uri="{FF2B5EF4-FFF2-40B4-BE49-F238E27FC236}">
-                <a16:creationId xmlns:a16="http://schemas.microsoft.com/office/drawing/2014/main" id="{119064FF-A167-466D-951E-B8DEA1CBE497}"/>
-              </a:ext>
-            </a:extLst>
-          </p:cNvPr>
-          <p:cNvPicPr>
-            <a:picLocks noChangeAspect="1"/>
-          </p:cNvPicPr>
-          <p:nvPr/>
-        </p:nvPicPr>
-        <p:blipFill>
-          <a:blip r:embed="rId2"/>
-          <a:stretch>
-            <a:fillRect/>
-          </a:stretch>
-        </p:blipFill>
-        <p:spPr>
-          <a:xfrm>
-            <a:off x="341764" y="2739500"/>
-            <a:ext cx="4684147" cy="3843861"/>
-          </a:xfrm>
-          <a:prstGeom prst="rect">
-            <a:avLst/>
-          </a:prstGeom>
-        </p:spPr>
-      </p:pic>
-      <p:pic>
-        <p:nvPicPr>
-          <p:cNvPr id="5" name="Picture 4">
-            <a:extLst>
-              <a:ext uri="{FF2B5EF4-FFF2-40B4-BE49-F238E27FC236}">
-                <a16:creationId xmlns:a16="http://schemas.microsoft.com/office/drawing/2014/main" id="{3896DB8E-B684-497D-AC45-3051DE5DE963}"/>
-              </a:ext>
-            </a:extLst>
-          </p:cNvPr>
-          <p:cNvPicPr>
-            <a:picLocks noChangeAspect="1"/>
-          </p:cNvPicPr>
-          <p:nvPr/>
-        </p:nvPicPr>
-        <p:blipFill>
-          <a:blip r:embed="rId3"/>
-          <a:stretch>
-            <a:fillRect/>
-          </a:stretch>
-        </p:blipFill>
-        <p:spPr>
-          <a:xfrm>
-            <a:off x="6508123" y="3122129"/>
-            <a:ext cx="5566222" cy="3078602"/>
-          </a:xfrm>
-          <a:prstGeom prst="rect">
-            <a:avLst/>
-          </a:prstGeom>
-        </p:spPr>
-      </p:pic>
-      <p:sp>
-        <p:nvSpPr>
-          <p:cNvPr id="6" name="Arrow: Right 5">
-            <a:extLst>
-              <a:ext uri="{FF2B5EF4-FFF2-40B4-BE49-F238E27FC236}">
-                <a16:creationId xmlns:a16="http://schemas.microsoft.com/office/drawing/2014/main" id="{86147879-164A-4FB5-B25B-B0982450EAB4}"/>
-              </a:ext>
-            </a:extLst>
-          </p:cNvPr>
-          <p:cNvSpPr/>
-          <p:nvPr/>
-        </p:nvSpPr>
-        <p:spPr>
-          <a:xfrm>
-            <a:off x="5293747" y="4069724"/>
-            <a:ext cx="1184326" cy="888642"/>
-          </a:xfrm>
-          <a:prstGeom prst="rightArrow">
-            <a:avLst/>
-          </a:prstGeom>
-        </p:spPr>
-        <p:style>
-          <a:lnRef idx="2">
-            <a:schemeClr val="accent1">
-              <a:shade val="50000"/>
-            </a:schemeClr>
-          </a:lnRef>
-          <a:fillRef idx="1">
-            <a:schemeClr val="accent1"/>
-          </a:fillRef>
-          <a:effectRef idx="0">
-            <a:schemeClr val="accent1"/>
-          </a:effectRef>
-          <a:fontRef idx="minor">
-            <a:schemeClr val="lt1"/>
-          </a:fontRef>
-        </p:style>
-        <p:txBody>
-          <a:bodyPr rtlCol="0" anchor="ctr"/>
-          <a:lstStyle/>
-          <a:p>
-            <a:pPr algn="ctr"/>
-            <a:r>
-              <a:rPr lang="en-IE" dirty="0"/>
-              <a:t>output</a:t>
-            </a:r>
-          </a:p>
-        </p:txBody>
-      </p:sp>
-      <p:graphicFrame>
-        <p:nvGraphicFramePr>
-          <p:cNvPr id="8" name="Table 7">
-            <a:extLst>
-              <a:ext uri="{FF2B5EF4-FFF2-40B4-BE49-F238E27FC236}">
-                <a16:creationId xmlns:a16="http://schemas.microsoft.com/office/drawing/2014/main" id="{80D859B3-C344-422B-99B1-D778CE27216B}"/>
-              </a:ext>
-            </a:extLst>
-          </p:cNvPr>
-          <p:cNvGraphicFramePr>
-            <a:graphicFrameLocks noGrp="1"/>
-          </p:cNvGraphicFramePr>
-          <p:nvPr>
-            <p:extLst>
-              <p:ext uri="{D42A27DB-BD31-4B8C-83A1-F6EECF244321}">
-                <p14:modId xmlns:p14="http://schemas.microsoft.com/office/powerpoint/2010/main" val="417362812"/>
-              </p:ext>
-            </p:extLst>
-          </p:nvPr>
-        </p:nvGraphicFramePr>
-        <p:xfrm>
-          <a:off x="2954624" y="1291695"/>
-          <a:ext cx="10972800" cy="213043"/>
-        </p:xfrm>
-        <a:graphic>
-          <a:graphicData uri="http://schemas.openxmlformats.org/drawingml/2006/table">
-            <a:tbl>
-              <a:tblPr/>
-              <a:tblGrid>
-                <a:gridCol w="10972800">
-                  <a:extLst>
-                    <a:ext uri="{9D8B030D-6E8A-4147-A177-3AD203B41FA5}">
-                      <a16:colId xmlns:a16="http://schemas.microsoft.com/office/drawing/2014/main" val="1124328335"/>
-                    </a:ext>
-                  </a:extLst>
-                </a:gridCol>
-              </a:tblGrid>
-              <a:tr h="0">
-                <a:tc>
-                  <a:txBody>
-                    <a:bodyPr/>
-                    <a:lstStyle/>
-                    <a:p>
-                      <a:pPr marL="0" marR="0">
-                        <a:lnSpc>
-                          <a:spcPct val="105000"/>
-                        </a:lnSpc>
-                        <a:spcBef>
-                          <a:spcPts val="0"/>
-                        </a:spcBef>
-                        <a:spcAft>
-                          <a:spcPts val="0"/>
-                        </a:spcAft>
-                      </a:pPr>
-                      <a:r>
-                        <a:rPr lang="en-IE" sz="1400" dirty="0">
-                          <a:solidFill>
-                            <a:srgbClr val="BFBFBF"/>
-                          </a:solidFill>
-                          <a:effectLst/>
-                          <a:latin typeface="Lucida Console" panose="020B0609040504020204" pitchFamily="49" charset="0"/>
-                        </a:rPr>
-                        <a:t>https://github.com/fxwalsh/ewd-examples-2020.git </a:t>
-                      </a:r>
-                    </a:p>
-                  </a:txBody>
-                  <a:tcPr marL="0" marR="0" marT="0" marB="0" anchor="ctr">
-                    <a:lnL>
-                      <a:noFill/>
-                    </a:lnL>
-                    <a:lnR>
-                      <a:noFill/>
-                    </a:lnR>
-                    <a:lnT>
-                      <a:noFill/>
-                    </a:lnT>
-                    <a:lnB>
-                      <a:noFill/>
-                    </a:lnB>
-                  </a:tcPr>
-                </a:tc>
-                <a:extLst>
-                  <a:ext uri="{0D108BD9-81ED-4DB2-BD59-A6C34878D82A}">
-                    <a16:rowId xmlns:a16="http://schemas.microsoft.com/office/drawing/2014/main" val="2569582140"/>
-                  </a:ext>
-                </a:extLst>
-              </a:tr>
-            </a:tbl>
-          </a:graphicData>
-        </a:graphic>
-      </p:graphicFrame>
-    </p:spTree>
-    <p:extLst>
-      <p:ext uri="{BB962C8B-B14F-4D97-AF65-F5344CB8AC3E}">
-        <p14:creationId xmlns:p14="http://schemas.microsoft.com/office/powerpoint/2010/main" val="325962594"/>
-      </p:ext>
-    </p:extLst>
-  </p:cSld>
-  <p:clrMapOvr>
-    <a:masterClrMapping/>
-  </p:clrMapOvr>
 </p:sld>
 </file>
 

--- a/topic09/talk-0/mongoDB-2020.pptx
+++ b/topic09/talk-0/mongoDB-2020.pptx
@@ -13,10 +13,10 @@
     <p:sldId id="258" r:id="rId4"/>
     <p:sldId id="311" r:id="rId5"/>
     <p:sldId id="312" r:id="rId6"/>
-    <p:sldId id="259" r:id="rId7"/>
-    <p:sldId id="260" r:id="rId8"/>
-    <p:sldId id="267" r:id="rId9"/>
-    <p:sldId id="268" r:id="rId10"/>
+    <p:sldId id="335" r:id="rId7"/>
+    <p:sldId id="259" r:id="rId8"/>
+    <p:sldId id="260" r:id="rId9"/>
+    <p:sldId id="267" r:id="rId10"/>
     <p:sldId id="272" r:id="rId11"/>
     <p:sldId id="273" r:id="rId12"/>
     <p:sldId id="274" r:id="rId13"/>
@@ -402,7 +402,7 @@
           <a:p>
             <a:fld id="{E753CC8B-2C22-4294-82AF-E18635F6C8A8}" type="datetimeFigureOut">
               <a:rPr lang="en-US" smtClean="0"/>
-              <a:t>12/3/2020</a:t>
+              <a:t>11/16/2021</a:t>
             </a:fld>
             <a:endParaRPr lang="en-US"/>
           </a:p>
@@ -995,7 +995,7 @@
           <a:p>
             <a:fld id="{F41A18DF-4A92-427C-AD9F-04E22FE0E9C0}" type="slidenum">
               <a:rPr lang="en-US" smtClean="0"/>
-              <a:t>6</a:t>
+              <a:t>7</a:t>
             </a:fld>
             <a:endParaRPr lang="en-US"/>
           </a:p>
@@ -1567,7 +1567,7 @@
           <a:p>
             <a:fld id="{B9A3E4E1-EAAE-4738-8551-BAE8BA49A08B}" type="datetimeFigureOut">
               <a:rPr lang="en-US" smtClean="0"/>
-              <a:t>12/3/2020</a:t>
+              <a:t>11/16/2021</a:t>
             </a:fld>
             <a:endParaRPr lang="en-US"/>
           </a:p>
@@ -1735,7 +1735,7 @@
           <a:p>
             <a:fld id="{B9A3E4E1-EAAE-4738-8551-BAE8BA49A08B}" type="datetimeFigureOut">
               <a:rPr lang="en-US" smtClean="0"/>
-              <a:t>12/3/2020</a:t>
+              <a:t>11/16/2021</a:t>
             </a:fld>
             <a:endParaRPr lang="en-US"/>
           </a:p>
@@ -1913,7 +1913,7 @@
           <a:p>
             <a:fld id="{B9A3E4E1-EAAE-4738-8551-BAE8BA49A08B}" type="datetimeFigureOut">
               <a:rPr lang="en-US" smtClean="0"/>
-              <a:t>12/3/2020</a:t>
+              <a:t>11/16/2021</a:t>
             </a:fld>
             <a:endParaRPr lang="en-US"/>
           </a:p>
@@ -2081,7 +2081,7 @@
           <a:p>
             <a:fld id="{B9A3E4E1-EAAE-4738-8551-BAE8BA49A08B}" type="datetimeFigureOut">
               <a:rPr lang="en-US" smtClean="0"/>
-              <a:t>12/3/2020</a:t>
+              <a:t>11/16/2021</a:t>
             </a:fld>
             <a:endParaRPr lang="en-US"/>
           </a:p>
@@ -2326,7 +2326,7 @@
           <a:p>
             <a:fld id="{B9A3E4E1-EAAE-4738-8551-BAE8BA49A08B}" type="datetimeFigureOut">
               <a:rPr lang="en-US" smtClean="0"/>
-              <a:t>12/3/2020</a:t>
+              <a:t>11/16/2021</a:t>
             </a:fld>
             <a:endParaRPr lang="en-US"/>
           </a:p>
@@ -2611,7 +2611,7 @@
           <a:p>
             <a:fld id="{B9A3E4E1-EAAE-4738-8551-BAE8BA49A08B}" type="datetimeFigureOut">
               <a:rPr lang="en-US" smtClean="0"/>
-              <a:t>12/3/2020</a:t>
+              <a:t>11/16/2021</a:t>
             </a:fld>
             <a:endParaRPr lang="en-US"/>
           </a:p>
@@ -3030,7 +3030,7 @@
           <a:p>
             <a:fld id="{B9A3E4E1-EAAE-4738-8551-BAE8BA49A08B}" type="datetimeFigureOut">
               <a:rPr lang="en-US" smtClean="0"/>
-              <a:t>12/3/2020</a:t>
+              <a:t>11/16/2021</a:t>
             </a:fld>
             <a:endParaRPr lang="en-US"/>
           </a:p>
@@ -3147,7 +3147,7 @@
           <a:p>
             <a:fld id="{B9A3E4E1-EAAE-4738-8551-BAE8BA49A08B}" type="datetimeFigureOut">
               <a:rPr lang="en-US" smtClean="0"/>
-              <a:t>12/3/2020</a:t>
+              <a:t>11/16/2021</a:t>
             </a:fld>
             <a:endParaRPr lang="en-US"/>
           </a:p>
@@ -3242,7 +3242,7 @@
           <a:p>
             <a:fld id="{B9A3E4E1-EAAE-4738-8551-BAE8BA49A08B}" type="datetimeFigureOut">
               <a:rPr lang="en-US" smtClean="0"/>
-              <a:t>12/3/2020</a:t>
+              <a:t>11/16/2021</a:t>
             </a:fld>
             <a:endParaRPr lang="en-US"/>
           </a:p>
@@ -3517,7 +3517,7 @@
           <a:p>
             <a:fld id="{B9A3E4E1-EAAE-4738-8551-BAE8BA49A08B}" type="datetimeFigureOut">
               <a:rPr lang="en-US" smtClean="0"/>
-              <a:t>12/3/2020</a:t>
+              <a:t>11/16/2021</a:t>
             </a:fld>
             <a:endParaRPr lang="en-US"/>
           </a:p>
@@ -3769,7 +3769,7 @@
           <a:p>
             <a:fld id="{B9A3E4E1-EAAE-4738-8551-BAE8BA49A08B}" type="datetimeFigureOut">
               <a:rPr lang="en-US" smtClean="0"/>
-              <a:t>12/3/2020</a:t>
+              <a:t>11/16/2021</a:t>
             </a:fld>
             <a:endParaRPr lang="en-US"/>
           </a:p>
@@ -3980,7 +3980,7 @@
           <a:p>
             <a:fld id="{B9A3E4E1-EAAE-4738-8551-BAE8BA49A08B}" type="datetimeFigureOut">
               <a:rPr lang="en-US" smtClean="0"/>
-              <a:t>12/3/2020</a:t>
+              <a:t>11/16/2021</a:t>
             </a:fld>
             <a:endParaRPr lang="en-US"/>
           </a:p>
@@ -7108,7 +7108,15 @@
           <a:p>
             <a:r>
               <a:rPr lang="en-GB" dirty="0"/>
-              <a:t>Each document stored in a collection requires a unique _id field and is reserved for use as a primary key.</a:t>
+              <a:t>Each document stored in a collection requires a unique </a:t>
+            </a:r>
+            <a:r>
+              <a:rPr lang="en-GB" b="1" i="1" dirty="0"/>
+              <a:t>_id </a:t>
+            </a:r>
+            <a:r>
+              <a:rPr lang="en-GB" dirty="0"/>
+              <a:t>field and is reserved for use as a primary key.</a:t>
             </a:r>
           </a:p>
           <a:p>
@@ -7122,7 +7130,15 @@
             </a:r>
             <a:r>
               <a:rPr lang="en-GB" dirty="0"/>
-              <a:t> for the _id field.</a:t>
+              <a:t> for the </a:t>
+            </a:r>
+            <a:r>
+              <a:rPr lang="en-GB" b="1" i="1" dirty="0"/>
+              <a:t>_id </a:t>
+            </a:r>
+            <a:r>
+              <a:rPr lang="en-GB" dirty="0"/>
+              <a:t>field.</a:t>
             </a:r>
           </a:p>
           <a:p>
@@ -10260,7 +10276,7 @@
             </a:pPr>
             <a:r>
               <a:rPr lang="en-IE" dirty="0"/>
-              <a:t>Cloud Databases</a:t>
+              <a:t>NoSQL Databases</a:t>
             </a:r>
           </a:p>
           <a:p>
@@ -19785,6 +19801,936 @@
           <a:chExt cx="0" cy="0"/>
         </a:xfrm>
       </p:grpSpPr>
+      <p:sp useBgFill="1">
+        <p:nvSpPr>
+          <p:cNvPr id="71" name="Rectangle 70">
+            <a:extLst>
+              <a:ext uri="{FF2B5EF4-FFF2-40B4-BE49-F238E27FC236}">
+                <a16:creationId xmlns:a16="http://schemas.microsoft.com/office/drawing/2014/main" id="{45D37F4E-DDB4-456B-97E0-9937730A039F}"/>
+              </a:ext>
+              <a:ext uri="{C183D7F6-B498-43B3-948B-1728B52AA6E4}">
+                <adec:decorative xmlns:adec="http://schemas.microsoft.com/office/drawing/2017/decorative" val="1"/>
+              </a:ext>
+            </a:extLst>
+          </p:cNvPr>
+          <p:cNvSpPr>
+            <a:spLocks noGrp="1" noRot="1" noChangeAspect="1" noMove="1" noResize="1" noEditPoints="1" noAdjustHandles="1" noChangeArrowheads="1" noChangeShapeType="1" noTextEdit="1"/>
+          </p:cNvSpPr>
+          <p:nvPr>
+            <p:extLst>
+              <p:ext uri="{386F3935-93C4-4BCD-93E2-E3B085C9AB24}">
+                <p16:designElem xmlns:p16="http://schemas.microsoft.com/office/powerpoint/2015/main" val="1"/>
+              </p:ext>
+            </p:extLst>
+          </p:nvPr>
+        </p:nvSpPr>
+        <p:spPr>
+          <a:xfrm>
+            <a:off x="0" y="0"/>
+            <a:ext cx="12188952" cy="6858000"/>
+          </a:xfrm>
+          <a:prstGeom prst="rect">
+            <a:avLst/>
+          </a:prstGeom>
+          <a:ln>
+            <a:noFill/>
+          </a:ln>
+        </p:spPr>
+        <p:style>
+          <a:lnRef idx="2">
+            <a:schemeClr val="accent1">
+              <a:shade val="50000"/>
+            </a:schemeClr>
+          </a:lnRef>
+          <a:fillRef idx="1">
+            <a:schemeClr val="accent1"/>
+          </a:fillRef>
+          <a:effectRef idx="0">
+            <a:schemeClr val="accent1"/>
+          </a:effectRef>
+          <a:fontRef idx="minor">
+            <a:schemeClr val="lt1"/>
+          </a:fontRef>
+        </p:style>
+        <p:txBody>
+          <a:bodyPr rtlCol="0" anchor="ctr"/>
+          <a:lstStyle/>
+          <a:p>
+            <a:pPr algn="ctr"/>
+            <a:endParaRPr lang="en-US"/>
+          </a:p>
+        </p:txBody>
+      </p:sp>
+      <p:sp>
+        <p:nvSpPr>
+          <p:cNvPr id="2" name="Title 1">
+            <a:extLst>
+              <a:ext uri="{FF2B5EF4-FFF2-40B4-BE49-F238E27FC236}">
+                <a16:creationId xmlns:a16="http://schemas.microsoft.com/office/drawing/2014/main" id="{952AC036-C581-45DF-8432-3A25BFF383A0}"/>
+              </a:ext>
+            </a:extLst>
+          </p:cNvPr>
+          <p:cNvSpPr>
+            <a:spLocks noGrp="1"/>
+          </p:cNvSpPr>
+          <p:nvPr>
+            <p:ph type="title"/>
+          </p:nvPr>
+        </p:nvSpPr>
+        <p:spPr>
+          <a:xfrm>
+            <a:off x="572493" y="238539"/>
+            <a:ext cx="11018520" cy="1434415"/>
+          </a:xfrm>
+        </p:spPr>
+        <p:txBody>
+          <a:bodyPr anchor="b">
+            <a:normAutofit/>
+          </a:bodyPr>
+          <a:lstStyle/>
+          <a:p>
+            <a:r>
+              <a:rPr lang="en-IE" sz="5400"/>
+              <a:t>NoSQL Databases</a:t>
+            </a:r>
+          </a:p>
+        </p:txBody>
+      </p:sp>
+      <p:sp>
+        <p:nvSpPr>
+          <p:cNvPr id="73" name="sketchy line">
+            <a:extLst>
+              <a:ext uri="{FF2B5EF4-FFF2-40B4-BE49-F238E27FC236}">
+                <a16:creationId xmlns:a16="http://schemas.microsoft.com/office/drawing/2014/main" id="{B2DD41CD-8F47-4F56-AD12-4E2FF7696987}"/>
+              </a:ext>
+              <a:ext uri="{C183D7F6-B498-43B3-948B-1728B52AA6E4}">
+                <adec:decorative xmlns:adec="http://schemas.microsoft.com/office/drawing/2017/decorative" val="1"/>
+              </a:ext>
+            </a:extLst>
+          </p:cNvPr>
+          <p:cNvSpPr>
+            <a:spLocks noGrp="1" noRot="1" noChangeAspect="1" noMove="1" noResize="1" noEditPoints="1" noAdjustHandles="1" noChangeArrowheads="1" noChangeShapeType="1" noTextEdit="1"/>
+          </p:cNvSpPr>
+          <p:nvPr>
+            <p:extLst>
+              <p:ext uri="{386F3935-93C4-4BCD-93E2-E3B085C9AB24}">
+                <p16:designElem xmlns:p16="http://schemas.microsoft.com/office/powerpoint/2015/main" val="1"/>
+              </p:ext>
+            </p:extLst>
+          </p:nvPr>
+        </p:nvSpPr>
+        <p:spPr>
+          <a:xfrm>
+            <a:off x="572493" y="1681544"/>
+            <a:ext cx="10972800" cy="18288"/>
+          </a:xfrm>
+          <a:custGeom>
+            <a:avLst/>
+            <a:gdLst>
+              <a:gd name="connsiteX0" fmla="*/ 0 w 10972800"/>
+              <a:gd name="connsiteY0" fmla="*/ 0 h 18288"/>
+              <a:gd name="connsiteX1" fmla="*/ 356616 w 10972800"/>
+              <a:gd name="connsiteY1" fmla="*/ 0 h 18288"/>
+              <a:gd name="connsiteX2" fmla="*/ 1042416 w 10972800"/>
+              <a:gd name="connsiteY2" fmla="*/ 0 h 18288"/>
+              <a:gd name="connsiteX3" fmla="*/ 1947672 w 10972800"/>
+              <a:gd name="connsiteY3" fmla="*/ 0 h 18288"/>
+              <a:gd name="connsiteX4" fmla="*/ 2633472 w 10972800"/>
+              <a:gd name="connsiteY4" fmla="*/ 0 h 18288"/>
+              <a:gd name="connsiteX5" fmla="*/ 2990088 w 10972800"/>
+              <a:gd name="connsiteY5" fmla="*/ 0 h 18288"/>
+              <a:gd name="connsiteX6" fmla="*/ 3456432 w 10972800"/>
+              <a:gd name="connsiteY6" fmla="*/ 0 h 18288"/>
+              <a:gd name="connsiteX7" fmla="*/ 4361688 w 10972800"/>
+              <a:gd name="connsiteY7" fmla="*/ 0 h 18288"/>
+              <a:gd name="connsiteX8" fmla="*/ 5266944 w 10972800"/>
+              <a:gd name="connsiteY8" fmla="*/ 0 h 18288"/>
+              <a:gd name="connsiteX9" fmla="*/ 6172200 w 10972800"/>
+              <a:gd name="connsiteY9" fmla="*/ 0 h 18288"/>
+              <a:gd name="connsiteX10" fmla="*/ 6528816 w 10972800"/>
+              <a:gd name="connsiteY10" fmla="*/ 0 h 18288"/>
+              <a:gd name="connsiteX11" fmla="*/ 7214616 w 10972800"/>
+              <a:gd name="connsiteY11" fmla="*/ 0 h 18288"/>
+              <a:gd name="connsiteX12" fmla="*/ 7790688 w 10972800"/>
+              <a:gd name="connsiteY12" fmla="*/ 0 h 18288"/>
+              <a:gd name="connsiteX13" fmla="*/ 8147304 w 10972800"/>
+              <a:gd name="connsiteY13" fmla="*/ 0 h 18288"/>
+              <a:gd name="connsiteX14" fmla="*/ 9052560 w 10972800"/>
+              <a:gd name="connsiteY14" fmla="*/ 0 h 18288"/>
+              <a:gd name="connsiteX15" fmla="*/ 9409176 w 10972800"/>
+              <a:gd name="connsiteY15" fmla="*/ 0 h 18288"/>
+              <a:gd name="connsiteX16" fmla="*/ 9765792 w 10972800"/>
+              <a:gd name="connsiteY16" fmla="*/ 0 h 18288"/>
+              <a:gd name="connsiteX17" fmla="*/ 10341864 w 10972800"/>
+              <a:gd name="connsiteY17" fmla="*/ 0 h 18288"/>
+              <a:gd name="connsiteX18" fmla="*/ 10972800 w 10972800"/>
+              <a:gd name="connsiteY18" fmla="*/ 0 h 18288"/>
+              <a:gd name="connsiteX19" fmla="*/ 10972800 w 10972800"/>
+              <a:gd name="connsiteY19" fmla="*/ 18288 h 18288"/>
+              <a:gd name="connsiteX20" fmla="*/ 10177272 w 10972800"/>
+              <a:gd name="connsiteY20" fmla="*/ 18288 h 18288"/>
+              <a:gd name="connsiteX21" fmla="*/ 9820656 w 10972800"/>
+              <a:gd name="connsiteY21" fmla="*/ 18288 h 18288"/>
+              <a:gd name="connsiteX22" fmla="*/ 9464040 w 10972800"/>
+              <a:gd name="connsiteY22" fmla="*/ 18288 h 18288"/>
+              <a:gd name="connsiteX23" fmla="*/ 8778240 w 10972800"/>
+              <a:gd name="connsiteY23" fmla="*/ 18288 h 18288"/>
+              <a:gd name="connsiteX24" fmla="*/ 8421624 w 10972800"/>
+              <a:gd name="connsiteY24" fmla="*/ 18288 h 18288"/>
+              <a:gd name="connsiteX25" fmla="*/ 7735824 w 10972800"/>
+              <a:gd name="connsiteY25" fmla="*/ 18288 h 18288"/>
+              <a:gd name="connsiteX26" fmla="*/ 6940296 w 10972800"/>
+              <a:gd name="connsiteY26" fmla="*/ 18288 h 18288"/>
+              <a:gd name="connsiteX27" fmla="*/ 6254496 w 10972800"/>
+              <a:gd name="connsiteY27" fmla="*/ 18288 h 18288"/>
+              <a:gd name="connsiteX28" fmla="*/ 5458968 w 10972800"/>
+              <a:gd name="connsiteY28" fmla="*/ 18288 h 18288"/>
+              <a:gd name="connsiteX29" fmla="*/ 4663440 w 10972800"/>
+              <a:gd name="connsiteY29" fmla="*/ 18288 h 18288"/>
+              <a:gd name="connsiteX30" fmla="*/ 4306824 w 10972800"/>
+              <a:gd name="connsiteY30" fmla="*/ 18288 h 18288"/>
+              <a:gd name="connsiteX31" fmla="*/ 3840480 w 10972800"/>
+              <a:gd name="connsiteY31" fmla="*/ 18288 h 18288"/>
+              <a:gd name="connsiteX32" fmla="*/ 3264408 w 10972800"/>
+              <a:gd name="connsiteY32" fmla="*/ 18288 h 18288"/>
+              <a:gd name="connsiteX33" fmla="*/ 2578608 w 10972800"/>
+              <a:gd name="connsiteY33" fmla="*/ 18288 h 18288"/>
+              <a:gd name="connsiteX34" fmla="*/ 1673352 w 10972800"/>
+              <a:gd name="connsiteY34" fmla="*/ 18288 h 18288"/>
+              <a:gd name="connsiteX35" fmla="*/ 877824 w 10972800"/>
+              <a:gd name="connsiteY35" fmla="*/ 18288 h 18288"/>
+              <a:gd name="connsiteX36" fmla="*/ 0 w 10972800"/>
+              <a:gd name="connsiteY36" fmla="*/ 18288 h 18288"/>
+              <a:gd name="connsiteX37" fmla="*/ 0 w 10972800"/>
+              <a:gd name="connsiteY37" fmla="*/ 0 h 18288"/>
+            </a:gdLst>
+            <a:ahLst/>
+            <a:cxnLst>
+              <a:cxn ang="0">
+                <a:pos x="connsiteX0" y="connsiteY0"/>
+              </a:cxn>
+              <a:cxn ang="0">
+                <a:pos x="connsiteX1" y="connsiteY1"/>
+              </a:cxn>
+              <a:cxn ang="0">
+                <a:pos x="connsiteX2" y="connsiteY2"/>
+              </a:cxn>
+              <a:cxn ang="0">
+                <a:pos x="connsiteX3" y="connsiteY3"/>
+              </a:cxn>
+              <a:cxn ang="0">
+                <a:pos x="connsiteX4" y="connsiteY4"/>
+              </a:cxn>
+              <a:cxn ang="0">
+                <a:pos x="connsiteX5" y="connsiteY5"/>
+              </a:cxn>
+              <a:cxn ang="0">
+                <a:pos x="connsiteX6" y="connsiteY6"/>
+              </a:cxn>
+              <a:cxn ang="0">
+                <a:pos x="connsiteX7" y="connsiteY7"/>
+              </a:cxn>
+              <a:cxn ang="0">
+                <a:pos x="connsiteX8" y="connsiteY8"/>
+              </a:cxn>
+              <a:cxn ang="0">
+                <a:pos x="connsiteX9" y="connsiteY9"/>
+              </a:cxn>
+              <a:cxn ang="0">
+                <a:pos x="connsiteX10" y="connsiteY10"/>
+              </a:cxn>
+              <a:cxn ang="0">
+                <a:pos x="connsiteX11" y="connsiteY11"/>
+              </a:cxn>
+              <a:cxn ang="0">
+                <a:pos x="connsiteX12" y="connsiteY12"/>
+              </a:cxn>
+              <a:cxn ang="0">
+                <a:pos x="connsiteX13" y="connsiteY13"/>
+              </a:cxn>
+              <a:cxn ang="0">
+                <a:pos x="connsiteX14" y="connsiteY14"/>
+              </a:cxn>
+              <a:cxn ang="0">
+                <a:pos x="connsiteX15" y="connsiteY15"/>
+              </a:cxn>
+              <a:cxn ang="0">
+                <a:pos x="connsiteX16" y="connsiteY16"/>
+              </a:cxn>
+              <a:cxn ang="0">
+                <a:pos x="connsiteX17" y="connsiteY17"/>
+              </a:cxn>
+              <a:cxn ang="0">
+                <a:pos x="connsiteX18" y="connsiteY18"/>
+              </a:cxn>
+              <a:cxn ang="0">
+                <a:pos x="connsiteX19" y="connsiteY19"/>
+              </a:cxn>
+              <a:cxn ang="0">
+                <a:pos x="connsiteX20" y="connsiteY20"/>
+              </a:cxn>
+              <a:cxn ang="0">
+                <a:pos x="connsiteX21" y="connsiteY21"/>
+              </a:cxn>
+              <a:cxn ang="0">
+                <a:pos x="connsiteX22" y="connsiteY22"/>
+              </a:cxn>
+              <a:cxn ang="0">
+                <a:pos x="connsiteX23" y="connsiteY23"/>
+              </a:cxn>
+              <a:cxn ang="0">
+                <a:pos x="connsiteX24" y="connsiteY24"/>
+              </a:cxn>
+              <a:cxn ang="0">
+                <a:pos x="connsiteX25" y="connsiteY25"/>
+              </a:cxn>
+              <a:cxn ang="0">
+                <a:pos x="connsiteX26" y="connsiteY26"/>
+              </a:cxn>
+              <a:cxn ang="0">
+                <a:pos x="connsiteX27" y="connsiteY27"/>
+              </a:cxn>
+              <a:cxn ang="0">
+                <a:pos x="connsiteX28" y="connsiteY28"/>
+              </a:cxn>
+              <a:cxn ang="0">
+                <a:pos x="connsiteX29" y="connsiteY29"/>
+              </a:cxn>
+              <a:cxn ang="0">
+                <a:pos x="connsiteX30" y="connsiteY30"/>
+              </a:cxn>
+              <a:cxn ang="0">
+                <a:pos x="connsiteX31" y="connsiteY31"/>
+              </a:cxn>
+              <a:cxn ang="0">
+                <a:pos x="connsiteX32" y="connsiteY32"/>
+              </a:cxn>
+              <a:cxn ang="0">
+                <a:pos x="connsiteX33" y="connsiteY33"/>
+              </a:cxn>
+              <a:cxn ang="0">
+                <a:pos x="connsiteX34" y="connsiteY34"/>
+              </a:cxn>
+              <a:cxn ang="0">
+                <a:pos x="connsiteX35" y="connsiteY35"/>
+              </a:cxn>
+              <a:cxn ang="0">
+                <a:pos x="connsiteX36" y="connsiteY36"/>
+              </a:cxn>
+              <a:cxn ang="0">
+                <a:pos x="connsiteX37" y="connsiteY37"/>
+              </a:cxn>
+            </a:cxnLst>
+            <a:rect l="l" t="t" r="r" b="b"/>
+            <a:pathLst>
+              <a:path w="10972800" h="18288" fill="none" extrusionOk="0">
+                <a:moveTo>
+                  <a:pt x="0" y="0"/>
+                </a:moveTo>
+                <a:cubicBezTo>
+                  <a:pt x="165916" y="-1866"/>
+                  <a:pt x="188720" y="13756"/>
+                  <a:pt x="356616" y="0"/>
+                </a:cubicBezTo>
+                <a:cubicBezTo>
+                  <a:pt x="524512" y="-13756"/>
+                  <a:pt x="734781" y="8922"/>
+                  <a:pt x="1042416" y="0"/>
+                </a:cubicBezTo>
+                <a:cubicBezTo>
+                  <a:pt x="1350051" y="-8922"/>
+                  <a:pt x="1595982" y="-26315"/>
+                  <a:pt x="1947672" y="0"/>
+                </a:cubicBezTo>
+                <a:cubicBezTo>
+                  <a:pt x="2299362" y="26315"/>
+                  <a:pt x="2292691" y="-19526"/>
+                  <a:pt x="2633472" y="0"/>
+                </a:cubicBezTo>
+                <a:cubicBezTo>
+                  <a:pt x="2974253" y="19526"/>
+                  <a:pt x="2857309" y="10773"/>
+                  <a:pt x="2990088" y="0"/>
+                </a:cubicBezTo>
+                <a:cubicBezTo>
+                  <a:pt x="3122867" y="-10773"/>
+                  <a:pt x="3359343" y="7194"/>
+                  <a:pt x="3456432" y="0"/>
+                </a:cubicBezTo>
+                <a:cubicBezTo>
+                  <a:pt x="3553521" y="-7194"/>
+                  <a:pt x="4136258" y="5108"/>
+                  <a:pt x="4361688" y="0"/>
+                </a:cubicBezTo>
+                <a:cubicBezTo>
+                  <a:pt x="4587118" y="-5108"/>
+                  <a:pt x="4992424" y="-42958"/>
+                  <a:pt x="5266944" y="0"/>
+                </a:cubicBezTo>
+                <a:cubicBezTo>
+                  <a:pt x="5541464" y="42958"/>
+                  <a:pt x="5882966" y="-3430"/>
+                  <a:pt x="6172200" y="0"/>
+                </a:cubicBezTo>
+                <a:cubicBezTo>
+                  <a:pt x="6461434" y="3430"/>
+                  <a:pt x="6432127" y="6688"/>
+                  <a:pt x="6528816" y="0"/>
+                </a:cubicBezTo>
+                <a:cubicBezTo>
+                  <a:pt x="6625505" y="-6688"/>
+                  <a:pt x="6916805" y="-436"/>
+                  <a:pt x="7214616" y="0"/>
+                </a:cubicBezTo>
+                <a:cubicBezTo>
+                  <a:pt x="7512427" y="436"/>
+                  <a:pt x="7626159" y="-6909"/>
+                  <a:pt x="7790688" y="0"/>
+                </a:cubicBezTo>
+                <a:cubicBezTo>
+                  <a:pt x="7955217" y="6909"/>
+                  <a:pt x="8048891" y="15307"/>
+                  <a:pt x="8147304" y="0"/>
+                </a:cubicBezTo>
+                <a:cubicBezTo>
+                  <a:pt x="8245717" y="-15307"/>
+                  <a:pt x="8645618" y="-11734"/>
+                  <a:pt x="9052560" y="0"/>
+                </a:cubicBezTo>
+                <a:cubicBezTo>
+                  <a:pt x="9459502" y="11734"/>
+                  <a:pt x="9320584" y="8388"/>
+                  <a:pt x="9409176" y="0"/>
+                </a:cubicBezTo>
+                <a:cubicBezTo>
+                  <a:pt x="9497768" y="-8388"/>
+                  <a:pt x="9644192" y="8379"/>
+                  <a:pt x="9765792" y="0"/>
+                </a:cubicBezTo>
+                <a:cubicBezTo>
+                  <a:pt x="9887392" y="-8379"/>
+                  <a:pt x="10105220" y="-12663"/>
+                  <a:pt x="10341864" y="0"/>
+                </a:cubicBezTo>
+                <a:cubicBezTo>
+                  <a:pt x="10578508" y="12663"/>
+                  <a:pt x="10773103" y="-5786"/>
+                  <a:pt x="10972800" y="0"/>
+                </a:cubicBezTo>
+                <a:cubicBezTo>
+                  <a:pt x="10972146" y="8818"/>
+                  <a:pt x="10972240" y="13823"/>
+                  <a:pt x="10972800" y="18288"/>
+                </a:cubicBezTo>
+                <a:cubicBezTo>
+                  <a:pt x="10588778" y="31598"/>
+                  <a:pt x="10543381" y="-12698"/>
+                  <a:pt x="10177272" y="18288"/>
+                </a:cubicBezTo>
+                <a:cubicBezTo>
+                  <a:pt x="9811163" y="49274"/>
+                  <a:pt x="9996817" y="25662"/>
+                  <a:pt x="9820656" y="18288"/>
+                </a:cubicBezTo>
+                <a:cubicBezTo>
+                  <a:pt x="9644495" y="10914"/>
+                  <a:pt x="9607007" y="31631"/>
+                  <a:pt x="9464040" y="18288"/>
+                </a:cubicBezTo>
+                <a:cubicBezTo>
+                  <a:pt x="9321073" y="4945"/>
+                  <a:pt x="9114189" y="28940"/>
+                  <a:pt x="8778240" y="18288"/>
+                </a:cubicBezTo>
+                <a:cubicBezTo>
+                  <a:pt x="8442291" y="7636"/>
+                  <a:pt x="8594763" y="987"/>
+                  <a:pt x="8421624" y="18288"/>
+                </a:cubicBezTo>
+                <a:cubicBezTo>
+                  <a:pt x="8248485" y="35589"/>
+                  <a:pt x="7929515" y="37573"/>
+                  <a:pt x="7735824" y="18288"/>
+                </a:cubicBezTo>
+                <a:cubicBezTo>
+                  <a:pt x="7542133" y="-997"/>
+                  <a:pt x="7252504" y="33858"/>
+                  <a:pt x="6940296" y="18288"/>
+                </a:cubicBezTo>
+                <a:cubicBezTo>
+                  <a:pt x="6628088" y="2718"/>
+                  <a:pt x="6528503" y="48389"/>
+                  <a:pt x="6254496" y="18288"/>
+                </a:cubicBezTo>
+                <a:cubicBezTo>
+                  <a:pt x="5980489" y="-11813"/>
+                  <a:pt x="5695784" y="-3740"/>
+                  <a:pt x="5458968" y="18288"/>
+                </a:cubicBezTo>
+                <a:cubicBezTo>
+                  <a:pt x="5222152" y="40316"/>
+                  <a:pt x="5010751" y="19095"/>
+                  <a:pt x="4663440" y="18288"/>
+                </a:cubicBezTo>
+                <a:cubicBezTo>
+                  <a:pt x="4316129" y="17481"/>
+                  <a:pt x="4425552" y="1606"/>
+                  <a:pt x="4306824" y="18288"/>
+                </a:cubicBezTo>
+                <a:cubicBezTo>
+                  <a:pt x="4188096" y="34970"/>
+                  <a:pt x="3941535" y="7481"/>
+                  <a:pt x="3840480" y="18288"/>
+                </a:cubicBezTo>
+                <a:cubicBezTo>
+                  <a:pt x="3739425" y="29095"/>
+                  <a:pt x="3402388" y="17641"/>
+                  <a:pt x="3264408" y="18288"/>
+                </a:cubicBezTo>
+                <a:cubicBezTo>
+                  <a:pt x="3126428" y="18935"/>
+                  <a:pt x="2776779" y="9983"/>
+                  <a:pt x="2578608" y="18288"/>
+                </a:cubicBezTo>
+                <a:cubicBezTo>
+                  <a:pt x="2380437" y="26593"/>
+                  <a:pt x="1909468" y="25818"/>
+                  <a:pt x="1673352" y="18288"/>
+                </a:cubicBezTo>
+                <a:cubicBezTo>
+                  <a:pt x="1437236" y="10758"/>
+                  <a:pt x="1131180" y="49884"/>
+                  <a:pt x="877824" y="18288"/>
+                </a:cubicBezTo>
+                <a:cubicBezTo>
+                  <a:pt x="624468" y="-13308"/>
+                  <a:pt x="206753" y="2195"/>
+                  <a:pt x="0" y="18288"/>
+                </a:cubicBezTo>
+                <a:cubicBezTo>
+                  <a:pt x="313" y="10654"/>
+                  <a:pt x="-263" y="4056"/>
+                  <a:pt x="0" y="0"/>
+                </a:cubicBezTo>
+                <a:close/>
+              </a:path>
+              <a:path w="10972800" h="18288" stroke="0" extrusionOk="0">
+                <a:moveTo>
+                  <a:pt x="0" y="0"/>
+                </a:moveTo>
+                <a:cubicBezTo>
+                  <a:pt x="164017" y="-17675"/>
+                  <a:pt x="309425" y="9913"/>
+                  <a:pt x="466344" y="0"/>
+                </a:cubicBezTo>
+                <a:cubicBezTo>
+                  <a:pt x="623263" y="-9913"/>
+                  <a:pt x="659300" y="-14524"/>
+                  <a:pt x="822960" y="0"/>
+                </a:cubicBezTo>
+                <a:cubicBezTo>
+                  <a:pt x="986620" y="14524"/>
+                  <a:pt x="1105222" y="-16481"/>
+                  <a:pt x="1289304" y="0"/>
+                </a:cubicBezTo>
+                <a:cubicBezTo>
+                  <a:pt x="1473386" y="16481"/>
+                  <a:pt x="1693223" y="26161"/>
+                  <a:pt x="1975104" y="0"/>
+                </a:cubicBezTo>
+                <a:cubicBezTo>
+                  <a:pt x="2256985" y="-26161"/>
+                  <a:pt x="2435781" y="23061"/>
+                  <a:pt x="2770632" y="0"/>
+                </a:cubicBezTo>
+                <a:cubicBezTo>
+                  <a:pt x="3105483" y="-23061"/>
+                  <a:pt x="3247479" y="-44011"/>
+                  <a:pt x="3675888" y="0"/>
+                </a:cubicBezTo>
+                <a:cubicBezTo>
+                  <a:pt x="4104297" y="44011"/>
+                  <a:pt x="4280918" y="4017"/>
+                  <a:pt x="4581144" y="0"/>
+                </a:cubicBezTo>
+                <a:cubicBezTo>
+                  <a:pt x="4881370" y="-4017"/>
+                  <a:pt x="5021699" y="-11889"/>
+                  <a:pt x="5157216" y="0"/>
+                </a:cubicBezTo>
+                <a:cubicBezTo>
+                  <a:pt x="5292733" y="11889"/>
+                  <a:pt x="5603398" y="-17698"/>
+                  <a:pt x="5952744" y="0"/>
+                </a:cubicBezTo>
+                <a:cubicBezTo>
+                  <a:pt x="6302090" y="17698"/>
+                  <a:pt x="6353093" y="-11909"/>
+                  <a:pt x="6638544" y="0"/>
+                </a:cubicBezTo>
+                <a:cubicBezTo>
+                  <a:pt x="6923995" y="11909"/>
+                  <a:pt x="7053404" y="21630"/>
+                  <a:pt x="7214616" y="0"/>
+                </a:cubicBezTo>
+                <a:cubicBezTo>
+                  <a:pt x="7375828" y="-21630"/>
+                  <a:pt x="7837963" y="3886"/>
+                  <a:pt x="8010144" y="0"/>
+                </a:cubicBezTo>
+                <a:cubicBezTo>
+                  <a:pt x="8182325" y="-3886"/>
+                  <a:pt x="8224183" y="16009"/>
+                  <a:pt x="8366760" y="0"/>
+                </a:cubicBezTo>
+                <a:cubicBezTo>
+                  <a:pt x="8509337" y="-16009"/>
+                  <a:pt x="8687920" y="-5720"/>
+                  <a:pt x="8942832" y="0"/>
+                </a:cubicBezTo>
+                <a:cubicBezTo>
+                  <a:pt x="9197744" y="5720"/>
+                  <a:pt x="9368437" y="20479"/>
+                  <a:pt x="9628632" y="0"/>
+                </a:cubicBezTo>
+                <a:cubicBezTo>
+                  <a:pt x="9888827" y="-20479"/>
+                  <a:pt x="10560858" y="-20746"/>
+                  <a:pt x="10972800" y="0"/>
+                </a:cubicBezTo>
+                <a:cubicBezTo>
+                  <a:pt x="10972186" y="5722"/>
+                  <a:pt x="10972980" y="12495"/>
+                  <a:pt x="10972800" y="18288"/>
+                </a:cubicBezTo>
+                <a:cubicBezTo>
+                  <a:pt x="10786146" y="12536"/>
+                  <a:pt x="10623717" y="14033"/>
+                  <a:pt x="10506456" y="18288"/>
+                </a:cubicBezTo>
+                <a:cubicBezTo>
+                  <a:pt x="10389195" y="22543"/>
+                  <a:pt x="10296178" y="20107"/>
+                  <a:pt x="10149840" y="18288"/>
+                </a:cubicBezTo>
+                <a:cubicBezTo>
+                  <a:pt x="10003502" y="16469"/>
+                  <a:pt x="9767530" y="28891"/>
+                  <a:pt x="9464040" y="18288"/>
+                </a:cubicBezTo>
+                <a:cubicBezTo>
+                  <a:pt x="9160550" y="7685"/>
+                  <a:pt x="9229050" y="2659"/>
+                  <a:pt x="8997696" y="18288"/>
+                </a:cubicBezTo>
+                <a:cubicBezTo>
+                  <a:pt x="8766342" y="33917"/>
+                  <a:pt x="8340136" y="34864"/>
+                  <a:pt x="8092440" y="18288"/>
+                </a:cubicBezTo>
+                <a:cubicBezTo>
+                  <a:pt x="7844744" y="1712"/>
+                  <a:pt x="7863720" y="27405"/>
+                  <a:pt x="7735824" y="18288"/>
+                </a:cubicBezTo>
+                <a:cubicBezTo>
+                  <a:pt x="7607928" y="9171"/>
+                  <a:pt x="7323619" y="461"/>
+                  <a:pt x="7050024" y="18288"/>
+                </a:cubicBezTo>
+                <a:cubicBezTo>
+                  <a:pt x="6776429" y="36115"/>
+                  <a:pt x="6787899" y="28206"/>
+                  <a:pt x="6693408" y="18288"/>
+                </a:cubicBezTo>
+                <a:cubicBezTo>
+                  <a:pt x="6598917" y="8370"/>
+                  <a:pt x="6395231" y="19114"/>
+                  <a:pt x="6227064" y="18288"/>
+                </a:cubicBezTo>
+                <a:cubicBezTo>
+                  <a:pt x="6058897" y="17462"/>
+                  <a:pt x="5618582" y="1091"/>
+                  <a:pt x="5431536" y="18288"/>
+                </a:cubicBezTo>
+                <a:cubicBezTo>
+                  <a:pt x="5244490" y="35485"/>
+                  <a:pt x="4729797" y="-9650"/>
+                  <a:pt x="4526280" y="18288"/>
+                </a:cubicBezTo>
+                <a:cubicBezTo>
+                  <a:pt x="4322763" y="46226"/>
+                  <a:pt x="4216797" y="756"/>
+                  <a:pt x="4059936" y="18288"/>
+                </a:cubicBezTo>
+                <a:cubicBezTo>
+                  <a:pt x="3903075" y="35820"/>
+                  <a:pt x="3537912" y="42098"/>
+                  <a:pt x="3374136" y="18288"/>
+                </a:cubicBezTo>
+                <a:cubicBezTo>
+                  <a:pt x="3210360" y="-5522"/>
+                  <a:pt x="3126842" y="39135"/>
+                  <a:pt x="2907792" y="18288"/>
+                </a:cubicBezTo>
+                <a:cubicBezTo>
+                  <a:pt x="2688742" y="-2559"/>
+                  <a:pt x="2490436" y="34100"/>
+                  <a:pt x="2112264" y="18288"/>
+                </a:cubicBezTo>
+                <a:cubicBezTo>
+                  <a:pt x="1734092" y="2476"/>
+                  <a:pt x="1744622" y="-7274"/>
+                  <a:pt x="1536192" y="18288"/>
+                </a:cubicBezTo>
+                <a:cubicBezTo>
+                  <a:pt x="1327762" y="43850"/>
+                  <a:pt x="1189025" y="6435"/>
+                  <a:pt x="1069848" y="18288"/>
+                </a:cubicBezTo>
+                <a:cubicBezTo>
+                  <a:pt x="950671" y="30141"/>
+                  <a:pt x="858345" y="33684"/>
+                  <a:pt x="713232" y="18288"/>
+                </a:cubicBezTo>
+                <a:cubicBezTo>
+                  <a:pt x="568119" y="2892"/>
+                  <a:pt x="250292" y="5410"/>
+                  <a:pt x="0" y="18288"/>
+                </a:cubicBezTo>
+                <a:cubicBezTo>
+                  <a:pt x="465" y="13062"/>
+                  <a:pt x="-894" y="9029"/>
+                  <a:pt x="0" y="0"/>
+                </a:cubicBezTo>
+                <a:close/>
+              </a:path>
+            </a:pathLst>
+          </a:custGeom>
+          <a:solidFill>
+            <a:schemeClr val="accent2">
+              <a:alpha val="75000"/>
+            </a:schemeClr>
+          </a:solidFill>
+          <a:ln w="44450" cap="rnd">
+            <a:solidFill>
+              <a:schemeClr val="accent2">
+                <a:alpha val="75000"/>
+              </a:schemeClr>
+            </a:solidFill>
+            <a:round/>
+            <a:extLst>
+              <a:ext uri="{C807C97D-BFC1-408E-A445-0C87EB9F89A2}">
+                <ask:lineSketchStyleProps xmlns:ask="http://schemas.microsoft.com/office/drawing/2018/sketchyshapes" sd="2727557108">
+                  <a:prstGeom prst="rect">
+                    <a:avLst/>
+                  </a:prstGeom>
+                  <ask:type>
+                    <ask:lineSketchFreehand/>
+                  </ask:type>
+                </ask:lineSketchStyleProps>
+              </a:ext>
+            </a:extLst>
+          </a:ln>
+        </p:spPr>
+        <p:style>
+          <a:lnRef idx="2">
+            <a:schemeClr val="accent1">
+              <a:shade val="50000"/>
+            </a:schemeClr>
+          </a:lnRef>
+          <a:fillRef idx="1">
+            <a:schemeClr val="accent1"/>
+          </a:fillRef>
+          <a:effectRef idx="0">
+            <a:schemeClr val="accent1"/>
+          </a:effectRef>
+          <a:fontRef idx="minor">
+            <a:schemeClr val="lt1"/>
+          </a:fontRef>
+        </p:style>
+        <p:txBody>
+          <a:bodyPr rtlCol="0" anchor="ctr"/>
+          <a:lstStyle/>
+          <a:p>
+            <a:pPr algn="ctr"/>
+            <a:endParaRPr lang="en-US"/>
+          </a:p>
+        </p:txBody>
+      </p:sp>
+      <p:sp>
+        <p:nvSpPr>
+          <p:cNvPr id="3" name="Content Placeholder 2">
+            <a:extLst>
+              <a:ext uri="{FF2B5EF4-FFF2-40B4-BE49-F238E27FC236}">
+                <a16:creationId xmlns:a16="http://schemas.microsoft.com/office/drawing/2014/main" id="{21613FC4-A39A-457C-882D-F6304CE207FE}"/>
+              </a:ext>
+            </a:extLst>
+          </p:cNvPr>
+          <p:cNvSpPr>
+            <a:spLocks noGrp="1"/>
+          </p:cNvSpPr>
+          <p:nvPr>
+            <p:ph idx="1"/>
+          </p:nvPr>
+        </p:nvSpPr>
+        <p:spPr>
+          <a:xfrm>
+            <a:off x="572493" y="2071316"/>
+            <a:ext cx="6713552" cy="4119172"/>
+          </a:xfrm>
+        </p:spPr>
+        <p:txBody>
+          <a:bodyPr anchor="t">
+            <a:normAutofit/>
+          </a:bodyPr>
+          <a:lstStyle/>
+          <a:p>
+            <a:r>
+              <a:rPr lang="en-GB" sz="2200" b="0" i="0" dirty="0">
+                <a:effectLst/>
+                <a:latin typeface="Akzidenz Grotesk BQ Light"/>
+              </a:rPr>
+              <a:t> Non-tabular(no tables) databases and store data differently than relational tables.</a:t>
+            </a:r>
+          </a:p>
+          <a:p>
+            <a:r>
+              <a:rPr lang="en-GB" sz="2200" dirty="0">
+                <a:latin typeface="Akzidenz Grotesk BQ Light"/>
+              </a:rPr>
+              <a:t>V</a:t>
+            </a:r>
+            <a:r>
+              <a:rPr lang="en-GB" sz="2200" b="0" i="0" dirty="0">
+                <a:effectLst/>
+                <a:latin typeface="Akzidenz Grotesk BQ Light"/>
+              </a:rPr>
+              <a:t>ariety of types based on their data model</a:t>
+            </a:r>
+          </a:p>
+          <a:p>
+            <a:pPr lvl="1"/>
+            <a:r>
+              <a:rPr lang="en-GB" sz="2200" dirty="0">
+                <a:latin typeface="Akzidenz Grotesk BQ Light"/>
+              </a:rPr>
+              <a:t>Document based, key-value </a:t>
+            </a:r>
+            <a:r>
+              <a:rPr lang="en-GB" sz="2200" dirty="0" err="1">
+                <a:latin typeface="Akzidenz Grotesk BQ Light"/>
+              </a:rPr>
+              <a:t>basedgraph</a:t>
+            </a:r>
+            <a:endParaRPr lang="en-GB" sz="2200" dirty="0">
+              <a:latin typeface="Akzidenz Grotesk BQ Light"/>
+            </a:endParaRPr>
+          </a:p>
+          <a:p>
+            <a:r>
+              <a:rPr lang="en-GB" sz="2200" dirty="0">
+                <a:latin typeface="Akzidenz Grotesk BQ Light"/>
+              </a:rPr>
+              <a:t>NoSQL databases allow developers to work with semi-structured/unstructured data, giving them a lot of flexibility</a:t>
+            </a:r>
+          </a:p>
+          <a:p>
+            <a:r>
+              <a:rPr lang="en-GB" sz="2200" dirty="0">
+                <a:latin typeface="Akzidenz Grotesk BQ Light"/>
+              </a:rPr>
+              <a:t>No need to define exact schema(i.e. structure) for data</a:t>
+            </a:r>
+          </a:p>
+          <a:p>
+            <a:endParaRPr lang="en-IE" sz="2200" dirty="0"/>
+          </a:p>
+        </p:txBody>
+      </p:sp>
+      <p:pic>
+        <p:nvPicPr>
+          <p:cNvPr id="1026" name="Picture 2" descr="3 DBAs walk into a NOSQL bar... | Programming humor, Tech humor, Programing  jokes">
+            <a:extLst>
+              <a:ext uri="{FF2B5EF4-FFF2-40B4-BE49-F238E27FC236}">
+                <a16:creationId xmlns:a16="http://schemas.microsoft.com/office/drawing/2014/main" id="{9CD6DBC5-62F2-4389-B466-93218E55D584}"/>
+              </a:ext>
+            </a:extLst>
+          </p:cNvPr>
+          <p:cNvPicPr>
+            <a:picLocks noChangeAspect="1" noChangeArrowheads="1"/>
+          </p:cNvPicPr>
+          <p:nvPr/>
+        </p:nvPicPr>
+        <p:blipFill rotWithShape="1">
+          <a:blip r:embed="rId2">
+            <a:extLst>
+              <a:ext uri="{28A0092B-C50C-407E-A947-70E740481C1C}">
+                <a14:useLocalDpi xmlns:a14="http://schemas.microsoft.com/office/drawing/2010/main" val="0"/>
+              </a:ext>
+            </a:extLst>
+          </a:blip>
+          <a:srcRect l="1592" r="1118" b="2"/>
+          <a:stretch/>
+        </p:blipFill>
+        <p:spPr bwMode="auto">
+          <a:xfrm>
+            <a:off x="7675658" y="2093976"/>
+            <a:ext cx="3941064" cy="4096512"/>
+          </a:xfrm>
+          <a:prstGeom prst="rect">
+            <a:avLst/>
+          </a:prstGeom>
+          <a:noFill/>
+          <a:extLst>
+            <a:ext uri="{909E8E84-426E-40DD-AFC4-6F175D3DCCD1}">
+              <a14:hiddenFill xmlns:a14="http://schemas.microsoft.com/office/drawing/2010/main">
+                <a:solidFill>
+                  <a:srgbClr val="FFFFFF"/>
+                </a:solidFill>
+              </a14:hiddenFill>
+            </a:ext>
+          </a:extLst>
+        </p:spPr>
+      </p:pic>
+    </p:spTree>
+    <p:extLst>
+      <p:ext uri="{BB962C8B-B14F-4D97-AF65-F5344CB8AC3E}">
+        <p14:creationId xmlns:p14="http://schemas.microsoft.com/office/powerpoint/2010/main" val="2015999958"/>
+      </p:ext>
+    </p:extLst>
+  </p:cSld>
+  <p:clrMapOvr>
+    <a:masterClrMapping/>
+  </p:clrMapOvr>
+</p:sld>
+</file>
+
+<file path=ppt/slides/slide7.xml><?xml version="1.0" encoding="utf-8"?>
+<p:sld xmlns:a="http://schemas.openxmlformats.org/drawingml/2006/main" xmlns:r="http://schemas.openxmlformats.org/officeDocument/2006/relationships" xmlns:p="http://schemas.openxmlformats.org/presentationml/2006/main">
+  <p:cSld>
+    <p:bg>
+      <p:bgPr>
+        <a:solidFill>
+          <a:schemeClr val="bg1"/>
+        </a:solidFill>
+        <a:effectLst/>
+      </p:bgPr>
+    </p:bg>
+    <p:spTree>
+      <p:nvGrpSpPr>
+        <p:cNvPr id="1" name=""/>
+        <p:cNvGrpSpPr/>
+        <p:nvPr/>
+      </p:nvGrpSpPr>
+      <p:grpSpPr>
+        <a:xfrm>
+          <a:off x="0" y="0"/>
+          <a:ext cx="0" cy="0"/>
+          <a:chOff x="0" y="0"/>
+          <a:chExt cx="0" cy="0"/>
+        </a:xfrm>
+      </p:grpSpPr>
       <p:sp>
         <p:nvSpPr>
           <p:cNvPr id="2" name="Title 1"/>
@@ -20531,7 +21477,7 @@
 </p:sld>
 </file>
 
-<file path=ppt/slides/slide7.xml><?xml version="1.0" encoding="utf-8"?>
+<file path=ppt/slides/slide8.xml><?xml version="1.0" encoding="utf-8"?>
 <p:sld xmlns:a="http://schemas.openxmlformats.org/drawingml/2006/main" xmlns:r="http://schemas.openxmlformats.org/officeDocument/2006/relationships" xmlns:p="http://schemas.openxmlformats.org/presentationml/2006/main">
   <p:cSld>
     <p:spTree>
@@ -20564,10 +21510,10 @@
           <a:lstStyle/>
           <a:p>
             <a:r>
-              <a:rPr lang="en-IE"/>
-              <a:t>Cloud DB Advantages</a:t>
-            </a:r>
-            <a:endParaRPr lang="en-US"/>
+              <a:rPr lang="en-IE" dirty="0"/>
+              <a:t>NoSQL Cloud DB Advantages</a:t>
+            </a:r>
+            <a:endParaRPr lang="en-US" dirty="0"/>
           </a:p>
         </p:txBody>
       </p:sp>
@@ -21080,666 +22026,6 @@
                                           <p:spTgt spid="3">
                                             <p:txEl>
                                               <p:pRg st="7" end="7"/>
-                                            </p:txEl>
-                                          </p:spTgt>
-                                        </p:tgtEl>
-                                      </p:cBhvr>
-                                    </p:animEffect>
-                                  </p:childTnLst>
-                                </p:cTn>
-                              </p:par>
-                            </p:childTnLst>
-                          </p:cTn>
-                        </p:par>
-                      </p:childTnLst>
-                    </p:cTn>
-                  </p:par>
-                </p:childTnLst>
-              </p:cTn>
-              <p:prevCondLst>
-                <p:cond evt="onPrev" delay="0">
-                  <p:tgtEl>
-                    <p:sldTgt/>
-                  </p:tgtEl>
-                </p:cond>
-              </p:prevCondLst>
-              <p:nextCondLst>
-                <p:cond evt="onNext" delay="0">
-                  <p:tgtEl>
-                    <p:sldTgt/>
-                  </p:tgtEl>
-                </p:cond>
-              </p:nextCondLst>
-            </p:seq>
-          </p:childTnLst>
-        </p:cTn>
-      </p:par>
-    </p:tnLst>
-  </p:timing>
-</p:sld>
-</file>
-
-<file path=ppt/slides/slide8.xml><?xml version="1.0" encoding="utf-8"?>
-<p:sld xmlns:a="http://schemas.openxmlformats.org/drawingml/2006/main" xmlns:r="http://schemas.openxmlformats.org/officeDocument/2006/relationships" xmlns:p="http://schemas.openxmlformats.org/presentationml/2006/main">
-  <p:cSld>
-    <p:spTree>
-      <p:nvGrpSpPr>
-        <p:cNvPr id="1" name=""/>
-        <p:cNvGrpSpPr/>
-        <p:nvPr/>
-      </p:nvGrpSpPr>
-      <p:grpSpPr>
-        <a:xfrm>
-          <a:off x="0" y="0"/>
-          <a:ext cx="0" cy="0"/>
-          <a:chOff x="0" y="0"/>
-          <a:chExt cx="0" cy="0"/>
-        </a:xfrm>
-      </p:grpSpPr>
-      <p:sp>
-        <p:nvSpPr>
-          <p:cNvPr id="2" name="Title 1"/>
-          <p:cNvSpPr>
-            <a:spLocks noGrp="1"/>
-          </p:cNvSpPr>
-          <p:nvPr>
-            <p:ph type="title"/>
-          </p:nvPr>
-        </p:nvSpPr>
-        <p:spPr/>
-        <p:txBody>
-          <a:bodyPr/>
-          <a:lstStyle/>
-          <a:p>
-            <a:r>
-              <a:rPr lang="en-IE" dirty="0"/>
-              <a:t>Cloud Database Practices</a:t>
-            </a:r>
-            <a:endParaRPr lang="en-US" dirty="0"/>
-          </a:p>
-        </p:txBody>
-      </p:sp>
-      <p:sp>
-        <p:nvSpPr>
-          <p:cNvPr id="3" name="Content Placeholder 2"/>
-          <p:cNvSpPr>
-            <a:spLocks noGrp="1"/>
-          </p:cNvSpPr>
-          <p:nvPr>
-            <p:ph idx="1"/>
-          </p:nvPr>
-        </p:nvSpPr>
-        <p:spPr/>
-        <p:txBody>
-          <a:bodyPr>
-            <a:normAutofit fontScale="92500" lnSpcReduction="10000"/>
-          </a:bodyPr>
-          <a:lstStyle/>
-          <a:p>
-            <a:r>
-              <a:rPr lang="en-US" dirty="0"/>
-              <a:t>Drop Consistency</a:t>
-            </a:r>
-          </a:p>
-          <a:p>
-            <a:pPr lvl="1"/>
-            <a:r>
-              <a:rPr lang="en-US" dirty="0"/>
-              <a:t>this makes distributed systems much easier to build</a:t>
-            </a:r>
-          </a:p>
-          <a:p>
-            <a:r>
-              <a:rPr lang="en-US" dirty="0"/>
-              <a:t>Drop SQL and the relational model </a:t>
-            </a:r>
-          </a:p>
-          <a:p>
-            <a:pPr lvl="1"/>
-            <a:r>
-              <a:rPr lang="en-US" dirty="0"/>
-              <a:t>simpler structures are easier to distribute:</a:t>
-            </a:r>
-          </a:p>
-          <a:p>
-            <a:pPr lvl="2"/>
-            <a:r>
-              <a:rPr lang="en-US" dirty="0"/>
-              <a:t>key/value pairs </a:t>
-            </a:r>
-          </a:p>
-          <a:p>
-            <a:pPr lvl="2"/>
-            <a:r>
-              <a:rPr lang="en-US" b="1" dirty="0"/>
-              <a:t>structured documents </a:t>
-            </a:r>
-          </a:p>
-          <a:p>
-            <a:pPr lvl="2"/>
-            <a:r>
-              <a:rPr lang="en-US" b="1" dirty="0"/>
-              <a:t>pseudo-tables </a:t>
-            </a:r>
-          </a:p>
-          <a:p>
-            <a:pPr lvl="2"/>
-            <a:r>
-              <a:rPr lang="en-US" dirty="0"/>
-              <a:t>tend to be schema-free, accepting data as-is</a:t>
-            </a:r>
-          </a:p>
-          <a:p>
-            <a:r>
-              <a:rPr lang="en-US" dirty="0"/>
-              <a:t>Offer HTTP interfaces using XML or </a:t>
-            </a:r>
-            <a:r>
-              <a:rPr lang="en-US" b="1" dirty="0"/>
-              <a:t>JSON</a:t>
-            </a:r>
-            <a:r>
-              <a:rPr lang="en-US" dirty="0"/>
-              <a:t> </a:t>
-            </a:r>
-          </a:p>
-          <a:p>
-            <a:pPr lvl="1"/>
-            <a:r>
-              <a:rPr lang="en-US" dirty="0"/>
-              <a:t>Web APIs!!!</a:t>
-            </a:r>
-          </a:p>
-        </p:txBody>
-      </p:sp>
-    </p:spTree>
-    <p:extLst>
-      <p:ext uri="{BB962C8B-B14F-4D97-AF65-F5344CB8AC3E}">
-        <p14:creationId xmlns:p14="http://schemas.microsoft.com/office/powerpoint/2010/main" val="4230631624"/>
-      </p:ext>
-    </p:extLst>
-  </p:cSld>
-  <p:clrMapOvr>
-    <a:masterClrMapping/>
-  </p:clrMapOvr>
-  <p:timing>
-    <p:tnLst>
-      <p:par>
-        <p:cTn id="1" dur="indefinite" restart="never" nodeType="tmRoot">
-          <p:childTnLst>
-            <p:seq concurrent="1" nextAc="seek">
-              <p:cTn id="2" dur="indefinite" nodeType="mainSeq">
-                <p:childTnLst>
-                  <p:par>
-                    <p:cTn id="3" fill="hold">
-                      <p:stCondLst>
-                        <p:cond delay="indefinite"/>
-                      </p:stCondLst>
-                      <p:childTnLst>
-                        <p:par>
-                          <p:cTn id="4" fill="hold">
-                            <p:stCondLst>
-                              <p:cond delay="0"/>
-                            </p:stCondLst>
-                            <p:childTnLst>
-                              <p:par>
-                                <p:cTn id="5" presetID="10" presetClass="entr" presetSubtype="0" fill="hold" nodeType="clickEffect">
-                                  <p:stCondLst>
-                                    <p:cond delay="0"/>
-                                  </p:stCondLst>
-                                  <p:childTnLst>
-                                    <p:set>
-                                      <p:cBhvr>
-                                        <p:cTn id="6" dur="1" fill="hold">
-                                          <p:stCondLst>
-                                            <p:cond delay="0"/>
-                                          </p:stCondLst>
-                                        </p:cTn>
-                                        <p:tgtEl>
-                                          <p:spTgt spid="3">
-                                            <p:txEl>
-                                              <p:pRg st="0" end="0"/>
-                                            </p:txEl>
-                                          </p:spTgt>
-                                        </p:tgtEl>
-                                        <p:attrNameLst>
-                                          <p:attrName>style.visibility</p:attrName>
-                                        </p:attrNameLst>
-                                      </p:cBhvr>
-                                      <p:to>
-                                        <p:strVal val="visible"/>
-                                      </p:to>
-                                    </p:set>
-                                    <p:animEffect transition="in" filter="fade">
-                                      <p:cBhvr>
-                                        <p:cTn id="7" dur="500"/>
-                                        <p:tgtEl>
-                                          <p:spTgt spid="3">
-                                            <p:txEl>
-                                              <p:pRg st="0" end="0"/>
-                                            </p:txEl>
-                                          </p:spTgt>
-                                        </p:tgtEl>
-                                      </p:cBhvr>
-                                    </p:animEffect>
-                                  </p:childTnLst>
-                                </p:cTn>
-                              </p:par>
-                              <p:par>
-                                <p:cTn id="8" presetID="10" presetClass="entr" presetSubtype="0" fill="hold" nodeType="withEffect">
-                                  <p:stCondLst>
-                                    <p:cond delay="0"/>
-                                  </p:stCondLst>
-                                  <p:childTnLst>
-                                    <p:set>
-                                      <p:cBhvr>
-                                        <p:cTn id="9" dur="1" fill="hold">
-                                          <p:stCondLst>
-                                            <p:cond delay="0"/>
-                                          </p:stCondLst>
-                                        </p:cTn>
-                                        <p:tgtEl>
-                                          <p:spTgt spid="3">
-                                            <p:txEl>
-                                              <p:pRg st="1" end="1"/>
-                                            </p:txEl>
-                                          </p:spTgt>
-                                        </p:tgtEl>
-                                        <p:attrNameLst>
-                                          <p:attrName>style.visibility</p:attrName>
-                                        </p:attrNameLst>
-                                      </p:cBhvr>
-                                      <p:to>
-                                        <p:strVal val="visible"/>
-                                      </p:to>
-                                    </p:set>
-                                    <p:animEffect transition="in" filter="fade">
-                                      <p:cBhvr>
-                                        <p:cTn id="10" dur="500"/>
-                                        <p:tgtEl>
-                                          <p:spTgt spid="3">
-                                            <p:txEl>
-                                              <p:pRg st="1" end="1"/>
-                                            </p:txEl>
-                                          </p:spTgt>
-                                        </p:tgtEl>
-                                      </p:cBhvr>
-                                    </p:animEffect>
-                                  </p:childTnLst>
-                                </p:cTn>
-                              </p:par>
-                            </p:childTnLst>
-                          </p:cTn>
-                        </p:par>
-                      </p:childTnLst>
-                    </p:cTn>
-                  </p:par>
-                  <p:par>
-                    <p:cTn id="11" fill="hold">
-                      <p:stCondLst>
-                        <p:cond delay="indefinite"/>
-                      </p:stCondLst>
-                      <p:childTnLst>
-                        <p:par>
-                          <p:cTn id="12" fill="hold">
-                            <p:stCondLst>
-                              <p:cond delay="0"/>
-                            </p:stCondLst>
-                            <p:childTnLst>
-                              <p:par>
-                                <p:cTn id="13" presetID="10" presetClass="entr" presetSubtype="0" fill="hold" nodeType="clickEffect">
-                                  <p:stCondLst>
-                                    <p:cond delay="0"/>
-                                  </p:stCondLst>
-                                  <p:childTnLst>
-                                    <p:set>
-                                      <p:cBhvr>
-                                        <p:cTn id="14" dur="1" fill="hold">
-                                          <p:stCondLst>
-                                            <p:cond delay="0"/>
-                                          </p:stCondLst>
-                                        </p:cTn>
-                                        <p:tgtEl>
-                                          <p:spTgt spid="3">
-                                            <p:txEl>
-                                              <p:pRg st="2" end="2"/>
-                                            </p:txEl>
-                                          </p:spTgt>
-                                        </p:tgtEl>
-                                        <p:attrNameLst>
-                                          <p:attrName>style.visibility</p:attrName>
-                                        </p:attrNameLst>
-                                      </p:cBhvr>
-                                      <p:to>
-                                        <p:strVal val="visible"/>
-                                      </p:to>
-                                    </p:set>
-                                    <p:animEffect transition="in" filter="fade">
-                                      <p:cBhvr>
-                                        <p:cTn id="15" dur="500"/>
-                                        <p:tgtEl>
-                                          <p:spTgt spid="3">
-                                            <p:txEl>
-                                              <p:pRg st="2" end="2"/>
-                                            </p:txEl>
-                                          </p:spTgt>
-                                        </p:tgtEl>
-                                      </p:cBhvr>
-                                    </p:animEffect>
-                                  </p:childTnLst>
-                                </p:cTn>
-                              </p:par>
-                              <p:par>
-                                <p:cTn id="16" presetID="10" presetClass="entr" presetSubtype="0" fill="hold" nodeType="withEffect">
-                                  <p:stCondLst>
-                                    <p:cond delay="0"/>
-                                  </p:stCondLst>
-                                  <p:childTnLst>
-                                    <p:set>
-                                      <p:cBhvr>
-                                        <p:cTn id="17" dur="1" fill="hold">
-                                          <p:stCondLst>
-                                            <p:cond delay="0"/>
-                                          </p:stCondLst>
-                                        </p:cTn>
-                                        <p:tgtEl>
-                                          <p:spTgt spid="3">
-                                            <p:txEl>
-                                              <p:pRg st="3" end="3"/>
-                                            </p:txEl>
-                                          </p:spTgt>
-                                        </p:tgtEl>
-                                        <p:attrNameLst>
-                                          <p:attrName>style.visibility</p:attrName>
-                                        </p:attrNameLst>
-                                      </p:cBhvr>
-                                      <p:to>
-                                        <p:strVal val="visible"/>
-                                      </p:to>
-                                    </p:set>
-                                    <p:animEffect transition="in" filter="fade">
-                                      <p:cBhvr>
-                                        <p:cTn id="18" dur="500"/>
-                                        <p:tgtEl>
-                                          <p:spTgt spid="3">
-                                            <p:txEl>
-                                              <p:pRg st="3" end="3"/>
-                                            </p:txEl>
-                                          </p:spTgt>
-                                        </p:tgtEl>
-                                      </p:cBhvr>
-                                    </p:animEffect>
-                                  </p:childTnLst>
-                                </p:cTn>
-                              </p:par>
-                              <p:par>
-                                <p:cTn id="19" presetID="10" presetClass="entr" presetSubtype="0" fill="hold" nodeType="withEffect">
-                                  <p:stCondLst>
-                                    <p:cond delay="0"/>
-                                  </p:stCondLst>
-                                  <p:childTnLst>
-                                    <p:set>
-                                      <p:cBhvr>
-                                        <p:cTn id="20" dur="1" fill="hold">
-                                          <p:stCondLst>
-                                            <p:cond delay="0"/>
-                                          </p:stCondLst>
-                                        </p:cTn>
-                                        <p:tgtEl>
-                                          <p:spTgt spid="3">
-                                            <p:txEl>
-                                              <p:pRg st="4" end="4"/>
-                                            </p:txEl>
-                                          </p:spTgt>
-                                        </p:tgtEl>
-                                        <p:attrNameLst>
-                                          <p:attrName>style.visibility</p:attrName>
-                                        </p:attrNameLst>
-                                      </p:cBhvr>
-                                      <p:to>
-                                        <p:strVal val="visible"/>
-                                      </p:to>
-                                    </p:set>
-                                    <p:animEffect transition="in" filter="fade">
-                                      <p:cBhvr>
-                                        <p:cTn id="21" dur="500"/>
-                                        <p:tgtEl>
-                                          <p:spTgt spid="3">
-                                            <p:txEl>
-                                              <p:pRg st="4" end="4"/>
-                                            </p:txEl>
-                                          </p:spTgt>
-                                        </p:tgtEl>
-                                      </p:cBhvr>
-                                    </p:animEffect>
-                                  </p:childTnLst>
-                                </p:cTn>
-                              </p:par>
-                              <p:par>
-                                <p:cTn id="22" presetID="10" presetClass="entr" presetSubtype="0" fill="hold" nodeType="withEffect">
-                                  <p:stCondLst>
-                                    <p:cond delay="0"/>
-                                  </p:stCondLst>
-                                  <p:childTnLst>
-                                    <p:set>
-                                      <p:cBhvr>
-                                        <p:cTn id="23" dur="1" fill="hold">
-                                          <p:stCondLst>
-                                            <p:cond delay="0"/>
-                                          </p:stCondLst>
-                                        </p:cTn>
-                                        <p:tgtEl>
-                                          <p:spTgt spid="3">
-                                            <p:txEl>
-                                              <p:pRg st="5" end="5"/>
-                                            </p:txEl>
-                                          </p:spTgt>
-                                        </p:tgtEl>
-                                        <p:attrNameLst>
-                                          <p:attrName>style.visibility</p:attrName>
-                                        </p:attrNameLst>
-                                      </p:cBhvr>
-                                      <p:to>
-                                        <p:strVal val="visible"/>
-                                      </p:to>
-                                    </p:set>
-                                    <p:animEffect transition="in" filter="fade">
-                                      <p:cBhvr>
-                                        <p:cTn id="24" dur="500"/>
-                                        <p:tgtEl>
-                                          <p:spTgt spid="3">
-                                            <p:txEl>
-                                              <p:pRg st="5" end="5"/>
-                                            </p:txEl>
-                                          </p:spTgt>
-                                        </p:tgtEl>
-                                      </p:cBhvr>
-                                    </p:animEffect>
-                                  </p:childTnLst>
-                                </p:cTn>
-                              </p:par>
-                              <p:par>
-                                <p:cTn id="25" presetID="10" presetClass="entr" presetSubtype="0" fill="hold" nodeType="withEffect">
-                                  <p:stCondLst>
-                                    <p:cond delay="0"/>
-                                  </p:stCondLst>
-                                  <p:childTnLst>
-                                    <p:set>
-                                      <p:cBhvr>
-                                        <p:cTn id="26" dur="1" fill="hold">
-                                          <p:stCondLst>
-                                            <p:cond delay="0"/>
-                                          </p:stCondLst>
-                                        </p:cTn>
-                                        <p:tgtEl>
-                                          <p:spTgt spid="3">
-                                            <p:txEl>
-                                              <p:pRg st="6" end="6"/>
-                                            </p:txEl>
-                                          </p:spTgt>
-                                        </p:tgtEl>
-                                        <p:attrNameLst>
-                                          <p:attrName>style.visibility</p:attrName>
-                                        </p:attrNameLst>
-                                      </p:cBhvr>
-                                      <p:to>
-                                        <p:strVal val="visible"/>
-                                      </p:to>
-                                    </p:set>
-                                    <p:animEffect transition="in" filter="fade">
-                                      <p:cBhvr>
-                                        <p:cTn id="27" dur="500"/>
-                                        <p:tgtEl>
-                                          <p:spTgt spid="3">
-                                            <p:txEl>
-                                              <p:pRg st="6" end="6"/>
-                                            </p:txEl>
-                                          </p:spTgt>
-                                        </p:tgtEl>
-                                      </p:cBhvr>
-                                    </p:animEffect>
-                                  </p:childTnLst>
-                                </p:cTn>
-                              </p:par>
-                              <p:par>
-                                <p:cTn id="28" presetID="10" presetClass="entr" presetSubtype="0" fill="hold" nodeType="withEffect">
-                                  <p:stCondLst>
-                                    <p:cond delay="0"/>
-                                  </p:stCondLst>
-                                  <p:childTnLst>
-                                    <p:set>
-                                      <p:cBhvr>
-                                        <p:cTn id="29" dur="1" fill="hold">
-                                          <p:stCondLst>
-                                            <p:cond delay="0"/>
-                                          </p:stCondLst>
-                                        </p:cTn>
-                                        <p:tgtEl>
-                                          <p:spTgt spid="3">
-                                            <p:txEl>
-                                              <p:pRg st="7" end="7"/>
-                                            </p:txEl>
-                                          </p:spTgt>
-                                        </p:tgtEl>
-                                        <p:attrNameLst>
-                                          <p:attrName>style.visibility</p:attrName>
-                                        </p:attrNameLst>
-                                      </p:cBhvr>
-                                      <p:to>
-                                        <p:strVal val="visible"/>
-                                      </p:to>
-                                    </p:set>
-                                    <p:animEffect transition="in" filter="fade">
-                                      <p:cBhvr>
-                                        <p:cTn id="30" dur="500"/>
-                                        <p:tgtEl>
-                                          <p:spTgt spid="3">
-                                            <p:txEl>
-                                              <p:pRg st="7" end="7"/>
-                                            </p:txEl>
-                                          </p:spTgt>
-                                        </p:tgtEl>
-                                      </p:cBhvr>
-                                    </p:animEffect>
-                                  </p:childTnLst>
-                                </p:cTn>
-                              </p:par>
-                            </p:childTnLst>
-                          </p:cTn>
-                        </p:par>
-                      </p:childTnLst>
-                    </p:cTn>
-                  </p:par>
-                  <p:par>
-                    <p:cTn id="31" fill="hold">
-                      <p:stCondLst>
-                        <p:cond delay="indefinite"/>
-                      </p:stCondLst>
-                      <p:childTnLst>
-                        <p:par>
-                          <p:cTn id="32" fill="hold">
-                            <p:stCondLst>
-                              <p:cond delay="0"/>
-                            </p:stCondLst>
-                            <p:childTnLst>
-                              <p:par>
-                                <p:cTn id="33" presetID="10" presetClass="entr" presetSubtype="0" fill="hold" nodeType="clickEffect">
-                                  <p:stCondLst>
-                                    <p:cond delay="0"/>
-                                  </p:stCondLst>
-                                  <p:childTnLst>
-                                    <p:set>
-                                      <p:cBhvr>
-                                        <p:cTn id="34" dur="1" fill="hold">
-                                          <p:stCondLst>
-                                            <p:cond delay="0"/>
-                                          </p:stCondLst>
-                                        </p:cTn>
-                                        <p:tgtEl>
-                                          <p:spTgt spid="3">
-                                            <p:txEl>
-                                              <p:pRg st="8" end="8"/>
-                                            </p:txEl>
-                                          </p:spTgt>
-                                        </p:tgtEl>
-                                        <p:attrNameLst>
-                                          <p:attrName>style.visibility</p:attrName>
-                                        </p:attrNameLst>
-                                      </p:cBhvr>
-                                      <p:to>
-                                        <p:strVal val="visible"/>
-                                      </p:to>
-                                    </p:set>
-                                    <p:animEffect transition="in" filter="fade">
-                                      <p:cBhvr>
-                                        <p:cTn id="35" dur="500"/>
-                                        <p:tgtEl>
-                                          <p:spTgt spid="3">
-                                            <p:txEl>
-                                              <p:pRg st="8" end="8"/>
-                                            </p:txEl>
-                                          </p:spTgt>
-                                        </p:tgtEl>
-                                      </p:cBhvr>
-                                    </p:animEffect>
-                                  </p:childTnLst>
-                                </p:cTn>
-                              </p:par>
-                              <p:par>
-                                <p:cTn id="36" presetID="10" presetClass="entr" presetSubtype="0" fill="hold" nodeType="withEffect">
-                                  <p:stCondLst>
-                                    <p:cond delay="0"/>
-                                  </p:stCondLst>
-                                  <p:childTnLst>
-                                    <p:set>
-                                      <p:cBhvr>
-                                        <p:cTn id="37" dur="1" fill="hold">
-                                          <p:stCondLst>
-                                            <p:cond delay="0"/>
-                                          </p:stCondLst>
-                                        </p:cTn>
-                                        <p:tgtEl>
-                                          <p:spTgt spid="3">
-                                            <p:txEl>
-                                              <p:pRg st="9" end="9"/>
-                                            </p:txEl>
-                                          </p:spTgt>
-                                        </p:tgtEl>
-                                        <p:attrNameLst>
-                                          <p:attrName>style.visibility</p:attrName>
-                                        </p:attrNameLst>
-                                      </p:cBhvr>
-                                      <p:to>
-                                        <p:strVal val="visible"/>
-                                      </p:to>
-                                    </p:set>
-                                    <p:animEffect transition="in" filter="fade">
-                                      <p:cBhvr>
-                                        <p:cTn id="38" dur="500"/>
-                                        <p:tgtEl>
-                                          <p:spTgt spid="3">
-                                            <p:txEl>
-                                              <p:pRg st="9" end="9"/>
                                             </p:txEl>
                                           </p:spTgt>
                                         </p:tgtEl>
@@ -21812,9 +22098,10 @@
           <a:lstStyle/>
           <a:p>
             <a:r>
-              <a:rPr lang="en-US"/>
-              <a:t>Designing Distributed Data </a:t>
-            </a:r>
+              <a:rPr lang="en-IE" dirty="0"/>
+              <a:t>Cloud Database Practices</a:t>
+            </a:r>
+            <a:endParaRPr lang="en-US" dirty="0"/>
           </a:p>
         </p:txBody>
       </p:sp>
@@ -21837,79 +22124,76 @@
           <a:p>
             <a:r>
               <a:rPr lang="en-US" dirty="0"/>
-              <a:t>App data is not homogeneous</a:t>
+              <a:t>Drop Consistency(if you can)</a:t>
             </a:r>
           </a:p>
           <a:p>
             <a:pPr lvl="1"/>
             <a:r>
               <a:rPr lang="en-US" dirty="0"/>
-              <a:t>some kinds of data will be much larger</a:t>
+              <a:t>this makes distributed systems much easier to build</a:t>
             </a:r>
           </a:p>
           <a:p>
             <a:r>
               <a:rPr lang="en-US" dirty="0"/>
-              <a:t>consider using different databases for different requirements.</a:t>
-            </a:r>
-          </a:p>
-          <a:p>
+              <a:t>Drop SQL and the relational model </a:t>
+            </a:r>
+          </a:p>
+          <a:p>
+            <a:pPr lvl="1"/>
             <a:r>
               <a:rPr lang="en-US" dirty="0"/>
-              <a:t>user </a:t>
-            </a:r>
-            <a:r>
-              <a:rPr lang="en-US" dirty="0" err="1"/>
-              <a:t>details,billing</a:t>
-            </a:r>
+              <a:t>simpler structures are easier to distribute:</a:t>
+            </a:r>
+          </a:p>
+          <a:p>
+            <a:pPr lvl="2"/>
             <a:r>
               <a:rPr lang="en-US" dirty="0"/>
-              <a:t> - needs consistency</a:t>
+              <a:t>key/value pairs </a:t>
+            </a:r>
+          </a:p>
+          <a:p>
+            <a:pPr lvl="2"/>
+            <a:r>
+              <a:rPr lang="en-US" b="1" dirty="0"/>
+              <a:t>structured documents </a:t>
+            </a:r>
+          </a:p>
+          <a:p>
+            <a:pPr lvl="2"/>
+            <a:r>
+              <a:rPr lang="en-US" b="1" dirty="0"/>
+              <a:t>pseudo-tables </a:t>
+            </a:r>
+          </a:p>
+          <a:p>
+            <a:pPr lvl="2"/>
+            <a:r>
+              <a:rPr lang="en-US" dirty="0"/>
+              <a:t>tend to be schema-free, accepting data as-is</a:t>
+            </a:r>
+          </a:p>
+          <a:p>
+            <a:r>
+              <a:rPr lang="en-US" dirty="0"/>
+              <a:t>Offer HTTP interfaces using XML or </a:t>
+            </a:r>
+            <a:r>
+              <a:rPr lang="en-US" b="1" dirty="0"/>
+              <a:t>JSON</a:t>
+            </a:r>
+            <a:r>
+              <a:rPr lang="en-US" dirty="0"/>
+              <a:t> </a:t>
             </a:r>
           </a:p>
           <a:p>
             <a:pPr lvl="1"/>
             <a:r>
               <a:rPr lang="en-US" dirty="0"/>
-              <a:t> require traditional database</a:t>
-            </a:r>
-          </a:p>
-          <a:p>
-            <a:r>
-              <a:rPr lang="en-US" dirty="0"/>
-              <a:t>user </a:t>
-            </a:r>
-            <a:r>
-              <a:rPr lang="en-US" dirty="0" err="1"/>
-              <a:t>data,content</a:t>
-            </a:r>
-            <a:r>
-              <a:rPr lang="en-US" dirty="0"/>
-              <a:t> - needs partition tolerance</a:t>
-            </a:r>
-          </a:p>
-          <a:p>
-            <a:pPr lvl="1"/>
-            <a:r>
-              <a:rPr lang="en-US" dirty="0"/>
-              <a:t>replicate to keep safe</a:t>
-            </a:r>
-          </a:p>
-          <a:p>
-            <a:r>
-              <a:rPr lang="en-US" dirty="0" err="1"/>
-              <a:t>analytics,sessions</a:t>
-            </a:r>
-            <a:r>
-              <a:rPr lang="en-US" dirty="0"/>
-              <a:t> - needs availability</a:t>
-            </a:r>
-          </a:p>
-          <a:p>
-            <a:pPr lvl="1"/>
-            <a:r>
-              <a:rPr lang="en-US" dirty="0"/>
-              <a:t>"eventually consistent" is good enough</a:t>
+              <a:t>Web APIs!!!</a:t>
             </a:r>
           </a:p>
         </p:txBody>
@@ -21917,7 +22201,7 @@
     </p:spTree>
     <p:extLst>
       <p:ext uri="{BB962C8B-B14F-4D97-AF65-F5344CB8AC3E}">
-        <p14:creationId xmlns:p14="http://schemas.microsoft.com/office/powerpoint/2010/main" val="3183367105"/>
+        <p14:creationId xmlns:p14="http://schemas.microsoft.com/office/powerpoint/2010/main" val="4230631624"/>
       </p:ext>
     </p:extLst>
   </p:cSld>
@@ -22091,33 +22375,15 @@
                                   </p:childTnLst>
                                 </p:cTn>
                               </p:par>
-                            </p:childTnLst>
-                          </p:cTn>
-                        </p:par>
-                      </p:childTnLst>
-                    </p:cTn>
-                  </p:par>
-                  <p:par>
-                    <p:cTn id="16" fill="hold">
-                      <p:stCondLst>
-                        <p:cond delay="indefinite"/>
-                      </p:stCondLst>
-                      <p:childTnLst>
-                        <p:par>
-                          <p:cTn id="17" fill="hold">
-                            <p:stCondLst>
-                              <p:cond delay="0"/>
-                            </p:stCondLst>
-                            <p:childTnLst>
                               <p:par>
-                                <p:cTn id="18" presetID="10" presetClass="entr" presetSubtype="0" fill="hold" nodeType="clickEffect">
+                                <p:cTn id="16" presetID="10" presetClass="entr" presetSubtype="0" fill="hold" nodeType="withEffect">
                                   <p:stCondLst>
                                     <p:cond delay="0"/>
                                   </p:stCondLst>
                                   <p:childTnLst>
                                     <p:set>
                                       <p:cBhvr>
-                                        <p:cTn id="19" dur="1" fill="hold">
+                                        <p:cTn id="17" dur="1" fill="hold">
                                           <p:stCondLst>
                                             <p:cond delay="0"/>
                                           </p:stCondLst>
@@ -22139,7 +22405,7 @@
                                     </p:set>
                                     <p:animEffect transition="in" filter="fade">
                                       <p:cBhvr>
-                                        <p:cTn id="20" dur="500"/>
+                                        <p:cTn id="18" dur="500"/>
                                         <p:tgtEl>
                                           <p:spTgt spid="3">
                                             <p:txEl>
@@ -22153,14 +22419,14 @@
                                 </p:cTn>
                               </p:par>
                               <p:par>
-                                <p:cTn id="21" presetID="10" presetClass="entr" presetSubtype="0" fill="hold" nodeType="withEffect">
+                                <p:cTn id="19" presetID="10" presetClass="entr" presetSubtype="0" fill="hold" nodeType="withEffect">
                                   <p:stCondLst>
                                     <p:cond delay="0"/>
                                   </p:stCondLst>
                                   <p:childTnLst>
                                     <p:set>
                                       <p:cBhvr>
-                                        <p:cTn id="22" dur="1" fill="hold">
+                                        <p:cTn id="20" dur="1" fill="hold">
                                           <p:stCondLst>
                                             <p:cond delay="0"/>
                                           </p:stCondLst>
@@ -22182,11 +22448,140 @@
                                     </p:set>
                                     <p:animEffect transition="in" filter="fade">
                                       <p:cBhvr>
-                                        <p:cTn id="23" dur="500"/>
+                                        <p:cTn id="21" dur="500"/>
                                         <p:tgtEl>
                                           <p:spTgt spid="3">
                                             <p:txEl>
                                               <p:pRg st="4" end="4"/>
+                                            </p:txEl>
+                                          </p:spTgt>
+                                        </p:tgtEl>
+                                      </p:cBhvr>
+                                    </p:animEffect>
+                                  </p:childTnLst>
+                                </p:cTn>
+                              </p:par>
+                              <p:par>
+                                <p:cTn id="22" presetID="10" presetClass="entr" presetSubtype="0" fill="hold" nodeType="withEffect">
+                                  <p:stCondLst>
+                                    <p:cond delay="0"/>
+                                  </p:stCondLst>
+                                  <p:childTnLst>
+                                    <p:set>
+                                      <p:cBhvr>
+                                        <p:cTn id="23" dur="1" fill="hold">
+                                          <p:stCondLst>
+                                            <p:cond delay="0"/>
+                                          </p:stCondLst>
+                                        </p:cTn>
+                                        <p:tgtEl>
+                                          <p:spTgt spid="3">
+                                            <p:txEl>
+                                              <p:pRg st="5" end="5"/>
+                                            </p:txEl>
+                                          </p:spTgt>
+                                        </p:tgtEl>
+                                        <p:attrNameLst>
+                                          <p:attrName>style.visibility</p:attrName>
+                                        </p:attrNameLst>
+                                      </p:cBhvr>
+                                      <p:to>
+                                        <p:strVal val="visible"/>
+                                      </p:to>
+                                    </p:set>
+                                    <p:animEffect transition="in" filter="fade">
+                                      <p:cBhvr>
+                                        <p:cTn id="24" dur="500"/>
+                                        <p:tgtEl>
+                                          <p:spTgt spid="3">
+                                            <p:txEl>
+                                              <p:pRg st="5" end="5"/>
+                                            </p:txEl>
+                                          </p:spTgt>
+                                        </p:tgtEl>
+                                      </p:cBhvr>
+                                    </p:animEffect>
+                                  </p:childTnLst>
+                                </p:cTn>
+                              </p:par>
+                              <p:par>
+                                <p:cTn id="25" presetID="10" presetClass="entr" presetSubtype="0" fill="hold" nodeType="withEffect">
+                                  <p:stCondLst>
+                                    <p:cond delay="0"/>
+                                  </p:stCondLst>
+                                  <p:childTnLst>
+                                    <p:set>
+                                      <p:cBhvr>
+                                        <p:cTn id="26" dur="1" fill="hold">
+                                          <p:stCondLst>
+                                            <p:cond delay="0"/>
+                                          </p:stCondLst>
+                                        </p:cTn>
+                                        <p:tgtEl>
+                                          <p:spTgt spid="3">
+                                            <p:txEl>
+                                              <p:pRg st="6" end="6"/>
+                                            </p:txEl>
+                                          </p:spTgt>
+                                        </p:tgtEl>
+                                        <p:attrNameLst>
+                                          <p:attrName>style.visibility</p:attrName>
+                                        </p:attrNameLst>
+                                      </p:cBhvr>
+                                      <p:to>
+                                        <p:strVal val="visible"/>
+                                      </p:to>
+                                    </p:set>
+                                    <p:animEffect transition="in" filter="fade">
+                                      <p:cBhvr>
+                                        <p:cTn id="27" dur="500"/>
+                                        <p:tgtEl>
+                                          <p:spTgt spid="3">
+                                            <p:txEl>
+                                              <p:pRg st="6" end="6"/>
+                                            </p:txEl>
+                                          </p:spTgt>
+                                        </p:tgtEl>
+                                      </p:cBhvr>
+                                    </p:animEffect>
+                                  </p:childTnLst>
+                                </p:cTn>
+                              </p:par>
+                              <p:par>
+                                <p:cTn id="28" presetID="10" presetClass="entr" presetSubtype="0" fill="hold" nodeType="withEffect">
+                                  <p:stCondLst>
+                                    <p:cond delay="0"/>
+                                  </p:stCondLst>
+                                  <p:childTnLst>
+                                    <p:set>
+                                      <p:cBhvr>
+                                        <p:cTn id="29" dur="1" fill="hold">
+                                          <p:stCondLst>
+                                            <p:cond delay="0"/>
+                                          </p:stCondLst>
+                                        </p:cTn>
+                                        <p:tgtEl>
+                                          <p:spTgt spid="3">
+                                            <p:txEl>
+                                              <p:pRg st="7" end="7"/>
+                                            </p:txEl>
+                                          </p:spTgt>
+                                        </p:tgtEl>
+                                        <p:attrNameLst>
+                                          <p:attrName>style.visibility</p:attrName>
+                                        </p:attrNameLst>
+                                      </p:cBhvr>
+                                      <p:to>
+                                        <p:strVal val="visible"/>
+                                      </p:to>
+                                    </p:set>
+                                    <p:animEffect transition="in" filter="fade">
+                                      <p:cBhvr>
+                                        <p:cTn id="30" dur="500"/>
+                                        <p:tgtEl>
+                                          <p:spTgt spid="3">
+                                            <p:txEl>
+                                              <p:pRg st="7" end="7"/>
                                             </p:txEl>
                                           </p:spTgt>
                                         </p:tgtEl>
@@ -22202,26 +22597,26 @@
                     </p:cTn>
                   </p:par>
                   <p:par>
-                    <p:cTn id="24" fill="hold">
+                    <p:cTn id="31" fill="hold">
                       <p:stCondLst>
                         <p:cond delay="indefinite"/>
                       </p:stCondLst>
                       <p:childTnLst>
                         <p:par>
-                          <p:cTn id="25" fill="hold">
+                          <p:cTn id="32" fill="hold">
                             <p:stCondLst>
                               <p:cond delay="0"/>
                             </p:stCondLst>
                             <p:childTnLst>
                               <p:par>
-                                <p:cTn id="26" presetID="10" presetClass="entr" presetSubtype="0" fill="hold" nodeType="clickEffect">
+                                <p:cTn id="33" presetID="10" presetClass="entr" presetSubtype="0" fill="hold" nodeType="clickEffect">
                                   <p:stCondLst>
                                     <p:cond delay="0"/>
                                   </p:stCondLst>
                                   <p:childTnLst>
                                     <p:set>
                                       <p:cBhvr>
-                                        <p:cTn id="27" dur="1" fill="hold">
+                                        <p:cTn id="34" dur="1" fill="hold">
                                           <p:stCondLst>
                                             <p:cond delay="0"/>
                                           </p:stCondLst>
@@ -22229,7 +22624,7 @@
                                         <p:tgtEl>
                                           <p:spTgt spid="3">
                                             <p:txEl>
-                                              <p:pRg st="5" end="5"/>
+                                              <p:pRg st="8" end="8"/>
                                             </p:txEl>
                                           </p:spTgt>
                                         </p:tgtEl>
@@ -22243,11 +22638,11 @@
                                     </p:set>
                                     <p:animEffect transition="in" filter="fade">
                                       <p:cBhvr>
-                                        <p:cTn id="28" dur="500"/>
+                                        <p:cTn id="35" dur="500"/>
                                         <p:tgtEl>
                                           <p:spTgt spid="3">
                                             <p:txEl>
-                                              <p:pRg st="5" end="5"/>
+                                              <p:pRg st="8" end="8"/>
                                             </p:txEl>
                                           </p:spTgt>
                                         </p:tgtEl>
@@ -22257,14 +22652,14 @@
                                 </p:cTn>
                               </p:par>
                               <p:par>
-                                <p:cTn id="29" presetID="10" presetClass="entr" presetSubtype="0" fill="hold" nodeType="withEffect">
+                                <p:cTn id="36" presetID="10" presetClass="entr" presetSubtype="0" fill="hold" nodeType="withEffect">
                                   <p:stCondLst>
                                     <p:cond delay="0"/>
                                   </p:stCondLst>
                                   <p:childTnLst>
                                     <p:set>
                                       <p:cBhvr>
-                                        <p:cTn id="30" dur="1" fill="hold">
+                                        <p:cTn id="37" dur="1" fill="hold">
                                           <p:stCondLst>
                                             <p:cond delay="0"/>
                                           </p:stCondLst>
@@ -22272,7 +22667,7 @@
                                         <p:tgtEl>
                                           <p:spTgt spid="3">
                                             <p:txEl>
-                                              <p:pRg st="6" end="6"/>
+                                              <p:pRg st="9" end="9"/>
                                             </p:txEl>
                                           </p:spTgt>
                                         </p:tgtEl>
@@ -22286,115 +22681,11 @@
                                     </p:set>
                                     <p:animEffect transition="in" filter="fade">
                                       <p:cBhvr>
-                                        <p:cTn id="31" dur="500"/>
+                                        <p:cTn id="38" dur="500"/>
                                         <p:tgtEl>
                                           <p:spTgt spid="3">
                                             <p:txEl>
-                                              <p:pRg st="6" end="6"/>
-                                            </p:txEl>
-                                          </p:spTgt>
-                                        </p:tgtEl>
-                                      </p:cBhvr>
-                                    </p:animEffect>
-                                  </p:childTnLst>
-                                </p:cTn>
-                              </p:par>
-                            </p:childTnLst>
-                          </p:cTn>
-                        </p:par>
-                      </p:childTnLst>
-                    </p:cTn>
-                  </p:par>
-                  <p:par>
-                    <p:cTn id="32" fill="hold">
-                      <p:stCondLst>
-                        <p:cond delay="indefinite"/>
-                      </p:stCondLst>
-                      <p:childTnLst>
-                        <p:par>
-                          <p:cTn id="33" fill="hold">
-                            <p:stCondLst>
-                              <p:cond delay="0"/>
-                            </p:stCondLst>
-                            <p:childTnLst>
-                              <p:par>
-                                <p:cTn id="34" presetID="10" presetClass="entr" presetSubtype="0" fill="hold" nodeType="clickEffect">
-                                  <p:stCondLst>
-                                    <p:cond delay="0"/>
-                                  </p:stCondLst>
-                                  <p:childTnLst>
-                                    <p:set>
-                                      <p:cBhvr>
-                                        <p:cTn id="35" dur="1" fill="hold">
-                                          <p:stCondLst>
-                                            <p:cond delay="0"/>
-                                          </p:stCondLst>
-                                        </p:cTn>
-                                        <p:tgtEl>
-                                          <p:spTgt spid="3">
-                                            <p:txEl>
-                                              <p:pRg st="7" end="7"/>
-                                            </p:txEl>
-                                          </p:spTgt>
-                                        </p:tgtEl>
-                                        <p:attrNameLst>
-                                          <p:attrName>style.visibility</p:attrName>
-                                        </p:attrNameLst>
-                                      </p:cBhvr>
-                                      <p:to>
-                                        <p:strVal val="visible"/>
-                                      </p:to>
-                                    </p:set>
-                                    <p:animEffect transition="in" filter="fade">
-                                      <p:cBhvr>
-                                        <p:cTn id="36" dur="500"/>
-                                        <p:tgtEl>
-                                          <p:spTgt spid="3">
-                                            <p:txEl>
-                                              <p:pRg st="7" end="7"/>
-                                            </p:txEl>
-                                          </p:spTgt>
-                                        </p:tgtEl>
-                                      </p:cBhvr>
-                                    </p:animEffect>
-                                  </p:childTnLst>
-                                </p:cTn>
-                              </p:par>
-                              <p:par>
-                                <p:cTn id="37" presetID="10" presetClass="entr" presetSubtype="0" fill="hold" nodeType="withEffect">
-                                  <p:stCondLst>
-                                    <p:cond delay="0"/>
-                                  </p:stCondLst>
-                                  <p:childTnLst>
-                                    <p:set>
-                                      <p:cBhvr>
-                                        <p:cTn id="38" dur="1" fill="hold">
-                                          <p:stCondLst>
-                                            <p:cond delay="0"/>
-                                          </p:stCondLst>
-                                        </p:cTn>
-                                        <p:tgtEl>
-                                          <p:spTgt spid="3">
-                                            <p:txEl>
-                                              <p:pRg st="8" end="8"/>
-                                            </p:txEl>
-                                          </p:spTgt>
-                                        </p:tgtEl>
-                                        <p:attrNameLst>
-                                          <p:attrName>style.visibility</p:attrName>
-                                        </p:attrNameLst>
-                                      </p:cBhvr>
-                                      <p:to>
-                                        <p:strVal val="visible"/>
-                                      </p:to>
-                                    </p:set>
-                                    <p:animEffect transition="in" filter="fade">
-                                      <p:cBhvr>
-                                        <p:cTn id="39" dur="500"/>
-                                        <p:tgtEl>
-                                          <p:spTgt spid="3">
-                                            <p:txEl>
-                                              <p:pRg st="8" end="8"/>
+                                              <p:pRg st="9" end="9"/>
                                             </p:txEl>
                                           </p:spTgt>
                                         </p:tgtEl>

--- a/topic09/talk-0/mongoDB-2020.pptx
+++ b/topic09/talk-0/mongoDB-2020.pptx
@@ -29,17 +29,17 @@
     <p:sldId id="294" r:id="rId20"/>
     <p:sldId id="295" r:id="rId21"/>
     <p:sldId id="332" r:id="rId22"/>
-    <p:sldId id="334" r:id="rId23"/>
-    <p:sldId id="298" r:id="rId24"/>
-    <p:sldId id="326" r:id="rId25"/>
-    <p:sldId id="296" r:id="rId26"/>
-    <p:sldId id="297" r:id="rId27"/>
-    <p:sldId id="299" r:id="rId28"/>
-    <p:sldId id="328" r:id="rId29"/>
-    <p:sldId id="333" r:id="rId30"/>
-    <p:sldId id="329" r:id="rId31"/>
-    <p:sldId id="330" r:id="rId32"/>
-    <p:sldId id="304" r:id="rId33"/>
+    <p:sldId id="298" r:id="rId23"/>
+    <p:sldId id="330" r:id="rId24"/>
+    <p:sldId id="304" r:id="rId25"/>
+    <p:sldId id="334" r:id="rId26"/>
+    <p:sldId id="326" r:id="rId27"/>
+    <p:sldId id="296" r:id="rId28"/>
+    <p:sldId id="297" r:id="rId29"/>
+    <p:sldId id="299" r:id="rId30"/>
+    <p:sldId id="328" r:id="rId31"/>
+    <p:sldId id="333" r:id="rId32"/>
+    <p:sldId id="329" r:id="rId33"/>
     <p:sldId id="323" r:id="rId34"/>
     <p:sldId id="324" r:id="rId35"/>
     <p:sldId id="315" r:id="rId36"/>
@@ -402,7 +402,7 @@
           <a:p>
             <a:fld id="{E753CC8B-2C22-4294-82AF-E18635F6C8A8}" type="datetimeFigureOut">
               <a:rPr lang="en-US" smtClean="0"/>
-              <a:t>11/16/2021</a:t>
+              <a:t>11/17/2021</a:t>
             </a:fld>
             <a:endParaRPr lang="en-US"/>
           </a:p>
@@ -1567,7 +1567,7 @@
           <a:p>
             <a:fld id="{B9A3E4E1-EAAE-4738-8551-BAE8BA49A08B}" type="datetimeFigureOut">
               <a:rPr lang="en-US" smtClean="0"/>
-              <a:t>11/16/2021</a:t>
+              <a:t>11/17/2021</a:t>
             </a:fld>
             <a:endParaRPr lang="en-US"/>
           </a:p>
@@ -1735,7 +1735,7 @@
           <a:p>
             <a:fld id="{B9A3E4E1-EAAE-4738-8551-BAE8BA49A08B}" type="datetimeFigureOut">
               <a:rPr lang="en-US" smtClean="0"/>
-              <a:t>11/16/2021</a:t>
+              <a:t>11/17/2021</a:t>
             </a:fld>
             <a:endParaRPr lang="en-US"/>
           </a:p>
@@ -1913,7 +1913,7 @@
           <a:p>
             <a:fld id="{B9A3E4E1-EAAE-4738-8551-BAE8BA49A08B}" type="datetimeFigureOut">
               <a:rPr lang="en-US" smtClean="0"/>
-              <a:t>11/16/2021</a:t>
+              <a:t>11/17/2021</a:t>
             </a:fld>
             <a:endParaRPr lang="en-US"/>
           </a:p>
@@ -2081,7 +2081,7 @@
           <a:p>
             <a:fld id="{B9A3E4E1-EAAE-4738-8551-BAE8BA49A08B}" type="datetimeFigureOut">
               <a:rPr lang="en-US" smtClean="0"/>
-              <a:t>11/16/2021</a:t>
+              <a:t>11/17/2021</a:t>
             </a:fld>
             <a:endParaRPr lang="en-US"/>
           </a:p>
@@ -2326,7 +2326,7 @@
           <a:p>
             <a:fld id="{B9A3E4E1-EAAE-4738-8551-BAE8BA49A08B}" type="datetimeFigureOut">
               <a:rPr lang="en-US" smtClean="0"/>
-              <a:t>11/16/2021</a:t>
+              <a:t>11/17/2021</a:t>
             </a:fld>
             <a:endParaRPr lang="en-US"/>
           </a:p>
@@ -2611,7 +2611,7 @@
           <a:p>
             <a:fld id="{B9A3E4E1-EAAE-4738-8551-BAE8BA49A08B}" type="datetimeFigureOut">
               <a:rPr lang="en-US" smtClean="0"/>
-              <a:t>11/16/2021</a:t>
+              <a:t>11/17/2021</a:t>
             </a:fld>
             <a:endParaRPr lang="en-US"/>
           </a:p>
@@ -3030,7 +3030,7 @@
           <a:p>
             <a:fld id="{B9A3E4E1-EAAE-4738-8551-BAE8BA49A08B}" type="datetimeFigureOut">
               <a:rPr lang="en-US" smtClean="0"/>
-              <a:t>11/16/2021</a:t>
+              <a:t>11/17/2021</a:t>
             </a:fld>
             <a:endParaRPr lang="en-US"/>
           </a:p>
@@ -3147,7 +3147,7 @@
           <a:p>
             <a:fld id="{B9A3E4E1-EAAE-4738-8551-BAE8BA49A08B}" type="datetimeFigureOut">
               <a:rPr lang="en-US" smtClean="0"/>
-              <a:t>11/16/2021</a:t>
+              <a:t>11/17/2021</a:t>
             </a:fld>
             <a:endParaRPr lang="en-US"/>
           </a:p>
@@ -3242,7 +3242,7 @@
           <a:p>
             <a:fld id="{B9A3E4E1-EAAE-4738-8551-BAE8BA49A08B}" type="datetimeFigureOut">
               <a:rPr lang="en-US" smtClean="0"/>
-              <a:t>11/16/2021</a:t>
+              <a:t>11/17/2021</a:t>
             </a:fld>
             <a:endParaRPr lang="en-US"/>
           </a:p>
@@ -3517,7 +3517,7 @@
           <a:p>
             <a:fld id="{B9A3E4E1-EAAE-4738-8551-BAE8BA49A08B}" type="datetimeFigureOut">
               <a:rPr lang="en-US" smtClean="0"/>
-              <a:t>11/16/2021</a:t>
+              <a:t>11/17/2021</a:t>
             </a:fld>
             <a:endParaRPr lang="en-US"/>
           </a:p>
@@ -3769,7 +3769,7 @@
           <a:p>
             <a:fld id="{B9A3E4E1-EAAE-4738-8551-BAE8BA49A08B}" type="datetimeFigureOut">
               <a:rPr lang="en-US" smtClean="0"/>
-              <a:t>11/16/2021</a:t>
+              <a:t>11/17/2021</a:t>
             </a:fld>
             <a:endParaRPr lang="en-US"/>
           </a:p>
@@ -3980,7 +3980,7 @@
           <a:p>
             <a:fld id="{B9A3E4E1-EAAE-4738-8551-BAE8BA49A08B}" type="datetimeFigureOut">
               <a:rPr lang="en-US" smtClean="0"/>
-              <a:t>11/16/2021</a:t>
+              <a:t>11/17/2021</a:t>
             </a:fld>
             <a:endParaRPr lang="en-US"/>
           </a:p>
@@ -5176,13 +5176,41 @@
           <a:p>
             <a:r>
               <a:rPr lang="en-GB" dirty="0"/>
-              <a:t>A record in MongoDB is a document, which is a data structure composed of ﬁeld and value pairs. </a:t>
+              <a:t>A record in MongoDB is a </a:t>
+            </a:r>
+            <a:r>
+              <a:rPr lang="en-GB" b="1" dirty="0"/>
+              <a:t>document</a:t>
+            </a:r>
+            <a:r>
+              <a:rPr lang="en-GB" dirty="0"/>
+              <a:t>, which is a data structure composed of </a:t>
+            </a:r>
+            <a:r>
+              <a:rPr lang="en-GB" b="1" dirty="0"/>
+              <a:t>ﬁeld</a:t>
+            </a:r>
+            <a:r>
+              <a:rPr lang="en-GB" dirty="0"/>
+              <a:t> and </a:t>
+            </a:r>
+            <a:r>
+              <a:rPr lang="en-GB" b="1" dirty="0"/>
+              <a:t>value</a:t>
+            </a:r>
+            <a:r>
+              <a:rPr lang="en-GB" dirty="0"/>
+              <a:t> pairs. </a:t>
             </a:r>
           </a:p>
           <a:p>
             <a:r>
               <a:rPr lang="en-US" dirty="0"/>
-              <a:t>MongoDB documents are  similar to JSON objects</a:t>
+              <a:t>MongoDB documents are  similar to </a:t>
+            </a:r>
+            <a:r>
+              <a:rPr lang="en-US" b="1" dirty="0"/>
+              <a:t>JSON objects</a:t>
             </a:r>
           </a:p>
           <a:p>
@@ -5704,13 +5732,25 @@
             </a:r>
             <a:r>
               <a:rPr lang="en-US" dirty="0"/>
-              <a:t> contains a set of "Collections"</a:t>
-            </a:r>
-          </a:p>
-          <a:p>
+              <a:t> contains a set of "</a:t>
+            </a:r>
+            <a:r>
+              <a:rPr lang="en-US" b="1" dirty="0"/>
+              <a:t>Collections</a:t>
+            </a:r>
             <a:r>
               <a:rPr lang="en-US" dirty="0"/>
-              <a:t>Collections contain a set of JSON documents</a:t>
+              <a:t>"</a:t>
+            </a:r>
+          </a:p>
+          <a:p>
+            <a:r>
+              <a:rPr lang="en-US" dirty="0"/>
+              <a:t>Collections contain a set of </a:t>
+            </a:r>
+            <a:r>
+              <a:rPr lang="en-US" b="1" dirty="0"/>
+              <a:t>JSON documents</a:t>
             </a:r>
           </a:p>
           <a:p>
@@ -7081,7 +7121,7 @@
         </p:spPr>
         <p:txBody>
           <a:bodyPr>
-            <a:normAutofit lnSpcReduction="10000"/>
+            <a:normAutofit fontScale="92500"/>
           </a:bodyPr>
           <a:lstStyle/>
           <a:p>
@@ -7095,7 +7135,7 @@
             </a:r>
             <a:r>
               <a:rPr lang="en-GB" dirty="0"/>
-              <a:t> documents. </a:t>
+              <a:t> documents(Binary JSON. </a:t>
             </a:r>
           </a:p>
           <a:p>
@@ -8328,12 +8368,12 @@
         </p:nvSpPr>
         <p:spPr>
           <a:xfrm>
-            <a:off x="6583972" y="1783959"/>
-            <a:ext cx="3483937" cy="2889114"/>
+            <a:off x="6230271" y="3794336"/>
+            <a:ext cx="5242259" cy="1922251"/>
           </a:xfrm>
         </p:spPr>
         <p:txBody>
-          <a:bodyPr vert="horz" lIns="91440" tIns="45720" rIns="91440" bIns="45720" rtlCol="0" anchor="b">
+          <a:bodyPr vert="horz" lIns="91440" tIns="45720" rIns="91440" bIns="45720" rtlCol="0" anchor="t">
             <a:normAutofit/>
           </a:bodyPr>
           <a:lstStyle/>
@@ -8344,7 +8384,14 @@
               </a:lnSpc>
             </a:pPr>
             <a:r>
-              <a:rPr lang="en-US" sz="4700"/>
+              <a:rPr lang="en-US" sz="4800" kern="1200">
+                <a:solidFill>
+                  <a:schemeClr val="tx1"/>
+                </a:solidFill>
+                <a:latin typeface="+mj-lt"/>
+                <a:ea typeface="+mj-ea"/>
+                <a:cs typeface="+mj-cs"/>
+              </a:rPr>
               <a:t>Mongoose</a:t>
             </a:r>
           </a:p>
@@ -8362,12 +8409,12 @@
         </p:nvSpPr>
         <p:spPr>
           <a:xfrm>
-            <a:off x="6583971" y="4750894"/>
-            <a:ext cx="3483937" cy="1147863"/>
+            <a:off x="6230271" y="2793291"/>
+            <a:ext cx="5161606" cy="972180"/>
           </a:xfrm>
         </p:spPr>
         <p:txBody>
-          <a:bodyPr vert="horz" lIns="91440" tIns="45720" rIns="91440" bIns="45720" rtlCol="0" anchor="t">
+          <a:bodyPr vert="horz" lIns="91440" tIns="45720" rIns="91440" bIns="45720" rtlCol="0" anchor="b">
             <a:normAutofit/>
           </a:bodyPr>
           <a:lstStyle/>
@@ -8381,10 +8428,13 @@
               </a:spcBef>
             </a:pPr>
             <a:r>
-              <a:rPr lang="en-US" sz="1700" dirty="0">
+              <a:rPr lang="en-US" kern="1200">
                 <a:solidFill>
                   <a:schemeClr val="tx1"/>
                 </a:solidFill>
+                <a:latin typeface="+mn-lt"/>
+                <a:ea typeface="+mn-ea"/>
+                <a:cs typeface="+mn-cs"/>
               </a:rPr>
               <a:t>Mongo with Node.js</a:t>
             </a:r>
@@ -8393,10 +8443,10 @@
       </p:sp>
       <p:sp>
         <p:nvSpPr>
-          <p:cNvPr id="11" name="Freeform: Shape 10">
+          <p:cNvPr id="71" name="Freeform: Shape 70">
             <a:extLst>
               <a:ext uri="{FF2B5EF4-FFF2-40B4-BE49-F238E27FC236}">
-                <a16:creationId xmlns:a16="http://schemas.microsoft.com/office/drawing/2014/main" id="{1DB7C82F-AB7E-4F0C-B829-FA1B9C415180}"/>
+                <a16:creationId xmlns:a16="http://schemas.microsoft.com/office/drawing/2014/main" id="{60B21A5C-062F-46C2-8389-53D40F46AA26}"/>
               </a:ext>
               <a:ext uri="{C183D7F6-B498-43B3-948B-1728B52AA6E4}">
                 <adec:decorative xmlns:adec="http://schemas.microsoft.com/office/drawing/2017/decorative" val="1"/>
@@ -8415,27 +8465,35 @@
           </p:nvPr>
         </p:nvSpPr>
         <p:spPr>
-          <a:xfrm flipH="1">
-            <a:off x="1524000" y="0"/>
-            <a:ext cx="4629586" cy="6858000"/>
+          <a:xfrm>
+            <a:off x="1" y="483466"/>
+            <a:ext cx="5549037" cy="6374535"/>
           </a:xfrm>
           <a:custGeom>
             <a:avLst/>
             <a:gdLst>
-              <a:gd name="connsiteX0" fmla="*/ 6172782 w 6172782"/>
-              <a:gd name="connsiteY0" fmla="*/ 0 h 6858000"/>
-              <a:gd name="connsiteX1" fmla="*/ 69075 w 6172782"/>
-              <a:gd name="connsiteY1" fmla="*/ 0 h 6858000"/>
-              <a:gd name="connsiteX2" fmla="*/ 35131 w 6172782"/>
-              <a:gd name="connsiteY2" fmla="*/ 267128 h 6858000"/>
-              <a:gd name="connsiteX3" fmla="*/ 0 w 6172782"/>
-              <a:gd name="connsiteY3" fmla="*/ 962845 h 6858000"/>
-              <a:gd name="connsiteX4" fmla="*/ 3276103 w 6172782"/>
-              <a:gd name="connsiteY4" fmla="*/ 6782205 h 6858000"/>
-              <a:gd name="connsiteX5" fmla="*/ 3407923 w 6172782"/>
-              <a:gd name="connsiteY5" fmla="*/ 6858000 h 6858000"/>
-              <a:gd name="connsiteX6" fmla="*/ 6172782 w 6172782"/>
-              <a:gd name="connsiteY6" fmla="*/ 6858000 h 6858000"/>
+              <a:gd name="connsiteX0" fmla="*/ 2203019 w 5549037"/>
+              <a:gd name="connsiteY0" fmla="*/ 0 h 6374535"/>
+              <a:gd name="connsiteX1" fmla="*/ 5549037 w 5549037"/>
+              <a:gd name="connsiteY1" fmla="*/ 3346018 h 6374535"/>
+              <a:gd name="connsiteX2" fmla="*/ 3797930 w 5549037"/>
+              <a:gd name="connsiteY2" fmla="*/ 6288190 h 6374535"/>
+              <a:gd name="connsiteX3" fmla="*/ 3618689 w 5549037"/>
+              <a:gd name="connsiteY3" fmla="*/ 6374535 h 6374535"/>
+              <a:gd name="connsiteX4" fmla="*/ 779546 w 5549037"/>
+              <a:gd name="connsiteY4" fmla="*/ 6374535 h 6374535"/>
+              <a:gd name="connsiteX5" fmla="*/ 537516 w 5549037"/>
+              <a:gd name="connsiteY5" fmla="*/ 6248727 h 6374535"/>
+              <a:gd name="connsiteX6" fmla="*/ 74641 w 5549037"/>
+              <a:gd name="connsiteY6" fmla="*/ 5927968 h 6374535"/>
+              <a:gd name="connsiteX7" fmla="*/ 0 w 5549037"/>
+              <a:gd name="connsiteY7" fmla="*/ 5860130 h 6374535"/>
+              <a:gd name="connsiteX8" fmla="*/ 0 w 5549037"/>
+              <a:gd name="connsiteY8" fmla="*/ 831906 h 6374535"/>
+              <a:gd name="connsiteX9" fmla="*/ 74641 w 5549037"/>
+              <a:gd name="connsiteY9" fmla="*/ 764068 h 6374535"/>
+              <a:gd name="connsiteX10" fmla="*/ 2203019 w 5549037"/>
+              <a:gd name="connsiteY10" fmla="*/ 0 h 6374535"/>
             </a:gdLst>
             <a:ahLst/>
             <a:cxnLst>
@@ -8460,35 +8518,63 @@
               <a:cxn ang="0">
                 <a:pos x="connsiteX6" y="connsiteY6"/>
               </a:cxn>
+              <a:cxn ang="0">
+                <a:pos x="connsiteX7" y="connsiteY7"/>
+              </a:cxn>
+              <a:cxn ang="0">
+                <a:pos x="connsiteX8" y="connsiteY8"/>
+              </a:cxn>
+              <a:cxn ang="0">
+                <a:pos x="connsiteX9" y="connsiteY9"/>
+              </a:cxn>
+              <a:cxn ang="0">
+                <a:pos x="connsiteX10" y="connsiteY10"/>
+              </a:cxn>
             </a:cxnLst>
             <a:rect l="l" t="t" r="r" b="b"/>
             <a:pathLst>
-              <a:path w="6172782" h="6858000">
+              <a:path w="5549037" h="6374535">
                 <a:moveTo>
-                  <a:pt x="6172782" y="0"/>
+                  <a:pt x="2203019" y="0"/>
                 </a:moveTo>
+                <a:cubicBezTo>
+                  <a:pt x="4050974" y="0"/>
+                  <a:pt x="5549037" y="1498063"/>
+                  <a:pt x="5549037" y="3346018"/>
+                </a:cubicBezTo>
+                <a:cubicBezTo>
+                  <a:pt x="5549037" y="4616487"/>
+                  <a:pt x="4840968" y="5721578"/>
+                  <a:pt x="3797930" y="6288190"/>
+                </a:cubicBezTo>
                 <a:lnTo>
-                  <a:pt x="69075" y="0"/>
+                  <a:pt x="3618689" y="6374535"/>
                 </a:lnTo>
                 <a:lnTo>
-                  <a:pt x="35131" y="267128"/>
+                  <a:pt x="779546" y="6374535"/>
+                </a:lnTo>
+                <a:lnTo>
+                  <a:pt x="537516" y="6248727"/>
                 </a:lnTo>
                 <a:cubicBezTo>
-                  <a:pt x="11901" y="495874"/>
-                  <a:pt x="0" y="727970"/>
-                  <a:pt x="0" y="962845"/>
-                </a:cubicBezTo>
-                <a:cubicBezTo>
-                  <a:pt x="0" y="3429034"/>
-                  <a:pt x="1312002" y="5588789"/>
-                  <a:pt x="3276103" y="6782205"/>
+                  <a:pt x="374031" y="6154721"/>
+                  <a:pt x="219238" y="6047301"/>
+                  <a:pt x="74641" y="5927968"/>
                 </a:cubicBezTo>
                 <a:lnTo>
-                  <a:pt x="3407923" y="6858000"/>
+                  <a:pt x="0" y="5860130"/>
                 </a:lnTo>
                 <a:lnTo>
-                  <a:pt x="6172782" y="6858000"/>
+                  <a:pt x="0" y="831906"/>
                 </a:lnTo>
+                <a:lnTo>
+                  <a:pt x="74641" y="764068"/>
+                </a:lnTo>
+                <a:cubicBezTo>
+                  <a:pt x="653030" y="286739"/>
+                  <a:pt x="1394539" y="0"/>
+                  <a:pt x="2203019" y="0"/>
+                </a:cubicBezTo>
                 <a:close/>
               </a:path>
             </a:pathLst>
@@ -8519,19 +8605,39 @@
           </a:fontRef>
         </p:style>
         <p:txBody>
-          <a:bodyPr wrap="square" rtlCol="0" anchor="ctr">
-            <a:noAutofit/>
-          </a:bodyPr>
+          <a:bodyPr rtlCol="0" anchor="ctr"/>
           <a:lstStyle/>
           <a:p>
-            <a:pPr algn="ctr">
+            <a:pPr marL="0" marR="0" lvl="0" indent="0" algn="ctr" defTabSz="914400" rtl="0" eaLnBrk="1" fontAlgn="auto" latinLnBrk="0" hangingPunct="1">
+              <a:lnSpc>
+                <a:spcPct val="100000"/>
+              </a:lnSpc>
+              <a:spcBef>
+                <a:spcPts val="0"/>
+              </a:spcBef>
+              <a:spcAft>
+                <a:spcPts val="0"/>
+              </a:spcAft>
+              <a:buClrTx/>
+              <a:buSzTx/>
+              <a:buFontTx/>
+              <a:buNone/>
+              <a:tabLst/>
               <a:defRPr/>
             </a:pPr>
-            <a:endParaRPr lang="en-US">
+            <a:endParaRPr kumimoji="0" lang="en-US" sz="1800" b="0" i="0" u="none" strike="noStrike" kern="1200" cap="none" spc="0" normalizeH="0" baseline="0" noProof="0">
+              <a:ln>
+                <a:noFill/>
+              </a:ln>
               <a:solidFill>
                 <a:prstClr val="white"/>
               </a:solidFill>
+              <a:effectLst/>
+              <a:uLnTx/>
+              <a:uFillTx/>
               <a:latin typeface="Calibri" panose="020F0502020204030204"/>
+              <a:ea typeface="+mn-ea"/>
+              <a:cs typeface="+mn-cs"/>
             </a:endParaRPr>
           </a:p>
         </p:txBody>
@@ -8561,31 +8667,114 @@
               </a:ext>
             </a:extLst>
           </a:blip>
-          <a:srcRect l="1302"/>
+          <a:srcRect t="11509" b="11509"/>
           <a:stretch/>
         </p:blipFill>
         <p:spPr>
           <a:xfrm>
-            <a:off x="1524001" y="0"/>
-            <a:ext cx="4518095" cy="6857990"/>
+            <a:off x="1" y="647373"/>
+            <a:ext cx="5385130" cy="6210629"/>
+          </a:xfrm>
+          <a:custGeom>
+            <a:avLst/>
+            <a:gdLst/>
+            <a:ahLst/>
+            <a:cxnLst/>
+            <a:rect l="l" t="t" r="r" b="b"/>
+            <a:pathLst>
+              <a:path w="5385130" h="6210629">
+                <a:moveTo>
+                  <a:pt x="2203018" y="0"/>
+                </a:moveTo>
+                <a:cubicBezTo>
+                  <a:pt x="3960450" y="0"/>
+                  <a:pt x="5385130" y="1424680"/>
+                  <a:pt x="5385130" y="3182112"/>
+                </a:cubicBezTo>
+                <a:cubicBezTo>
+                  <a:pt x="5385130" y="4500186"/>
+                  <a:pt x="4583748" y="5631087"/>
+                  <a:pt x="3441640" y="6114158"/>
+                </a:cubicBezTo>
+                <a:lnTo>
+                  <a:pt x="3178061" y="6210629"/>
+                </a:lnTo>
+                <a:lnTo>
+                  <a:pt x="1233206" y="6210629"/>
+                </a:lnTo>
+                <a:lnTo>
+                  <a:pt x="1108901" y="6171135"/>
+                </a:lnTo>
+                <a:cubicBezTo>
+                  <a:pt x="767738" y="6046219"/>
+                  <a:pt x="453928" y="5864559"/>
+                  <a:pt x="178899" y="5637585"/>
+                </a:cubicBezTo>
+                <a:lnTo>
+                  <a:pt x="0" y="5474990"/>
+                </a:lnTo>
+                <a:lnTo>
+                  <a:pt x="0" y="889234"/>
+                </a:lnTo>
+                <a:lnTo>
+                  <a:pt x="178899" y="726640"/>
+                </a:lnTo>
+                <a:cubicBezTo>
+                  <a:pt x="728956" y="272693"/>
+                  <a:pt x="1434142" y="0"/>
+                  <a:pt x="2203018" y="0"/>
+                </a:cubicBezTo>
+                <a:close/>
+              </a:path>
+            </a:pathLst>
+          </a:custGeom>
+        </p:spPr>
+      </p:pic>
+      <p:sp>
+        <p:nvSpPr>
+          <p:cNvPr id="73" name="Freeform: Shape 72">
+            <a:extLst>
+              <a:ext uri="{FF2B5EF4-FFF2-40B4-BE49-F238E27FC236}">
+                <a16:creationId xmlns:a16="http://schemas.microsoft.com/office/drawing/2014/main" id="{8A177BCC-4208-4795-8572-4D623BA1E2A0}"/>
+              </a:ext>
+              <a:ext uri="{C183D7F6-B498-43B3-948B-1728B52AA6E4}">
+                <adec:decorative xmlns:adec="http://schemas.microsoft.com/office/drawing/2017/decorative" val="1"/>
+              </a:ext>
+            </a:extLst>
+          </p:cNvPr>
+          <p:cNvSpPr>
+            <a:spLocks noGrp="1" noRot="1" noChangeAspect="1" noMove="1" noResize="1" noEditPoints="1" noAdjustHandles="1" noChangeArrowheads="1" noChangeShapeType="1" noTextEdit="1"/>
+          </p:cNvSpPr>
+          <p:nvPr>
+            <p:extLst>
+              <p:ext uri="{386F3935-93C4-4BCD-93E2-E3B085C9AB24}">
+                <p16:designElem xmlns:p16="http://schemas.microsoft.com/office/powerpoint/2015/main" val="1"/>
+              </p:ext>
+            </p:extLst>
+          </p:nvPr>
+        </p:nvSpPr>
+        <p:spPr>
+          <a:xfrm>
+            <a:off x="5233763" y="1"/>
+            <a:ext cx="4480560" cy="2513993"/>
           </a:xfrm>
           <a:custGeom>
             <a:avLst/>
             <a:gdLst>
-              <a:gd name="connsiteX0" fmla="*/ 0 w 6024154"/>
-              <a:gd name="connsiteY0" fmla="*/ 0 h 6858000"/>
-              <a:gd name="connsiteX1" fmla="*/ 5953780 w 6024154"/>
-              <a:gd name="connsiteY1" fmla="*/ 0 h 6858000"/>
-              <a:gd name="connsiteX2" fmla="*/ 5989880 w 6024154"/>
-              <a:gd name="connsiteY2" fmla="*/ 284091 h 6858000"/>
-              <a:gd name="connsiteX3" fmla="*/ 6024154 w 6024154"/>
-              <a:gd name="connsiteY3" fmla="*/ 962844 h 6858000"/>
-              <a:gd name="connsiteX4" fmla="*/ 2549934 w 6024154"/>
-              <a:gd name="connsiteY4" fmla="*/ 6800152 h 6858000"/>
-              <a:gd name="connsiteX5" fmla="*/ 2436987 w 6024154"/>
-              <a:gd name="connsiteY5" fmla="*/ 6858000 h 6858000"/>
-              <a:gd name="connsiteX6" fmla="*/ 0 w 6024154"/>
-              <a:gd name="connsiteY6" fmla="*/ 6858000 h 6858000"/>
+              <a:gd name="connsiteX0" fmla="*/ 18382 w 4480560"/>
+              <a:gd name="connsiteY0" fmla="*/ 0 h 2513993"/>
+              <a:gd name="connsiteX1" fmla="*/ 4462178 w 4480560"/>
+              <a:gd name="connsiteY1" fmla="*/ 0 h 2513993"/>
+              <a:gd name="connsiteX2" fmla="*/ 4468994 w 4480560"/>
+              <a:gd name="connsiteY2" fmla="*/ 44657 h 2513993"/>
+              <a:gd name="connsiteX3" fmla="*/ 4480560 w 4480560"/>
+              <a:gd name="connsiteY3" fmla="*/ 273713 h 2513993"/>
+              <a:gd name="connsiteX4" fmla="*/ 2240280 w 4480560"/>
+              <a:gd name="connsiteY4" fmla="*/ 2513993 h 2513993"/>
+              <a:gd name="connsiteX5" fmla="*/ 0 w 4480560"/>
+              <a:gd name="connsiteY5" fmla="*/ 273713 h 2513993"/>
+              <a:gd name="connsiteX6" fmla="*/ 11567 w 4480560"/>
+              <a:gd name="connsiteY6" fmla="*/ 44657 h 2513993"/>
             </a:gdLst>
             <a:ahLst/>
             <a:cxnLst>
@@ -8613,36 +8802,184 @@
             </a:cxnLst>
             <a:rect l="l" t="t" r="r" b="b"/>
             <a:pathLst>
-              <a:path w="6024154" h="6858000">
+              <a:path w="4480560" h="2513993">
                 <a:moveTo>
-                  <a:pt x="0" y="0"/>
+                  <a:pt x="18382" y="0"/>
                 </a:moveTo>
                 <a:lnTo>
-                  <a:pt x="5953780" y="0"/>
+                  <a:pt x="4462178" y="0"/>
                 </a:lnTo>
                 <a:lnTo>
-                  <a:pt x="5989880" y="284091"/>
+                  <a:pt x="4468994" y="44657"/>
                 </a:lnTo>
                 <a:cubicBezTo>
-                  <a:pt x="6012544" y="507260"/>
-                  <a:pt x="6024154" y="733696"/>
-                  <a:pt x="6024154" y="962844"/>
+                  <a:pt x="4476642" y="119969"/>
+                  <a:pt x="4480560" y="196384"/>
+                  <a:pt x="4480560" y="273713"/>
                 </a:cubicBezTo>
                 <a:cubicBezTo>
-                  <a:pt x="6024154" y="3483472"/>
-                  <a:pt x="4619336" y="5675986"/>
-                  <a:pt x="2549934" y="6800152"/>
+                  <a:pt x="4480560" y="1510985"/>
+                  <a:pt x="3477552" y="2513993"/>
+                  <a:pt x="2240280" y="2513993"/>
                 </a:cubicBezTo>
-                <a:lnTo>
-                  <a:pt x="2436987" y="6858000"/>
-                </a:lnTo>
-                <a:lnTo>
-                  <a:pt x="0" y="6858000"/>
-                </a:lnTo>
+                <a:cubicBezTo>
+                  <a:pt x="1003008" y="2513993"/>
+                  <a:pt x="0" y="1510985"/>
+                  <a:pt x="0" y="273713"/>
+                </a:cubicBezTo>
+                <a:cubicBezTo>
+                  <a:pt x="0" y="196384"/>
+                  <a:pt x="3918" y="119969"/>
+                  <a:pt x="11567" y="44657"/>
+                </a:cubicBezTo>
                 <a:close/>
               </a:path>
             </a:pathLst>
           </a:custGeom>
+          <a:solidFill>
+            <a:srgbClr val="FFFFFF">
+              <a:alpha val="80000"/>
+            </a:srgbClr>
+          </a:solidFill>
+          <a:ln>
+            <a:noFill/>
+          </a:ln>
+        </p:spPr>
+        <p:style>
+          <a:lnRef idx="2">
+            <a:schemeClr val="accent1">
+              <a:shade val="50000"/>
+            </a:schemeClr>
+          </a:lnRef>
+          <a:fillRef idx="1">
+            <a:schemeClr val="accent1"/>
+          </a:fillRef>
+          <a:effectRef idx="0">
+            <a:schemeClr val="accent1"/>
+          </a:effectRef>
+          <a:fontRef idx="minor">
+            <a:schemeClr val="lt1"/>
+          </a:fontRef>
+        </p:style>
+        <p:txBody>
+          <a:bodyPr rtlCol="0" anchor="ctr"/>
+          <a:lstStyle/>
+          <a:p>
+            <a:pPr marL="0" marR="0" lvl="0" indent="0" algn="ctr" defTabSz="914400" rtl="0" eaLnBrk="1" fontAlgn="auto" latinLnBrk="0" hangingPunct="1">
+              <a:lnSpc>
+                <a:spcPct val="100000"/>
+              </a:lnSpc>
+              <a:spcBef>
+                <a:spcPts val="0"/>
+              </a:spcBef>
+              <a:spcAft>
+                <a:spcPts val="0"/>
+              </a:spcAft>
+              <a:buClrTx/>
+              <a:buSzTx/>
+              <a:buFontTx/>
+              <a:buNone/>
+              <a:tabLst/>
+              <a:defRPr/>
+            </a:pPr>
+            <a:endParaRPr kumimoji="0" lang="en-US" sz="1800" b="0" i="0" u="none" strike="noStrike" kern="1200" cap="none" spc="0" normalizeH="0" baseline="0" noProof="0">
+              <a:ln>
+                <a:noFill/>
+              </a:ln>
+              <a:solidFill>
+                <a:prstClr val="white"/>
+              </a:solidFill>
+              <a:effectLst/>
+              <a:uLnTx/>
+              <a:uFillTx/>
+              <a:latin typeface="Calibri" panose="020F0502020204030204"/>
+              <a:ea typeface="+mn-ea"/>
+              <a:cs typeface="+mn-cs"/>
+            </a:endParaRPr>
+          </a:p>
+        </p:txBody>
+      </p:sp>
+      <p:pic>
+        <p:nvPicPr>
+          <p:cNvPr id="1026" name="Picture 2" descr="Radical retro rides! Mongoose re-releases the Supergoose &amp;amp; California  Special BMX bikes - Bikerumor">
+            <a:extLst>
+              <a:ext uri="{FF2B5EF4-FFF2-40B4-BE49-F238E27FC236}">
+                <a16:creationId xmlns:a16="http://schemas.microsoft.com/office/drawing/2014/main" id="{0B9A2AFB-ECE6-4C5E-8ED8-4A3085B28AB8}"/>
+              </a:ext>
+            </a:extLst>
+          </p:cNvPr>
+          <p:cNvPicPr>
+            <a:picLocks noChangeAspect="1" noChangeArrowheads="1"/>
+          </p:cNvPicPr>
+          <p:nvPr/>
+        </p:nvPicPr>
+        <p:blipFill rotWithShape="1">
+          <a:blip r:embed="rId4">
+            <a:extLst>
+              <a:ext uri="{28A0092B-C50C-407E-A947-70E740481C1C}">
+                <a14:useLocalDpi xmlns:a14="http://schemas.microsoft.com/office/drawing/2010/main" val="0"/>
+              </a:ext>
+            </a:extLst>
+          </a:blip>
+          <a:srcRect t="16159" r="-4" b="-4"/>
+          <a:stretch/>
+        </p:blipFill>
+        <p:spPr bwMode="auto">
+          <a:xfrm>
+            <a:off x="5398355" y="1"/>
+            <a:ext cx="4151376" cy="2349401"/>
+          </a:xfrm>
+          <a:custGeom>
+            <a:avLst/>
+            <a:gdLst/>
+            <a:ahLst/>
+            <a:cxnLst/>
+            <a:rect l="l" t="t" r="r" b="b"/>
+            <a:pathLst>
+              <a:path w="4151376" h="2349401">
+                <a:moveTo>
+                  <a:pt x="20101" y="0"/>
+                </a:moveTo>
+                <a:lnTo>
+                  <a:pt x="4131276" y="0"/>
+                </a:lnTo>
+                <a:lnTo>
+                  <a:pt x="4140659" y="61486"/>
+                </a:lnTo>
+                <a:cubicBezTo>
+                  <a:pt x="4147746" y="131265"/>
+                  <a:pt x="4151376" y="202065"/>
+                  <a:pt x="4151376" y="273713"/>
+                </a:cubicBezTo>
+                <a:cubicBezTo>
+                  <a:pt x="4151376" y="1420084"/>
+                  <a:pt x="3222059" y="2349401"/>
+                  <a:pt x="2075688" y="2349401"/>
+                </a:cubicBezTo>
+                <a:cubicBezTo>
+                  <a:pt x="929317" y="2349401"/>
+                  <a:pt x="0" y="1420084"/>
+                  <a:pt x="0" y="273713"/>
+                </a:cubicBezTo>
+                <a:cubicBezTo>
+                  <a:pt x="0" y="202065"/>
+                  <a:pt x="3630" y="131265"/>
+                  <a:pt x="10717" y="61486"/>
+                </a:cubicBezTo>
+                <a:close/>
+              </a:path>
+            </a:pathLst>
+          </a:custGeom>
+          <a:noFill/>
+          <a:extLst>
+            <a:ext uri="{909E8E84-426E-40DD-AFC4-6F175D3DCCD1}">
+              <a14:hiddenFill xmlns:a14="http://schemas.microsoft.com/office/drawing/2010/main">
+                <a:solidFill>
+                  <a:srgbClr val="FFFFFF"/>
+                </a:solidFill>
+              </a14:hiddenFill>
+            </a:ext>
+          </a:extLst>
         </p:spPr>
       </p:pic>
       <p:sp>
@@ -8659,7 +8996,7 @@
         </p:nvSpPr>
         <p:spPr>
           <a:xfrm>
-            <a:off x="8360958" y="6657946"/>
+            <a:off x="9884958" y="6657945"/>
             <a:ext cx="2307042" cy="200055"/>
           </a:xfrm>
           <a:prstGeom prst="rect">
@@ -8708,7 +9045,7 @@
                 <a:solidFill>
                   <a:srgbClr val="FFFFFF"/>
                 </a:solidFill>
-                <a:hlinkClick r:id="rId4" tooltip="https://creativecommons.org/licenses/by-sa/3.0/">
+                <a:hlinkClick r:id="rId5" tooltip="https://creativecommons.org/licenses/by-sa/3.0/">
                   <a:extLst>
                     <a:ext uri="{A12FA001-AC4F-418D-AE19-62706E023703}">
                       <ahyp:hlinkClr xmlns:ahyp="http://schemas.microsoft.com/office/drawing/2018/hyperlinkcolor" val="tx"/>
@@ -11004,110 +11341,6 @@
           <a:chExt cx="0" cy="0"/>
         </a:xfrm>
       </p:grpSpPr>
-      <p:sp>
-        <p:nvSpPr>
-          <p:cNvPr id="2" name="Title 1">
-            <a:extLst>
-              <a:ext uri="{FF2B5EF4-FFF2-40B4-BE49-F238E27FC236}">
-                <a16:creationId xmlns:a16="http://schemas.microsoft.com/office/drawing/2014/main" id="{F1CE6858-9699-49BA-8542-04B96EE7DA47}"/>
-              </a:ext>
-            </a:extLst>
-          </p:cNvPr>
-          <p:cNvSpPr>
-            <a:spLocks noGrp="1"/>
-          </p:cNvSpPr>
-          <p:nvPr>
-            <p:ph type="title"/>
-          </p:nvPr>
-        </p:nvSpPr>
-        <p:spPr/>
-        <p:txBody>
-          <a:bodyPr/>
-          <a:lstStyle/>
-          <a:p>
-            <a:r>
-              <a:rPr lang="en-IE" dirty="0"/>
-              <a:t>Lecture 2</a:t>
-            </a:r>
-          </a:p>
-        </p:txBody>
-      </p:sp>
-      <p:sp>
-        <p:nvSpPr>
-          <p:cNvPr id="3" name="Text Placeholder 2">
-            <a:extLst>
-              <a:ext uri="{FF2B5EF4-FFF2-40B4-BE49-F238E27FC236}">
-                <a16:creationId xmlns:a16="http://schemas.microsoft.com/office/drawing/2014/main" id="{B1CEA23D-5FED-4D6C-A64E-50E2368FF2A5}"/>
-              </a:ext>
-            </a:extLst>
-          </p:cNvPr>
-          <p:cNvSpPr>
-            <a:spLocks noGrp="1"/>
-          </p:cNvSpPr>
-          <p:nvPr>
-            <p:ph type="body" idx="1"/>
-          </p:nvPr>
-        </p:nvSpPr>
-        <p:spPr/>
-        <p:txBody>
-          <a:bodyPr/>
-          <a:lstStyle/>
-          <a:p>
-            <a:r>
-              <a:rPr lang="en-IE" dirty="0"/>
-              <a:t>Sub Documents</a:t>
-            </a:r>
-          </a:p>
-          <a:p>
-            <a:r>
-              <a:rPr lang="en-IE" dirty="0"/>
-              <a:t>Validators</a:t>
-            </a:r>
-          </a:p>
-          <a:p>
-            <a:r>
-              <a:rPr lang="en-IE" dirty="0"/>
-              <a:t>Queries</a:t>
-            </a:r>
-          </a:p>
-          <a:p>
-            <a:r>
-              <a:rPr lang="en-IE" dirty="0"/>
-              <a:t>Object Refs.</a:t>
-            </a:r>
-          </a:p>
-        </p:txBody>
-      </p:sp>
-    </p:spTree>
-    <p:extLst>
-      <p:ext uri="{BB962C8B-B14F-4D97-AF65-F5344CB8AC3E}">
-        <p14:creationId xmlns:p14="http://schemas.microsoft.com/office/powerpoint/2010/main" val="3986355174"/>
-      </p:ext>
-    </p:extLst>
-  </p:cSld>
-  <p:clrMapOvr>
-    <a:masterClrMapping/>
-  </p:clrMapOvr>
-</p:sld>
-</file>
-
-<file path=ppt/slides/slide23.xml><?xml version="1.0" encoding="utf-8"?>
-<p:sld xmlns:a="http://schemas.openxmlformats.org/drawingml/2006/main" xmlns:r="http://schemas.openxmlformats.org/officeDocument/2006/relationships" xmlns:p="http://schemas.openxmlformats.org/presentationml/2006/main">
-  <p:cSld>
-    <p:spTree>
-      <p:nvGrpSpPr>
-        <p:cNvPr id="1" name=""/>
-        <p:cNvGrpSpPr/>
-        <p:nvPr/>
-      </p:nvGrpSpPr>
-      <p:grpSpPr>
-        <a:xfrm>
-          <a:off x="0" y="0"/>
-          <a:ext cx="0" cy="0"/>
-          <a:chOff x="0" y="0"/>
-          <a:chExt cx="0" cy="0"/>
-        </a:xfrm>
-      </p:grpSpPr>
       <p:pic>
         <p:nvPicPr>
           <p:cNvPr id="8" name="Picture 7"/>
@@ -11480,7 +11713,411 @@
 </p:sld>
 </file>
 
+<file path=ppt/slides/slide23.xml><?xml version="1.0" encoding="utf-8"?>
+<p:sld xmlns:a="http://schemas.openxmlformats.org/drawingml/2006/main" xmlns:r="http://schemas.openxmlformats.org/officeDocument/2006/relationships" xmlns:p="http://schemas.openxmlformats.org/presentationml/2006/main">
+  <p:cSld>
+    <p:spTree>
+      <p:nvGrpSpPr>
+        <p:cNvPr id="1" name=""/>
+        <p:cNvGrpSpPr/>
+        <p:nvPr/>
+      </p:nvGrpSpPr>
+      <p:grpSpPr>
+        <a:xfrm>
+          <a:off x="0" y="0"/>
+          <a:ext cx="0" cy="0"/>
+          <a:chOff x="0" y="0"/>
+          <a:chExt cx="0" cy="0"/>
+        </a:xfrm>
+      </p:grpSpPr>
+      <p:sp>
+        <p:nvSpPr>
+          <p:cNvPr id="2" name="Title 1"/>
+          <p:cNvSpPr>
+            <a:spLocks noGrp="1"/>
+          </p:cNvSpPr>
+          <p:nvPr>
+            <p:ph type="title"/>
+          </p:nvPr>
+        </p:nvSpPr>
+        <p:spPr/>
+        <p:txBody>
+          <a:bodyPr/>
+          <a:lstStyle/>
+          <a:p>
+            <a:r>
+              <a:rPr lang="en-IE"/>
+              <a:t>Mongoose Queries</a:t>
+            </a:r>
+          </a:p>
+        </p:txBody>
+      </p:sp>
+      <p:sp>
+        <p:nvSpPr>
+          <p:cNvPr id="3" name="Content Placeholder 2"/>
+          <p:cNvSpPr>
+            <a:spLocks noGrp="1"/>
+          </p:cNvSpPr>
+          <p:nvPr>
+            <p:ph idx="1"/>
+          </p:nvPr>
+        </p:nvSpPr>
+        <p:spPr>
+          <a:xfrm>
+            <a:off x="397485" y="2284561"/>
+            <a:ext cx="8229600" cy="3048000"/>
+          </a:xfrm>
+        </p:spPr>
+        <p:txBody>
+          <a:bodyPr>
+            <a:normAutofit fontScale="62500" lnSpcReduction="20000"/>
+          </a:bodyPr>
+          <a:lstStyle/>
+          <a:p>
+            <a:r>
+              <a:rPr lang="en-IE" dirty="0"/>
+              <a:t>Mongoose supports many queries: </a:t>
+            </a:r>
+          </a:p>
+          <a:p>
+            <a:pPr lvl="1"/>
+            <a:r>
+              <a:rPr lang="en-IE" dirty="0"/>
+              <a:t>For equality/non-equality </a:t>
+            </a:r>
+          </a:p>
+          <a:p>
+            <a:pPr lvl="1"/>
+            <a:r>
+              <a:rPr lang="en-IE" dirty="0"/>
+              <a:t>Selection of some properties </a:t>
+            </a:r>
+          </a:p>
+          <a:p>
+            <a:pPr lvl="1"/>
+            <a:r>
+              <a:rPr lang="en-IE" dirty="0"/>
+              <a:t>Sorting </a:t>
+            </a:r>
+          </a:p>
+          <a:p>
+            <a:pPr lvl="1"/>
+            <a:r>
+              <a:rPr lang="en-IE" dirty="0"/>
+              <a:t>Limit &amp; skip </a:t>
+            </a:r>
+          </a:p>
+          <a:p>
+            <a:r>
+              <a:rPr lang="en-GB" dirty="0"/>
+              <a:t>Mongoose models provide several static helper functions for CRUD operations.</a:t>
+            </a:r>
+          </a:p>
+          <a:p>
+            <a:pPr lvl="1"/>
+            <a:r>
+              <a:rPr lang="en-IE" dirty="0" err="1"/>
+              <a:t>Model.findOne</a:t>
+            </a:r>
+            <a:r>
+              <a:rPr lang="en-IE" dirty="0"/>
+              <a:t>() returns a single document, the first match</a:t>
+            </a:r>
+          </a:p>
+          <a:p>
+            <a:pPr lvl="1"/>
+            <a:r>
+              <a:rPr lang="en-IE" dirty="0" err="1"/>
+              <a:t>Model.find</a:t>
+            </a:r>
+            <a:r>
+              <a:rPr lang="en-IE" dirty="0"/>
+              <a:t>() returns all</a:t>
+            </a:r>
+          </a:p>
+          <a:p>
+            <a:pPr lvl="1"/>
+            <a:r>
+              <a:rPr lang="en-IE" dirty="0" err="1"/>
+              <a:t>Model.findById</a:t>
+            </a:r>
+            <a:r>
+              <a:rPr lang="en-IE" dirty="0"/>
+              <a:t>() queries on the _id field.</a:t>
+            </a:r>
+          </a:p>
+          <a:p>
+            <a:pPr lvl="1"/>
+            <a:endParaRPr lang="en-IE" dirty="0"/>
+          </a:p>
+          <a:p>
+            <a:endParaRPr lang="en-IE" dirty="0"/>
+          </a:p>
+        </p:txBody>
+      </p:sp>
+      <p:pic>
+        <p:nvPicPr>
+          <p:cNvPr id="4" name="Picture 3">
+            <a:extLst>
+              <a:ext uri="{FF2B5EF4-FFF2-40B4-BE49-F238E27FC236}">
+                <a16:creationId xmlns:a16="http://schemas.microsoft.com/office/drawing/2014/main" id="{58DD5F58-E748-4910-B149-E81BFD26DC6F}"/>
+              </a:ext>
+            </a:extLst>
+          </p:cNvPr>
+          <p:cNvPicPr>
+            <a:picLocks noChangeAspect="1"/>
+          </p:cNvPicPr>
+          <p:nvPr/>
+        </p:nvPicPr>
+        <p:blipFill>
+          <a:blip r:embed="rId2"/>
+          <a:stretch>
+            <a:fillRect/>
+          </a:stretch>
+        </p:blipFill>
+        <p:spPr>
+          <a:xfrm>
+            <a:off x="7544608" y="1279674"/>
+            <a:ext cx="4981575" cy="5057775"/>
+          </a:xfrm>
+          <a:prstGeom prst="rect">
+            <a:avLst/>
+          </a:prstGeom>
+        </p:spPr>
+      </p:pic>
+    </p:spTree>
+    <p:extLst>
+      <p:ext uri="{BB962C8B-B14F-4D97-AF65-F5344CB8AC3E}">
+        <p14:creationId xmlns:p14="http://schemas.microsoft.com/office/powerpoint/2010/main" val="925599297"/>
+      </p:ext>
+    </p:extLst>
+  </p:cSld>
+  <p:clrMapOvr>
+    <a:masterClrMapping/>
+  </p:clrMapOvr>
+</p:sld>
+</file>
+
 <file path=ppt/slides/slide24.xml><?xml version="1.0" encoding="utf-8"?>
+<p:sld xmlns:a="http://schemas.openxmlformats.org/drawingml/2006/main" xmlns:r="http://schemas.openxmlformats.org/officeDocument/2006/relationships" xmlns:p="http://schemas.openxmlformats.org/presentationml/2006/main">
+  <p:cSld>
+    <p:spTree>
+      <p:nvGrpSpPr>
+        <p:cNvPr id="1" name=""/>
+        <p:cNvGrpSpPr/>
+        <p:nvPr/>
+      </p:nvGrpSpPr>
+      <p:grpSpPr>
+        <a:xfrm>
+          <a:off x="0" y="0"/>
+          <a:ext cx="0" cy="0"/>
+          <a:chOff x="0" y="0"/>
+          <a:chExt cx="0" cy="0"/>
+        </a:xfrm>
+      </p:grpSpPr>
+      <p:sp>
+        <p:nvSpPr>
+          <p:cNvPr id="2" name="Title 1"/>
+          <p:cNvSpPr>
+            <a:spLocks noGrp="1"/>
+          </p:cNvSpPr>
+          <p:nvPr>
+            <p:ph type="title"/>
+          </p:nvPr>
+        </p:nvSpPr>
+        <p:spPr/>
+        <p:txBody>
+          <a:bodyPr/>
+          <a:lstStyle/>
+          <a:p>
+            <a:r>
+              <a:rPr lang="en-IE"/>
+              <a:t>Mongoose Queries</a:t>
+            </a:r>
+          </a:p>
+        </p:txBody>
+      </p:sp>
+      <p:sp>
+        <p:nvSpPr>
+          <p:cNvPr id="3" name="Content Placeholder 2"/>
+          <p:cNvSpPr>
+            <a:spLocks noGrp="1"/>
+          </p:cNvSpPr>
+          <p:nvPr>
+            <p:ph idx="1"/>
+          </p:nvPr>
+        </p:nvSpPr>
+        <p:spPr/>
+        <p:txBody>
+          <a:bodyPr>
+            <a:normAutofit/>
+          </a:bodyPr>
+          <a:lstStyle/>
+          <a:p>
+            <a:r>
+              <a:rPr lang="en-IE"/>
+              <a:t>Can build complex queries and execute them later</a:t>
+            </a:r>
+          </a:p>
+          <a:p>
+            <a:pPr marL="0" indent="0">
+              <a:buNone/>
+            </a:pPr>
+            <a:endParaRPr lang="en-IE"/>
+          </a:p>
+          <a:p>
+            <a:endParaRPr lang="en-IE"/>
+          </a:p>
+          <a:p>
+            <a:r>
+              <a:rPr lang="en-IE"/>
+              <a:t>The above finds all contacts where age &gt;17 and &lt;66 and living in either Waterford, Kilkenny or Wexford</a:t>
+            </a:r>
+          </a:p>
+        </p:txBody>
+      </p:sp>
+      <p:pic>
+        <p:nvPicPr>
+          <p:cNvPr id="5" name="Picture 4"/>
+          <p:cNvPicPr>
+            <a:picLocks noChangeAspect="1"/>
+          </p:cNvPicPr>
+          <p:nvPr/>
+        </p:nvPicPr>
+        <p:blipFill>
+          <a:blip r:embed="rId2"/>
+          <a:stretch>
+            <a:fillRect/>
+          </a:stretch>
+        </p:blipFill>
+        <p:spPr>
+          <a:xfrm>
+            <a:off x="2168828" y="2133600"/>
+            <a:ext cx="8094785" cy="1295400"/>
+          </a:xfrm>
+          <a:prstGeom prst="rect">
+            <a:avLst/>
+          </a:prstGeom>
+        </p:spPr>
+      </p:pic>
+    </p:spTree>
+    <p:extLst>
+      <p:ext uri="{BB962C8B-B14F-4D97-AF65-F5344CB8AC3E}">
+        <p14:creationId xmlns:p14="http://schemas.microsoft.com/office/powerpoint/2010/main" val="3169656245"/>
+      </p:ext>
+    </p:extLst>
+  </p:cSld>
+  <p:clrMapOvr>
+    <a:masterClrMapping/>
+  </p:clrMapOvr>
+</p:sld>
+</file>
+
+<file path=ppt/slides/slide25.xml><?xml version="1.0" encoding="utf-8"?>
+<p:sld xmlns:a="http://schemas.openxmlformats.org/drawingml/2006/main" xmlns:r="http://schemas.openxmlformats.org/officeDocument/2006/relationships" xmlns:p="http://schemas.openxmlformats.org/presentationml/2006/main">
+  <p:cSld>
+    <p:spTree>
+      <p:nvGrpSpPr>
+        <p:cNvPr id="1" name=""/>
+        <p:cNvGrpSpPr/>
+        <p:nvPr/>
+      </p:nvGrpSpPr>
+      <p:grpSpPr>
+        <a:xfrm>
+          <a:off x="0" y="0"/>
+          <a:ext cx="0" cy="0"/>
+          <a:chOff x="0" y="0"/>
+          <a:chExt cx="0" cy="0"/>
+        </a:xfrm>
+      </p:grpSpPr>
+      <p:sp>
+        <p:nvSpPr>
+          <p:cNvPr id="2" name="Title 1">
+            <a:extLst>
+              <a:ext uri="{FF2B5EF4-FFF2-40B4-BE49-F238E27FC236}">
+                <a16:creationId xmlns:a16="http://schemas.microsoft.com/office/drawing/2014/main" id="{F1CE6858-9699-49BA-8542-04B96EE7DA47}"/>
+              </a:ext>
+            </a:extLst>
+          </p:cNvPr>
+          <p:cNvSpPr>
+            <a:spLocks noGrp="1"/>
+          </p:cNvSpPr>
+          <p:nvPr>
+            <p:ph type="title"/>
+          </p:nvPr>
+        </p:nvSpPr>
+        <p:spPr/>
+        <p:txBody>
+          <a:bodyPr/>
+          <a:lstStyle/>
+          <a:p>
+            <a:r>
+              <a:rPr lang="en-IE" dirty="0"/>
+              <a:t>Lecture 2</a:t>
+            </a:r>
+          </a:p>
+        </p:txBody>
+      </p:sp>
+      <p:sp>
+        <p:nvSpPr>
+          <p:cNvPr id="3" name="Text Placeholder 2">
+            <a:extLst>
+              <a:ext uri="{FF2B5EF4-FFF2-40B4-BE49-F238E27FC236}">
+                <a16:creationId xmlns:a16="http://schemas.microsoft.com/office/drawing/2014/main" id="{B1CEA23D-5FED-4D6C-A64E-50E2368FF2A5}"/>
+              </a:ext>
+            </a:extLst>
+          </p:cNvPr>
+          <p:cNvSpPr>
+            <a:spLocks noGrp="1"/>
+          </p:cNvSpPr>
+          <p:nvPr>
+            <p:ph type="body" idx="1"/>
+          </p:nvPr>
+        </p:nvSpPr>
+        <p:spPr/>
+        <p:txBody>
+          <a:bodyPr/>
+          <a:lstStyle/>
+          <a:p>
+            <a:r>
+              <a:rPr lang="en-IE" dirty="0"/>
+              <a:t>Sub Documents</a:t>
+            </a:r>
+          </a:p>
+          <a:p>
+            <a:r>
+              <a:rPr lang="en-IE" dirty="0"/>
+              <a:t>Validators</a:t>
+            </a:r>
+          </a:p>
+          <a:p>
+            <a:r>
+              <a:rPr lang="en-IE" dirty="0"/>
+              <a:t>Queries</a:t>
+            </a:r>
+          </a:p>
+          <a:p>
+            <a:r>
+              <a:rPr lang="en-IE" dirty="0"/>
+              <a:t>Object Refs.</a:t>
+            </a:r>
+          </a:p>
+        </p:txBody>
+      </p:sp>
+    </p:spTree>
+    <p:extLst>
+      <p:ext uri="{BB962C8B-B14F-4D97-AF65-F5344CB8AC3E}">
+        <p14:creationId xmlns:p14="http://schemas.microsoft.com/office/powerpoint/2010/main" val="3986355174"/>
+      </p:ext>
+    </p:extLst>
+  </p:cSld>
+  <p:clrMapOvr>
+    <a:masterClrMapping/>
+  </p:clrMapOvr>
+</p:sld>
+</file>
+
+<file path=ppt/slides/slide26.xml><?xml version="1.0" encoding="utf-8"?>
 <p:sld xmlns:a="http://schemas.openxmlformats.org/drawingml/2006/main" xmlns:r="http://schemas.openxmlformats.org/officeDocument/2006/relationships" xmlns:p="http://schemas.openxmlformats.org/presentationml/2006/main">
   <p:cSld>
     <p:spTree>
@@ -11616,7 +12253,7 @@
 </p:sld>
 </file>
 
-<file path=ppt/slides/slide25.xml><?xml version="1.0" encoding="utf-8"?>
+<file path=ppt/slides/slide27.xml><?xml version="1.0" encoding="utf-8"?>
 <p:sld xmlns:a="http://schemas.openxmlformats.org/drawingml/2006/main" xmlns:r="http://schemas.openxmlformats.org/officeDocument/2006/relationships" xmlns:p="http://schemas.openxmlformats.org/presentationml/2006/main">
   <p:cSld>
     <p:bg>
@@ -11998,7 +12635,7 @@
 </p:sld>
 </file>
 
-<file path=ppt/slides/slide26.xml><?xml version="1.0" encoding="utf-8"?>
+<file path=ppt/slides/slide28.xml><?xml version="1.0" encoding="utf-8"?>
 <p:sld xmlns:a="http://schemas.openxmlformats.org/drawingml/2006/main" xmlns:r="http://schemas.openxmlformats.org/officeDocument/2006/relationships" xmlns:p="http://schemas.openxmlformats.org/presentationml/2006/main">
   <p:cSld>
     <p:spTree>
@@ -12296,7 +12933,7 @@
 </p:sld>
 </file>
 
-<file path=ppt/slides/slide27.xml><?xml version="1.0" encoding="utf-8"?>
+<file path=ppt/slides/slide29.xml><?xml version="1.0" encoding="utf-8"?>
 <p:sld xmlns:a="http://schemas.openxmlformats.org/drawingml/2006/main" xmlns:r="http://schemas.openxmlformats.org/officeDocument/2006/relationships" xmlns:p="http://schemas.openxmlformats.org/presentationml/2006/main">
   <p:cSld>
     <p:spTree>
@@ -12894,7 +13531,709 @@
 </p:sld>
 </file>
 
-<file path=ppt/slides/slide28.xml><?xml version="1.0" encoding="utf-8"?>
+<file path=ppt/slides/slide3.xml><?xml version="1.0" encoding="utf-8"?>
+<p:sld xmlns:a="http://schemas.openxmlformats.org/drawingml/2006/main" xmlns:r="http://schemas.openxmlformats.org/officeDocument/2006/relationships" xmlns:p="http://schemas.openxmlformats.org/presentationml/2006/main">
+  <p:cSld>
+    <p:bg>
+      <p:bgPr>
+        <a:solidFill>
+          <a:schemeClr val="bg1"/>
+        </a:solidFill>
+        <a:effectLst/>
+      </p:bgPr>
+    </p:bg>
+    <p:spTree>
+      <p:nvGrpSpPr>
+        <p:cNvPr id="1" name=""/>
+        <p:cNvGrpSpPr/>
+        <p:nvPr/>
+      </p:nvGrpSpPr>
+      <p:grpSpPr>
+        <a:xfrm>
+          <a:off x="0" y="0"/>
+          <a:ext cx="0" cy="0"/>
+          <a:chOff x="0" y="0"/>
+          <a:chExt cx="0" cy="0"/>
+        </a:xfrm>
+      </p:grpSpPr>
+      <p:sp>
+        <p:nvSpPr>
+          <p:cNvPr id="2" name="Title 1"/>
+          <p:cNvSpPr>
+            <a:spLocks noGrp="1"/>
+          </p:cNvSpPr>
+          <p:nvPr>
+            <p:ph type="title"/>
+          </p:nvPr>
+        </p:nvSpPr>
+        <p:spPr>
+          <a:xfrm>
+            <a:off x="655320" y="365125"/>
+            <a:ext cx="5120114" cy="1692794"/>
+          </a:xfrm>
+        </p:spPr>
+        <p:txBody>
+          <a:bodyPr>
+            <a:normAutofit/>
+          </a:bodyPr>
+          <a:lstStyle/>
+          <a:p>
+            <a:r>
+              <a:rPr lang="en-IE"/>
+              <a:t>Databases in Enterprise Apps</a:t>
+            </a:r>
+            <a:endParaRPr lang="en-US"/>
+          </a:p>
+        </p:txBody>
+      </p:sp>
+      <p:cxnSp>
+        <p:nvCxnSpPr>
+          <p:cNvPr id="22" name="Straight Arrow Connector 24">
+            <a:extLst>
+              <a:ext uri="{FF2B5EF4-FFF2-40B4-BE49-F238E27FC236}">
+                <a16:creationId xmlns:a16="http://schemas.microsoft.com/office/drawing/2014/main" id="{E4A809D5-3600-46D4-A466-67F2349A54FB}"/>
+              </a:ext>
+              <a:ext uri="{C183D7F6-B498-43B3-948B-1728B52AA6E4}">
+                <adec:decorative xmlns:adec="http://schemas.microsoft.com/office/drawing/2017/decorative" val="1"/>
+              </a:ext>
+            </a:extLst>
+          </p:cNvPr>
+          <p:cNvCxnSpPr>
+            <a:cxnSpLocks noGrp="1" noRot="1" noChangeAspect="1" noMove="1" noResize="1" noEditPoints="1" noAdjustHandles="1" noChangeArrowheads="1" noChangeShapeType="1"/>
+          </p:cNvCxnSpPr>
+          <p:nvPr>
+            <p:extLst>
+              <p:ext uri="{386F3935-93C4-4BCD-93E2-E3B085C9AB24}">
+                <p16:designElem xmlns:p16="http://schemas.microsoft.com/office/powerpoint/2015/main" val="1"/>
+              </p:ext>
+            </p:extLst>
+          </p:nvPr>
+        </p:nvCxnSpPr>
+        <p:spPr>
+          <a:xfrm>
+            <a:off x="655320" y="2316480"/>
+            <a:ext cx="4572000" cy="0"/>
+          </a:xfrm>
+          <a:prstGeom prst="straightConnector1">
+            <a:avLst/>
+          </a:prstGeom>
+          <a:ln w="19050" cap="sq">
+            <a:solidFill>
+              <a:schemeClr val="tx1"/>
+            </a:solidFill>
+            <a:tailEnd type="none"/>
+          </a:ln>
+        </p:spPr>
+        <p:style>
+          <a:lnRef idx="1">
+            <a:schemeClr val="accent1"/>
+          </a:lnRef>
+          <a:fillRef idx="0">
+            <a:schemeClr val="accent1"/>
+          </a:fillRef>
+          <a:effectRef idx="0">
+            <a:schemeClr val="accent1"/>
+          </a:effectRef>
+          <a:fontRef idx="minor">
+            <a:schemeClr val="tx1"/>
+          </a:fontRef>
+        </p:style>
+      </p:cxnSp>
+      <p:sp>
+        <p:nvSpPr>
+          <p:cNvPr id="3" name="Content Placeholder 2"/>
+          <p:cNvSpPr>
+            <a:spLocks noGrp="1"/>
+          </p:cNvSpPr>
+          <p:nvPr>
+            <p:ph idx="1"/>
+          </p:nvPr>
+        </p:nvSpPr>
+        <p:spPr>
+          <a:xfrm>
+            <a:off x="655321" y="2575034"/>
+            <a:ext cx="5120113" cy="3462228"/>
+          </a:xfrm>
+        </p:spPr>
+        <p:txBody>
+          <a:bodyPr>
+            <a:normAutofit/>
+          </a:bodyPr>
+          <a:lstStyle/>
+          <a:p>
+            <a:r>
+              <a:rPr lang="en-IE" sz="1800" dirty="0"/>
+              <a:t>Most data driven enterprise applications need a database</a:t>
+            </a:r>
+          </a:p>
+          <a:p>
+            <a:pPr lvl="1"/>
+            <a:r>
+              <a:rPr lang="en-IE" sz="1800" dirty="0"/>
+              <a:t>Persistence: storage of data</a:t>
+            </a:r>
+          </a:p>
+          <a:p>
+            <a:pPr lvl="1"/>
+            <a:r>
+              <a:rPr lang="en-IE" sz="1800" dirty="0"/>
+              <a:t>Concurrency: </a:t>
+            </a:r>
+            <a:r>
+              <a:rPr lang="en-GB" sz="1800" dirty="0"/>
+              <a:t> many applications sharing the data at once.</a:t>
+            </a:r>
+          </a:p>
+          <a:p>
+            <a:pPr lvl="1"/>
+            <a:r>
+              <a:rPr lang="en-IE" sz="1800" dirty="0"/>
+              <a:t>Integration: multiple systems using the same DB</a:t>
+            </a:r>
+          </a:p>
+          <a:p>
+            <a:r>
+              <a:rPr lang="en-IE" sz="1800" dirty="0"/>
+              <a:t>Enterprise Application DBs require backups, fail over, maintenance, capacity provisioning.</a:t>
+            </a:r>
+          </a:p>
+          <a:p>
+            <a:pPr lvl="1"/>
+            <a:r>
+              <a:rPr lang="en-IE" sz="1800" dirty="0"/>
+              <a:t>Traditionally handled by a Database Administrator (the DBA).</a:t>
+            </a:r>
+          </a:p>
+        </p:txBody>
+      </p:sp>
+      <p:pic>
+        <p:nvPicPr>
+          <p:cNvPr id="6" name="Picture 5" descr="A picture containing table, indoor&#10;&#10;Description automatically generated">
+            <a:extLst>
+              <a:ext uri="{FF2B5EF4-FFF2-40B4-BE49-F238E27FC236}">
+                <a16:creationId xmlns:a16="http://schemas.microsoft.com/office/drawing/2014/main" id="{F367067C-6485-48B2-B943-D6DD229EEAC5}"/>
+              </a:ext>
+            </a:extLst>
+          </p:cNvPr>
+          <p:cNvPicPr>
+            <a:picLocks noChangeAspect="1"/>
+          </p:cNvPicPr>
+          <p:nvPr/>
+        </p:nvPicPr>
+        <p:blipFill rotWithShape="1">
+          <a:blip r:embed="rId3">
+            <a:extLst>
+              <a:ext uri="{28A0092B-C50C-407E-A947-70E740481C1C}">
+                <a14:useLocalDpi xmlns:a14="http://schemas.microsoft.com/office/drawing/2010/main" val="0"/>
+              </a:ext>
+              <a:ext uri="{837473B0-CC2E-450A-ABE3-18F120FF3D39}">
+                <a1611:picAttrSrcUrl xmlns:a1611="http://schemas.microsoft.com/office/drawing/2016/11/main" r:id="rId4"/>
+              </a:ext>
+            </a:extLst>
+          </a:blip>
+          <a:srcRect l="7945"/>
+          <a:stretch/>
+        </p:blipFill>
+        <p:spPr>
+          <a:xfrm>
+            <a:off x="5878849" y="10"/>
+            <a:ext cx="6313150" cy="6857987"/>
+          </a:xfrm>
+          <a:custGeom>
+            <a:avLst/>
+            <a:gdLst>
+              <a:gd name="connsiteX0" fmla="*/ 65565 w 6313150"/>
+              <a:gd name="connsiteY0" fmla="*/ 0 h 6857997"/>
+              <a:gd name="connsiteX1" fmla="*/ 6313150 w 6313150"/>
+              <a:gd name="connsiteY1" fmla="*/ 0 h 6857997"/>
+              <a:gd name="connsiteX2" fmla="*/ 6313150 w 6313150"/>
+              <a:gd name="connsiteY2" fmla="*/ 6857997 h 6857997"/>
+              <a:gd name="connsiteX3" fmla="*/ 3293946 w 6313150"/>
+              <a:gd name="connsiteY3" fmla="*/ 6857997 h 6857997"/>
+              <a:gd name="connsiteX4" fmla="*/ 3235857 w 6313150"/>
+              <a:gd name="connsiteY4" fmla="*/ 6823061 h 6857997"/>
+              <a:gd name="connsiteX5" fmla="*/ 0 w 6313150"/>
+              <a:gd name="connsiteY5" fmla="*/ 951803 h 6857997"/>
+              <a:gd name="connsiteX6" fmla="*/ 31536 w 6313150"/>
+              <a:gd name="connsiteY6" fmla="*/ 285771 h 6857997"/>
+            </a:gdLst>
+            <a:ahLst/>
+            <a:cxnLst>
+              <a:cxn ang="0">
+                <a:pos x="connsiteX0" y="connsiteY0"/>
+              </a:cxn>
+              <a:cxn ang="0">
+                <a:pos x="connsiteX1" y="connsiteY1"/>
+              </a:cxn>
+              <a:cxn ang="0">
+                <a:pos x="connsiteX2" y="connsiteY2"/>
+              </a:cxn>
+              <a:cxn ang="0">
+                <a:pos x="connsiteX3" y="connsiteY3"/>
+              </a:cxn>
+              <a:cxn ang="0">
+                <a:pos x="connsiteX4" y="connsiteY4"/>
+              </a:cxn>
+              <a:cxn ang="0">
+                <a:pos x="connsiteX5" y="connsiteY5"/>
+              </a:cxn>
+              <a:cxn ang="0">
+                <a:pos x="connsiteX6" y="connsiteY6"/>
+              </a:cxn>
+            </a:cxnLst>
+            <a:rect l="l" t="t" r="r" b="b"/>
+            <a:pathLst>
+              <a:path w="6313150" h="6857997">
+                <a:moveTo>
+                  <a:pt x="65565" y="0"/>
+                </a:moveTo>
+                <a:lnTo>
+                  <a:pt x="6313150" y="0"/>
+                </a:lnTo>
+                <a:lnTo>
+                  <a:pt x="6313150" y="6857997"/>
+                </a:lnTo>
+                <a:lnTo>
+                  <a:pt x="3293946" y="6857997"/>
+                </a:lnTo>
+                <a:lnTo>
+                  <a:pt x="3235857" y="6823061"/>
+                </a:lnTo>
+                <a:cubicBezTo>
+                  <a:pt x="1291240" y="5592803"/>
+                  <a:pt x="0" y="3423096"/>
+                  <a:pt x="0" y="951803"/>
+                </a:cubicBezTo>
+                <a:cubicBezTo>
+                  <a:pt x="0" y="727140"/>
+                  <a:pt x="10673" y="504970"/>
+                  <a:pt x="31536" y="285771"/>
+                </a:cubicBezTo>
+                <a:close/>
+              </a:path>
+            </a:pathLst>
+          </a:custGeom>
+        </p:spPr>
+      </p:pic>
+      <p:sp>
+        <p:nvSpPr>
+          <p:cNvPr id="7" name="TextBox 6">
+            <a:extLst>
+              <a:ext uri="{FF2B5EF4-FFF2-40B4-BE49-F238E27FC236}">
+                <a16:creationId xmlns:a16="http://schemas.microsoft.com/office/drawing/2014/main" id="{749A8F15-26B1-4C0A-919A-D2EBF6125321}"/>
+              </a:ext>
+            </a:extLst>
+          </p:cNvPr>
+          <p:cNvSpPr txBox="1"/>
+          <p:nvPr/>
+        </p:nvSpPr>
+        <p:spPr>
+          <a:xfrm>
+            <a:off x="10005184" y="6657945"/>
+            <a:ext cx="2186816" cy="200055"/>
+          </a:xfrm>
+          <a:prstGeom prst="rect">
+            <a:avLst/>
+          </a:prstGeom>
+          <a:solidFill>
+            <a:srgbClr val="000000"/>
+          </a:solidFill>
+        </p:spPr>
+        <p:txBody>
+          <a:bodyPr wrap="none" rtlCol="0">
+            <a:spAutoFit/>
+          </a:bodyPr>
+          <a:lstStyle/>
+          <a:p>
+            <a:pPr algn="r">
+              <a:spcAft>
+                <a:spcPts val="600"/>
+              </a:spcAft>
+            </a:pPr>
+            <a:r>
+              <a:rPr lang="en-IE" sz="700">
+                <a:solidFill>
+                  <a:srgbClr val="FFFFFF"/>
+                </a:solidFill>
+                <a:hlinkClick r:id="rId4" tooltip="http://barrymieny.deviantart.com/art/layered-database-source-documents-348798124">
+                  <a:extLst>
+                    <a:ext uri="{A12FA001-AC4F-418D-AE19-62706E023703}">
+                      <ahyp:hlinkClr xmlns:ahyp="http://schemas.microsoft.com/office/drawing/2018/hyperlinkcolor" val="tx"/>
+                    </a:ext>
+                  </a:extLst>
+                </a:hlinkClick>
+              </a:rPr>
+              <a:t>This Photo</a:t>
+            </a:r>
+            <a:r>
+              <a:rPr lang="en-IE" sz="700">
+                <a:solidFill>
+                  <a:srgbClr val="FFFFFF"/>
+                </a:solidFill>
+              </a:rPr>
+              <a:t> by Unknown Author is licensed under </a:t>
+            </a:r>
+            <a:r>
+              <a:rPr lang="en-IE" sz="700">
+                <a:solidFill>
+                  <a:srgbClr val="FFFFFF"/>
+                </a:solidFill>
+                <a:hlinkClick r:id="rId5" tooltip="https://creativecommons.org/licenses/by/3.0/">
+                  <a:extLst>
+                    <a:ext uri="{A12FA001-AC4F-418D-AE19-62706E023703}">
+                      <ahyp:hlinkClr xmlns:ahyp="http://schemas.microsoft.com/office/drawing/2018/hyperlinkcolor" val="tx"/>
+                    </a:ext>
+                  </a:extLst>
+                </a:hlinkClick>
+              </a:rPr>
+              <a:t>CC BY</a:t>
+            </a:r>
+            <a:endParaRPr lang="en-IE" sz="700">
+              <a:solidFill>
+                <a:srgbClr val="FFFFFF"/>
+              </a:solidFill>
+            </a:endParaRPr>
+          </a:p>
+        </p:txBody>
+      </p:sp>
+    </p:spTree>
+    <p:extLst>
+      <p:ext uri="{BB962C8B-B14F-4D97-AF65-F5344CB8AC3E}">
+        <p14:creationId xmlns:p14="http://schemas.microsoft.com/office/powerpoint/2010/main" val="2319016509"/>
+      </p:ext>
+    </p:extLst>
+  </p:cSld>
+  <p:clrMapOvr>
+    <a:masterClrMapping/>
+  </p:clrMapOvr>
+  <p:timing>
+    <p:tnLst>
+      <p:par>
+        <p:cTn id="1" dur="indefinite" restart="never" nodeType="tmRoot">
+          <p:childTnLst>
+            <p:seq concurrent="1" nextAc="seek">
+              <p:cTn id="2" dur="indefinite" nodeType="mainSeq">
+                <p:childTnLst>
+                  <p:par>
+                    <p:cTn id="3" fill="hold">
+                      <p:stCondLst>
+                        <p:cond delay="indefinite"/>
+                      </p:stCondLst>
+                      <p:childTnLst>
+                        <p:par>
+                          <p:cTn id="4" fill="hold">
+                            <p:stCondLst>
+                              <p:cond delay="0"/>
+                            </p:stCondLst>
+                            <p:childTnLst>
+                              <p:par>
+                                <p:cTn id="5" presetID="10" presetClass="entr" presetSubtype="0" fill="hold" nodeType="clickEffect">
+                                  <p:stCondLst>
+                                    <p:cond delay="0"/>
+                                  </p:stCondLst>
+                                  <p:childTnLst>
+                                    <p:set>
+                                      <p:cBhvr>
+                                        <p:cTn id="6" dur="1" fill="hold">
+                                          <p:stCondLst>
+                                            <p:cond delay="0"/>
+                                          </p:stCondLst>
+                                        </p:cTn>
+                                        <p:tgtEl>
+                                          <p:spTgt spid="3">
+                                            <p:txEl>
+                                              <p:pRg st="0" end="0"/>
+                                            </p:txEl>
+                                          </p:spTgt>
+                                        </p:tgtEl>
+                                        <p:attrNameLst>
+                                          <p:attrName>style.visibility</p:attrName>
+                                        </p:attrNameLst>
+                                      </p:cBhvr>
+                                      <p:to>
+                                        <p:strVal val="visible"/>
+                                      </p:to>
+                                    </p:set>
+                                    <p:animEffect transition="in" filter="fade">
+                                      <p:cBhvr>
+                                        <p:cTn id="7" dur="500"/>
+                                        <p:tgtEl>
+                                          <p:spTgt spid="3">
+                                            <p:txEl>
+                                              <p:pRg st="0" end="0"/>
+                                            </p:txEl>
+                                          </p:spTgt>
+                                        </p:tgtEl>
+                                      </p:cBhvr>
+                                    </p:animEffect>
+                                  </p:childTnLst>
+                                </p:cTn>
+                              </p:par>
+                              <p:par>
+                                <p:cTn id="8" presetID="10" presetClass="entr" presetSubtype="0" fill="hold" nodeType="withEffect">
+                                  <p:stCondLst>
+                                    <p:cond delay="0"/>
+                                  </p:stCondLst>
+                                  <p:childTnLst>
+                                    <p:set>
+                                      <p:cBhvr>
+                                        <p:cTn id="9" dur="1" fill="hold">
+                                          <p:stCondLst>
+                                            <p:cond delay="0"/>
+                                          </p:stCondLst>
+                                        </p:cTn>
+                                        <p:tgtEl>
+                                          <p:spTgt spid="3">
+                                            <p:txEl>
+                                              <p:pRg st="1" end="1"/>
+                                            </p:txEl>
+                                          </p:spTgt>
+                                        </p:tgtEl>
+                                        <p:attrNameLst>
+                                          <p:attrName>style.visibility</p:attrName>
+                                        </p:attrNameLst>
+                                      </p:cBhvr>
+                                      <p:to>
+                                        <p:strVal val="visible"/>
+                                      </p:to>
+                                    </p:set>
+                                    <p:animEffect transition="in" filter="fade">
+                                      <p:cBhvr>
+                                        <p:cTn id="10" dur="500"/>
+                                        <p:tgtEl>
+                                          <p:spTgt spid="3">
+                                            <p:txEl>
+                                              <p:pRg st="1" end="1"/>
+                                            </p:txEl>
+                                          </p:spTgt>
+                                        </p:tgtEl>
+                                      </p:cBhvr>
+                                    </p:animEffect>
+                                  </p:childTnLst>
+                                </p:cTn>
+                              </p:par>
+                              <p:par>
+                                <p:cTn id="11" presetID="10" presetClass="entr" presetSubtype="0" fill="hold" nodeType="withEffect">
+                                  <p:stCondLst>
+                                    <p:cond delay="0"/>
+                                  </p:stCondLst>
+                                  <p:childTnLst>
+                                    <p:set>
+                                      <p:cBhvr>
+                                        <p:cTn id="12" dur="1" fill="hold">
+                                          <p:stCondLst>
+                                            <p:cond delay="0"/>
+                                          </p:stCondLst>
+                                        </p:cTn>
+                                        <p:tgtEl>
+                                          <p:spTgt spid="3">
+                                            <p:txEl>
+                                              <p:pRg st="2" end="2"/>
+                                            </p:txEl>
+                                          </p:spTgt>
+                                        </p:tgtEl>
+                                        <p:attrNameLst>
+                                          <p:attrName>style.visibility</p:attrName>
+                                        </p:attrNameLst>
+                                      </p:cBhvr>
+                                      <p:to>
+                                        <p:strVal val="visible"/>
+                                      </p:to>
+                                    </p:set>
+                                    <p:animEffect transition="in" filter="fade">
+                                      <p:cBhvr>
+                                        <p:cTn id="13" dur="500"/>
+                                        <p:tgtEl>
+                                          <p:spTgt spid="3">
+                                            <p:txEl>
+                                              <p:pRg st="2" end="2"/>
+                                            </p:txEl>
+                                          </p:spTgt>
+                                        </p:tgtEl>
+                                      </p:cBhvr>
+                                    </p:animEffect>
+                                  </p:childTnLst>
+                                </p:cTn>
+                              </p:par>
+                              <p:par>
+                                <p:cTn id="14" presetID="10" presetClass="entr" presetSubtype="0" fill="hold" nodeType="withEffect">
+                                  <p:stCondLst>
+                                    <p:cond delay="0"/>
+                                  </p:stCondLst>
+                                  <p:childTnLst>
+                                    <p:set>
+                                      <p:cBhvr>
+                                        <p:cTn id="15" dur="1" fill="hold">
+                                          <p:stCondLst>
+                                            <p:cond delay="0"/>
+                                          </p:stCondLst>
+                                        </p:cTn>
+                                        <p:tgtEl>
+                                          <p:spTgt spid="3">
+                                            <p:txEl>
+                                              <p:pRg st="3" end="3"/>
+                                            </p:txEl>
+                                          </p:spTgt>
+                                        </p:tgtEl>
+                                        <p:attrNameLst>
+                                          <p:attrName>style.visibility</p:attrName>
+                                        </p:attrNameLst>
+                                      </p:cBhvr>
+                                      <p:to>
+                                        <p:strVal val="visible"/>
+                                      </p:to>
+                                    </p:set>
+                                    <p:animEffect transition="in" filter="fade">
+                                      <p:cBhvr>
+                                        <p:cTn id="16" dur="500"/>
+                                        <p:tgtEl>
+                                          <p:spTgt spid="3">
+                                            <p:txEl>
+                                              <p:pRg st="3" end="3"/>
+                                            </p:txEl>
+                                          </p:spTgt>
+                                        </p:tgtEl>
+                                      </p:cBhvr>
+                                    </p:animEffect>
+                                  </p:childTnLst>
+                                </p:cTn>
+                              </p:par>
+                            </p:childTnLst>
+                          </p:cTn>
+                        </p:par>
+                      </p:childTnLst>
+                    </p:cTn>
+                  </p:par>
+                  <p:par>
+                    <p:cTn id="17" fill="hold">
+                      <p:stCondLst>
+                        <p:cond delay="indefinite"/>
+                      </p:stCondLst>
+                      <p:childTnLst>
+                        <p:par>
+                          <p:cTn id="18" fill="hold">
+                            <p:stCondLst>
+                              <p:cond delay="0"/>
+                            </p:stCondLst>
+                            <p:childTnLst>
+                              <p:par>
+                                <p:cTn id="19" presetID="10" presetClass="entr" presetSubtype="0" fill="hold" nodeType="clickEffect">
+                                  <p:stCondLst>
+                                    <p:cond delay="0"/>
+                                  </p:stCondLst>
+                                  <p:childTnLst>
+                                    <p:set>
+                                      <p:cBhvr>
+                                        <p:cTn id="20" dur="1" fill="hold">
+                                          <p:stCondLst>
+                                            <p:cond delay="0"/>
+                                          </p:stCondLst>
+                                        </p:cTn>
+                                        <p:tgtEl>
+                                          <p:spTgt spid="3">
+                                            <p:txEl>
+                                              <p:pRg st="4" end="4"/>
+                                            </p:txEl>
+                                          </p:spTgt>
+                                        </p:tgtEl>
+                                        <p:attrNameLst>
+                                          <p:attrName>style.visibility</p:attrName>
+                                        </p:attrNameLst>
+                                      </p:cBhvr>
+                                      <p:to>
+                                        <p:strVal val="visible"/>
+                                      </p:to>
+                                    </p:set>
+                                    <p:animEffect transition="in" filter="fade">
+                                      <p:cBhvr>
+                                        <p:cTn id="21" dur="500"/>
+                                        <p:tgtEl>
+                                          <p:spTgt spid="3">
+                                            <p:txEl>
+                                              <p:pRg st="4" end="4"/>
+                                            </p:txEl>
+                                          </p:spTgt>
+                                        </p:tgtEl>
+                                      </p:cBhvr>
+                                    </p:animEffect>
+                                  </p:childTnLst>
+                                </p:cTn>
+                              </p:par>
+                              <p:par>
+                                <p:cTn id="22" presetID="10" presetClass="entr" presetSubtype="0" fill="hold" nodeType="withEffect">
+                                  <p:stCondLst>
+                                    <p:cond delay="0"/>
+                                  </p:stCondLst>
+                                  <p:childTnLst>
+                                    <p:set>
+                                      <p:cBhvr>
+                                        <p:cTn id="23" dur="1" fill="hold">
+                                          <p:stCondLst>
+                                            <p:cond delay="0"/>
+                                          </p:stCondLst>
+                                        </p:cTn>
+                                        <p:tgtEl>
+                                          <p:spTgt spid="3">
+                                            <p:txEl>
+                                              <p:pRg st="5" end="5"/>
+                                            </p:txEl>
+                                          </p:spTgt>
+                                        </p:tgtEl>
+                                        <p:attrNameLst>
+                                          <p:attrName>style.visibility</p:attrName>
+                                        </p:attrNameLst>
+                                      </p:cBhvr>
+                                      <p:to>
+                                        <p:strVal val="visible"/>
+                                      </p:to>
+                                    </p:set>
+                                    <p:animEffect transition="in" filter="fade">
+                                      <p:cBhvr>
+                                        <p:cTn id="24" dur="500"/>
+                                        <p:tgtEl>
+                                          <p:spTgt spid="3">
+                                            <p:txEl>
+                                              <p:pRg st="5" end="5"/>
+                                            </p:txEl>
+                                          </p:spTgt>
+                                        </p:tgtEl>
+                                      </p:cBhvr>
+                                    </p:animEffect>
+                                  </p:childTnLst>
+                                </p:cTn>
+                              </p:par>
+                            </p:childTnLst>
+                          </p:cTn>
+                        </p:par>
+                      </p:childTnLst>
+                    </p:cTn>
+                  </p:par>
+                </p:childTnLst>
+              </p:cTn>
+              <p:prevCondLst>
+                <p:cond evt="onPrev" delay="0">
+                  <p:tgtEl>
+                    <p:sldTgt/>
+                  </p:tgtEl>
+                </p:cond>
+              </p:prevCondLst>
+              <p:nextCondLst>
+                <p:cond evt="onNext" delay="0">
+                  <p:tgtEl>
+                    <p:sldTgt/>
+                  </p:tgtEl>
+                </p:cond>
+              </p:nextCondLst>
+            </p:seq>
+          </p:childTnLst>
+        </p:cTn>
+      </p:par>
+    </p:tnLst>
+  </p:timing>
+</p:sld>
+</file>
+
+<file path=ppt/slides/slide30.xml><?xml version="1.0" encoding="utf-8"?>
 <p:sld xmlns:a="http://schemas.openxmlformats.org/drawingml/2006/main" xmlns:r="http://schemas.openxmlformats.org/officeDocument/2006/relationships" xmlns:p="http://schemas.openxmlformats.org/presentationml/2006/main">
   <p:cSld>
     <p:spTree>
@@ -13193,7 +14532,7 @@
 </p:sld>
 </file>
 
-<file path=ppt/slides/slide29.xml><?xml version="1.0" encoding="utf-8"?>
+<file path=ppt/slides/slide31.xml><?xml version="1.0" encoding="utf-8"?>
 <p:sld xmlns:a="http://schemas.openxmlformats.org/drawingml/2006/main" xmlns:r="http://schemas.openxmlformats.org/officeDocument/2006/relationships" xmlns:p="http://schemas.openxmlformats.org/presentationml/2006/main">
   <p:cSld>
     <p:spTree>
@@ -13492,709 +14831,7 @@
 </p:sld>
 </file>
 
-<file path=ppt/slides/slide3.xml><?xml version="1.0" encoding="utf-8"?>
-<p:sld xmlns:a="http://schemas.openxmlformats.org/drawingml/2006/main" xmlns:r="http://schemas.openxmlformats.org/officeDocument/2006/relationships" xmlns:p="http://schemas.openxmlformats.org/presentationml/2006/main">
-  <p:cSld>
-    <p:bg>
-      <p:bgPr>
-        <a:solidFill>
-          <a:schemeClr val="bg1"/>
-        </a:solidFill>
-        <a:effectLst/>
-      </p:bgPr>
-    </p:bg>
-    <p:spTree>
-      <p:nvGrpSpPr>
-        <p:cNvPr id="1" name=""/>
-        <p:cNvGrpSpPr/>
-        <p:nvPr/>
-      </p:nvGrpSpPr>
-      <p:grpSpPr>
-        <a:xfrm>
-          <a:off x="0" y="0"/>
-          <a:ext cx="0" cy="0"/>
-          <a:chOff x="0" y="0"/>
-          <a:chExt cx="0" cy="0"/>
-        </a:xfrm>
-      </p:grpSpPr>
-      <p:sp>
-        <p:nvSpPr>
-          <p:cNvPr id="2" name="Title 1"/>
-          <p:cNvSpPr>
-            <a:spLocks noGrp="1"/>
-          </p:cNvSpPr>
-          <p:nvPr>
-            <p:ph type="title"/>
-          </p:nvPr>
-        </p:nvSpPr>
-        <p:spPr>
-          <a:xfrm>
-            <a:off x="655320" y="365125"/>
-            <a:ext cx="5120114" cy="1692794"/>
-          </a:xfrm>
-        </p:spPr>
-        <p:txBody>
-          <a:bodyPr>
-            <a:normAutofit/>
-          </a:bodyPr>
-          <a:lstStyle/>
-          <a:p>
-            <a:r>
-              <a:rPr lang="en-IE"/>
-              <a:t>Databases in Enterprise Apps</a:t>
-            </a:r>
-            <a:endParaRPr lang="en-US"/>
-          </a:p>
-        </p:txBody>
-      </p:sp>
-      <p:cxnSp>
-        <p:nvCxnSpPr>
-          <p:cNvPr id="22" name="Straight Arrow Connector 24">
-            <a:extLst>
-              <a:ext uri="{FF2B5EF4-FFF2-40B4-BE49-F238E27FC236}">
-                <a16:creationId xmlns:a16="http://schemas.microsoft.com/office/drawing/2014/main" id="{E4A809D5-3600-46D4-A466-67F2349A54FB}"/>
-              </a:ext>
-              <a:ext uri="{C183D7F6-B498-43B3-948B-1728B52AA6E4}">
-                <adec:decorative xmlns:adec="http://schemas.microsoft.com/office/drawing/2017/decorative" val="1"/>
-              </a:ext>
-            </a:extLst>
-          </p:cNvPr>
-          <p:cNvCxnSpPr>
-            <a:cxnSpLocks noGrp="1" noRot="1" noChangeAspect="1" noMove="1" noResize="1" noEditPoints="1" noAdjustHandles="1" noChangeArrowheads="1" noChangeShapeType="1"/>
-          </p:cNvCxnSpPr>
-          <p:nvPr>
-            <p:extLst>
-              <p:ext uri="{386F3935-93C4-4BCD-93E2-E3B085C9AB24}">
-                <p16:designElem xmlns:p16="http://schemas.microsoft.com/office/powerpoint/2015/main" val="1"/>
-              </p:ext>
-            </p:extLst>
-          </p:nvPr>
-        </p:nvCxnSpPr>
-        <p:spPr>
-          <a:xfrm>
-            <a:off x="655320" y="2316480"/>
-            <a:ext cx="4572000" cy="0"/>
-          </a:xfrm>
-          <a:prstGeom prst="straightConnector1">
-            <a:avLst/>
-          </a:prstGeom>
-          <a:ln w="19050" cap="sq">
-            <a:solidFill>
-              <a:schemeClr val="tx1"/>
-            </a:solidFill>
-            <a:tailEnd type="none"/>
-          </a:ln>
-        </p:spPr>
-        <p:style>
-          <a:lnRef idx="1">
-            <a:schemeClr val="accent1"/>
-          </a:lnRef>
-          <a:fillRef idx="0">
-            <a:schemeClr val="accent1"/>
-          </a:fillRef>
-          <a:effectRef idx="0">
-            <a:schemeClr val="accent1"/>
-          </a:effectRef>
-          <a:fontRef idx="minor">
-            <a:schemeClr val="tx1"/>
-          </a:fontRef>
-        </p:style>
-      </p:cxnSp>
-      <p:sp>
-        <p:nvSpPr>
-          <p:cNvPr id="3" name="Content Placeholder 2"/>
-          <p:cNvSpPr>
-            <a:spLocks noGrp="1"/>
-          </p:cNvSpPr>
-          <p:nvPr>
-            <p:ph idx="1"/>
-          </p:nvPr>
-        </p:nvSpPr>
-        <p:spPr>
-          <a:xfrm>
-            <a:off x="655321" y="2575034"/>
-            <a:ext cx="5120113" cy="3462228"/>
-          </a:xfrm>
-        </p:spPr>
-        <p:txBody>
-          <a:bodyPr>
-            <a:normAutofit/>
-          </a:bodyPr>
-          <a:lstStyle/>
-          <a:p>
-            <a:r>
-              <a:rPr lang="en-IE" sz="1800" dirty="0"/>
-              <a:t>Most data driven enterprise applications need a database</a:t>
-            </a:r>
-          </a:p>
-          <a:p>
-            <a:pPr lvl="1"/>
-            <a:r>
-              <a:rPr lang="en-IE" sz="1800" dirty="0"/>
-              <a:t>Persistence: storage of data</a:t>
-            </a:r>
-          </a:p>
-          <a:p>
-            <a:pPr lvl="1"/>
-            <a:r>
-              <a:rPr lang="en-IE" sz="1800" dirty="0"/>
-              <a:t>Concurrency: </a:t>
-            </a:r>
-            <a:r>
-              <a:rPr lang="en-GB" sz="1800" dirty="0"/>
-              <a:t> many applications sharing the data at once.</a:t>
-            </a:r>
-          </a:p>
-          <a:p>
-            <a:pPr lvl="1"/>
-            <a:r>
-              <a:rPr lang="en-IE" sz="1800" dirty="0"/>
-              <a:t>Integration: multiple systems using the same DB</a:t>
-            </a:r>
-          </a:p>
-          <a:p>
-            <a:r>
-              <a:rPr lang="en-IE" sz="1800" dirty="0"/>
-              <a:t>Enterprise Application DBs require backups, fail over, maintenance, capacity provisioning.</a:t>
-            </a:r>
-          </a:p>
-          <a:p>
-            <a:pPr lvl="1"/>
-            <a:r>
-              <a:rPr lang="en-IE" sz="1800" dirty="0"/>
-              <a:t>Traditionally handled by a Database Administrator (the DBA).</a:t>
-            </a:r>
-          </a:p>
-        </p:txBody>
-      </p:sp>
-      <p:pic>
-        <p:nvPicPr>
-          <p:cNvPr id="6" name="Picture 5" descr="A picture containing table, indoor&#10;&#10;Description automatically generated">
-            <a:extLst>
-              <a:ext uri="{FF2B5EF4-FFF2-40B4-BE49-F238E27FC236}">
-                <a16:creationId xmlns:a16="http://schemas.microsoft.com/office/drawing/2014/main" id="{F367067C-6485-48B2-B943-D6DD229EEAC5}"/>
-              </a:ext>
-            </a:extLst>
-          </p:cNvPr>
-          <p:cNvPicPr>
-            <a:picLocks noChangeAspect="1"/>
-          </p:cNvPicPr>
-          <p:nvPr/>
-        </p:nvPicPr>
-        <p:blipFill rotWithShape="1">
-          <a:blip r:embed="rId3">
-            <a:extLst>
-              <a:ext uri="{28A0092B-C50C-407E-A947-70E740481C1C}">
-                <a14:useLocalDpi xmlns:a14="http://schemas.microsoft.com/office/drawing/2010/main" val="0"/>
-              </a:ext>
-              <a:ext uri="{837473B0-CC2E-450A-ABE3-18F120FF3D39}">
-                <a1611:picAttrSrcUrl xmlns:a1611="http://schemas.microsoft.com/office/drawing/2016/11/main" r:id="rId4"/>
-              </a:ext>
-            </a:extLst>
-          </a:blip>
-          <a:srcRect l="7945"/>
-          <a:stretch/>
-        </p:blipFill>
-        <p:spPr>
-          <a:xfrm>
-            <a:off x="5878849" y="10"/>
-            <a:ext cx="6313150" cy="6857987"/>
-          </a:xfrm>
-          <a:custGeom>
-            <a:avLst/>
-            <a:gdLst>
-              <a:gd name="connsiteX0" fmla="*/ 65565 w 6313150"/>
-              <a:gd name="connsiteY0" fmla="*/ 0 h 6857997"/>
-              <a:gd name="connsiteX1" fmla="*/ 6313150 w 6313150"/>
-              <a:gd name="connsiteY1" fmla="*/ 0 h 6857997"/>
-              <a:gd name="connsiteX2" fmla="*/ 6313150 w 6313150"/>
-              <a:gd name="connsiteY2" fmla="*/ 6857997 h 6857997"/>
-              <a:gd name="connsiteX3" fmla="*/ 3293946 w 6313150"/>
-              <a:gd name="connsiteY3" fmla="*/ 6857997 h 6857997"/>
-              <a:gd name="connsiteX4" fmla="*/ 3235857 w 6313150"/>
-              <a:gd name="connsiteY4" fmla="*/ 6823061 h 6857997"/>
-              <a:gd name="connsiteX5" fmla="*/ 0 w 6313150"/>
-              <a:gd name="connsiteY5" fmla="*/ 951803 h 6857997"/>
-              <a:gd name="connsiteX6" fmla="*/ 31536 w 6313150"/>
-              <a:gd name="connsiteY6" fmla="*/ 285771 h 6857997"/>
-            </a:gdLst>
-            <a:ahLst/>
-            <a:cxnLst>
-              <a:cxn ang="0">
-                <a:pos x="connsiteX0" y="connsiteY0"/>
-              </a:cxn>
-              <a:cxn ang="0">
-                <a:pos x="connsiteX1" y="connsiteY1"/>
-              </a:cxn>
-              <a:cxn ang="0">
-                <a:pos x="connsiteX2" y="connsiteY2"/>
-              </a:cxn>
-              <a:cxn ang="0">
-                <a:pos x="connsiteX3" y="connsiteY3"/>
-              </a:cxn>
-              <a:cxn ang="0">
-                <a:pos x="connsiteX4" y="connsiteY4"/>
-              </a:cxn>
-              <a:cxn ang="0">
-                <a:pos x="connsiteX5" y="connsiteY5"/>
-              </a:cxn>
-              <a:cxn ang="0">
-                <a:pos x="connsiteX6" y="connsiteY6"/>
-              </a:cxn>
-            </a:cxnLst>
-            <a:rect l="l" t="t" r="r" b="b"/>
-            <a:pathLst>
-              <a:path w="6313150" h="6857997">
-                <a:moveTo>
-                  <a:pt x="65565" y="0"/>
-                </a:moveTo>
-                <a:lnTo>
-                  <a:pt x="6313150" y="0"/>
-                </a:lnTo>
-                <a:lnTo>
-                  <a:pt x="6313150" y="6857997"/>
-                </a:lnTo>
-                <a:lnTo>
-                  <a:pt x="3293946" y="6857997"/>
-                </a:lnTo>
-                <a:lnTo>
-                  <a:pt x="3235857" y="6823061"/>
-                </a:lnTo>
-                <a:cubicBezTo>
-                  <a:pt x="1291240" y="5592803"/>
-                  <a:pt x="0" y="3423096"/>
-                  <a:pt x="0" y="951803"/>
-                </a:cubicBezTo>
-                <a:cubicBezTo>
-                  <a:pt x="0" y="727140"/>
-                  <a:pt x="10673" y="504970"/>
-                  <a:pt x="31536" y="285771"/>
-                </a:cubicBezTo>
-                <a:close/>
-              </a:path>
-            </a:pathLst>
-          </a:custGeom>
-        </p:spPr>
-      </p:pic>
-      <p:sp>
-        <p:nvSpPr>
-          <p:cNvPr id="7" name="TextBox 6">
-            <a:extLst>
-              <a:ext uri="{FF2B5EF4-FFF2-40B4-BE49-F238E27FC236}">
-                <a16:creationId xmlns:a16="http://schemas.microsoft.com/office/drawing/2014/main" id="{749A8F15-26B1-4C0A-919A-D2EBF6125321}"/>
-              </a:ext>
-            </a:extLst>
-          </p:cNvPr>
-          <p:cNvSpPr txBox="1"/>
-          <p:nvPr/>
-        </p:nvSpPr>
-        <p:spPr>
-          <a:xfrm>
-            <a:off x="10005184" y="6657945"/>
-            <a:ext cx="2186816" cy="200055"/>
-          </a:xfrm>
-          <a:prstGeom prst="rect">
-            <a:avLst/>
-          </a:prstGeom>
-          <a:solidFill>
-            <a:srgbClr val="000000"/>
-          </a:solidFill>
-        </p:spPr>
-        <p:txBody>
-          <a:bodyPr wrap="none" rtlCol="0">
-            <a:spAutoFit/>
-          </a:bodyPr>
-          <a:lstStyle/>
-          <a:p>
-            <a:pPr algn="r">
-              <a:spcAft>
-                <a:spcPts val="600"/>
-              </a:spcAft>
-            </a:pPr>
-            <a:r>
-              <a:rPr lang="en-IE" sz="700">
-                <a:solidFill>
-                  <a:srgbClr val="FFFFFF"/>
-                </a:solidFill>
-                <a:hlinkClick r:id="rId4" tooltip="http://barrymieny.deviantart.com/art/layered-database-source-documents-348798124">
-                  <a:extLst>
-                    <a:ext uri="{A12FA001-AC4F-418D-AE19-62706E023703}">
-                      <ahyp:hlinkClr xmlns:ahyp="http://schemas.microsoft.com/office/drawing/2018/hyperlinkcolor" val="tx"/>
-                    </a:ext>
-                  </a:extLst>
-                </a:hlinkClick>
-              </a:rPr>
-              <a:t>This Photo</a:t>
-            </a:r>
-            <a:r>
-              <a:rPr lang="en-IE" sz="700">
-                <a:solidFill>
-                  <a:srgbClr val="FFFFFF"/>
-                </a:solidFill>
-              </a:rPr>
-              <a:t> by Unknown Author is licensed under </a:t>
-            </a:r>
-            <a:r>
-              <a:rPr lang="en-IE" sz="700">
-                <a:solidFill>
-                  <a:srgbClr val="FFFFFF"/>
-                </a:solidFill>
-                <a:hlinkClick r:id="rId5" tooltip="https://creativecommons.org/licenses/by/3.0/">
-                  <a:extLst>
-                    <a:ext uri="{A12FA001-AC4F-418D-AE19-62706E023703}">
-                      <ahyp:hlinkClr xmlns:ahyp="http://schemas.microsoft.com/office/drawing/2018/hyperlinkcolor" val="tx"/>
-                    </a:ext>
-                  </a:extLst>
-                </a:hlinkClick>
-              </a:rPr>
-              <a:t>CC BY</a:t>
-            </a:r>
-            <a:endParaRPr lang="en-IE" sz="700">
-              <a:solidFill>
-                <a:srgbClr val="FFFFFF"/>
-              </a:solidFill>
-            </a:endParaRPr>
-          </a:p>
-        </p:txBody>
-      </p:sp>
-    </p:spTree>
-    <p:extLst>
-      <p:ext uri="{BB962C8B-B14F-4D97-AF65-F5344CB8AC3E}">
-        <p14:creationId xmlns:p14="http://schemas.microsoft.com/office/powerpoint/2010/main" val="2319016509"/>
-      </p:ext>
-    </p:extLst>
-  </p:cSld>
-  <p:clrMapOvr>
-    <a:masterClrMapping/>
-  </p:clrMapOvr>
-  <p:timing>
-    <p:tnLst>
-      <p:par>
-        <p:cTn id="1" dur="indefinite" restart="never" nodeType="tmRoot">
-          <p:childTnLst>
-            <p:seq concurrent="1" nextAc="seek">
-              <p:cTn id="2" dur="indefinite" nodeType="mainSeq">
-                <p:childTnLst>
-                  <p:par>
-                    <p:cTn id="3" fill="hold">
-                      <p:stCondLst>
-                        <p:cond delay="indefinite"/>
-                      </p:stCondLst>
-                      <p:childTnLst>
-                        <p:par>
-                          <p:cTn id="4" fill="hold">
-                            <p:stCondLst>
-                              <p:cond delay="0"/>
-                            </p:stCondLst>
-                            <p:childTnLst>
-                              <p:par>
-                                <p:cTn id="5" presetID="10" presetClass="entr" presetSubtype="0" fill="hold" nodeType="clickEffect">
-                                  <p:stCondLst>
-                                    <p:cond delay="0"/>
-                                  </p:stCondLst>
-                                  <p:childTnLst>
-                                    <p:set>
-                                      <p:cBhvr>
-                                        <p:cTn id="6" dur="1" fill="hold">
-                                          <p:stCondLst>
-                                            <p:cond delay="0"/>
-                                          </p:stCondLst>
-                                        </p:cTn>
-                                        <p:tgtEl>
-                                          <p:spTgt spid="3">
-                                            <p:txEl>
-                                              <p:pRg st="0" end="0"/>
-                                            </p:txEl>
-                                          </p:spTgt>
-                                        </p:tgtEl>
-                                        <p:attrNameLst>
-                                          <p:attrName>style.visibility</p:attrName>
-                                        </p:attrNameLst>
-                                      </p:cBhvr>
-                                      <p:to>
-                                        <p:strVal val="visible"/>
-                                      </p:to>
-                                    </p:set>
-                                    <p:animEffect transition="in" filter="fade">
-                                      <p:cBhvr>
-                                        <p:cTn id="7" dur="500"/>
-                                        <p:tgtEl>
-                                          <p:spTgt spid="3">
-                                            <p:txEl>
-                                              <p:pRg st="0" end="0"/>
-                                            </p:txEl>
-                                          </p:spTgt>
-                                        </p:tgtEl>
-                                      </p:cBhvr>
-                                    </p:animEffect>
-                                  </p:childTnLst>
-                                </p:cTn>
-                              </p:par>
-                              <p:par>
-                                <p:cTn id="8" presetID="10" presetClass="entr" presetSubtype="0" fill="hold" nodeType="withEffect">
-                                  <p:stCondLst>
-                                    <p:cond delay="0"/>
-                                  </p:stCondLst>
-                                  <p:childTnLst>
-                                    <p:set>
-                                      <p:cBhvr>
-                                        <p:cTn id="9" dur="1" fill="hold">
-                                          <p:stCondLst>
-                                            <p:cond delay="0"/>
-                                          </p:stCondLst>
-                                        </p:cTn>
-                                        <p:tgtEl>
-                                          <p:spTgt spid="3">
-                                            <p:txEl>
-                                              <p:pRg st="1" end="1"/>
-                                            </p:txEl>
-                                          </p:spTgt>
-                                        </p:tgtEl>
-                                        <p:attrNameLst>
-                                          <p:attrName>style.visibility</p:attrName>
-                                        </p:attrNameLst>
-                                      </p:cBhvr>
-                                      <p:to>
-                                        <p:strVal val="visible"/>
-                                      </p:to>
-                                    </p:set>
-                                    <p:animEffect transition="in" filter="fade">
-                                      <p:cBhvr>
-                                        <p:cTn id="10" dur="500"/>
-                                        <p:tgtEl>
-                                          <p:spTgt spid="3">
-                                            <p:txEl>
-                                              <p:pRg st="1" end="1"/>
-                                            </p:txEl>
-                                          </p:spTgt>
-                                        </p:tgtEl>
-                                      </p:cBhvr>
-                                    </p:animEffect>
-                                  </p:childTnLst>
-                                </p:cTn>
-                              </p:par>
-                              <p:par>
-                                <p:cTn id="11" presetID="10" presetClass="entr" presetSubtype="0" fill="hold" nodeType="withEffect">
-                                  <p:stCondLst>
-                                    <p:cond delay="0"/>
-                                  </p:stCondLst>
-                                  <p:childTnLst>
-                                    <p:set>
-                                      <p:cBhvr>
-                                        <p:cTn id="12" dur="1" fill="hold">
-                                          <p:stCondLst>
-                                            <p:cond delay="0"/>
-                                          </p:stCondLst>
-                                        </p:cTn>
-                                        <p:tgtEl>
-                                          <p:spTgt spid="3">
-                                            <p:txEl>
-                                              <p:pRg st="2" end="2"/>
-                                            </p:txEl>
-                                          </p:spTgt>
-                                        </p:tgtEl>
-                                        <p:attrNameLst>
-                                          <p:attrName>style.visibility</p:attrName>
-                                        </p:attrNameLst>
-                                      </p:cBhvr>
-                                      <p:to>
-                                        <p:strVal val="visible"/>
-                                      </p:to>
-                                    </p:set>
-                                    <p:animEffect transition="in" filter="fade">
-                                      <p:cBhvr>
-                                        <p:cTn id="13" dur="500"/>
-                                        <p:tgtEl>
-                                          <p:spTgt spid="3">
-                                            <p:txEl>
-                                              <p:pRg st="2" end="2"/>
-                                            </p:txEl>
-                                          </p:spTgt>
-                                        </p:tgtEl>
-                                      </p:cBhvr>
-                                    </p:animEffect>
-                                  </p:childTnLst>
-                                </p:cTn>
-                              </p:par>
-                              <p:par>
-                                <p:cTn id="14" presetID="10" presetClass="entr" presetSubtype="0" fill="hold" nodeType="withEffect">
-                                  <p:stCondLst>
-                                    <p:cond delay="0"/>
-                                  </p:stCondLst>
-                                  <p:childTnLst>
-                                    <p:set>
-                                      <p:cBhvr>
-                                        <p:cTn id="15" dur="1" fill="hold">
-                                          <p:stCondLst>
-                                            <p:cond delay="0"/>
-                                          </p:stCondLst>
-                                        </p:cTn>
-                                        <p:tgtEl>
-                                          <p:spTgt spid="3">
-                                            <p:txEl>
-                                              <p:pRg st="3" end="3"/>
-                                            </p:txEl>
-                                          </p:spTgt>
-                                        </p:tgtEl>
-                                        <p:attrNameLst>
-                                          <p:attrName>style.visibility</p:attrName>
-                                        </p:attrNameLst>
-                                      </p:cBhvr>
-                                      <p:to>
-                                        <p:strVal val="visible"/>
-                                      </p:to>
-                                    </p:set>
-                                    <p:animEffect transition="in" filter="fade">
-                                      <p:cBhvr>
-                                        <p:cTn id="16" dur="500"/>
-                                        <p:tgtEl>
-                                          <p:spTgt spid="3">
-                                            <p:txEl>
-                                              <p:pRg st="3" end="3"/>
-                                            </p:txEl>
-                                          </p:spTgt>
-                                        </p:tgtEl>
-                                      </p:cBhvr>
-                                    </p:animEffect>
-                                  </p:childTnLst>
-                                </p:cTn>
-                              </p:par>
-                            </p:childTnLst>
-                          </p:cTn>
-                        </p:par>
-                      </p:childTnLst>
-                    </p:cTn>
-                  </p:par>
-                  <p:par>
-                    <p:cTn id="17" fill="hold">
-                      <p:stCondLst>
-                        <p:cond delay="indefinite"/>
-                      </p:stCondLst>
-                      <p:childTnLst>
-                        <p:par>
-                          <p:cTn id="18" fill="hold">
-                            <p:stCondLst>
-                              <p:cond delay="0"/>
-                            </p:stCondLst>
-                            <p:childTnLst>
-                              <p:par>
-                                <p:cTn id="19" presetID="10" presetClass="entr" presetSubtype="0" fill="hold" nodeType="clickEffect">
-                                  <p:stCondLst>
-                                    <p:cond delay="0"/>
-                                  </p:stCondLst>
-                                  <p:childTnLst>
-                                    <p:set>
-                                      <p:cBhvr>
-                                        <p:cTn id="20" dur="1" fill="hold">
-                                          <p:stCondLst>
-                                            <p:cond delay="0"/>
-                                          </p:stCondLst>
-                                        </p:cTn>
-                                        <p:tgtEl>
-                                          <p:spTgt spid="3">
-                                            <p:txEl>
-                                              <p:pRg st="4" end="4"/>
-                                            </p:txEl>
-                                          </p:spTgt>
-                                        </p:tgtEl>
-                                        <p:attrNameLst>
-                                          <p:attrName>style.visibility</p:attrName>
-                                        </p:attrNameLst>
-                                      </p:cBhvr>
-                                      <p:to>
-                                        <p:strVal val="visible"/>
-                                      </p:to>
-                                    </p:set>
-                                    <p:animEffect transition="in" filter="fade">
-                                      <p:cBhvr>
-                                        <p:cTn id="21" dur="500"/>
-                                        <p:tgtEl>
-                                          <p:spTgt spid="3">
-                                            <p:txEl>
-                                              <p:pRg st="4" end="4"/>
-                                            </p:txEl>
-                                          </p:spTgt>
-                                        </p:tgtEl>
-                                      </p:cBhvr>
-                                    </p:animEffect>
-                                  </p:childTnLst>
-                                </p:cTn>
-                              </p:par>
-                              <p:par>
-                                <p:cTn id="22" presetID="10" presetClass="entr" presetSubtype="0" fill="hold" nodeType="withEffect">
-                                  <p:stCondLst>
-                                    <p:cond delay="0"/>
-                                  </p:stCondLst>
-                                  <p:childTnLst>
-                                    <p:set>
-                                      <p:cBhvr>
-                                        <p:cTn id="23" dur="1" fill="hold">
-                                          <p:stCondLst>
-                                            <p:cond delay="0"/>
-                                          </p:stCondLst>
-                                        </p:cTn>
-                                        <p:tgtEl>
-                                          <p:spTgt spid="3">
-                                            <p:txEl>
-                                              <p:pRg st="5" end="5"/>
-                                            </p:txEl>
-                                          </p:spTgt>
-                                        </p:tgtEl>
-                                        <p:attrNameLst>
-                                          <p:attrName>style.visibility</p:attrName>
-                                        </p:attrNameLst>
-                                      </p:cBhvr>
-                                      <p:to>
-                                        <p:strVal val="visible"/>
-                                      </p:to>
-                                    </p:set>
-                                    <p:animEffect transition="in" filter="fade">
-                                      <p:cBhvr>
-                                        <p:cTn id="24" dur="500"/>
-                                        <p:tgtEl>
-                                          <p:spTgt spid="3">
-                                            <p:txEl>
-                                              <p:pRg st="5" end="5"/>
-                                            </p:txEl>
-                                          </p:spTgt>
-                                        </p:tgtEl>
-                                      </p:cBhvr>
-                                    </p:animEffect>
-                                  </p:childTnLst>
-                                </p:cTn>
-                              </p:par>
-                            </p:childTnLst>
-                          </p:cTn>
-                        </p:par>
-                      </p:childTnLst>
-                    </p:cTn>
-                  </p:par>
-                </p:childTnLst>
-              </p:cTn>
-              <p:prevCondLst>
-                <p:cond evt="onPrev" delay="0">
-                  <p:tgtEl>
-                    <p:sldTgt/>
-                  </p:tgtEl>
-                </p:cond>
-              </p:prevCondLst>
-              <p:nextCondLst>
-                <p:cond evt="onNext" delay="0">
-                  <p:tgtEl>
-                    <p:sldTgt/>
-                  </p:tgtEl>
-                </p:cond>
-              </p:nextCondLst>
-            </p:seq>
-          </p:childTnLst>
-        </p:cTn>
-      </p:par>
-    </p:tnLst>
-  </p:timing>
-</p:sld>
-</file>
-
-<file path=ppt/slides/slide30.xml><?xml version="1.0" encoding="utf-8"?>
+<file path=ppt/slides/slide32.xml><?xml version="1.0" encoding="utf-8"?>
 <p:sld xmlns:a="http://schemas.openxmlformats.org/drawingml/2006/main" xmlns:r="http://schemas.openxmlformats.org/officeDocument/2006/relationships" xmlns:p="http://schemas.openxmlformats.org/presentationml/2006/main">
   <p:cSld>
     <p:spTree>
@@ -14338,306 +14975,6 @@
     <p:extLst>
       <p:ext uri="{BB962C8B-B14F-4D97-AF65-F5344CB8AC3E}">
         <p14:creationId xmlns:p14="http://schemas.microsoft.com/office/powerpoint/2010/main" val="148236095"/>
-      </p:ext>
-    </p:extLst>
-  </p:cSld>
-  <p:clrMapOvr>
-    <a:masterClrMapping/>
-  </p:clrMapOvr>
-</p:sld>
-</file>
-
-<file path=ppt/slides/slide31.xml><?xml version="1.0" encoding="utf-8"?>
-<p:sld xmlns:a="http://schemas.openxmlformats.org/drawingml/2006/main" xmlns:r="http://schemas.openxmlformats.org/officeDocument/2006/relationships" xmlns:p="http://schemas.openxmlformats.org/presentationml/2006/main">
-  <p:cSld>
-    <p:spTree>
-      <p:nvGrpSpPr>
-        <p:cNvPr id="1" name=""/>
-        <p:cNvGrpSpPr/>
-        <p:nvPr/>
-      </p:nvGrpSpPr>
-      <p:grpSpPr>
-        <a:xfrm>
-          <a:off x="0" y="0"/>
-          <a:ext cx="0" cy="0"/>
-          <a:chOff x="0" y="0"/>
-          <a:chExt cx="0" cy="0"/>
-        </a:xfrm>
-      </p:grpSpPr>
-      <p:sp>
-        <p:nvSpPr>
-          <p:cNvPr id="2" name="Title 1"/>
-          <p:cNvSpPr>
-            <a:spLocks noGrp="1"/>
-          </p:cNvSpPr>
-          <p:nvPr>
-            <p:ph type="title"/>
-          </p:nvPr>
-        </p:nvSpPr>
-        <p:spPr/>
-        <p:txBody>
-          <a:bodyPr/>
-          <a:lstStyle/>
-          <a:p>
-            <a:r>
-              <a:rPr lang="en-IE"/>
-              <a:t>Mongoose Queries</a:t>
-            </a:r>
-          </a:p>
-        </p:txBody>
-      </p:sp>
-      <p:sp>
-        <p:nvSpPr>
-          <p:cNvPr id="3" name="Content Placeholder 2"/>
-          <p:cNvSpPr>
-            <a:spLocks noGrp="1"/>
-          </p:cNvSpPr>
-          <p:nvPr>
-            <p:ph idx="1"/>
-          </p:nvPr>
-        </p:nvSpPr>
-        <p:spPr>
-          <a:xfrm>
-            <a:off x="397485" y="2284561"/>
-            <a:ext cx="8229600" cy="3048000"/>
-          </a:xfrm>
-        </p:spPr>
-        <p:txBody>
-          <a:bodyPr>
-            <a:normAutofit fontScale="62500" lnSpcReduction="20000"/>
-          </a:bodyPr>
-          <a:lstStyle/>
-          <a:p>
-            <a:r>
-              <a:rPr lang="en-IE" dirty="0"/>
-              <a:t>Mongoose supports many queries: </a:t>
-            </a:r>
-          </a:p>
-          <a:p>
-            <a:pPr lvl="1"/>
-            <a:r>
-              <a:rPr lang="en-IE" dirty="0"/>
-              <a:t>For equality/non-equality </a:t>
-            </a:r>
-          </a:p>
-          <a:p>
-            <a:pPr lvl="1"/>
-            <a:r>
-              <a:rPr lang="en-IE" dirty="0"/>
-              <a:t>Selection of some properties </a:t>
-            </a:r>
-          </a:p>
-          <a:p>
-            <a:pPr lvl="1"/>
-            <a:r>
-              <a:rPr lang="en-IE" dirty="0"/>
-              <a:t>Sorting </a:t>
-            </a:r>
-          </a:p>
-          <a:p>
-            <a:pPr lvl="1"/>
-            <a:r>
-              <a:rPr lang="en-IE" dirty="0"/>
-              <a:t>Limit &amp; skip </a:t>
-            </a:r>
-          </a:p>
-          <a:p>
-            <a:r>
-              <a:rPr lang="en-GB" dirty="0"/>
-              <a:t>Mongoose models provide several static helper functions for CRUD operations.</a:t>
-            </a:r>
-          </a:p>
-          <a:p>
-            <a:pPr lvl="1"/>
-            <a:r>
-              <a:rPr lang="en-IE" dirty="0" err="1"/>
-              <a:t>Model.findOne</a:t>
-            </a:r>
-            <a:r>
-              <a:rPr lang="en-IE" dirty="0"/>
-              <a:t>() returns a single document, the first match</a:t>
-            </a:r>
-          </a:p>
-          <a:p>
-            <a:pPr lvl="1"/>
-            <a:r>
-              <a:rPr lang="en-IE" dirty="0" err="1"/>
-              <a:t>Model.find</a:t>
-            </a:r>
-            <a:r>
-              <a:rPr lang="en-IE" dirty="0"/>
-              <a:t>() returns all</a:t>
-            </a:r>
-          </a:p>
-          <a:p>
-            <a:pPr lvl="1"/>
-            <a:r>
-              <a:rPr lang="en-IE" dirty="0" err="1"/>
-              <a:t>Model.findById</a:t>
-            </a:r>
-            <a:r>
-              <a:rPr lang="en-IE" dirty="0"/>
-              <a:t>() queries on the _id field.</a:t>
-            </a:r>
-          </a:p>
-          <a:p>
-            <a:pPr lvl="1"/>
-            <a:endParaRPr lang="en-IE" dirty="0"/>
-          </a:p>
-          <a:p>
-            <a:endParaRPr lang="en-IE" dirty="0"/>
-          </a:p>
-        </p:txBody>
-      </p:sp>
-      <p:pic>
-        <p:nvPicPr>
-          <p:cNvPr id="4" name="Picture 3">
-            <a:extLst>
-              <a:ext uri="{FF2B5EF4-FFF2-40B4-BE49-F238E27FC236}">
-                <a16:creationId xmlns:a16="http://schemas.microsoft.com/office/drawing/2014/main" id="{58DD5F58-E748-4910-B149-E81BFD26DC6F}"/>
-              </a:ext>
-            </a:extLst>
-          </p:cNvPr>
-          <p:cNvPicPr>
-            <a:picLocks noChangeAspect="1"/>
-          </p:cNvPicPr>
-          <p:nvPr/>
-        </p:nvPicPr>
-        <p:blipFill>
-          <a:blip r:embed="rId2"/>
-          <a:stretch>
-            <a:fillRect/>
-          </a:stretch>
-        </p:blipFill>
-        <p:spPr>
-          <a:xfrm>
-            <a:off x="7544608" y="1279674"/>
-            <a:ext cx="4981575" cy="5057775"/>
-          </a:xfrm>
-          <a:prstGeom prst="rect">
-            <a:avLst/>
-          </a:prstGeom>
-        </p:spPr>
-      </p:pic>
-    </p:spTree>
-    <p:extLst>
-      <p:ext uri="{BB962C8B-B14F-4D97-AF65-F5344CB8AC3E}">
-        <p14:creationId xmlns:p14="http://schemas.microsoft.com/office/powerpoint/2010/main" val="925599297"/>
-      </p:ext>
-    </p:extLst>
-  </p:cSld>
-  <p:clrMapOvr>
-    <a:masterClrMapping/>
-  </p:clrMapOvr>
-</p:sld>
-</file>
-
-<file path=ppt/slides/slide32.xml><?xml version="1.0" encoding="utf-8"?>
-<p:sld xmlns:a="http://schemas.openxmlformats.org/drawingml/2006/main" xmlns:r="http://schemas.openxmlformats.org/officeDocument/2006/relationships" xmlns:p="http://schemas.openxmlformats.org/presentationml/2006/main">
-  <p:cSld>
-    <p:spTree>
-      <p:nvGrpSpPr>
-        <p:cNvPr id="1" name=""/>
-        <p:cNvGrpSpPr/>
-        <p:nvPr/>
-      </p:nvGrpSpPr>
-      <p:grpSpPr>
-        <a:xfrm>
-          <a:off x="0" y="0"/>
-          <a:ext cx="0" cy="0"/>
-          <a:chOff x="0" y="0"/>
-          <a:chExt cx="0" cy="0"/>
-        </a:xfrm>
-      </p:grpSpPr>
-      <p:sp>
-        <p:nvSpPr>
-          <p:cNvPr id="2" name="Title 1"/>
-          <p:cNvSpPr>
-            <a:spLocks noGrp="1"/>
-          </p:cNvSpPr>
-          <p:nvPr>
-            <p:ph type="title"/>
-          </p:nvPr>
-        </p:nvSpPr>
-        <p:spPr/>
-        <p:txBody>
-          <a:bodyPr/>
-          <a:lstStyle/>
-          <a:p>
-            <a:r>
-              <a:rPr lang="en-IE"/>
-              <a:t>Mongoose Queries</a:t>
-            </a:r>
-          </a:p>
-        </p:txBody>
-      </p:sp>
-      <p:sp>
-        <p:nvSpPr>
-          <p:cNvPr id="3" name="Content Placeholder 2"/>
-          <p:cNvSpPr>
-            <a:spLocks noGrp="1"/>
-          </p:cNvSpPr>
-          <p:nvPr>
-            <p:ph idx="1"/>
-          </p:nvPr>
-        </p:nvSpPr>
-        <p:spPr/>
-        <p:txBody>
-          <a:bodyPr>
-            <a:normAutofit/>
-          </a:bodyPr>
-          <a:lstStyle/>
-          <a:p>
-            <a:r>
-              <a:rPr lang="en-IE"/>
-              <a:t>Can build complex queries and execute them later</a:t>
-            </a:r>
-          </a:p>
-          <a:p>
-            <a:pPr marL="0" indent="0">
-              <a:buNone/>
-            </a:pPr>
-            <a:endParaRPr lang="en-IE"/>
-          </a:p>
-          <a:p>
-            <a:endParaRPr lang="en-IE"/>
-          </a:p>
-          <a:p>
-            <a:r>
-              <a:rPr lang="en-IE"/>
-              <a:t>The above finds all contacts where age &gt;17 and &lt;66 and living in either Waterford, Kilkenny or Wexford</a:t>
-            </a:r>
-          </a:p>
-        </p:txBody>
-      </p:sp>
-      <p:pic>
-        <p:nvPicPr>
-          <p:cNvPr id="5" name="Picture 4"/>
-          <p:cNvPicPr>
-            <a:picLocks noChangeAspect="1"/>
-          </p:cNvPicPr>
-          <p:nvPr/>
-        </p:nvPicPr>
-        <p:blipFill>
-          <a:blip r:embed="rId2"/>
-          <a:stretch>
-            <a:fillRect/>
-          </a:stretch>
-        </p:blipFill>
-        <p:spPr>
-          <a:xfrm>
-            <a:off x="2168828" y="2133600"/>
-            <a:ext cx="8094785" cy="1295400"/>
-          </a:xfrm>
-          <a:prstGeom prst="rect">
-            <a:avLst/>
-          </a:prstGeom>
-        </p:spPr>
-      </p:pic>
-    </p:spTree>
-    <p:extLst>
-      <p:ext uri="{BB962C8B-B14F-4D97-AF65-F5344CB8AC3E}">
-        <p14:creationId xmlns:p14="http://schemas.microsoft.com/office/powerpoint/2010/main" val="3169656245"/>
       </p:ext>
     </p:extLst>
   </p:cSld>
@@ -20615,17 +20952,8 @@
               <a:rPr lang="en-GB" sz="2200" dirty="0">
                 <a:latin typeface="Akzidenz Grotesk BQ Light"/>
               </a:rPr>
-              <a:t>Document based, key-value </a:t>
-            </a:r>
-            <a:r>
-              <a:rPr lang="en-GB" sz="2200" dirty="0" err="1">
-                <a:latin typeface="Akzidenz Grotesk BQ Light"/>
-              </a:rPr>
-              <a:t>basedgraph</a:t>
-            </a:r>
-            <a:endParaRPr lang="en-GB" sz="2200" dirty="0">
-              <a:latin typeface="Akzidenz Grotesk BQ Light"/>
-            </a:endParaRPr>
+              <a:t>Document based, key-value, graph</a:t>
+            </a:r>
           </a:p>
           <a:p>
             <a:r>
@@ -20822,17 +21150,6 @@
               </a:lnSpc>
             </a:pPr>
             <a:r>
-              <a:rPr lang="en-GB" sz="2000" dirty="0"/>
-              <a:t>May be  economic to run large data and computing loads on clusters.</a:t>
-            </a:r>
-          </a:p>
-          <a:p>
-            <a:pPr lvl="1">
-              <a:lnSpc>
-                <a:spcPct val="90000"/>
-              </a:lnSpc>
-            </a:pPr>
-            <a:r>
               <a:rPr lang="en-IE" sz="2000" dirty="0"/>
               <a:t>Hard to estimate scaling requirements, particularly if it’s a web app?</a:t>
             </a:r>
@@ -21256,49 +21573,6 @@
                                   </p:childTnLst>
                                 </p:cTn>
                               </p:par>
-                              <p:par>
-                                <p:cTn id="20" presetID="10" presetClass="entr" presetSubtype="0" fill="hold" nodeType="withEffect">
-                                  <p:stCondLst>
-                                    <p:cond delay="0"/>
-                                  </p:stCondLst>
-                                  <p:childTnLst>
-                                    <p:set>
-                                      <p:cBhvr>
-                                        <p:cTn id="21" dur="1" fill="hold">
-                                          <p:stCondLst>
-                                            <p:cond delay="0"/>
-                                          </p:stCondLst>
-                                        </p:cTn>
-                                        <p:tgtEl>
-                                          <p:spTgt spid="3">
-                                            <p:txEl>
-                                              <p:pRg st="5" end="5"/>
-                                            </p:txEl>
-                                          </p:spTgt>
-                                        </p:tgtEl>
-                                        <p:attrNameLst>
-                                          <p:attrName>style.visibility</p:attrName>
-                                        </p:attrNameLst>
-                                      </p:cBhvr>
-                                      <p:to>
-                                        <p:strVal val="visible"/>
-                                      </p:to>
-                                    </p:set>
-                                    <p:animEffect transition="in" filter="fade">
-                                      <p:cBhvr>
-                                        <p:cTn id="22" dur="500"/>
-                                        <p:tgtEl>
-                                          <p:spTgt spid="3">
-                                            <p:txEl>
-                                              <p:pRg st="5" end="5"/>
-                                            </p:txEl>
-                                          </p:spTgt>
-                                        </p:tgtEl>
-                                      </p:cBhvr>
-                                    </p:animEffect>
-                                  </p:childTnLst>
-                                </p:cTn>
-                              </p:par>
                             </p:childTnLst>
                           </p:cTn>
                         </p:par>
@@ -21306,19 +21580,62 @@
                     </p:cTn>
                   </p:par>
                   <p:par>
-                    <p:cTn id="23" fill="hold">
+                    <p:cTn id="20" fill="hold">
                       <p:stCondLst>
                         <p:cond delay="indefinite"/>
                       </p:stCondLst>
                       <p:childTnLst>
                         <p:par>
-                          <p:cTn id="24" fill="hold">
+                          <p:cTn id="21" fill="hold">
                             <p:stCondLst>
                               <p:cond delay="0"/>
                             </p:stCondLst>
                             <p:childTnLst>
                               <p:par>
-                                <p:cTn id="25" presetID="10" presetClass="entr" presetSubtype="0" fill="hold" nodeType="clickEffect">
+                                <p:cTn id="22" presetID="10" presetClass="entr" presetSubtype="0" fill="hold" nodeType="clickEffect">
+                                  <p:stCondLst>
+                                    <p:cond delay="0"/>
+                                  </p:stCondLst>
+                                  <p:childTnLst>
+                                    <p:set>
+                                      <p:cBhvr>
+                                        <p:cTn id="23" dur="1" fill="hold">
+                                          <p:stCondLst>
+                                            <p:cond delay="0"/>
+                                          </p:stCondLst>
+                                        </p:cTn>
+                                        <p:tgtEl>
+                                          <p:spTgt spid="3">
+                                            <p:txEl>
+                                              <p:pRg st="5" end="5"/>
+                                            </p:txEl>
+                                          </p:spTgt>
+                                        </p:tgtEl>
+                                        <p:attrNameLst>
+                                          <p:attrName>style.visibility</p:attrName>
+                                        </p:attrNameLst>
+                                      </p:cBhvr>
+                                      <p:to>
+                                        <p:strVal val="visible"/>
+                                      </p:to>
+                                    </p:set>
+                                    <p:animEffect transition="in" filter="fade">
+                                      <p:cBhvr>
+                                        <p:cTn id="24" dur="500"/>
+                                        <p:tgtEl>
+                                          <p:spTgt spid="3">
+                                            <p:txEl>
+                                              <p:pRg st="5" end="5"/>
+                                            </p:txEl>
+                                          </p:spTgt>
+                                        </p:tgtEl>
+                                      </p:cBhvr>
+                                    </p:animEffect>
+                                  </p:childTnLst>
+                                </p:cTn>
+                              </p:par>
+                              <p:par>
+                                <p:cTn id="25" presetID="10" presetClass="entr" presetSubtype="0" fill="hold" nodeType="withEffect">
                                   <p:stCondLst>
                                     <p:cond delay="0"/>
                                   </p:stCondLst>
@@ -21395,49 +21712,6 @@
                                           <p:spTgt spid="3">
                                             <p:txEl>
                                               <p:pRg st="7" end="7"/>
-                                            </p:txEl>
-                                          </p:spTgt>
-                                        </p:tgtEl>
-                                      </p:cBhvr>
-                                    </p:animEffect>
-                                  </p:childTnLst>
-                                </p:cTn>
-                              </p:par>
-                              <p:par>
-                                <p:cTn id="31" presetID="10" presetClass="entr" presetSubtype="0" fill="hold" nodeType="withEffect">
-                                  <p:stCondLst>
-                                    <p:cond delay="0"/>
-                                  </p:stCondLst>
-                                  <p:childTnLst>
-                                    <p:set>
-                                      <p:cBhvr>
-                                        <p:cTn id="32" dur="1" fill="hold">
-                                          <p:stCondLst>
-                                            <p:cond delay="0"/>
-                                          </p:stCondLst>
-                                        </p:cTn>
-                                        <p:tgtEl>
-                                          <p:spTgt spid="3">
-                                            <p:txEl>
-                                              <p:pRg st="8" end="8"/>
-                                            </p:txEl>
-                                          </p:spTgt>
-                                        </p:tgtEl>
-                                        <p:attrNameLst>
-                                          <p:attrName>style.visibility</p:attrName>
-                                        </p:attrNameLst>
-                                      </p:cBhvr>
-                                      <p:to>
-                                        <p:strVal val="visible"/>
-                                      </p:to>
-                                    </p:set>
-                                    <p:animEffect transition="in" filter="fade">
-                                      <p:cBhvr>
-                                        <p:cTn id="33" dur="500"/>
-                                        <p:tgtEl>
-                                          <p:spTgt spid="3">
-                                            <p:txEl>
-                                              <p:pRg st="8" end="8"/>
                                             </p:txEl>
                                           </p:spTgt>
                                         </p:tgtEl>

--- a/topic09/talk-0/mongoDB-2020.pptx
+++ b/topic09/talk-0/mongoDB-2020.pptx
@@ -5,7 +5,7 @@
     <p:sldMasterId id="2147483648" r:id="rId1"/>
   </p:sldMasterIdLst>
   <p:notesMasterIdLst>
-    <p:notesMasterId r:id="rId43"/>
+    <p:notesMasterId r:id="rId44"/>
   </p:notesMasterIdLst>
   <p:sldIdLst>
     <p:sldId id="256" r:id="rId2"/>
@@ -22,33 +22,34 @@
     <p:sldId id="274" r:id="rId13"/>
     <p:sldId id="316" r:id="rId14"/>
     <p:sldId id="289" r:id="rId15"/>
-    <p:sldId id="313" r:id="rId16"/>
-    <p:sldId id="293" r:id="rId17"/>
-    <p:sldId id="292" r:id="rId18"/>
-    <p:sldId id="314" r:id="rId19"/>
-    <p:sldId id="294" r:id="rId20"/>
-    <p:sldId id="295" r:id="rId21"/>
-    <p:sldId id="332" r:id="rId22"/>
-    <p:sldId id="298" r:id="rId23"/>
-    <p:sldId id="330" r:id="rId24"/>
-    <p:sldId id="304" r:id="rId25"/>
-    <p:sldId id="334" r:id="rId26"/>
-    <p:sldId id="326" r:id="rId27"/>
-    <p:sldId id="296" r:id="rId28"/>
-    <p:sldId id="297" r:id="rId29"/>
-    <p:sldId id="299" r:id="rId30"/>
-    <p:sldId id="328" r:id="rId31"/>
-    <p:sldId id="333" r:id="rId32"/>
-    <p:sldId id="329" r:id="rId33"/>
-    <p:sldId id="323" r:id="rId34"/>
-    <p:sldId id="324" r:id="rId35"/>
-    <p:sldId id="315" r:id="rId36"/>
-    <p:sldId id="318" r:id="rId37"/>
-    <p:sldId id="325" r:id="rId38"/>
-    <p:sldId id="317" r:id="rId39"/>
-    <p:sldId id="319" r:id="rId40"/>
-    <p:sldId id="320" r:id="rId41"/>
-    <p:sldId id="321" r:id="rId42"/>
+    <p:sldId id="336" r:id="rId16"/>
+    <p:sldId id="313" r:id="rId17"/>
+    <p:sldId id="293" r:id="rId18"/>
+    <p:sldId id="292" r:id="rId19"/>
+    <p:sldId id="314" r:id="rId20"/>
+    <p:sldId id="294" r:id="rId21"/>
+    <p:sldId id="295" r:id="rId22"/>
+    <p:sldId id="332" r:id="rId23"/>
+    <p:sldId id="298" r:id="rId24"/>
+    <p:sldId id="330" r:id="rId25"/>
+    <p:sldId id="304" r:id="rId26"/>
+    <p:sldId id="334" r:id="rId27"/>
+    <p:sldId id="326" r:id="rId28"/>
+    <p:sldId id="296" r:id="rId29"/>
+    <p:sldId id="297" r:id="rId30"/>
+    <p:sldId id="299" r:id="rId31"/>
+    <p:sldId id="328" r:id="rId32"/>
+    <p:sldId id="333" r:id="rId33"/>
+    <p:sldId id="329" r:id="rId34"/>
+    <p:sldId id="323" r:id="rId35"/>
+    <p:sldId id="324" r:id="rId36"/>
+    <p:sldId id="315" r:id="rId37"/>
+    <p:sldId id="318" r:id="rId38"/>
+    <p:sldId id="325" r:id="rId39"/>
+    <p:sldId id="317" r:id="rId40"/>
+    <p:sldId id="319" r:id="rId41"/>
+    <p:sldId id="320" r:id="rId42"/>
+    <p:sldId id="321" r:id="rId43"/>
   </p:sldIdLst>
   <p:sldSz cx="12192000" cy="6858000"/>
   <p:notesSz cx="6858000" cy="9144000"/>
@@ -402,7 +403,7 @@
           <a:p>
             <a:fld id="{E753CC8B-2C22-4294-82AF-E18635F6C8A8}" type="datetimeFigureOut">
               <a:rPr lang="en-US" smtClean="0"/>
-              <a:t>11/17/2021</a:t>
+              <a:t>11/16/2022</a:t>
             </a:fld>
             <a:endParaRPr lang="en-US"/>
           </a:p>
@@ -1285,7 +1286,7 @@
           <a:p>
             <a:fld id="{F41A18DF-4A92-427C-AD9F-04E22FE0E9C0}" type="slidenum">
               <a:rPr lang="en-US" smtClean="0"/>
-              <a:t>20</a:t>
+              <a:t>21</a:t>
             </a:fld>
             <a:endParaRPr lang="en-US"/>
           </a:p>
@@ -1369,7 +1370,7 @@
           <a:p>
             <a:fld id="{F41A18DF-4A92-427C-AD9F-04E22FE0E9C0}" type="slidenum">
               <a:rPr lang="en-US" smtClean="0"/>
-              <a:t>38</a:t>
+              <a:t>39</a:t>
             </a:fld>
             <a:endParaRPr lang="en-US"/>
           </a:p>
@@ -1567,7 +1568,7 @@
           <a:p>
             <a:fld id="{B9A3E4E1-EAAE-4738-8551-BAE8BA49A08B}" type="datetimeFigureOut">
               <a:rPr lang="en-US" smtClean="0"/>
-              <a:t>11/17/2021</a:t>
+              <a:t>11/16/2022</a:t>
             </a:fld>
             <a:endParaRPr lang="en-US"/>
           </a:p>
@@ -1735,7 +1736,7 @@
           <a:p>
             <a:fld id="{B9A3E4E1-EAAE-4738-8551-BAE8BA49A08B}" type="datetimeFigureOut">
               <a:rPr lang="en-US" smtClean="0"/>
-              <a:t>11/17/2021</a:t>
+              <a:t>11/16/2022</a:t>
             </a:fld>
             <a:endParaRPr lang="en-US"/>
           </a:p>
@@ -1913,7 +1914,7 @@
           <a:p>
             <a:fld id="{B9A3E4E1-EAAE-4738-8551-BAE8BA49A08B}" type="datetimeFigureOut">
               <a:rPr lang="en-US" smtClean="0"/>
-              <a:t>11/17/2021</a:t>
+              <a:t>11/16/2022</a:t>
             </a:fld>
             <a:endParaRPr lang="en-US"/>
           </a:p>
@@ -2081,7 +2082,7 @@
           <a:p>
             <a:fld id="{B9A3E4E1-EAAE-4738-8551-BAE8BA49A08B}" type="datetimeFigureOut">
               <a:rPr lang="en-US" smtClean="0"/>
-              <a:t>11/17/2021</a:t>
+              <a:t>11/16/2022</a:t>
             </a:fld>
             <a:endParaRPr lang="en-US"/>
           </a:p>
@@ -2326,7 +2327,7 @@
           <a:p>
             <a:fld id="{B9A3E4E1-EAAE-4738-8551-BAE8BA49A08B}" type="datetimeFigureOut">
               <a:rPr lang="en-US" smtClean="0"/>
-              <a:t>11/17/2021</a:t>
+              <a:t>11/16/2022</a:t>
             </a:fld>
             <a:endParaRPr lang="en-US"/>
           </a:p>
@@ -2611,7 +2612,7 @@
           <a:p>
             <a:fld id="{B9A3E4E1-EAAE-4738-8551-BAE8BA49A08B}" type="datetimeFigureOut">
               <a:rPr lang="en-US" smtClean="0"/>
-              <a:t>11/17/2021</a:t>
+              <a:t>11/16/2022</a:t>
             </a:fld>
             <a:endParaRPr lang="en-US"/>
           </a:p>
@@ -3030,7 +3031,7 @@
           <a:p>
             <a:fld id="{B9A3E4E1-EAAE-4738-8551-BAE8BA49A08B}" type="datetimeFigureOut">
               <a:rPr lang="en-US" smtClean="0"/>
-              <a:t>11/17/2021</a:t>
+              <a:t>11/16/2022</a:t>
             </a:fld>
             <a:endParaRPr lang="en-US"/>
           </a:p>
@@ -3147,7 +3148,7 @@
           <a:p>
             <a:fld id="{B9A3E4E1-EAAE-4738-8551-BAE8BA49A08B}" type="datetimeFigureOut">
               <a:rPr lang="en-US" smtClean="0"/>
-              <a:t>11/17/2021</a:t>
+              <a:t>11/16/2022</a:t>
             </a:fld>
             <a:endParaRPr lang="en-US"/>
           </a:p>
@@ -3242,7 +3243,7 @@
           <a:p>
             <a:fld id="{B9A3E4E1-EAAE-4738-8551-BAE8BA49A08B}" type="datetimeFigureOut">
               <a:rPr lang="en-US" smtClean="0"/>
-              <a:t>11/17/2021</a:t>
+              <a:t>11/16/2022</a:t>
             </a:fld>
             <a:endParaRPr lang="en-US"/>
           </a:p>
@@ -3517,7 +3518,7 @@
           <a:p>
             <a:fld id="{B9A3E4E1-EAAE-4738-8551-BAE8BA49A08B}" type="datetimeFigureOut">
               <a:rPr lang="en-US" smtClean="0"/>
-              <a:t>11/17/2021</a:t>
+              <a:t>11/16/2022</a:t>
             </a:fld>
             <a:endParaRPr lang="en-US"/>
           </a:p>
@@ -3769,7 +3770,7 @@
           <a:p>
             <a:fld id="{B9A3E4E1-EAAE-4738-8551-BAE8BA49A08B}" type="datetimeFigureOut">
               <a:rPr lang="en-US" smtClean="0"/>
-              <a:t>11/17/2021</a:t>
+              <a:t>11/16/2022</a:t>
             </a:fld>
             <a:endParaRPr lang="en-US"/>
           </a:p>
@@ -3980,7 +3981,7 @@
           <a:p>
             <a:fld id="{B9A3E4E1-EAAE-4738-8551-BAE8BA49A08B}" type="datetimeFigureOut">
               <a:rPr lang="en-US" smtClean="0"/>
-              <a:t>11/17/2021</a:t>
+              <a:t>11/16/2022</a:t>
             </a:fld>
             <a:endParaRPr lang="en-US"/>
           </a:p>
@@ -7621,7 +7622,7 @@
           <a:lstStyle/>
           <a:p>
             <a:r>
-              <a:rPr lang="en-IE"/>
+              <a:rPr lang="en-IE" dirty="0"/>
               <a:t>Getting Started (locally)</a:t>
             </a:r>
           </a:p>
@@ -8183,6 +8184,14 @@
 <file path=ppt/slides/slide15.xml><?xml version="1.0" encoding="utf-8"?>
 <p:sld xmlns:a="http://schemas.openxmlformats.org/drawingml/2006/main" xmlns:r="http://schemas.openxmlformats.org/officeDocument/2006/relationships" xmlns:p="http://schemas.openxmlformats.org/presentationml/2006/main">
   <p:cSld>
+    <p:bg>
+      <p:bgPr>
+        <a:solidFill>
+          <a:schemeClr val="bg1"/>
+        </a:solidFill>
+        <a:effectLst/>
+      </p:bgPr>
+    </p:bg>
     <p:spTree>
       <p:nvGrpSpPr>
         <p:cNvPr id="1" name=""/>
@@ -8213,13 +8222,20 @@
             <p:ph type="title"/>
           </p:nvPr>
         </p:nvSpPr>
-        <p:spPr/>
+        <p:spPr>
+          <a:xfrm>
+            <a:off x="648929" y="629266"/>
+            <a:ext cx="3505495" cy="1622321"/>
+          </a:xfrm>
+        </p:spPr>
         <p:txBody>
-          <a:bodyPr/>
+          <a:bodyPr>
+            <a:normAutofit/>
+          </a:bodyPr>
           <a:lstStyle/>
           <a:p>
             <a:r>
-              <a:rPr lang="en-IE" dirty="0"/>
+              <a:rPr lang="en-IE" sz="4100"/>
               <a:t>Getting Started (locally)</a:t>
             </a:r>
           </a:p>
@@ -8241,45 +8257,1954 @@
             <p:ph idx="1"/>
           </p:nvPr>
         </p:nvSpPr>
-        <p:spPr/>
+        <p:spPr>
+          <a:xfrm>
+            <a:off x="648931" y="2438400"/>
+            <a:ext cx="3505494" cy="3785419"/>
+          </a:xfrm>
+        </p:spPr>
         <p:txBody>
-          <a:bodyPr/>
+          <a:bodyPr>
+            <a:normAutofit/>
+          </a:bodyPr>
           <a:lstStyle/>
           <a:p>
             <a:r>
+              <a:rPr lang="en-IE" sz="2000" dirty="0"/>
+              <a:t>Install Mongo DB Extension for VS Code</a:t>
+            </a:r>
+          </a:p>
+          <a:p>
+            <a:pPr lvl="1"/>
+            <a:r>
+              <a:rPr lang="en-IE" sz="2000" dirty="0"/>
+              <a:t>Never have to leave your VS Code environment!!!</a:t>
+            </a:r>
+          </a:p>
+          <a:p>
+            <a:pPr lvl="1"/>
+            <a:r>
+              <a:rPr lang="en-IE" sz="2000" dirty="0"/>
+              <a:t>Navigate your DBs and Collections</a:t>
+            </a:r>
+          </a:p>
+        </p:txBody>
+      </p:sp>
+      <p:sp>
+        <p:nvSpPr>
+          <p:cNvPr id="11" name="Rectangle 10">
+            <a:extLst>
+              <a:ext uri="{FF2B5EF4-FFF2-40B4-BE49-F238E27FC236}">
+                <a16:creationId xmlns:a16="http://schemas.microsoft.com/office/drawing/2014/main" id="{5E39A796-BE83-48B1-B33F-35C4A32AAB57}"/>
+              </a:ext>
+              <a:ext uri="{C183D7F6-B498-43B3-948B-1728B52AA6E4}">
+                <adec:decorative xmlns:adec="http://schemas.microsoft.com/office/drawing/2017/decorative" val="1"/>
+              </a:ext>
+            </a:extLst>
+          </p:cNvPr>
+          <p:cNvSpPr>
+            <a:spLocks noGrp="1" noRot="1" noChangeAspect="1" noMove="1" noResize="1" noEditPoints="1" noAdjustHandles="1" noChangeArrowheads="1" noChangeShapeType="1" noTextEdit="1"/>
+          </p:cNvSpPr>
+          <p:nvPr>
+            <p:extLst>
+              <p:ext uri="{386F3935-93C4-4BCD-93E2-E3B085C9AB24}">
+                <p16:designElem xmlns:p16="http://schemas.microsoft.com/office/powerpoint/2015/main" val="1"/>
+              </p:ext>
+            </p:extLst>
+          </p:nvPr>
+        </p:nvSpPr>
+        <p:spPr>
+          <a:xfrm>
+            <a:off x="4639056" y="0"/>
+            <a:ext cx="7552944" cy="6858000"/>
+          </a:xfrm>
+          <a:prstGeom prst="rect">
+            <a:avLst/>
+          </a:prstGeom>
+          <a:solidFill>
+            <a:srgbClr val="C8CACA"/>
+          </a:solidFill>
+          <a:ln>
+            <a:noFill/>
+          </a:ln>
+        </p:spPr>
+        <p:style>
+          <a:lnRef idx="2">
+            <a:schemeClr val="accent1">
+              <a:shade val="50000"/>
+            </a:schemeClr>
+          </a:lnRef>
+          <a:fillRef idx="1">
+            <a:schemeClr val="accent1"/>
+          </a:fillRef>
+          <a:effectRef idx="0">
+            <a:schemeClr val="accent1"/>
+          </a:effectRef>
+          <a:fontRef idx="minor">
+            <a:schemeClr val="lt1"/>
+          </a:fontRef>
+        </p:style>
+        <p:txBody>
+          <a:bodyPr rtlCol="0" anchor="ctr"/>
+          <a:lstStyle/>
+          <a:p>
+            <a:pPr algn="ctr"/>
+            <a:endParaRPr lang="en-US"/>
+          </a:p>
+        </p:txBody>
+      </p:sp>
+      <p:sp>
+        <p:nvSpPr>
+          <p:cNvPr id="13" name="Rounded Rectangle 9">
+            <a:extLst>
+              <a:ext uri="{FF2B5EF4-FFF2-40B4-BE49-F238E27FC236}">
+                <a16:creationId xmlns:a16="http://schemas.microsoft.com/office/drawing/2014/main" id="{72F84B47-E267-4194-8194-831DB7B5547F}"/>
+              </a:ext>
+              <a:ext uri="{C183D7F6-B498-43B3-948B-1728B52AA6E4}">
+                <adec:decorative xmlns:adec="http://schemas.microsoft.com/office/drawing/2017/decorative" val="1"/>
+              </a:ext>
+            </a:extLst>
+          </p:cNvPr>
+          <p:cNvSpPr>
+            <a:spLocks noGrp="1" noRot="1" noChangeAspect="1" noMove="1" noResize="1" noEditPoints="1" noAdjustHandles="1" noChangeArrowheads="1" noChangeShapeType="1" noTextEdit="1"/>
+          </p:cNvSpPr>
+          <p:nvPr>
+            <p:extLst>
+              <p:ext uri="{386F3935-93C4-4BCD-93E2-E3B085C9AB24}">
+                <p16:designElem xmlns:p16="http://schemas.microsoft.com/office/powerpoint/2015/main" val="1"/>
+              </p:ext>
+            </p:extLst>
+          </p:nvPr>
+        </p:nvSpPr>
+        <p:spPr>
+          <a:xfrm>
+            <a:off x="5123688" y="557784"/>
+            <a:ext cx="6584098" cy="5739187"/>
+          </a:xfrm>
+          <a:prstGeom prst="roundRect">
+            <a:avLst>
+              <a:gd name="adj" fmla="val 0"/>
+            </a:avLst>
+          </a:prstGeom>
+          <a:solidFill>
+            <a:srgbClr val="FFFFFF"/>
+          </a:solidFill>
+          <a:ln w="9525">
+            <a:solidFill>
+              <a:srgbClr val="C8CACA"/>
+            </a:solidFill>
+          </a:ln>
+          <a:effectLst>
+            <a:outerShdw blurRad="57150" dist="19050" dir="5400000" algn="t" rotWithShape="0">
+              <a:prstClr val="black">
+                <a:alpha val="63000"/>
+              </a:prstClr>
+            </a:outerShdw>
+          </a:effectLst>
+        </p:spPr>
+        <p:style>
+          <a:lnRef idx="2">
+            <a:schemeClr val="accent1">
+              <a:shade val="50000"/>
+            </a:schemeClr>
+          </a:lnRef>
+          <a:fillRef idx="1">
+            <a:schemeClr val="accent1"/>
+          </a:fillRef>
+          <a:effectRef idx="0">
+            <a:schemeClr val="accent1"/>
+          </a:effectRef>
+          <a:fontRef idx="minor">
+            <a:schemeClr val="lt1"/>
+          </a:fontRef>
+        </p:style>
+        <p:txBody>
+          <a:bodyPr rtlCol="0" anchor="ctr"/>
+          <a:lstStyle/>
+          <a:p>
+            <a:pPr algn="ctr"/>
+            <a:endParaRPr lang="en-US"/>
+          </a:p>
+        </p:txBody>
+      </p:sp>
+      <p:pic>
+        <p:nvPicPr>
+          <p:cNvPr id="6" name="Picture 5">
+            <a:extLst>
+              <a:ext uri="{FF2B5EF4-FFF2-40B4-BE49-F238E27FC236}">
+                <a16:creationId xmlns:a16="http://schemas.microsoft.com/office/drawing/2014/main" id="{E94E053C-6C11-BE33-3608-2BC31B3C30FF}"/>
+              </a:ext>
+            </a:extLst>
+          </p:cNvPr>
+          <p:cNvPicPr>
+            <a:picLocks noChangeAspect="1"/>
+          </p:cNvPicPr>
+          <p:nvPr/>
+        </p:nvPicPr>
+        <p:blipFill>
+          <a:blip r:embed="rId2"/>
+          <a:stretch>
+            <a:fillRect/>
+          </a:stretch>
+        </p:blipFill>
+        <p:spPr>
+          <a:xfrm>
+            <a:off x="5405862" y="1170128"/>
+            <a:ext cx="6019331" cy="4514497"/>
+          </a:xfrm>
+          <a:prstGeom prst="rect">
+            <a:avLst/>
+          </a:prstGeom>
+          <a:effectLst/>
+        </p:spPr>
+      </p:pic>
+    </p:spTree>
+    <p:extLst>
+      <p:ext uri="{BB962C8B-B14F-4D97-AF65-F5344CB8AC3E}">
+        <p14:creationId xmlns:p14="http://schemas.microsoft.com/office/powerpoint/2010/main" val="151970968"/>
+      </p:ext>
+    </p:extLst>
+  </p:cSld>
+  <p:clrMapOvr>
+    <a:masterClrMapping/>
+  </p:clrMapOvr>
+</p:sld>
+</file>
+
+<file path=ppt/slides/slide16.xml><?xml version="1.0" encoding="utf-8"?>
+<p:sld xmlns:a="http://schemas.openxmlformats.org/drawingml/2006/main" xmlns:r="http://schemas.openxmlformats.org/officeDocument/2006/relationships" xmlns:p="http://schemas.openxmlformats.org/presentationml/2006/main">
+  <p:cSld>
+    <p:bg>
+      <p:bgPr>
+        <a:solidFill>
+          <a:schemeClr val="bg1"/>
+        </a:solidFill>
+        <a:effectLst/>
+      </p:bgPr>
+    </p:bg>
+    <p:spTree>
+      <p:nvGrpSpPr>
+        <p:cNvPr id="1" name=""/>
+        <p:cNvGrpSpPr/>
+        <p:nvPr/>
+      </p:nvGrpSpPr>
+      <p:grpSpPr>
+        <a:xfrm>
+          <a:off x="0" y="0"/>
+          <a:ext cx="0" cy="0"/>
+          <a:chOff x="0" y="0"/>
+          <a:chExt cx="0" cy="0"/>
+        </a:xfrm>
+      </p:grpSpPr>
+      <p:sp useBgFill="1">
+        <p:nvSpPr>
+          <p:cNvPr id="9" name="Rectangle 8">
+            <a:extLst>
+              <a:ext uri="{FF2B5EF4-FFF2-40B4-BE49-F238E27FC236}">
+                <a16:creationId xmlns:a16="http://schemas.microsoft.com/office/drawing/2014/main" id="{131BAD53-4E89-4F62-BBB7-26359763ED39}"/>
+              </a:ext>
+              <a:ext uri="{C183D7F6-B498-43B3-948B-1728B52AA6E4}">
+                <adec:decorative xmlns:adec="http://schemas.microsoft.com/office/drawing/2017/decorative" val="1"/>
+              </a:ext>
+            </a:extLst>
+          </p:cNvPr>
+          <p:cNvSpPr>
+            <a:spLocks noGrp="1" noRot="1" noChangeAspect="1" noMove="1" noResize="1" noEditPoints="1" noAdjustHandles="1" noChangeArrowheads="1" noChangeShapeType="1" noTextEdit="1"/>
+          </p:cNvSpPr>
+          <p:nvPr>
+            <p:extLst>
+              <p:ext uri="{386F3935-93C4-4BCD-93E2-E3B085C9AB24}">
+                <p16:designElem xmlns:p16="http://schemas.microsoft.com/office/powerpoint/2015/main" val="1"/>
+              </p:ext>
+            </p:extLst>
+          </p:nvPr>
+        </p:nvSpPr>
+        <p:spPr>
+          <a:xfrm>
+            <a:off x="0" y="0"/>
+            <a:ext cx="12192000" cy="6858000"/>
+          </a:xfrm>
+          <a:prstGeom prst="rect">
+            <a:avLst/>
+          </a:prstGeom>
+          <a:ln w="12700" cap="flat" cmpd="sng" algn="ctr">
+            <a:noFill/>
+            <a:prstDash val="solid"/>
+            <a:miter lim="800000"/>
+          </a:ln>
+          <a:effectLst/>
+          <a:extLst>
+            <a:ext uri="{91240B29-F687-4F45-9708-019B960494DF}">
+              <a14:hiddenLine xmlns:a14="http://schemas.microsoft.com/office/drawing/2010/main" w="12700" cap="flat" cmpd="sng" algn="ctr">
+                <a:solidFill>
+                  <a:schemeClr val="accent1">
+                    <a:shade val="50000"/>
+                  </a:schemeClr>
+                </a:solidFill>
+                <a:prstDash val="solid"/>
+                <a:miter lim="800000"/>
+              </a14:hiddenLine>
+            </a:ext>
+          </a:extLst>
+        </p:spPr>
+        <p:style>
+          <a:lnRef idx="2">
+            <a:schemeClr val="accent1">
+              <a:shade val="50000"/>
+            </a:schemeClr>
+          </a:lnRef>
+          <a:fillRef idx="1">
+            <a:schemeClr val="accent1"/>
+          </a:fillRef>
+          <a:effectRef idx="0">
+            <a:schemeClr val="accent1"/>
+          </a:effectRef>
+          <a:fontRef idx="minor">
+            <a:schemeClr val="lt1"/>
+          </a:fontRef>
+        </p:style>
+        <p:txBody>
+          <a:bodyPr rtlCol="0" anchor="ctr"/>
+          <a:lstStyle/>
+          <a:p>
+            <a:pPr algn="ctr"/>
+            <a:endParaRPr lang="en-US"/>
+          </a:p>
+        </p:txBody>
+      </p:sp>
+      <p:sp>
+        <p:nvSpPr>
+          <p:cNvPr id="11" name="Freeform: Shape 10">
+            <a:extLst>
+              <a:ext uri="{FF2B5EF4-FFF2-40B4-BE49-F238E27FC236}">
+                <a16:creationId xmlns:a16="http://schemas.microsoft.com/office/drawing/2014/main" id="{62756DA2-40EB-4C6F-B962-5822FFB54FB6}"/>
+              </a:ext>
+              <a:ext uri="{C183D7F6-B498-43B3-948B-1728B52AA6E4}">
+                <adec:decorative xmlns:adec="http://schemas.microsoft.com/office/drawing/2017/decorative" val="1"/>
+              </a:ext>
+            </a:extLst>
+          </p:cNvPr>
+          <p:cNvSpPr>
+            <a:spLocks noGrp="1" noRot="1" noChangeAspect="1" noMove="1" noResize="1" noEditPoints="1" noAdjustHandles="1" noChangeArrowheads="1" noChangeShapeType="1" noTextEdit="1"/>
+          </p:cNvSpPr>
+          <p:nvPr>
+            <p:extLst>
+              <p:ext uri="{386F3935-93C4-4BCD-93E2-E3B085C9AB24}">
+                <p16:designElem xmlns:p16="http://schemas.microsoft.com/office/powerpoint/2015/main" val="1"/>
+              </p:ext>
+            </p:extLst>
+          </p:nvPr>
+        </p:nvSpPr>
+        <p:spPr>
+          <a:xfrm>
+            <a:off x="0" y="0"/>
+            <a:ext cx="5653438" cy="6858000"/>
+          </a:xfrm>
+          <a:custGeom>
+            <a:avLst/>
+            <a:gdLst>
+              <a:gd name="connsiteX0" fmla="*/ 0 w 6096000"/>
+              <a:gd name="connsiteY0" fmla="*/ 0 h 6858000"/>
+              <a:gd name="connsiteX1" fmla="*/ 5567517 w 6096000"/>
+              <a:gd name="connsiteY1" fmla="*/ 0 h 6858000"/>
+              <a:gd name="connsiteX2" fmla="*/ 5566938 w 6096000"/>
+              <a:gd name="connsiteY2" fmla="*/ 1705 h 6858000"/>
+              <a:gd name="connsiteX3" fmla="*/ 5551594 w 6096000"/>
+              <a:gd name="connsiteY3" fmla="*/ 17287 h 6858000"/>
+              <a:gd name="connsiteX4" fmla="*/ 5545641 w 6096000"/>
+              <a:gd name="connsiteY4" fmla="*/ 130336 h 6858000"/>
+              <a:gd name="connsiteX5" fmla="*/ 5538289 w 6096000"/>
+              <a:gd name="connsiteY5" fmla="*/ 187093 h 6858000"/>
+              <a:gd name="connsiteX6" fmla="*/ 5545790 w 6096000"/>
+              <a:gd name="connsiteY6" fmla="*/ 265704 h 6858000"/>
+              <a:gd name="connsiteX7" fmla="*/ 5542313 w 6096000"/>
+              <a:gd name="connsiteY7" fmla="*/ 354566 h 6858000"/>
+              <a:gd name="connsiteX8" fmla="*/ 5524126 w 6096000"/>
+              <a:gd name="connsiteY8" fmla="*/ 472000 h 6858000"/>
+              <a:gd name="connsiteX9" fmla="*/ 5522170 w 6096000"/>
+              <a:gd name="connsiteY9" fmla="*/ 473782 h 6858000"/>
+              <a:gd name="connsiteX10" fmla="*/ 5521798 w 6096000"/>
+              <a:gd name="connsiteY10" fmla="*/ 491380 h 6858000"/>
+              <a:gd name="connsiteX11" fmla="*/ 5536419 w 6096000"/>
+              <a:gd name="connsiteY11" fmla="*/ 531675 h 6858000"/>
+              <a:gd name="connsiteX12" fmla="*/ 5533435 w 6096000"/>
+              <a:gd name="connsiteY12" fmla="*/ 536015 h 6858000"/>
+              <a:gd name="connsiteX13" fmla="*/ 5538088 w 6096000"/>
+              <a:gd name="connsiteY13" fmla="*/ 572092 h 6858000"/>
+              <a:gd name="connsiteX14" fmla="*/ 5536061 w 6096000"/>
+              <a:gd name="connsiteY14" fmla="*/ 572511 h 6858000"/>
+              <a:gd name="connsiteX15" fmla="*/ 5528218 w 6096000"/>
+              <a:gd name="connsiteY15" fmla="*/ 582332 h 6858000"/>
+              <a:gd name="connsiteX16" fmla="*/ 5518011 w 6096000"/>
+              <a:gd name="connsiteY16" fmla="*/ 601285 h 6858000"/>
+              <a:gd name="connsiteX17" fmla="*/ 5473174 w 6096000"/>
+              <a:gd name="connsiteY17" fmla="*/ 681608 h 6858000"/>
+              <a:gd name="connsiteX18" fmla="*/ 5472963 w 6096000"/>
+              <a:gd name="connsiteY18" fmla="*/ 689151 h 6858000"/>
+              <a:gd name="connsiteX19" fmla="*/ 5472485 w 6096000"/>
+              <a:gd name="connsiteY19" fmla="*/ 689289 h 6858000"/>
+              <a:gd name="connsiteX20" fmla="*/ 5471326 w 6096000"/>
+              <a:gd name="connsiteY20" fmla="*/ 697222 h 6858000"/>
+              <a:gd name="connsiteX21" fmla="*/ 5472164 w 6096000"/>
+              <a:gd name="connsiteY21" fmla="*/ 717531 h 6858000"/>
+              <a:gd name="connsiteX22" fmla="*/ 5468891 w 6096000"/>
+              <a:gd name="connsiteY22" fmla="*/ 722494 h 6858000"/>
+              <a:gd name="connsiteX23" fmla="*/ 5463081 w 6096000"/>
+              <a:gd name="connsiteY23" fmla="*/ 724368 h 6858000"/>
+              <a:gd name="connsiteX24" fmla="*/ 5446981 w 6096000"/>
+              <a:gd name="connsiteY24" fmla="*/ 752692 h 6858000"/>
+              <a:gd name="connsiteX25" fmla="*/ 5417190 w 6096000"/>
+              <a:gd name="connsiteY25" fmla="*/ 816346 h 6858000"/>
+              <a:gd name="connsiteX26" fmla="*/ 5388958 w 6096000"/>
+              <a:gd name="connsiteY26" fmla="*/ 889417 h 6858000"/>
+              <a:gd name="connsiteX27" fmla="*/ 5307044 w 6096000"/>
+              <a:gd name="connsiteY27" fmla="*/ 1063288 h 6858000"/>
+              <a:gd name="connsiteX28" fmla="*/ 5303837 w 6096000"/>
+              <a:gd name="connsiteY28" fmla="*/ 1157176 h 6858000"/>
+              <a:gd name="connsiteX29" fmla="*/ 5286494 w 6096000"/>
+              <a:gd name="connsiteY29" fmla="*/ 1210776 h 6858000"/>
+              <a:gd name="connsiteX30" fmla="*/ 5282463 w 6096000"/>
+              <a:gd name="connsiteY30" fmla="*/ 1301993 h 6858000"/>
+              <a:gd name="connsiteX31" fmla="*/ 5252235 w 6096000"/>
+              <a:gd name="connsiteY31" fmla="*/ 1360879 h 6858000"/>
+              <a:gd name="connsiteX32" fmla="*/ 5244497 w 6096000"/>
+              <a:gd name="connsiteY32" fmla="*/ 1404045 h 6858000"/>
+              <a:gd name="connsiteX33" fmla="*/ 5223823 w 6096000"/>
+              <a:gd name="connsiteY33" fmla="*/ 1429568 h 6858000"/>
+              <a:gd name="connsiteX34" fmla="*/ 5224851 w 6096000"/>
+              <a:gd name="connsiteY34" fmla="*/ 1430305 h 6858000"/>
+              <a:gd name="connsiteX35" fmla="*/ 5212394 w 6096000"/>
+              <a:gd name="connsiteY35" fmla="*/ 1463304 h 6858000"/>
+              <a:gd name="connsiteX36" fmla="*/ 5209958 w 6096000"/>
+              <a:gd name="connsiteY36" fmla="*/ 1514846 h 6858000"/>
+              <a:gd name="connsiteX37" fmla="*/ 5206417 w 6096000"/>
+              <a:gd name="connsiteY37" fmla="*/ 1519731 h 6858000"/>
+              <a:gd name="connsiteX38" fmla="*/ 5206640 w 6096000"/>
+              <a:gd name="connsiteY38" fmla="*/ 1519929 h 6858000"/>
+              <a:gd name="connsiteX39" fmla="*/ 5207632 w 6096000"/>
+              <a:gd name="connsiteY39" fmla="*/ 1546022 h 6858000"/>
+              <a:gd name="connsiteX40" fmla="*/ 5212030 w 6096000"/>
+              <a:gd name="connsiteY40" fmla="*/ 1578752 h 6858000"/>
+              <a:gd name="connsiteX41" fmla="*/ 5203533 w 6096000"/>
+              <a:gd name="connsiteY41" fmla="*/ 1647555 h 6858000"/>
+              <a:gd name="connsiteX42" fmla="*/ 5190877 w 6096000"/>
+              <a:gd name="connsiteY42" fmla="*/ 1715685 h 6858000"/>
+              <a:gd name="connsiteX43" fmla="*/ 5184235 w 6096000"/>
+              <a:gd name="connsiteY43" fmla="*/ 1740358 h 6858000"/>
+              <a:gd name="connsiteX44" fmla="*/ 5181475 w 6096000"/>
+              <a:gd name="connsiteY44" fmla="*/ 1784314 h 6858000"/>
+              <a:gd name="connsiteX45" fmla="*/ 5185845 w 6096000"/>
+              <a:gd name="connsiteY45" fmla="*/ 1804434 h 6858000"/>
+              <a:gd name="connsiteX46" fmla="*/ 5185068 w 6096000"/>
+              <a:gd name="connsiteY46" fmla="*/ 1805316 h 6858000"/>
+              <a:gd name="connsiteX47" fmla="*/ 5188593 w 6096000"/>
+              <a:gd name="connsiteY47" fmla="*/ 1807109 h 6858000"/>
+              <a:gd name="connsiteX48" fmla="*/ 5185920 w 6096000"/>
+              <a:gd name="connsiteY48" fmla="*/ 1821003 h 6858000"/>
+              <a:gd name="connsiteX49" fmla="*/ 5183543 w 6096000"/>
+              <a:gd name="connsiteY49" fmla="*/ 1824832 h 6858000"/>
+              <a:gd name="connsiteX50" fmla="*/ 5182235 w 6096000"/>
+              <a:gd name="connsiteY50" fmla="*/ 1830429 h 6858000"/>
+              <a:gd name="connsiteX51" fmla="*/ 5182525 w 6096000"/>
+              <a:gd name="connsiteY51" fmla="*/ 1830569 h 6858000"/>
+              <a:gd name="connsiteX52" fmla="*/ 5180663 w 6096000"/>
+              <a:gd name="connsiteY52" fmla="*/ 1835810 h 6858000"/>
+              <a:gd name="connsiteX53" fmla="*/ 5167452 w 6096000"/>
+              <a:gd name="connsiteY53" fmla="*/ 1861483 h 6858000"/>
+              <a:gd name="connsiteX54" fmla="*/ 5174266 w 6096000"/>
+              <a:gd name="connsiteY54" fmla="*/ 1892417 h 6858000"/>
+              <a:gd name="connsiteX55" fmla="*/ 5189262 w 6096000"/>
+              <a:gd name="connsiteY55" fmla="*/ 1895114 h 6858000"/>
+              <a:gd name="connsiteX56" fmla="*/ 5187100 w 6096000"/>
+              <a:gd name="connsiteY56" fmla="*/ 1899379 h 6858000"/>
+              <a:gd name="connsiteX57" fmla="*/ 5180471 w 6096000"/>
+              <a:gd name="connsiteY57" fmla="*/ 1907867 h 6858000"/>
+              <a:gd name="connsiteX58" fmla="*/ 5181361 w 6096000"/>
+              <a:gd name="connsiteY58" fmla="*/ 1910265 h 6858000"/>
+              <a:gd name="connsiteX59" fmla="*/ 5178268 w 6096000"/>
+              <a:gd name="connsiteY59" fmla="*/ 1935584 h 6858000"/>
+              <a:gd name="connsiteX60" fmla="*/ 5183619 w 6096000"/>
+              <a:gd name="connsiteY60" fmla="*/ 1942021 h 6858000"/>
+              <a:gd name="connsiteX61" fmla="*/ 5184480 w 6096000"/>
+              <a:gd name="connsiteY61" fmla="*/ 1945112 h 6858000"/>
+              <a:gd name="connsiteX62" fmla="*/ 5172776 w 6096000"/>
+              <a:gd name="connsiteY62" fmla="*/ 1961162 h 6858000"/>
+              <a:gd name="connsiteX63" fmla="*/ 5168513 w 6096000"/>
+              <a:gd name="connsiteY63" fmla="*/ 1969445 h 6858000"/>
+              <a:gd name="connsiteX64" fmla="*/ 5126597 w 6096000"/>
+              <a:gd name="connsiteY64" fmla="*/ 2024270 h 6858000"/>
+              <a:gd name="connsiteX65" fmla="*/ 5119528 w 6096000"/>
+              <a:gd name="connsiteY65" fmla="*/ 2107942 h 6858000"/>
+              <a:gd name="connsiteX66" fmla="*/ 5110356 w 6096000"/>
+              <a:gd name="connsiteY66" fmla="*/ 2193455 h 6858000"/>
+              <a:gd name="connsiteX67" fmla="*/ 5104992 w 6096000"/>
+              <a:gd name="connsiteY67" fmla="*/ 2260088 h 6858000"/>
+              <a:gd name="connsiteX68" fmla="*/ 5059439 w 6096000"/>
+              <a:gd name="connsiteY68" fmla="*/ 2335735 h 6858000"/>
+              <a:gd name="connsiteX69" fmla="*/ 5022061 w 6096000"/>
+              <a:gd name="connsiteY69" fmla="*/ 2408995 h 6858000"/>
+              <a:gd name="connsiteX70" fmla="*/ 5022253 w 6096000"/>
+              <a:gd name="connsiteY70" fmla="*/ 2445869 h 6858000"/>
+              <a:gd name="connsiteX71" fmla="*/ 5011426 w 6096000"/>
+              <a:gd name="connsiteY71" fmla="*/ 2496499 h 6858000"/>
+              <a:gd name="connsiteX72" fmla="*/ 4994224 w 6096000"/>
+              <a:gd name="connsiteY72" fmla="*/ 2549900 h 6858000"/>
+              <a:gd name="connsiteX73" fmla="*/ 4995245 w 6096000"/>
+              <a:gd name="connsiteY73" fmla="*/ 2596456 h 6858000"/>
+              <a:gd name="connsiteX74" fmla="*/ 4988570 w 6096000"/>
+              <a:gd name="connsiteY74" fmla="*/ 2606088 h 6858000"/>
+              <a:gd name="connsiteX75" fmla="*/ 4988371 w 6096000"/>
+              <a:gd name="connsiteY75" fmla="*/ 2635351 h 6858000"/>
+              <a:gd name="connsiteX76" fmla="*/ 4983212 w 6096000"/>
+              <a:gd name="connsiteY76" fmla="*/ 2665666 h 6858000"/>
+              <a:gd name="connsiteX77" fmla="*/ 4968234 w 6096000"/>
+              <a:gd name="connsiteY77" fmla="*/ 2715895 h 6858000"/>
+              <a:gd name="connsiteX78" fmla="*/ 4975888 w 6096000"/>
+              <a:gd name="connsiteY78" fmla="*/ 2725052 h 6858000"/>
+              <a:gd name="connsiteX79" fmla="*/ 4980195 w 6096000"/>
+              <a:gd name="connsiteY79" fmla="*/ 2726489 h 6858000"/>
+              <a:gd name="connsiteX80" fmla="*/ 4976218 w 6096000"/>
+              <a:gd name="connsiteY80" fmla="*/ 2740278 h 6858000"/>
+              <a:gd name="connsiteX81" fmla="*/ 4980571 w 6096000"/>
+              <a:gd name="connsiteY81" fmla="*/ 2751112 h 6858000"/>
+              <a:gd name="connsiteX82" fmla="*/ 4973893 w 6096000"/>
+              <a:gd name="connsiteY82" fmla="*/ 2760208 h 6858000"/>
+              <a:gd name="connsiteX83" fmla="*/ 4979005 w 6096000"/>
+              <a:gd name="connsiteY83" fmla="*/ 2790136 h 6858000"/>
+              <a:gd name="connsiteX84" fmla="*/ 4986137 w 6096000"/>
+              <a:gd name="connsiteY84" fmla="*/ 2804183 h 6858000"/>
+              <a:gd name="connsiteX85" fmla="*/ 4986175 w 6096000"/>
+              <a:gd name="connsiteY85" fmla="*/ 2825860 h 6858000"/>
+              <a:gd name="connsiteX86" fmla="*/ 4993936 w 6096000"/>
+              <a:gd name="connsiteY86" fmla="*/ 2911749 h 6858000"/>
+              <a:gd name="connsiteX87" fmla="*/ 4992563 w 6096000"/>
+              <a:gd name="connsiteY87" fmla="*/ 2977278 h 6858000"/>
+              <a:gd name="connsiteX88" fmla="*/ 4980516 w 6096000"/>
+              <a:gd name="connsiteY88" fmla="*/ 2991092 h 6858000"/>
+              <a:gd name="connsiteX89" fmla="*/ 4992801 w 6096000"/>
+              <a:gd name="connsiteY89" fmla="*/ 3020247 h 6858000"/>
+              <a:gd name="connsiteX90" fmla="*/ 5014805 w 6096000"/>
+              <a:gd name="connsiteY90" fmla="*/ 3065434 h 6858000"/>
+              <a:gd name="connsiteX91" fmla="*/ 5002733 w 6096000"/>
+              <a:gd name="connsiteY91" fmla="*/ 3103777 h 6858000"/>
+              <a:gd name="connsiteX92" fmla="*/ 5002941 w 6096000"/>
+              <a:gd name="connsiteY92" fmla="*/ 3151828 h 6858000"/>
+              <a:gd name="connsiteX93" fmla="*/ 5002883 w 6096000"/>
+              <a:gd name="connsiteY93" fmla="*/ 3180546 h 6858000"/>
+              <a:gd name="connsiteX94" fmla="*/ 5016711 w 6096000"/>
+              <a:gd name="connsiteY94" fmla="*/ 3258677 h 6858000"/>
+              <a:gd name="connsiteX95" fmla="*/ 5017918 w 6096000"/>
+              <a:gd name="connsiteY95" fmla="*/ 3262610 h 6858000"/>
+              <a:gd name="connsiteX96" fmla="*/ 5011672 w 6096000"/>
+              <a:gd name="connsiteY96" fmla="*/ 3277179 h 6858000"/>
+              <a:gd name="connsiteX97" fmla="*/ 5009344 w 6096000"/>
+              <a:gd name="connsiteY97" fmla="*/ 3278130 h 6858000"/>
+              <a:gd name="connsiteX98" fmla="*/ 5026770 w 6096000"/>
+              <a:gd name="connsiteY98" fmla="*/ 3325671 h 6858000"/>
+              <a:gd name="connsiteX99" fmla="*/ 5024571 w 6096000"/>
+              <a:gd name="connsiteY99" fmla="*/ 3332072 h 6858000"/>
+              <a:gd name="connsiteX100" fmla="*/ 5041705 w 6096000"/>
+              <a:gd name="connsiteY100" fmla="*/ 3362948 h 6858000"/>
+              <a:gd name="connsiteX101" fmla="*/ 5047477 w 6096000"/>
+              <a:gd name="connsiteY101" fmla="*/ 3378959 h 6858000"/>
+              <a:gd name="connsiteX102" fmla="*/ 5060758 w 6096000"/>
+              <a:gd name="connsiteY102" fmla="*/ 3407057 h 6858000"/>
+              <a:gd name="connsiteX103" fmla="*/ 5058968 w 6096000"/>
+              <a:gd name="connsiteY103" fmla="*/ 3409825 h 6858000"/>
+              <a:gd name="connsiteX104" fmla="*/ 5062667 w 6096000"/>
+              <a:gd name="connsiteY104" fmla="*/ 3415218 h 6858000"/>
+              <a:gd name="connsiteX105" fmla="*/ 5060928 w 6096000"/>
+              <a:gd name="connsiteY105" fmla="*/ 3419880 h 6858000"/>
+              <a:gd name="connsiteX106" fmla="*/ 5062923 w 6096000"/>
+              <a:gd name="connsiteY106" fmla="*/ 3424545 h 6858000"/>
+              <a:gd name="connsiteX107" fmla="*/ 5064623 w 6096000"/>
+              <a:gd name="connsiteY107" fmla="*/ 3476412 h 6858000"/>
+              <a:gd name="connsiteX108" fmla="*/ 5069684 w 6096000"/>
+              <a:gd name="connsiteY108" fmla="*/ 3486850 h 6858000"/>
+              <a:gd name="connsiteX109" fmla="*/ 5063339 w 6096000"/>
+              <a:gd name="connsiteY109" fmla="*/ 3496391 h 6858000"/>
+              <a:gd name="connsiteX110" fmla="*/ 5070139 w 6096000"/>
+              <a:gd name="connsiteY110" fmla="*/ 3531201 h 6858000"/>
+              <a:gd name="connsiteX111" fmla="*/ 5079896 w 6096000"/>
+              <a:gd name="connsiteY111" fmla="*/ 3542019 h 6858000"/>
+              <a:gd name="connsiteX112" fmla="*/ 5087540 w 6096000"/>
+              <a:gd name="connsiteY112" fmla="*/ 3552249 h 6858000"/>
+              <a:gd name="connsiteX113" fmla="*/ 5087902 w 6096000"/>
+              <a:gd name="connsiteY113" fmla="*/ 3553678 h 6858000"/>
+              <a:gd name="connsiteX114" fmla="*/ 5091509 w 6096000"/>
+              <a:gd name="connsiteY114" fmla="*/ 3568021 h 6858000"/>
+              <a:gd name="connsiteX115" fmla="*/ 5091934 w 6096000"/>
+              <a:gd name="connsiteY115" fmla="*/ 3569719 h 6858000"/>
+              <a:gd name="connsiteX116" fmla="*/ 5089362 w 6096000"/>
+              <a:gd name="connsiteY116" fmla="*/ 3586412 h 6858000"/>
+              <a:gd name="connsiteX117" fmla="*/ 5092358 w 6096000"/>
+              <a:gd name="connsiteY117" fmla="*/ 3597336 h 6858000"/>
+              <a:gd name="connsiteX118" fmla="*/ 5084254 w 6096000"/>
+              <a:gd name="connsiteY118" fmla="*/ 3606007 h 6858000"/>
+              <a:gd name="connsiteX119" fmla="*/ 5084281 w 6096000"/>
+              <a:gd name="connsiteY119" fmla="*/ 3641228 h 6858000"/>
+              <a:gd name="connsiteX120" fmla="*/ 5091848 w 6096000"/>
+              <a:gd name="connsiteY120" fmla="*/ 3653088 h 6858000"/>
+              <a:gd name="connsiteX121" fmla="*/ 5097436 w 6096000"/>
+              <a:gd name="connsiteY121" fmla="*/ 3664114 h 6858000"/>
+              <a:gd name="connsiteX122" fmla="*/ 5097518 w 6096000"/>
+              <a:gd name="connsiteY122" fmla="*/ 3665569 h 6858000"/>
+              <a:gd name="connsiteX123" fmla="*/ 5099829 w 6096000"/>
+              <a:gd name="connsiteY123" fmla="*/ 3707357 h 6858000"/>
+              <a:gd name="connsiteX124" fmla="*/ 5114696 w 6096000"/>
+              <a:gd name="connsiteY124" fmla="*/ 3778166 h 6858000"/>
+              <a:gd name="connsiteX125" fmla="*/ 5135379 w 6096000"/>
+              <a:gd name="connsiteY125" fmla="*/ 3878222 h 6858000"/>
+              <a:gd name="connsiteX126" fmla="*/ 5130138 w 6096000"/>
+              <a:gd name="connsiteY126" fmla="*/ 4048117 h 6858000"/>
+              <a:gd name="connsiteX127" fmla="*/ 5090040 w 6096000"/>
+              <a:gd name="connsiteY127" fmla="*/ 4219510 h 6858000"/>
+              <a:gd name="connsiteX128" fmla="*/ 5092812 w 6096000"/>
+              <a:gd name="connsiteY128" fmla="*/ 4411258 h 6858000"/>
+              <a:gd name="connsiteX129" fmla="*/ 5084599 w 6096000"/>
+              <a:gd name="connsiteY129" fmla="*/ 4488531 h 6858000"/>
+              <a:gd name="connsiteX130" fmla="*/ 5084072 w 6096000"/>
+              <a:gd name="connsiteY130" fmla="*/ 4539168 h 6858000"/>
+              <a:gd name="connsiteX131" fmla="*/ 5068936 w 6096000"/>
+              <a:gd name="connsiteY131" fmla="*/ 4625153 h 6858000"/>
+              <a:gd name="connsiteX132" fmla="*/ 5059114 w 6096000"/>
+              <a:gd name="connsiteY132" fmla="*/ 4733115 h 6858000"/>
+              <a:gd name="connsiteX133" fmla="*/ 5037209 w 6096000"/>
+              <a:gd name="connsiteY133" fmla="*/ 4844323 h 6858000"/>
+              <a:gd name="connsiteX134" fmla="*/ 5020638 w 6096000"/>
+              <a:gd name="connsiteY134" fmla="*/ 4877992 h 6858000"/>
+              <a:gd name="connsiteX135" fmla="*/ 5006413 w 6096000"/>
+              <a:gd name="connsiteY135" fmla="*/ 4925805 h 6858000"/>
+              <a:gd name="connsiteX136" fmla="*/ 4971037 w 6096000"/>
+              <a:gd name="connsiteY136" fmla="*/ 5009272 h 6858000"/>
+              <a:gd name="connsiteX137" fmla="*/ 4963105 w 6096000"/>
+              <a:gd name="connsiteY137" fmla="*/ 5111369 h 6858000"/>
+              <a:gd name="connsiteX138" fmla="*/ 4976341 w 6096000"/>
+              <a:gd name="connsiteY138" fmla="*/ 5210876 h 6858000"/>
+              <a:gd name="connsiteX139" fmla="*/ 4980617 w 6096000"/>
+              <a:gd name="connsiteY139" fmla="*/ 5269726 h 6858000"/>
+              <a:gd name="connsiteX140" fmla="*/ 4997733 w 6096000"/>
+              <a:gd name="connsiteY140" fmla="*/ 5464225 h 6858000"/>
+              <a:gd name="connsiteX141" fmla="*/ 5001400 w 6096000"/>
+              <a:gd name="connsiteY141" fmla="*/ 5594585 h 6858000"/>
+              <a:gd name="connsiteX142" fmla="*/ 4983700 w 6096000"/>
+              <a:gd name="connsiteY142" fmla="*/ 5667896 h 6858000"/>
+              <a:gd name="connsiteX143" fmla="*/ 4968506 w 6096000"/>
+              <a:gd name="connsiteY143" fmla="*/ 5769225 h 6858000"/>
+              <a:gd name="connsiteX144" fmla="*/ 4969765 w 6096000"/>
+              <a:gd name="connsiteY144" fmla="*/ 5823324 h 6858000"/>
+              <a:gd name="connsiteX145" fmla="*/ 4966129 w 6096000"/>
+              <a:gd name="connsiteY145" fmla="*/ 5862699 h 6858000"/>
+              <a:gd name="connsiteX146" fmla="*/ 4970695 w 6096000"/>
+              <a:gd name="connsiteY146" fmla="*/ 5906467 h 6858000"/>
+              <a:gd name="connsiteX147" fmla="*/ 4991568 w 6096000"/>
+              <a:gd name="connsiteY147" fmla="*/ 5939847 h 6858000"/>
+              <a:gd name="connsiteX148" fmla="*/ 4986815 w 6096000"/>
+              <a:gd name="connsiteY148" fmla="*/ 5973994 h 6858000"/>
+              <a:gd name="connsiteX149" fmla="*/ 4987776 w 6096000"/>
+              <a:gd name="connsiteY149" fmla="*/ 6089693 h 6858000"/>
+              <a:gd name="connsiteX150" fmla="*/ 4991621 w 6096000"/>
+              <a:gd name="connsiteY150" fmla="*/ 6224938 h 6858000"/>
+              <a:gd name="connsiteX151" fmla="*/ 5017157 w 6096000"/>
+              <a:gd name="connsiteY151" fmla="*/ 6370251 h 6858000"/>
+              <a:gd name="connsiteX152" fmla="*/ 5040797 w 6096000"/>
+              <a:gd name="connsiteY152" fmla="*/ 6541313 h 6858000"/>
+              <a:gd name="connsiteX153" fmla="*/ 5045375 w 6096000"/>
+              <a:gd name="connsiteY153" fmla="*/ 6640957 h 6858000"/>
+              <a:gd name="connsiteX154" fmla="*/ 5058442 w 6096000"/>
+              <a:gd name="connsiteY154" fmla="*/ 6705297 h 6858000"/>
+              <a:gd name="connsiteX155" fmla="*/ 5071125 w 6096000"/>
+              <a:gd name="connsiteY155" fmla="*/ 6759582 h 6858000"/>
+              <a:gd name="connsiteX156" fmla="*/ 5069172 w 6096000"/>
+              <a:gd name="connsiteY156" fmla="*/ 6817746 h 6858000"/>
+              <a:gd name="connsiteX157" fmla="*/ 5072322 w 6096000"/>
+              <a:gd name="connsiteY157" fmla="*/ 6843646 h 6858000"/>
+              <a:gd name="connsiteX158" fmla="*/ 5091388 w 6096000"/>
+              <a:gd name="connsiteY158" fmla="*/ 6857998 h 6858000"/>
+              <a:gd name="connsiteX159" fmla="*/ 6096000 w 6096000"/>
+              <a:gd name="connsiteY159" fmla="*/ 6857998 h 6858000"/>
+              <a:gd name="connsiteX160" fmla="*/ 6096000 w 6096000"/>
+              <a:gd name="connsiteY160" fmla="*/ 6858000 h 6858000"/>
+              <a:gd name="connsiteX161" fmla="*/ 0 w 6096000"/>
+              <a:gd name="connsiteY161" fmla="*/ 6858000 h 6858000"/>
+            </a:gdLst>
+            <a:ahLst/>
+            <a:cxnLst>
+              <a:cxn ang="0">
+                <a:pos x="connsiteX0" y="connsiteY0"/>
+              </a:cxn>
+              <a:cxn ang="0">
+                <a:pos x="connsiteX1" y="connsiteY1"/>
+              </a:cxn>
+              <a:cxn ang="0">
+                <a:pos x="connsiteX2" y="connsiteY2"/>
+              </a:cxn>
+              <a:cxn ang="0">
+                <a:pos x="connsiteX3" y="connsiteY3"/>
+              </a:cxn>
+              <a:cxn ang="0">
+                <a:pos x="connsiteX4" y="connsiteY4"/>
+              </a:cxn>
+              <a:cxn ang="0">
+                <a:pos x="connsiteX5" y="connsiteY5"/>
+              </a:cxn>
+              <a:cxn ang="0">
+                <a:pos x="connsiteX6" y="connsiteY6"/>
+              </a:cxn>
+              <a:cxn ang="0">
+                <a:pos x="connsiteX7" y="connsiteY7"/>
+              </a:cxn>
+              <a:cxn ang="0">
+                <a:pos x="connsiteX8" y="connsiteY8"/>
+              </a:cxn>
+              <a:cxn ang="0">
+                <a:pos x="connsiteX9" y="connsiteY9"/>
+              </a:cxn>
+              <a:cxn ang="0">
+                <a:pos x="connsiteX10" y="connsiteY10"/>
+              </a:cxn>
+              <a:cxn ang="0">
+                <a:pos x="connsiteX11" y="connsiteY11"/>
+              </a:cxn>
+              <a:cxn ang="0">
+                <a:pos x="connsiteX12" y="connsiteY12"/>
+              </a:cxn>
+              <a:cxn ang="0">
+                <a:pos x="connsiteX13" y="connsiteY13"/>
+              </a:cxn>
+              <a:cxn ang="0">
+                <a:pos x="connsiteX14" y="connsiteY14"/>
+              </a:cxn>
+              <a:cxn ang="0">
+                <a:pos x="connsiteX15" y="connsiteY15"/>
+              </a:cxn>
+              <a:cxn ang="0">
+                <a:pos x="connsiteX16" y="connsiteY16"/>
+              </a:cxn>
+              <a:cxn ang="0">
+                <a:pos x="connsiteX17" y="connsiteY17"/>
+              </a:cxn>
+              <a:cxn ang="0">
+                <a:pos x="connsiteX18" y="connsiteY18"/>
+              </a:cxn>
+              <a:cxn ang="0">
+                <a:pos x="connsiteX19" y="connsiteY19"/>
+              </a:cxn>
+              <a:cxn ang="0">
+                <a:pos x="connsiteX20" y="connsiteY20"/>
+              </a:cxn>
+              <a:cxn ang="0">
+                <a:pos x="connsiteX21" y="connsiteY21"/>
+              </a:cxn>
+              <a:cxn ang="0">
+                <a:pos x="connsiteX22" y="connsiteY22"/>
+              </a:cxn>
+              <a:cxn ang="0">
+                <a:pos x="connsiteX23" y="connsiteY23"/>
+              </a:cxn>
+              <a:cxn ang="0">
+                <a:pos x="connsiteX24" y="connsiteY24"/>
+              </a:cxn>
+              <a:cxn ang="0">
+                <a:pos x="connsiteX25" y="connsiteY25"/>
+              </a:cxn>
+              <a:cxn ang="0">
+                <a:pos x="connsiteX26" y="connsiteY26"/>
+              </a:cxn>
+              <a:cxn ang="0">
+                <a:pos x="connsiteX27" y="connsiteY27"/>
+              </a:cxn>
+              <a:cxn ang="0">
+                <a:pos x="connsiteX28" y="connsiteY28"/>
+              </a:cxn>
+              <a:cxn ang="0">
+                <a:pos x="connsiteX29" y="connsiteY29"/>
+              </a:cxn>
+              <a:cxn ang="0">
+                <a:pos x="connsiteX30" y="connsiteY30"/>
+              </a:cxn>
+              <a:cxn ang="0">
+                <a:pos x="connsiteX31" y="connsiteY31"/>
+              </a:cxn>
+              <a:cxn ang="0">
+                <a:pos x="connsiteX32" y="connsiteY32"/>
+              </a:cxn>
+              <a:cxn ang="0">
+                <a:pos x="connsiteX33" y="connsiteY33"/>
+              </a:cxn>
+              <a:cxn ang="0">
+                <a:pos x="connsiteX34" y="connsiteY34"/>
+              </a:cxn>
+              <a:cxn ang="0">
+                <a:pos x="connsiteX35" y="connsiteY35"/>
+              </a:cxn>
+              <a:cxn ang="0">
+                <a:pos x="connsiteX36" y="connsiteY36"/>
+              </a:cxn>
+              <a:cxn ang="0">
+                <a:pos x="connsiteX37" y="connsiteY37"/>
+              </a:cxn>
+              <a:cxn ang="0">
+                <a:pos x="connsiteX38" y="connsiteY38"/>
+              </a:cxn>
+              <a:cxn ang="0">
+                <a:pos x="connsiteX39" y="connsiteY39"/>
+              </a:cxn>
+              <a:cxn ang="0">
+                <a:pos x="connsiteX40" y="connsiteY40"/>
+              </a:cxn>
+              <a:cxn ang="0">
+                <a:pos x="connsiteX41" y="connsiteY41"/>
+              </a:cxn>
+              <a:cxn ang="0">
+                <a:pos x="connsiteX42" y="connsiteY42"/>
+              </a:cxn>
+              <a:cxn ang="0">
+                <a:pos x="connsiteX43" y="connsiteY43"/>
+              </a:cxn>
+              <a:cxn ang="0">
+                <a:pos x="connsiteX44" y="connsiteY44"/>
+              </a:cxn>
+              <a:cxn ang="0">
+                <a:pos x="connsiteX45" y="connsiteY45"/>
+              </a:cxn>
+              <a:cxn ang="0">
+                <a:pos x="connsiteX46" y="connsiteY46"/>
+              </a:cxn>
+              <a:cxn ang="0">
+                <a:pos x="connsiteX47" y="connsiteY47"/>
+              </a:cxn>
+              <a:cxn ang="0">
+                <a:pos x="connsiteX48" y="connsiteY48"/>
+              </a:cxn>
+              <a:cxn ang="0">
+                <a:pos x="connsiteX49" y="connsiteY49"/>
+              </a:cxn>
+              <a:cxn ang="0">
+                <a:pos x="connsiteX50" y="connsiteY50"/>
+              </a:cxn>
+              <a:cxn ang="0">
+                <a:pos x="connsiteX51" y="connsiteY51"/>
+              </a:cxn>
+              <a:cxn ang="0">
+                <a:pos x="connsiteX52" y="connsiteY52"/>
+              </a:cxn>
+              <a:cxn ang="0">
+                <a:pos x="connsiteX53" y="connsiteY53"/>
+              </a:cxn>
+              <a:cxn ang="0">
+                <a:pos x="connsiteX54" y="connsiteY54"/>
+              </a:cxn>
+              <a:cxn ang="0">
+                <a:pos x="connsiteX55" y="connsiteY55"/>
+              </a:cxn>
+              <a:cxn ang="0">
+                <a:pos x="connsiteX56" y="connsiteY56"/>
+              </a:cxn>
+              <a:cxn ang="0">
+                <a:pos x="connsiteX57" y="connsiteY57"/>
+              </a:cxn>
+              <a:cxn ang="0">
+                <a:pos x="connsiteX58" y="connsiteY58"/>
+              </a:cxn>
+              <a:cxn ang="0">
+                <a:pos x="connsiteX59" y="connsiteY59"/>
+              </a:cxn>
+              <a:cxn ang="0">
+                <a:pos x="connsiteX60" y="connsiteY60"/>
+              </a:cxn>
+              <a:cxn ang="0">
+                <a:pos x="connsiteX61" y="connsiteY61"/>
+              </a:cxn>
+              <a:cxn ang="0">
+                <a:pos x="connsiteX62" y="connsiteY62"/>
+              </a:cxn>
+              <a:cxn ang="0">
+                <a:pos x="connsiteX63" y="connsiteY63"/>
+              </a:cxn>
+              <a:cxn ang="0">
+                <a:pos x="connsiteX64" y="connsiteY64"/>
+              </a:cxn>
+              <a:cxn ang="0">
+                <a:pos x="connsiteX65" y="connsiteY65"/>
+              </a:cxn>
+              <a:cxn ang="0">
+                <a:pos x="connsiteX66" y="connsiteY66"/>
+              </a:cxn>
+              <a:cxn ang="0">
+                <a:pos x="connsiteX67" y="connsiteY67"/>
+              </a:cxn>
+              <a:cxn ang="0">
+                <a:pos x="connsiteX68" y="connsiteY68"/>
+              </a:cxn>
+              <a:cxn ang="0">
+                <a:pos x="connsiteX69" y="connsiteY69"/>
+              </a:cxn>
+              <a:cxn ang="0">
+                <a:pos x="connsiteX70" y="connsiteY70"/>
+              </a:cxn>
+              <a:cxn ang="0">
+                <a:pos x="connsiteX71" y="connsiteY71"/>
+              </a:cxn>
+              <a:cxn ang="0">
+                <a:pos x="connsiteX72" y="connsiteY72"/>
+              </a:cxn>
+              <a:cxn ang="0">
+                <a:pos x="connsiteX73" y="connsiteY73"/>
+              </a:cxn>
+              <a:cxn ang="0">
+                <a:pos x="connsiteX74" y="connsiteY74"/>
+              </a:cxn>
+              <a:cxn ang="0">
+                <a:pos x="connsiteX75" y="connsiteY75"/>
+              </a:cxn>
+              <a:cxn ang="0">
+                <a:pos x="connsiteX76" y="connsiteY76"/>
+              </a:cxn>
+              <a:cxn ang="0">
+                <a:pos x="connsiteX77" y="connsiteY77"/>
+              </a:cxn>
+              <a:cxn ang="0">
+                <a:pos x="connsiteX78" y="connsiteY78"/>
+              </a:cxn>
+              <a:cxn ang="0">
+                <a:pos x="connsiteX79" y="connsiteY79"/>
+              </a:cxn>
+              <a:cxn ang="0">
+                <a:pos x="connsiteX80" y="connsiteY80"/>
+              </a:cxn>
+              <a:cxn ang="0">
+                <a:pos x="connsiteX81" y="connsiteY81"/>
+              </a:cxn>
+              <a:cxn ang="0">
+                <a:pos x="connsiteX82" y="connsiteY82"/>
+              </a:cxn>
+              <a:cxn ang="0">
+                <a:pos x="connsiteX83" y="connsiteY83"/>
+              </a:cxn>
+              <a:cxn ang="0">
+                <a:pos x="connsiteX84" y="connsiteY84"/>
+              </a:cxn>
+              <a:cxn ang="0">
+                <a:pos x="connsiteX85" y="connsiteY85"/>
+              </a:cxn>
+              <a:cxn ang="0">
+                <a:pos x="connsiteX86" y="connsiteY86"/>
+              </a:cxn>
+              <a:cxn ang="0">
+                <a:pos x="connsiteX87" y="connsiteY87"/>
+              </a:cxn>
+              <a:cxn ang="0">
+                <a:pos x="connsiteX88" y="connsiteY88"/>
+              </a:cxn>
+              <a:cxn ang="0">
+                <a:pos x="connsiteX89" y="connsiteY89"/>
+              </a:cxn>
+              <a:cxn ang="0">
+                <a:pos x="connsiteX90" y="connsiteY90"/>
+              </a:cxn>
+              <a:cxn ang="0">
+                <a:pos x="connsiteX91" y="connsiteY91"/>
+              </a:cxn>
+              <a:cxn ang="0">
+                <a:pos x="connsiteX92" y="connsiteY92"/>
+              </a:cxn>
+              <a:cxn ang="0">
+                <a:pos x="connsiteX93" y="connsiteY93"/>
+              </a:cxn>
+              <a:cxn ang="0">
+                <a:pos x="connsiteX94" y="connsiteY94"/>
+              </a:cxn>
+              <a:cxn ang="0">
+                <a:pos x="connsiteX95" y="connsiteY95"/>
+              </a:cxn>
+              <a:cxn ang="0">
+                <a:pos x="connsiteX96" y="connsiteY96"/>
+              </a:cxn>
+              <a:cxn ang="0">
+                <a:pos x="connsiteX97" y="connsiteY97"/>
+              </a:cxn>
+              <a:cxn ang="0">
+                <a:pos x="connsiteX98" y="connsiteY98"/>
+              </a:cxn>
+              <a:cxn ang="0">
+                <a:pos x="connsiteX99" y="connsiteY99"/>
+              </a:cxn>
+              <a:cxn ang="0">
+                <a:pos x="connsiteX100" y="connsiteY100"/>
+              </a:cxn>
+              <a:cxn ang="0">
+                <a:pos x="connsiteX101" y="connsiteY101"/>
+              </a:cxn>
+              <a:cxn ang="0">
+                <a:pos x="connsiteX102" y="connsiteY102"/>
+              </a:cxn>
+              <a:cxn ang="0">
+                <a:pos x="connsiteX103" y="connsiteY103"/>
+              </a:cxn>
+              <a:cxn ang="0">
+                <a:pos x="connsiteX104" y="connsiteY104"/>
+              </a:cxn>
+              <a:cxn ang="0">
+                <a:pos x="connsiteX105" y="connsiteY105"/>
+              </a:cxn>
+              <a:cxn ang="0">
+                <a:pos x="connsiteX106" y="connsiteY106"/>
+              </a:cxn>
+              <a:cxn ang="0">
+                <a:pos x="connsiteX107" y="connsiteY107"/>
+              </a:cxn>
+              <a:cxn ang="0">
+                <a:pos x="connsiteX108" y="connsiteY108"/>
+              </a:cxn>
+              <a:cxn ang="0">
+                <a:pos x="connsiteX109" y="connsiteY109"/>
+              </a:cxn>
+              <a:cxn ang="0">
+                <a:pos x="connsiteX110" y="connsiteY110"/>
+              </a:cxn>
+              <a:cxn ang="0">
+                <a:pos x="connsiteX111" y="connsiteY111"/>
+              </a:cxn>
+              <a:cxn ang="0">
+                <a:pos x="connsiteX112" y="connsiteY112"/>
+              </a:cxn>
+              <a:cxn ang="0">
+                <a:pos x="connsiteX113" y="connsiteY113"/>
+              </a:cxn>
+              <a:cxn ang="0">
+                <a:pos x="connsiteX114" y="connsiteY114"/>
+              </a:cxn>
+              <a:cxn ang="0">
+                <a:pos x="connsiteX115" y="connsiteY115"/>
+              </a:cxn>
+              <a:cxn ang="0">
+                <a:pos x="connsiteX116" y="connsiteY116"/>
+              </a:cxn>
+              <a:cxn ang="0">
+                <a:pos x="connsiteX117" y="connsiteY117"/>
+              </a:cxn>
+              <a:cxn ang="0">
+                <a:pos x="connsiteX118" y="connsiteY118"/>
+              </a:cxn>
+              <a:cxn ang="0">
+                <a:pos x="connsiteX119" y="connsiteY119"/>
+              </a:cxn>
+              <a:cxn ang="0">
+                <a:pos x="connsiteX120" y="connsiteY120"/>
+              </a:cxn>
+              <a:cxn ang="0">
+                <a:pos x="connsiteX121" y="connsiteY121"/>
+              </a:cxn>
+              <a:cxn ang="0">
+                <a:pos x="connsiteX122" y="connsiteY122"/>
+              </a:cxn>
+              <a:cxn ang="0">
+                <a:pos x="connsiteX123" y="connsiteY123"/>
+              </a:cxn>
+              <a:cxn ang="0">
+                <a:pos x="connsiteX124" y="connsiteY124"/>
+              </a:cxn>
+              <a:cxn ang="0">
+                <a:pos x="connsiteX125" y="connsiteY125"/>
+              </a:cxn>
+              <a:cxn ang="0">
+                <a:pos x="connsiteX126" y="connsiteY126"/>
+              </a:cxn>
+              <a:cxn ang="0">
+                <a:pos x="connsiteX127" y="connsiteY127"/>
+              </a:cxn>
+              <a:cxn ang="0">
+                <a:pos x="connsiteX128" y="connsiteY128"/>
+              </a:cxn>
+              <a:cxn ang="0">
+                <a:pos x="connsiteX129" y="connsiteY129"/>
+              </a:cxn>
+              <a:cxn ang="0">
+                <a:pos x="connsiteX130" y="connsiteY130"/>
+              </a:cxn>
+              <a:cxn ang="0">
+                <a:pos x="connsiteX131" y="connsiteY131"/>
+              </a:cxn>
+              <a:cxn ang="0">
+                <a:pos x="connsiteX132" y="connsiteY132"/>
+              </a:cxn>
+              <a:cxn ang="0">
+                <a:pos x="connsiteX133" y="connsiteY133"/>
+              </a:cxn>
+              <a:cxn ang="0">
+                <a:pos x="connsiteX134" y="connsiteY134"/>
+              </a:cxn>
+              <a:cxn ang="0">
+                <a:pos x="connsiteX135" y="connsiteY135"/>
+              </a:cxn>
+              <a:cxn ang="0">
+                <a:pos x="connsiteX136" y="connsiteY136"/>
+              </a:cxn>
+              <a:cxn ang="0">
+                <a:pos x="connsiteX137" y="connsiteY137"/>
+              </a:cxn>
+              <a:cxn ang="0">
+                <a:pos x="connsiteX138" y="connsiteY138"/>
+              </a:cxn>
+              <a:cxn ang="0">
+                <a:pos x="connsiteX139" y="connsiteY139"/>
+              </a:cxn>
+              <a:cxn ang="0">
+                <a:pos x="connsiteX140" y="connsiteY140"/>
+              </a:cxn>
+              <a:cxn ang="0">
+                <a:pos x="connsiteX141" y="connsiteY141"/>
+              </a:cxn>
+              <a:cxn ang="0">
+                <a:pos x="connsiteX142" y="connsiteY142"/>
+              </a:cxn>
+              <a:cxn ang="0">
+                <a:pos x="connsiteX143" y="connsiteY143"/>
+              </a:cxn>
+              <a:cxn ang="0">
+                <a:pos x="connsiteX144" y="connsiteY144"/>
+              </a:cxn>
+              <a:cxn ang="0">
+                <a:pos x="connsiteX145" y="connsiteY145"/>
+              </a:cxn>
+              <a:cxn ang="0">
+                <a:pos x="connsiteX146" y="connsiteY146"/>
+              </a:cxn>
+              <a:cxn ang="0">
+                <a:pos x="connsiteX147" y="connsiteY147"/>
+              </a:cxn>
+              <a:cxn ang="0">
+                <a:pos x="connsiteX148" y="connsiteY148"/>
+              </a:cxn>
+              <a:cxn ang="0">
+                <a:pos x="connsiteX149" y="connsiteY149"/>
+              </a:cxn>
+              <a:cxn ang="0">
+                <a:pos x="connsiteX150" y="connsiteY150"/>
+              </a:cxn>
+              <a:cxn ang="0">
+                <a:pos x="connsiteX151" y="connsiteY151"/>
+              </a:cxn>
+              <a:cxn ang="0">
+                <a:pos x="connsiteX152" y="connsiteY152"/>
+              </a:cxn>
+              <a:cxn ang="0">
+                <a:pos x="connsiteX153" y="connsiteY153"/>
+              </a:cxn>
+              <a:cxn ang="0">
+                <a:pos x="connsiteX154" y="connsiteY154"/>
+              </a:cxn>
+              <a:cxn ang="0">
+                <a:pos x="connsiteX155" y="connsiteY155"/>
+              </a:cxn>
+              <a:cxn ang="0">
+                <a:pos x="connsiteX156" y="connsiteY156"/>
+              </a:cxn>
+              <a:cxn ang="0">
+                <a:pos x="connsiteX157" y="connsiteY157"/>
+              </a:cxn>
+              <a:cxn ang="0">
+                <a:pos x="connsiteX158" y="connsiteY158"/>
+              </a:cxn>
+              <a:cxn ang="0">
+                <a:pos x="connsiteX159" y="connsiteY159"/>
+              </a:cxn>
+              <a:cxn ang="0">
+                <a:pos x="connsiteX160" y="connsiteY160"/>
+              </a:cxn>
+              <a:cxn ang="0">
+                <a:pos x="connsiteX161" y="connsiteY161"/>
+              </a:cxn>
+            </a:cxnLst>
+            <a:rect l="l" t="t" r="r" b="b"/>
+            <a:pathLst>
+              <a:path w="6096000" h="6858000">
+                <a:moveTo>
+                  <a:pt x="0" y="0"/>
+                </a:moveTo>
+                <a:lnTo>
+                  <a:pt x="5567517" y="0"/>
+                </a:lnTo>
+                <a:lnTo>
+                  <a:pt x="5566938" y="1705"/>
+                </a:lnTo>
+                <a:cubicBezTo>
+                  <a:pt x="5563126" y="8440"/>
+                  <a:pt x="5558112" y="13784"/>
+                  <a:pt x="5551594" y="17287"/>
+                </a:cubicBezTo>
+                <a:cubicBezTo>
+                  <a:pt x="5562364" y="82036"/>
+                  <a:pt x="5510349" y="69804"/>
+                  <a:pt x="5545641" y="130336"/>
+                </a:cubicBezTo>
+                <a:cubicBezTo>
+                  <a:pt x="5526953" y="117589"/>
+                  <a:pt x="5536978" y="162458"/>
+                  <a:pt x="5538289" y="187093"/>
+                </a:cubicBezTo>
+                <a:cubicBezTo>
+                  <a:pt x="5536205" y="226511"/>
+                  <a:pt x="5545722" y="205530"/>
+                  <a:pt x="5545790" y="265704"/>
+                </a:cubicBezTo>
+                <a:cubicBezTo>
+                  <a:pt x="5542296" y="317533"/>
+                  <a:pt x="5543813" y="325288"/>
+                  <a:pt x="5542313" y="354566"/>
+                </a:cubicBezTo>
+                <a:lnTo>
+                  <a:pt x="5524126" y="472000"/>
+                </a:lnTo>
+                <a:lnTo>
+                  <a:pt x="5522170" y="473782"/>
+                </a:lnTo>
+                <a:cubicBezTo>
+                  <a:pt x="5517847" y="482008"/>
+                  <a:pt x="5518682" y="487340"/>
+                  <a:pt x="5521798" y="491380"/>
+                </a:cubicBezTo>
+                <a:lnTo>
+                  <a:pt x="5536419" y="531675"/>
+                </a:lnTo>
+                <a:lnTo>
+                  <a:pt x="5533435" y="536015"/>
+                </a:lnTo>
+                <a:lnTo>
+                  <a:pt x="5538088" y="572092"/>
+                </a:lnTo>
+                <a:lnTo>
+                  <a:pt x="5536061" y="572511"/>
+                </a:lnTo>
+                <a:cubicBezTo>
+                  <a:pt x="5531611" y="574271"/>
+                  <a:pt x="5528529" y="577121"/>
+                  <a:pt x="5528218" y="582332"/>
+                </a:cubicBezTo>
+                <a:cubicBezTo>
+                  <a:pt x="5498002" y="573171"/>
+                  <a:pt x="5516262" y="585107"/>
+                  <a:pt x="5518011" y="601285"/>
+                </a:cubicBezTo>
+                <a:cubicBezTo>
+                  <a:pt x="5508838" y="617831"/>
+                  <a:pt x="5480684" y="666964"/>
+                  <a:pt x="5473174" y="681608"/>
+                </a:cubicBezTo>
+                <a:cubicBezTo>
+                  <a:pt x="5473102" y="684122"/>
+                  <a:pt x="5473033" y="686637"/>
+                  <a:pt x="5472963" y="689151"/>
+                </a:cubicBezTo>
+                <a:lnTo>
+                  <a:pt x="5472485" y="689289"/>
+                </a:lnTo>
+                <a:cubicBezTo>
+                  <a:pt x="5471434" y="690905"/>
+                  <a:pt x="5470986" y="693376"/>
+                  <a:pt x="5471326" y="697222"/>
+                </a:cubicBezTo>
+                <a:cubicBezTo>
+                  <a:pt x="5471606" y="703992"/>
+                  <a:pt x="5471884" y="710761"/>
+                  <a:pt x="5472164" y="717531"/>
+                </a:cubicBezTo>
+                <a:lnTo>
+                  <a:pt x="5468891" y="722494"/>
+                </a:lnTo>
+                <a:lnTo>
+                  <a:pt x="5463081" y="724368"/>
+                </a:lnTo>
+                <a:lnTo>
+                  <a:pt x="5446981" y="752692"/>
+                </a:lnTo>
+                <a:cubicBezTo>
+                  <a:pt x="5454691" y="764380"/>
+                  <a:pt x="5422719" y="808083"/>
+                  <a:pt x="5417190" y="816346"/>
+                </a:cubicBezTo>
+                <a:lnTo>
+                  <a:pt x="5388958" y="889417"/>
+                </a:lnTo>
+                <a:cubicBezTo>
+                  <a:pt x="5320491" y="969963"/>
+                  <a:pt x="5321907" y="1005331"/>
+                  <a:pt x="5307044" y="1063288"/>
+                </a:cubicBezTo>
+                <a:cubicBezTo>
+                  <a:pt x="5313332" y="1111028"/>
+                  <a:pt x="5317096" y="1110140"/>
+                  <a:pt x="5303837" y="1157176"/>
+                </a:cubicBezTo>
+                <a:cubicBezTo>
+                  <a:pt x="5301103" y="1192124"/>
+                  <a:pt x="5301884" y="1197232"/>
+                  <a:pt x="5286494" y="1210776"/>
+                </a:cubicBezTo>
+                <a:lnTo>
+                  <a:pt x="5282463" y="1301993"/>
+                </a:lnTo>
+                <a:lnTo>
+                  <a:pt x="5252235" y="1360879"/>
+                </a:lnTo>
+                <a:lnTo>
+                  <a:pt x="5244497" y="1404045"/>
+                </a:lnTo>
+                <a:lnTo>
+                  <a:pt x="5223823" y="1429568"/>
+                </a:lnTo>
+                <a:lnTo>
+                  <a:pt x="5224851" y="1430305"/>
+                </a:lnTo>
+                <a:cubicBezTo>
+                  <a:pt x="5226697" y="1432466"/>
+                  <a:pt x="5214738" y="1459891"/>
+                  <a:pt x="5212394" y="1463304"/>
+                </a:cubicBezTo>
+                <a:cubicBezTo>
+                  <a:pt x="5209912" y="1477394"/>
+                  <a:pt x="5213027" y="1501295"/>
+                  <a:pt x="5209958" y="1514846"/>
+                </a:cubicBezTo>
+                <a:lnTo>
+                  <a:pt x="5206417" y="1519731"/>
+                </a:lnTo>
+                <a:lnTo>
+                  <a:pt x="5206640" y="1519929"/>
+                </a:lnTo>
+                <a:cubicBezTo>
+                  <a:pt x="5206490" y="1521210"/>
+                  <a:pt x="5209710" y="1543635"/>
+                  <a:pt x="5207632" y="1546022"/>
+                </a:cubicBezTo>
+                <a:lnTo>
+                  <a:pt x="5212030" y="1578752"/>
+                </a:lnTo>
+                <a:cubicBezTo>
+                  <a:pt x="5206147" y="1605585"/>
+                  <a:pt x="5226381" y="1622803"/>
+                  <a:pt x="5203533" y="1647555"/>
+                </a:cubicBezTo>
+                <a:cubicBezTo>
+                  <a:pt x="5198128" y="1672675"/>
+                  <a:pt x="5203213" y="1694404"/>
+                  <a:pt x="5190877" y="1715685"/>
+                </a:cubicBezTo>
+                <a:cubicBezTo>
+                  <a:pt x="5196815" y="1724301"/>
+                  <a:pt x="5198098" y="1732435"/>
+                  <a:pt x="5184235" y="1740358"/>
+                </a:cubicBezTo>
+                <a:cubicBezTo>
+                  <a:pt x="5182625" y="1763793"/>
+                  <a:pt x="5198368" y="1769422"/>
+                  <a:pt x="5181475" y="1784314"/>
+                </a:cubicBezTo>
+                <a:cubicBezTo>
+                  <a:pt x="5205987" y="1797417"/>
+                  <a:pt x="5195246" y="1798221"/>
+                  <a:pt x="5185845" y="1804434"/>
+                </a:cubicBezTo>
+                <a:lnTo>
+                  <a:pt x="5185068" y="1805316"/>
+                </a:lnTo>
+                <a:lnTo>
+                  <a:pt x="5188593" y="1807109"/>
+                </a:lnTo>
+                <a:lnTo>
+                  <a:pt x="5185920" y="1821003"/>
+                </a:lnTo>
+                <a:lnTo>
+                  <a:pt x="5183543" y="1824832"/>
+                </a:lnTo>
+                <a:cubicBezTo>
+                  <a:pt x="5182284" y="1827468"/>
+                  <a:pt x="5181937" y="1829219"/>
+                  <a:pt x="5182235" y="1830429"/>
+                </a:cubicBezTo>
+                <a:lnTo>
+                  <a:pt x="5182525" y="1830569"/>
+                </a:lnTo>
+                <a:lnTo>
+                  <a:pt x="5180663" y="1835810"/>
+                </a:lnTo>
+                <a:cubicBezTo>
+                  <a:pt x="5176779" y="1844665"/>
+                  <a:pt x="5172297" y="1853278"/>
+                  <a:pt x="5167452" y="1861483"/>
+                </a:cubicBezTo>
+                <a:cubicBezTo>
+                  <a:pt x="5179827" y="1866643"/>
+                  <a:pt x="5166788" y="1884999"/>
+                  <a:pt x="5174266" y="1892417"/>
+                </a:cubicBezTo>
+                <a:lnTo>
+                  <a:pt x="5189262" y="1895114"/>
+                </a:lnTo>
+                <a:lnTo>
+                  <a:pt x="5187100" y="1899379"/>
+                </a:lnTo>
+                <a:lnTo>
+                  <a:pt x="5180471" y="1907867"/>
+                </a:lnTo>
+                <a:cubicBezTo>
+                  <a:pt x="5179609" y="1909162"/>
+                  <a:pt x="5179647" y="1909994"/>
+                  <a:pt x="5181361" y="1910265"/>
+                </a:cubicBezTo>
+                <a:cubicBezTo>
+                  <a:pt x="5180995" y="1914884"/>
+                  <a:pt x="5177893" y="1930292"/>
+                  <a:pt x="5178268" y="1935584"/>
+                </a:cubicBezTo>
+                <a:lnTo>
+                  <a:pt x="5183619" y="1942021"/>
+                </a:lnTo>
+                <a:lnTo>
+                  <a:pt x="5184480" y="1945112"/>
+                </a:lnTo>
+                <a:lnTo>
+                  <a:pt x="5172776" y="1961162"/>
+                </a:lnTo>
+                <a:lnTo>
+                  <a:pt x="5168513" y="1969445"/>
+                </a:lnTo>
+                <a:lnTo>
+                  <a:pt x="5126597" y="2024270"/>
+                </a:lnTo>
+                <a:lnTo>
+                  <a:pt x="5119528" y="2107942"/>
+                </a:lnTo>
+                <a:cubicBezTo>
+                  <a:pt x="5089290" y="2138038"/>
+                  <a:pt x="5110415" y="2159228"/>
+                  <a:pt x="5110356" y="2193455"/>
+                </a:cubicBezTo>
+                <a:cubicBezTo>
+                  <a:pt x="5101302" y="2220953"/>
+                  <a:pt x="5110381" y="2224200"/>
+                  <a:pt x="5104992" y="2260088"/>
+                </a:cubicBezTo>
+                <a:cubicBezTo>
+                  <a:pt x="5096504" y="2291744"/>
+                  <a:pt x="5078225" y="2299003"/>
+                  <a:pt x="5059439" y="2335735"/>
+                </a:cubicBezTo>
+                <a:cubicBezTo>
+                  <a:pt x="5029465" y="2329020"/>
+                  <a:pt x="5058046" y="2407546"/>
+                  <a:pt x="5022061" y="2408995"/>
+                </a:cubicBezTo>
+                <a:cubicBezTo>
+                  <a:pt x="5023289" y="2413465"/>
+                  <a:pt x="5019654" y="2441580"/>
+                  <a:pt x="5022253" y="2445869"/>
+                </a:cubicBezTo>
+                <a:cubicBezTo>
+                  <a:pt x="5022440" y="2449625"/>
+                  <a:pt x="5011241" y="2492743"/>
+                  <a:pt x="5011426" y="2496499"/>
+                </a:cubicBezTo>
+                <a:lnTo>
+                  <a:pt x="4994224" y="2549900"/>
+                </a:lnTo>
+                <a:cubicBezTo>
+                  <a:pt x="4992353" y="2564757"/>
+                  <a:pt x="4998952" y="2582253"/>
+                  <a:pt x="4995245" y="2596456"/>
+                </a:cubicBezTo>
+                <a:lnTo>
+                  <a:pt x="4988570" y="2606088"/>
+                </a:lnTo>
+                <a:cubicBezTo>
+                  <a:pt x="4988504" y="2615842"/>
+                  <a:pt x="4988436" y="2625597"/>
+                  <a:pt x="4988371" y="2635351"/>
+                </a:cubicBezTo>
+                <a:lnTo>
+                  <a:pt x="4983212" y="2665666"/>
+                </a:lnTo>
+                <a:lnTo>
+                  <a:pt x="4968234" y="2715895"/>
+                </a:lnTo>
+                <a:lnTo>
+                  <a:pt x="4975888" y="2725052"/>
+                </a:lnTo>
+                <a:lnTo>
+                  <a:pt x="4980195" y="2726489"/>
+                </a:lnTo>
+                <a:lnTo>
+                  <a:pt x="4976218" y="2740278"/>
+                </a:lnTo>
+                <a:lnTo>
+                  <a:pt x="4980571" y="2751112"/>
+                </a:lnTo>
+                <a:lnTo>
+                  <a:pt x="4973893" y="2760208"/>
+                </a:lnTo>
+                <a:lnTo>
+                  <a:pt x="4979005" y="2790136"/>
+                </a:lnTo>
+                <a:lnTo>
+                  <a:pt x="4986137" y="2804183"/>
+                </a:lnTo>
+                <a:cubicBezTo>
+                  <a:pt x="4986150" y="2811409"/>
+                  <a:pt x="4986162" y="2818634"/>
+                  <a:pt x="4986175" y="2825860"/>
+                </a:cubicBezTo>
+                <a:cubicBezTo>
+                  <a:pt x="4987474" y="2843788"/>
+                  <a:pt x="4992871" y="2886513"/>
+                  <a:pt x="4993936" y="2911749"/>
+                </a:cubicBezTo>
+                <a:cubicBezTo>
+                  <a:pt x="4993313" y="2946689"/>
+                  <a:pt x="4980300" y="2954448"/>
+                  <a:pt x="4992563" y="2977278"/>
+                </a:cubicBezTo>
+                <a:cubicBezTo>
+                  <a:pt x="4985688" y="2983455"/>
+                  <a:pt x="4982051" y="2987749"/>
+                  <a:pt x="4980516" y="2991092"/>
+                </a:cubicBezTo>
+                <a:cubicBezTo>
+                  <a:pt x="4975910" y="3001119"/>
+                  <a:pt x="4990216" y="3002537"/>
+                  <a:pt x="4992801" y="3020247"/>
+                </a:cubicBezTo>
+                <a:cubicBezTo>
+                  <a:pt x="4998517" y="3032637"/>
+                  <a:pt x="5013148" y="3051512"/>
+                  <a:pt x="5014805" y="3065434"/>
+                </a:cubicBezTo>
+                <a:cubicBezTo>
+                  <a:pt x="4998836" y="3057428"/>
+                  <a:pt x="5016840" y="3105196"/>
+                  <a:pt x="5002733" y="3103777"/>
+                </a:cubicBezTo>
+                <a:cubicBezTo>
+                  <a:pt x="5022381" y="3124610"/>
+                  <a:pt x="4997365" y="3128169"/>
+                  <a:pt x="5002941" y="3151828"/>
+                </a:cubicBezTo>
+                <a:cubicBezTo>
+                  <a:pt x="5010264" y="3163902"/>
+                  <a:pt x="5011356" y="3171780"/>
+                  <a:pt x="5002883" y="3180546"/>
+                </a:cubicBezTo>
+                <a:cubicBezTo>
+                  <a:pt x="5038586" y="3236545"/>
+                  <a:pt x="5003723" y="3210316"/>
+                  <a:pt x="5016711" y="3258677"/>
+                </a:cubicBezTo>
+                <a:lnTo>
+                  <a:pt x="5017918" y="3262610"/>
+                </a:lnTo>
+                <a:lnTo>
+                  <a:pt x="5011672" y="3277179"/>
+                </a:lnTo>
+                <a:lnTo>
+                  <a:pt x="5009344" y="3278130"/>
+                </a:lnTo>
+                <a:lnTo>
+                  <a:pt x="5026770" y="3325671"/>
+                </a:lnTo>
+                <a:lnTo>
+                  <a:pt x="5024571" y="3332072"/>
+                </a:lnTo>
+                <a:lnTo>
+                  <a:pt x="5041705" y="3362948"/>
+                </a:lnTo>
+                <a:lnTo>
+                  <a:pt x="5047477" y="3378959"/>
+                </a:lnTo>
+                <a:lnTo>
+                  <a:pt x="5060758" y="3407057"/>
+                </a:lnTo>
+                <a:lnTo>
+                  <a:pt x="5058968" y="3409825"/>
+                </a:lnTo>
+                <a:lnTo>
+                  <a:pt x="5062667" y="3415218"/>
+                </a:lnTo>
+                <a:lnTo>
+                  <a:pt x="5060928" y="3419880"/>
+                </a:lnTo>
+                <a:lnTo>
+                  <a:pt x="5062923" y="3424545"/>
+                </a:lnTo>
+                <a:cubicBezTo>
+                  <a:pt x="5063537" y="3433967"/>
+                  <a:pt x="5063494" y="3466028"/>
+                  <a:pt x="5064623" y="3476412"/>
+                </a:cubicBezTo>
+                <a:lnTo>
+                  <a:pt x="5069684" y="3486850"/>
+                </a:lnTo>
+                <a:lnTo>
+                  <a:pt x="5063339" y="3496391"/>
+                </a:lnTo>
+                <a:lnTo>
+                  <a:pt x="5070139" y="3531201"/>
+                </a:lnTo>
+                <a:lnTo>
+                  <a:pt x="5079896" y="3542019"/>
+                </a:lnTo>
+                <a:lnTo>
+                  <a:pt x="5087540" y="3552249"/>
+                </a:lnTo>
+                <a:lnTo>
+                  <a:pt x="5087902" y="3553678"/>
+                </a:lnTo>
+                <a:lnTo>
+                  <a:pt x="5091509" y="3568021"/>
+                </a:lnTo>
+                <a:lnTo>
+                  <a:pt x="5091934" y="3569719"/>
+                </a:lnTo>
+                <a:lnTo>
+                  <a:pt x="5089362" y="3586412"/>
+                </a:lnTo>
+                <a:lnTo>
+                  <a:pt x="5092358" y="3597336"/>
+                </a:lnTo>
+                <a:lnTo>
+                  <a:pt x="5084254" y="3606007"/>
+                </a:lnTo>
+                <a:cubicBezTo>
+                  <a:pt x="5084262" y="3617747"/>
+                  <a:pt x="5084273" y="3629488"/>
+                  <a:pt x="5084281" y="3641228"/>
+                </a:cubicBezTo>
+                <a:lnTo>
+                  <a:pt x="5091848" y="3653088"/>
+                </a:lnTo>
+                <a:lnTo>
+                  <a:pt x="5097436" y="3664114"/>
+                </a:lnTo>
+                <a:cubicBezTo>
+                  <a:pt x="5097463" y="3664599"/>
+                  <a:pt x="5097491" y="3665084"/>
+                  <a:pt x="5097518" y="3665569"/>
+                </a:cubicBezTo>
+                <a:cubicBezTo>
+                  <a:pt x="5097915" y="3672776"/>
+                  <a:pt x="5096966" y="3688591"/>
+                  <a:pt x="5099829" y="3707357"/>
+                </a:cubicBezTo>
+                <a:cubicBezTo>
+                  <a:pt x="5100505" y="3724716"/>
+                  <a:pt x="5118078" y="3760234"/>
+                  <a:pt x="5114696" y="3778166"/>
+                </a:cubicBezTo>
+                <a:cubicBezTo>
+                  <a:pt x="5141627" y="3845122"/>
+                  <a:pt x="5125427" y="3821305"/>
+                  <a:pt x="5135379" y="3878222"/>
+                </a:cubicBezTo>
+                <a:cubicBezTo>
+                  <a:pt x="5161519" y="3905047"/>
+                  <a:pt x="5125417" y="4015047"/>
+                  <a:pt x="5130138" y="4048117"/>
+                </a:cubicBezTo>
+                <a:cubicBezTo>
+                  <a:pt x="5081804" y="4192084"/>
+                  <a:pt x="5096262" y="4158987"/>
+                  <a:pt x="5090040" y="4219510"/>
+                </a:cubicBezTo>
+                <a:cubicBezTo>
+                  <a:pt x="5104553" y="4280033"/>
+                  <a:pt x="5065380" y="4345686"/>
+                  <a:pt x="5092812" y="4411258"/>
+                </a:cubicBezTo>
+                <a:cubicBezTo>
+                  <a:pt x="5090630" y="4437329"/>
+                  <a:pt x="5083878" y="4473140"/>
+                  <a:pt x="5084599" y="4488531"/>
+                </a:cubicBezTo>
+                <a:cubicBezTo>
+                  <a:pt x="5084423" y="4505410"/>
+                  <a:pt x="5084248" y="4522289"/>
+                  <a:pt x="5084072" y="4539168"/>
+                </a:cubicBezTo>
+                <a:cubicBezTo>
+                  <a:pt x="5072114" y="4567830"/>
+                  <a:pt x="5064305" y="4588197"/>
+                  <a:pt x="5068936" y="4625153"/>
+                </a:cubicBezTo>
+                <a:cubicBezTo>
+                  <a:pt x="5077433" y="4662889"/>
+                  <a:pt x="5065899" y="4679357"/>
+                  <a:pt x="5059114" y="4733115"/>
+                </a:cubicBezTo>
+                <a:cubicBezTo>
+                  <a:pt x="5068687" y="4752352"/>
+                  <a:pt x="5055370" y="4832308"/>
+                  <a:pt x="5037209" y="4844323"/>
+                </a:cubicBezTo>
+                <a:cubicBezTo>
+                  <a:pt x="5033444" y="4857054"/>
+                  <a:pt x="5040194" y="4871554"/>
+                  <a:pt x="5020638" y="4877992"/>
+                </a:cubicBezTo>
+                <a:cubicBezTo>
+                  <a:pt x="4997151" y="4888353"/>
+                  <a:pt x="5034418" y="4931200"/>
+                  <a:pt x="5006413" y="4925805"/>
+                </a:cubicBezTo>
+                <a:cubicBezTo>
+                  <a:pt x="5031964" y="4956261"/>
+                  <a:pt x="4982840" y="4982633"/>
+                  <a:pt x="4971037" y="5009272"/>
+                </a:cubicBezTo>
+                <a:cubicBezTo>
+                  <a:pt x="4973259" y="5034036"/>
+                  <a:pt x="4968375" y="5053859"/>
+                  <a:pt x="4963105" y="5111369"/>
+                </a:cubicBezTo>
+                <a:cubicBezTo>
+                  <a:pt x="4973224" y="5141336"/>
+                  <a:pt x="4937413" y="5161742"/>
+                  <a:pt x="4976341" y="5210876"/>
+                </a:cubicBezTo>
+                <a:cubicBezTo>
+                  <a:pt x="4972455" y="5212581"/>
+                  <a:pt x="4977054" y="5227501"/>
+                  <a:pt x="4980617" y="5269726"/>
+                </a:cubicBezTo>
+                <a:cubicBezTo>
+                  <a:pt x="4984182" y="5311951"/>
+                  <a:pt x="4990390" y="5400671"/>
+                  <a:pt x="4997733" y="5464225"/>
+                </a:cubicBezTo>
+                <a:cubicBezTo>
+                  <a:pt x="5001765" y="5536542"/>
+                  <a:pt x="4990225" y="5517959"/>
+                  <a:pt x="5001400" y="5594585"/>
+                </a:cubicBezTo>
+                <a:cubicBezTo>
+                  <a:pt x="4999908" y="5619318"/>
+                  <a:pt x="4974042" y="5647975"/>
+                  <a:pt x="4983700" y="5667896"/>
+                </a:cubicBezTo>
+                <a:cubicBezTo>
+                  <a:pt x="4976834" y="5696311"/>
+                  <a:pt x="4975579" y="5738356"/>
+                  <a:pt x="4968506" y="5769225"/>
+                </a:cubicBezTo>
+                <a:cubicBezTo>
+                  <a:pt x="4968926" y="5787258"/>
+                  <a:pt x="4969344" y="5805291"/>
+                  <a:pt x="4969765" y="5823324"/>
+                </a:cubicBezTo>
+                <a:cubicBezTo>
+                  <a:pt x="4966122" y="5853058"/>
+                  <a:pt x="4965608" y="5838948"/>
+                  <a:pt x="4966129" y="5862699"/>
+                </a:cubicBezTo>
+                <a:lnTo>
+                  <a:pt x="4970695" y="5906467"/>
+                </a:lnTo>
+                <a:lnTo>
+                  <a:pt x="4991568" y="5939847"/>
+                </a:lnTo>
+                <a:cubicBezTo>
+                  <a:pt x="4998848" y="5955713"/>
+                  <a:pt x="4974731" y="5940131"/>
+                  <a:pt x="4986815" y="5973994"/>
+                </a:cubicBezTo>
+                <a:cubicBezTo>
+                  <a:pt x="4961187" y="5997051"/>
+                  <a:pt x="4983444" y="6032039"/>
+                  <a:pt x="4987776" y="6089693"/>
+                </a:cubicBezTo>
+                <a:lnTo>
+                  <a:pt x="4991621" y="6224938"/>
+                </a:lnTo>
+                <a:cubicBezTo>
+                  <a:pt x="4988442" y="6270972"/>
+                  <a:pt x="5008962" y="6317522"/>
+                  <a:pt x="5017157" y="6370251"/>
+                </a:cubicBezTo>
+                <a:cubicBezTo>
+                  <a:pt x="5025353" y="6422980"/>
+                  <a:pt x="5039938" y="6490855"/>
+                  <a:pt x="5040797" y="6541313"/>
+                </a:cubicBezTo>
+                <a:cubicBezTo>
+                  <a:pt x="5039898" y="6576319"/>
+                  <a:pt x="5031912" y="6591883"/>
+                  <a:pt x="5045375" y="6640957"/>
+                </a:cubicBezTo>
+                <a:cubicBezTo>
+                  <a:pt x="5057505" y="6669536"/>
+                  <a:pt x="5052276" y="6675394"/>
+                  <a:pt x="5058442" y="6705297"/>
+                </a:cubicBezTo>
+                <a:cubicBezTo>
+                  <a:pt x="5057367" y="6727133"/>
+                  <a:pt x="5067901" y="6732087"/>
+                  <a:pt x="5071125" y="6759582"/>
+                </a:cubicBezTo>
+                <a:cubicBezTo>
+                  <a:pt x="5055614" y="6796071"/>
+                  <a:pt x="5051656" y="6769544"/>
+                  <a:pt x="5069172" y="6817746"/>
+                </a:cubicBezTo>
+                <a:cubicBezTo>
+                  <a:pt x="5060956" y="6828354"/>
+                  <a:pt x="5064525" y="6836369"/>
+                  <a:pt x="5072322" y="6843646"/>
+                </a:cubicBezTo>
+                <a:lnTo>
+                  <a:pt x="5091388" y="6857998"/>
+                </a:lnTo>
+                <a:lnTo>
+                  <a:pt x="6096000" y="6857998"/>
+                </a:lnTo>
+                <a:lnTo>
+                  <a:pt x="6096000" y="6858000"/>
+                </a:lnTo>
+                <a:lnTo>
+                  <a:pt x="0" y="6858000"/>
+                </a:lnTo>
+                <a:close/>
+              </a:path>
+            </a:pathLst>
+          </a:custGeom>
+          <a:solidFill>
+            <a:srgbClr val="82766A">
+              <a:alpha val="15000"/>
+            </a:srgbClr>
+          </a:solidFill>
+          <a:ln>
+            <a:noFill/>
+          </a:ln>
+        </p:spPr>
+        <p:style>
+          <a:lnRef idx="2">
+            <a:schemeClr val="accent1">
+              <a:shade val="50000"/>
+            </a:schemeClr>
+          </a:lnRef>
+          <a:fillRef idx="1">
+            <a:schemeClr val="accent1"/>
+          </a:fillRef>
+          <a:effectRef idx="0">
+            <a:schemeClr val="accent1"/>
+          </a:effectRef>
+          <a:fontRef idx="minor">
+            <a:schemeClr val="lt1"/>
+          </a:fontRef>
+        </p:style>
+        <p:txBody>
+          <a:bodyPr wrap="square" rtlCol="0" anchor="ctr">
+            <a:noAutofit/>
+          </a:bodyPr>
+          <a:lstStyle/>
+          <a:p>
+            <a:pPr algn="ctr"/>
+            <a:endParaRPr lang="en-US"/>
+          </a:p>
+        </p:txBody>
+      </p:sp>
+      <p:sp>
+        <p:nvSpPr>
+          <p:cNvPr id="2" name="Title 1">
+            <a:extLst>
+              <a:ext uri="{FF2B5EF4-FFF2-40B4-BE49-F238E27FC236}">
+                <a16:creationId xmlns:a16="http://schemas.microsoft.com/office/drawing/2014/main" id="{B018E4EC-2A48-46C3-8136-439DBF798DCA}"/>
+              </a:ext>
+            </a:extLst>
+          </p:cNvPr>
+          <p:cNvSpPr>
+            <a:spLocks noGrp="1"/>
+          </p:cNvSpPr>
+          <p:nvPr>
+            <p:ph type="title"/>
+          </p:nvPr>
+        </p:nvSpPr>
+        <p:spPr>
+          <a:xfrm>
+            <a:off x="838200" y="609600"/>
+            <a:ext cx="3739341" cy="1330839"/>
+          </a:xfrm>
+        </p:spPr>
+        <p:txBody>
+          <a:bodyPr>
+            <a:normAutofit/>
+          </a:bodyPr>
+          <a:lstStyle/>
+          <a:p>
+            <a:pPr>
+              <a:lnSpc>
+                <a:spcPct val="90000"/>
+              </a:lnSpc>
+            </a:pPr>
+            <a:r>
               <a:rPr lang="en-IE" dirty="0"/>
+              <a:t>Getting Started (locally)</a:t>
+            </a:r>
+            <a:endParaRPr lang="en-IE"/>
+          </a:p>
+        </p:txBody>
+      </p:sp>
+      <p:sp>
+        <p:nvSpPr>
+          <p:cNvPr id="3" name="Content Placeholder 2">
+            <a:extLst>
+              <a:ext uri="{FF2B5EF4-FFF2-40B4-BE49-F238E27FC236}">
+                <a16:creationId xmlns:a16="http://schemas.microsoft.com/office/drawing/2014/main" id="{58A56317-3697-440D-91AF-F62CA7E4CDB2}"/>
+              </a:ext>
+            </a:extLst>
+          </p:cNvPr>
+          <p:cNvSpPr>
+            <a:spLocks noGrp="1"/>
+          </p:cNvSpPr>
+          <p:nvPr>
+            <p:ph idx="1"/>
+          </p:nvPr>
+        </p:nvSpPr>
+        <p:spPr>
+          <a:xfrm>
+            <a:off x="862366" y="2194102"/>
+            <a:ext cx="3427001" cy="3908586"/>
+          </a:xfrm>
+        </p:spPr>
+        <p:txBody>
+          <a:bodyPr>
+            <a:normAutofit/>
+          </a:bodyPr>
+          <a:lstStyle/>
+          <a:p>
+            <a:r>
+              <a:rPr lang="en-IE" sz="2000"/>
               <a:t>Install Mongo Compass, Graphical User Interface for managing MongoDB.</a:t>
             </a:r>
           </a:p>
           <a:p>
             <a:pPr lvl="1"/>
             <a:r>
-              <a:rPr lang="en-IE" dirty="0"/>
-              <a:t>For windows, comes as part of </a:t>
-            </a:r>
-            <a:r>
-              <a:rPr lang="en-IE" dirty="0" err="1"/>
-              <a:t>mongodb</a:t>
-            </a:r>
-            <a:r>
-              <a:rPr lang="en-IE" dirty="0"/>
-              <a:t> install</a:t>
+              <a:rPr lang="en-IE" sz="2000"/>
+              <a:t>For windows, comes as part of mongodb install</a:t>
             </a:r>
           </a:p>
           <a:p>
             <a:pPr lvl="1"/>
             <a:r>
-              <a:rPr lang="en-IE" dirty="0"/>
+              <a:rPr lang="en-IE" sz="2000"/>
               <a:t>Other platforms can get it </a:t>
             </a:r>
             <a:r>
-              <a:rPr lang="en-IE" dirty="0">
+              <a:rPr lang="en-IE" sz="2000">
                 <a:hlinkClick r:id="rId2"/>
               </a:rPr>
               <a:t>here</a:t>
             </a:r>
             <a:r>
-              <a:rPr lang="en-IE" dirty="0"/>
+              <a:rPr lang="en-IE" sz="2000"/>
               <a:t>:</a:t>
             </a:r>
           </a:p>
@@ -8307,8 +10232,8 @@
         </p:blipFill>
         <p:spPr>
           <a:xfrm>
-            <a:off x="2559844" y="3863181"/>
-            <a:ext cx="6043612" cy="2840030"/>
+            <a:off x="5445457" y="1994412"/>
+            <a:ext cx="6155141" cy="2892916"/>
           </a:xfrm>
           <a:prstGeom prst="rect">
             <a:avLst/>
@@ -8328,7 +10253,7 @@
 </p:sld>
 </file>
 
-<file path=ppt/slides/slide16.xml><?xml version="1.0" encoding="utf-8"?>
+<file path=ppt/slides/slide17.xml><?xml version="1.0" encoding="utf-8"?>
 <p:sld xmlns:a="http://schemas.openxmlformats.org/drawingml/2006/main" xmlns:r="http://schemas.openxmlformats.org/officeDocument/2006/relationships" xmlns:p="http://schemas.openxmlformats.org/presentationml/2006/main">
   <p:cSld>
     <p:bg>
@@ -9076,7 +11001,7 @@
 </p:sld>
 </file>
 
-<file path=ppt/slides/slide17.xml><?xml version="1.0" encoding="utf-8"?>
+<file path=ppt/slides/slide18.xml><?xml version="1.0" encoding="utf-8"?>
 <p:sld xmlns:a="http://schemas.openxmlformats.org/drawingml/2006/main" xmlns:r="http://schemas.openxmlformats.org/officeDocument/2006/relationships" xmlns:p="http://schemas.openxmlformats.org/presentationml/2006/main">
   <p:cSld>
     <p:bg>
@@ -9350,7 +11275,7 @@
 </p:sld>
 </file>
 
-<file path=ppt/slides/slide18.xml><?xml version="1.0" encoding="utf-8"?>
+<file path=ppt/slides/slide19.xml><?xml version="1.0" encoding="utf-8"?>
 <p:sld xmlns:a="http://schemas.openxmlformats.org/drawingml/2006/main" xmlns:r="http://schemas.openxmlformats.org/officeDocument/2006/relationships" xmlns:p="http://schemas.openxmlformats.org/presentationml/2006/main">
   <p:cSld>
     <p:bg>
@@ -9991,7 +11916,456 @@
 </p:sld>
 </file>
 
-<file path=ppt/slides/slide19.xml><?xml version="1.0" encoding="utf-8"?>
+<file path=ppt/slides/slide2.xml><?xml version="1.0" encoding="utf-8"?>
+<p:sld xmlns:a="http://schemas.openxmlformats.org/drawingml/2006/main" xmlns:r="http://schemas.openxmlformats.org/officeDocument/2006/relationships" xmlns:p="http://schemas.openxmlformats.org/presentationml/2006/main">
+  <p:cSld>
+    <p:bg>
+      <p:bgPr>
+        <a:solidFill>
+          <a:schemeClr val="bg1"/>
+        </a:solidFill>
+        <a:effectLst/>
+      </p:bgPr>
+    </p:bg>
+    <p:spTree>
+      <p:nvGrpSpPr>
+        <p:cNvPr id="1" name=""/>
+        <p:cNvGrpSpPr/>
+        <p:nvPr/>
+      </p:nvGrpSpPr>
+      <p:grpSpPr>
+        <a:xfrm>
+          <a:off x="0" y="0"/>
+          <a:ext cx="0" cy="0"/>
+          <a:chOff x="0" y="0"/>
+          <a:chExt cx="0" cy="0"/>
+        </a:xfrm>
+      </p:grpSpPr>
+      <p:sp>
+        <p:nvSpPr>
+          <p:cNvPr id="2" name="Title 1"/>
+          <p:cNvSpPr>
+            <a:spLocks noGrp="1"/>
+          </p:cNvSpPr>
+          <p:nvPr>
+            <p:ph type="title"/>
+          </p:nvPr>
+        </p:nvSpPr>
+        <p:spPr>
+          <a:xfrm>
+            <a:off x="2010696" y="629267"/>
+            <a:ext cx="3845274" cy="1676603"/>
+          </a:xfrm>
+        </p:spPr>
+        <p:txBody>
+          <a:bodyPr>
+            <a:normAutofit/>
+          </a:bodyPr>
+          <a:lstStyle/>
+          <a:p>
+            <a:r>
+              <a:rPr lang="en-IE"/>
+              <a:t>Agenda</a:t>
+            </a:r>
+            <a:endParaRPr lang="en-US"/>
+          </a:p>
+        </p:txBody>
+      </p:sp>
+      <p:sp>
+        <p:nvSpPr>
+          <p:cNvPr id="3" name="Content Placeholder 2"/>
+          <p:cNvSpPr>
+            <a:spLocks noGrp="1"/>
+          </p:cNvSpPr>
+          <p:nvPr>
+            <p:ph idx="1"/>
+          </p:nvPr>
+        </p:nvSpPr>
+        <p:spPr>
+          <a:xfrm>
+            <a:off x="2010697" y="2438401"/>
+            <a:ext cx="3845272" cy="3785419"/>
+          </a:xfrm>
+        </p:spPr>
+        <p:txBody>
+          <a:bodyPr>
+            <a:normAutofit/>
+          </a:bodyPr>
+          <a:lstStyle/>
+          <a:p>
+            <a:pPr>
+              <a:lnSpc>
+                <a:spcPct val="90000"/>
+              </a:lnSpc>
+            </a:pPr>
+            <a:r>
+              <a:rPr lang="en-IE" dirty="0"/>
+              <a:t>NoSQL Databases</a:t>
+            </a:r>
+          </a:p>
+          <a:p>
+            <a:pPr>
+              <a:lnSpc>
+                <a:spcPct val="90000"/>
+              </a:lnSpc>
+            </a:pPr>
+            <a:r>
+              <a:rPr lang="en-IE" dirty="0"/>
+              <a:t>MongoDB</a:t>
+            </a:r>
+          </a:p>
+          <a:p>
+            <a:pPr>
+              <a:lnSpc>
+                <a:spcPct val="90000"/>
+              </a:lnSpc>
+            </a:pPr>
+            <a:r>
+              <a:rPr lang="en-IE" dirty="0"/>
+              <a:t>Mongoose</a:t>
+            </a:r>
+          </a:p>
+          <a:p>
+            <a:pPr>
+              <a:lnSpc>
+                <a:spcPct val="90000"/>
+              </a:lnSpc>
+            </a:pPr>
+            <a:r>
+              <a:rPr lang="en-IE" dirty="0"/>
+              <a:t>Mongo in the cloud</a:t>
+            </a:r>
+            <a:endParaRPr lang="en-US" dirty="0"/>
+          </a:p>
+        </p:txBody>
+      </p:sp>
+      <p:pic>
+        <p:nvPicPr>
+          <p:cNvPr id="5" name="Picture 4" descr="A picture containing plant&#10;&#10;Description automatically generated">
+            <a:extLst>
+              <a:ext uri="{FF2B5EF4-FFF2-40B4-BE49-F238E27FC236}">
+                <a16:creationId xmlns:a16="http://schemas.microsoft.com/office/drawing/2014/main" id="{7452F92D-3CBE-4FD1-98C0-ED30B69BF91B}"/>
+              </a:ext>
+            </a:extLst>
+          </p:cNvPr>
+          <p:cNvPicPr>
+            <a:picLocks noChangeAspect="1"/>
+          </p:cNvPicPr>
+          <p:nvPr/>
+        </p:nvPicPr>
+        <p:blipFill rotWithShape="1">
+          <a:blip r:embed="rId2" cstate="print">
+            <a:extLst>
+              <a:ext uri="{28A0092B-C50C-407E-A947-70E740481C1C}">
+                <a14:useLocalDpi xmlns:a14="http://schemas.microsoft.com/office/drawing/2010/main" val="0"/>
+              </a:ext>
+              <a:ext uri="{837473B0-CC2E-450A-ABE3-18F120FF3D39}">
+                <a1611:picAttrSrcUrl xmlns:a1611="http://schemas.microsoft.com/office/drawing/2016/11/main" r:id="rId3"/>
+              </a:ext>
+            </a:extLst>
+          </a:blip>
+          <a:srcRect l="175" r="15772" b="-4"/>
+          <a:stretch/>
+        </p:blipFill>
+        <p:spPr>
+          <a:xfrm>
+            <a:off x="6091960" y="640083"/>
+            <a:ext cx="4096293" cy="5577837"/>
+          </a:xfrm>
+          <a:prstGeom prst="rect">
+            <a:avLst/>
+          </a:prstGeom>
+          <a:effectLst/>
+        </p:spPr>
+      </p:pic>
+    </p:spTree>
+    <p:extLst>
+      <p:ext uri="{BB962C8B-B14F-4D97-AF65-F5344CB8AC3E}">
+        <p14:creationId xmlns:p14="http://schemas.microsoft.com/office/powerpoint/2010/main" val="3955617300"/>
+      </p:ext>
+    </p:extLst>
+  </p:cSld>
+  <p:clrMapOvr>
+    <a:masterClrMapping/>
+  </p:clrMapOvr>
+  <p:timing>
+    <p:tnLst>
+      <p:par>
+        <p:cTn id="1" dur="indefinite" restart="never" nodeType="tmRoot">
+          <p:childTnLst>
+            <p:seq concurrent="1" nextAc="seek">
+              <p:cTn id="2" dur="indefinite" nodeType="mainSeq">
+                <p:childTnLst>
+                  <p:par>
+                    <p:cTn id="3" fill="hold">
+                      <p:stCondLst>
+                        <p:cond delay="indefinite"/>
+                      </p:stCondLst>
+                      <p:childTnLst>
+                        <p:par>
+                          <p:cTn id="4" fill="hold">
+                            <p:stCondLst>
+                              <p:cond delay="0"/>
+                            </p:stCondLst>
+                            <p:childTnLst>
+                              <p:par>
+                                <p:cTn id="5" presetID="10" presetClass="entr" presetSubtype="0" fill="hold" nodeType="clickEffect">
+                                  <p:stCondLst>
+                                    <p:cond delay="0"/>
+                                  </p:stCondLst>
+                                  <p:childTnLst>
+                                    <p:set>
+                                      <p:cBhvr>
+                                        <p:cTn id="6" dur="1" fill="hold">
+                                          <p:stCondLst>
+                                            <p:cond delay="0"/>
+                                          </p:stCondLst>
+                                        </p:cTn>
+                                        <p:tgtEl>
+                                          <p:spTgt spid="3">
+                                            <p:txEl>
+                                              <p:pRg st="0" end="0"/>
+                                            </p:txEl>
+                                          </p:spTgt>
+                                        </p:tgtEl>
+                                        <p:attrNameLst>
+                                          <p:attrName>style.visibility</p:attrName>
+                                        </p:attrNameLst>
+                                      </p:cBhvr>
+                                      <p:to>
+                                        <p:strVal val="visible"/>
+                                      </p:to>
+                                    </p:set>
+                                    <p:animEffect transition="in" filter="fade">
+                                      <p:cBhvr>
+                                        <p:cTn id="7" dur="500"/>
+                                        <p:tgtEl>
+                                          <p:spTgt spid="3">
+                                            <p:txEl>
+                                              <p:pRg st="0" end="0"/>
+                                            </p:txEl>
+                                          </p:spTgt>
+                                        </p:tgtEl>
+                                      </p:cBhvr>
+                                    </p:animEffect>
+                                  </p:childTnLst>
+                                </p:cTn>
+                              </p:par>
+                            </p:childTnLst>
+                          </p:cTn>
+                        </p:par>
+                      </p:childTnLst>
+                    </p:cTn>
+                  </p:par>
+                  <p:par>
+                    <p:cTn id="8" fill="hold">
+                      <p:stCondLst>
+                        <p:cond delay="indefinite"/>
+                      </p:stCondLst>
+                      <p:childTnLst>
+                        <p:par>
+                          <p:cTn id="9" fill="hold">
+                            <p:stCondLst>
+                              <p:cond delay="0"/>
+                            </p:stCondLst>
+                            <p:childTnLst>
+                              <p:par>
+                                <p:cTn id="10" presetID="10" presetClass="entr" presetSubtype="0" fill="hold" nodeType="clickEffect">
+                                  <p:stCondLst>
+                                    <p:cond delay="0"/>
+                                  </p:stCondLst>
+                                  <p:childTnLst>
+                                    <p:set>
+                                      <p:cBhvr>
+                                        <p:cTn id="11" dur="1" fill="hold">
+                                          <p:stCondLst>
+                                            <p:cond delay="0"/>
+                                          </p:stCondLst>
+                                        </p:cTn>
+                                        <p:tgtEl>
+                                          <p:spTgt spid="3">
+                                            <p:txEl>
+                                              <p:pRg st="1" end="1"/>
+                                            </p:txEl>
+                                          </p:spTgt>
+                                        </p:tgtEl>
+                                        <p:attrNameLst>
+                                          <p:attrName>style.visibility</p:attrName>
+                                        </p:attrNameLst>
+                                      </p:cBhvr>
+                                      <p:to>
+                                        <p:strVal val="visible"/>
+                                      </p:to>
+                                    </p:set>
+                                    <p:animEffect transition="in" filter="fade">
+                                      <p:cBhvr>
+                                        <p:cTn id="12" dur="500"/>
+                                        <p:tgtEl>
+                                          <p:spTgt spid="3">
+                                            <p:txEl>
+                                              <p:pRg st="1" end="1"/>
+                                            </p:txEl>
+                                          </p:spTgt>
+                                        </p:tgtEl>
+                                      </p:cBhvr>
+                                    </p:animEffect>
+                                  </p:childTnLst>
+                                </p:cTn>
+                              </p:par>
+                            </p:childTnLst>
+                          </p:cTn>
+                        </p:par>
+                      </p:childTnLst>
+                    </p:cTn>
+                  </p:par>
+                  <p:par>
+                    <p:cTn id="13" fill="hold">
+                      <p:stCondLst>
+                        <p:cond delay="indefinite"/>
+                      </p:stCondLst>
+                      <p:childTnLst>
+                        <p:par>
+                          <p:cTn id="14" fill="hold">
+                            <p:stCondLst>
+                              <p:cond delay="0"/>
+                            </p:stCondLst>
+                            <p:childTnLst>
+                              <p:par>
+                                <p:cTn id="15" presetID="10" presetClass="entr" presetSubtype="0" fill="hold" nodeType="clickEffect">
+                                  <p:stCondLst>
+                                    <p:cond delay="0"/>
+                                  </p:stCondLst>
+                                  <p:childTnLst>
+                                    <p:set>
+                                      <p:cBhvr>
+                                        <p:cTn id="16" dur="1" fill="hold">
+                                          <p:stCondLst>
+                                            <p:cond delay="0"/>
+                                          </p:stCondLst>
+                                        </p:cTn>
+                                        <p:tgtEl>
+                                          <p:spTgt spid="3">
+                                            <p:txEl>
+                                              <p:pRg st="2" end="2"/>
+                                            </p:txEl>
+                                          </p:spTgt>
+                                        </p:tgtEl>
+                                        <p:attrNameLst>
+                                          <p:attrName>style.visibility</p:attrName>
+                                        </p:attrNameLst>
+                                      </p:cBhvr>
+                                      <p:to>
+                                        <p:strVal val="visible"/>
+                                      </p:to>
+                                    </p:set>
+                                    <p:animEffect transition="in" filter="fade">
+                                      <p:cBhvr>
+                                        <p:cTn id="17" dur="500"/>
+                                        <p:tgtEl>
+                                          <p:spTgt spid="3">
+                                            <p:txEl>
+                                              <p:pRg st="2" end="2"/>
+                                            </p:txEl>
+                                          </p:spTgt>
+                                        </p:tgtEl>
+                                      </p:cBhvr>
+                                    </p:animEffect>
+                                  </p:childTnLst>
+                                </p:cTn>
+                              </p:par>
+                            </p:childTnLst>
+                          </p:cTn>
+                        </p:par>
+                      </p:childTnLst>
+                    </p:cTn>
+                  </p:par>
+                  <p:par>
+                    <p:cTn id="18" fill="hold">
+                      <p:stCondLst>
+                        <p:cond delay="indefinite"/>
+                      </p:stCondLst>
+                      <p:childTnLst>
+                        <p:par>
+                          <p:cTn id="19" fill="hold">
+                            <p:stCondLst>
+                              <p:cond delay="0"/>
+                            </p:stCondLst>
+                            <p:childTnLst>
+                              <p:par>
+                                <p:cTn id="20" presetID="10" presetClass="entr" presetSubtype="0" fill="hold" nodeType="clickEffect">
+                                  <p:stCondLst>
+                                    <p:cond delay="0"/>
+                                  </p:stCondLst>
+                                  <p:childTnLst>
+                                    <p:set>
+                                      <p:cBhvr>
+                                        <p:cTn id="21" dur="1" fill="hold">
+                                          <p:stCondLst>
+                                            <p:cond delay="0"/>
+                                          </p:stCondLst>
+                                        </p:cTn>
+                                        <p:tgtEl>
+                                          <p:spTgt spid="3">
+                                            <p:txEl>
+                                              <p:pRg st="3" end="3"/>
+                                            </p:txEl>
+                                          </p:spTgt>
+                                        </p:tgtEl>
+                                        <p:attrNameLst>
+                                          <p:attrName>style.visibility</p:attrName>
+                                        </p:attrNameLst>
+                                      </p:cBhvr>
+                                      <p:to>
+                                        <p:strVal val="visible"/>
+                                      </p:to>
+                                    </p:set>
+                                    <p:animEffect transition="in" filter="fade">
+                                      <p:cBhvr>
+                                        <p:cTn id="22" dur="500"/>
+                                        <p:tgtEl>
+                                          <p:spTgt spid="3">
+                                            <p:txEl>
+                                              <p:pRg st="3" end="3"/>
+                                            </p:txEl>
+                                          </p:spTgt>
+                                        </p:tgtEl>
+                                      </p:cBhvr>
+                                    </p:animEffect>
+                                  </p:childTnLst>
+                                </p:cTn>
+                              </p:par>
+                            </p:childTnLst>
+                          </p:cTn>
+                        </p:par>
+                      </p:childTnLst>
+                    </p:cTn>
+                  </p:par>
+                </p:childTnLst>
+              </p:cTn>
+              <p:prevCondLst>
+                <p:cond evt="onPrev" delay="0">
+                  <p:tgtEl>
+                    <p:sldTgt/>
+                  </p:tgtEl>
+                </p:cond>
+              </p:prevCondLst>
+              <p:nextCondLst>
+                <p:cond evt="onNext" delay="0">
+                  <p:tgtEl>
+                    <p:sldTgt/>
+                  </p:tgtEl>
+                </p:cond>
+              </p:nextCondLst>
+            </p:seq>
+          </p:childTnLst>
+        </p:cTn>
+      </p:par>
+    </p:tnLst>
+  </p:timing>
+</p:sld>
+</file>
+
+<file path=ppt/slides/slide20.xml><?xml version="1.0" encoding="utf-8"?>
 <p:sld xmlns:a="http://schemas.openxmlformats.org/drawingml/2006/main" xmlns:r="http://schemas.openxmlformats.org/officeDocument/2006/relationships" xmlns:p="http://schemas.openxmlformats.org/presentationml/2006/main">
   <p:cSld>
     <p:spTree>
@@ -10529,456 +12903,7 @@
 </p:sld>
 </file>
 
-<file path=ppt/slides/slide2.xml><?xml version="1.0" encoding="utf-8"?>
-<p:sld xmlns:a="http://schemas.openxmlformats.org/drawingml/2006/main" xmlns:r="http://schemas.openxmlformats.org/officeDocument/2006/relationships" xmlns:p="http://schemas.openxmlformats.org/presentationml/2006/main">
-  <p:cSld>
-    <p:bg>
-      <p:bgPr>
-        <a:solidFill>
-          <a:schemeClr val="bg1"/>
-        </a:solidFill>
-        <a:effectLst/>
-      </p:bgPr>
-    </p:bg>
-    <p:spTree>
-      <p:nvGrpSpPr>
-        <p:cNvPr id="1" name=""/>
-        <p:cNvGrpSpPr/>
-        <p:nvPr/>
-      </p:nvGrpSpPr>
-      <p:grpSpPr>
-        <a:xfrm>
-          <a:off x="0" y="0"/>
-          <a:ext cx="0" cy="0"/>
-          <a:chOff x="0" y="0"/>
-          <a:chExt cx="0" cy="0"/>
-        </a:xfrm>
-      </p:grpSpPr>
-      <p:sp>
-        <p:nvSpPr>
-          <p:cNvPr id="2" name="Title 1"/>
-          <p:cNvSpPr>
-            <a:spLocks noGrp="1"/>
-          </p:cNvSpPr>
-          <p:nvPr>
-            <p:ph type="title"/>
-          </p:nvPr>
-        </p:nvSpPr>
-        <p:spPr>
-          <a:xfrm>
-            <a:off x="2010696" y="629267"/>
-            <a:ext cx="3845274" cy="1676603"/>
-          </a:xfrm>
-        </p:spPr>
-        <p:txBody>
-          <a:bodyPr>
-            <a:normAutofit/>
-          </a:bodyPr>
-          <a:lstStyle/>
-          <a:p>
-            <a:r>
-              <a:rPr lang="en-IE"/>
-              <a:t>Agenda</a:t>
-            </a:r>
-            <a:endParaRPr lang="en-US"/>
-          </a:p>
-        </p:txBody>
-      </p:sp>
-      <p:sp>
-        <p:nvSpPr>
-          <p:cNvPr id="3" name="Content Placeholder 2"/>
-          <p:cNvSpPr>
-            <a:spLocks noGrp="1"/>
-          </p:cNvSpPr>
-          <p:nvPr>
-            <p:ph idx="1"/>
-          </p:nvPr>
-        </p:nvSpPr>
-        <p:spPr>
-          <a:xfrm>
-            <a:off x="2010697" y="2438401"/>
-            <a:ext cx="3845272" cy="3785419"/>
-          </a:xfrm>
-        </p:spPr>
-        <p:txBody>
-          <a:bodyPr>
-            <a:normAutofit/>
-          </a:bodyPr>
-          <a:lstStyle/>
-          <a:p>
-            <a:pPr>
-              <a:lnSpc>
-                <a:spcPct val="90000"/>
-              </a:lnSpc>
-            </a:pPr>
-            <a:r>
-              <a:rPr lang="en-IE" dirty="0"/>
-              <a:t>NoSQL Databases</a:t>
-            </a:r>
-          </a:p>
-          <a:p>
-            <a:pPr>
-              <a:lnSpc>
-                <a:spcPct val="90000"/>
-              </a:lnSpc>
-            </a:pPr>
-            <a:r>
-              <a:rPr lang="en-IE" dirty="0"/>
-              <a:t>MongoDB</a:t>
-            </a:r>
-          </a:p>
-          <a:p>
-            <a:pPr>
-              <a:lnSpc>
-                <a:spcPct val="90000"/>
-              </a:lnSpc>
-            </a:pPr>
-            <a:r>
-              <a:rPr lang="en-IE" dirty="0"/>
-              <a:t>Mongoose</a:t>
-            </a:r>
-          </a:p>
-          <a:p>
-            <a:pPr>
-              <a:lnSpc>
-                <a:spcPct val="90000"/>
-              </a:lnSpc>
-            </a:pPr>
-            <a:r>
-              <a:rPr lang="en-IE" dirty="0"/>
-              <a:t>Mongo in the cloud</a:t>
-            </a:r>
-            <a:endParaRPr lang="en-US" dirty="0"/>
-          </a:p>
-        </p:txBody>
-      </p:sp>
-      <p:pic>
-        <p:nvPicPr>
-          <p:cNvPr id="5" name="Picture 4" descr="A picture containing plant&#10;&#10;Description automatically generated">
-            <a:extLst>
-              <a:ext uri="{FF2B5EF4-FFF2-40B4-BE49-F238E27FC236}">
-                <a16:creationId xmlns:a16="http://schemas.microsoft.com/office/drawing/2014/main" id="{7452F92D-3CBE-4FD1-98C0-ED30B69BF91B}"/>
-              </a:ext>
-            </a:extLst>
-          </p:cNvPr>
-          <p:cNvPicPr>
-            <a:picLocks noChangeAspect="1"/>
-          </p:cNvPicPr>
-          <p:nvPr/>
-        </p:nvPicPr>
-        <p:blipFill rotWithShape="1">
-          <a:blip r:embed="rId2" cstate="print">
-            <a:extLst>
-              <a:ext uri="{28A0092B-C50C-407E-A947-70E740481C1C}">
-                <a14:useLocalDpi xmlns:a14="http://schemas.microsoft.com/office/drawing/2010/main" val="0"/>
-              </a:ext>
-              <a:ext uri="{837473B0-CC2E-450A-ABE3-18F120FF3D39}">
-                <a1611:picAttrSrcUrl xmlns:a1611="http://schemas.microsoft.com/office/drawing/2016/11/main" r:id="rId3"/>
-              </a:ext>
-            </a:extLst>
-          </a:blip>
-          <a:srcRect l="175" r="15772" b="-4"/>
-          <a:stretch/>
-        </p:blipFill>
-        <p:spPr>
-          <a:xfrm>
-            <a:off x="6091960" y="640083"/>
-            <a:ext cx="4096293" cy="5577837"/>
-          </a:xfrm>
-          <a:prstGeom prst="rect">
-            <a:avLst/>
-          </a:prstGeom>
-          <a:effectLst/>
-        </p:spPr>
-      </p:pic>
-    </p:spTree>
-    <p:extLst>
-      <p:ext uri="{BB962C8B-B14F-4D97-AF65-F5344CB8AC3E}">
-        <p14:creationId xmlns:p14="http://schemas.microsoft.com/office/powerpoint/2010/main" val="3955617300"/>
-      </p:ext>
-    </p:extLst>
-  </p:cSld>
-  <p:clrMapOvr>
-    <a:masterClrMapping/>
-  </p:clrMapOvr>
-  <p:timing>
-    <p:tnLst>
-      <p:par>
-        <p:cTn id="1" dur="indefinite" restart="never" nodeType="tmRoot">
-          <p:childTnLst>
-            <p:seq concurrent="1" nextAc="seek">
-              <p:cTn id="2" dur="indefinite" nodeType="mainSeq">
-                <p:childTnLst>
-                  <p:par>
-                    <p:cTn id="3" fill="hold">
-                      <p:stCondLst>
-                        <p:cond delay="indefinite"/>
-                      </p:stCondLst>
-                      <p:childTnLst>
-                        <p:par>
-                          <p:cTn id="4" fill="hold">
-                            <p:stCondLst>
-                              <p:cond delay="0"/>
-                            </p:stCondLst>
-                            <p:childTnLst>
-                              <p:par>
-                                <p:cTn id="5" presetID="10" presetClass="entr" presetSubtype="0" fill="hold" nodeType="clickEffect">
-                                  <p:stCondLst>
-                                    <p:cond delay="0"/>
-                                  </p:stCondLst>
-                                  <p:childTnLst>
-                                    <p:set>
-                                      <p:cBhvr>
-                                        <p:cTn id="6" dur="1" fill="hold">
-                                          <p:stCondLst>
-                                            <p:cond delay="0"/>
-                                          </p:stCondLst>
-                                        </p:cTn>
-                                        <p:tgtEl>
-                                          <p:spTgt spid="3">
-                                            <p:txEl>
-                                              <p:pRg st="0" end="0"/>
-                                            </p:txEl>
-                                          </p:spTgt>
-                                        </p:tgtEl>
-                                        <p:attrNameLst>
-                                          <p:attrName>style.visibility</p:attrName>
-                                        </p:attrNameLst>
-                                      </p:cBhvr>
-                                      <p:to>
-                                        <p:strVal val="visible"/>
-                                      </p:to>
-                                    </p:set>
-                                    <p:animEffect transition="in" filter="fade">
-                                      <p:cBhvr>
-                                        <p:cTn id="7" dur="500"/>
-                                        <p:tgtEl>
-                                          <p:spTgt spid="3">
-                                            <p:txEl>
-                                              <p:pRg st="0" end="0"/>
-                                            </p:txEl>
-                                          </p:spTgt>
-                                        </p:tgtEl>
-                                      </p:cBhvr>
-                                    </p:animEffect>
-                                  </p:childTnLst>
-                                </p:cTn>
-                              </p:par>
-                            </p:childTnLst>
-                          </p:cTn>
-                        </p:par>
-                      </p:childTnLst>
-                    </p:cTn>
-                  </p:par>
-                  <p:par>
-                    <p:cTn id="8" fill="hold">
-                      <p:stCondLst>
-                        <p:cond delay="indefinite"/>
-                      </p:stCondLst>
-                      <p:childTnLst>
-                        <p:par>
-                          <p:cTn id="9" fill="hold">
-                            <p:stCondLst>
-                              <p:cond delay="0"/>
-                            </p:stCondLst>
-                            <p:childTnLst>
-                              <p:par>
-                                <p:cTn id="10" presetID="10" presetClass="entr" presetSubtype="0" fill="hold" nodeType="clickEffect">
-                                  <p:stCondLst>
-                                    <p:cond delay="0"/>
-                                  </p:stCondLst>
-                                  <p:childTnLst>
-                                    <p:set>
-                                      <p:cBhvr>
-                                        <p:cTn id="11" dur="1" fill="hold">
-                                          <p:stCondLst>
-                                            <p:cond delay="0"/>
-                                          </p:stCondLst>
-                                        </p:cTn>
-                                        <p:tgtEl>
-                                          <p:spTgt spid="3">
-                                            <p:txEl>
-                                              <p:pRg st="1" end="1"/>
-                                            </p:txEl>
-                                          </p:spTgt>
-                                        </p:tgtEl>
-                                        <p:attrNameLst>
-                                          <p:attrName>style.visibility</p:attrName>
-                                        </p:attrNameLst>
-                                      </p:cBhvr>
-                                      <p:to>
-                                        <p:strVal val="visible"/>
-                                      </p:to>
-                                    </p:set>
-                                    <p:animEffect transition="in" filter="fade">
-                                      <p:cBhvr>
-                                        <p:cTn id="12" dur="500"/>
-                                        <p:tgtEl>
-                                          <p:spTgt spid="3">
-                                            <p:txEl>
-                                              <p:pRg st="1" end="1"/>
-                                            </p:txEl>
-                                          </p:spTgt>
-                                        </p:tgtEl>
-                                      </p:cBhvr>
-                                    </p:animEffect>
-                                  </p:childTnLst>
-                                </p:cTn>
-                              </p:par>
-                            </p:childTnLst>
-                          </p:cTn>
-                        </p:par>
-                      </p:childTnLst>
-                    </p:cTn>
-                  </p:par>
-                  <p:par>
-                    <p:cTn id="13" fill="hold">
-                      <p:stCondLst>
-                        <p:cond delay="indefinite"/>
-                      </p:stCondLst>
-                      <p:childTnLst>
-                        <p:par>
-                          <p:cTn id="14" fill="hold">
-                            <p:stCondLst>
-                              <p:cond delay="0"/>
-                            </p:stCondLst>
-                            <p:childTnLst>
-                              <p:par>
-                                <p:cTn id="15" presetID="10" presetClass="entr" presetSubtype="0" fill="hold" nodeType="clickEffect">
-                                  <p:stCondLst>
-                                    <p:cond delay="0"/>
-                                  </p:stCondLst>
-                                  <p:childTnLst>
-                                    <p:set>
-                                      <p:cBhvr>
-                                        <p:cTn id="16" dur="1" fill="hold">
-                                          <p:stCondLst>
-                                            <p:cond delay="0"/>
-                                          </p:stCondLst>
-                                        </p:cTn>
-                                        <p:tgtEl>
-                                          <p:spTgt spid="3">
-                                            <p:txEl>
-                                              <p:pRg st="2" end="2"/>
-                                            </p:txEl>
-                                          </p:spTgt>
-                                        </p:tgtEl>
-                                        <p:attrNameLst>
-                                          <p:attrName>style.visibility</p:attrName>
-                                        </p:attrNameLst>
-                                      </p:cBhvr>
-                                      <p:to>
-                                        <p:strVal val="visible"/>
-                                      </p:to>
-                                    </p:set>
-                                    <p:animEffect transition="in" filter="fade">
-                                      <p:cBhvr>
-                                        <p:cTn id="17" dur="500"/>
-                                        <p:tgtEl>
-                                          <p:spTgt spid="3">
-                                            <p:txEl>
-                                              <p:pRg st="2" end="2"/>
-                                            </p:txEl>
-                                          </p:spTgt>
-                                        </p:tgtEl>
-                                      </p:cBhvr>
-                                    </p:animEffect>
-                                  </p:childTnLst>
-                                </p:cTn>
-                              </p:par>
-                            </p:childTnLst>
-                          </p:cTn>
-                        </p:par>
-                      </p:childTnLst>
-                    </p:cTn>
-                  </p:par>
-                  <p:par>
-                    <p:cTn id="18" fill="hold">
-                      <p:stCondLst>
-                        <p:cond delay="indefinite"/>
-                      </p:stCondLst>
-                      <p:childTnLst>
-                        <p:par>
-                          <p:cTn id="19" fill="hold">
-                            <p:stCondLst>
-                              <p:cond delay="0"/>
-                            </p:stCondLst>
-                            <p:childTnLst>
-                              <p:par>
-                                <p:cTn id="20" presetID="10" presetClass="entr" presetSubtype="0" fill="hold" nodeType="clickEffect">
-                                  <p:stCondLst>
-                                    <p:cond delay="0"/>
-                                  </p:stCondLst>
-                                  <p:childTnLst>
-                                    <p:set>
-                                      <p:cBhvr>
-                                        <p:cTn id="21" dur="1" fill="hold">
-                                          <p:stCondLst>
-                                            <p:cond delay="0"/>
-                                          </p:stCondLst>
-                                        </p:cTn>
-                                        <p:tgtEl>
-                                          <p:spTgt spid="3">
-                                            <p:txEl>
-                                              <p:pRg st="3" end="3"/>
-                                            </p:txEl>
-                                          </p:spTgt>
-                                        </p:tgtEl>
-                                        <p:attrNameLst>
-                                          <p:attrName>style.visibility</p:attrName>
-                                        </p:attrNameLst>
-                                      </p:cBhvr>
-                                      <p:to>
-                                        <p:strVal val="visible"/>
-                                      </p:to>
-                                    </p:set>
-                                    <p:animEffect transition="in" filter="fade">
-                                      <p:cBhvr>
-                                        <p:cTn id="22" dur="500"/>
-                                        <p:tgtEl>
-                                          <p:spTgt spid="3">
-                                            <p:txEl>
-                                              <p:pRg st="3" end="3"/>
-                                            </p:txEl>
-                                          </p:spTgt>
-                                        </p:tgtEl>
-                                      </p:cBhvr>
-                                    </p:animEffect>
-                                  </p:childTnLst>
-                                </p:cTn>
-                              </p:par>
-                            </p:childTnLst>
-                          </p:cTn>
-                        </p:par>
-                      </p:childTnLst>
-                    </p:cTn>
-                  </p:par>
-                </p:childTnLst>
-              </p:cTn>
-              <p:prevCondLst>
-                <p:cond evt="onPrev" delay="0">
-                  <p:tgtEl>
-                    <p:sldTgt/>
-                  </p:tgtEl>
-                </p:cond>
-              </p:prevCondLst>
-              <p:nextCondLst>
-                <p:cond evt="onNext" delay="0">
-                  <p:tgtEl>
-                    <p:sldTgt/>
-                  </p:tgtEl>
-                </p:cond>
-              </p:nextCondLst>
-            </p:seq>
-          </p:childTnLst>
-        </p:cTn>
-      </p:par>
-    </p:tnLst>
-  </p:timing>
-</p:sld>
-</file>
-
-<file path=ppt/slides/slide20.xml><?xml version="1.0" encoding="utf-8"?>
+<file path=ppt/slides/slide21.xml><?xml version="1.0" encoding="utf-8"?>
 <p:sld xmlns:a="http://schemas.openxmlformats.org/drawingml/2006/main" xmlns:r="http://schemas.openxmlformats.org/officeDocument/2006/relationships" xmlns:p="http://schemas.openxmlformats.org/presentationml/2006/main">
   <p:cSld>
     <p:spTree>
@@ -11146,7 +13071,7 @@
 </p:sld>
 </file>
 
-<file path=ppt/slides/slide21.xml><?xml version="1.0" encoding="utf-8"?>
+<file path=ppt/slides/slide22.xml><?xml version="1.0" encoding="utf-8"?>
 <p:sld xmlns:a="http://schemas.openxmlformats.org/drawingml/2006/main" xmlns:r="http://schemas.openxmlformats.org/officeDocument/2006/relationships" xmlns:p="http://schemas.openxmlformats.org/presentationml/2006/main">
   <p:cSld>
     <p:spTree>
@@ -11324,7 +13249,7 @@
 </p:sld>
 </file>
 
-<file path=ppt/slides/slide22.xml><?xml version="1.0" encoding="utf-8"?>
+<file path=ppt/slides/slide23.xml><?xml version="1.0" encoding="utf-8"?>
 <p:sld xmlns:a="http://schemas.openxmlformats.org/drawingml/2006/main" xmlns:r="http://schemas.openxmlformats.org/officeDocument/2006/relationships" xmlns:p="http://schemas.openxmlformats.org/presentationml/2006/main">
   <p:cSld>
     <p:spTree>
@@ -11713,7 +13638,7 @@
 </p:sld>
 </file>
 
-<file path=ppt/slides/slide23.xml><?xml version="1.0" encoding="utf-8"?>
+<file path=ppt/slides/slide24.xml><?xml version="1.0" encoding="utf-8"?>
 <p:sld xmlns:a="http://schemas.openxmlformats.org/drawingml/2006/main" xmlns:r="http://schemas.openxmlformats.org/officeDocument/2006/relationships" xmlns:p="http://schemas.openxmlformats.org/presentationml/2006/main">
   <p:cSld>
     <p:spTree>
@@ -11898,7 +13823,7 @@
 </p:sld>
 </file>
 
-<file path=ppt/slides/slide24.xml><?xml version="1.0" encoding="utf-8"?>
+<file path=ppt/slides/slide25.xml><?xml version="1.0" encoding="utf-8"?>
 <p:sld xmlns:a="http://schemas.openxmlformats.org/drawingml/2006/main" xmlns:r="http://schemas.openxmlformats.org/officeDocument/2006/relationships" xmlns:p="http://schemas.openxmlformats.org/presentationml/2006/main">
   <p:cSld>
     <p:spTree>
@@ -12013,7 +13938,7 @@
 </p:sld>
 </file>
 
-<file path=ppt/slides/slide25.xml><?xml version="1.0" encoding="utf-8"?>
+<file path=ppt/slides/slide26.xml><?xml version="1.0" encoding="utf-8"?>
 <p:sld xmlns:a="http://schemas.openxmlformats.org/drawingml/2006/main" xmlns:r="http://schemas.openxmlformats.org/officeDocument/2006/relationships" xmlns:p="http://schemas.openxmlformats.org/presentationml/2006/main">
   <p:cSld>
     <p:spTree>
@@ -12117,7 +14042,7 @@
 </p:sld>
 </file>
 
-<file path=ppt/slides/slide26.xml><?xml version="1.0" encoding="utf-8"?>
+<file path=ppt/slides/slide27.xml><?xml version="1.0" encoding="utf-8"?>
 <p:sld xmlns:a="http://schemas.openxmlformats.org/drawingml/2006/main" xmlns:r="http://schemas.openxmlformats.org/officeDocument/2006/relationships" xmlns:p="http://schemas.openxmlformats.org/presentationml/2006/main">
   <p:cSld>
     <p:spTree>
@@ -12253,7 +14178,7 @@
 </p:sld>
 </file>
 
-<file path=ppt/slides/slide27.xml><?xml version="1.0" encoding="utf-8"?>
+<file path=ppt/slides/slide28.xml><?xml version="1.0" encoding="utf-8"?>
 <p:sld xmlns:a="http://schemas.openxmlformats.org/drawingml/2006/main" xmlns:r="http://schemas.openxmlformats.org/officeDocument/2006/relationships" xmlns:p="http://schemas.openxmlformats.org/presentationml/2006/main">
   <p:cSld>
     <p:bg>
@@ -12635,7 +14560,7 @@
 </p:sld>
 </file>
 
-<file path=ppt/slides/slide28.xml><?xml version="1.0" encoding="utf-8"?>
+<file path=ppt/slides/slide29.xml><?xml version="1.0" encoding="utf-8"?>
 <p:sld xmlns:a="http://schemas.openxmlformats.org/drawingml/2006/main" xmlns:r="http://schemas.openxmlformats.org/officeDocument/2006/relationships" xmlns:p="http://schemas.openxmlformats.org/presentationml/2006/main">
   <p:cSld>
     <p:spTree>
@@ -12933,7 +14858,709 @@
 </p:sld>
 </file>
 
-<file path=ppt/slides/slide29.xml><?xml version="1.0" encoding="utf-8"?>
+<file path=ppt/slides/slide3.xml><?xml version="1.0" encoding="utf-8"?>
+<p:sld xmlns:a="http://schemas.openxmlformats.org/drawingml/2006/main" xmlns:r="http://schemas.openxmlformats.org/officeDocument/2006/relationships" xmlns:p="http://schemas.openxmlformats.org/presentationml/2006/main">
+  <p:cSld>
+    <p:bg>
+      <p:bgPr>
+        <a:solidFill>
+          <a:schemeClr val="bg1"/>
+        </a:solidFill>
+        <a:effectLst/>
+      </p:bgPr>
+    </p:bg>
+    <p:spTree>
+      <p:nvGrpSpPr>
+        <p:cNvPr id="1" name=""/>
+        <p:cNvGrpSpPr/>
+        <p:nvPr/>
+      </p:nvGrpSpPr>
+      <p:grpSpPr>
+        <a:xfrm>
+          <a:off x="0" y="0"/>
+          <a:ext cx="0" cy="0"/>
+          <a:chOff x="0" y="0"/>
+          <a:chExt cx="0" cy="0"/>
+        </a:xfrm>
+      </p:grpSpPr>
+      <p:sp>
+        <p:nvSpPr>
+          <p:cNvPr id="2" name="Title 1"/>
+          <p:cNvSpPr>
+            <a:spLocks noGrp="1"/>
+          </p:cNvSpPr>
+          <p:nvPr>
+            <p:ph type="title"/>
+          </p:nvPr>
+        </p:nvSpPr>
+        <p:spPr>
+          <a:xfrm>
+            <a:off x="655320" y="365125"/>
+            <a:ext cx="5120114" cy="1692794"/>
+          </a:xfrm>
+        </p:spPr>
+        <p:txBody>
+          <a:bodyPr>
+            <a:normAutofit/>
+          </a:bodyPr>
+          <a:lstStyle/>
+          <a:p>
+            <a:r>
+              <a:rPr lang="en-IE"/>
+              <a:t>Databases in Enterprise Apps</a:t>
+            </a:r>
+            <a:endParaRPr lang="en-US"/>
+          </a:p>
+        </p:txBody>
+      </p:sp>
+      <p:cxnSp>
+        <p:nvCxnSpPr>
+          <p:cNvPr id="22" name="Straight Arrow Connector 24">
+            <a:extLst>
+              <a:ext uri="{FF2B5EF4-FFF2-40B4-BE49-F238E27FC236}">
+                <a16:creationId xmlns:a16="http://schemas.microsoft.com/office/drawing/2014/main" id="{E4A809D5-3600-46D4-A466-67F2349A54FB}"/>
+              </a:ext>
+              <a:ext uri="{C183D7F6-B498-43B3-948B-1728B52AA6E4}">
+                <adec:decorative xmlns:adec="http://schemas.microsoft.com/office/drawing/2017/decorative" val="1"/>
+              </a:ext>
+            </a:extLst>
+          </p:cNvPr>
+          <p:cNvCxnSpPr>
+            <a:cxnSpLocks noGrp="1" noRot="1" noChangeAspect="1" noMove="1" noResize="1" noEditPoints="1" noAdjustHandles="1" noChangeArrowheads="1" noChangeShapeType="1"/>
+          </p:cNvCxnSpPr>
+          <p:nvPr>
+            <p:extLst>
+              <p:ext uri="{386F3935-93C4-4BCD-93E2-E3B085C9AB24}">
+                <p16:designElem xmlns:p16="http://schemas.microsoft.com/office/powerpoint/2015/main" val="1"/>
+              </p:ext>
+            </p:extLst>
+          </p:nvPr>
+        </p:nvCxnSpPr>
+        <p:spPr>
+          <a:xfrm>
+            <a:off x="655320" y="2316480"/>
+            <a:ext cx="4572000" cy="0"/>
+          </a:xfrm>
+          <a:prstGeom prst="straightConnector1">
+            <a:avLst/>
+          </a:prstGeom>
+          <a:ln w="19050" cap="sq">
+            <a:solidFill>
+              <a:schemeClr val="tx1"/>
+            </a:solidFill>
+            <a:tailEnd type="none"/>
+          </a:ln>
+        </p:spPr>
+        <p:style>
+          <a:lnRef idx="1">
+            <a:schemeClr val="accent1"/>
+          </a:lnRef>
+          <a:fillRef idx="0">
+            <a:schemeClr val="accent1"/>
+          </a:fillRef>
+          <a:effectRef idx="0">
+            <a:schemeClr val="accent1"/>
+          </a:effectRef>
+          <a:fontRef idx="minor">
+            <a:schemeClr val="tx1"/>
+          </a:fontRef>
+        </p:style>
+      </p:cxnSp>
+      <p:sp>
+        <p:nvSpPr>
+          <p:cNvPr id="3" name="Content Placeholder 2"/>
+          <p:cNvSpPr>
+            <a:spLocks noGrp="1"/>
+          </p:cNvSpPr>
+          <p:nvPr>
+            <p:ph idx="1"/>
+          </p:nvPr>
+        </p:nvSpPr>
+        <p:spPr>
+          <a:xfrm>
+            <a:off x="655321" y="2575034"/>
+            <a:ext cx="5120113" cy="3462228"/>
+          </a:xfrm>
+        </p:spPr>
+        <p:txBody>
+          <a:bodyPr>
+            <a:normAutofit/>
+          </a:bodyPr>
+          <a:lstStyle/>
+          <a:p>
+            <a:r>
+              <a:rPr lang="en-IE" sz="1800" dirty="0"/>
+              <a:t>Most data driven enterprise applications need a database</a:t>
+            </a:r>
+          </a:p>
+          <a:p>
+            <a:pPr lvl="1"/>
+            <a:r>
+              <a:rPr lang="en-IE" sz="1800" dirty="0"/>
+              <a:t>Persistence: storage of data</a:t>
+            </a:r>
+          </a:p>
+          <a:p>
+            <a:pPr lvl="1"/>
+            <a:r>
+              <a:rPr lang="en-IE" sz="1800" dirty="0"/>
+              <a:t>Concurrency: </a:t>
+            </a:r>
+            <a:r>
+              <a:rPr lang="en-GB" sz="1800" dirty="0"/>
+              <a:t> many applications sharing the data at once.</a:t>
+            </a:r>
+          </a:p>
+          <a:p>
+            <a:pPr lvl="1"/>
+            <a:r>
+              <a:rPr lang="en-IE" sz="1800" dirty="0"/>
+              <a:t>Integration: multiple systems using the same DB</a:t>
+            </a:r>
+          </a:p>
+          <a:p>
+            <a:r>
+              <a:rPr lang="en-IE" sz="1800" dirty="0"/>
+              <a:t>Enterprise Application DBs require backups, fail over, maintenance, capacity provisioning.</a:t>
+            </a:r>
+          </a:p>
+          <a:p>
+            <a:pPr lvl="1"/>
+            <a:r>
+              <a:rPr lang="en-IE" sz="1800" dirty="0"/>
+              <a:t>Traditionally handled by a Database Administrator (the DBA).</a:t>
+            </a:r>
+          </a:p>
+        </p:txBody>
+      </p:sp>
+      <p:pic>
+        <p:nvPicPr>
+          <p:cNvPr id="6" name="Picture 5" descr="A picture containing table, indoor&#10;&#10;Description automatically generated">
+            <a:extLst>
+              <a:ext uri="{FF2B5EF4-FFF2-40B4-BE49-F238E27FC236}">
+                <a16:creationId xmlns:a16="http://schemas.microsoft.com/office/drawing/2014/main" id="{F367067C-6485-48B2-B943-D6DD229EEAC5}"/>
+              </a:ext>
+            </a:extLst>
+          </p:cNvPr>
+          <p:cNvPicPr>
+            <a:picLocks noChangeAspect="1"/>
+          </p:cNvPicPr>
+          <p:nvPr/>
+        </p:nvPicPr>
+        <p:blipFill rotWithShape="1">
+          <a:blip r:embed="rId3">
+            <a:extLst>
+              <a:ext uri="{28A0092B-C50C-407E-A947-70E740481C1C}">
+                <a14:useLocalDpi xmlns:a14="http://schemas.microsoft.com/office/drawing/2010/main" val="0"/>
+              </a:ext>
+              <a:ext uri="{837473B0-CC2E-450A-ABE3-18F120FF3D39}">
+                <a1611:picAttrSrcUrl xmlns:a1611="http://schemas.microsoft.com/office/drawing/2016/11/main" r:id="rId4"/>
+              </a:ext>
+            </a:extLst>
+          </a:blip>
+          <a:srcRect l="7945"/>
+          <a:stretch/>
+        </p:blipFill>
+        <p:spPr>
+          <a:xfrm>
+            <a:off x="5878849" y="10"/>
+            <a:ext cx="6313150" cy="6857987"/>
+          </a:xfrm>
+          <a:custGeom>
+            <a:avLst/>
+            <a:gdLst>
+              <a:gd name="connsiteX0" fmla="*/ 65565 w 6313150"/>
+              <a:gd name="connsiteY0" fmla="*/ 0 h 6857997"/>
+              <a:gd name="connsiteX1" fmla="*/ 6313150 w 6313150"/>
+              <a:gd name="connsiteY1" fmla="*/ 0 h 6857997"/>
+              <a:gd name="connsiteX2" fmla="*/ 6313150 w 6313150"/>
+              <a:gd name="connsiteY2" fmla="*/ 6857997 h 6857997"/>
+              <a:gd name="connsiteX3" fmla="*/ 3293946 w 6313150"/>
+              <a:gd name="connsiteY3" fmla="*/ 6857997 h 6857997"/>
+              <a:gd name="connsiteX4" fmla="*/ 3235857 w 6313150"/>
+              <a:gd name="connsiteY4" fmla="*/ 6823061 h 6857997"/>
+              <a:gd name="connsiteX5" fmla="*/ 0 w 6313150"/>
+              <a:gd name="connsiteY5" fmla="*/ 951803 h 6857997"/>
+              <a:gd name="connsiteX6" fmla="*/ 31536 w 6313150"/>
+              <a:gd name="connsiteY6" fmla="*/ 285771 h 6857997"/>
+            </a:gdLst>
+            <a:ahLst/>
+            <a:cxnLst>
+              <a:cxn ang="0">
+                <a:pos x="connsiteX0" y="connsiteY0"/>
+              </a:cxn>
+              <a:cxn ang="0">
+                <a:pos x="connsiteX1" y="connsiteY1"/>
+              </a:cxn>
+              <a:cxn ang="0">
+                <a:pos x="connsiteX2" y="connsiteY2"/>
+              </a:cxn>
+              <a:cxn ang="0">
+                <a:pos x="connsiteX3" y="connsiteY3"/>
+              </a:cxn>
+              <a:cxn ang="0">
+                <a:pos x="connsiteX4" y="connsiteY4"/>
+              </a:cxn>
+              <a:cxn ang="0">
+                <a:pos x="connsiteX5" y="connsiteY5"/>
+              </a:cxn>
+              <a:cxn ang="0">
+                <a:pos x="connsiteX6" y="connsiteY6"/>
+              </a:cxn>
+            </a:cxnLst>
+            <a:rect l="l" t="t" r="r" b="b"/>
+            <a:pathLst>
+              <a:path w="6313150" h="6857997">
+                <a:moveTo>
+                  <a:pt x="65565" y="0"/>
+                </a:moveTo>
+                <a:lnTo>
+                  <a:pt x="6313150" y="0"/>
+                </a:lnTo>
+                <a:lnTo>
+                  <a:pt x="6313150" y="6857997"/>
+                </a:lnTo>
+                <a:lnTo>
+                  <a:pt x="3293946" y="6857997"/>
+                </a:lnTo>
+                <a:lnTo>
+                  <a:pt x="3235857" y="6823061"/>
+                </a:lnTo>
+                <a:cubicBezTo>
+                  <a:pt x="1291240" y="5592803"/>
+                  <a:pt x="0" y="3423096"/>
+                  <a:pt x="0" y="951803"/>
+                </a:cubicBezTo>
+                <a:cubicBezTo>
+                  <a:pt x="0" y="727140"/>
+                  <a:pt x="10673" y="504970"/>
+                  <a:pt x="31536" y="285771"/>
+                </a:cubicBezTo>
+                <a:close/>
+              </a:path>
+            </a:pathLst>
+          </a:custGeom>
+        </p:spPr>
+      </p:pic>
+      <p:sp>
+        <p:nvSpPr>
+          <p:cNvPr id="7" name="TextBox 6">
+            <a:extLst>
+              <a:ext uri="{FF2B5EF4-FFF2-40B4-BE49-F238E27FC236}">
+                <a16:creationId xmlns:a16="http://schemas.microsoft.com/office/drawing/2014/main" id="{749A8F15-26B1-4C0A-919A-D2EBF6125321}"/>
+              </a:ext>
+            </a:extLst>
+          </p:cNvPr>
+          <p:cNvSpPr txBox="1"/>
+          <p:nvPr/>
+        </p:nvSpPr>
+        <p:spPr>
+          <a:xfrm>
+            <a:off x="10005184" y="6657945"/>
+            <a:ext cx="2186816" cy="200055"/>
+          </a:xfrm>
+          <a:prstGeom prst="rect">
+            <a:avLst/>
+          </a:prstGeom>
+          <a:solidFill>
+            <a:srgbClr val="000000"/>
+          </a:solidFill>
+        </p:spPr>
+        <p:txBody>
+          <a:bodyPr wrap="none" rtlCol="0">
+            <a:spAutoFit/>
+          </a:bodyPr>
+          <a:lstStyle/>
+          <a:p>
+            <a:pPr algn="r">
+              <a:spcAft>
+                <a:spcPts val="600"/>
+              </a:spcAft>
+            </a:pPr>
+            <a:r>
+              <a:rPr lang="en-IE" sz="700">
+                <a:solidFill>
+                  <a:srgbClr val="FFFFFF"/>
+                </a:solidFill>
+                <a:hlinkClick r:id="rId4" tooltip="http://barrymieny.deviantart.com/art/layered-database-source-documents-348798124">
+                  <a:extLst>
+                    <a:ext uri="{A12FA001-AC4F-418D-AE19-62706E023703}">
+                      <ahyp:hlinkClr xmlns:ahyp="http://schemas.microsoft.com/office/drawing/2018/hyperlinkcolor" val="tx"/>
+                    </a:ext>
+                  </a:extLst>
+                </a:hlinkClick>
+              </a:rPr>
+              <a:t>This Photo</a:t>
+            </a:r>
+            <a:r>
+              <a:rPr lang="en-IE" sz="700">
+                <a:solidFill>
+                  <a:srgbClr val="FFFFFF"/>
+                </a:solidFill>
+              </a:rPr>
+              <a:t> by Unknown Author is licensed under </a:t>
+            </a:r>
+            <a:r>
+              <a:rPr lang="en-IE" sz="700">
+                <a:solidFill>
+                  <a:srgbClr val="FFFFFF"/>
+                </a:solidFill>
+                <a:hlinkClick r:id="rId5" tooltip="https://creativecommons.org/licenses/by/3.0/">
+                  <a:extLst>
+                    <a:ext uri="{A12FA001-AC4F-418D-AE19-62706E023703}">
+                      <ahyp:hlinkClr xmlns:ahyp="http://schemas.microsoft.com/office/drawing/2018/hyperlinkcolor" val="tx"/>
+                    </a:ext>
+                  </a:extLst>
+                </a:hlinkClick>
+              </a:rPr>
+              <a:t>CC BY</a:t>
+            </a:r>
+            <a:endParaRPr lang="en-IE" sz="700">
+              <a:solidFill>
+                <a:srgbClr val="FFFFFF"/>
+              </a:solidFill>
+            </a:endParaRPr>
+          </a:p>
+        </p:txBody>
+      </p:sp>
+    </p:spTree>
+    <p:extLst>
+      <p:ext uri="{BB962C8B-B14F-4D97-AF65-F5344CB8AC3E}">
+        <p14:creationId xmlns:p14="http://schemas.microsoft.com/office/powerpoint/2010/main" val="2319016509"/>
+      </p:ext>
+    </p:extLst>
+  </p:cSld>
+  <p:clrMapOvr>
+    <a:masterClrMapping/>
+  </p:clrMapOvr>
+  <p:timing>
+    <p:tnLst>
+      <p:par>
+        <p:cTn id="1" dur="indefinite" restart="never" nodeType="tmRoot">
+          <p:childTnLst>
+            <p:seq concurrent="1" nextAc="seek">
+              <p:cTn id="2" dur="indefinite" nodeType="mainSeq">
+                <p:childTnLst>
+                  <p:par>
+                    <p:cTn id="3" fill="hold">
+                      <p:stCondLst>
+                        <p:cond delay="indefinite"/>
+                      </p:stCondLst>
+                      <p:childTnLst>
+                        <p:par>
+                          <p:cTn id="4" fill="hold">
+                            <p:stCondLst>
+                              <p:cond delay="0"/>
+                            </p:stCondLst>
+                            <p:childTnLst>
+                              <p:par>
+                                <p:cTn id="5" presetID="10" presetClass="entr" presetSubtype="0" fill="hold" nodeType="clickEffect">
+                                  <p:stCondLst>
+                                    <p:cond delay="0"/>
+                                  </p:stCondLst>
+                                  <p:childTnLst>
+                                    <p:set>
+                                      <p:cBhvr>
+                                        <p:cTn id="6" dur="1" fill="hold">
+                                          <p:stCondLst>
+                                            <p:cond delay="0"/>
+                                          </p:stCondLst>
+                                        </p:cTn>
+                                        <p:tgtEl>
+                                          <p:spTgt spid="3">
+                                            <p:txEl>
+                                              <p:pRg st="0" end="0"/>
+                                            </p:txEl>
+                                          </p:spTgt>
+                                        </p:tgtEl>
+                                        <p:attrNameLst>
+                                          <p:attrName>style.visibility</p:attrName>
+                                        </p:attrNameLst>
+                                      </p:cBhvr>
+                                      <p:to>
+                                        <p:strVal val="visible"/>
+                                      </p:to>
+                                    </p:set>
+                                    <p:animEffect transition="in" filter="fade">
+                                      <p:cBhvr>
+                                        <p:cTn id="7" dur="500"/>
+                                        <p:tgtEl>
+                                          <p:spTgt spid="3">
+                                            <p:txEl>
+                                              <p:pRg st="0" end="0"/>
+                                            </p:txEl>
+                                          </p:spTgt>
+                                        </p:tgtEl>
+                                      </p:cBhvr>
+                                    </p:animEffect>
+                                  </p:childTnLst>
+                                </p:cTn>
+                              </p:par>
+                              <p:par>
+                                <p:cTn id="8" presetID="10" presetClass="entr" presetSubtype="0" fill="hold" nodeType="withEffect">
+                                  <p:stCondLst>
+                                    <p:cond delay="0"/>
+                                  </p:stCondLst>
+                                  <p:childTnLst>
+                                    <p:set>
+                                      <p:cBhvr>
+                                        <p:cTn id="9" dur="1" fill="hold">
+                                          <p:stCondLst>
+                                            <p:cond delay="0"/>
+                                          </p:stCondLst>
+                                        </p:cTn>
+                                        <p:tgtEl>
+                                          <p:spTgt spid="3">
+                                            <p:txEl>
+                                              <p:pRg st="1" end="1"/>
+                                            </p:txEl>
+                                          </p:spTgt>
+                                        </p:tgtEl>
+                                        <p:attrNameLst>
+                                          <p:attrName>style.visibility</p:attrName>
+                                        </p:attrNameLst>
+                                      </p:cBhvr>
+                                      <p:to>
+                                        <p:strVal val="visible"/>
+                                      </p:to>
+                                    </p:set>
+                                    <p:animEffect transition="in" filter="fade">
+                                      <p:cBhvr>
+                                        <p:cTn id="10" dur="500"/>
+                                        <p:tgtEl>
+                                          <p:spTgt spid="3">
+                                            <p:txEl>
+                                              <p:pRg st="1" end="1"/>
+                                            </p:txEl>
+                                          </p:spTgt>
+                                        </p:tgtEl>
+                                      </p:cBhvr>
+                                    </p:animEffect>
+                                  </p:childTnLst>
+                                </p:cTn>
+                              </p:par>
+                              <p:par>
+                                <p:cTn id="11" presetID="10" presetClass="entr" presetSubtype="0" fill="hold" nodeType="withEffect">
+                                  <p:stCondLst>
+                                    <p:cond delay="0"/>
+                                  </p:stCondLst>
+                                  <p:childTnLst>
+                                    <p:set>
+                                      <p:cBhvr>
+                                        <p:cTn id="12" dur="1" fill="hold">
+                                          <p:stCondLst>
+                                            <p:cond delay="0"/>
+                                          </p:stCondLst>
+                                        </p:cTn>
+                                        <p:tgtEl>
+                                          <p:spTgt spid="3">
+                                            <p:txEl>
+                                              <p:pRg st="2" end="2"/>
+                                            </p:txEl>
+                                          </p:spTgt>
+                                        </p:tgtEl>
+                                        <p:attrNameLst>
+                                          <p:attrName>style.visibility</p:attrName>
+                                        </p:attrNameLst>
+                                      </p:cBhvr>
+                                      <p:to>
+                                        <p:strVal val="visible"/>
+                                      </p:to>
+                                    </p:set>
+                                    <p:animEffect transition="in" filter="fade">
+                                      <p:cBhvr>
+                                        <p:cTn id="13" dur="500"/>
+                                        <p:tgtEl>
+                                          <p:spTgt spid="3">
+                                            <p:txEl>
+                                              <p:pRg st="2" end="2"/>
+                                            </p:txEl>
+                                          </p:spTgt>
+                                        </p:tgtEl>
+                                      </p:cBhvr>
+                                    </p:animEffect>
+                                  </p:childTnLst>
+                                </p:cTn>
+                              </p:par>
+                              <p:par>
+                                <p:cTn id="14" presetID="10" presetClass="entr" presetSubtype="0" fill="hold" nodeType="withEffect">
+                                  <p:stCondLst>
+                                    <p:cond delay="0"/>
+                                  </p:stCondLst>
+                                  <p:childTnLst>
+                                    <p:set>
+                                      <p:cBhvr>
+                                        <p:cTn id="15" dur="1" fill="hold">
+                                          <p:stCondLst>
+                                            <p:cond delay="0"/>
+                                          </p:stCondLst>
+                                        </p:cTn>
+                                        <p:tgtEl>
+                                          <p:spTgt spid="3">
+                                            <p:txEl>
+                                              <p:pRg st="3" end="3"/>
+                                            </p:txEl>
+                                          </p:spTgt>
+                                        </p:tgtEl>
+                                        <p:attrNameLst>
+                                          <p:attrName>style.visibility</p:attrName>
+                                        </p:attrNameLst>
+                                      </p:cBhvr>
+                                      <p:to>
+                                        <p:strVal val="visible"/>
+                                      </p:to>
+                                    </p:set>
+                                    <p:animEffect transition="in" filter="fade">
+                                      <p:cBhvr>
+                                        <p:cTn id="16" dur="500"/>
+                                        <p:tgtEl>
+                                          <p:spTgt spid="3">
+                                            <p:txEl>
+                                              <p:pRg st="3" end="3"/>
+                                            </p:txEl>
+                                          </p:spTgt>
+                                        </p:tgtEl>
+                                      </p:cBhvr>
+                                    </p:animEffect>
+                                  </p:childTnLst>
+                                </p:cTn>
+                              </p:par>
+                            </p:childTnLst>
+                          </p:cTn>
+                        </p:par>
+                      </p:childTnLst>
+                    </p:cTn>
+                  </p:par>
+                  <p:par>
+                    <p:cTn id="17" fill="hold">
+                      <p:stCondLst>
+                        <p:cond delay="indefinite"/>
+                      </p:stCondLst>
+                      <p:childTnLst>
+                        <p:par>
+                          <p:cTn id="18" fill="hold">
+                            <p:stCondLst>
+                              <p:cond delay="0"/>
+                            </p:stCondLst>
+                            <p:childTnLst>
+                              <p:par>
+                                <p:cTn id="19" presetID="10" presetClass="entr" presetSubtype="0" fill="hold" nodeType="clickEffect">
+                                  <p:stCondLst>
+                                    <p:cond delay="0"/>
+                                  </p:stCondLst>
+                                  <p:childTnLst>
+                                    <p:set>
+                                      <p:cBhvr>
+                                        <p:cTn id="20" dur="1" fill="hold">
+                                          <p:stCondLst>
+                                            <p:cond delay="0"/>
+                                          </p:stCondLst>
+                                        </p:cTn>
+                                        <p:tgtEl>
+                                          <p:spTgt spid="3">
+                                            <p:txEl>
+                                              <p:pRg st="4" end="4"/>
+                                            </p:txEl>
+                                          </p:spTgt>
+                                        </p:tgtEl>
+                                        <p:attrNameLst>
+                                          <p:attrName>style.visibility</p:attrName>
+                                        </p:attrNameLst>
+                                      </p:cBhvr>
+                                      <p:to>
+                                        <p:strVal val="visible"/>
+                                      </p:to>
+                                    </p:set>
+                                    <p:animEffect transition="in" filter="fade">
+                                      <p:cBhvr>
+                                        <p:cTn id="21" dur="500"/>
+                                        <p:tgtEl>
+                                          <p:spTgt spid="3">
+                                            <p:txEl>
+                                              <p:pRg st="4" end="4"/>
+                                            </p:txEl>
+                                          </p:spTgt>
+                                        </p:tgtEl>
+                                      </p:cBhvr>
+                                    </p:animEffect>
+                                  </p:childTnLst>
+                                </p:cTn>
+                              </p:par>
+                              <p:par>
+                                <p:cTn id="22" presetID="10" presetClass="entr" presetSubtype="0" fill="hold" nodeType="withEffect">
+                                  <p:stCondLst>
+                                    <p:cond delay="0"/>
+                                  </p:stCondLst>
+                                  <p:childTnLst>
+                                    <p:set>
+                                      <p:cBhvr>
+                                        <p:cTn id="23" dur="1" fill="hold">
+                                          <p:stCondLst>
+                                            <p:cond delay="0"/>
+                                          </p:stCondLst>
+                                        </p:cTn>
+                                        <p:tgtEl>
+                                          <p:spTgt spid="3">
+                                            <p:txEl>
+                                              <p:pRg st="5" end="5"/>
+                                            </p:txEl>
+                                          </p:spTgt>
+                                        </p:tgtEl>
+                                        <p:attrNameLst>
+                                          <p:attrName>style.visibility</p:attrName>
+                                        </p:attrNameLst>
+                                      </p:cBhvr>
+                                      <p:to>
+                                        <p:strVal val="visible"/>
+                                      </p:to>
+                                    </p:set>
+                                    <p:animEffect transition="in" filter="fade">
+                                      <p:cBhvr>
+                                        <p:cTn id="24" dur="500"/>
+                                        <p:tgtEl>
+                                          <p:spTgt spid="3">
+                                            <p:txEl>
+                                              <p:pRg st="5" end="5"/>
+                                            </p:txEl>
+                                          </p:spTgt>
+                                        </p:tgtEl>
+                                      </p:cBhvr>
+                                    </p:animEffect>
+                                  </p:childTnLst>
+                                </p:cTn>
+                              </p:par>
+                            </p:childTnLst>
+                          </p:cTn>
+                        </p:par>
+                      </p:childTnLst>
+                    </p:cTn>
+                  </p:par>
+                </p:childTnLst>
+              </p:cTn>
+              <p:prevCondLst>
+                <p:cond evt="onPrev" delay="0">
+                  <p:tgtEl>
+                    <p:sldTgt/>
+                  </p:tgtEl>
+                </p:cond>
+              </p:prevCondLst>
+              <p:nextCondLst>
+                <p:cond evt="onNext" delay="0">
+                  <p:tgtEl>
+                    <p:sldTgt/>
+                  </p:tgtEl>
+                </p:cond>
+              </p:nextCondLst>
+            </p:seq>
+          </p:childTnLst>
+        </p:cTn>
+      </p:par>
+    </p:tnLst>
+  </p:timing>
+</p:sld>
+</file>
+
+<file path=ppt/slides/slide30.xml><?xml version="1.0" encoding="utf-8"?>
 <p:sld xmlns:a="http://schemas.openxmlformats.org/drawingml/2006/main" xmlns:r="http://schemas.openxmlformats.org/officeDocument/2006/relationships" xmlns:p="http://schemas.openxmlformats.org/presentationml/2006/main">
   <p:cSld>
     <p:spTree>
@@ -13531,709 +16158,7 @@
 </p:sld>
 </file>
 
-<file path=ppt/slides/slide3.xml><?xml version="1.0" encoding="utf-8"?>
-<p:sld xmlns:a="http://schemas.openxmlformats.org/drawingml/2006/main" xmlns:r="http://schemas.openxmlformats.org/officeDocument/2006/relationships" xmlns:p="http://schemas.openxmlformats.org/presentationml/2006/main">
-  <p:cSld>
-    <p:bg>
-      <p:bgPr>
-        <a:solidFill>
-          <a:schemeClr val="bg1"/>
-        </a:solidFill>
-        <a:effectLst/>
-      </p:bgPr>
-    </p:bg>
-    <p:spTree>
-      <p:nvGrpSpPr>
-        <p:cNvPr id="1" name=""/>
-        <p:cNvGrpSpPr/>
-        <p:nvPr/>
-      </p:nvGrpSpPr>
-      <p:grpSpPr>
-        <a:xfrm>
-          <a:off x="0" y="0"/>
-          <a:ext cx="0" cy="0"/>
-          <a:chOff x="0" y="0"/>
-          <a:chExt cx="0" cy="0"/>
-        </a:xfrm>
-      </p:grpSpPr>
-      <p:sp>
-        <p:nvSpPr>
-          <p:cNvPr id="2" name="Title 1"/>
-          <p:cNvSpPr>
-            <a:spLocks noGrp="1"/>
-          </p:cNvSpPr>
-          <p:nvPr>
-            <p:ph type="title"/>
-          </p:nvPr>
-        </p:nvSpPr>
-        <p:spPr>
-          <a:xfrm>
-            <a:off x="655320" y="365125"/>
-            <a:ext cx="5120114" cy="1692794"/>
-          </a:xfrm>
-        </p:spPr>
-        <p:txBody>
-          <a:bodyPr>
-            <a:normAutofit/>
-          </a:bodyPr>
-          <a:lstStyle/>
-          <a:p>
-            <a:r>
-              <a:rPr lang="en-IE"/>
-              <a:t>Databases in Enterprise Apps</a:t>
-            </a:r>
-            <a:endParaRPr lang="en-US"/>
-          </a:p>
-        </p:txBody>
-      </p:sp>
-      <p:cxnSp>
-        <p:nvCxnSpPr>
-          <p:cNvPr id="22" name="Straight Arrow Connector 24">
-            <a:extLst>
-              <a:ext uri="{FF2B5EF4-FFF2-40B4-BE49-F238E27FC236}">
-                <a16:creationId xmlns:a16="http://schemas.microsoft.com/office/drawing/2014/main" id="{E4A809D5-3600-46D4-A466-67F2349A54FB}"/>
-              </a:ext>
-              <a:ext uri="{C183D7F6-B498-43B3-948B-1728B52AA6E4}">
-                <adec:decorative xmlns:adec="http://schemas.microsoft.com/office/drawing/2017/decorative" val="1"/>
-              </a:ext>
-            </a:extLst>
-          </p:cNvPr>
-          <p:cNvCxnSpPr>
-            <a:cxnSpLocks noGrp="1" noRot="1" noChangeAspect="1" noMove="1" noResize="1" noEditPoints="1" noAdjustHandles="1" noChangeArrowheads="1" noChangeShapeType="1"/>
-          </p:cNvCxnSpPr>
-          <p:nvPr>
-            <p:extLst>
-              <p:ext uri="{386F3935-93C4-4BCD-93E2-E3B085C9AB24}">
-                <p16:designElem xmlns:p16="http://schemas.microsoft.com/office/powerpoint/2015/main" val="1"/>
-              </p:ext>
-            </p:extLst>
-          </p:nvPr>
-        </p:nvCxnSpPr>
-        <p:spPr>
-          <a:xfrm>
-            <a:off x="655320" y="2316480"/>
-            <a:ext cx="4572000" cy="0"/>
-          </a:xfrm>
-          <a:prstGeom prst="straightConnector1">
-            <a:avLst/>
-          </a:prstGeom>
-          <a:ln w="19050" cap="sq">
-            <a:solidFill>
-              <a:schemeClr val="tx1"/>
-            </a:solidFill>
-            <a:tailEnd type="none"/>
-          </a:ln>
-        </p:spPr>
-        <p:style>
-          <a:lnRef idx="1">
-            <a:schemeClr val="accent1"/>
-          </a:lnRef>
-          <a:fillRef idx="0">
-            <a:schemeClr val="accent1"/>
-          </a:fillRef>
-          <a:effectRef idx="0">
-            <a:schemeClr val="accent1"/>
-          </a:effectRef>
-          <a:fontRef idx="minor">
-            <a:schemeClr val="tx1"/>
-          </a:fontRef>
-        </p:style>
-      </p:cxnSp>
-      <p:sp>
-        <p:nvSpPr>
-          <p:cNvPr id="3" name="Content Placeholder 2"/>
-          <p:cNvSpPr>
-            <a:spLocks noGrp="1"/>
-          </p:cNvSpPr>
-          <p:nvPr>
-            <p:ph idx="1"/>
-          </p:nvPr>
-        </p:nvSpPr>
-        <p:spPr>
-          <a:xfrm>
-            <a:off x="655321" y="2575034"/>
-            <a:ext cx="5120113" cy="3462228"/>
-          </a:xfrm>
-        </p:spPr>
-        <p:txBody>
-          <a:bodyPr>
-            <a:normAutofit/>
-          </a:bodyPr>
-          <a:lstStyle/>
-          <a:p>
-            <a:r>
-              <a:rPr lang="en-IE" sz="1800" dirty="0"/>
-              <a:t>Most data driven enterprise applications need a database</a:t>
-            </a:r>
-          </a:p>
-          <a:p>
-            <a:pPr lvl="1"/>
-            <a:r>
-              <a:rPr lang="en-IE" sz="1800" dirty="0"/>
-              <a:t>Persistence: storage of data</a:t>
-            </a:r>
-          </a:p>
-          <a:p>
-            <a:pPr lvl="1"/>
-            <a:r>
-              <a:rPr lang="en-IE" sz="1800" dirty="0"/>
-              <a:t>Concurrency: </a:t>
-            </a:r>
-            <a:r>
-              <a:rPr lang="en-GB" sz="1800" dirty="0"/>
-              <a:t> many applications sharing the data at once.</a:t>
-            </a:r>
-          </a:p>
-          <a:p>
-            <a:pPr lvl="1"/>
-            <a:r>
-              <a:rPr lang="en-IE" sz="1800" dirty="0"/>
-              <a:t>Integration: multiple systems using the same DB</a:t>
-            </a:r>
-          </a:p>
-          <a:p>
-            <a:r>
-              <a:rPr lang="en-IE" sz="1800" dirty="0"/>
-              <a:t>Enterprise Application DBs require backups, fail over, maintenance, capacity provisioning.</a:t>
-            </a:r>
-          </a:p>
-          <a:p>
-            <a:pPr lvl="1"/>
-            <a:r>
-              <a:rPr lang="en-IE" sz="1800" dirty="0"/>
-              <a:t>Traditionally handled by a Database Administrator (the DBA).</a:t>
-            </a:r>
-          </a:p>
-        </p:txBody>
-      </p:sp>
-      <p:pic>
-        <p:nvPicPr>
-          <p:cNvPr id="6" name="Picture 5" descr="A picture containing table, indoor&#10;&#10;Description automatically generated">
-            <a:extLst>
-              <a:ext uri="{FF2B5EF4-FFF2-40B4-BE49-F238E27FC236}">
-                <a16:creationId xmlns:a16="http://schemas.microsoft.com/office/drawing/2014/main" id="{F367067C-6485-48B2-B943-D6DD229EEAC5}"/>
-              </a:ext>
-            </a:extLst>
-          </p:cNvPr>
-          <p:cNvPicPr>
-            <a:picLocks noChangeAspect="1"/>
-          </p:cNvPicPr>
-          <p:nvPr/>
-        </p:nvPicPr>
-        <p:blipFill rotWithShape="1">
-          <a:blip r:embed="rId3">
-            <a:extLst>
-              <a:ext uri="{28A0092B-C50C-407E-A947-70E740481C1C}">
-                <a14:useLocalDpi xmlns:a14="http://schemas.microsoft.com/office/drawing/2010/main" val="0"/>
-              </a:ext>
-              <a:ext uri="{837473B0-CC2E-450A-ABE3-18F120FF3D39}">
-                <a1611:picAttrSrcUrl xmlns:a1611="http://schemas.microsoft.com/office/drawing/2016/11/main" r:id="rId4"/>
-              </a:ext>
-            </a:extLst>
-          </a:blip>
-          <a:srcRect l="7945"/>
-          <a:stretch/>
-        </p:blipFill>
-        <p:spPr>
-          <a:xfrm>
-            <a:off x="5878849" y="10"/>
-            <a:ext cx="6313150" cy="6857987"/>
-          </a:xfrm>
-          <a:custGeom>
-            <a:avLst/>
-            <a:gdLst>
-              <a:gd name="connsiteX0" fmla="*/ 65565 w 6313150"/>
-              <a:gd name="connsiteY0" fmla="*/ 0 h 6857997"/>
-              <a:gd name="connsiteX1" fmla="*/ 6313150 w 6313150"/>
-              <a:gd name="connsiteY1" fmla="*/ 0 h 6857997"/>
-              <a:gd name="connsiteX2" fmla="*/ 6313150 w 6313150"/>
-              <a:gd name="connsiteY2" fmla="*/ 6857997 h 6857997"/>
-              <a:gd name="connsiteX3" fmla="*/ 3293946 w 6313150"/>
-              <a:gd name="connsiteY3" fmla="*/ 6857997 h 6857997"/>
-              <a:gd name="connsiteX4" fmla="*/ 3235857 w 6313150"/>
-              <a:gd name="connsiteY4" fmla="*/ 6823061 h 6857997"/>
-              <a:gd name="connsiteX5" fmla="*/ 0 w 6313150"/>
-              <a:gd name="connsiteY5" fmla="*/ 951803 h 6857997"/>
-              <a:gd name="connsiteX6" fmla="*/ 31536 w 6313150"/>
-              <a:gd name="connsiteY6" fmla="*/ 285771 h 6857997"/>
-            </a:gdLst>
-            <a:ahLst/>
-            <a:cxnLst>
-              <a:cxn ang="0">
-                <a:pos x="connsiteX0" y="connsiteY0"/>
-              </a:cxn>
-              <a:cxn ang="0">
-                <a:pos x="connsiteX1" y="connsiteY1"/>
-              </a:cxn>
-              <a:cxn ang="0">
-                <a:pos x="connsiteX2" y="connsiteY2"/>
-              </a:cxn>
-              <a:cxn ang="0">
-                <a:pos x="connsiteX3" y="connsiteY3"/>
-              </a:cxn>
-              <a:cxn ang="0">
-                <a:pos x="connsiteX4" y="connsiteY4"/>
-              </a:cxn>
-              <a:cxn ang="0">
-                <a:pos x="connsiteX5" y="connsiteY5"/>
-              </a:cxn>
-              <a:cxn ang="0">
-                <a:pos x="connsiteX6" y="connsiteY6"/>
-              </a:cxn>
-            </a:cxnLst>
-            <a:rect l="l" t="t" r="r" b="b"/>
-            <a:pathLst>
-              <a:path w="6313150" h="6857997">
-                <a:moveTo>
-                  <a:pt x="65565" y="0"/>
-                </a:moveTo>
-                <a:lnTo>
-                  <a:pt x="6313150" y="0"/>
-                </a:lnTo>
-                <a:lnTo>
-                  <a:pt x="6313150" y="6857997"/>
-                </a:lnTo>
-                <a:lnTo>
-                  <a:pt x="3293946" y="6857997"/>
-                </a:lnTo>
-                <a:lnTo>
-                  <a:pt x="3235857" y="6823061"/>
-                </a:lnTo>
-                <a:cubicBezTo>
-                  <a:pt x="1291240" y="5592803"/>
-                  <a:pt x="0" y="3423096"/>
-                  <a:pt x="0" y="951803"/>
-                </a:cubicBezTo>
-                <a:cubicBezTo>
-                  <a:pt x="0" y="727140"/>
-                  <a:pt x="10673" y="504970"/>
-                  <a:pt x="31536" y="285771"/>
-                </a:cubicBezTo>
-                <a:close/>
-              </a:path>
-            </a:pathLst>
-          </a:custGeom>
-        </p:spPr>
-      </p:pic>
-      <p:sp>
-        <p:nvSpPr>
-          <p:cNvPr id="7" name="TextBox 6">
-            <a:extLst>
-              <a:ext uri="{FF2B5EF4-FFF2-40B4-BE49-F238E27FC236}">
-                <a16:creationId xmlns:a16="http://schemas.microsoft.com/office/drawing/2014/main" id="{749A8F15-26B1-4C0A-919A-D2EBF6125321}"/>
-              </a:ext>
-            </a:extLst>
-          </p:cNvPr>
-          <p:cNvSpPr txBox="1"/>
-          <p:nvPr/>
-        </p:nvSpPr>
-        <p:spPr>
-          <a:xfrm>
-            <a:off x="10005184" y="6657945"/>
-            <a:ext cx="2186816" cy="200055"/>
-          </a:xfrm>
-          <a:prstGeom prst="rect">
-            <a:avLst/>
-          </a:prstGeom>
-          <a:solidFill>
-            <a:srgbClr val="000000"/>
-          </a:solidFill>
-        </p:spPr>
-        <p:txBody>
-          <a:bodyPr wrap="none" rtlCol="0">
-            <a:spAutoFit/>
-          </a:bodyPr>
-          <a:lstStyle/>
-          <a:p>
-            <a:pPr algn="r">
-              <a:spcAft>
-                <a:spcPts val="600"/>
-              </a:spcAft>
-            </a:pPr>
-            <a:r>
-              <a:rPr lang="en-IE" sz="700">
-                <a:solidFill>
-                  <a:srgbClr val="FFFFFF"/>
-                </a:solidFill>
-                <a:hlinkClick r:id="rId4" tooltip="http://barrymieny.deviantart.com/art/layered-database-source-documents-348798124">
-                  <a:extLst>
-                    <a:ext uri="{A12FA001-AC4F-418D-AE19-62706E023703}">
-                      <ahyp:hlinkClr xmlns:ahyp="http://schemas.microsoft.com/office/drawing/2018/hyperlinkcolor" val="tx"/>
-                    </a:ext>
-                  </a:extLst>
-                </a:hlinkClick>
-              </a:rPr>
-              <a:t>This Photo</a:t>
-            </a:r>
-            <a:r>
-              <a:rPr lang="en-IE" sz="700">
-                <a:solidFill>
-                  <a:srgbClr val="FFFFFF"/>
-                </a:solidFill>
-              </a:rPr>
-              <a:t> by Unknown Author is licensed under </a:t>
-            </a:r>
-            <a:r>
-              <a:rPr lang="en-IE" sz="700">
-                <a:solidFill>
-                  <a:srgbClr val="FFFFFF"/>
-                </a:solidFill>
-                <a:hlinkClick r:id="rId5" tooltip="https://creativecommons.org/licenses/by/3.0/">
-                  <a:extLst>
-                    <a:ext uri="{A12FA001-AC4F-418D-AE19-62706E023703}">
-                      <ahyp:hlinkClr xmlns:ahyp="http://schemas.microsoft.com/office/drawing/2018/hyperlinkcolor" val="tx"/>
-                    </a:ext>
-                  </a:extLst>
-                </a:hlinkClick>
-              </a:rPr>
-              <a:t>CC BY</a:t>
-            </a:r>
-            <a:endParaRPr lang="en-IE" sz="700">
-              <a:solidFill>
-                <a:srgbClr val="FFFFFF"/>
-              </a:solidFill>
-            </a:endParaRPr>
-          </a:p>
-        </p:txBody>
-      </p:sp>
-    </p:spTree>
-    <p:extLst>
-      <p:ext uri="{BB962C8B-B14F-4D97-AF65-F5344CB8AC3E}">
-        <p14:creationId xmlns:p14="http://schemas.microsoft.com/office/powerpoint/2010/main" val="2319016509"/>
-      </p:ext>
-    </p:extLst>
-  </p:cSld>
-  <p:clrMapOvr>
-    <a:masterClrMapping/>
-  </p:clrMapOvr>
-  <p:timing>
-    <p:tnLst>
-      <p:par>
-        <p:cTn id="1" dur="indefinite" restart="never" nodeType="tmRoot">
-          <p:childTnLst>
-            <p:seq concurrent="1" nextAc="seek">
-              <p:cTn id="2" dur="indefinite" nodeType="mainSeq">
-                <p:childTnLst>
-                  <p:par>
-                    <p:cTn id="3" fill="hold">
-                      <p:stCondLst>
-                        <p:cond delay="indefinite"/>
-                      </p:stCondLst>
-                      <p:childTnLst>
-                        <p:par>
-                          <p:cTn id="4" fill="hold">
-                            <p:stCondLst>
-                              <p:cond delay="0"/>
-                            </p:stCondLst>
-                            <p:childTnLst>
-                              <p:par>
-                                <p:cTn id="5" presetID="10" presetClass="entr" presetSubtype="0" fill="hold" nodeType="clickEffect">
-                                  <p:stCondLst>
-                                    <p:cond delay="0"/>
-                                  </p:stCondLst>
-                                  <p:childTnLst>
-                                    <p:set>
-                                      <p:cBhvr>
-                                        <p:cTn id="6" dur="1" fill="hold">
-                                          <p:stCondLst>
-                                            <p:cond delay="0"/>
-                                          </p:stCondLst>
-                                        </p:cTn>
-                                        <p:tgtEl>
-                                          <p:spTgt spid="3">
-                                            <p:txEl>
-                                              <p:pRg st="0" end="0"/>
-                                            </p:txEl>
-                                          </p:spTgt>
-                                        </p:tgtEl>
-                                        <p:attrNameLst>
-                                          <p:attrName>style.visibility</p:attrName>
-                                        </p:attrNameLst>
-                                      </p:cBhvr>
-                                      <p:to>
-                                        <p:strVal val="visible"/>
-                                      </p:to>
-                                    </p:set>
-                                    <p:animEffect transition="in" filter="fade">
-                                      <p:cBhvr>
-                                        <p:cTn id="7" dur="500"/>
-                                        <p:tgtEl>
-                                          <p:spTgt spid="3">
-                                            <p:txEl>
-                                              <p:pRg st="0" end="0"/>
-                                            </p:txEl>
-                                          </p:spTgt>
-                                        </p:tgtEl>
-                                      </p:cBhvr>
-                                    </p:animEffect>
-                                  </p:childTnLst>
-                                </p:cTn>
-                              </p:par>
-                              <p:par>
-                                <p:cTn id="8" presetID="10" presetClass="entr" presetSubtype="0" fill="hold" nodeType="withEffect">
-                                  <p:stCondLst>
-                                    <p:cond delay="0"/>
-                                  </p:stCondLst>
-                                  <p:childTnLst>
-                                    <p:set>
-                                      <p:cBhvr>
-                                        <p:cTn id="9" dur="1" fill="hold">
-                                          <p:stCondLst>
-                                            <p:cond delay="0"/>
-                                          </p:stCondLst>
-                                        </p:cTn>
-                                        <p:tgtEl>
-                                          <p:spTgt spid="3">
-                                            <p:txEl>
-                                              <p:pRg st="1" end="1"/>
-                                            </p:txEl>
-                                          </p:spTgt>
-                                        </p:tgtEl>
-                                        <p:attrNameLst>
-                                          <p:attrName>style.visibility</p:attrName>
-                                        </p:attrNameLst>
-                                      </p:cBhvr>
-                                      <p:to>
-                                        <p:strVal val="visible"/>
-                                      </p:to>
-                                    </p:set>
-                                    <p:animEffect transition="in" filter="fade">
-                                      <p:cBhvr>
-                                        <p:cTn id="10" dur="500"/>
-                                        <p:tgtEl>
-                                          <p:spTgt spid="3">
-                                            <p:txEl>
-                                              <p:pRg st="1" end="1"/>
-                                            </p:txEl>
-                                          </p:spTgt>
-                                        </p:tgtEl>
-                                      </p:cBhvr>
-                                    </p:animEffect>
-                                  </p:childTnLst>
-                                </p:cTn>
-                              </p:par>
-                              <p:par>
-                                <p:cTn id="11" presetID="10" presetClass="entr" presetSubtype="0" fill="hold" nodeType="withEffect">
-                                  <p:stCondLst>
-                                    <p:cond delay="0"/>
-                                  </p:stCondLst>
-                                  <p:childTnLst>
-                                    <p:set>
-                                      <p:cBhvr>
-                                        <p:cTn id="12" dur="1" fill="hold">
-                                          <p:stCondLst>
-                                            <p:cond delay="0"/>
-                                          </p:stCondLst>
-                                        </p:cTn>
-                                        <p:tgtEl>
-                                          <p:spTgt spid="3">
-                                            <p:txEl>
-                                              <p:pRg st="2" end="2"/>
-                                            </p:txEl>
-                                          </p:spTgt>
-                                        </p:tgtEl>
-                                        <p:attrNameLst>
-                                          <p:attrName>style.visibility</p:attrName>
-                                        </p:attrNameLst>
-                                      </p:cBhvr>
-                                      <p:to>
-                                        <p:strVal val="visible"/>
-                                      </p:to>
-                                    </p:set>
-                                    <p:animEffect transition="in" filter="fade">
-                                      <p:cBhvr>
-                                        <p:cTn id="13" dur="500"/>
-                                        <p:tgtEl>
-                                          <p:spTgt spid="3">
-                                            <p:txEl>
-                                              <p:pRg st="2" end="2"/>
-                                            </p:txEl>
-                                          </p:spTgt>
-                                        </p:tgtEl>
-                                      </p:cBhvr>
-                                    </p:animEffect>
-                                  </p:childTnLst>
-                                </p:cTn>
-                              </p:par>
-                              <p:par>
-                                <p:cTn id="14" presetID="10" presetClass="entr" presetSubtype="0" fill="hold" nodeType="withEffect">
-                                  <p:stCondLst>
-                                    <p:cond delay="0"/>
-                                  </p:stCondLst>
-                                  <p:childTnLst>
-                                    <p:set>
-                                      <p:cBhvr>
-                                        <p:cTn id="15" dur="1" fill="hold">
-                                          <p:stCondLst>
-                                            <p:cond delay="0"/>
-                                          </p:stCondLst>
-                                        </p:cTn>
-                                        <p:tgtEl>
-                                          <p:spTgt spid="3">
-                                            <p:txEl>
-                                              <p:pRg st="3" end="3"/>
-                                            </p:txEl>
-                                          </p:spTgt>
-                                        </p:tgtEl>
-                                        <p:attrNameLst>
-                                          <p:attrName>style.visibility</p:attrName>
-                                        </p:attrNameLst>
-                                      </p:cBhvr>
-                                      <p:to>
-                                        <p:strVal val="visible"/>
-                                      </p:to>
-                                    </p:set>
-                                    <p:animEffect transition="in" filter="fade">
-                                      <p:cBhvr>
-                                        <p:cTn id="16" dur="500"/>
-                                        <p:tgtEl>
-                                          <p:spTgt spid="3">
-                                            <p:txEl>
-                                              <p:pRg st="3" end="3"/>
-                                            </p:txEl>
-                                          </p:spTgt>
-                                        </p:tgtEl>
-                                      </p:cBhvr>
-                                    </p:animEffect>
-                                  </p:childTnLst>
-                                </p:cTn>
-                              </p:par>
-                            </p:childTnLst>
-                          </p:cTn>
-                        </p:par>
-                      </p:childTnLst>
-                    </p:cTn>
-                  </p:par>
-                  <p:par>
-                    <p:cTn id="17" fill="hold">
-                      <p:stCondLst>
-                        <p:cond delay="indefinite"/>
-                      </p:stCondLst>
-                      <p:childTnLst>
-                        <p:par>
-                          <p:cTn id="18" fill="hold">
-                            <p:stCondLst>
-                              <p:cond delay="0"/>
-                            </p:stCondLst>
-                            <p:childTnLst>
-                              <p:par>
-                                <p:cTn id="19" presetID="10" presetClass="entr" presetSubtype="0" fill="hold" nodeType="clickEffect">
-                                  <p:stCondLst>
-                                    <p:cond delay="0"/>
-                                  </p:stCondLst>
-                                  <p:childTnLst>
-                                    <p:set>
-                                      <p:cBhvr>
-                                        <p:cTn id="20" dur="1" fill="hold">
-                                          <p:stCondLst>
-                                            <p:cond delay="0"/>
-                                          </p:stCondLst>
-                                        </p:cTn>
-                                        <p:tgtEl>
-                                          <p:spTgt spid="3">
-                                            <p:txEl>
-                                              <p:pRg st="4" end="4"/>
-                                            </p:txEl>
-                                          </p:spTgt>
-                                        </p:tgtEl>
-                                        <p:attrNameLst>
-                                          <p:attrName>style.visibility</p:attrName>
-                                        </p:attrNameLst>
-                                      </p:cBhvr>
-                                      <p:to>
-                                        <p:strVal val="visible"/>
-                                      </p:to>
-                                    </p:set>
-                                    <p:animEffect transition="in" filter="fade">
-                                      <p:cBhvr>
-                                        <p:cTn id="21" dur="500"/>
-                                        <p:tgtEl>
-                                          <p:spTgt spid="3">
-                                            <p:txEl>
-                                              <p:pRg st="4" end="4"/>
-                                            </p:txEl>
-                                          </p:spTgt>
-                                        </p:tgtEl>
-                                      </p:cBhvr>
-                                    </p:animEffect>
-                                  </p:childTnLst>
-                                </p:cTn>
-                              </p:par>
-                              <p:par>
-                                <p:cTn id="22" presetID="10" presetClass="entr" presetSubtype="0" fill="hold" nodeType="withEffect">
-                                  <p:stCondLst>
-                                    <p:cond delay="0"/>
-                                  </p:stCondLst>
-                                  <p:childTnLst>
-                                    <p:set>
-                                      <p:cBhvr>
-                                        <p:cTn id="23" dur="1" fill="hold">
-                                          <p:stCondLst>
-                                            <p:cond delay="0"/>
-                                          </p:stCondLst>
-                                        </p:cTn>
-                                        <p:tgtEl>
-                                          <p:spTgt spid="3">
-                                            <p:txEl>
-                                              <p:pRg st="5" end="5"/>
-                                            </p:txEl>
-                                          </p:spTgt>
-                                        </p:tgtEl>
-                                        <p:attrNameLst>
-                                          <p:attrName>style.visibility</p:attrName>
-                                        </p:attrNameLst>
-                                      </p:cBhvr>
-                                      <p:to>
-                                        <p:strVal val="visible"/>
-                                      </p:to>
-                                    </p:set>
-                                    <p:animEffect transition="in" filter="fade">
-                                      <p:cBhvr>
-                                        <p:cTn id="24" dur="500"/>
-                                        <p:tgtEl>
-                                          <p:spTgt spid="3">
-                                            <p:txEl>
-                                              <p:pRg st="5" end="5"/>
-                                            </p:txEl>
-                                          </p:spTgt>
-                                        </p:tgtEl>
-                                      </p:cBhvr>
-                                    </p:animEffect>
-                                  </p:childTnLst>
-                                </p:cTn>
-                              </p:par>
-                            </p:childTnLst>
-                          </p:cTn>
-                        </p:par>
-                      </p:childTnLst>
-                    </p:cTn>
-                  </p:par>
-                </p:childTnLst>
-              </p:cTn>
-              <p:prevCondLst>
-                <p:cond evt="onPrev" delay="0">
-                  <p:tgtEl>
-                    <p:sldTgt/>
-                  </p:tgtEl>
-                </p:cond>
-              </p:prevCondLst>
-              <p:nextCondLst>
-                <p:cond evt="onNext" delay="0">
-                  <p:tgtEl>
-                    <p:sldTgt/>
-                  </p:tgtEl>
-                </p:cond>
-              </p:nextCondLst>
-            </p:seq>
-          </p:childTnLst>
-        </p:cTn>
-      </p:par>
-    </p:tnLst>
-  </p:timing>
-</p:sld>
-</file>
-
-<file path=ppt/slides/slide30.xml><?xml version="1.0" encoding="utf-8"?>
+<file path=ppt/slides/slide31.xml><?xml version="1.0" encoding="utf-8"?>
 <p:sld xmlns:a="http://schemas.openxmlformats.org/drawingml/2006/main" xmlns:r="http://schemas.openxmlformats.org/officeDocument/2006/relationships" xmlns:p="http://schemas.openxmlformats.org/presentationml/2006/main">
   <p:cSld>
     <p:spTree>
@@ -14532,7 +16457,7 @@
 </p:sld>
 </file>
 
-<file path=ppt/slides/slide31.xml><?xml version="1.0" encoding="utf-8"?>
+<file path=ppt/slides/slide32.xml><?xml version="1.0" encoding="utf-8"?>
 <p:sld xmlns:a="http://schemas.openxmlformats.org/drawingml/2006/main" xmlns:r="http://schemas.openxmlformats.org/officeDocument/2006/relationships" xmlns:p="http://schemas.openxmlformats.org/presentationml/2006/main">
   <p:cSld>
     <p:spTree>
@@ -14831,7 +16756,7 @@
 </p:sld>
 </file>
 
-<file path=ppt/slides/slide32.xml><?xml version="1.0" encoding="utf-8"?>
+<file path=ppt/slides/slide33.xml><?xml version="1.0" encoding="utf-8"?>
 <p:sld xmlns:a="http://schemas.openxmlformats.org/drawingml/2006/main" xmlns:r="http://schemas.openxmlformats.org/officeDocument/2006/relationships" xmlns:p="http://schemas.openxmlformats.org/presentationml/2006/main">
   <p:cSld>
     <p:spTree>
@@ -14984,7 +16909,7 @@
 </p:sld>
 </file>
 
-<file path=ppt/slides/slide33.xml><?xml version="1.0" encoding="utf-8"?>
+<file path=ppt/slides/slide34.xml><?xml version="1.0" encoding="utf-8"?>
 <p:sld xmlns:a="http://schemas.openxmlformats.org/drawingml/2006/main" xmlns:r="http://schemas.openxmlformats.org/officeDocument/2006/relationships" xmlns:p="http://schemas.openxmlformats.org/presentationml/2006/main">
   <p:cSld>
     <p:spTree>
@@ -15370,7 +17295,7 @@
 </p:sld>
 </file>
 
-<file path=ppt/slides/slide34.xml><?xml version="1.0" encoding="utf-8"?>
+<file path=ppt/slides/slide35.xml><?xml version="1.0" encoding="utf-8"?>
 <p:sld xmlns:a="http://schemas.openxmlformats.org/drawingml/2006/main" xmlns:r="http://schemas.openxmlformats.org/officeDocument/2006/relationships" xmlns:p="http://schemas.openxmlformats.org/presentationml/2006/main">
   <p:cSld>
     <p:spTree>
@@ -15655,7 +17580,7 @@
 </p:sld>
 </file>
 
-<file path=ppt/slides/slide35.xml><?xml version="1.0" encoding="utf-8"?>
+<file path=ppt/slides/slide36.xml><?xml version="1.0" encoding="utf-8"?>
 <p:sld xmlns:a="http://schemas.openxmlformats.org/drawingml/2006/main" xmlns:r="http://schemas.openxmlformats.org/officeDocument/2006/relationships" xmlns:p="http://schemas.openxmlformats.org/presentationml/2006/main">
   <p:cSld>
     <p:spTree>
@@ -15738,7 +17663,7 @@
 </p:sld>
 </file>
 
-<file path=ppt/slides/slide36.xml><?xml version="1.0" encoding="utf-8"?>
+<file path=ppt/slides/slide37.xml><?xml version="1.0" encoding="utf-8"?>
 <p:sld xmlns:a="http://schemas.openxmlformats.org/drawingml/2006/main" xmlns:r="http://schemas.openxmlformats.org/officeDocument/2006/relationships" xmlns:p="http://schemas.openxmlformats.org/presentationml/2006/main">
   <p:cSld>
     <p:spTree>
@@ -15884,7 +17809,7 @@
 </p:sld>
 </file>
 
-<file path=ppt/slides/slide37.xml><?xml version="1.0" encoding="utf-8"?>
+<file path=ppt/slides/slide38.xml><?xml version="1.0" encoding="utf-8"?>
 <p:sld xmlns:a="http://schemas.openxmlformats.org/drawingml/2006/main" xmlns:r="http://schemas.openxmlformats.org/officeDocument/2006/relationships" xmlns:p="http://schemas.openxmlformats.org/presentationml/2006/main">
   <p:cSld>
     <p:bg>
@@ -16614,7 +18539,7 @@
 </p:sld>
 </file>
 
-<file path=ppt/slides/slide38.xml><?xml version="1.0" encoding="utf-8"?>
+<file path=ppt/slides/slide39.xml><?xml version="1.0" encoding="utf-8"?>
 <p:sld xmlns:a="http://schemas.openxmlformats.org/drawingml/2006/main" xmlns:r="http://schemas.openxmlformats.org/officeDocument/2006/relationships" xmlns:p="http://schemas.openxmlformats.org/presentationml/2006/main">
   <p:cSld>
     <p:spTree>
@@ -16956,441 +18881,6 @@
       <p:bldP spid="5" grpId="0" animBg="1"/>
       <p:bldP spid="8" grpId="0" animBg="1"/>
     </p:bldLst>
-  </p:timing>
-</p:sld>
-</file>
-
-<file path=ppt/slides/slide39.xml><?xml version="1.0" encoding="utf-8"?>
-<p:sld xmlns:a="http://schemas.openxmlformats.org/drawingml/2006/main" xmlns:r="http://schemas.openxmlformats.org/officeDocument/2006/relationships" xmlns:p="http://schemas.openxmlformats.org/presentationml/2006/main">
-  <p:cSld>
-    <p:spTree>
-      <p:nvGrpSpPr>
-        <p:cNvPr id="1" name=""/>
-        <p:cNvGrpSpPr/>
-        <p:nvPr/>
-      </p:nvGrpSpPr>
-      <p:grpSpPr>
-        <a:xfrm>
-          <a:off x="0" y="0"/>
-          <a:ext cx="0" cy="0"/>
-          <a:chOff x="0" y="0"/>
-          <a:chExt cx="0" cy="0"/>
-        </a:xfrm>
-      </p:grpSpPr>
-      <p:sp>
-        <p:nvSpPr>
-          <p:cNvPr id="2" name="Title 1">
-            <a:extLst>
-              <a:ext uri="{FF2B5EF4-FFF2-40B4-BE49-F238E27FC236}">
-                <a16:creationId xmlns:a16="http://schemas.microsoft.com/office/drawing/2014/main" id="{23552D18-B177-48E6-8C75-62BA219AAAEF}"/>
-              </a:ext>
-            </a:extLst>
-          </p:cNvPr>
-          <p:cNvSpPr>
-            <a:spLocks noGrp="1"/>
-          </p:cNvSpPr>
-          <p:nvPr>
-            <p:ph type="title"/>
-          </p:nvPr>
-        </p:nvSpPr>
-        <p:spPr/>
-        <p:txBody>
-          <a:bodyPr/>
-          <a:lstStyle/>
-          <a:p>
-            <a:r>
-              <a:rPr lang="en-IE" dirty="0"/>
-              <a:t>2. express-session middleware</a:t>
-            </a:r>
-          </a:p>
-        </p:txBody>
-      </p:sp>
-      <p:sp>
-        <p:nvSpPr>
-          <p:cNvPr id="3" name="Content Placeholder 2">
-            <a:extLst>
-              <a:ext uri="{FF2B5EF4-FFF2-40B4-BE49-F238E27FC236}">
-                <a16:creationId xmlns:a16="http://schemas.microsoft.com/office/drawing/2014/main" id="{290E1AB1-2A4C-41BD-A37F-3D28D48B934E}"/>
-              </a:ext>
-            </a:extLst>
-          </p:cNvPr>
-          <p:cNvSpPr>
-            <a:spLocks noGrp="1"/>
-          </p:cNvSpPr>
-          <p:nvPr>
-            <p:ph idx="1"/>
-          </p:nvPr>
-        </p:nvSpPr>
-        <p:spPr/>
-        <p:txBody>
-          <a:bodyPr/>
-          <a:lstStyle/>
-          <a:p>
-            <a:r>
-              <a:rPr lang="en-IE" dirty="0"/>
-              <a:t>Session middleware that stores </a:t>
-            </a:r>
-            <a:r>
-              <a:rPr lang="en-GB" dirty="0"/>
-              <a:t>session data on server-side</a:t>
-            </a:r>
-          </a:p>
-          <a:p>
-            <a:pPr lvl="1"/>
-            <a:r>
-              <a:rPr lang="en-GB" dirty="0"/>
-              <a:t>Puts a unique ID on client</a:t>
-            </a:r>
-          </a:p>
-          <a:p>
-            <a:pPr lvl="1"/>
-            <a:endParaRPr lang="en-GB" dirty="0"/>
-          </a:p>
-          <a:p>
-            <a:r>
-              <a:rPr lang="en-GB" dirty="0"/>
-              <a:t>Add to Express App middleware stack:</a:t>
-            </a:r>
-          </a:p>
-          <a:p>
-            <a:endParaRPr lang="en-IE" dirty="0"/>
-          </a:p>
-        </p:txBody>
-      </p:sp>
-      <p:pic>
-        <p:nvPicPr>
-          <p:cNvPr id="4" name="Picture 3">
-            <a:extLst>
-              <a:ext uri="{FF2B5EF4-FFF2-40B4-BE49-F238E27FC236}">
-                <a16:creationId xmlns:a16="http://schemas.microsoft.com/office/drawing/2014/main" id="{FDB31A76-0E2E-458B-9019-40EEA4A1F2A0}"/>
-              </a:ext>
-            </a:extLst>
-          </p:cNvPr>
-          <p:cNvPicPr>
-            <a:picLocks noChangeAspect="1"/>
-          </p:cNvPicPr>
-          <p:nvPr/>
-        </p:nvPicPr>
-        <p:blipFill>
-          <a:blip r:embed="rId2"/>
-          <a:stretch>
-            <a:fillRect/>
-          </a:stretch>
-        </p:blipFill>
-        <p:spPr>
-          <a:xfrm>
-            <a:off x="1974272" y="2787793"/>
-            <a:ext cx="5277056" cy="371043"/>
-          </a:xfrm>
-          <a:prstGeom prst="rect">
-            <a:avLst/>
-          </a:prstGeom>
-        </p:spPr>
-      </p:pic>
-      <p:pic>
-        <p:nvPicPr>
-          <p:cNvPr id="5" name="Picture 4">
-            <a:extLst>
-              <a:ext uri="{FF2B5EF4-FFF2-40B4-BE49-F238E27FC236}">
-                <a16:creationId xmlns:a16="http://schemas.microsoft.com/office/drawing/2014/main" id="{FC7DE224-3AE1-46D8-98E2-89305E4CC941}"/>
-              </a:ext>
-            </a:extLst>
-          </p:cNvPr>
-          <p:cNvPicPr>
-            <a:picLocks noChangeAspect="1"/>
-          </p:cNvPicPr>
-          <p:nvPr/>
-        </p:nvPicPr>
-        <p:blipFill>
-          <a:blip r:embed="rId3"/>
-          <a:stretch>
-            <a:fillRect/>
-          </a:stretch>
-        </p:blipFill>
-        <p:spPr>
-          <a:xfrm>
-            <a:off x="1974272" y="4105274"/>
-            <a:ext cx="5362575" cy="2305050"/>
-          </a:xfrm>
-          <a:prstGeom prst="rect">
-            <a:avLst/>
-          </a:prstGeom>
-        </p:spPr>
-      </p:pic>
-    </p:spTree>
-    <p:extLst>
-      <p:ext uri="{BB962C8B-B14F-4D97-AF65-F5344CB8AC3E}">
-        <p14:creationId xmlns:p14="http://schemas.microsoft.com/office/powerpoint/2010/main" val="1404242917"/>
-      </p:ext>
-    </p:extLst>
-  </p:cSld>
-  <p:clrMapOvr>
-    <a:masterClrMapping/>
-  </p:clrMapOvr>
-  <p:timing>
-    <p:tnLst>
-      <p:par>
-        <p:cTn id="1" dur="indefinite" restart="never" nodeType="tmRoot">
-          <p:childTnLst>
-            <p:seq concurrent="1" nextAc="seek">
-              <p:cTn id="2" dur="indefinite" nodeType="mainSeq">
-                <p:childTnLst>
-                  <p:par>
-                    <p:cTn id="3" fill="hold">
-                      <p:stCondLst>
-                        <p:cond delay="indefinite"/>
-                      </p:stCondLst>
-                      <p:childTnLst>
-                        <p:par>
-                          <p:cTn id="4" fill="hold">
-                            <p:stCondLst>
-                              <p:cond delay="0"/>
-                            </p:stCondLst>
-                            <p:childTnLst>
-                              <p:par>
-                                <p:cTn id="5" presetID="10" presetClass="entr" presetSubtype="0" fill="hold" nodeType="clickEffect">
-                                  <p:stCondLst>
-                                    <p:cond delay="0"/>
-                                  </p:stCondLst>
-                                  <p:childTnLst>
-                                    <p:set>
-                                      <p:cBhvr>
-                                        <p:cTn id="6" dur="1" fill="hold">
-                                          <p:stCondLst>
-                                            <p:cond delay="0"/>
-                                          </p:stCondLst>
-                                        </p:cTn>
-                                        <p:tgtEl>
-                                          <p:spTgt spid="3">
-                                            <p:txEl>
-                                              <p:pRg st="0" end="0"/>
-                                            </p:txEl>
-                                          </p:spTgt>
-                                        </p:tgtEl>
-                                        <p:attrNameLst>
-                                          <p:attrName>style.visibility</p:attrName>
-                                        </p:attrNameLst>
-                                      </p:cBhvr>
-                                      <p:to>
-                                        <p:strVal val="visible"/>
-                                      </p:to>
-                                    </p:set>
-                                    <p:animEffect transition="in" filter="fade">
-                                      <p:cBhvr>
-                                        <p:cTn id="7" dur="500"/>
-                                        <p:tgtEl>
-                                          <p:spTgt spid="3">
-                                            <p:txEl>
-                                              <p:pRg st="0" end="0"/>
-                                            </p:txEl>
-                                          </p:spTgt>
-                                        </p:tgtEl>
-                                      </p:cBhvr>
-                                    </p:animEffect>
-                                  </p:childTnLst>
-                                </p:cTn>
-                              </p:par>
-                              <p:par>
-                                <p:cTn id="8" presetID="10" presetClass="entr" presetSubtype="0" fill="hold" nodeType="withEffect">
-                                  <p:stCondLst>
-                                    <p:cond delay="0"/>
-                                  </p:stCondLst>
-                                  <p:childTnLst>
-                                    <p:set>
-                                      <p:cBhvr>
-                                        <p:cTn id="9" dur="1" fill="hold">
-                                          <p:stCondLst>
-                                            <p:cond delay="0"/>
-                                          </p:stCondLst>
-                                        </p:cTn>
-                                        <p:tgtEl>
-                                          <p:spTgt spid="3">
-                                            <p:txEl>
-                                              <p:pRg st="1" end="1"/>
-                                            </p:txEl>
-                                          </p:spTgt>
-                                        </p:tgtEl>
-                                        <p:attrNameLst>
-                                          <p:attrName>style.visibility</p:attrName>
-                                        </p:attrNameLst>
-                                      </p:cBhvr>
-                                      <p:to>
-                                        <p:strVal val="visible"/>
-                                      </p:to>
-                                    </p:set>
-                                    <p:animEffect transition="in" filter="fade">
-                                      <p:cBhvr>
-                                        <p:cTn id="10" dur="500"/>
-                                        <p:tgtEl>
-                                          <p:spTgt spid="3">
-                                            <p:txEl>
-                                              <p:pRg st="1" end="1"/>
-                                            </p:txEl>
-                                          </p:spTgt>
-                                        </p:tgtEl>
-                                      </p:cBhvr>
-                                    </p:animEffect>
-                                  </p:childTnLst>
-                                </p:cTn>
-                              </p:par>
-                              <p:par>
-                                <p:cTn id="11" presetID="10" presetClass="entr" presetSubtype="0" fill="hold" nodeType="withEffect">
-                                  <p:stCondLst>
-                                    <p:cond delay="0"/>
-                                  </p:stCondLst>
-                                  <p:childTnLst>
-                                    <p:set>
-                                      <p:cBhvr>
-                                        <p:cTn id="12" dur="1" fill="hold">
-                                          <p:stCondLst>
-                                            <p:cond delay="0"/>
-                                          </p:stCondLst>
-                                        </p:cTn>
-                                        <p:tgtEl>
-                                          <p:spTgt spid="4"/>
-                                        </p:tgtEl>
-                                        <p:attrNameLst>
-                                          <p:attrName>style.visibility</p:attrName>
-                                        </p:attrNameLst>
-                                      </p:cBhvr>
-                                      <p:to>
-                                        <p:strVal val="visible"/>
-                                      </p:to>
-                                    </p:set>
-                                    <p:animEffect transition="in" filter="fade">
-                                      <p:cBhvr>
-                                        <p:cTn id="13" dur="500"/>
-                                        <p:tgtEl>
-                                          <p:spTgt spid="4"/>
-                                        </p:tgtEl>
-                                      </p:cBhvr>
-                                    </p:animEffect>
-                                  </p:childTnLst>
-                                </p:cTn>
-                              </p:par>
-                            </p:childTnLst>
-                          </p:cTn>
-                        </p:par>
-                      </p:childTnLst>
-                    </p:cTn>
-                  </p:par>
-                  <p:par>
-                    <p:cTn id="14" fill="hold">
-                      <p:stCondLst>
-                        <p:cond delay="indefinite"/>
-                      </p:stCondLst>
-                      <p:childTnLst>
-                        <p:par>
-                          <p:cTn id="15" fill="hold">
-                            <p:stCondLst>
-                              <p:cond delay="0"/>
-                            </p:stCondLst>
-                            <p:childTnLst>
-                              <p:par>
-                                <p:cTn id="16" presetID="10" presetClass="entr" presetSubtype="0" fill="hold" nodeType="clickEffect">
-                                  <p:stCondLst>
-                                    <p:cond delay="0"/>
-                                  </p:stCondLst>
-                                  <p:childTnLst>
-                                    <p:set>
-                                      <p:cBhvr>
-                                        <p:cTn id="17" dur="1" fill="hold">
-                                          <p:stCondLst>
-                                            <p:cond delay="0"/>
-                                          </p:stCondLst>
-                                        </p:cTn>
-                                        <p:tgtEl>
-                                          <p:spTgt spid="3">
-                                            <p:txEl>
-                                              <p:pRg st="3" end="3"/>
-                                            </p:txEl>
-                                          </p:spTgt>
-                                        </p:tgtEl>
-                                        <p:attrNameLst>
-                                          <p:attrName>style.visibility</p:attrName>
-                                        </p:attrNameLst>
-                                      </p:cBhvr>
-                                      <p:to>
-                                        <p:strVal val="visible"/>
-                                      </p:to>
-                                    </p:set>
-                                    <p:animEffect transition="in" filter="fade">
-                                      <p:cBhvr>
-                                        <p:cTn id="18" dur="500"/>
-                                        <p:tgtEl>
-                                          <p:spTgt spid="3">
-                                            <p:txEl>
-                                              <p:pRg st="3" end="3"/>
-                                            </p:txEl>
-                                          </p:spTgt>
-                                        </p:tgtEl>
-                                      </p:cBhvr>
-                                    </p:animEffect>
-                                  </p:childTnLst>
-                                </p:cTn>
-                              </p:par>
-                              <p:par>
-                                <p:cTn id="19" presetID="10" presetClass="entr" presetSubtype="0" fill="hold" nodeType="withEffect">
-                                  <p:stCondLst>
-                                    <p:cond delay="0"/>
-                                  </p:stCondLst>
-                                  <p:childTnLst>
-                                    <p:set>
-                                      <p:cBhvr>
-                                        <p:cTn id="20" dur="1" fill="hold">
-                                          <p:stCondLst>
-                                            <p:cond delay="0"/>
-                                          </p:stCondLst>
-                                        </p:cTn>
-                                        <p:tgtEl>
-                                          <p:spTgt spid="5"/>
-                                        </p:tgtEl>
-                                        <p:attrNameLst>
-                                          <p:attrName>style.visibility</p:attrName>
-                                        </p:attrNameLst>
-                                      </p:cBhvr>
-                                      <p:to>
-                                        <p:strVal val="visible"/>
-                                      </p:to>
-                                    </p:set>
-                                    <p:animEffect transition="in" filter="fade">
-                                      <p:cBhvr>
-                                        <p:cTn id="21" dur="500"/>
-                                        <p:tgtEl>
-                                          <p:spTgt spid="5"/>
-                                        </p:tgtEl>
-                                      </p:cBhvr>
-                                    </p:animEffect>
-                                  </p:childTnLst>
-                                </p:cTn>
-                              </p:par>
-                            </p:childTnLst>
-                          </p:cTn>
-                        </p:par>
-                      </p:childTnLst>
-                    </p:cTn>
-                  </p:par>
-                </p:childTnLst>
-              </p:cTn>
-              <p:prevCondLst>
-                <p:cond evt="onPrev" delay="0">
-                  <p:tgtEl>
-                    <p:sldTgt/>
-                  </p:tgtEl>
-                </p:cond>
-              </p:prevCondLst>
-              <p:nextCondLst>
-                <p:cond evt="onNext" delay="0">
-                  <p:tgtEl>
-                    <p:sldTgt/>
-                  </p:tgtEl>
-                </p:cond>
-              </p:nextCondLst>
-            </p:seq>
-          </p:childTnLst>
-        </p:cTn>
-      </p:par>
-    </p:tnLst>
   </p:timing>
 </p:sld>
 </file>
@@ -18747,6 +20237,441 @@
           <p:cNvPr id="2" name="Title 1">
             <a:extLst>
               <a:ext uri="{FF2B5EF4-FFF2-40B4-BE49-F238E27FC236}">
+                <a16:creationId xmlns:a16="http://schemas.microsoft.com/office/drawing/2014/main" id="{23552D18-B177-48E6-8C75-62BA219AAAEF}"/>
+              </a:ext>
+            </a:extLst>
+          </p:cNvPr>
+          <p:cNvSpPr>
+            <a:spLocks noGrp="1"/>
+          </p:cNvSpPr>
+          <p:nvPr>
+            <p:ph type="title"/>
+          </p:nvPr>
+        </p:nvSpPr>
+        <p:spPr/>
+        <p:txBody>
+          <a:bodyPr/>
+          <a:lstStyle/>
+          <a:p>
+            <a:r>
+              <a:rPr lang="en-IE" dirty="0"/>
+              <a:t>2. express-session middleware</a:t>
+            </a:r>
+          </a:p>
+        </p:txBody>
+      </p:sp>
+      <p:sp>
+        <p:nvSpPr>
+          <p:cNvPr id="3" name="Content Placeholder 2">
+            <a:extLst>
+              <a:ext uri="{FF2B5EF4-FFF2-40B4-BE49-F238E27FC236}">
+                <a16:creationId xmlns:a16="http://schemas.microsoft.com/office/drawing/2014/main" id="{290E1AB1-2A4C-41BD-A37F-3D28D48B934E}"/>
+              </a:ext>
+            </a:extLst>
+          </p:cNvPr>
+          <p:cNvSpPr>
+            <a:spLocks noGrp="1"/>
+          </p:cNvSpPr>
+          <p:nvPr>
+            <p:ph idx="1"/>
+          </p:nvPr>
+        </p:nvSpPr>
+        <p:spPr/>
+        <p:txBody>
+          <a:bodyPr/>
+          <a:lstStyle/>
+          <a:p>
+            <a:r>
+              <a:rPr lang="en-IE" dirty="0"/>
+              <a:t>Session middleware that stores </a:t>
+            </a:r>
+            <a:r>
+              <a:rPr lang="en-GB" dirty="0"/>
+              <a:t>session data on server-side</a:t>
+            </a:r>
+          </a:p>
+          <a:p>
+            <a:pPr lvl="1"/>
+            <a:r>
+              <a:rPr lang="en-GB" dirty="0"/>
+              <a:t>Puts a unique ID on client</a:t>
+            </a:r>
+          </a:p>
+          <a:p>
+            <a:pPr lvl="1"/>
+            <a:endParaRPr lang="en-GB" dirty="0"/>
+          </a:p>
+          <a:p>
+            <a:r>
+              <a:rPr lang="en-GB" dirty="0"/>
+              <a:t>Add to Express App middleware stack:</a:t>
+            </a:r>
+          </a:p>
+          <a:p>
+            <a:endParaRPr lang="en-IE" dirty="0"/>
+          </a:p>
+        </p:txBody>
+      </p:sp>
+      <p:pic>
+        <p:nvPicPr>
+          <p:cNvPr id="4" name="Picture 3">
+            <a:extLst>
+              <a:ext uri="{FF2B5EF4-FFF2-40B4-BE49-F238E27FC236}">
+                <a16:creationId xmlns:a16="http://schemas.microsoft.com/office/drawing/2014/main" id="{FDB31A76-0E2E-458B-9019-40EEA4A1F2A0}"/>
+              </a:ext>
+            </a:extLst>
+          </p:cNvPr>
+          <p:cNvPicPr>
+            <a:picLocks noChangeAspect="1"/>
+          </p:cNvPicPr>
+          <p:nvPr/>
+        </p:nvPicPr>
+        <p:blipFill>
+          <a:blip r:embed="rId2"/>
+          <a:stretch>
+            <a:fillRect/>
+          </a:stretch>
+        </p:blipFill>
+        <p:spPr>
+          <a:xfrm>
+            <a:off x="1974272" y="2787793"/>
+            <a:ext cx="5277056" cy="371043"/>
+          </a:xfrm>
+          <a:prstGeom prst="rect">
+            <a:avLst/>
+          </a:prstGeom>
+        </p:spPr>
+      </p:pic>
+      <p:pic>
+        <p:nvPicPr>
+          <p:cNvPr id="5" name="Picture 4">
+            <a:extLst>
+              <a:ext uri="{FF2B5EF4-FFF2-40B4-BE49-F238E27FC236}">
+                <a16:creationId xmlns:a16="http://schemas.microsoft.com/office/drawing/2014/main" id="{FC7DE224-3AE1-46D8-98E2-89305E4CC941}"/>
+              </a:ext>
+            </a:extLst>
+          </p:cNvPr>
+          <p:cNvPicPr>
+            <a:picLocks noChangeAspect="1"/>
+          </p:cNvPicPr>
+          <p:nvPr/>
+        </p:nvPicPr>
+        <p:blipFill>
+          <a:blip r:embed="rId3"/>
+          <a:stretch>
+            <a:fillRect/>
+          </a:stretch>
+        </p:blipFill>
+        <p:spPr>
+          <a:xfrm>
+            <a:off x="1974272" y="4105274"/>
+            <a:ext cx="5362575" cy="2305050"/>
+          </a:xfrm>
+          <a:prstGeom prst="rect">
+            <a:avLst/>
+          </a:prstGeom>
+        </p:spPr>
+      </p:pic>
+    </p:spTree>
+    <p:extLst>
+      <p:ext uri="{BB962C8B-B14F-4D97-AF65-F5344CB8AC3E}">
+        <p14:creationId xmlns:p14="http://schemas.microsoft.com/office/powerpoint/2010/main" val="1404242917"/>
+      </p:ext>
+    </p:extLst>
+  </p:cSld>
+  <p:clrMapOvr>
+    <a:masterClrMapping/>
+  </p:clrMapOvr>
+  <p:timing>
+    <p:tnLst>
+      <p:par>
+        <p:cTn id="1" dur="indefinite" restart="never" nodeType="tmRoot">
+          <p:childTnLst>
+            <p:seq concurrent="1" nextAc="seek">
+              <p:cTn id="2" dur="indefinite" nodeType="mainSeq">
+                <p:childTnLst>
+                  <p:par>
+                    <p:cTn id="3" fill="hold">
+                      <p:stCondLst>
+                        <p:cond delay="indefinite"/>
+                      </p:stCondLst>
+                      <p:childTnLst>
+                        <p:par>
+                          <p:cTn id="4" fill="hold">
+                            <p:stCondLst>
+                              <p:cond delay="0"/>
+                            </p:stCondLst>
+                            <p:childTnLst>
+                              <p:par>
+                                <p:cTn id="5" presetID="10" presetClass="entr" presetSubtype="0" fill="hold" nodeType="clickEffect">
+                                  <p:stCondLst>
+                                    <p:cond delay="0"/>
+                                  </p:stCondLst>
+                                  <p:childTnLst>
+                                    <p:set>
+                                      <p:cBhvr>
+                                        <p:cTn id="6" dur="1" fill="hold">
+                                          <p:stCondLst>
+                                            <p:cond delay="0"/>
+                                          </p:stCondLst>
+                                        </p:cTn>
+                                        <p:tgtEl>
+                                          <p:spTgt spid="3">
+                                            <p:txEl>
+                                              <p:pRg st="0" end="0"/>
+                                            </p:txEl>
+                                          </p:spTgt>
+                                        </p:tgtEl>
+                                        <p:attrNameLst>
+                                          <p:attrName>style.visibility</p:attrName>
+                                        </p:attrNameLst>
+                                      </p:cBhvr>
+                                      <p:to>
+                                        <p:strVal val="visible"/>
+                                      </p:to>
+                                    </p:set>
+                                    <p:animEffect transition="in" filter="fade">
+                                      <p:cBhvr>
+                                        <p:cTn id="7" dur="500"/>
+                                        <p:tgtEl>
+                                          <p:spTgt spid="3">
+                                            <p:txEl>
+                                              <p:pRg st="0" end="0"/>
+                                            </p:txEl>
+                                          </p:spTgt>
+                                        </p:tgtEl>
+                                      </p:cBhvr>
+                                    </p:animEffect>
+                                  </p:childTnLst>
+                                </p:cTn>
+                              </p:par>
+                              <p:par>
+                                <p:cTn id="8" presetID="10" presetClass="entr" presetSubtype="0" fill="hold" nodeType="withEffect">
+                                  <p:stCondLst>
+                                    <p:cond delay="0"/>
+                                  </p:stCondLst>
+                                  <p:childTnLst>
+                                    <p:set>
+                                      <p:cBhvr>
+                                        <p:cTn id="9" dur="1" fill="hold">
+                                          <p:stCondLst>
+                                            <p:cond delay="0"/>
+                                          </p:stCondLst>
+                                        </p:cTn>
+                                        <p:tgtEl>
+                                          <p:spTgt spid="3">
+                                            <p:txEl>
+                                              <p:pRg st="1" end="1"/>
+                                            </p:txEl>
+                                          </p:spTgt>
+                                        </p:tgtEl>
+                                        <p:attrNameLst>
+                                          <p:attrName>style.visibility</p:attrName>
+                                        </p:attrNameLst>
+                                      </p:cBhvr>
+                                      <p:to>
+                                        <p:strVal val="visible"/>
+                                      </p:to>
+                                    </p:set>
+                                    <p:animEffect transition="in" filter="fade">
+                                      <p:cBhvr>
+                                        <p:cTn id="10" dur="500"/>
+                                        <p:tgtEl>
+                                          <p:spTgt spid="3">
+                                            <p:txEl>
+                                              <p:pRg st="1" end="1"/>
+                                            </p:txEl>
+                                          </p:spTgt>
+                                        </p:tgtEl>
+                                      </p:cBhvr>
+                                    </p:animEffect>
+                                  </p:childTnLst>
+                                </p:cTn>
+                              </p:par>
+                              <p:par>
+                                <p:cTn id="11" presetID="10" presetClass="entr" presetSubtype="0" fill="hold" nodeType="withEffect">
+                                  <p:stCondLst>
+                                    <p:cond delay="0"/>
+                                  </p:stCondLst>
+                                  <p:childTnLst>
+                                    <p:set>
+                                      <p:cBhvr>
+                                        <p:cTn id="12" dur="1" fill="hold">
+                                          <p:stCondLst>
+                                            <p:cond delay="0"/>
+                                          </p:stCondLst>
+                                        </p:cTn>
+                                        <p:tgtEl>
+                                          <p:spTgt spid="4"/>
+                                        </p:tgtEl>
+                                        <p:attrNameLst>
+                                          <p:attrName>style.visibility</p:attrName>
+                                        </p:attrNameLst>
+                                      </p:cBhvr>
+                                      <p:to>
+                                        <p:strVal val="visible"/>
+                                      </p:to>
+                                    </p:set>
+                                    <p:animEffect transition="in" filter="fade">
+                                      <p:cBhvr>
+                                        <p:cTn id="13" dur="500"/>
+                                        <p:tgtEl>
+                                          <p:spTgt spid="4"/>
+                                        </p:tgtEl>
+                                      </p:cBhvr>
+                                    </p:animEffect>
+                                  </p:childTnLst>
+                                </p:cTn>
+                              </p:par>
+                            </p:childTnLst>
+                          </p:cTn>
+                        </p:par>
+                      </p:childTnLst>
+                    </p:cTn>
+                  </p:par>
+                  <p:par>
+                    <p:cTn id="14" fill="hold">
+                      <p:stCondLst>
+                        <p:cond delay="indefinite"/>
+                      </p:stCondLst>
+                      <p:childTnLst>
+                        <p:par>
+                          <p:cTn id="15" fill="hold">
+                            <p:stCondLst>
+                              <p:cond delay="0"/>
+                            </p:stCondLst>
+                            <p:childTnLst>
+                              <p:par>
+                                <p:cTn id="16" presetID="10" presetClass="entr" presetSubtype="0" fill="hold" nodeType="clickEffect">
+                                  <p:stCondLst>
+                                    <p:cond delay="0"/>
+                                  </p:stCondLst>
+                                  <p:childTnLst>
+                                    <p:set>
+                                      <p:cBhvr>
+                                        <p:cTn id="17" dur="1" fill="hold">
+                                          <p:stCondLst>
+                                            <p:cond delay="0"/>
+                                          </p:stCondLst>
+                                        </p:cTn>
+                                        <p:tgtEl>
+                                          <p:spTgt spid="3">
+                                            <p:txEl>
+                                              <p:pRg st="3" end="3"/>
+                                            </p:txEl>
+                                          </p:spTgt>
+                                        </p:tgtEl>
+                                        <p:attrNameLst>
+                                          <p:attrName>style.visibility</p:attrName>
+                                        </p:attrNameLst>
+                                      </p:cBhvr>
+                                      <p:to>
+                                        <p:strVal val="visible"/>
+                                      </p:to>
+                                    </p:set>
+                                    <p:animEffect transition="in" filter="fade">
+                                      <p:cBhvr>
+                                        <p:cTn id="18" dur="500"/>
+                                        <p:tgtEl>
+                                          <p:spTgt spid="3">
+                                            <p:txEl>
+                                              <p:pRg st="3" end="3"/>
+                                            </p:txEl>
+                                          </p:spTgt>
+                                        </p:tgtEl>
+                                      </p:cBhvr>
+                                    </p:animEffect>
+                                  </p:childTnLst>
+                                </p:cTn>
+                              </p:par>
+                              <p:par>
+                                <p:cTn id="19" presetID="10" presetClass="entr" presetSubtype="0" fill="hold" nodeType="withEffect">
+                                  <p:stCondLst>
+                                    <p:cond delay="0"/>
+                                  </p:stCondLst>
+                                  <p:childTnLst>
+                                    <p:set>
+                                      <p:cBhvr>
+                                        <p:cTn id="20" dur="1" fill="hold">
+                                          <p:stCondLst>
+                                            <p:cond delay="0"/>
+                                          </p:stCondLst>
+                                        </p:cTn>
+                                        <p:tgtEl>
+                                          <p:spTgt spid="5"/>
+                                        </p:tgtEl>
+                                        <p:attrNameLst>
+                                          <p:attrName>style.visibility</p:attrName>
+                                        </p:attrNameLst>
+                                      </p:cBhvr>
+                                      <p:to>
+                                        <p:strVal val="visible"/>
+                                      </p:to>
+                                    </p:set>
+                                    <p:animEffect transition="in" filter="fade">
+                                      <p:cBhvr>
+                                        <p:cTn id="21" dur="500"/>
+                                        <p:tgtEl>
+                                          <p:spTgt spid="5"/>
+                                        </p:tgtEl>
+                                      </p:cBhvr>
+                                    </p:animEffect>
+                                  </p:childTnLst>
+                                </p:cTn>
+                              </p:par>
+                            </p:childTnLst>
+                          </p:cTn>
+                        </p:par>
+                      </p:childTnLst>
+                    </p:cTn>
+                  </p:par>
+                </p:childTnLst>
+              </p:cTn>
+              <p:prevCondLst>
+                <p:cond evt="onPrev" delay="0">
+                  <p:tgtEl>
+                    <p:sldTgt/>
+                  </p:tgtEl>
+                </p:cond>
+              </p:prevCondLst>
+              <p:nextCondLst>
+                <p:cond evt="onNext" delay="0">
+                  <p:tgtEl>
+                    <p:sldTgt/>
+                  </p:tgtEl>
+                </p:cond>
+              </p:nextCondLst>
+            </p:seq>
+          </p:childTnLst>
+        </p:cTn>
+      </p:par>
+    </p:tnLst>
+  </p:timing>
+</p:sld>
+</file>
+
+<file path=ppt/slides/slide41.xml><?xml version="1.0" encoding="utf-8"?>
+<p:sld xmlns:a="http://schemas.openxmlformats.org/drawingml/2006/main" xmlns:r="http://schemas.openxmlformats.org/officeDocument/2006/relationships" xmlns:p="http://schemas.openxmlformats.org/presentationml/2006/main">
+  <p:cSld>
+    <p:spTree>
+      <p:nvGrpSpPr>
+        <p:cNvPr id="1" name=""/>
+        <p:cNvGrpSpPr/>
+        <p:nvPr/>
+      </p:nvGrpSpPr>
+      <p:grpSpPr>
+        <a:xfrm>
+          <a:off x="0" y="0"/>
+          <a:ext cx="0" cy="0"/>
+          <a:chOff x="0" y="0"/>
+          <a:chExt cx="0" cy="0"/>
+        </a:xfrm>
+      </p:grpSpPr>
+      <p:sp>
+        <p:nvSpPr>
+          <p:cNvPr id="2" name="Title 1">
+            <a:extLst>
+              <a:ext uri="{FF2B5EF4-FFF2-40B4-BE49-F238E27FC236}">
                 <a16:creationId xmlns:a16="http://schemas.microsoft.com/office/drawing/2014/main" id="{F20AF0F3-B2D4-4CC2-AF99-1BF235806B4D}"/>
               </a:ext>
             </a:extLst>
@@ -19226,7 +21151,7 @@
 </p:sld>
 </file>
 
-<file path=ppt/slides/slide41.xml><?xml version="1.0" encoding="utf-8"?>
+<file path=ppt/slides/slide42.xml><?xml version="1.0" encoding="utf-8"?>
 <p:sld xmlns:a="http://schemas.openxmlformats.org/drawingml/2006/main" xmlns:r="http://schemas.openxmlformats.org/officeDocument/2006/relationships" xmlns:p="http://schemas.openxmlformats.org/presentationml/2006/main">
   <p:cSld>
     <p:spTree>
@@ -22373,7 +24298,7 @@
           <a:p>
             <a:r>
               <a:rPr lang="en-IE" dirty="0"/>
-              <a:t>Cloud Database Practices</a:t>
+              <a:t>NoSQL Cloud Database Practices</a:t>
             </a:r>
             <a:endParaRPr lang="en-US" dirty="0"/>
           </a:p>
